--- a/Lectures/Lecture1.pptx
+++ b/Lectures/Lecture1.pptx
@@ -343,7 +343,7 @@
           <a:p>
             <a:fld id="{CBA08D16-15DC-4E25-BDC3-F25146157B16}" type="datetimeFigureOut">
               <a:rPr lang="ru-RU" smtClean="0"/>
-              <a:t>31.08.2020</a:t>
+              <a:t>03.09.2020</a:t>
             </a:fld>
             <a:endParaRPr lang="ru-RU"/>
           </a:p>
@@ -826,7 +826,7 @@
           <a:p>
             <a:fld id="{FCEC8293-DB51-454A-BE81-EC8FCB31EBA2}" type="datetime1">
               <a:rPr lang="ru-RU" smtClean="0"/>
-              <a:t>31.08.2020</a:t>
+              <a:t>03.09.2020</a:t>
             </a:fld>
             <a:endParaRPr lang="ru-RU"/>
           </a:p>
@@ -1000,7 +1000,7 @@
           <a:p>
             <a:fld id="{241C87B1-1C35-4DBD-BC18-2BC72E776603}" type="datetime1">
               <a:rPr lang="ru-RU" smtClean="0"/>
-              <a:t>31.08.2020</a:t>
+              <a:t>03.09.2020</a:t>
             </a:fld>
             <a:endParaRPr lang="ru-RU"/>
           </a:p>
@@ -1184,7 +1184,7 @@
           <a:p>
             <a:fld id="{3134C275-26C0-42CD-9111-9ADE65922AF9}" type="datetime1">
               <a:rPr lang="ru-RU" smtClean="0"/>
-              <a:t>31.08.2020</a:t>
+              <a:t>03.09.2020</a:t>
             </a:fld>
             <a:endParaRPr lang="ru-RU"/>
           </a:p>
@@ -1358,7 +1358,7 @@
           <a:p>
             <a:fld id="{C1A9A50B-C350-45F5-8AAB-ADB9E670AF2E}" type="datetime1">
               <a:rPr lang="ru-RU" smtClean="0"/>
-              <a:t>31.08.2020</a:t>
+              <a:t>03.09.2020</a:t>
             </a:fld>
             <a:endParaRPr lang="ru-RU"/>
           </a:p>
@@ -1608,7 +1608,7 @@
           <a:p>
             <a:fld id="{089688C9-348F-42F9-B6C0-5990DDE0C5B2}" type="datetime1">
               <a:rPr lang="ru-RU" smtClean="0"/>
-              <a:t>31.08.2020</a:t>
+              <a:t>03.09.2020</a:t>
             </a:fld>
             <a:endParaRPr lang="ru-RU"/>
           </a:p>
@@ -1844,7 +1844,7 @@
           <a:p>
             <a:fld id="{684AFD8F-6DD9-4AD3-A505-FDC3F5C5F3F6}" type="datetime1">
               <a:rPr lang="ru-RU" smtClean="0"/>
-              <a:t>31.08.2020</a:t>
+              <a:t>03.09.2020</a:t>
             </a:fld>
             <a:endParaRPr lang="ru-RU"/>
           </a:p>
@@ -2215,7 +2215,7 @@
           <a:p>
             <a:fld id="{63551EFE-4D02-45EB-A747-8B6F047B5AA0}" type="datetime1">
               <a:rPr lang="ru-RU" smtClean="0"/>
-              <a:t>31.08.2020</a:t>
+              <a:t>03.09.2020</a:t>
             </a:fld>
             <a:endParaRPr lang="ru-RU"/>
           </a:p>
@@ -2337,7 +2337,7 @@
           <a:p>
             <a:fld id="{813A9F34-E5CD-4B8F-AA9E-889C84372B20}" type="datetime1">
               <a:rPr lang="ru-RU" smtClean="0"/>
-              <a:t>31.08.2020</a:t>
+              <a:t>03.09.2020</a:t>
             </a:fld>
             <a:endParaRPr lang="ru-RU"/>
           </a:p>
@@ -2436,7 +2436,7 @@
           <a:p>
             <a:fld id="{51224D22-9B29-44A6-8E82-95FC492DEDC1}" type="datetime1">
               <a:rPr lang="ru-RU" smtClean="0"/>
-              <a:t>31.08.2020</a:t>
+              <a:t>03.09.2020</a:t>
             </a:fld>
             <a:endParaRPr lang="ru-RU"/>
           </a:p>
@@ -2717,7 +2717,7 @@
           <a:p>
             <a:fld id="{91D1034F-4441-48A1-BDC0-25EA1022324A}" type="datetime1">
               <a:rPr lang="ru-RU" smtClean="0"/>
-              <a:t>31.08.2020</a:t>
+              <a:t>03.09.2020</a:t>
             </a:fld>
             <a:endParaRPr lang="ru-RU"/>
           </a:p>
@@ -2974,7 +2974,7 @@
           <a:p>
             <a:fld id="{B0FFDE79-B627-473B-AE17-4C65BD2495F7}" type="datetime1">
               <a:rPr lang="ru-RU" smtClean="0"/>
-              <a:t>31.08.2020</a:t>
+              <a:t>03.09.2020</a:t>
             </a:fld>
             <a:endParaRPr lang="ru-RU"/>
           </a:p>
@@ -3191,7 +3191,7 @@
           <a:p>
             <a:fld id="{11CA537A-1B8C-47BA-9BA6-7CE3FAFDA8BE}" type="datetime1">
               <a:rPr lang="ru-RU" smtClean="0"/>
-              <a:t>31.08.2020</a:t>
+              <a:t>03.09.2020</a:t>
             </a:fld>
             <a:endParaRPr lang="ru-RU"/>
           </a:p>
@@ -17512,8 +17512,8 @@
           </a:prstGeom>
         </p:spPr>
       </p:pic>
-      <mc:AlternateContent xmlns:mc="http://schemas.openxmlformats.org/markup-compatibility/2006">
-        <mc:Choice xmlns:a14="http://schemas.microsoft.com/office/drawing/2010/main" Requires="a14">
+      <mc:AlternateContent xmlns:mc="http://schemas.openxmlformats.org/markup-compatibility/2006" xmlns:a14="http://schemas.microsoft.com/office/drawing/2010/main">
+        <mc:Choice Requires="a14">
           <p:sp>
             <p:nvSpPr>
               <p:cNvPr id="6" name="TextBox 5"/>
@@ -17583,7 +17583,7 @@
             </p:txBody>
           </p:sp>
         </mc:Choice>
-        <mc:Fallback>
+        <mc:Fallback xmlns="">
           <p:sp>
             <p:nvSpPr>
               <p:cNvPr id="6" name="TextBox 5"/>
@@ -17745,8 +17745,8 @@
           </a:prstGeom>
         </p:spPr>
       </p:pic>
-      <mc:AlternateContent xmlns:mc="http://schemas.openxmlformats.org/markup-compatibility/2006">
-        <mc:Choice xmlns:a14="http://schemas.microsoft.com/office/drawing/2010/main" Requires="a14">
+      <mc:AlternateContent xmlns:mc="http://schemas.openxmlformats.org/markup-compatibility/2006" xmlns:a14="http://schemas.microsoft.com/office/drawing/2010/main">
+        <mc:Choice Requires="a14">
           <p:sp>
             <p:nvSpPr>
               <p:cNvPr id="10" name="TextBox 9"/>
@@ -17817,7 +17817,7 @@
             </p:txBody>
           </p:sp>
         </mc:Choice>
-        <mc:Fallback>
+        <mc:Fallback xmlns="">
           <p:sp>
             <p:nvSpPr>
               <p:cNvPr id="10" name="TextBox 9"/>
@@ -20254,8 +20254,8 @@
           </a:p>
         </p:txBody>
       </p:sp>
-      <mc:AlternateContent xmlns:mc="http://schemas.openxmlformats.org/markup-compatibility/2006" xmlns:a14="http://schemas.microsoft.com/office/drawing/2010/main">
-        <mc:Choice Requires="a14">
+      <mc:AlternateContent xmlns:mc="http://schemas.openxmlformats.org/markup-compatibility/2006">
+        <mc:Choice xmlns:a14="http://schemas.microsoft.com/office/drawing/2010/main" Requires="a14">
           <p:sp>
             <p:nvSpPr>
               <p:cNvPr id="3" name="Объект 2"/>
@@ -20811,7 +20811,13 @@
                       <a:rPr lang="en-US" i="1">
                         <a:latin typeface="Cambria Math" panose="02040503050406030204" pitchFamily="18" charset="0"/>
                       </a:rPr>
-                      <m:t>⇒</m:t>
+                      <m:t>&lt;</m:t>
+                    </m:r>
+                    <m:r>
+                      <a:rPr lang="en-US" b="0" i="1" smtClean="0">
+                        <a:latin typeface="Cambria Math" panose="02040503050406030204" pitchFamily="18" charset="0"/>
+                      </a:rPr>
+                      <m:t> = &gt;</m:t>
                     </m:r>
                     <m:d>
                       <m:dPr>
@@ -21234,7 +21240,7 @@
             </p:txBody>
           </p:sp>
         </mc:Choice>
-        <mc:Fallback xmlns="">
+        <mc:Fallback>
           <p:sp>
             <p:nvSpPr>
               <p:cNvPr id="3" name="Объект 2"/>
@@ -21249,7 +21255,7 @@
               <a:blipFill>
                 <a:blip r:embed="rId2"/>
                 <a:stretch>
-                  <a:fillRect l="-1043" t="-2101" r="-58"/>
+                  <a:fillRect l="-1043" t="-2101"/>
                 </a:stretch>
               </a:blipFill>
             </p:spPr>

--- a/Lectures/Lecture1.pptx
+++ b/Lectures/Lecture1.pptx
@@ -321,7 +321,7 @@
           <a:p>
             <a:fld id="{CBA08D16-15DC-4E25-BDC3-F25146157B16}" type="datetimeFigureOut">
               <a:rPr lang="ru-RU" smtClean="0"/>
-              <a:t>09.09.2020</a:t>
+              <a:t>10.09.2020</a:t>
             </a:fld>
             <a:endParaRPr lang="ru-RU"/>
           </a:p>
@@ -804,7 +804,7 @@
           <a:p>
             <a:fld id="{FCEC8293-DB51-454A-BE81-EC8FCB31EBA2}" type="datetime1">
               <a:rPr lang="ru-RU" smtClean="0"/>
-              <a:t>09.09.2020</a:t>
+              <a:t>10.09.2020</a:t>
             </a:fld>
             <a:endParaRPr lang="ru-RU"/>
           </a:p>
@@ -978,7 +978,7 @@
           <a:p>
             <a:fld id="{241C87B1-1C35-4DBD-BC18-2BC72E776603}" type="datetime1">
               <a:rPr lang="ru-RU" smtClean="0"/>
-              <a:t>09.09.2020</a:t>
+              <a:t>10.09.2020</a:t>
             </a:fld>
             <a:endParaRPr lang="ru-RU"/>
           </a:p>
@@ -1162,7 +1162,7 @@
           <a:p>
             <a:fld id="{3134C275-26C0-42CD-9111-9ADE65922AF9}" type="datetime1">
               <a:rPr lang="ru-RU" smtClean="0"/>
-              <a:t>09.09.2020</a:t>
+              <a:t>10.09.2020</a:t>
             </a:fld>
             <a:endParaRPr lang="ru-RU"/>
           </a:p>
@@ -1336,7 +1336,7 @@
           <a:p>
             <a:fld id="{C1A9A50B-C350-45F5-8AAB-ADB9E670AF2E}" type="datetime1">
               <a:rPr lang="ru-RU" smtClean="0"/>
-              <a:t>09.09.2020</a:t>
+              <a:t>10.09.2020</a:t>
             </a:fld>
             <a:endParaRPr lang="ru-RU"/>
           </a:p>
@@ -1586,7 +1586,7 @@
           <a:p>
             <a:fld id="{089688C9-348F-42F9-B6C0-5990DDE0C5B2}" type="datetime1">
               <a:rPr lang="ru-RU" smtClean="0"/>
-              <a:t>09.09.2020</a:t>
+              <a:t>10.09.2020</a:t>
             </a:fld>
             <a:endParaRPr lang="ru-RU"/>
           </a:p>
@@ -1822,7 +1822,7 @@
           <a:p>
             <a:fld id="{684AFD8F-6DD9-4AD3-A505-FDC3F5C5F3F6}" type="datetime1">
               <a:rPr lang="ru-RU" smtClean="0"/>
-              <a:t>09.09.2020</a:t>
+              <a:t>10.09.2020</a:t>
             </a:fld>
             <a:endParaRPr lang="ru-RU"/>
           </a:p>
@@ -2193,7 +2193,7 @@
           <a:p>
             <a:fld id="{63551EFE-4D02-45EB-A747-8B6F047B5AA0}" type="datetime1">
               <a:rPr lang="ru-RU" smtClean="0"/>
-              <a:t>09.09.2020</a:t>
+              <a:t>10.09.2020</a:t>
             </a:fld>
             <a:endParaRPr lang="ru-RU"/>
           </a:p>
@@ -2315,7 +2315,7 @@
           <a:p>
             <a:fld id="{813A9F34-E5CD-4B8F-AA9E-889C84372B20}" type="datetime1">
               <a:rPr lang="ru-RU" smtClean="0"/>
-              <a:t>09.09.2020</a:t>
+              <a:t>10.09.2020</a:t>
             </a:fld>
             <a:endParaRPr lang="ru-RU"/>
           </a:p>
@@ -2414,7 +2414,7 @@
           <a:p>
             <a:fld id="{51224D22-9B29-44A6-8E82-95FC492DEDC1}" type="datetime1">
               <a:rPr lang="ru-RU" smtClean="0"/>
-              <a:t>09.09.2020</a:t>
+              <a:t>10.09.2020</a:t>
             </a:fld>
             <a:endParaRPr lang="ru-RU"/>
           </a:p>
@@ -2695,7 +2695,7 @@
           <a:p>
             <a:fld id="{91D1034F-4441-48A1-BDC0-25EA1022324A}" type="datetime1">
               <a:rPr lang="ru-RU" smtClean="0"/>
-              <a:t>09.09.2020</a:t>
+              <a:t>10.09.2020</a:t>
             </a:fld>
             <a:endParaRPr lang="ru-RU"/>
           </a:p>
@@ -2952,7 +2952,7 @@
           <a:p>
             <a:fld id="{B0FFDE79-B627-473B-AE17-4C65BD2495F7}" type="datetime1">
               <a:rPr lang="ru-RU" smtClean="0"/>
-              <a:t>09.09.2020</a:t>
+              <a:t>10.09.2020</a:t>
             </a:fld>
             <a:endParaRPr lang="ru-RU"/>
           </a:p>
@@ -3169,7 +3169,7 @@
           <a:p>
             <a:fld id="{11CA537A-1B8C-47BA-9BA6-7CE3FAFDA8BE}" type="datetime1">
               <a:rPr lang="ru-RU" smtClean="0"/>
-              <a:t>09.09.2020</a:t>
+              <a:t>10.09.2020</a:t>
             </a:fld>
             <a:endParaRPr lang="ru-RU"/>
           </a:p>
@@ -11433,8 +11433,8 @@
           </a:p>
         </p:txBody>
       </p:sp>
-      <mc:AlternateContent xmlns:mc="http://schemas.openxmlformats.org/markup-compatibility/2006" xmlns:a14="http://schemas.microsoft.com/office/drawing/2010/main">
-        <mc:Choice Requires="a14">
+      <mc:AlternateContent xmlns:mc="http://schemas.openxmlformats.org/markup-compatibility/2006">
+        <mc:Choice xmlns:a14="http://schemas.microsoft.com/office/drawing/2010/main" Requires="a14">
           <p:sp>
             <p:nvSpPr>
               <p:cNvPr id="3" name="Объект 2"/>
@@ -11528,8 +11528,21 @@
                 </a:r>
                 <a:r>
                   <a:rPr lang="ru-RU" dirty="0" smtClean="0"/>
-                  <a:t>выбранный случайно равновероятно</a:t>
-                </a:r>
+                  <a:t>выбранный случайно </a:t>
+                </a:r>
+                <a:r>
+                  <a:rPr lang="ru-RU" dirty="0" smtClean="0"/>
+                  <a:t>равновероятно</a:t>
+                </a:r>
+                <a:r>
+                  <a:rPr lang="en-US" dirty="0" smtClean="0"/>
+                  <a:t> (</a:t>
+                </a:r>
+                <a:r>
+                  <a:rPr lang="ru-RU" dirty="0" smtClean="0"/>
+                  <a:t>если не указано явно иное распределение)</a:t>
+                </a:r>
+                <a:endParaRPr lang="ru-RU" dirty="0" smtClean="0"/>
               </a:p>
               <a:p>
                 <a:pPr marL="0" indent="0">
@@ -11602,6 +11615,18 @@
                     </m:r>
                   </m:oMath>
                 </a14:m>
+                <a:r>
+                  <a:rPr lang="ru-RU" b="0" dirty="0" smtClean="0"/>
+                  <a:t> </a:t>
+                </a:r>
+                <a:r>
+                  <a:rPr lang="en-US" dirty="0"/>
+                  <a:t>(</a:t>
+                </a:r>
+                <a:r>
+                  <a:rPr lang="ru-RU" dirty="0"/>
+                  <a:t>если не указано явно иное распределение)</a:t>
+                </a:r>
                 <a:endParaRPr lang="en-US" b="0" dirty="0" smtClean="0"/>
               </a:p>
               <a:p>
@@ -11614,39 +11639,96 @@
                 <a:pPr marL="0" indent="0">
                   <a:buNone/>
                 </a:pPr>
-                <a:r>
-                  <a:rPr lang="ru-RU" dirty="0" smtClean="0"/>
-                  <a:t>О.Т. (</a:t>
-                </a:r>
-                <a:r>
-                  <a:rPr lang="en-US" dirty="0" smtClean="0"/>
-                  <a:t>P.T.</a:t>
-                </a:r>
-                <a:r>
-                  <a:rPr lang="ru-RU" dirty="0" smtClean="0"/>
-                  <a:t>)</a:t>
-                </a:r>
-                <a:r>
-                  <a:rPr lang="en-US" dirty="0" smtClean="0"/>
-                  <a:t> – </a:t>
-                </a:r>
-                <a:r>
-                  <a:rPr lang="ru-RU" dirty="0" err="1" smtClean="0"/>
-                  <a:t>Откртый</a:t>
-                </a:r>
-                <a:r>
-                  <a:rPr lang="ru-RU" dirty="0" smtClean="0"/>
-                  <a:t> текст (</a:t>
-                </a:r>
-                <a:r>
-                  <a:rPr lang="en-US" dirty="0" smtClean="0"/>
-                  <a:t>Plain Text)</a:t>
-                </a:r>
+                <a14:m>
+                  <m:oMath xmlns:m="http://schemas.openxmlformats.org/officeDocument/2006/math">
+                    <m:r>
+                      <m:rPr>
+                        <m:sty m:val="p"/>
+                      </m:rPr>
+                      <a:rPr lang="en-US" b="0" i="0" smtClean="0">
+                        <a:latin typeface="Cambria Math" panose="02040503050406030204" pitchFamily="18" charset="0"/>
+                      </a:rPr>
+                      <m:t>Pr</m:t>
+                    </m:r>
+                    <m:r>
+                      <a:rPr lang="en-US" b="0" i="1" smtClean="0">
+                        <a:latin typeface="Cambria Math" panose="02040503050406030204" pitchFamily="18" charset="0"/>
+                      </a:rPr>
+                      <m:t>⁡[</m:t>
+                    </m:r>
+                    <m:r>
+                      <a:rPr lang="en-US" b="0" i="1" smtClean="0">
+                        <a:latin typeface="Cambria Math" panose="02040503050406030204" pitchFamily="18" charset="0"/>
+                      </a:rPr>
+                      <m:t>𝑊</m:t>
+                    </m:r>
+                    <m:r>
+                      <a:rPr lang="en-US" b="0" i="1" smtClean="0">
+                        <a:latin typeface="Cambria Math" panose="02040503050406030204" pitchFamily="18" charset="0"/>
+                      </a:rPr>
+                      <m:t>]</m:t>
+                    </m:r>
+                  </m:oMath>
+                </a14:m>
+                <a:r>
+                  <a:rPr lang="ru-RU" b="0" dirty="0" smtClean="0"/>
+                  <a:t> – вероятность события </a:t>
+                </a:r>
+                <a14:m>
+                  <m:oMath xmlns:m="http://schemas.openxmlformats.org/officeDocument/2006/math">
+                    <m:r>
+                      <a:rPr lang="en-US" b="0" i="1" smtClean="0">
+                        <a:latin typeface="Cambria Math" panose="02040503050406030204" pitchFamily="18" charset="0"/>
+                      </a:rPr>
+                      <m:t>𝑊</m:t>
+                    </m:r>
+                  </m:oMath>
+                </a14:m>
+                <a:endParaRPr lang="en-US" dirty="0" smtClean="0"/>
               </a:p>
               <a:p>
                 <a:pPr marL="0" indent="0">
                   <a:buNone/>
                 </a:pPr>
+                <a:endParaRPr lang="en-US" dirty="0"/>
+              </a:p>
+              <a:p>
+                <a:pPr marL="0" indent="0">
+                  <a:buNone/>
+                </a:pPr>
+                <a:r>
+                  <a:rPr lang="ru-RU" dirty="0" smtClean="0"/>
+                  <a:t>О.Т. (</a:t>
+                </a:r>
+                <a:r>
+                  <a:rPr lang="en-US" dirty="0" smtClean="0"/>
+                  <a:t>P.T.</a:t>
+                </a:r>
+                <a:r>
+                  <a:rPr lang="ru-RU" dirty="0" smtClean="0"/>
+                  <a:t>)</a:t>
+                </a:r>
+                <a:r>
+                  <a:rPr lang="en-US" dirty="0" smtClean="0"/>
+                  <a:t> – </a:t>
+                </a:r>
+                <a:r>
+                  <a:rPr lang="ru-RU" dirty="0" err="1" smtClean="0"/>
+                  <a:t>Откртый</a:t>
+                </a:r>
+                <a:r>
+                  <a:rPr lang="ru-RU" dirty="0" smtClean="0"/>
+                  <a:t> текст (</a:t>
+                </a:r>
+                <a:r>
+                  <a:rPr lang="en-US" dirty="0" smtClean="0"/>
+                  <a:t>Plain Text)</a:t>
+                </a:r>
+              </a:p>
+              <a:p>
+                <a:pPr marL="0" indent="0">
+                  <a:buNone/>
+                </a:pPr>
                 <a:r>
                   <a:rPr lang="ru-RU" dirty="0" smtClean="0"/>
                   <a:t>Ш.Т (</a:t>
@@ -11676,7 +11758,7 @@
             </p:txBody>
           </p:sp>
         </mc:Choice>
-        <mc:Fallback xmlns="">
+        <mc:Fallback>
           <p:sp>
             <p:nvSpPr>
               <p:cNvPr id="3" name="Объект 2"/>

--- a/Lectures/Lecture1.pptx
+++ b/Lectures/Lecture1.pptx
@@ -321,7 +321,7 @@
           <a:p>
             <a:fld id="{CBA08D16-15DC-4E25-BDC3-F25146157B16}" type="datetimeFigureOut">
               <a:rPr lang="ru-RU" smtClean="0"/>
-              <a:t>10.09.2020</a:t>
+              <a:t>02.09.2021</a:t>
             </a:fld>
             <a:endParaRPr lang="ru-RU"/>
           </a:p>
@@ -804,7 +804,7 @@
           <a:p>
             <a:fld id="{FCEC8293-DB51-454A-BE81-EC8FCB31EBA2}" type="datetime1">
               <a:rPr lang="ru-RU" smtClean="0"/>
-              <a:t>10.09.2020</a:t>
+              <a:t>02.09.2021</a:t>
             </a:fld>
             <a:endParaRPr lang="ru-RU"/>
           </a:p>
@@ -978,7 +978,7 @@
           <a:p>
             <a:fld id="{241C87B1-1C35-4DBD-BC18-2BC72E776603}" type="datetime1">
               <a:rPr lang="ru-RU" smtClean="0"/>
-              <a:t>10.09.2020</a:t>
+              <a:t>02.09.2021</a:t>
             </a:fld>
             <a:endParaRPr lang="ru-RU"/>
           </a:p>
@@ -1162,7 +1162,7 @@
           <a:p>
             <a:fld id="{3134C275-26C0-42CD-9111-9ADE65922AF9}" type="datetime1">
               <a:rPr lang="ru-RU" smtClean="0"/>
-              <a:t>10.09.2020</a:t>
+              <a:t>02.09.2021</a:t>
             </a:fld>
             <a:endParaRPr lang="ru-RU"/>
           </a:p>
@@ -1336,7 +1336,7 @@
           <a:p>
             <a:fld id="{C1A9A50B-C350-45F5-8AAB-ADB9E670AF2E}" type="datetime1">
               <a:rPr lang="ru-RU" smtClean="0"/>
-              <a:t>10.09.2020</a:t>
+              <a:t>02.09.2021</a:t>
             </a:fld>
             <a:endParaRPr lang="ru-RU"/>
           </a:p>
@@ -1586,7 +1586,7 @@
           <a:p>
             <a:fld id="{089688C9-348F-42F9-B6C0-5990DDE0C5B2}" type="datetime1">
               <a:rPr lang="ru-RU" smtClean="0"/>
-              <a:t>10.09.2020</a:t>
+              <a:t>02.09.2021</a:t>
             </a:fld>
             <a:endParaRPr lang="ru-RU"/>
           </a:p>
@@ -1822,7 +1822,7 @@
           <a:p>
             <a:fld id="{684AFD8F-6DD9-4AD3-A505-FDC3F5C5F3F6}" type="datetime1">
               <a:rPr lang="ru-RU" smtClean="0"/>
-              <a:t>10.09.2020</a:t>
+              <a:t>02.09.2021</a:t>
             </a:fld>
             <a:endParaRPr lang="ru-RU"/>
           </a:p>
@@ -2193,7 +2193,7 @@
           <a:p>
             <a:fld id="{63551EFE-4D02-45EB-A747-8B6F047B5AA0}" type="datetime1">
               <a:rPr lang="ru-RU" smtClean="0"/>
-              <a:t>10.09.2020</a:t>
+              <a:t>02.09.2021</a:t>
             </a:fld>
             <a:endParaRPr lang="ru-RU"/>
           </a:p>
@@ -2315,7 +2315,7 @@
           <a:p>
             <a:fld id="{813A9F34-E5CD-4B8F-AA9E-889C84372B20}" type="datetime1">
               <a:rPr lang="ru-RU" smtClean="0"/>
-              <a:t>10.09.2020</a:t>
+              <a:t>02.09.2021</a:t>
             </a:fld>
             <a:endParaRPr lang="ru-RU"/>
           </a:p>
@@ -2414,7 +2414,7 @@
           <a:p>
             <a:fld id="{51224D22-9B29-44A6-8E82-95FC492DEDC1}" type="datetime1">
               <a:rPr lang="ru-RU" smtClean="0"/>
-              <a:t>10.09.2020</a:t>
+              <a:t>02.09.2021</a:t>
             </a:fld>
             <a:endParaRPr lang="ru-RU"/>
           </a:p>
@@ -2695,7 +2695,7 @@
           <a:p>
             <a:fld id="{91D1034F-4441-48A1-BDC0-25EA1022324A}" type="datetime1">
               <a:rPr lang="ru-RU" smtClean="0"/>
-              <a:t>10.09.2020</a:t>
+              <a:t>02.09.2021</a:t>
             </a:fld>
             <a:endParaRPr lang="ru-RU"/>
           </a:p>
@@ -2952,7 +2952,7 @@
           <a:p>
             <a:fld id="{B0FFDE79-B627-473B-AE17-4C65BD2495F7}" type="datetime1">
               <a:rPr lang="ru-RU" smtClean="0"/>
-              <a:t>10.09.2020</a:t>
+              <a:t>02.09.2021</a:t>
             </a:fld>
             <a:endParaRPr lang="ru-RU"/>
           </a:p>
@@ -3169,7 +3169,7 @@
           <a:p>
             <a:fld id="{11CA537A-1B8C-47BA-9BA6-7CE3FAFDA8BE}" type="datetime1">
               <a:rPr lang="ru-RU" smtClean="0"/>
-              <a:t>10.09.2020</a:t>
+              <a:t>02.09.2021</a:t>
             </a:fld>
             <a:endParaRPr lang="ru-RU"/>
           </a:p>
@@ -3679,7 +3679,15 @@
           <a:p>
             <a:r>
               <a:rPr lang="ru-RU" dirty="0" smtClean="0"/>
-              <a:t>МИФИ 2020</a:t>
+              <a:t>МИФИ </a:t>
+            </a:r>
+            <a:r>
+              <a:rPr lang="ru-RU" dirty="0" smtClean="0"/>
+              <a:t>202</a:t>
+            </a:r>
+            <a:r>
+              <a:rPr lang="en-US" smtClean="0"/>
+              <a:t>1</a:t>
             </a:r>
             <a:endParaRPr lang="ru-RU" dirty="0"/>
           </a:p>
@@ -11433,8 +11441,8 @@
           </a:p>
         </p:txBody>
       </p:sp>
-      <mc:AlternateContent xmlns:mc="http://schemas.openxmlformats.org/markup-compatibility/2006">
-        <mc:Choice xmlns:a14="http://schemas.microsoft.com/office/drawing/2010/main" Requires="a14">
+      <mc:AlternateContent xmlns:mc="http://schemas.openxmlformats.org/markup-compatibility/2006" xmlns:a14="http://schemas.microsoft.com/office/drawing/2010/main">
+        <mc:Choice Requires="a14">
           <p:sp>
             <p:nvSpPr>
               <p:cNvPr id="3" name="Объект 2"/>
@@ -11528,11 +11536,7 @@
                 </a:r>
                 <a:r>
                   <a:rPr lang="ru-RU" dirty="0" smtClean="0"/>
-                  <a:t>выбранный случайно </a:t>
-                </a:r>
-                <a:r>
-                  <a:rPr lang="ru-RU" dirty="0" smtClean="0"/>
-                  <a:t>равновероятно</a:t>
+                  <a:t>выбранный случайно равновероятно</a:t>
                 </a:r>
                 <a:r>
                   <a:rPr lang="en-US" dirty="0" smtClean="0"/>
@@ -11542,7 +11546,6 @@
                   <a:rPr lang="ru-RU" dirty="0" smtClean="0"/>
                   <a:t>если не указано явно иное распределение)</a:t>
                 </a:r>
-                <a:endParaRPr lang="ru-RU" dirty="0" smtClean="0"/>
               </a:p>
               <a:p>
                 <a:pPr marL="0" indent="0">
@@ -11758,7 +11761,7 @@
             </p:txBody>
           </p:sp>
         </mc:Choice>
-        <mc:Fallback>
+        <mc:Fallback xmlns="">
           <p:sp>
             <p:nvSpPr>
               <p:cNvPr id="3" name="Объект 2"/>
@@ -25973,8 +25976,8 @@
           </a:p>
         </p:txBody>
       </p:sp>
-      <mc:AlternateContent xmlns:mc="http://schemas.openxmlformats.org/markup-compatibility/2006" xmlns:a14="http://schemas.microsoft.com/office/drawing/2010/main">
-        <mc:Choice Requires="a14">
+      <mc:AlternateContent xmlns:mc="http://schemas.openxmlformats.org/markup-compatibility/2006">
+        <mc:Choice xmlns:a14="http://schemas.microsoft.com/office/drawing/2010/main" Requires="a14">
           <p:sp>
             <p:nvSpPr>
               <p:cNvPr id="3" name="Объект 2"/>
@@ -26793,6 +26796,12 @@
                               </m:sSub>
                             </m:e>
                           </m:d>
+                          <m:r>
+                            <a:rPr lang="ru-RU" b="0" i="1" smtClean="0">
+                              <a:latin typeface="Cambria Math" panose="02040503050406030204" pitchFamily="18" charset="0"/>
+                            </a:rPr>
+                            <m:t>)</m:t>
+                          </m:r>
                           <m:r>
                             <a:rPr lang="en-US" i="1">
                               <a:latin typeface="Cambria Math" panose="02040503050406030204" pitchFamily="18" charset="0"/>
@@ -27198,6 +27207,12 @@
                             </m:e>
                           </m:d>
                           <m:r>
+                            <a:rPr lang="ru-RU" b="0" i="1" smtClean="0">
+                              <a:latin typeface="Cambria Math" panose="02040503050406030204" pitchFamily="18" charset="0"/>
+                            </a:rPr>
+                            <m:t>)</m:t>
+                          </m:r>
+                          <m:r>
                             <a:rPr lang="en-US" i="1">
                               <a:latin typeface="Cambria Math" panose="02040503050406030204" pitchFamily="18" charset="0"/>
                             </a:rPr>
@@ -27213,7 +27228,7 @@
             </p:txBody>
           </p:sp>
         </mc:Choice>
-        <mc:Fallback xmlns="">
+        <mc:Fallback>
           <p:sp>
             <p:nvSpPr>
               <p:cNvPr id="3" name="Объект 2"/>
@@ -30979,8 +30994,8 @@
           </a:p>
         </p:txBody>
       </p:sp>
-      <mc:AlternateContent xmlns:mc="http://schemas.openxmlformats.org/markup-compatibility/2006" xmlns:a14="http://schemas.microsoft.com/office/drawing/2010/main">
-        <mc:Choice Requires="a14">
+      <mc:AlternateContent xmlns:mc="http://schemas.openxmlformats.org/markup-compatibility/2006">
+        <mc:Choice xmlns:a14="http://schemas.microsoft.com/office/drawing/2010/main" Requires="a14">
           <p:sp>
             <p:nvSpPr>
               <p:cNvPr id="3" name="Объект 2"/>
@@ -31422,6 +31437,18 @@
                           </a:rPr>
                           <m:t>𝒚</m:t>
                         </m:r>
+                        <m:r>
+                          <a:rPr lang="en-US" b="1" i="1" smtClean="0">
+                            <a:latin typeface="Cambria Math" panose="02040503050406030204" pitchFamily="18" charset="0"/>
+                          </a:rPr>
+                          <m:t>=</m:t>
+                        </m:r>
+                        <m:r>
+                          <a:rPr lang="en-US" b="0" i="1" smtClean="0">
+                            <a:latin typeface="Cambria Math" panose="02040503050406030204" pitchFamily="18" charset="0"/>
+                          </a:rPr>
+                          <m:t>𝑥</m:t>
+                        </m:r>
                       </m:e>
                     </m:d>
                     <m:r>
@@ -31429,6 +31456,12 @@
                         <a:latin typeface="Cambria Math" panose="02040503050406030204" pitchFamily="18" charset="0"/>
                       </a:rPr>
                       <m:t>=</m:t>
+                    </m:r>
+                    <m:r>
+                      <a:rPr lang="en-US" b="0" i="1" smtClean="0">
+                        <a:latin typeface="Cambria Math" panose="02040503050406030204" pitchFamily="18" charset="0"/>
+                      </a:rPr>
+                      <m:t>−</m:t>
                     </m:r>
                     <m:nary>
                       <m:naryPr>
@@ -31442,13 +31475,10 @@
                       </m:naryPr>
                       <m:sub>
                         <m:r>
-                          <m:rPr>
-                            <m:brk m:alnAt="7"/>
-                          </m:rPr>
-                          <a:rPr lang="en-US" b="0" i="1" smtClean="0">
-                            <a:latin typeface="Cambria Math" panose="02040503050406030204" pitchFamily="18" charset="0"/>
-                          </a:rPr>
-                          <m:t>𝑎</m:t>
+                          <a:rPr lang="en-US" b="0" i="1" smtClean="0">
+                            <a:latin typeface="Cambria Math" panose="02040503050406030204" pitchFamily="18" charset="0"/>
+                          </a:rPr>
+                          <m:t>𝑦</m:t>
                         </m:r>
                         <m:r>
                           <a:rPr lang="en-US" b="0" i="1" smtClean="0">
@@ -31460,7 +31490,7 @@
                           <a:rPr lang="en-US" b="0" i="1" smtClean="0">
                             <a:latin typeface="Cambria Math" panose="02040503050406030204" pitchFamily="18" charset="0"/>
                           </a:rPr>
-                          <m:t>𝑋</m:t>
+                          <m:t>𝑌</m:t>
                         </m:r>
                       </m:sub>
                       <m:sup/>
@@ -31512,60 +31542,154 @@
                                   <a:rPr lang="en-US" b="0" i="1" smtClean="0">
                                     <a:latin typeface="Cambria Math" panose="02040503050406030204" pitchFamily="18" charset="0"/>
                                   </a:rPr>
-                                  <m:t>𝑎</m:t>
+                                  <m:t>𝑥</m:t>
+                                </m:r>
+                                <m:r>
+                                  <a:rPr lang="en-US" b="0" i="1" smtClean="0">
+                                    <a:latin typeface="Cambria Math" panose="02040503050406030204" pitchFamily="18" charset="0"/>
+                                  </a:rPr>
+                                  <m:t>|</m:t>
+                                </m:r>
+                                <m:r>
+                                  <a:rPr lang="en-US" b="1" i="1" smtClean="0">
+                                    <a:latin typeface="Cambria Math" panose="02040503050406030204" pitchFamily="18" charset="0"/>
+                                  </a:rPr>
+                                  <m:t>𝒚</m:t>
+                                </m:r>
+                                <m:r>
+                                  <a:rPr lang="en-US" b="0" i="1" smtClean="0">
+                                    <a:latin typeface="Cambria Math" panose="02040503050406030204" pitchFamily="18" charset="0"/>
+                                  </a:rPr>
+                                  <m:t>=</m:t>
+                                </m:r>
+                                <m:r>
+                                  <a:rPr lang="en-US" b="0" i="1" smtClean="0">
+                                    <a:latin typeface="Cambria Math" panose="02040503050406030204" pitchFamily="18" charset="0"/>
+                                  </a:rPr>
+                                  <m:t>𝑦</m:t>
                                 </m:r>
                               </m:e>
                             </m:d>
                           </m:e>
                         </m:func>
-                        <m:r>
-                          <a:rPr lang="en-US" b="0" i="1" smtClean="0">
-                            <a:latin typeface="Cambria Math" panose="02040503050406030204" pitchFamily="18" charset="0"/>
-                          </a:rPr>
-                          <m:t>𝐻</m:t>
-                        </m:r>
-                        <m:r>
-                          <a:rPr lang="en-US" b="0" i="1" smtClean="0">
-                            <a:latin typeface="Cambria Math" panose="02040503050406030204" pitchFamily="18" charset="0"/>
-                          </a:rPr>
-                          <m:t>(</m:t>
-                        </m:r>
-                        <m:r>
-                          <a:rPr lang="en-US" b="1" i="1" smtClean="0">
-                            <a:latin typeface="Cambria Math" panose="02040503050406030204" pitchFamily="18" charset="0"/>
-                          </a:rPr>
-                          <m:t>𝒙</m:t>
-                        </m:r>
-                        <m:r>
-                          <a:rPr lang="en-US" b="0" i="1" smtClean="0">
-                            <a:latin typeface="Cambria Math" panose="02040503050406030204" pitchFamily="18" charset="0"/>
-                          </a:rPr>
-                          <m:t>|</m:t>
-                        </m:r>
-                        <m:r>
-                          <a:rPr lang="en-US" b="1" i="1" smtClean="0">
-                            <a:latin typeface="Cambria Math" panose="02040503050406030204" pitchFamily="18" charset="0"/>
-                          </a:rPr>
-                          <m:t>𝒚</m:t>
-                        </m:r>
-                        <m:r>
-                          <a:rPr lang="en-US" b="0" i="1" smtClean="0">
-                            <a:latin typeface="Cambria Math" panose="02040503050406030204" pitchFamily="18" charset="0"/>
-                          </a:rPr>
-                          <m:t>=</m:t>
-                        </m:r>
-                        <m:r>
-                          <a:rPr lang="en-US" b="0" i="1" smtClean="0">
-                            <a:latin typeface="Cambria Math" panose="02040503050406030204" pitchFamily="18" charset="0"/>
-                          </a:rPr>
-                          <m:t>𝑎</m:t>
-                        </m:r>
-                        <m:r>
-                          <a:rPr lang="en-US" b="0" i="1" smtClean="0">
-                            <a:latin typeface="Cambria Math" panose="02040503050406030204" pitchFamily="18" charset="0"/>
-                          </a:rPr>
-                          <m:t>)</m:t>
-                        </m:r>
+                        <m:func>
+                          <m:funcPr>
+                            <m:ctrlPr>
+                              <a:rPr lang="en-US" b="0" i="1" smtClean="0">
+                                <a:latin typeface="Cambria Math" panose="02040503050406030204" pitchFamily="18" charset="0"/>
+                              </a:rPr>
+                            </m:ctrlPr>
+                          </m:funcPr>
+                          <m:fName>
+                            <m:sSub>
+                              <m:sSubPr>
+                                <m:ctrlPr>
+                                  <a:rPr lang="en-US" b="0" i="1" smtClean="0">
+                                    <a:latin typeface="Cambria Math" panose="02040503050406030204" pitchFamily="18" charset="0"/>
+                                  </a:rPr>
+                                </m:ctrlPr>
+                              </m:sSubPr>
+                              <m:e>
+                                <m:r>
+                                  <m:rPr>
+                                    <m:sty m:val="p"/>
+                                  </m:rPr>
+                                  <a:rPr lang="en-US" b="0" i="0" smtClean="0">
+                                    <a:latin typeface="Cambria Math" panose="02040503050406030204" pitchFamily="18" charset="0"/>
+                                  </a:rPr>
+                                  <m:t>log</m:t>
+                                </m:r>
+                              </m:e>
+                              <m:sub>
+                                <m:r>
+                                  <a:rPr lang="en-US" b="0" i="1" smtClean="0">
+                                    <a:latin typeface="Cambria Math" panose="02040503050406030204" pitchFamily="18" charset="0"/>
+                                  </a:rPr>
+                                  <m:t>2</m:t>
+                                </m:r>
+                              </m:sub>
+                            </m:sSub>
+                          </m:fName>
+                          <m:e>
+                            <m:func>
+                              <m:funcPr>
+                                <m:ctrlPr>
+                                  <a:rPr lang="en-US" i="1">
+                                    <a:latin typeface="Cambria Math" panose="02040503050406030204" pitchFamily="18" charset="0"/>
+                                  </a:rPr>
+                                </m:ctrlPr>
+                              </m:funcPr>
+                              <m:fName>
+                                <m:r>
+                                  <m:rPr>
+                                    <m:sty m:val="p"/>
+                                  </m:rPr>
+                                  <a:rPr lang="en-US">
+                                    <a:latin typeface="Cambria Math" panose="02040503050406030204" pitchFamily="18" charset="0"/>
+                                  </a:rPr>
+                                  <m:t>Pr</m:t>
+                                </m:r>
+                              </m:fName>
+                              <m:e>
+                                <m:d>
+                                  <m:dPr>
+                                    <m:begChr m:val="["/>
+                                    <m:endChr m:val="]"/>
+                                    <m:ctrlPr>
+                                      <a:rPr lang="en-US" i="1">
+                                        <a:latin typeface="Cambria Math" panose="02040503050406030204" pitchFamily="18" charset="0"/>
+                                      </a:rPr>
+                                    </m:ctrlPr>
+                                  </m:dPr>
+                                  <m:e>
+                                    <m:r>
+                                      <a:rPr lang="en-US" b="1" i="1" smtClean="0">
+                                        <a:latin typeface="Cambria Math" panose="02040503050406030204" pitchFamily="18" charset="0"/>
+                                      </a:rPr>
+                                      <m:t>𝒙</m:t>
+                                    </m:r>
+                                    <m:r>
+                                      <a:rPr lang="en-US" i="1">
+                                        <a:latin typeface="Cambria Math" panose="02040503050406030204" pitchFamily="18" charset="0"/>
+                                      </a:rPr>
+                                      <m:t>=</m:t>
+                                    </m:r>
+                                    <m:r>
+                                      <a:rPr lang="en-US" b="0" i="1" smtClean="0">
+                                        <a:latin typeface="Cambria Math" panose="02040503050406030204" pitchFamily="18" charset="0"/>
+                                      </a:rPr>
+                                      <m:t>𝑥</m:t>
+                                    </m:r>
+                                    <m:r>
+                                      <a:rPr lang="en-US" i="1">
+                                        <a:latin typeface="Cambria Math" panose="02040503050406030204" pitchFamily="18" charset="0"/>
+                                      </a:rPr>
+                                      <m:t>|</m:t>
+                                    </m:r>
+                                    <m:r>
+                                      <a:rPr lang="en-US" b="1" i="1" smtClean="0">
+                                        <a:latin typeface="Cambria Math" panose="02040503050406030204" pitchFamily="18" charset="0"/>
+                                      </a:rPr>
+                                      <m:t>𝒚</m:t>
+                                    </m:r>
+                                    <m:r>
+                                      <a:rPr lang="en-US" i="1">
+                                        <a:latin typeface="Cambria Math" panose="02040503050406030204" pitchFamily="18" charset="0"/>
+                                      </a:rPr>
+                                      <m:t>=</m:t>
+                                    </m:r>
+                                    <m:r>
+                                      <a:rPr lang="en-US" b="0" i="1" smtClean="0">
+                                        <a:latin typeface="Cambria Math" panose="02040503050406030204" pitchFamily="18" charset="0"/>
+                                      </a:rPr>
+                                      <m:t>𝑦</m:t>
+                                    </m:r>
+                                  </m:e>
+                                </m:d>
+                              </m:e>
+                            </m:func>
+                          </m:e>
+                        </m:func>
                       </m:e>
                     </m:nary>
                   </m:oMath>
@@ -31783,7 +31907,7 @@
             </p:txBody>
           </p:sp>
         </mc:Choice>
-        <mc:Fallback xmlns="">
+        <mc:Fallback>
           <p:sp>
             <p:nvSpPr>
               <p:cNvPr id="3" name="Объект 2"/>
@@ -31799,10 +31923,10 @@
                 <a:off x="838200" y="1847850"/>
                 <a:ext cx="10515600" cy="4351338"/>
               </a:xfrm>
-              <a:blipFill rotWithShape="0">
+              <a:blipFill>
                 <a:blip r:embed="rId2"/>
                 <a:stretch>
-                  <a:fillRect l="-1043" t="-2241" b="-5322"/>
+                  <a:fillRect l="-1043" t="-2241" b="-14286"/>
                 </a:stretch>
               </a:blipFill>
             </p:spPr>

--- a/Lectures/Lecture1.pptx
+++ b/Lectures/Lecture1.pptx
@@ -5,7 +5,7 @@
     <p:sldMasterId id="2147483648" r:id="rId1"/>
   </p:sldMasterIdLst>
   <p:notesMasterIdLst>
-    <p:notesMasterId r:id="rId49"/>
+    <p:notesMasterId r:id="rId51"/>
   </p:notesMasterIdLst>
   <p:sldIdLst>
     <p:sldId id="256" r:id="rId2"/>
@@ -23,38 +23,40 @@
     <p:sldId id="270" r:id="rId14"/>
     <p:sldId id="271" r:id="rId15"/>
     <p:sldId id="323" r:id="rId16"/>
-    <p:sldId id="326" r:id="rId17"/>
-    <p:sldId id="322" r:id="rId18"/>
-    <p:sldId id="273" r:id="rId19"/>
-    <p:sldId id="267" r:id="rId20"/>
-    <p:sldId id="275" r:id="rId21"/>
-    <p:sldId id="278" r:id="rId22"/>
-    <p:sldId id="279" r:id="rId23"/>
-    <p:sldId id="328" r:id="rId24"/>
-    <p:sldId id="276" r:id="rId25"/>
-    <p:sldId id="277" r:id="rId26"/>
-    <p:sldId id="280" r:id="rId27"/>
-    <p:sldId id="281" r:id="rId28"/>
-    <p:sldId id="268" r:id="rId29"/>
-    <p:sldId id="282" r:id="rId30"/>
-    <p:sldId id="283" r:id="rId31"/>
-    <p:sldId id="284" r:id="rId32"/>
-    <p:sldId id="285" r:id="rId33"/>
-    <p:sldId id="286" r:id="rId34"/>
-    <p:sldId id="287" r:id="rId35"/>
-    <p:sldId id="288" r:id="rId36"/>
-    <p:sldId id="289" r:id="rId37"/>
-    <p:sldId id="290" r:id="rId38"/>
-    <p:sldId id="327" r:id="rId39"/>
-    <p:sldId id="291" r:id="rId40"/>
-    <p:sldId id="292" r:id="rId41"/>
-    <p:sldId id="293" r:id="rId42"/>
-    <p:sldId id="294" r:id="rId43"/>
-    <p:sldId id="296" r:id="rId44"/>
-    <p:sldId id="329" r:id="rId45"/>
-    <p:sldId id="295" r:id="rId46"/>
-    <p:sldId id="297" r:id="rId47"/>
-    <p:sldId id="330" r:id="rId48"/>
+    <p:sldId id="332" r:id="rId17"/>
+    <p:sldId id="326" r:id="rId18"/>
+    <p:sldId id="322" r:id="rId19"/>
+    <p:sldId id="273" r:id="rId20"/>
+    <p:sldId id="267" r:id="rId21"/>
+    <p:sldId id="275" r:id="rId22"/>
+    <p:sldId id="278" r:id="rId23"/>
+    <p:sldId id="279" r:id="rId24"/>
+    <p:sldId id="328" r:id="rId25"/>
+    <p:sldId id="276" r:id="rId26"/>
+    <p:sldId id="277" r:id="rId27"/>
+    <p:sldId id="280" r:id="rId28"/>
+    <p:sldId id="281" r:id="rId29"/>
+    <p:sldId id="268" r:id="rId30"/>
+    <p:sldId id="282" r:id="rId31"/>
+    <p:sldId id="283" r:id="rId32"/>
+    <p:sldId id="284" r:id="rId33"/>
+    <p:sldId id="285" r:id="rId34"/>
+    <p:sldId id="286" r:id="rId35"/>
+    <p:sldId id="287" r:id="rId36"/>
+    <p:sldId id="288" r:id="rId37"/>
+    <p:sldId id="289" r:id="rId38"/>
+    <p:sldId id="290" r:id="rId39"/>
+    <p:sldId id="327" r:id="rId40"/>
+    <p:sldId id="291" r:id="rId41"/>
+    <p:sldId id="292" r:id="rId42"/>
+    <p:sldId id="293" r:id="rId43"/>
+    <p:sldId id="294" r:id="rId44"/>
+    <p:sldId id="296" r:id="rId45"/>
+    <p:sldId id="329" r:id="rId46"/>
+    <p:sldId id="295" r:id="rId47"/>
+    <p:sldId id="297" r:id="rId48"/>
+    <p:sldId id="330" r:id="rId49"/>
+    <p:sldId id="333" r:id="rId50"/>
   </p:sldIdLst>
   <p:sldSz cx="12192000" cy="6858000"/>
   <p:notesSz cx="6858000" cy="9144000"/>
@@ -181,6 +183,7 @@
             <p14:sldId id="270"/>
             <p14:sldId id="271"/>
             <p14:sldId id="323"/>
+            <p14:sldId id="332"/>
             <p14:sldId id="326"/>
             <p14:sldId id="322"/>
             <p14:sldId id="273"/>
@@ -225,6 +228,7 @@
         <p14:section name="Выводы" id="{DBB8A91A-3157-4835-9428-3543E107E76C}">
           <p14:sldIdLst>
             <p14:sldId id="330"/>
+            <p14:sldId id="333"/>
           </p14:sldIdLst>
         </p14:section>
       </p14:sectionLst>
@@ -321,7 +325,7 @@
           <a:p>
             <a:fld id="{CBA08D16-15DC-4E25-BDC3-F25146157B16}" type="datetimeFigureOut">
               <a:rPr lang="ru-RU" smtClean="0"/>
-              <a:t>02.09.2021</a:t>
+              <a:t>08.09.2022</a:t>
             </a:fld>
             <a:endParaRPr lang="ru-RU"/>
           </a:p>
@@ -673,6 +677,102 @@
 </p:notes>
 </file>
 
+<file path=ppt/notesSlides/notesSlide2.xml><?xml version="1.0" encoding="utf-8"?>
+<p:notes xmlns:a="http://schemas.openxmlformats.org/drawingml/2006/main" xmlns:r="http://schemas.openxmlformats.org/officeDocument/2006/relationships" xmlns:p="http://schemas.openxmlformats.org/presentationml/2006/main">
+  <p:cSld>
+    <p:spTree>
+      <p:nvGrpSpPr>
+        <p:cNvPr id="1" name=""/>
+        <p:cNvGrpSpPr/>
+        <p:nvPr/>
+      </p:nvGrpSpPr>
+      <p:grpSpPr>
+        <a:xfrm>
+          <a:off x="0" y="0"/>
+          <a:ext cx="0" cy="0"/>
+          <a:chOff x="0" y="0"/>
+          <a:chExt cx="0" cy="0"/>
+        </a:xfrm>
+      </p:grpSpPr>
+      <p:sp>
+        <p:nvSpPr>
+          <p:cNvPr id="2" name="Образ слайда 1"/>
+          <p:cNvSpPr>
+            <a:spLocks noGrp="1" noRot="1" noChangeAspect="1"/>
+          </p:cNvSpPr>
+          <p:nvPr>
+            <p:ph type="sldImg"/>
+          </p:nvPr>
+        </p:nvSpPr>
+        <p:spPr/>
+      </p:sp>
+      <p:sp>
+        <p:nvSpPr>
+          <p:cNvPr id="3" name="Заметки 2"/>
+          <p:cNvSpPr>
+            <a:spLocks noGrp="1"/>
+          </p:cNvSpPr>
+          <p:nvPr>
+            <p:ph type="body" idx="1"/>
+          </p:nvPr>
+        </p:nvSpPr>
+        <p:spPr/>
+        <p:txBody>
+          <a:bodyPr/>
+          <a:lstStyle/>
+          <a:p>
+            <a:r>
+              <a:rPr lang="ru-RU" dirty="0" smtClean="0"/>
+              <a:t>Картинка</a:t>
+            </a:r>
+            <a:r>
+              <a:rPr lang="ru-RU" baseline="0" dirty="0" smtClean="0"/>
+              <a:t> про энтропию ключа и энтропию </a:t>
+            </a:r>
+            <a:r>
+              <a:rPr lang="ru-RU" baseline="0" dirty="0" err="1" smtClean="0"/>
+              <a:t>шт</a:t>
+            </a:r>
+            <a:endParaRPr lang="ru-RU" dirty="0"/>
+          </a:p>
+        </p:txBody>
+      </p:sp>
+      <p:sp>
+        <p:nvSpPr>
+          <p:cNvPr id="4" name="Номер слайда 3"/>
+          <p:cNvSpPr>
+            <a:spLocks noGrp="1"/>
+          </p:cNvSpPr>
+          <p:nvPr>
+            <p:ph type="sldNum" sz="quarter" idx="10"/>
+          </p:nvPr>
+        </p:nvSpPr>
+        <p:spPr/>
+        <p:txBody>
+          <a:bodyPr/>
+          <a:lstStyle/>
+          <a:p>
+            <a:fld id="{D6D75760-61D2-4B80-8A8D-A874439CE6F8}" type="slidenum">
+              <a:rPr lang="ru-RU" smtClean="0"/>
+              <a:t>46</a:t>
+            </a:fld>
+            <a:endParaRPr lang="ru-RU"/>
+          </a:p>
+        </p:txBody>
+      </p:sp>
+    </p:spTree>
+    <p:extLst>
+      <p:ext uri="{BB962C8B-B14F-4D97-AF65-F5344CB8AC3E}">
+        <p14:creationId xmlns:p14="http://schemas.microsoft.com/office/powerpoint/2010/main" val="842900050"/>
+      </p:ext>
+    </p:extLst>
+  </p:cSld>
+  <p:clrMapOvr>
+    <a:masterClrMapping/>
+  </p:clrMapOvr>
+</p:notes>
+</file>
+
 <file path=ppt/slideLayouts/slideLayout1.xml><?xml version="1.0" encoding="utf-8"?>
 <p:sldLayout xmlns:a="http://schemas.openxmlformats.org/drawingml/2006/main" xmlns:r="http://schemas.openxmlformats.org/officeDocument/2006/relationships" xmlns:p="http://schemas.openxmlformats.org/presentationml/2006/main" type="title" preserve="1">
   <p:cSld name="Титульный слайд">
@@ -804,7 +904,7 @@
           <a:p>
             <a:fld id="{FCEC8293-DB51-454A-BE81-EC8FCB31EBA2}" type="datetime1">
               <a:rPr lang="ru-RU" smtClean="0"/>
-              <a:t>02.09.2021</a:t>
+              <a:t>08.09.2022</a:t>
             </a:fld>
             <a:endParaRPr lang="ru-RU"/>
           </a:p>
@@ -978,7 +1078,7 @@
           <a:p>
             <a:fld id="{241C87B1-1C35-4DBD-BC18-2BC72E776603}" type="datetime1">
               <a:rPr lang="ru-RU" smtClean="0"/>
-              <a:t>02.09.2021</a:t>
+              <a:t>08.09.2022</a:t>
             </a:fld>
             <a:endParaRPr lang="ru-RU"/>
           </a:p>
@@ -1162,7 +1262,7 @@
           <a:p>
             <a:fld id="{3134C275-26C0-42CD-9111-9ADE65922AF9}" type="datetime1">
               <a:rPr lang="ru-RU" smtClean="0"/>
-              <a:t>02.09.2021</a:t>
+              <a:t>08.09.2022</a:t>
             </a:fld>
             <a:endParaRPr lang="ru-RU"/>
           </a:p>
@@ -1336,7 +1436,7 @@
           <a:p>
             <a:fld id="{C1A9A50B-C350-45F5-8AAB-ADB9E670AF2E}" type="datetime1">
               <a:rPr lang="ru-RU" smtClean="0"/>
-              <a:t>02.09.2021</a:t>
+              <a:t>08.09.2022</a:t>
             </a:fld>
             <a:endParaRPr lang="ru-RU"/>
           </a:p>
@@ -1586,7 +1686,7 @@
           <a:p>
             <a:fld id="{089688C9-348F-42F9-B6C0-5990DDE0C5B2}" type="datetime1">
               <a:rPr lang="ru-RU" smtClean="0"/>
-              <a:t>02.09.2021</a:t>
+              <a:t>08.09.2022</a:t>
             </a:fld>
             <a:endParaRPr lang="ru-RU"/>
           </a:p>
@@ -1822,7 +1922,7 @@
           <a:p>
             <a:fld id="{684AFD8F-6DD9-4AD3-A505-FDC3F5C5F3F6}" type="datetime1">
               <a:rPr lang="ru-RU" smtClean="0"/>
-              <a:t>02.09.2021</a:t>
+              <a:t>08.09.2022</a:t>
             </a:fld>
             <a:endParaRPr lang="ru-RU"/>
           </a:p>
@@ -2193,7 +2293,7 @@
           <a:p>
             <a:fld id="{63551EFE-4D02-45EB-A747-8B6F047B5AA0}" type="datetime1">
               <a:rPr lang="ru-RU" smtClean="0"/>
-              <a:t>02.09.2021</a:t>
+              <a:t>08.09.2022</a:t>
             </a:fld>
             <a:endParaRPr lang="ru-RU"/>
           </a:p>
@@ -2315,7 +2415,7 @@
           <a:p>
             <a:fld id="{813A9F34-E5CD-4B8F-AA9E-889C84372B20}" type="datetime1">
               <a:rPr lang="ru-RU" smtClean="0"/>
-              <a:t>02.09.2021</a:t>
+              <a:t>08.09.2022</a:t>
             </a:fld>
             <a:endParaRPr lang="ru-RU"/>
           </a:p>
@@ -2414,7 +2514,7 @@
           <a:p>
             <a:fld id="{51224D22-9B29-44A6-8E82-95FC492DEDC1}" type="datetime1">
               <a:rPr lang="ru-RU" smtClean="0"/>
-              <a:t>02.09.2021</a:t>
+              <a:t>08.09.2022</a:t>
             </a:fld>
             <a:endParaRPr lang="ru-RU"/>
           </a:p>
@@ -2695,7 +2795,7 @@
           <a:p>
             <a:fld id="{91D1034F-4441-48A1-BDC0-25EA1022324A}" type="datetime1">
               <a:rPr lang="ru-RU" smtClean="0"/>
-              <a:t>02.09.2021</a:t>
+              <a:t>08.09.2022</a:t>
             </a:fld>
             <a:endParaRPr lang="ru-RU"/>
           </a:p>
@@ -2952,7 +3052,7 @@
           <a:p>
             <a:fld id="{B0FFDE79-B627-473B-AE17-4C65BD2495F7}" type="datetime1">
               <a:rPr lang="ru-RU" smtClean="0"/>
-              <a:t>02.09.2021</a:t>
+              <a:t>08.09.2022</a:t>
             </a:fld>
             <a:endParaRPr lang="ru-RU"/>
           </a:p>
@@ -3169,7 +3269,7 @@
           <a:p>
             <a:fld id="{11CA537A-1B8C-47BA-9BA6-7CE3FAFDA8BE}" type="datetime1">
               <a:rPr lang="ru-RU" smtClean="0"/>
-              <a:t>02.09.2021</a:t>
+              <a:t>08.09.2022</a:t>
             </a:fld>
             <a:endParaRPr lang="ru-RU"/>
           </a:p>
@@ -3686,8 +3786,8 @@
               <a:t>202</a:t>
             </a:r>
             <a:r>
-              <a:rPr lang="en-US" smtClean="0"/>
-              <a:t>1</a:t>
+              <a:rPr lang="en-US" dirty="0"/>
+              <a:t>2</a:t>
             </a:r>
             <a:endParaRPr lang="ru-RU" dirty="0"/>
           </a:p>
@@ -5228,7 +5328,11 @@
               <a:t>подход</a:t>
             </a:r>
             <a:r>
-              <a:rPr lang="ru-RU" sz="2600" dirty="0" smtClean="0"/>
+              <a:rPr lang="en-US" sz="2600" b="1" smtClean="0"/>
+              <a:t> </a:t>
+            </a:r>
+            <a:r>
+              <a:rPr lang="ru-RU" sz="2600" smtClean="0"/>
               <a:t>– </a:t>
             </a:r>
             <a:r>
@@ -6085,6 +6189,112 @@
           </a:p>
         </p:txBody>
       </p:sp>
+      <p:sp>
+        <p:nvSpPr>
+          <p:cNvPr id="3" name="Объект 2"/>
+          <p:cNvSpPr>
+            <a:spLocks noGrp="1"/>
+          </p:cNvSpPr>
+          <p:nvPr>
+            <p:ph idx="1"/>
+          </p:nvPr>
+        </p:nvSpPr>
+        <p:spPr/>
+        <p:txBody>
+          <a:bodyPr/>
+          <a:lstStyle/>
+          <a:p>
+            <a:endParaRPr lang="ru-RU"/>
+          </a:p>
+        </p:txBody>
+      </p:sp>
+      <p:sp>
+        <p:nvSpPr>
+          <p:cNvPr id="4" name="Номер слайда 3"/>
+          <p:cNvSpPr>
+            <a:spLocks noGrp="1"/>
+          </p:cNvSpPr>
+          <p:nvPr>
+            <p:ph type="sldNum" sz="quarter" idx="12"/>
+          </p:nvPr>
+        </p:nvSpPr>
+        <p:spPr/>
+        <p:txBody>
+          <a:bodyPr/>
+          <a:lstStyle/>
+          <a:p>
+            <a:fld id="{8253DDDB-F8F7-4D64-A7FD-3F3D61C1949F}" type="slidenum">
+              <a:rPr lang="ru-RU" smtClean="0"/>
+              <a:t>16</a:t>
+            </a:fld>
+            <a:endParaRPr lang="ru-RU"/>
+          </a:p>
+        </p:txBody>
+      </p:sp>
+    </p:spTree>
+    <p:extLst>
+      <p:ext uri="{BB962C8B-B14F-4D97-AF65-F5344CB8AC3E}">
+        <p14:creationId xmlns:p14="http://schemas.microsoft.com/office/powerpoint/2010/main" val="1604911670"/>
+      </p:ext>
+    </p:extLst>
+  </p:cSld>
+  <p:clrMapOvr>
+    <a:masterClrMapping/>
+  </p:clrMapOvr>
+  <p:timing>
+    <p:tnLst>
+      <p:par>
+        <p:cTn id="1" dur="indefinite" restart="never" nodeType="tmRoot"/>
+      </p:par>
+    </p:tnLst>
+  </p:timing>
+</p:sld>
+</file>
+
+<file path=ppt/slides/slide17.xml><?xml version="1.0" encoding="utf-8"?>
+<p:sld xmlns:a="http://schemas.openxmlformats.org/drawingml/2006/main" xmlns:r="http://schemas.openxmlformats.org/officeDocument/2006/relationships" xmlns:p="http://schemas.openxmlformats.org/presentationml/2006/main">
+  <p:cSld>
+    <p:spTree>
+      <p:nvGrpSpPr>
+        <p:cNvPr id="1" name=""/>
+        <p:cNvGrpSpPr/>
+        <p:nvPr/>
+      </p:nvGrpSpPr>
+      <p:grpSpPr>
+        <a:xfrm>
+          <a:off x="0" y="0"/>
+          <a:ext cx="0" cy="0"/>
+          <a:chOff x="0" y="0"/>
+          <a:chExt cx="0" cy="0"/>
+        </a:xfrm>
+      </p:grpSpPr>
+      <p:sp>
+        <p:nvSpPr>
+          <p:cNvPr id="2" name="Заголовок 1"/>
+          <p:cNvSpPr>
+            <a:spLocks noGrp="1"/>
+          </p:cNvSpPr>
+          <p:nvPr>
+            <p:ph type="title"/>
+          </p:nvPr>
+        </p:nvSpPr>
+        <p:spPr/>
+        <p:txBody>
+          <a:bodyPr/>
+          <a:lstStyle/>
+          <a:p>
+            <a:r>
+              <a:rPr lang="ru-RU" dirty="0"/>
+              <a:t>Сведение стойкости (</a:t>
+            </a:r>
+            <a:r>
+              <a:rPr lang="en-US" dirty="0"/>
+              <a:t>Security Reduction)</a:t>
+            </a:r>
+            <a:endParaRPr lang="ru-RU" dirty="0"/>
+          </a:p>
+        </p:txBody>
+      </p:sp>
       <mc:AlternateContent xmlns:mc="http://schemas.openxmlformats.org/markup-compatibility/2006" xmlns:a14="http://schemas.microsoft.com/office/drawing/2010/main">
         <mc:Choice Requires="a14">
           <p:sp>
@@ -6532,7 +6742,7 @@
           <a:p>
             <a:fld id="{8253DDDB-F8F7-4D64-A7FD-3F3D61C1949F}" type="slidenum">
               <a:rPr lang="ru-RU" smtClean="0"/>
-              <a:t>16</a:t>
+              <a:t>17</a:t>
             </a:fld>
             <a:endParaRPr lang="ru-RU"/>
           </a:p>
@@ -6558,7 +6768,7 @@
 </p:sld>
 </file>
 
-<file path=ppt/slides/slide17.xml><?xml version="1.0" encoding="utf-8"?>
+<file path=ppt/slides/slide18.xml><?xml version="1.0" encoding="utf-8"?>
 <p:sld xmlns:a="http://schemas.openxmlformats.org/drawingml/2006/main" xmlns:r="http://schemas.openxmlformats.org/officeDocument/2006/relationships" xmlns:p="http://schemas.openxmlformats.org/presentationml/2006/main">
   <p:cSld>
     <p:spTree>
@@ -6657,7 +6867,7 @@
           <a:p>
             <a:fld id="{8253DDDB-F8F7-4D64-A7FD-3F3D61C1949F}" type="slidenum">
               <a:rPr lang="ru-RU" smtClean="0"/>
-              <a:t>17</a:t>
+              <a:t>18</a:t>
             </a:fld>
             <a:endParaRPr lang="ru-RU"/>
           </a:p>
@@ -7270,233 +7480,6 @@
 </p:sld>
 </file>
 
-<file path=ppt/slides/slide18.xml><?xml version="1.0" encoding="utf-8"?>
-<p:sld xmlns:a="http://schemas.openxmlformats.org/drawingml/2006/main" xmlns:r="http://schemas.openxmlformats.org/officeDocument/2006/relationships" xmlns:p="http://schemas.openxmlformats.org/presentationml/2006/main">
-  <p:cSld>
-    <p:spTree>
-      <p:nvGrpSpPr>
-        <p:cNvPr id="1" name=""/>
-        <p:cNvGrpSpPr/>
-        <p:nvPr/>
-      </p:nvGrpSpPr>
-      <p:grpSpPr>
-        <a:xfrm>
-          <a:off x="0" y="0"/>
-          <a:ext cx="0" cy="0"/>
-          <a:chOff x="0" y="0"/>
-          <a:chExt cx="0" cy="0"/>
-        </a:xfrm>
-      </p:grpSpPr>
-      <p:sp>
-        <p:nvSpPr>
-          <p:cNvPr id="2" name="Заголовок 1"/>
-          <p:cNvSpPr>
-            <a:spLocks noGrp="1"/>
-          </p:cNvSpPr>
-          <p:nvPr>
-            <p:ph type="title"/>
-          </p:nvPr>
-        </p:nvSpPr>
-        <p:spPr/>
-        <p:txBody>
-          <a:bodyPr/>
-          <a:lstStyle/>
-          <a:p>
-            <a:r>
-              <a:rPr lang="ru-RU" dirty="0" smtClean="0"/>
-              <a:t>Сведение стойкости криптографический примитивов</a:t>
-            </a:r>
-            <a:endParaRPr lang="ru-RU" dirty="0"/>
-          </a:p>
-        </p:txBody>
-      </p:sp>
-      <p:sp>
-        <p:nvSpPr>
-          <p:cNvPr id="3" name="Объект 2"/>
-          <p:cNvSpPr>
-            <a:spLocks noGrp="1"/>
-          </p:cNvSpPr>
-          <p:nvPr>
-            <p:ph idx="1"/>
-          </p:nvPr>
-        </p:nvSpPr>
-        <p:spPr>
-          <a:xfrm>
-            <a:off x="838200" y="1825625"/>
-            <a:ext cx="10515600" cy="4658302"/>
-          </a:xfrm>
-        </p:spPr>
-        <p:txBody>
-          <a:bodyPr>
-            <a:normAutofit/>
-          </a:bodyPr>
-          <a:lstStyle/>
-          <a:p>
-            <a:r>
-              <a:rPr lang="ru-RU" sz="2600" dirty="0" smtClean="0"/>
-              <a:t>Для симметричных криптосистем стойкость сводится к задаче </a:t>
-            </a:r>
-            <a:r>
-              <a:rPr lang="en-US" sz="2600" dirty="0" smtClean="0"/>
-              <a:t>3SAT:</a:t>
-            </a:r>
-            <a:endParaRPr lang="ru-RU" sz="2200" dirty="0" smtClean="0"/>
-          </a:p>
-          <a:p>
-            <a:pPr lvl="1"/>
-            <a:r>
-              <a:rPr lang="ru-RU" sz="2200" dirty="0" smtClean="0"/>
-              <a:t>Пусть дана </a:t>
-            </a:r>
-            <a:r>
-              <a:rPr lang="ru-RU" sz="2200" dirty="0" err="1" smtClean="0"/>
-              <a:t>булевая</a:t>
-            </a:r>
-            <a:r>
-              <a:rPr lang="ru-RU" sz="2200" dirty="0" smtClean="0"/>
-              <a:t> функция от </a:t>
-            </a:r>
-            <a:r>
-              <a:rPr lang="en-US" sz="2200" dirty="0" smtClean="0"/>
-              <a:t>N </a:t>
-            </a:r>
-            <a:r>
-              <a:rPr lang="ru-RU" sz="2200" dirty="0" smtClean="0"/>
-              <a:t>переменных</a:t>
-            </a:r>
-          </a:p>
-          <a:p>
-            <a:pPr lvl="1"/>
-            <a:r>
-              <a:rPr lang="ru-RU" sz="2200" dirty="0" smtClean="0"/>
-              <a:t>Найти вектор решений, при котором значение булевой функции равно 1.</a:t>
-            </a:r>
-          </a:p>
-          <a:p>
-            <a:pPr lvl="1"/>
-            <a:r>
-              <a:rPr lang="en-US" sz="2200" dirty="0" smtClean="0"/>
-              <a:t>NP </a:t>
-            </a:r>
-            <a:r>
-              <a:rPr lang="ru-RU" sz="2200" dirty="0" smtClean="0"/>
-              <a:t>полная задача</a:t>
-            </a:r>
-          </a:p>
-          <a:p>
-            <a:pPr lvl="1"/>
-            <a:endParaRPr lang="ru-RU" sz="2200" dirty="0"/>
-          </a:p>
-          <a:p>
-            <a:r>
-              <a:rPr lang="ru-RU" sz="2600" dirty="0"/>
-              <a:t>Для </a:t>
-            </a:r>
-            <a:r>
-              <a:rPr lang="ru-RU" sz="2600" dirty="0" smtClean="0"/>
-              <a:t>асимметричных </a:t>
-            </a:r>
-            <a:r>
-              <a:rPr lang="ru-RU" sz="2600" dirty="0"/>
-              <a:t>криптосистем стойкость </a:t>
-            </a:r>
-            <a:r>
-              <a:rPr lang="ru-RU" sz="2600" dirty="0" smtClean="0"/>
-              <a:t>может сводится</a:t>
-            </a:r>
-            <a:r>
-              <a:rPr lang="en-US" sz="2600" dirty="0" smtClean="0"/>
-              <a:t>:</a:t>
-            </a:r>
-            <a:endParaRPr lang="ru-RU" sz="2200" dirty="0"/>
-          </a:p>
-          <a:p>
-            <a:pPr lvl="1"/>
-            <a:r>
-              <a:rPr lang="ru-RU" sz="2200" dirty="0" smtClean="0"/>
-              <a:t>Задача дискретного логарифмирования в конечных группах</a:t>
-            </a:r>
-          </a:p>
-          <a:p>
-            <a:pPr lvl="1"/>
-            <a:r>
-              <a:rPr lang="ru-RU" sz="2200" dirty="0" smtClean="0"/>
-              <a:t>Задача факторизации больших целых чисел</a:t>
-            </a:r>
-          </a:p>
-          <a:p>
-            <a:pPr lvl="1"/>
-            <a:r>
-              <a:rPr lang="ru-RU" sz="2200" dirty="0" smtClean="0"/>
-              <a:t>Задача нахождения кратчайшего вектора решётки</a:t>
-            </a:r>
-          </a:p>
-          <a:p>
-            <a:pPr lvl="1"/>
-            <a:r>
-              <a:rPr lang="ru-RU" sz="2200" dirty="0" smtClean="0"/>
-              <a:t>Задача декодирования линейных кодов</a:t>
-            </a:r>
-          </a:p>
-          <a:p>
-            <a:pPr lvl="1"/>
-            <a:r>
-              <a:rPr lang="ru-RU" sz="2200" dirty="0" smtClean="0"/>
-              <a:t>Задача решения многомерных квадратичных многочленов</a:t>
-            </a:r>
-          </a:p>
-          <a:p>
-            <a:pPr lvl="1"/>
-            <a:r>
-              <a:rPr lang="ru-RU" sz="2200" dirty="0" smtClean="0"/>
-              <a:t>Др.</a:t>
-            </a:r>
-          </a:p>
-        </p:txBody>
-      </p:sp>
-      <p:sp>
-        <p:nvSpPr>
-          <p:cNvPr id="4" name="Номер слайда 3"/>
-          <p:cNvSpPr>
-            <a:spLocks noGrp="1"/>
-          </p:cNvSpPr>
-          <p:nvPr>
-            <p:ph type="sldNum" sz="quarter" idx="12"/>
-          </p:nvPr>
-        </p:nvSpPr>
-        <p:spPr/>
-        <p:txBody>
-          <a:bodyPr/>
-          <a:lstStyle/>
-          <a:p>
-            <a:fld id="{8253DDDB-F8F7-4D64-A7FD-3F3D61C1949F}" type="slidenum">
-              <a:rPr lang="ru-RU" smtClean="0"/>
-              <a:t>18</a:t>
-            </a:fld>
-            <a:endParaRPr lang="ru-RU"/>
-          </a:p>
-        </p:txBody>
-      </p:sp>
-    </p:spTree>
-    <p:extLst>
-      <p:ext uri="{BB962C8B-B14F-4D97-AF65-F5344CB8AC3E}">
-        <p14:creationId xmlns:p14="http://schemas.microsoft.com/office/powerpoint/2010/main" val="183132466"/>
-      </p:ext>
-    </p:extLst>
-  </p:cSld>
-  <p:clrMapOvr>
-    <a:masterClrMapping/>
-  </p:clrMapOvr>
-  <p:timing>
-    <p:tnLst>
-      <p:par>
-        <p:cTn id="1" dur="indefinite" restart="never" nodeType="tmRoot"/>
-      </p:par>
-    </p:tnLst>
-  </p:timing>
-</p:sld>
-</file>
-
 <file path=ppt/slides/slide19.xml><?xml version="1.0" encoding="utf-8"?>
 <p:sld xmlns:a="http://schemas.openxmlformats.org/drawingml/2006/main" xmlns:r="http://schemas.openxmlformats.org/officeDocument/2006/relationships" xmlns:p="http://schemas.openxmlformats.org/presentationml/2006/main">
   <p:cSld>
@@ -7531,595 +7514,156 @@
           <a:p>
             <a:r>
               <a:rPr lang="ru-RU" dirty="0" smtClean="0"/>
-              <a:t>Шифр Шеннона</a:t>
+              <a:t>Сведение стойкости криптографический примитивов</a:t>
             </a:r>
             <a:endParaRPr lang="ru-RU" dirty="0"/>
           </a:p>
         </p:txBody>
       </p:sp>
-      <mc:AlternateContent xmlns:mc="http://schemas.openxmlformats.org/markup-compatibility/2006" xmlns:a14="http://schemas.microsoft.com/office/drawing/2010/main">
-        <mc:Choice Requires="a14">
-          <p:sp>
-            <p:nvSpPr>
-              <p:cNvPr id="3" name="Объект 2"/>
-              <p:cNvSpPr>
-                <a:spLocks noGrp="1"/>
-              </p:cNvSpPr>
-              <p:nvPr>
-                <p:ph idx="1"/>
-              </p:nvPr>
-            </p:nvSpPr>
-            <p:spPr/>
-            <p:txBody>
-              <a:bodyPr>
-                <a:normAutofit lnSpcReduction="10000"/>
-              </a:bodyPr>
-              <a:lstStyle/>
-              <a:p>
-                <a:pPr marL="0" indent="0">
-                  <a:buNone/>
-                </a:pPr>
-                <a:r>
-                  <a:rPr lang="ru-RU" dirty="0" smtClean="0"/>
-                  <a:t>Шифр Шеннона  - пара функций</a:t>
-                </a:r>
-                <a:r>
-                  <a:rPr lang="en-US" dirty="0" smtClean="0"/>
-                  <a:t> </a:t>
-                </a:r>
-                <a14:m>
-                  <m:oMath xmlns:m="http://schemas.openxmlformats.org/officeDocument/2006/math">
-                    <m:r>
-                      <m:rPr>
-                        <m:sty m:val="p"/>
-                      </m:rPr>
-                      <a:rPr lang="en-US" b="0" i="1" smtClean="0">
-                        <a:latin typeface="Cambria Math" panose="02040503050406030204" pitchFamily="18" charset="0"/>
-                      </a:rPr>
-                      <m:t>Ε</m:t>
-                    </m:r>
-                    <m:r>
-                      <a:rPr lang="en-US" b="0" i="1" smtClean="0">
-                        <a:latin typeface="Cambria Math" panose="02040503050406030204" pitchFamily="18" charset="0"/>
-                      </a:rPr>
-                      <m:t>=</m:t>
-                    </m:r>
-                    <m:d>
-                      <m:dPr>
-                        <m:ctrlPr>
-                          <a:rPr lang="en-US" b="0" i="1" smtClean="0">
-                            <a:latin typeface="Cambria Math" panose="02040503050406030204" pitchFamily="18" charset="0"/>
-                          </a:rPr>
-                        </m:ctrlPr>
-                      </m:dPr>
-                      <m:e>
-                        <m:r>
-                          <a:rPr lang="en-US" b="0" i="1" smtClean="0">
-                            <a:latin typeface="Cambria Math" panose="02040503050406030204" pitchFamily="18" charset="0"/>
-                          </a:rPr>
-                          <m:t>𝐸</m:t>
-                        </m:r>
-                        <m:r>
-                          <a:rPr lang="en-US" b="0" i="1" smtClean="0">
-                            <a:latin typeface="Cambria Math" panose="02040503050406030204" pitchFamily="18" charset="0"/>
-                          </a:rPr>
-                          <m:t>,</m:t>
-                        </m:r>
-                        <m:r>
-                          <a:rPr lang="en-US" b="0" i="1" smtClean="0">
-                            <a:latin typeface="Cambria Math" panose="02040503050406030204" pitchFamily="18" charset="0"/>
-                          </a:rPr>
-                          <m:t>𝐷</m:t>
-                        </m:r>
-                      </m:e>
-                    </m:d>
-                    <m:r>
-                      <a:rPr lang="ru-RU" b="0" i="0" smtClean="0">
-                        <a:latin typeface="Cambria Math" panose="02040503050406030204" pitchFamily="18" charset="0"/>
-                      </a:rPr>
-                      <m:t>, таких что</m:t>
-                    </m:r>
-                  </m:oMath>
-                </a14:m>
-                <a:r>
-                  <a:rPr lang="en-US" b="0" dirty="0" smtClean="0"/>
-                  <a:t>:</a:t>
-                </a:r>
-              </a:p>
-              <a:p>
-                <a:r>
-                  <a:rPr lang="ru-RU" dirty="0" smtClean="0"/>
-                  <a:t>(1) Функция </a:t>
-                </a:r>
-                <a14:m>
-                  <m:oMath xmlns:m="http://schemas.openxmlformats.org/officeDocument/2006/math">
-                    <m:r>
-                      <a:rPr lang="en-US" b="0" i="1" smtClean="0">
-                        <a:latin typeface="Cambria Math" panose="02040503050406030204" pitchFamily="18" charset="0"/>
-                      </a:rPr>
-                      <m:t>𝐸</m:t>
-                    </m:r>
-                  </m:oMath>
-                </a14:m>
-                <a:r>
-                  <a:rPr lang="ru-RU" b="0" dirty="0" smtClean="0"/>
-                  <a:t> (</a:t>
-                </a:r>
-                <a:r>
-                  <a:rPr lang="ru-RU" b="1" dirty="0" smtClean="0"/>
-                  <a:t>функция </a:t>
-                </a:r>
-                <a:r>
-                  <a:rPr lang="ru-RU" b="1" dirty="0" err="1" smtClean="0"/>
-                  <a:t>зашифрования</a:t>
-                </a:r>
-                <a:r>
-                  <a:rPr lang="ru-RU" b="0" dirty="0" smtClean="0"/>
-                  <a:t>) принимает на вход ключ </a:t>
-                </a:r>
-                <a14:m>
-                  <m:oMath xmlns:m="http://schemas.openxmlformats.org/officeDocument/2006/math">
-                    <m:r>
-                      <a:rPr lang="en-US" b="0" i="1" smtClean="0">
-                        <a:latin typeface="Cambria Math" panose="02040503050406030204" pitchFamily="18" charset="0"/>
-                      </a:rPr>
-                      <m:t>𝑘</m:t>
-                    </m:r>
-                  </m:oMath>
-                </a14:m>
-                <a:r>
-                  <a:rPr lang="en-US" b="0" dirty="0" smtClean="0"/>
-                  <a:t> </a:t>
-                </a:r>
-                <a:r>
-                  <a:rPr lang="ru-RU" b="0" dirty="0" smtClean="0"/>
-                  <a:t>и сообщение </a:t>
-                </a:r>
-                <a14:m>
-                  <m:oMath xmlns:m="http://schemas.openxmlformats.org/officeDocument/2006/math">
-                    <m:r>
-                      <a:rPr lang="en-US" b="0" i="1" smtClean="0">
-                        <a:latin typeface="Cambria Math" panose="02040503050406030204" pitchFamily="18" charset="0"/>
-                      </a:rPr>
-                      <m:t>𝑚</m:t>
-                    </m:r>
-                  </m:oMath>
-                </a14:m>
-                <a:r>
-                  <a:rPr lang="en-US" b="0" dirty="0" smtClean="0"/>
-                  <a:t> (</a:t>
-                </a:r>
-                <a:r>
-                  <a:rPr lang="ru-RU" b="0" dirty="0" smtClean="0"/>
-                  <a:t>называемой открытым текстом, </a:t>
-                </a:r>
-                <a:r>
-                  <a:rPr lang="en-US" b="0" dirty="0" smtClean="0"/>
-                  <a:t>PT) </a:t>
-                </a:r>
-                <a:r>
-                  <a:rPr lang="ru-RU" b="0" dirty="0" smtClean="0"/>
-                  <a:t>и даёт на выходе </a:t>
-                </a:r>
-                <a:r>
-                  <a:rPr lang="ru-RU" b="0" dirty="0" err="1" smtClean="0"/>
-                  <a:t>шифртекст</a:t>
-                </a:r>
-                <a:r>
-                  <a:rPr lang="ru-RU" b="0" dirty="0" smtClean="0"/>
-                  <a:t> </a:t>
-                </a:r>
-                <a14:m>
-                  <m:oMath xmlns:m="http://schemas.openxmlformats.org/officeDocument/2006/math">
-                    <m:r>
-                      <a:rPr lang="en-US" b="0" i="1" smtClean="0">
-                        <a:latin typeface="Cambria Math" panose="02040503050406030204" pitchFamily="18" charset="0"/>
-                      </a:rPr>
-                      <m:t>𝑐</m:t>
-                    </m:r>
-                  </m:oMath>
-                </a14:m>
-                <a:r>
-                  <a:rPr lang="ru-RU" b="0" dirty="0" smtClean="0"/>
-                  <a:t> (</a:t>
-                </a:r>
-                <a:r>
-                  <a:rPr lang="en-US" b="0" dirty="0" smtClean="0"/>
-                  <a:t>CT)</a:t>
-                </a:r>
-                <a:r>
-                  <a:rPr lang="ru-RU" dirty="0" smtClean="0"/>
-                  <a:t>, такой что</a:t>
-                </a:r>
-              </a:p>
-              <a:p>
-                <a:pPr marL="0" indent="0" algn="ctr">
-                  <a:buNone/>
-                </a:pPr>
-                <a14:m>
-                  <m:oMath xmlns:m="http://schemas.openxmlformats.org/officeDocument/2006/math">
-                    <m:r>
-                      <a:rPr lang="en-US" b="0" i="1" smtClean="0">
-                        <a:latin typeface="Cambria Math" panose="02040503050406030204" pitchFamily="18" charset="0"/>
-                      </a:rPr>
-                      <m:t>𝑐</m:t>
-                    </m:r>
-                    <m:r>
-                      <a:rPr lang="en-US" b="0" i="1" smtClean="0">
-                        <a:latin typeface="Cambria Math" panose="02040503050406030204" pitchFamily="18" charset="0"/>
-                      </a:rPr>
-                      <m:t>=</m:t>
-                    </m:r>
-                    <m:r>
-                      <a:rPr lang="en-US" b="0" i="1" smtClean="0">
-                        <a:latin typeface="Cambria Math" panose="02040503050406030204" pitchFamily="18" charset="0"/>
-                      </a:rPr>
-                      <m:t>𝐸</m:t>
-                    </m:r>
-                    <m:d>
-                      <m:dPr>
-                        <m:ctrlPr>
-                          <a:rPr lang="en-US" b="0" i="1" smtClean="0">
-                            <a:latin typeface="Cambria Math" panose="02040503050406030204" pitchFamily="18" charset="0"/>
-                          </a:rPr>
-                        </m:ctrlPr>
-                      </m:dPr>
-                      <m:e>
-                        <m:r>
-                          <a:rPr lang="en-US" b="0" i="1" smtClean="0">
-                            <a:latin typeface="Cambria Math" panose="02040503050406030204" pitchFamily="18" charset="0"/>
-                          </a:rPr>
-                          <m:t>𝑘</m:t>
-                        </m:r>
-                        <m:r>
-                          <a:rPr lang="en-US" b="0" i="1" smtClean="0">
-                            <a:latin typeface="Cambria Math" panose="02040503050406030204" pitchFamily="18" charset="0"/>
-                          </a:rPr>
-                          <m:t>,</m:t>
-                        </m:r>
-                        <m:r>
-                          <a:rPr lang="en-US" b="0" i="1" smtClean="0">
-                            <a:latin typeface="Cambria Math" panose="02040503050406030204" pitchFamily="18" charset="0"/>
-                          </a:rPr>
-                          <m:t>𝑚</m:t>
-                        </m:r>
-                      </m:e>
-                    </m:d>
-                    <m:r>
-                      <a:rPr lang="en-US" b="0" i="1" smtClean="0">
-                        <a:latin typeface="Cambria Math" panose="02040503050406030204" pitchFamily="18" charset="0"/>
-                      </a:rPr>
-                      <m:t>.</m:t>
-                    </m:r>
-                  </m:oMath>
-                </a14:m>
-                <a:r>
-                  <a:rPr lang="en-US" b="0" dirty="0" smtClean="0"/>
-                  <a:t> </a:t>
-                </a:r>
-                <a:endParaRPr lang="ru-RU" b="0" dirty="0" smtClean="0"/>
-              </a:p>
-              <a:p>
-                <a:pPr marL="0" indent="0">
-                  <a:buNone/>
-                </a:pPr>
-                <a:r>
-                  <a:rPr lang="ru-RU" b="0" dirty="0" smtClean="0"/>
-                  <a:t>Говорят, что </a:t>
-                </a:r>
-                <a14:m>
-                  <m:oMath xmlns:m="http://schemas.openxmlformats.org/officeDocument/2006/math">
-                    <m:r>
-                      <a:rPr lang="en-US" b="0" i="1" smtClean="0">
-                        <a:latin typeface="Cambria Math" panose="02040503050406030204" pitchFamily="18" charset="0"/>
-                      </a:rPr>
-                      <m:t>𝑐</m:t>
-                    </m:r>
-                  </m:oMath>
-                </a14:m>
-                <a:r>
-                  <a:rPr lang="en-US" b="0" dirty="0" smtClean="0"/>
-                  <a:t> </a:t>
-                </a:r>
-                <a:r>
-                  <a:rPr lang="ru-RU" b="0" dirty="0" smtClean="0"/>
-                  <a:t>есть </a:t>
-                </a:r>
-                <a:r>
-                  <a:rPr lang="ru-RU" b="1" dirty="0" err="1" smtClean="0"/>
-                  <a:t>зашифрование</a:t>
-                </a:r>
-                <a:r>
-                  <a:rPr lang="ru-RU" b="0" dirty="0" smtClean="0"/>
-                  <a:t> </a:t>
-                </a:r>
-                <a14:m>
-                  <m:oMath xmlns:m="http://schemas.openxmlformats.org/officeDocument/2006/math">
-                    <m:r>
-                      <a:rPr lang="en-US" b="0" i="1" smtClean="0">
-                        <a:latin typeface="Cambria Math" panose="02040503050406030204" pitchFamily="18" charset="0"/>
-                      </a:rPr>
-                      <m:t>𝑚</m:t>
-                    </m:r>
-                  </m:oMath>
-                </a14:m>
-                <a:r>
-                  <a:rPr lang="en-US" b="0" dirty="0" smtClean="0"/>
-                  <a:t> </a:t>
-                </a:r>
-                <a:r>
-                  <a:rPr lang="ru-RU" b="0" dirty="0" smtClean="0"/>
-                  <a:t>на ключе </a:t>
-                </a:r>
-                <a14:m>
-                  <m:oMath xmlns:m="http://schemas.openxmlformats.org/officeDocument/2006/math">
-                    <m:r>
-                      <a:rPr lang="en-US" b="0" i="1" smtClean="0">
-                        <a:latin typeface="Cambria Math" panose="02040503050406030204" pitchFamily="18" charset="0"/>
-                      </a:rPr>
-                      <m:t>𝑘</m:t>
-                    </m:r>
-                  </m:oMath>
-                </a14:m>
-                <a:r>
-                  <a:rPr lang="ru-RU" b="0" dirty="0" smtClean="0"/>
-                  <a:t>.</a:t>
-                </a:r>
-              </a:p>
-              <a:p>
-                <a:r>
-                  <a:rPr lang="ru-RU" dirty="0" smtClean="0"/>
-                  <a:t> (2) Функция </a:t>
-                </a:r>
-                <a14:m>
-                  <m:oMath xmlns:m="http://schemas.openxmlformats.org/officeDocument/2006/math">
-                    <m:r>
-                      <a:rPr lang="en-US" b="0" i="1" smtClean="0">
-                        <a:latin typeface="Cambria Math" panose="02040503050406030204" pitchFamily="18" charset="0"/>
-                      </a:rPr>
-                      <m:t>𝐷</m:t>
-                    </m:r>
-                  </m:oMath>
-                </a14:m>
-                <a:r>
-                  <a:rPr lang="ru-RU" b="0" dirty="0" smtClean="0"/>
-                  <a:t> (</a:t>
-                </a:r>
-                <a:r>
-                  <a:rPr lang="ru-RU" b="1" dirty="0" smtClean="0"/>
-                  <a:t>функция </a:t>
-                </a:r>
-                <a:r>
-                  <a:rPr lang="ru-RU" b="1" dirty="0" err="1" smtClean="0"/>
-                  <a:t>расшифрования</a:t>
-                </a:r>
-                <a:r>
-                  <a:rPr lang="ru-RU" b="0" dirty="0" smtClean="0"/>
-                  <a:t>) принимает на вход ключ </a:t>
-                </a:r>
-                <a14:m>
-                  <m:oMath xmlns:m="http://schemas.openxmlformats.org/officeDocument/2006/math">
-                    <m:r>
-                      <a:rPr lang="en-US" b="0" i="1" smtClean="0">
-                        <a:latin typeface="Cambria Math" panose="02040503050406030204" pitchFamily="18" charset="0"/>
-                      </a:rPr>
-                      <m:t>𝑘</m:t>
-                    </m:r>
-                  </m:oMath>
-                </a14:m>
-                <a:r>
-                  <a:rPr lang="en-US" b="0" dirty="0" smtClean="0"/>
-                  <a:t> </a:t>
-                </a:r>
-                <a:r>
-                  <a:rPr lang="ru-RU" b="0" dirty="0" smtClean="0"/>
-                  <a:t>и </a:t>
-                </a:r>
-                <a:r>
-                  <a:rPr lang="ru-RU" b="0" dirty="0" err="1" smtClean="0"/>
-                  <a:t>шифртекст</a:t>
-                </a:r>
-                <a:r>
-                  <a:rPr lang="ru-RU" b="0" dirty="0" smtClean="0"/>
-                  <a:t> </a:t>
-                </a:r>
-                <a14:m>
-                  <m:oMath xmlns:m="http://schemas.openxmlformats.org/officeDocument/2006/math">
-                    <m:r>
-                      <a:rPr lang="en-US" b="0" i="1" smtClean="0">
-                        <a:latin typeface="Cambria Math" panose="02040503050406030204" pitchFamily="18" charset="0"/>
-                      </a:rPr>
-                      <m:t>𝑐</m:t>
-                    </m:r>
-                  </m:oMath>
-                </a14:m>
-                <a:r>
-                  <a:rPr lang="en-US" b="0" dirty="0" smtClean="0"/>
-                  <a:t> </a:t>
-                </a:r>
-                <a:r>
-                  <a:rPr lang="ru-RU" b="0" dirty="0" smtClean="0"/>
-                  <a:t>и даёт на выходе сообщение </a:t>
-                </a:r>
-                <a14:m>
-                  <m:oMath xmlns:m="http://schemas.openxmlformats.org/officeDocument/2006/math">
-                    <m:r>
-                      <a:rPr lang="en-US" b="0" i="1" smtClean="0">
-                        <a:latin typeface="Cambria Math" panose="02040503050406030204" pitchFamily="18" charset="0"/>
-                      </a:rPr>
-                      <m:t>𝑚</m:t>
-                    </m:r>
-                  </m:oMath>
-                </a14:m>
-                <a:r>
-                  <a:rPr lang="ru-RU" b="0" dirty="0" smtClean="0"/>
-                  <a:t>, такое что</a:t>
-                </a:r>
-              </a:p>
-              <a:p>
-                <a:pPr marL="0" indent="0" algn="ctr">
-                  <a:buNone/>
-                </a:pPr>
-                <a:r>
-                  <a:rPr lang="ru-RU" b="0" dirty="0" smtClean="0"/>
-                  <a:t> </a:t>
-                </a:r>
-                <a14:m>
-                  <m:oMath xmlns:m="http://schemas.openxmlformats.org/officeDocument/2006/math">
-                    <m:r>
-                      <a:rPr lang="en-US" b="0" i="1" smtClean="0">
-                        <a:latin typeface="Cambria Math" panose="02040503050406030204" pitchFamily="18" charset="0"/>
-                      </a:rPr>
-                      <m:t>𝑚</m:t>
-                    </m:r>
-                    <m:r>
-                      <a:rPr lang="en-US" b="0" i="1" smtClean="0">
-                        <a:latin typeface="Cambria Math" panose="02040503050406030204" pitchFamily="18" charset="0"/>
-                      </a:rPr>
-                      <m:t>=</m:t>
-                    </m:r>
-                    <m:r>
-                      <a:rPr lang="en-US" b="0" i="1" smtClean="0">
-                        <a:latin typeface="Cambria Math" panose="02040503050406030204" pitchFamily="18" charset="0"/>
-                      </a:rPr>
-                      <m:t>𝐷</m:t>
-                    </m:r>
-                    <m:d>
-                      <m:dPr>
-                        <m:ctrlPr>
-                          <a:rPr lang="en-US" b="0" i="1" smtClean="0">
-                            <a:latin typeface="Cambria Math" panose="02040503050406030204" pitchFamily="18" charset="0"/>
-                          </a:rPr>
-                        </m:ctrlPr>
-                      </m:dPr>
-                      <m:e>
-                        <m:r>
-                          <a:rPr lang="en-US" b="0" i="1" smtClean="0">
-                            <a:latin typeface="Cambria Math" panose="02040503050406030204" pitchFamily="18" charset="0"/>
-                          </a:rPr>
-                          <m:t>𝑘</m:t>
-                        </m:r>
-                        <m:r>
-                          <a:rPr lang="en-US" b="0" i="1" smtClean="0">
-                            <a:latin typeface="Cambria Math" panose="02040503050406030204" pitchFamily="18" charset="0"/>
-                          </a:rPr>
-                          <m:t>,</m:t>
-                        </m:r>
-                        <m:r>
-                          <a:rPr lang="en-US" b="0" i="1" smtClean="0">
-                            <a:latin typeface="Cambria Math" panose="02040503050406030204" pitchFamily="18" charset="0"/>
-                          </a:rPr>
-                          <m:t>𝑐</m:t>
-                        </m:r>
-                      </m:e>
-                    </m:d>
-                  </m:oMath>
-                </a14:m>
-                <a:endParaRPr lang="ru-RU" b="0" dirty="0" smtClean="0"/>
-              </a:p>
-              <a:p>
-                <a:pPr marL="0" indent="0">
-                  <a:buNone/>
-                </a:pPr>
-                <a:r>
-                  <a:rPr lang="ru-RU" dirty="0" smtClean="0"/>
-                  <a:t>Говорят, что </a:t>
-                </a:r>
-                <a14:m>
-                  <m:oMath xmlns:m="http://schemas.openxmlformats.org/officeDocument/2006/math">
-                    <m:r>
-                      <a:rPr lang="en-US" b="0" i="1" smtClean="0">
-                        <a:latin typeface="Cambria Math" panose="02040503050406030204" pitchFamily="18" charset="0"/>
-                      </a:rPr>
-                      <m:t>𝑚</m:t>
-                    </m:r>
-                  </m:oMath>
-                </a14:m>
-                <a:r>
-                  <a:rPr lang="ru-RU" b="0" dirty="0" smtClean="0"/>
-                  <a:t> это </a:t>
-                </a:r>
-                <a:r>
-                  <a:rPr lang="ru-RU" b="1" dirty="0" err="1" smtClean="0"/>
-                  <a:t>расшифрование</a:t>
-                </a:r>
-                <a:r>
-                  <a:rPr lang="ru-RU" b="0" dirty="0" smtClean="0"/>
-                  <a:t> </a:t>
-                </a:r>
-                <a14:m>
-                  <m:oMath xmlns:m="http://schemas.openxmlformats.org/officeDocument/2006/math">
-                    <m:r>
-                      <a:rPr lang="en-US" b="0" i="1" smtClean="0">
-                        <a:latin typeface="Cambria Math" panose="02040503050406030204" pitchFamily="18" charset="0"/>
-                      </a:rPr>
-                      <m:t>𝑐</m:t>
-                    </m:r>
-                  </m:oMath>
-                </a14:m>
-                <a:r>
-                  <a:rPr lang="ru-RU" b="0" dirty="0" smtClean="0"/>
-                  <a:t> на ключе </a:t>
-                </a:r>
-                <a14:m>
-                  <m:oMath xmlns:m="http://schemas.openxmlformats.org/officeDocument/2006/math">
-                    <m:r>
-                      <a:rPr lang="en-US" b="0" i="1" smtClean="0">
-                        <a:latin typeface="Cambria Math" panose="02040503050406030204" pitchFamily="18" charset="0"/>
-                      </a:rPr>
-                      <m:t>𝑘</m:t>
-                    </m:r>
-                  </m:oMath>
-                </a14:m>
-                <a:r>
-                  <a:rPr lang="ru-RU" b="0" dirty="0" smtClean="0"/>
-                  <a:t>.</a:t>
-                </a:r>
-                <a:endParaRPr lang="en-US" b="0" dirty="0" smtClean="0"/>
-              </a:p>
-              <a:p>
-                <a:endParaRPr lang="en-US" b="0" dirty="0" smtClean="0"/>
-              </a:p>
-              <a:p>
-                <a:endParaRPr lang="ru-RU" dirty="0"/>
-              </a:p>
-            </p:txBody>
-          </p:sp>
-        </mc:Choice>
-        <mc:Fallback xmlns="">
-          <p:sp>
-            <p:nvSpPr>
-              <p:cNvPr id="3" name="Объект 2"/>
-              <p:cNvSpPr>
-                <a:spLocks noGrp="1" noRot="1" noChangeAspect="1" noMove="1" noResize="1" noEditPoints="1" noAdjustHandles="1" noChangeArrowheads="1" noChangeShapeType="1" noTextEdit="1"/>
-              </p:cNvSpPr>
-              <p:nvPr>
-                <p:ph idx="1"/>
-              </p:nvPr>
-            </p:nvSpPr>
-            <p:spPr>
-              <a:blipFill>
-                <a:blip r:embed="rId2"/>
-                <a:stretch>
-                  <a:fillRect l="-1043" t="-2801" r="-1391"/>
-                </a:stretch>
-              </a:blipFill>
-            </p:spPr>
-            <p:txBody>
-              <a:bodyPr/>
-              <a:lstStyle/>
-              <a:p>
-                <a:r>
-                  <a:rPr lang="ru-RU">
-                    <a:noFill/>
-                  </a:rPr>
-                  <a:t> </a:t>
-                </a:r>
-              </a:p>
-            </p:txBody>
-          </p:sp>
-        </mc:Fallback>
-      </mc:AlternateContent>
+      <p:sp>
+        <p:nvSpPr>
+          <p:cNvPr id="3" name="Объект 2"/>
+          <p:cNvSpPr>
+            <a:spLocks noGrp="1"/>
+          </p:cNvSpPr>
+          <p:nvPr>
+            <p:ph idx="1"/>
+          </p:nvPr>
+        </p:nvSpPr>
+        <p:spPr>
+          <a:xfrm>
+            <a:off x="838200" y="1825625"/>
+            <a:ext cx="10515600" cy="4658302"/>
+          </a:xfrm>
+        </p:spPr>
+        <p:txBody>
+          <a:bodyPr>
+            <a:normAutofit/>
+          </a:bodyPr>
+          <a:lstStyle/>
+          <a:p>
+            <a:r>
+              <a:rPr lang="ru-RU" sz="2600" dirty="0" smtClean="0"/>
+              <a:t>Для симметричных криптосистем стойкость сводится к задаче </a:t>
+            </a:r>
+            <a:r>
+              <a:rPr lang="en-US" sz="2600" dirty="0" smtClean="0"/>
+              <a:t>3SAT:</a:t>
+            </a:r>
+            <a:endParaRPr lang="ru-RU" sz="2200" dirty="0" smtClean="0"/>
+          </a:p>
+          <a:p>
+            <a:pPr lvl="1"/>
+            <a:r>
+              <a:rPr lang="ru-RU" sz="2200" dirty="0" smtClean="0"/>
+              <a:t>Пусть дана </a:t>
+            </a:r>
+            <a:r>
+              <a:rPr lang="ru-RU" sz="2200" dirty="0" err="1" smtClean="0"/>
+              <a:t>булевая</a:t>
+            </a:r>
+            <a:r>
+              <a:rPr lang="ru-RU" sz="2200" dirty="0" smtClean="0"/>
+              <a:t> функция от </a:t>
+            </a:r>
+            <a:r>
+              <a:rPr lang="en-US" sz="2200" dirty="0" smtClean="0"/>
+              <a:t>N </a:t>
+            </a:r>
+            <a:r>
+              <a:rPr lang="ru-RU" sz="2200" dirty="0" smtClean="0"/>
+              <a:t>переменных</a:t>
+            </a:r>
+          </a:p>
+          <a:p>
+            <a:pPr lvl="1"/>
+            <a:r>
+              <a:rPr lang="ru-RU" sz="2200" dirty="0" smtClean="0"/>
+              <a:t>Найти вектор решений, при котором значение булевой функции равно 1.</a:t>
+            </a:r>
+          </a:p>
+          <a:p>
+            <a:pPr lvl="1"/>
+            <a:r>
+              <a:rPr lang="en-US" sz="2200" dirty="0" smtClean="0"/>
+              <a:t>NP </a:t>
+            </a:r>
+            <a:r>
+              <a:rPr lang="ru-RU" sz="2200" dirty="0" smtClean="0"/>
+              <a:t>полная задача</a:t>
+            </a:r>
+          </a:p>
+          <a:p>
+            <a:pPr lvl="1"/>
+            <a:endParaRPr lang="ru-RU" sz="2200" dirty="0"/>
+          </a:p>
+          <a:p>
+            <a:r>
+              <a:rPr lang="ru-RU" sz="2600" dirty="0"/>
+              <a:t>Для </a:t>
+            </a:r>
+            <a:r>
+              <a:rPr lang="ru-RU" sz="2600" dirty="0" smtClean="0"/>
+              <a:t>асимметричных </a:t>
+            </a:r>
+            <a:r>
+              <a:rPr lang="ru-RU" sz="2600" dirty="0"/>
+              <a:t>криптосистем стойкость </a:t>
+            </a:r>
+            <a:r>
+              <a:rPr lang="ru-RU" sz="2600" dirty="0" smtClean="0"/>
+              <a:t>может сводится</a:t>
+            </a:r>
+            <a:r>
+              <a:rPr lang="en-US" sz="2600" dirty="0" smtClean="0"/>
+              <a:t>:</a:t>
+            </a:r>
+            <a:endParaRPr lang="ru-RU" sz="2200" dirty="0"/>
+          </a:p>
+          <a:p>
+            <a:pPr lvl="1"/>
+            <a:r>
+              <a:rPr lang="ru-RU" sz="2200" dirty="0" smtClean="0"/>
+              <a:t>Задача дискретного логарифмирования в конечных группах</a:t>
+            </a:r>
+          </a:p>
+          <a:p>
+            <a:pPr lvl="1"/>
+            <a:r>
+              <a:rPr lang="ru-RU" sz="2200" dirty="0" smtClean="0"/>
+              <a:t>Задача факторизации больших целых чисел</a:t>
+            </a:r>
+          </a:p>
+          <a:p>
+            <a:pPr lvl="1"/>
+            <a:r>
+              <a:rPr lang="ru-RU" sz="2200" dirty="0" smtClean="0"/>
+              <a:t>Задача нахождения кратчайшего вектора решётки</a:t>
+            </a:r>
+          </a:p>
+          <a:p>
+            <a:pPr lvl="1"/>
+            <a:r>
+              <a:rPr lang="ru-RU" sz="2200" dirty="0" smtClean="0"/>
+              <a:t>Задача декодирования линейных кодов</a:t>
+            </a:r>
+          </a:p>
+          <a:p>
+            <a:pPr lvl="1"/>
+            <a:r>
+              <a:rPr lang="ru-RU" sz="2200" dirty="0" smtClean="0"/>
+              <a:t>Задача решения многомерных квадратичных многочленов</a:t>
+            </a:r>
+          </a:p>
+          <a:p>
+            <a:pPr lvl="1"/>
+            <a:r>
+              <a:rPr lang="ru-RU" sz="2200" dirty="0" smtClean="0"/>
+              <a:t>Др.</a:t>
+            </a:r>
+          </a:p>
+        </p:txBody>
+      </p:sp>
       <p:sp>
         <p:nvSpPr>
           <p:cNvPr id="4" name="Номер слайда 3"/>
@@ -8146,7 +7690,7 @@
     </p:spTree>
     <p:extLst>
       <p:ext uri="{BB962C8B-B14F-4D97-AF65-F5344CB8AC3E}">
-        <p14:creationId xmlns:p14="http://schemas.microsoft.com/office/powerpoint/2010/main" val="2716942626"/>
+        <p14:creationId xmlns:p14="http://schemas.microsoft.com/office/powerpoint/2010/main" val="183132466"/>
       </p:ext>
     </p:extLst>
   </p:cSld>
@@ -8327,6 +7871,18 @@
             </a:r>
             <a:r>
               <a:rPr lang="ru-RU" b="1" dirty="0" smtClean="0"/>
+              <a:t>для </a:t>
+            </a:r>
+            <a:r>
+              <a:rPr lang="ru-RU" b="1" dirty="0" err="1" smtClean="0"/>
+              <a:t>дз</a:t>
+            </a:r>
+            <a:r>
+              <a:rPr lang="en-US" b="1" dirty="0" smtClean="0"/>
+              <a:t> </a:t>
+            </a:r>
+            <a:r>
+              <a:rPr lang="ru-RU" b="1" dirty="0" smtClean="0"/>
               <a:t>-5</a:t>
             </a:r>
             <a:r>
@@ -8344,6 +7900,54 @@
             <a:r>
               <a:rPr lang="ru-RU" b="1" dirty="0" smtClean="0"/>
               <a:t> в неделю</a:t>
+            </a:r>
+            <a:r>
+              <a:rPr lang="en-US" b="1" dirty="0" smtClean="0"/>
+              <a:t>;</a:t>
+            </a:r>
+            <a:r>
+              <a:rPr lang="ru-RU" b="1" dirty="0" smtClean="0"/>
+              <a:t> </a:t>
+            </a:r>
+            <a:r>
+              <a:rPr lang="ru-RU" b="1" dirty="0" err="1" smtClean="0"/>
+              <a:t>лабы</a:t>
+            </a:r>
+            <a:r>
+              <a:rPr lang="ru-RU" b="1" dirty="0" smtClean="0"/>
+              <a:t> после </a:t>
+            </a:r>
+            <a:r>
+              <a:rPr lang="ru-RU" b="1" dirty="0" err="1" smtClean="0"/>
+              <a:t>дедлайна</a:t>
+            </a:r>
+            <a:r>
+              <a:rPr lang="ru-RU" b="1" dirty="0" smtClean="0"/>
+              <a:t> не сдаются (и -</a:t>
+            </a:r>
+            <a:r>
+              <a:rPr lang="en-US" b="1" dirty="0"/>
+              <a:t>5</a:t>
+            </a:r>
+            <a:r>
+              <a:rPr lang="ru-RU" b="1" dirty="0" smtClean="0"/>
+              <a:t> к итоговой оценке за каждую </a:t>
+            </a:r>
+            <a:r>
+              <a:rPr lang="ru-RU" b="1" dirty="0"/>
+              <a:t>пропущенную</a:t>
+            </a:r>
+            <a:r>
+              <a:rPr lang="ru-RU" b="1" dirty="0" smtClean="0"/>
+              <a:t> </a:t>
+            </a:r>
+            <a:r>
+              <a:rPr lang="ru-RU" b="1" dirty="0" err="1" smtClean="0"/>
+              <a:t>лабу</a:t>
+            </a:r>
+            <a:r>
+              <a:rPr lang="ru-RU" b="1" dirty="0" smtClean="0"/>
+              <a:t>)</a:t>
             </a:r>
             <a:endParaRPr lang="ru-RU" b="1" dirty="0"/>
           </a:p>
@@ -8452,6 +8056,672 @@
 </file>
 
 <file path=ppt/slides/slide20.xml><?xml version="1.0" encoding="utf-8"?>
+<p:sld xmlns:a="http://schemas.openxmlformats.org/drawingml/2006/main" xmlns:r="http://schemas.openxmlformats.org/officeDocument/2006/relationships" xmlns:p="http://schemas.openxmlformats.org/presentationml/2006/main">
+  <p:cSld>
+    <p:spTree>
+      <p:nvGrpSpPr>
+        <p:cNvPr id="1" name=""/>
+        <p:cNvGrpSpPr/>
+        <p:nvPr/>
+      </p:nvGrpSpPr>
+      <p:grpSpPr>
+        <a:xfrm>
+          <a:off x="0" y="0"/>
+          <a:ext cx="0" cy="0"/>
+          <a:chOff x="0" y="0"/>
+          <a:chExt cx="0" cy="0"/>
+        </a:xfrm>
+      </p:grpSpPr>
+      <p:sp>
+        <p:nvSpPr>
+          <p:cNvPr id="2" name="Заголовок 1"/>
+          <p:cNvSpPr>
+            <a:spLocks noGrp="1"/>
+          </p:cNvSpPr>
+          <p:nvPr>
+            <p:ph type="title"/>
+          </p:nvPr>
+        </p:nvSpPr>
+        <p:spPr/>
+        <p:txBody>
+          <a:bodyPr/>
+          <a:lstStyle/>
+          <a:p>
+            <a:r>
+              <a:rPr lang="ru-RU" dirty="0" smtClean="0"/>
+              <a:t>Шифр Шеннона</a:t>
+            </a:r>
+            <a:endParaRPr lang="ru-RU" dirty="0"/>
+          </a:p>
+        </p:txBody>
+      </p:sp>
+      <mc:AlternateContent xmlns:mc="http://schemas.openxmlformats.org/markup-compatibility/2006" xmlns:a14="http://schemas.microsoft.com/office/drawing/2010/main">
+        <mc:Choice Requires="a14">
+          <p:sp>
+            <p:nvSpPr>
+              <p:cNvPr id="3" name="Объект 2"/>
+              <p:cNvSpPr>
+                <a:spLocks noGrp="1"/>
+              </p:cNvSpPr>
+              <p:nvPr>
+                <p:ph idx="1"/>
+              </p:nvPr>
+            </p:nvSpPr>
+            <p:spPr/>
+            <p:txBody>
+              <a:bodyPr>
+                <a:normAutofit lnSpcReduction="10000"/>
+              </a:bodyPr>
+              <a:lstStyle/>
+              <a:p>
+                <a:pPr marL="0" indent="0">
+                  <a:buNone/>
+                </a:pPr>
+                <a:r>
+                  <a:rPr lang="ru-RU" dirty="0" smtClean="0"/>
+                  <a:t>Шифр Шеннона  - пара функций</a:t>
+                </a:r>
+                <a:r>
+                  <a:rPr lang="en-US" dirty="0" smtClean="0"/>
+                  <a:t> </a:t>
+                </a:r>
+                <a14:m>
+                  <m:oMath xmlns:m="http://schemas.openxmlformats.org/officeDocument/2006/math">
+                    <m:r>
+                      <m:rPr>
+                        <m:sty m:val="p"/>
+                      </m:rPr>
+                      <a:rPr lang="en-US" b="0" i="1" smtClean="0">
+                        <a:latin typeface="Cambria Math" panose="02040503050406030204" pitchFamily="18" charset="0"/>
+                      </a:rPr>
+                      <m:t>Ε</m:t>
+                    </m:r>
+                    <m:r>
+                      <a:rPr lang="en-US" b="0" i="1" smtClean="0">
+                        <a:latin typeface="Cambria Math" panose="02040503050406030204" pitchFamily="18" charset="0"/>
+                      </a:rPr>
+                      <m:t>=</m:t>
+                    </m:r>
+                    <m:d>
+                      <m:dPr>
+                        <m:ctrlPr>
+                          <a:rPr lang="en-US" b="0" i="1" smtClean="0">
+                            <a:latin typeface="Cambria Math" panose="02040503050406030204" pitchFamily="18" charset="0"/>
+                          </a:rPr>
+                        </m:ctrlPr>
+                      </m:dPr>
+                      <m:e>
+                        <m:r>
+                          <a:rPr lang="en-US" b="0" i="1" smtClean="0">
+                            <a:latin typeface="Cambria Math" panose="02040503050406030204" pitchFamily="18" charset="0"/>
+                          </a:rPr>
+                          <m:t>𝐸</m:t>
+                        </m:r>
+                        <m:r>
+                          <a:rPr lang="en-US" b="0" i="1" smtClean="0">
+                            <a:latin typeface="Cambria Math" panose="02040503050406030204" pitchFamily="18" charset="0"/>
+                          </a:rPr>
+                          <m:t>,</m:t>
+                        </m:r>
+                        <m:r>
+                          <a:rPr lang="en-US" b="0" i="1" smtClean="0">
+                            <a:latin typeface="Cambria Math" panose="02040503050406030204" pitchFamily="18" charset="0"/>
+                          </a:rPr>
+                          <m:t>𝐷</m:t>
+                        </m:r>
+                      </m:e>
+                    </m:d>
+                    <m:r>
+                      <a:rPr lang="ru-RU" b="0" i="0" smtClean="0">
+                        <a:latin typeface="Cambria Math" panose="02040503050406030204" pitchFamily="18" charset="0"/>
+                      </a:rPr>
+                      <m:t>, таких что</m:t>
+                    </m:r>
+                  </m:oMath>
+                </a14:m>
+                <a:r>
+                  <a:rPr lang="en-US" b="0" dirty="0" smtClean="0"/>
+                  <a:t>:</a:t>
+                </a:r>
+              </a:p>
+              <a:p>
+                <a:r>
+                  <a:rPr lang="ru-RU" dirty="0" smtClean="0"/>
+                  <a:t>(1) Функция </a:t>
+                </a:r>
+                <a14:m>
+                  <m:oMath xmlns:m="http://schemas.openxmlformats.org/officeDocument/2006/math">
+                    <m:r>
+                      <a:rPr lang="en-US" b="0" i="1" smtClean="0">
+                        <a:latin typeface="Cambria Math" panose="02040503050406030204" pitchFamily="18" charset="0"/>
+                      </a:rPr>
+                      <m:t>𝐸</m:t>
+                    </m:r>
+                  </m:oMath>
+                </a14:m>
+                <a:r>
+                  <a:rPr lang="ru-RU" b="0" dirty="0" smtClean="0"/>
+                  <a:t> (</a:t>
+                </a:r>
+                <a:r>
+                  <a:rPr lang="ru-RU" b="1" dirty="0" smtClean="0"/>
+                  <a:t>функция </a:t>
+                </a:r>
+                <a:r>
+                  <a:rPr lang="ru-RU" b="1" dirty="0" err="1" smtClean="0"/>
+                  <a:t>зашифрования</a:t>
+                </a:r>
+                <a:r>
+                  <a:rPr lang="ru-RU" b="0" dirty="0" smtClean="0"/>
+                  <a:t>) принимает на вход ключ </a:t>
+                </a:r>
+                <a14:m>
+                  <m:oMath xmlns:m="http://schemas.openxmlformats.org/officeDocument/2006/math">
+                    <m:r>
+                      <a:rPr lang="en-US" b="0" i="1" smtClean="0">
+                        <a:latin typeface="Cambria Math" panose="02040503050406030204" pitchFamily="18" charset="0"/>
+                      </a:rPr>
+                      <m:t>𝑘</m:t>
+                    </m:r>
+                  </m:oMath>
+                </a14:m>
+                <a:r>
+                  <a:rPr lang="en-US" b="0" dirty="0" smtClean="0"/>
+                  <a:t> </a:t>
+                </a:r>
+                <a:r>
+                  <a:rPr lang="ru-RU" b="0" dirty="0" smtClean="0"/>
+                  <a:t>и сообщение </a:t>
+                </a:r>
+                <a14:m>
+                  <m:oMath xmlns:m="http://schemas.openxmlformats.org/officeDocument/2006/math">
+                    <m:r>
+                      <a:rPr lang="en-US" b="0" i="1" smtClean="0">
+                        <a:latin typeface="Cambria Math" panose="02040503050406030204" pitchFamily="18" charset="0"/>
+                      </a:rPr>
+                      <m:t>𝑚</m:t>
+                    </m:r>
+                  </m:oMath>
+                </a14:m>
+                <a:r>
+                  <a:rPr lang="en-US" b="0" dirty="0" smtClean="0"/>
+                  <a:t> (</a:t>
+                </a:r>
+                <a:r>
+                  <a:rPr lang="ru-RU" b="0" dirty="0" smtClean="0"/>
+                  <a:t>называемой открытым текстом, </a:t>
+                </a:r>
+                <a:r>
+                  <a:rPr lang="en-US" b="0" dirty="0" smtClean="0"/>
+                  <a:t>PT) </a:t>
+                </a:r>
+                <a:r>
+                  <a:rPr lang="ru-RU" b="0" dirty="0" smtClean="0"/>
+                  <a:t>и даёт на выходе </a:t>
+                </a:r>
+                <a:r>
+                  <a:rPr lang="ru-RU" b="0" dirty="0" err="1" smtClean="0"/>
+                  <a:t>шифртекст</a:t>
+                </a:r>
+                <a:r>
+                  <a:rPr lang="ru-RU" b="0" dirty="0" smtClean="0"/>
+                  <a:t> </a:t>
+                </a:r>
+                <a14:m>
+                  <m:oMath xmlns:m="http://schemas.openxmlformats.org/officeDocument/2006/math">
+                    <m:r>
+                      <a:rPr lang="en-US" b="0" i="1" smtClean="0">
+                        <a:latin typeface="Cambria Math" panose="02040503050406030204" pitchFamily="18" charset="0"/>
+                      </a:rPr>
+                      <m:t>𝑐</m:t>
+                    </m:r>
+                  </m:oMath>
+                </a14:m>
+                <a:r>
+                  <a:rPr lang="ru-RU" b="0" dirty="0" smtClean="0"/>
+                  <a:t> (</a:t>
+                </a:r>
+                <a:r>
+                  <a:rPr lang="en-US" b="0" dirty="0" smtClean="0"/>
+                  <a:t>CT)</a:t>
+                </a:r>
+                <a:r>
+                  <a:rPr lang="ru-RU" dirty="0" smtClean="0"/>
+                  <a:t>, такой что</a:t>
+                </a:r>
+              </a:p>
+              <a:p>
+                <a:pPr marL="0" indent="0" algn="ctr">
+                  <a:buNone/>
+                </a:pPr>
+                <a14:m>
+                  <m:oMath xmlns:m="http://schemas.openxmlformats.org/officeDocument/2006/math">
+                    <m:r>
+                      <a:rPr lang="en-US" b="0" i="1" smtClean="0">
+                        <a:latin typeface="Cambria Math" panose="02040503050406030204" pitchFamily="18" charset="0"/>
+                      </a:rPr>
+                      <m:t>𝑐</m:t>
+                    </m:r>
+                    <m:r>
+                      <a:rPr lang="en-US" b="0" i="1" smtClean="0">
+                        <a:latin typeface="Cambria Math" panose="02040503050406030204" pitchFamily="18" charset="0"/>
+                      </a:rPr>
+                      <m:t>=</m:t>
+                    </m:r>
+                    <m:r>
+                      <a:rPr lang="en-US" b="0" i="1" smtClean="0">
+                        <a:latin typeface="Cambria Math" panose="02040503050406030204" pitchFamily="18" charset="0"/>
+                      </a:rPr>
+                      <m:t>𝐸</m:t>
+                    </m:r>
+                    <m:d>
+                      <m:dPr>
+                        <m:ctrlPr>
+                          <a:rPr lang="en-US" b="0" i="1" smtClean="0">
+                            <a:latin typeface="Cambria Math" panose="02040503050406030204" pitchFamily="18" charset="0"/>
+                          </a:rPr>
+                        </m:ctrlPr>
+                      </m:dPr>
+                      <m:e>
+                        <m:r>
+                          <a:rPr lang="en-US" b="0" i="1" smtClean="0">
+                            <a:latin typeface="Cambria Math" panose="02040503050406030204" pitchFamily="18" charset="0"/>
+                          </a:rPr>
+                          <m:t>𝑘</m:t>
+                        </m:r>
+                        <m:r>
+                          <a:rPr lang="en-US" b="0" i="1" smtClean="0">
+                            <a:latin typeface="Cambria Math" panose="02040503050406030204" pitchFamily="18" charset="0"/>
+                          </a:rPr>
+                          <m:t>,</m:t>
+                        </m:r>
+                        <m:r>
+                          <a:rPr lang="en-US" b="0" i="1" smtClean="0">
+                            <a:latin typeface="Cambria Math" panose="02040503050406030204" pitchFamily="18" charset="0"/>
+                          </a:rPr>
+                          <m:t>𝑚</m:t>
+                        </m:r>
+                      </m:e>
+                    </m:d>
+                    <m:r>
+                      <a:rPr lang="en-US" b="0" i="1" smtClean="0">
+                        <a:latin typeface="Cambria Math" panose="02040503050406030204" pitchFamily="18" charset="0"/>
+                      </a:rPr>
+                      <m:t>.</m:t>
+                    </m:r>
+                  </m:oMath>
+                </a14:m>
+                <a:r>
+                  <a:rPr lang="en-US" b="0" dirty="0" smtClean="0"/>
+                  <a:t> </a:t>
+                </a:r>
+                <a:endParaRPr lang="ru-RU" b="0" dirty="0" smtClean="0"/>
+              </a:p>
+              <a:p>
+                <a:pPr marL="0" indent="0">
+                  <a:buNone/>
+                </a:pPr>
+                <a:r>
+                  <a:rPr lang="ru-RU" b="0" dirty="0" smtClean="0"/>
+                  <a:t>Говорят, что </a:t>
+                </a:r>
+                <a14:m>
+                  <m:oMath xmlns:m="http://schemas.openxmlformats.org/officeDocument/2006/math">
+                    <m:r>
+                      <a:rPr lang="en-US" b="0" i="1" smtClean="0">
+                        <a:latin typeface="Cambria Math" panose="02040503050406030204" pitchFamily="18" charset="0"/>
+                      </a:rPr>
+                      <m:t>𝑐</m:t>
+                    </m:r>
+                  </m:oMath>
+                </a14:m>
+                <a:r>
+                  <a:rPr lang="en-US" b="0" dirty="0" smtClean="0"/>
+                  <a:t> </a:t>
+                </a:r>
+                <a:r>
+                  <a:rPr lang="ru-RU" b="0" dirty="0" smtClean="0"/>
+                  <a:t>есть </a:t>
+                </a:r>
+                <a:r>
+                  <a:rPr lang="ru-RU" b="1" dirty="0" err="1" smtClean="0"/>
+                  <a:t>зашифрование</a:t>
+                </a:r>
+                <a:r>
+                  <a:rPr lang="ru-RU" b="0" dirty="0" smtClean="0"/>
+                  <a:t> </a:t>
+                </a:r>
+                <a14:m>
+                  <m:oMath xmlns:m="http://schemas.openxmlformats.org/officeDocument/2006/math">
+                    <m:r>
+                      <a:rPr lang="en-US" b="0" i="1" smtClean="0">
+                        <a:latin typeface="Cambria Math" panose="02040503050406030204" pitchFamily="18" charset="0"/>
+                      </a:rPr>
+                      <m:t>𝑚</m:t>
+                    </m:r>
+                  </m:oMath>
+                </a14:m>
+                <a:r>
+                  <a:rPr lang="en-US" b="0" dirty="0" smtClean="0"/>
+                  <a:t> </a:t>
+                </a:r>
+                <a:r>
+                  <a:rPr lang="ru-RU" b="0" dirty="0" smtClean="0"/>
+                  <a:t>на ключе </a:t>
+                </a:r>
+                <a14:m>
+                  <m:oMath xmlns:m="http://schemas.openxmlformats.org/officeDocument/2006/math">
+                    <m:r>
+                      <a:rPr lang="en-US" b="0" i="1" smtClean="0">
+                        <a:latin typeface="Cambria Math" panose="02040503050406030204" pitchFamily="18" charset="0"/>
+                      </a:rPr>
+                      <m:t>𝑘</m:t>
+                    </m:r>
+                  </m:oMath>
+                </a14:m>
+                <a:r>
+                  <a:rPr lang="ru-RU" b="0" dirty="0" smtClean="0"/>
+                  <a:t>.</a:t>
+                </a:r>
+              </a:p>
+              <a:p>
+                <a:r>
+                  <a:rPr lang="ru-RU" dirty="0" smtClean="0"/>
+                  <a:t> (2) Функция </a:t>
+                </a:r>
+                <a14:m>
+                  <m:oMath xmlns:m="http://schemas.openxmlformats.org/officeDocument/2006/math">
+                    <m:r>
+                      <a:rPr lang="en-US" b="0" i="1" smtClean="0">
+                        <a:latin typeface="Cambria Math" panose="02040503050406030204" pitchFamily="18" charset="0"/>
+                      </a:rPr>
+                      <m:t>𝐷</m:t>
+                    </m:r>
+                  </m:oMath>
+                </a14:m>
+                <a:r>
+                  <a:rPr lang="ru-RU" b="0" dirty="0" smtClean="0"/>
+                  <a:t> (</a:t>
+                </a:r>
+                <a:r>
+                  <a:rPr lang="ru-RU" b="1" dirty="0" smtClean="0"/>
+                  <a:t>функция </a:t>
+                </a:r>
+                <a:r>
+                  <a:rPr lang="ru-RU" b="1" dirty="0" err="1" smtClean="0"/>
+                  <a:t>расшифрования</a:t>
+                </a:r>
+                <a:r>
+                  <a:rPr lang="ru-RU" b="0" dirty="0" smtClean="0"/>
+                  <a:t>) принимает на вход ключ </a:t>
+                </a:r>
+                <a14:m>
+                  <m:oMath xmlns:m="http://schemas.openxmlformats.org/officeDocument/2006/math">
+                    <m:r>
+                      <a:rPr lang="en-US" b="0" i="1" smtClean="0">
+                        <a:latin typeface="Cambria Math" panose="02040503050406030204" pitchFamily="18" charset="0"/>
+                      </a:rPr>
+                      <m:t>𝑘</m:t>
+                    </m:r>
+                  </m:oMath>
+                </a14:m>
+                <a:r>
+                  <a:rPr lang="en-US" b="0" dirty="0" smtClean="0"/>
+                  <a:t> </a:t>
+                </a:r>
+                <a:r>
+                  <a:rPr lang="ru-RU" b="0" dirty="0" smtClean="0"/>
+                  <a:t>и </a:t>
+                </a:r>
+                <a:r>
+                  <a:rPr lang="ru-RU" b="0" dirty="0" err="1" smtClean="0"/>
+                  <a:t>шифртекст</a:t>
+                </a:r>
+                <a:r>
+                  <a:rPr lang="ru-RU" b="0" dirty="0" smtClean="0"/>
+                  <a:t> </a:t>
+                </a:r>
+                <a14:m>
+                  <m:oMath xmlns:m="http://schemas.openxmlformats.org/officeDocument/2006/math">
+                    <m:r>
+                      <a:rPr lang="en-US" b="0" i="1" smtClean="0">
+                        <a:latin typeface="Cambria Math" panose="02040503050406030204" pitchFamily="18" charset="0"/>
+                      </a:rPr>
+                      <m:t>𝑐</m:t>
+                    </m:r>
+                  </m:oMath>
+                </a14:m>
+                <a:r>
+                  <a:rPr lang="en-US" b="0" dirty="0" smtClean="0"/>
+                  <a:t> </a:t>
+                </a:r>
+                <a:r>
+                  <a:rPr lang="ru-RU" b="0" dirty="0" smtClean="0"/>
+                  <a:t>и даёт на выходе сообщение </a:t>
+                </a:r>
+                <a14:m>
+                  <m:oMath xmlns:m="http://schemas.openxmlformats.org/officeDocument/2006/math">
+                    <m:r>
+                      <a:rPr lang="en-US" b="0" i="1" smtClean="0">
+                        <a:latin typeface="Cambria Math" panose="02040503050406030204" pitchFamily="18" charset="0"/>
+                      </a:rPr>
+                      <m:t>𝑚</m:t>
+                    </m:r>
+                  </m:oMath>
+                </a14:m>
+                <a:r>
+                  <a:rPr lang="ru-RU" b="0" dirty="0" smtClean="0"/>
+                  <a:t>, такое что</a:t>
+                </a:r>
+              </a:p>
+              <a:p>
+                <a:pPr marL="0" indent="0" algn="ctr">
+                  <a:buNone/>
+                </a:pPr>
+                <a:r>
+                  <a:rPr lang="ru-RU" b="0" dirty="0" smtClean="0"/>
+                  <a:t> </a:t>
+                </a:r>
+                <a14:m>
+                  <m:oMath xmlns:m="http://schemas.openxmlformats.org/officeDocument/2006/math">
+                    <m:r>
+                      <a:rPr lang="en-US" b="0" i="1" smtClean="0">
+                        <a:latin typeface="Cambria Math" panose="02040503050406030204" pitchFamily="18" charset="0"/>
+                      </a:rPr>
+                      <m:t>𝑚</m:t>
+                    </m:r>
+                    <m:r>
+                      <a:rPr lang="en-US" b="0" i="1" smtClean="0">
+                        <a:latin typeface="Cambria Math" panose="02040503050406030204" pitchFamily="18" charset="0"/>
+                      </a:rPr>
+                      <m:t>=</m:t>
+                    </m:r>
+                    <m:r>
+                      <a:rPr lang="en-US" b="0" i="1" smtClean="0">
+                        <a:latin typeface="Cambria Math" panose="02040503050406030204" pitchFamily="18" charset="0"/>
+                      </a:rPr>
+                      <m:t>𝐷</m:t>
+                    </m:r>
+                    <m:d>
+                      <m:dPr>
+                        <m:ctrlPr>
+                          <a:rPr lang="en-US" b="0" i="1" smtClean="0">
+                            <a:latin typeface="Cambria Math" panose="02040503050406030204" pitchFamily="18" charset="0"/>
+                          </a:rPr>
+                        </m:ctrlPr>
+                      </m:dPr>
+                      <m:e>
+                        <m:r>
+                          <a:rPr lang="en-US" b="0" i="1" smtClean="0">
+                            <a:latin typeface="Cambria Math" panose="02040503050406030204" pitchFamily="18" charset="0"/>
+                          </a:rPr>
+                          <m:t>𝑘</m:t>
+                        </m:r>
+                        <m:r>
+                          <a:rPr lang="en-US" b="0" i="1" smtClean="0">
+                            <a:latin typeface="Cambria Math" panose="02040503050406030204" pitchFamily="18" charset="0"/>
+                          </a:rPr>
+                          <m:t>,</m:t>
+                        </m:r>
+                        <m:r>
+                          <a:rPr lang="en-US" b="0" i="1" smtClean="0">
+                            <a:latin typeface="Cambria Math" panose="02040503050406030204" pitchFamily="18" charset="0"/>
+                          </a:rPr>
+                          <m:t>𝑐</m:t>
+                        </m:r>
+                      </m:e>
+                    </m:d>
+                  </m:oMath>
+                </a14:m>
+                <a:endParaRPr lang="ru-RU" b="0" dirty="0" smtClean="0"/>
+              </a:p>
+              <a:p>
+                <a:pPr marL="0" indent="0">
+                  <a:buNone/>
+                </a:pPr>
+                <a:r>
+                  <a:rPr lang="ru-RU" dirty="0" smtClean="0"/>
+                  <a:t>Говорят, что </a:t>
+                </a:r>
+                <a14:m>
+                  <m:oMath xmlns:m="http://schemas.openxmlformats.org/officeDocument/2006/math">
+                    <m:r>
+                      <a:rPr lang="en-US" b="0" i="1" smtClean="0">
+                        <a:latin typeface="Cambria Math" panose="02040503050406030204" pitchFamily="18" charset="0"/>
+                      </a:rPr>
+                      <m:t>𝑚</m:t>
+                    </m:r>
+                  </m:oMath>
+                </a14:m>
+                <a:r>
+                  <a:rPr lang="ru-RU" b="0" dirty="0" smtClean="0"/>
+                  <a:t> это </a:t>
+                </a:r>
+                <a:r>
+                  <a:rPr lang="ru-RU" b="1" dirty="0" err="1" smtClean="0"/>
+                  <a:t>расшифрование</a:t>
+                </a:r>
+                <a:r>
+                  <a:rPr lang="ru-RU" b="0" dirty="0" smtClean="0"/>
+                  <a:t> </a:t>
+                </a:r>
+                <a14:m>
+                  <m:oMath xmlns:m="http://schemas.openxmlformats.org/officeDocument/2006/math">
+                    <m:r>
+                      <a:rPr lang="en-US" b="0" i="1" smtClean="0">
+                        <a:latin typeface="Cambria Math" panose="02040503050406030204" pitchFamily="18" charset="0"/>
+                      </a:rPr>
+                      <m:t>𝑐</m:t>
+                    </m:r>
+                  </m:oMath>
+                </a14:m>
+                <a:r>
+                  <a:rPr lang="ru-RU" b="0" dirty="0" smtClean="0"/>
+                  <a:t> на ключе </a:t>
+                </a:r>
+                <a14:m>
+                  <m:oMath xmlns:m="http://schemas.openxmlformats.org/officeDocument/2006/math">
+                    <m:r>
+                      <a:rPr lang="en-US" b="0" i="1" smtClean="0">
+                        <a:latin typeface="Cambria Math" panose="02040503050406030204" pitchFamily="18" charset="0"/>
+                      </a:rPr>
+                      <m:t>𝑘</m:t>
+                    </m:r>
+                  </m:oMath>
+                </a14:m>
+                <a:r>
+                  <a:rPr lang="ru-RU" b="0" dirty="0" smtClean="0"/>
+                  <a:t>.</a:t>
+                </a:r>
+                <a:endParaRPr lang="en-US" b="0" dirty="0" smtClean="0"/>
+              </a:p>
+              <a:p>
+                <a:endParaRPr lang="en-US" b="0" dirty="0" smtClean="0"/>
+              </a:p>
+              <a:p>
+                <a:endParaRPr lang="ru-RU" dirty="0"/>
+              </a:p>
+            </p:txBody>
+          </p:sp>
+        </mc:Choice>
+        <mc:Fallback xmlns="">
+          <p:sp>
+            <p:nvSpPr>
+              <p:cNvPr id="3" name="Объект 2"/>
+              <p:cNvSpPr>
+                <a:spLocks noGrp="1" noRot="1" noChangeAspect="1" noMove="1" noResize="1" noEditPoints="1" noAdjustHandles="1" noChangeArrowheads="1" noChangeShapeType="1" noTextEdit="1"/>
+              </p:cNvSpPr>
+              <p:nvPr>
+                <p:ph idx="1"/>
+              </p:nvPr>
+            </p:nvSpPr>
+            <p:spPr>
+              <a:blipFill>
+                <a:blip r:embed="rId2"/>
+                <a:stretch>
+                  <a:fillRect l="-1043" t="-2801" r="-1391"/>
+                </a:stretch>
+              </a:blipFill>
+            </p:spPr>
+            <p:txBody>
+              <a:bodyPr/>
+              <a:lstStyle/>
+              <a:p>
+                <a:r>
+                  <a:rPr lang="ru-RU">
+                    <a:noFill/>
+                  </a:rPr>
+                  <a:t> </a:t>
+                </a:r>
+              </a:p>
+            </p:txBody>
+          </p:sp>
+        </mc:Fallback>
+      </mc:AlternateContent>
+      <p:sp>
+        <p:nvSpPr>
+          <p:cNvPr id="4" name="Номер слайда 3"/>
+          <p:cNvSpPr>
+            <a:spLocks noGrp="1"/>
+          </p:cNvSpPr>
+          <p:nvPr>
+            <p:ph type="sldNum" sz="quarter" idx="12"/>
+          </p:nvPr>
+        </p:nvSpPr>
+        <p:spPr/>
+        <p:txBody>
+          <a:bodyPr/>
+          <a:lstStyle/>
+          <a:p>
+            <a:fld id="{8253DDDB-F8F7-4D64-A7FD-3F3D61C1949F}" type="slidenum">
+              <a:rPr lang="ru-RU" smtClean="0"/>
+              <a:t>20</a:t>
+            </a:fld>
+            <a:endParaRPr lang="ru-RU"/>
+          </a:p>
+        </p:txBody>
+      </p:sp>
+    </p:spTree>
+    <p:extLst>
+      <p:ext uri="{BB962C8B-B14F-4D97-AF65-F5344CB8AC3E}">
+        <p14:creationId xmlns:p14="http://schemas.microsoft.com/office/powerpoint/2010/main" val="2716942626"/>
+      </p:ext>
+    </p:extLst>
+  </p:cSld>
+  <p:clrMapOvr>
+    <a:masterClrMapping/>
+  </p:clrMapOvr>
+  <p:timing>
+    <p:tnLst>
+      <p:par>
+        <p:cTn id="1" dur="indefinite" restart="never" nodeType="tmRoot"/>
+      </p:par>
+    </p:tnLst>
+  </p:timing>
+</p:sld>
+</file>
+
+<file path=ppt/slides/slide21.xml><?xml version="1.0" encoding="utf-8"?>
 <p:sld xmlns:a="http://schemas.openxmlformats.org/drawingml/2006/main" xmlns:r="http://schemas.openxmlformats.org/officeDocument/2006/relationships" xmlns:p="http://schemas.openxmlformats.org/presentationml/2006/main">
   <p:cSld>
     <p:spTree>
@@ -9075,7 +9345,7 @@
           <a:p>
             <a:fld id="{8253DDDB-F8F7-4D64-A7FD-3F3D61C1949F}" type="slidenum">
               <a:rPr lang="ru-RU" smtClean="0"/>
-              <a:t>20</a:t>
+              <a:t>21</a:t>
             </a:fld>
             <a:endParaRPr lang="ru-RU"/>
           </a:p>
@@ -9085,1057 +9355,6 @@
     <p:extLst>
       <p:ext uri="{BB962C8B-B14F-4D97-AF65-F5344CB8AC3E}">
         <p14:creationId xmlns:p14="http://schemas.microsoft.com/office/powerpoint/2010/main" val="718319279"/>
-      </p:ext>
-    </p:extLst>
-  </p:cSld>
-  <p:clrMapOvr>
-    <a:masterClrMapping/>
-  </p:clrMapOvr>
-  <p:timing>
-    <p:tnLst>
-      <p:par>
-        <p:cTn id="1" dur="indefinite" restart="never" nodeType="tmRoot"/>
-      </p:par>
-    </p:tnLst>
-  </p:timing>
-</p:sld>
-</file>
-
-<file path=ppt/slides/slide21.xml><?xml version="1.0" encoding="utf-8"?>
-<p:sld xmlns:a="http://schemas.openxmlformats.org/drawingml/2006/main" xmlns:r="http://schemas.openxmlformats.org/officeDocument/2006/relationships" xmlns:p="http://schemas.openxmlformats.org/presentationml/2006/main">
-  <p:cSld>
-    <p:spTree>
-      <p:nvGrpSpPr>
-        <p:cNvPr id="1" name=""/>
-        <p:cNvGrpSpPr/>
-        <p:nvPr/>
-      </p:nvGrpSpPr>
-      <p:grpSpPr>
-        <a:xfrm>
-          <a:off x="0" y="0"/>
-          <a:ext cx="0" cy="0"/>
-          <a:chOff x="0" y="0"/>
-          <a:chExt cx="0" cy="0"/>
-        </a:xfrm>
-      </p:grpSpPr>
-      <p:sp>
-        <p:nvSpPr>
-          <p:cNvPr id="2" name="Заголовок 1"/>
-          <p:cNvSpPr>
-            <a:spLocks noGrp="1"/>
-          </p:cNvSpPr>
-          <p:nvPr>
-            <p:ph type="title"/>
-          </p:nvPr>
-        </p:nvSpPr>
-        <p:spPr/>
-        <p:txBody>
-          <a:bodyPr/>
-          <a:lstStyle/>
-          <a:p>
-            <a:r>
-              <a:rPr lang="ru-RU" dirty="0" smtClean="0"/>
-              <a:t>Нотация</a:t>
-            </a:r>
-            <a:endParaRPr lang="ru-RU" dirty="0"/>
-          </a:p>
-        </p:txBody>
-      </p:sp>
-      <mc:AlternateContent xmlns:mc="http://schemas.openxmlformats.org/markup-compatibility/2006" xmlns:a14="http://schemas.microsoft.com/office/drawing/2010/main">
-        <mc:Choice Requires="a14">
-          <p:sp>
-            <p:nvSpPr>
-              <p:cNvPr id="3" name="Объект 2"/>
-              <p:cNvSpPr>
-                <a:spLocks noGrp="1"/>
-              </p:cNvSpPr>
-              <p:nvPr>
-                <p:ph idx="1"/>
-              </p:nvPr>
-            </p:nvSpPr>
-            <p:spPr/>
-            <p:txBody>
-              <a:bodyPr>
-                <a:normAutofit/>
-              </a:bodyPr>
-              <a:lstStyle/>
-              <a:p>
-                <a:pPr marL="0" indent="0">
-                  <a:buNone/>
-                </a:pPr>
-                <a14:m>
-                  <m:oMath xmlns:m="http://schemas.openxmlformats.org/officeDocument/2006/math">
-                    <m:r>
-                      <a:rPr lang="en-US" b="0" i="1" smtClean="0">
-                        <a:latin typeface="Cambria Math" panose="02040503050406030204" pitchFamily="18" charset="0"/>
-                      </a:rPr>
-                      <m:t>𝑣</m:t>
-                    </m:r>
-                    <m:r>
-                      <a:rPr lang="en-US" b="0" i="1" smtClean="0">
-                        <a:latin typeface="Cambria Math" panose="02040503050406030204" pitchFamily="18" charset="0"/>
-                      </a:rPr>
-                      <m:t>∈</m:t>
-                    </m:r>
-                    <m:sSub>
-                      <m:sSubPr>
-                        <m:ctrlPr>
-                          <a:rPr lang="en-US" b="0" i="1" smtClean="0">
-                            <a:latin typeface="Cambria Math" panose="02040503050406030204" pitchFamily="18" charset="0"/>
-                          </a:rPr>
-                        </m:ctrlPr>
-                      </m:sSubPr>
-                      <m:e>
-                        <m:r>
-                          <a:rPr lang="en-US" b="0" i="1" smtClean="0">
-                            <a:latin typeface="Cambria Math" panose="02040503050406030204" pitchFamily="18" charset="0"/>
-                          </a:rPr>
-                          <m:t>𝑉</m:t>
-                        </m:r>
-                      </m:e>
-                      <m:sub>
-                        <m:r>
-                          <a:rPr lang="en-US" b="0" i="1" smtClean="0">
-                            <a:latin typeface="Cambria Math" panose="02040503050406030204" pitchFamily="18" charset="0"/>
-                          </a:rPr>
-                          <m:t>𝑛</m:t>
-                        </m:r>
-                      </m:sub>
-                    </m:sSub>
-                    <m:r>
-                      <a:rPr lang="en-US" b="0" i="1" smtClean="0">
-                        <a:latin typeface="Cambria Math" panose="02040503050406030204" pitchFamily="18" charset="0"/>
-                      </a:rPr>
-                      <m:t>=</m:t>
-                    </m:r>
-                    <m:sSup>
-                      <m:sSupPr>
-                        <m:ctrlPr>
-                          <a:rPr lang="en-US" b="0" i="1" smtClean="0">
-                            <a:latin typeface="Cambria Math" panose="02040503050406030204" pitchFamily="18" charset="0"/>
-                          </a:rPr>
-                        </m:ctrlPr>
-                      </m:sSupPr>
-                      <m:e>
-                        <m:d>
-                          <m:dPr>
-                            <m:begChr m:val="{"/>
-                            <m:endChr m:val="}"/>
-                            <m:ctrlPr>
-                              <a:rPr lang="en-US" b="0" i="1" smtClean="0">
-                                <a:latin typeface="Cambria Math" panose="02040503050406030204" pitchFamily="18" charset="0"/>
-                              </a:rPr>
-                            </m:ctrlPr>
-                          </m:dPr>
-                          <m:e>
-                            <m:r>
-                              <a:rPr lang="en-US" b="0" i="1" smtClean="0">
-                                <a:latin typeface="Cambria Math" panose="02040503050406030204" pitchFamily="18" charset="0"/>
-                              </a:rPr>
-                              <m:t>0,1</m:t>
-                            </m:r>
-                          </m:e>
-                        </m:d>
-                      </m:e>
-                      <m:sup>
-                        <m:r>
-                          <a:rPr lang="en-US" b="0" i="1" smtClean="0">
-                            <a:latin typeface="Cambria Math" panose="02040503050406030204" pitchFamily="18" charset="0"/>
-                          </a:rPr>
-                          <m:t>𝑛</m:t>
-                        </m:r>
-                      </m:sup>
-                    </m:sSup>
-                  </m:oMath>
-                </a14:m>
-                <a:r>
-                  <a:rPr lang="en-US" dirty="0" smtClean="0"/>
-                  <a:t> - </a:t>
-                </a:r>
-                <a:r>
-                  <a:rPr lang="ru-RU" dirty="0" smtClean="0"/>
-                  <a:t>двоичный вектор длины </a:t>
-                </a:r>
-                <a14:m>
-                  <m:oMath xmlns:m="http://schemas.openxmlformats.org/officeDocument/2006/math">
-                    <m:r>
-                      <a:rPr lang="en-US" b="0" i="1" smtClean="0">
-                        <a:latin typeface="Cambria Math" panose="02040503050406030204" pitchFamily="18" charset="0"/>
-                      </a:rPr>
-                      <m:t>𝑛</m:t>
-                    </m:r>
-                  </m:oMath>
-                </a14:m>
-                <a:r>
-                  <a:rPr lang="en-US" b="0" dirty="0" smtClean="0"/>
-                  <a:t> (</a:t>
-                </a:r>
-                <a14:m>
-                  <m:oMath xmlns:m="http://schemas.openxmlformats.org/officeDocument/2006/math">
-                    <m:d>
-                      <m:dPr>
-                        <m:begChr m:val="|"/>
-                        <m:endChr m:val="|"/>
-                        <m:ctrlPr>
-                          <a:rPr lang="ru-RU" b="0" i="1" dirty="0" smtClean="0">
-                            <a:latin typeface="Cambria Math" panose="02040503050406030204" pitchFamily="18" charset="0"/>
-                          </a:rPr>
-                        </m:ctrlPr>
-                      </m:dPr>
-                      <m:e>
-                        <m:r>
-                          <a:rPr lang="ru-RU" b="0" i="1" dirty="0" smtClean="0">
-                            <a:latin typeface="Cambria Math" panose="02040503050406030204" pitchFamily="18" charset="0"/>
-                          </a:rPr>
-                          <m:t>𝑣</m:t>
-                        </m:r>
-                      </m:e>
-                    </m:d>
-                    <m:r>
-                      <a:rPr lang="ru-RU" b="0" i="1" dirty="0" smtClean="0">
-                        <a:latin typeface="Cambria Math" panose="02040503050406030204" pitchFamily="18" charset="0"/>
-                      </a:rPr>
-                      <m:t>=</m:t>
-                    </m:r>
-                    <m:r>
-                      <a:rPr lang="ru-RU" b="0" i="1" dirty="0" smtClean="0">
-                        <a:latin typeface="Cambria Math" panose="02040503050406030204" pitchFamily="18" charset="0"/>
-                      </a:rPr>
-                      <m:t>𝑛</m:t>
-                    </m:r>
-                  </m:oMath>
-                </a14:m>
-                <a:r>
-                  <a:rPr lang="ru-RU" b="0" dirty="0" smtClean="0"/>
-                  <a:t>)</a:t>
-                </a:r>
-                <a:endParaRPr lang="en-US" b="0" dirty="0" smtClean="0"/>
-              </a:p>
-              <a:p>
-                <a:pPr marL="0" indent="0">
-                  <a:buNone/>
-                </a:pPr>
-                <a:endParaRPr lang="en-US" dirty="0" smtClean="0"/>
-              </a:p>
-              <a:p>
-                <a:pPr marL="0" indent="0">
-                  <a:buNone/>
-                </a:pPr>
-                <a14:m>
-                  <m:oMath xmlns:m="http://schemas.openxmlformats.org/officeDocument/2006/math">
-                    <m:sSup>
-                      <m:sSupPr>
-                        <m:ctrlPr>
-                          <a:rPr lang="en-US" b="0" i="1" smtClean="0">
-                            <a:latin typeface="Cambria Math" panose="02040503050406030204" pitchFamily="18" charset="0"/>
-                          </a:rPr>
-                        </m:ctrlPr>
-                      </m:sSupPr>
-                      <m:e>
-                        <m:r>
-                          <a:rPr lang="en-US" b="0" i="1" smtClean="0">
-                            <a:latin typeface="Cambria Math" panose="02040503050406030204" pitchFamily="18" charset="0"/>
-                          </a:rPr>
-                          <m:t>0</m:t>
-                        </m:r>
-                      </m:e>
-                      <m:sup>
-                        <m:r>
-                          <a:rPr lang="en-US" b="0" i="1" smtClean="0">
-                            <a:latin typeface="Cambria Math" panose="02040503050406030204" pitchFamily="18" charset="0"/>
-                          </a:rPr>
-                          <m:t>𝑛</m:t>
-                        </m:r>
-                      </m:sup>
-                    </m:sSup>
-                  </m:oMath>
-                </a14:m>
-                <a:r>
-                  <a:rPr lang="en-US" dirty="0" smtClean="0"/>
-                  <a:t>- </a:t>
-                </a:r>
-                <a:r>
-                  <a:rPr lang="ru-RU" dirty="0" smtClean="0"/>
-                  <a:t>двоичный вектор </a:t>
-                </a:r>
-                <a14:m>
-                  <m:oMath xmlns:m="http://schemas.openxmlformats.org/officeDocument/2006/math">
-                    <m:d>
-                      <m:dPr>
-                        <m:ctrlPr>
-                          <a:rPr lang="ru-RU" b="0" i="1" smtClean="0">
-                            <a:latin typeface="Cambria Math" panose="02040503050406030204" pitchFamily="18" charset="0"/>
-                          </a:rPr>
-                        </m:ctrlPr>
-                      </m:dPr>
-                      <m:e>
-                        <m:r>
-                          <a:rPr lang="ru-RU" b="0" i="1" smtClean="0">
-                            <a:latin typeface="Cambria Math" panose="02040503050406030204" pitchFamily="18" charset="0"/>
-                          </a:rPr>
-                          <m:t>000…00</m:t>
-                        </m:r>
-                      </m:e>
-                    </m:d>
-                    <m:r>
-                      <a:rPr lang="ru-RU" b="0" i="1" smtClean="0">
-                        <a:latin typeface="Cambria Math" panose="02040503050406030204" pitchFamily="18" charset="0"/>
-                      </a:rPr>
-                      <m:t>∈</m:t>
-                    </m:r>
-                    <m:sSub>
-                      <m:sSubPr>
-                        <m:ctrlPr>
-                          <a:rPr lang="en-US" b="0" i="1" smtClean="0">
-                            <a:latin typeface="Cambria Math" panose="02040503050406030204" pitchFamily="18" charset="0"/>
-                          </a:rPr>
-                        </m:ctrlPr>
-                      </m:sSubPr>
-                      <m:e>
-                        <m:r>
-                          <a:rPr lang="en-US" b="0" i="1" smtClean="0">
-                            <a:latin typeface="Cambria Math" panose="02040503050406030204" pitchFamily="18" charset="0"/>
-                          </a:rPr>
-                          <m:t>𝑉</m:t>
-                        </m:r>
-                      </m:e>
-                      <m:sub>
-                        <m:r>
-                          <a:rPr lang="en-US" b="0" i="1" smtClean="0">
-                            <a:latin typeface="Cambria Math" panose="02040503050406030204" pitchFamily="18" charset="0"/>
-                          </a:rPr>
-                          <m:t>𝑛</m:t>
-                        </m:r>
-                      </m:sub>
-                    </m:sSub>
-                  </m:oMath>
-                </a14:m>
-                <a:endParaRPr lang="en-US" dirty="0" smtClean="0"/>
-              </a:p>
-              <a:p>
-                <a:pPr marL="0" indent="0">
-                  <a:buNone/>
-                </a:pPr>
-                <a14:m>
-                  <m:oMath xmlns:m="http://schemas.openxmlformats.org/officeDocument/2006/math">
-                    <m:sSup>
-                      <m:sSupPr>
-                        <m:ctrlPr>
-                          <a:rPr lang="en-US" b="0" i="1" smtClean="0">
-                            <a:latin typeface="Cambria Math" panose="02040503050406030204" pitchFamily="18" charset="0"/>
-                          </a:rPr>
-                        </m:ctrlPr>
-                      </m:sSupPr>
-                      <m:e>
-                        <m:r>
-                          <a:rPr lang="en-US" b="0" i="1" smtClean="0">
-                            <a:latin typeface="Cambria Math" panose="02040503050406030204" pitchFamily="18" charset="0"/>
-                          </a:rPr>
-                          <m:t>1</m:t>
-                        </m:r>
-                      </m:e>
-                      <m:sup>
-                        <m:r>
-                          <a:rPr lang="en-US" b="0" i="1" smtClean="0">
-                            <a:latin typeface="Cambria Math" panose="02040503050406030204" pitchFamily="18" charset="0"/>
-                          </a:rPr>
-                          <m:t>𝑛</m:t>
-                        </m:r>
-                      </m:sup>
-                    </m:sSup>
-                  </m:oMath>
-                </a14:m>
-                <a:r>
-                  <a:rPr lang="en-US" dirty="0" smtClean="0"/>
-                  <a:t> - </a:t>
-                </a:r>
-                <a:r>
-                  <a:rPr lang="ru-RU" dirty="0" smtClean="0"/>
-                  <a:t>двоичный вектор </a:t>
-                </a:r>
-                <a14:m>
-                  <m:oMath xmlns:m="http://schemas.openxmlformats.org/officeDocument/2006/math">
-                    <m:d>
-                      <m:dPr>
-                        <m:ctrlPr>
-                          <a:rPr lang="ru-RU" i="1" dirty="0" smtClean="0">
-                            <a:latin typeface="Cambria Math" panose="02040503050406030204" pitchFamily="18" charset="0"/>
-                          </a:rPr>
-                        </m:ctrlPr>
-                      </m:dPr>
-                      <m:e>
-                        <m:r>
-                          <a:rPr lang="ru-RU" i="1" dirty="0" smtClean="0">
-                            <a:latin typeface="Cambria Math" panose="02040503050406030204" pitchFamily="18" charset="0"/>
-                          </a:rPr>
-                          <m:t>111…11</m:t>
-                        </m:r>
-                      </m:e>
-                    </m:d>
-                    <m:r>
-                      <a:rPr lang="ru-RU" b="0" i="1" dirty="0" smtClean="0">
-                        <a:latin typeface="Cambria Math" panose="02040503050406030204" pitchFamily="18" charset="0"/>
-                      </a:rPr>
-                      <m:t>∈</m:t>
-                    </m:r>
-                    <m:sSub>
-                      <m:sSubPr>
-                        <m:ctrlPr>
-                          <a:rPr lang="en-US" b="0" i="1" dirty="0" smtClean="0">
-                            <a:latin typeface="Cambria Math" panose="02040503050406030204" pitchFamily="18" charset="0"/>
-                          </a:rPr>
-                        </m:ctrlPr>
-                      </m:sSubPr>
-                      <m:e>
-                        <m:r>
-                          <a:rPr lang="en-US" b="0" i="1" dirty="0" smtClean="0">
-                            <a:latin typeface="Cambria Math" panose="02040503050406030204" pitchFamily="18" charset="0"/>
-                          </a:rPr>
-                          <m:t>𝑉</m:t>
-                        </m:r>
-                      </m:e>
-                      <m:sub>
-                        <m:r>
-                          <a:rPr lang="en-US" b="0" i="1" dirty="0" smtClean="0">
-                            <a:latin typeface="Cambria Math" panose="02040503050406030204" pitchFamily="18" charset="0"/>
-                          </a:rPr>
-                          <m:t>𝑛</m:t>
-                        </m:r>
-                      </m:sub>
-                    </m:sSub>
-                  </m:oMath>
-                </a14:m>
-                <a:endParaRPr lang="ru-RU" dirty="0" smtClean="0"/>
-              </a:p>
-              <a:p>
-                <a:pPr marL="0" indent="0">
-                  <a:buNone/>
-                </a:pPr>
-                <a14:m>
-                  <m:oMath xmlns:m="http://schemas.openxmlformats.org/officeDocument/2006/math">
-                    <m:sSup>
-                      <m:sSupPr>
-                        <m:ctrlPr>
-                          <a:rPr lang="en-US" b="0" i="1" smtClean="0">
-                            <a:latin typeface="Cambria Math" panose="02040503050406030204" pitchFamily="18" charset="0"/>
-                          </a:rPr>
-                        </m:ctrlPr>
-                      </m:sSupPr>
-                      <m:e>
-                        <m:r>
-                          <a:rPr lang="ru-RU" b="0" i="1" smtClean="0">
-                            <a:latin typeface="Cambria Math" panose="02040503050406030204" pitchFamily="18" charset="0"/>
-                          </a:rPr>
-                          <m:t>0</m:t>
-                        </m:r>
-                      </m:e>
-                      <m:sup>
-                        <m:r>
-                          <a:rPr lang="en-US" b="0" i="1" smtClean="0">
-                            <a:latin typeface="Cambria Math" panose="02040503050406030204" pitchFamily="18" charset="0"/>
-                          </a:rPr>
-                          <m:t>𝑘</m:t>
-                        </m:r>
-                      </m:sup>
-                    </m:sSup>
-                    <m:sSup>
-                      <m:sSupPr>
-                        <m:ctrlPr>
-                          <a:rPr lang="en-US" b="0" i="1" smtClean="0">
-                            <a:latin typeface="Cambria Math" panose="02040503050406030204" pitchFamily="18" charset="0"/>
-                          </a:rPr>
-                        </m:ctrlPr>
-                      </m:sSupPr>
-                      <m:e>
-                        <m:r>
-                          <a:rPr lang="en-US" b="0" i="1" smtClean="0">
-                            <a:latin typeface="Cambria Math" panose="02040503050406030204" pitchFamily="18" charset="0"/>
-                          </a:rPr>
-                          <m:t>1</m:t>
-                        </m:r>
-                      </m:e>
-                      <m:sup>
-                        <m:r>
-                          <a:rPr lang="en-US" b="0" i="1" smtClean="0">
-                            <a:latin typeface="Cambria Math" panose="02040503050406030204" pitchFamily="18" charset="0"/>
-                          </a:rPr>
-                          <m:t>𝑙</m:t>
-                        </m:r>
-                      </m:sup>
-                    </m:sSup>
-                  </m:oMath>
-                </a14:m>
-                <a:r>
-                  <a:rPr lang="en-US" dirty="0" smtClean="0"/>
-                  <a:t>- </a:t>
-                </a:r>
-                <a:r>
-                  <a:rPr lang="ru-RU" dirty="0" smtClean="0"/>
-                  <a:t>двоичный вектор </a:t>
-                </a:r>
-                <a14:m>
-                  <m:oMath xmlns:m="http://schemas.openxmlformats.org/officeDocument/2006/math">
-                    <m:limLow>
-                      <m:limLowPr>
-                        <m:ctrlPr>
-                          <a:rPr lang="en-US" i="1">
-                            <a:latin typeface="Cambria Math" panose="02040503050406030204" pitchFamily="18" charset="0"/>
-                          </a:rPr>
-                        </m:ctrlPr>
-                      </m:limLowPr>
-                      <m:e>
-                        <m:groupChr>
-                          <m:groupChrPr>
-                            <m:chr m:val="⏟"/>
-                            <m:ctrlPr>
-                              <a:rPr lang="en-US" i="1">
-                                <a:latin typeface="Cambria Math" panose="02040503050406030204" pitchFamily="18" charset="0"/>
-                              </a:rPr>
-                            </m:ctrlPr>
-                          </m:groupChrPr>
-                          <m:e>
-                            <m:r>
-                              <a:rPr lang="ru-RU" b="0" i="1" smtClean="0">
-                                <a:latin typeface="Cambria Math" panose="02040503050406030204" pitchFamily="18" charset="0"/>
-                              </a:rPr>
-                              <m:t>(</m:t>
-                            </m:r>
-                            <m:r>
-                              <a:rPr lang="ru-RU" i="1">
-                                <a:latin typeface="Cambria Math" panose="02040503050406030204" pitchFamily="18" charset="0"/>
-                              </a:rPr>
-                              <m:t>000…00</m:t>
-                            </m:r>
-                          </m:e>
-                        </m:groupChr>
-                      </m:e>
-                      <m:lim>
-                        <m:r>
-                          <a:rPr lang="en-US" i="1">
-                            <a:latin typeface="Cambria Math" panose="02040503050406030204" pitchFamily="18" charset="0"/>
-                          </a:rPr>
-                          <m:t>𝑘</m:t>
-                        </m:r>
-                      </m:lim>
-                    </m:limLow>
-                    <m:limLow>
-                      <m:limLowPr>
-                        <m:ctrlPr>
-                          <a:rPr lang="en-US" i="1">
-                            <a:latin typeface="Cambria Math" panose="02040503050406030204" pitchFamily="18" charset="0"/>
-                          </a:rPr>
-                        </m:ctrlPr>
-                      </m:limLowPr>
-                      <m:e>
-                        <m:groupChr>
-                          <m:groupChrPr>
-                            <m:chr m:val="⏟"/>
-                            <m:ctrlPr>
-                              <a:rPr lang="en-US" i="1">
-                                <a:latin typeface="Cambria Math" panose="02040503050406030204" pitchFamily="18" charset="0"/>
-                              </a:rPr>
-                            </m:ctrlPr>
-                          </m:groupChrPr>
-                          <m:e>
-                            <m:r>
-                              <a:rPr lang="ru-RU" i="1">
-                                <a:latin typeface="Cambria Math" panose="02040503050406030204" pitchFamily="18" charset="0"/>
-                              </a:rPr>
-                              <m:t>111…11</m:t>
-                            </m:r>
-                            <m:r>
-                              <a:rPr lang="ru-RU" b="0" i="1" smtClean="0">
-                                <a:latin typeface="Cambria Math" panose="02040503050406030204" pitchFamily="18" charset="0"/>
-                              </a:rPr>
-                              <m:t>)</m:t>
-                            </m:r>
-                          </m:e>
-                        </m:groupChr>
-                      </m:e>
-                      <m:lim>
-                        <m:r>
-                          <a:rPr lang="en-US" i="1">
-                            <a:latin typeface="Cambria Math" panose="02040503050406030204" pitchFamily="18" charset="0"/>
-                          </a:rPr>
-                          <m:t>𝑙</m:t>
-                        </m:r>
-                      </m:lim>
-                    </m:limLow>
-                    <m:r>
-                      <a:rPr lang="en-US" b="0" i="1" smtClean="0">
-                        <a:latin typeface="Cambria Math" panose="02040503050406030204" pitchFamily="18" charset="0"/>
-                      </a:rPr>
-                      <m:t>∈</m:t>
-                    </m:r>
-                    <m:sSub>
-                      <m:sSubPr>
-                        <m:ctrlPr>
-                          <a:rPr lang="en-US" b="0" i="1" smtClean="0">
-                            <a:latin typeface="Cambria Math" panose="02040503050406030204" pitchFamily="18" charset="0"/>
-                          </a:rPr>
-                        </m:ctrlPr>
-                      </m:sSubPr>
-                      <m:e>
-                        <m:r>
-                          <a:rPr lang="en-US" b="0" i="1" smtClean="0">
-                            <a:latin typeface="Cambria Math" panose="02040503050406030204" pitchFamily="18" charset="0"/>
-                          </a:rPr>
-                          <m:t>𝑉</m:t>
-                        </m:r>
-                      </m:e>
-                      <m:sub>
-                        <m:r>
-                          <a:rPr lang="en-US" b="0" i="1" smtClean="0">
-                            <a:latin typeface="Cambria Math" panose="02040503050406030204" pitchFamily="18" charset="0"/>
-                          </a:rPr>
-                          <m:t>𝑘</m:t>
-                        </m:r>
-                        <m:r>
-                          <a:rPr lang="en-US" b="0" i="1" smtClean="0">
-                            <a:latin typeface="Cambria Math" panose="02040503050406030204" pitchFamily="18" charset="0"/>
-                          </a:rPr>
-                          <m:t>+</m:t>
-                        </m:r>
-                        <m:r>
-                          <a:rPr lang="en-US" b="0" i="1" smtClean="0">
-                            <a:latin typeface="Cambria Math" panose="02040503050406030204" pitchFamily="18" charset="0"/>
-                          </a:rPr>
-                          <m:t>𝑙</m:t>
-                        </m:r>
-                      </m:sub>
-                    </m:sSub>
-                  </m:oMath>
-                </a14:m>
-                <a:endParaRPr lang="ru-RU" dirty="0" smtClean="0"/>
-              </a:p>
-              <a:p>
-                <a:pPr marL="0" indent="0">
-                  <a:buNone/>
-                </a:pPr>
-                <a:endParaRPr lang="en-US" dirty="0" smtClean="0"/>
-              </a:p>
-              <a:p>
-                <a:pPr marL="0" indent="0">
-                  <a:buNone/>
-                </a:pPr>
-                <a14:m>
-                  <m:oMath xmlns:m="http://schemas.openxmlformats.org/officeDocument/2006/math">
-                    <m:sSup>
-                      <m:sSupPr>
-                        <m:ctrlPr>
-                          <a:rPr lang="en-US" b="0" i="1" smtClean="0">
-                            <a:latin typeface="Cambria Math" panose="02040503050406030204" pitchFamily="18" charset="0"/>
-                          </a:rPr>
-                        </m:ctrlPr>
-                      </m:sSupPr>
-                      <m:e>
-                        <m:r>
-                          <a:rPr lang="en-US" b="0" i="1" smtClean="0">
-                            <a:latin typeface="Cambria Math" panose="02040503050406030204" pitchFamily="18" charset="0"/>
-                          </a:rPr>
-                          <m:t>𝑣</m:t>
-                        </m:r>
-                      </m:e>
-                      <m:sup>
-                        <m:r>
-                          <a:rPr lang="en-US" b="0" i="1" smtClean="0">
-                            <a:latin typeface="Cambria Math" panose="02040503050406030204" pitchFamily="18" charset="0"/>
-                          </a:rPr>
-                          <m:t>′</m:t>
-                        </m:r>
-                      </m:sup>
-                    </m:sSup>
-                    <m:r>
-                      <a:rPr lang="en-US" b="0" i="1" smtClean="0">
-                        <a:latin typeface="Cambria Math" panose="02040503050406030204" pitchFamily="18" charset="0"/>
-                      </a:rPr>
-                      <m:t>∈</m:t>
-                    </m:r>
-                    <m:sSup>
-                      <m:sSupPr>
-                        <m:ctrlPr>
-                          <a:rPr lang="en-US" b="0" i="1" smtClean="0">
-                            <a:latin typeface="Cambria Math" panose="02040503050406030204" pitchFamily="18" charset="0"/>
-                          </a:rPr>
-                        </m:ctrlPr>
-                      </m:sSupPr>
-                      <m:e>
-                        <m:d>
-                          <m:dPr>
-                            <m:begChr m:val="{"/>
-                            <m:endChr m:val="}"/>
-                            <m:ctrlPr>
-                              <a:rPr lang="en-US" b="0" i="1" smtClean="0">
-                                <a:latin typeface="Cambria Math" panose="02040503050406030204" pitchFamily="18" charset="0"/>
-                              </a:rPr>
-                            </m:ctrlPr>
-                          </m:dPr>
-                          <m:e>
-                            <m:r>
-                              <a:rPr lang="en-US" b="0" i="1" smtClean="0">
-                                <a:latin typeface="Cambria Math" panose="02040503050406030204" pitchFamily="18" charset="0"/>
-                              </a:rPr>
-                              <m:t>0,1</m:t>
-                            </m:r>
-                          </m:e>
-                        </m:d>
-                      </m:e>
-                      <m:sup>
-                        <m:r>
-                          <a:rPr lang="en-US" b="0" i="1" smtClean="0">
-                            <a:latin typeface="Cambria Math" panose="02040503050406030204" pitchFamily="18" charset="0"/>
-                          </a:rPr>
-                          <m:t>∗</m:t>
-                        </m:r>
-                      </m:sup>
-                    </m:sSup>
-                    <m:r>
-                      <a:rPr lang="en-US" b="0" i="1" smtClean="0">
-                        <a:latin typeface="Cambria Math" panose="02040503050406030204" pitchFamily="18" charset="0"/>
-                      </a:rPr>
-                      <m:t>=</m:t>
-                    </m:r>
-                    <m:nary>
-                      <m:naryPr>
-                        <m:chr m:val="⋃"/>
-                        <m:ctrlPr>
-                          <a:rPr lang="en-US" b="0" i="1" smtClean="0">
-                            <a:latin typeface="Cambria Math" panose="02040503050406030204" pitchFamily="18" charset="0"/>
-                          </a:rPr>
-                        </m:ctrlPr>
-                      </m:naryPr>
-                      <m:sub>
-                        <m:r>
-                          <m:rPr>
-                            <m:brk m:alnAt="23"/>
-                          </m:rPr>
-                          <a:rPr lang="en-US" b="0" i="1" smtClean="0">
-                            <a:latin typeface="Cambria Math" panose="02040503050406030204" pitchFamily="18" charset="0"/>
-                          </a:rPr>
-                          <m:t>𝑘</m:t>
-                        </m:r>
-                        <m:r>
-                          <a:rPr lang="en-US" b="0" i="1" smtClean="0">
-                            <a:latin typeface="Cambria Math" panose="02040503050406030204" pitchFamily="18" charset="0"/>
-                          </a:rPr>
-                          <m:t>=0</m:t>
-                        </m:r>
-                      </m:sub>
-                      <m:sup>
-                        <m:r>
-                          <a:rPr lang="en-US" i="1">
-                            <a:latin typeface="Cambria Math" panose="02040503050406030204" pitchFamily="18" charset="0"/>
-                            <a:ea typeface="Cambria Math" panose="02040503050406030204" pitchFamily="18" charset="0"/>
-                          </a:rPr>
-                          <m:t>∞</m:t>
-                        </m:r>
-                      </m:sup>
-                      <m:e>
-                        <m:sSup>
-                          <m:sSupPr>
-                            <m:ctrlPr>
-                              <a:rPr lang="en-US" b="0" i="1" smtClean="0">
-                                <a:latin typeface="Cambria Math" panose="02040503050406030204" pitchFamily="18" charset="0"/>
-                              </a:rPr>
-                            </m:ctrlPr>
-                          </m:sSupPr>
-                          <m:e>
-                            <m:d>
-                              <m:dPr>
-                                <m:begChr m:val="{"/>
-                                <m:endChr m:val="}"/>
-                                <m:ctrlPr>
-                                  <a:rPr lang="en-US" b="0" i="1" smtClean="0">
-                                    <a:latin typeface="Cambria Math" panose="02040503050406030204" pitchFamily="18" charset="0"/>
-                                  </a:rPr>
-                                </m:ctrlPr>
-                              </m:dPr>
-                              <m:e>
-                                <m:r>
-                                  <a:rPr lang="en-US" b="0" i="1" smtClean="0">
-                                    <a:latin typeface="Cambria Math" panose="02040503050406030204" pitchFamily="18" charset="0"/>
-                                  </a:rPr>
-                                  <m:t>0,1</m:t>
-                                </m:r>
-                              </m:e>
-                            </m:d>
-                          </m:e>
-                          <m:sup>
-                            <m:r>
-                              <a:rPr lang="en-US" b="0" i="1" smtClean="0">
-                                <a:latin typeface="Cambria Math" panose="02040503050406030204" pitchFamily="18" charset="0"/>
-                              </a:rPr>
-                              <m:t>𝑘</m:t>
-                            </m:r>
-                          </m:sup>
-                        </m:sSup>
-                      </m:e>
-                    </m:nary>
-                  </m:oMath>
-                </a14:m>
-                <a:r>
-                  <a:rPr lang="en-US" dirty="0" smtClean="0"/>
-                  <a:t> - </a:t>
-                </a:r>
-                <a:r>
-                  <a:rPr lang="ru-RU" dirty="0" smtClean="0"/>
-                  <a:t>двоичный вектор произвольной длины</a:t>
-                </a:r>
-              </a:p>
-              <a:p>
-                <a:pPr marL="0" indent="0">
-                  <a:buNone/>
-                </a:pPr>
-                <a14:m>
-                  <m:oMath xmlns:m="http://schemas.openxmlformats.org/officeDocument/2006/math">
-                    <m:sSup>
-                      <m:sSupPr>
-                        <m:ctrlPr>
-                          <a:rPr lang="en-US" b="0" i="1" smtClean="0">
-                            <a:latin typeface="Cambria Math" panose="02040503050406030204" pitchFamily="18" charset="0"/>
-                          </a:rPr>
-                        </m:ctrlPr>
-                      </m:sSupPr>
-                      <m:e>
-                        <m:r>
-                          <a:rPr lang="en-US" b="0" i="1" smtClean="0">
-                            <a:latin typeface="Cambria Math" panose="02040503050406030204" pitchFamily="18" charset="0"/>
-                          </a:rPr>
-                          <m:t>𝑣</m:t>
-                        </m:r>
-                      </m:e>
-                      <m:sup>
-                        <m:r>
-                          <a:rPr lang="en-US" b="0" i="1" smtClean="0">
-                            <a:latin typeface="Cambria Math" panose="02040503050406030204" pitchFamily="18" charset="0"/>
-                          </a:rPr>
-                          <m:t>′′</m:t>
-                        </m:r>
-                      </m:sup>
-                    </m:sSup>
-                    <m:r>
-                      <a:rPr lang="en-US" b="0" i="1" smtClean="0">
-                        <a:latin typeface="Cambria Math" panose="02040503050406030204" pitchFamily="18" charset="0"/>
-                      </a:rPr>
-                      <m:t>∈</m:t>
-                    </m:r>
-                    <m:sSup>
-                      <m:sSupPr>
-                        <m:ctrlPr>
-                          <a:rPr lang="en-US" b="0" i="1" smtClean="0">
-                            <a:latin typeface="Cambria Math" panose="02040503050406030204" pitchFamily="18" charset="0"/>
-                          </a:rPr>
-                        </m:ctrlPr>
-                      </m:sSupPr>
-                      <m:e>
-                        <m:d>
-                          <m:dPr>
-                            <m:begChr m:val="{"/>
-                            <m:endChr m:val="}"/>
-                            <m:ctrlPr>
-                              <a:rPr lang="en-US" b="0" i="1" smtClean="0">
-                                <a:latin typeface="Cambria Math" panose="02040503050406030204" pitchFamily="18" charset="0"/>
-                              </a:rPr>
-                            </m:ctrlPr>
-                          </m:dPr>
-                          <m:e>
-                            <m:r>
-                              <a:rPr lang="en-US" b="0" i="1" smtClean="0">
-                                <a:latin typeface="Cambria Math" panose="02040503050406030204" pitchFamily="18" charset="0"/>
-                              </a:rPr>
-                              <m:t>0,1</m:t>
-                            </m:r>
-                          </m:e>
-                        </m:d>
-                      </m:e>
-                      <m:sup>
-                        <m:r>
-                          <a:rPr lang="en-US" b="0" i="1" smtClean="0">
-                            <a:latin typeface="Cambria Math" panose="02040503050406030204" pitchFamily="18" charset="0"/>
-                          </a:rPr>
-                          <m:t>≤</m:t>
-                        </m:r>
-                        <m:r>
-                          <a:rPr lang="en-US" b="0" i="1" smtClean="0">
-                            <a:latin typeface="Cambria Math" panose="02040503050406030204" pitchFamily="18" charset="0"/>
-                          </a:rPr>
-                          <m:t>𝐿</m:t>
-                        </m:r>
-                      </m:sup>
-                    </m:sSup>
-                    <m:r>
-                      <a:rPr lang="en-US" b="0" i="1" smtClean="0">
-                        <a:latin typeface="Cambria Math" panose="02040503050406030204" pitchFamily="18" charset="0"/>
-                      </a:rPr>
-                      <m:t>=</m:t>
-                    </m:r>
-                    <m:nary>
-                      <m:naryPr>
-                        <m:chr m:val="⋃"/>
-                        <m:ctrlPr>
-                          <a:rPr lang="en-US" i="1">
-                            <a:latin typeface="Cambria Math" panose="02040503050406030204" pitchFamily="18" charset="0"/>
-                          </a:rPr>
-                        </m:ctrlPr>
-                      </m:naryPr>
-                      <m:sub>
-                        <m:r>
-                          <m:rPr>
-                            <m:brk m:alnAt="23"/>
-                          </m:rPr>
-                          <a:rPr lang="en-US" i="1">
-                            <a:latin typeface="Cambria Math" panose="02040503050406030204" pitchFamily="18" charset="0"/>
-                          </a:rPr>
-                          <m:t>𝑘</m:t>
-                        </m:r>
-                        <m:r>
-                          <a:rPr lang="en-US" i="1">
-                            <a:latin typeface="Cambria Math" panose="02040503050406030204" pitchFamily="18" charset="0"/>
-                          </a:rPr>
-                          <m:t>=0</m:t>
-                        </m:r>
-                      </m:sub>
-                      <m:sup>
-                        <m:r>
-                          <a:rPr lang="en-US" b="0" i="1" smtClean="0">
-                            <a:latin typeface="Cambria Math" panose="02040503050406030204" pitchFamily="18" charset="0"/>
-                          </a:rPr>
-                          <m:t>𝐿</m:t>
-                        </m:r>
-                      </m:sup>
-                      <m:e>
-                        <m:sSup>
-                          <m:sSupPr>
-                            <m:ctrlPr>
-                              <a:rPr lang="en-US" i="1">
-                                <a:latin typeface="Cambria Math" panose="02040503050406030204" pitchFamily="18" charset="0"/>
-                              </a:rPr>
-                            </m:ctrlPr>
-                          </m:sSupPr>
-                          <m:e>
-                            <m:d>
-                              <m:dPr>
-                                <m:begChr m:val="{"/>
-                                <m:endChr m:val="}"/>
-                                <m:ctrlPr>
-                                  <a:rPr lang="en-US" i="1">
-                                    <a:latin typeface="Cambria Math" panose="02040503050406030204" pitchFamily="18" charset="0"/>
-                                  </a:rPr>
-                                </m:ctrlPr>
-                              </m:dPr>
-                              <m:e>
-                                <m:r>
-                                  <a:rPr lang="en-US" i="1">
-                                    <a:latin typeface="Cambria Math" panose="02040503050406030204" pitchFamily="18" charset="0"/>
-                                  </a:rPr>
-                                  <m:t>0,1</m:t>
-                                </m:r>
-                              </m:e>
-                            </m:d>
-                          </m:e>
-                          <m:sup>
-                            <m:r>
-                              <a:rPr lang="en-US" i="1">
-                                <a:latin typeface="Cambria Math" panose="02040503050406030204" pitchFamily="18" charset="0"/>
-                              </a:rPr>
-                              <m:t>𝑘</m:t>
-                            </m:r>
-                          </m:sup>
-                        </m:sSup>
-                      </m:e>
-                    </m:nary>
-                  </m:oMath>
-                </a14:m>
-                <a:r>
-                  <a:rPr lang="en-US" dirty="0" smtClean="0"/>
-                  <a:t> - </a:t>
-                </a:r>
-                <a:r>
-                  <a:rPr lang="ru-RU" dirty="0" smtClean="0"/>
-                  <a:t>двоичный вектор, длины не больше </a:t>
-                </a:r>
-                <a14:m>
-                  <m:oMath xmlns:m="http://schemas.openxmlformats.org/officeDocument/2006/math">
-                    <m:r>
-                      <a:rPr lang="en-US" b="0" i="1" smtClean="0">
-                        <a:latin typeface="Cambria Math" panose="02040503050406030204" pitchFamily="18" charset="0"/>
-                      </a:rPr>
-                      <m:t>𝐿</m:t>
-                    </m:r>
-                  </m:oMath>
-                </a14:m>
-                <a:endParaRPr lang="ru-RU" dirty="0" smtClean="0"/>
-              </a:p>
-              <a:p>
-                <a:pPr marL="0" indent="0">
-                  <a:buNone/>
-                </a:pPr>
-                <a:endParaRPr lang="en-US" dirty="0"/>
-              </a:p>
-            </p:txBody>
-          </p:sp>
-        </mc:Choice>
-        <mc:Fallback xmlns="">
-          <p:sp>
-            <p:nvSpPr>
-              <p:cNvPr id="3" name="Объект 2"/>
-              <p:cNvSpPr>
-                <a:spLocks noGrp="1" noRot="1" noChangeAspect="1" noMove="1" noResize="1" noEditPoints="1" noAdjustHandles="1" noChangeArrowheads="1" noChangeShapeType="1" noTextEdit="1"/>
-              </p:cNvSpPr>
-              <p:nvPr>
-                <p:ph idx="1"/>
-              </p:nvPr>
-            </p:nvSpPr>
-            <p:spPr>
-              <a:blipFill>
-                <a:blip r:embed="rId2"/>
-                <a:stretch>
-                  <a:fillRect t="-2101"/>
-                </a:stretch>
-              </a:blipFill>
-            </p:spPr>
-            <p:txBody>
-              <a:bodyPr/>
-              <a:lstStyle/>
-              <a:p>
-                <a:r>
-                  <a:rPr lang="ru-RU">
-                    <a:noFill/>
-                  </a:rPr>
-                  <a:t> </a:t>
-                </a:r>
-              </a:p>
-            </p:txBody>
-          </p:sp>
-        </mc:Fallback>
-      </mc:AlternateContent>
-      <p:sp>
-        <p:nvSpPr>
-          <p:cNvPr id="4" name="Номер слайда 3"/>
-          <p:cNvSpPr>
-            <a:spLocks noGrp="1"/>
-          </p:cNvSpPr>
-          <p:nvPr>
-            <p:ph type="sldNum" sz="quarter" idx="12"/>
-          </p:nvPr>
-        </p:nvSpPr>
-        <p:spPr/>
-        <p:txBody>
-          <a:bodyPr/>
-          <a:lstStyle/>
-          <a:p>
-            <a:fld id="{8253DDDB-F8F7-4D64-A7FD-3F3D61C1949F}" type="slidenum">
-              <a:rPr lang="ru-RU" smtClean="0"/>
-              <a:t>21</a:t>
-            </a:fld>
-            <a:endParaRPr lang="ru-RU"/>
-          </a:p>
-        </p:txBody>
-      </p:sp>
-    </p:spTree>
-    <p:extLst>
-      <p:ext uri="{BB962C8B-B14F-4D97-AF65-F5344CB8AC3E}">
-        <p14:creationId xmlns:p14="http://schemas.microsoft.com/office/powerpoint/2010/main" val="907486557"/>
       </p:ext>
     </p:extLst>
   </p:cSld>
@@ -10318,12 +9537,8 @@
                   </m:oMath>
                 </a14:m>
                 <a:r>
-                  <a:rPr lang="ru-RU" b="0" dirty="0" smtClean="0"/>
-                  <a:t> </a:t>
-                </a:r>
-                <a:r>
-                  <a:rPr lang="en-US" dirty="0"/>
-                  <a:t>(</a:t>
+                  <a:rPr lang="en-US" b="0" dirty="0" smtClean="0"/>
+                  <a:t> (</a:t>
                 </a:r>
                 <a14:m>
                   <m:oMath xmlns:m="http://schemas.openxmlformats.org/officeDocument/2006/math">
@@ -10332,14 +9547,14 @@
                         <m:begChr m:val="|"/>
                         <m:endChr m:val="|"/>
                         <m:ctrlPr>
-                          <a:rPr lang="ru-RU" i="1" dirty="0">
+                          <a:rPr lang="ru-RU" b="0" i="1" dirty="0" smtClean="0">
                             <a:latin typeface="Cambria Math" panose="02040503050406030204" pitchFamily="18" charset="0"/>
                           </a:rPr>
                         </m:ctrlPr>
                       </m:dPr>
                       <m:e>
                         <m:r>
-                          <a:rPr lang="ru-RU" i="1" dirty="0">
+                          <a:rPr lang="ru-RU" b="0" i="1" dirty="0" smtClean="0">
                             <a:latin typeface="Cambria Math" panose="02040503050406030204" pitchFamily="18" charset="0"/>
                           </a:rPr>
                           <m:t>𝑣</m:t>
@@ -10347,13 +9562,13 @@
                       </m:e>
                     </m:d>
                     <m:r>
-                      <a:rPr lang="ru-RU" i="1" dirty="0">
+                      <a:rPr lang="ru-RU" b="0" i="1" dirty="0" smtClean="0">
                         <a:latin typeface="Cambria Math" panose="02040503050406030204" pitchFamily="18" charset="0"/>
                       </a:rPr>
                       <m:t>=</m:t>
                     </m:r>
                     <m:r>
-                      <a:rPr lang="ru-RU" i="1" dirty="0">
+                      <a:rPr lang="ru-RU" b="0" i="1" dirty="0" smtClean="0">
                         <a:latin typeface="Cambria Math" panose="02040503050406030204" pitchFamily="18" charset="0"/>
                       </a:rPr>
                       <m:t>𝑛</m:t>
@@ -10361,683 +9576,10 @@
                   </m:oMath>
                 </a14:m>
                 <a:r>
-                  <a:rPr lang="ru-RU" dirty="0" smtClean="0"/>
+                  <a:rPr lang="ru-RU" b="0" dirty="0" smtClean="0"/>
                   <a:t>)</a:t>
                 </a:r>
                 <a:endParaRPr lang="en-US" b="0" dirty="0" smtClean="0"/>
-              </a:p>
-              <a:p>
-                <a:pPr marL="0" indent="0">
-                  <a:buNone/>
-                </a:pPr>
-                <a:endParaRPr lang="ru-RU" dirty="0" smtClean="0"/>
-              </a:p>
-              <a:p>
-                <a:pPr marL="0" indent="0">
-                  <a:buNone/>
-                </a:pPr>
-                <a:r>
-                  <a:rPr lang="ru-RU" dirty="0"/>
-                  <a:t>Пусть </a:t>
-                </a:r>
-                <a14:m>
-                  <m:oMath xmlns:m="http://schemas.openxmlformats.org/officeDocument/2006/math">
-                    <m:r>
-                      <a:rPr lang="en-US" i="1">
-                        <a:latin typeface="Cambria Math" panose="02040503050406030204" pitchFamily="18" charset="0"/>
-                      </a:rPr>
-                      <m:t>𝑎</m:t>
-                    </m:r>
-                    <m:r>
-                      <a:rPr lang="en-US" i="1">
-                        <a:latin typeface="Cambria Math" panose="02040503050406030204" pitchFamily="18" charset="0"/>
-                      </a:rPr>
-                      <m:t>∈</m:t>
-                    </m:r>
-                    <m:sSub>
-                      <m:sSubPr>
-                        <m:ctrlPr>
-                          <a:rPr lang="en-US" i="1">
-                            <a:latin typeface="Cambria Math" panose="02040503050406030204" pitchFamily="18" charset="0"/>
-                          </a:rPr>
-                        </m:ctrlPr>
-                      </m:sSubPr>
-                      <m:e>
-                        <m:r>
-                          <a:rPr lang="en-US" i="1">
-                            <a:latin typeface="Cambria Math" panose="02040503050406030204" pitchFamily="18" charset="0"/>
-                          </a:rPr>
-                          <m:t>𝑉</m:t>
-                        </m:r>
-                      </m:e>
-                      <m:sub>
-                        <m:r>
-                          <a:rPr lang="en-US" i="1">
-                            <a:latin typeface="Cambria Math" panose="02040503050406030204" pitchFamily="18" charset="0"/>
-                          </a:rPr>
-                          <m:t>𝑛</m:t>
-                        </m:r>
-                      </m:sub>
-                    </m:sSub>
-                    <m:r>
-                      <a:rPr lang="en-US" i="1">
-                        <a:latin typeface="Cambria Math" panose="02040503050406030204" pitchFamily="18" charset="0"/>
-                      </a:rPr>
-                      <m:t>:</m:t>
-                    </m:r>
-                    <m:r>
-                      <a:rPr lang="en-US" i="1">
-                        <a:latin typeface="Cambria Math" panose="02040503050406030204" pitchFamily="18" charset="0"/>
-                      </a:rPr>
-                      <m:t>𝑎</m:t>
-                    </m:r>
-                    <m:r>
-                      <a:rPr lang="en-US" i="1">
-                        <a:latin typeface="Cambria Math" panose="02040503050406030204" pitchFamily="18" charset="0"/>
-                      </a:rPr>
-                      <m:t>=(</m:t>
-                    </m:r>
-                    <m:sSub>
-                      <m:sSubPr>
-                        <m:ctrlPr>
-                          <a:rPr lang="en-US" i="1">
-                            <a:latin typeface="Cambria Math" panose="02040503050406030204" pitchFamily="18" charset="0"/>
-                          </a:rPr>
-                        </m:ctrlPr>
-                      </m:sSubPr>
-                      <m:e>
-                        <m:r>
-                          <a:rPr lang="en-US" i="1">
-                            <a:latin typeface="Cambria Math" panose="02040503050406030204" pitchFamily="18" charset="0"/>
-                          </a:rPr>
-                          <m:t>𝑎</m:t>
-                        </m:r>
-                      </m:e>
-                      <m:sub>
-                        <m:r>
-                          <a:rPr lang="en-US" i="1">
-                            <a:latin typeface="Cambria Math" panose="02040503050406030204" pitchFamily="18" charset="0"/>
-                          </a:rPr>
-                          <m:t>0</m:t>
-                        </m:r>
-                      </m:sub>
-                    </m:sSub>
-                    <m:r>
-                      <a:rPr lang="en-US" i="1">
-                        <a:latin typeface="Cambria Math" panose="02040503050406030204" pitchFamily="18" charset="0"/>
-                      </a:rPr>
-                      <m:t>,</m:t>
-                    </m:r>
-                    <m:sSub>
-                      <m:sSubPr>
-                        <m:ctrlPr>
-                          <a:rPr lang="en-US" i="1">
-                            <a:latin typeface="Cambria Math" panose="02040503050406030204" pitchFamily="18" charset="0"/>
-                          </a:rPr>
-                        </m:ctrlPr>
-                      </m:sSubPr>
-                      <m:e>
-                        <m:r>
-                          <a:rPr lang="en-US" i="1">
-                            <a:latin typeface="Cambria Math" panose="02040503050406030204" pitchFamily="18" charset="0"/>
-                          </a:rPr>
-                          <m:t>𝑎</m:t>
-                        </m:r>
-                      </m:e>
-                      <m:sub>
-                        <m:r>
-                          <a:rPr lang="en-US" i="1">
-                            <a:latin typeface="Cambria Math" panose="02040503050406030204" pitchFamily="18" charset="0"/>
-                          </a:rPr>
-                          <m:t>1</m:t>
-                        </m:r>
-                      </m:sub>
-                    </m:sSub>
-                    <m:r>
-                      <a:rPr lang="en-US" i="1">
-                        <a:latin typeface="Cambria Math" panose="02040503050406030204" pitchFamily="18" charset="0"/>
-                      </a:rPr>
-                      <m:t>,…,</m:t>
-                    </m:r>
-                    <m:sSub>
-                      <m:sSubPr>
-                        <m:ctrlPr>
-                          <a:rPr lang="en-US" i="1">
-                            <a:latin typeface="Cambria Math" panose="02040503050406030204" pitchFamily="18" charset="0"/>
-                          </a:rPr>
-                        </m:ctrlPr>
-                      </m:sSubPr>
-                      <m:e>
-                        <m:r>
-                          <a:rPr lang="en-US" i="1">
-                            <a:latin typeface="Cambria Math" panose="02040503050406030204" pitchFamily="18" charset="0"/>
-                          </a:rPr>
-                          <m:t>𝑎</m:t>
-                        </m:r>
-                      </m:e>
-                      <m:sub>
-                        <m:r>
-                          <a:rPr lang="en-US" i="1">
-                            <a:latin typeface="Cambria Math" panose="02040503050406030204" pitchFamily="18" charset="0"/>
-                          </a:rPr>
-                          <m:t>𝑛</m:t>
-                        </m:r>
-                        <m:r>
-                          <a:rPr lang="en-US" i="1">
-                            <a:latin typeface="Cambria Math" panose="02040503050406030204" pitchFamily="18" charset="0"/>
-                          </a:rPr>
-                          <m:t>−1</m:t>
-                        </m:r>
-                      </m:sub>
-                    </m:sSub>
-                    <m:r>
-                      <a:rPr lang="en-US" i="1">
-                        <a:latin typeface="Cambria Math" panose="02040503050406030204" pitchFamily="18" charset="0"/>
-                      </a:rPr>
-                      <m:t>)</m:t>
-                    </m:r>
-                  </m:oMath>
-                </a14:m>
-                <a:r>
-                  <a:rPr lang="en-US" dirty="0"/>
-                  <a:t>, </a:t>
-                </a:r>
-                <a14:m>
-                  <m:oMath xmlns:m="http://schemas.openxmlformats.org/officeDocument/2006/math">
-                    <m:r>
-                      <a:rPr lang="en-US" i="1" dirty="0" smtClean="0">
-                        <a:latin typeface="Cambria Math" panose="02040503050406030204" pitchFamily="18" charset="0"/>
-                      </a:rPr>
-                      <m:t>𝑏</m:t>
-                    </m:r>
-                    <m:r>
-                      <a:rPr lang="en-US" i="1">
-                        <a:latin typeface="Cambria Math" panose="02040503050406030204" pitchFamily="18" charset="0"/>
-                      </a:rPr>
-                      <m:t>∈</m:t>
-                    </m:r>
-                    <m:sSub>
-                      <m:sSubPr>
-                        <m:ctrlPr>
-                          <a:rPr lang="en-US" i="1">
-                            <a:latin typeface="Cambria Math" panose="02040503050406030204" pitchFamily="18" charset="0"/>
-                          </a:rPr>
-                        </m:ctrlPr>
-                      </m:sSubPr>
-                      <m:e>
-                        <m:r>
-                          <a:rPr lang="en-US" i="1">
-                            <a:latin typeface="Cambria Math" panose="02040503050406030204" pitchFamily="18" charset="0"/>
-                          </a:rPr>
-                          <m:t>𝑉</m:t>
-                        </m:r>
-                      </m:e>
-                      <m:sub>
-                        <m:r>
-                          <a:rPr lang="en-US" i="1">
-                            <a:latin typeface="Cambria Math" panose="02040503050406030204" pitchFamily="18" charset="0"/>
-                          </a:rPr>
-                          <m:t>𝑛</m:t>
-                        </m:r>
-                      </m:sub>
-                    </m:sSub>
-                    <m:r>
-                      <a:rPr lang="en-US" i="1">
-                        <a:latin typeface="Cambria Math" panose="02040503050406030204" pitchFamily="18" charset="0"/>
-                      </a:rPr>
-                      <m:t>:</m:t>
-                    </m:r>
-                    <m:r>
-                      <a:rPr lang="en-US" i="1">
-                        <a:latin typeface="Cambria Math" panose="02040503050406030204" pitchFamily="18" charset="0"/>
-                      </a:rPr>
-                      <m:t>𝑏</m:t>
-                    </m:r>
-                    <m:r>
-                      <a:rPr lang="en-US" i="1">
-                        <a:latin typeface="Cambria Math" panose="02040503050406030204" pitchFamily="18" charset="0"/>
-                      </a:rPr>
-                      <m:t>=(</m:t>
-                    </m:r>
-                    <m:sSub>
-                      <m:sSubPr>
-                        <m:ctrlPr>
-                          <a:rPr lang="en-US" i="1">
-                            <a:latin typeface="Cambria Math" panose="02040503050406030204" pitchFamily="18" charset="0"/>
-                          </a:rPr>
-                        </m:ctrlPr>
-                      </m:sSubPr>
-                      <m:e>
-                        <m:r>
-                          <a:rPr lang="en-US" i="1">
-                            <a:latin typeface="Cambria Math" panose="02040503050406030204" pitchFamily="18" charset="0"/>
-                          </a:rPr>
-                          <m:t>𝑏</m:t>
-                        </m:r>
-                      </m:e>
-                      <m:sub>
-                        <m:r>
-                          <a:rPr lang="en-US" i="1">
-                            <a:latin typeface="Cambria Math" panose="02040503050406030204" pitchFamily="18" charset="0"/>
-                          </a:rPr>
-                          <m:t>0</m:t>
-                        </m:r>
-                      </m:sub>
-                    </m:sSub>
-                    <m:r>
-                      <a:rPr lang="en-US" i="1">
-                        <a:latin typeface="Cambria Math" panose="02040503050406030204" pitchFamily="18" charset="0"/>
-                      </a:rPr>
-                      <m:t>,</m:t>
-                    </m:r>
-                    <m:sSub>
-                      <m:sSubPr>
-                        <m:ctrlPr>
-                          <a:rPr lang="en-US" i="1">
-                            <a:latin typeface="Cambria Math" panose="02040503050406030204" pitchFamily="18" charset="0"/>
-                          </a:rPr>
-                        </m:ctrlPr>
-                      </m:sSubPr>
-                      <m:e>
-                        <m:r>
-                          <a:rPr lang="en-US" i="1">
-                            <a:latin typeface="Cambria Math" panose="02040503050406030204" pitchFamily="18" charset="0"/>
-                          </a:rPr>
-                          <m:t>𝑏</m:t>
-                        </m:r>
-                      </m:e>
-                      <m:sub>
-                        <m:r>
-                          <a:rPr lang="en-US" i="1">
-                            <a:latin typeface="Cambria Math" panose="02040503050406030204" pitchFamily="18" charset="0"/>
-                          </a:rPr>
-                          <m:t>1</m:t>
-                        </m:r>
-                      </m:sub>
-                    </m:sSub>
-                    <m:r>
-                      <a:rPr lang="en-US" i="1">
-                        <a:latin typeface="Cambria Math" panose="02040503050406030204" pitchFamily="18" charset="0"/>
-                      </a:rPr>
-                      <m:t>,…,</m:t>
-                    </m:r>
-                    <m:sSub>
-                      <m:sSubPr>
-                        <m:ctrlPr>
-                          <a:rPr lang="en-US" i="1">
-                            <a:latin typeface="Cambria Math" panose="02040503050406030204" pitchFamily="18" charset="0"/>
-                          </a:rPr>
-                        </m:ctrlPr>
-                      </m:sSubPr>
-                      <m:e>
-                        <m:r>
-                          <a:rPr lang="en-US" i="1">
-                            <a:latin typeface="Cambria Math" panose="02040503050406030204" pitchFamily="18" charset="0"/>
-                          </a:rPr>
-                          <m:t>𝑏</m:t>
-                        </m:r>
-                      </m:e>
-                      <m:sub>
-                        <m:r>
-                          <a:rPr lang="en-US" i="1">
-                            <a:latin typeface="Cambria Math" panose="02040503050406030204" pitchFamily="18" charset="0"/>
-                          </a:rPr>
-                          <m:t>𝑛</m:t>
-                        </m:r>
-                        <m:r>
-                          <a:rPr lang="en-US" i="1">
-                            <a:latin typeface="Cambria Math" panose="02040503050406030204" pitchFamily="18" charset="0"/>
-                          </a:rPr>
-                          <m:t>−1</m:t>
-                        </m:r>
-                      </m:sub>
-                    </m:sSub>
-                    <m:r>
-                      <a:rPr lang="en-US" i="1">
-                        <a:latin typeface="Cambria Math" panose="02040503050406030204" pitchFamily="18" charset="0"/>
-                      </a:rPr>
-                      <m:t>)</m:t>
-                    </m:r>
-                  </m:oMath>
-                </a14:m>
-                <a:endParaRPr lang="en-US" dirty="0"/>
-              </a:p>
-              <a:p>
-                <a:pPr marL="0" indent="0">
-                  <a:buNone/>
-                </a:pPr>
-                <a14:m>
-                  <m:oMath xmlns:m="http://schemas.openxmlformats.org/officeDocument/2006/math">
-                    <m:r>
-                      <a:rPr lang="en-US" b="0" i="1" smtClean="0">
-                        <a:latin typeface="Cambria Math" panose="02040503050406030204" pitchFamily="18" charset="0"/>
-                      </a:rPr>
-                      <m:t>𝑎𝑏</m:t>
-                    </m:r>
-                    <m:r>
-                      <a:rPr lang="en-US" b="0" i="1" smtClean="0">
-                        <a:latin typeface="Cambria Math" panose="02040503050406030204" pitchFamily="18" charset="0"/>
-                      </a:rPr>
-                      <m:t>=(</m:t>
-                    </m:r>
-                    <m:r>
-                      <a:rPr lang="en-US" i="1">
-                        <a:latin typeface="Cambria Math" panose="02040503050406030204" pitchFamily="18" charset="0"/>
-                      </a:rPr>
-                      <m:t>𝑎</m:t>
-                    </m:r>
-                    <m:r>
-                      <a:rPr lang="en-US" b="0" i="1" smtClean="0">
-                        <a:latin typeface="Cambria Math" panose="02040503050406030204" pitchFamily="18" charset="0"/>
-                      </a:rPr>
-                      <m:t>||</m:t>
-                    </m:r>
-                    <m:r>
-                      <a:rPr lang="en-US" i="1">
-                        <a:latin typeface="Cambria Math" panose="02040503050406030204" pitchFamily="18" charset="0"/>
-                      </a:rPr>
-                      <m:t>𝑏</m:t>
-                    </m:r>
-                    <m:r>
-                      <a:rPr lang="en-US" i="1">
-                        <a:latin typeface="Cambria Math" panose="02040503050406030204" pitchFamily="18" charset="0"/>
-                      </a:rPr>
-                      <m:t>)∈</m:t>
-                    </m:r>
-                    <m:sSub>
-                      <m:sSubPr>
-                        <m:ctrlPr>
-                          <a:rPr lang="en-US" i="1">
-                            <a:latin typeface="Cambria Math" panose="02040503050406030204" pitchFamily="18" charset="0"/>
-                          </a:rPr>
-                        </m:ctrlPr>
-                      </m:sSubPr>
-                      <m:e>
-                        <m:r>
-                          <a:rPr lang="en-US" i="1">
-                            <a:latin typeface="Cambria Math" panose="02040503050406030204" pitchFamily="18" charset="0"/>
-                          </a:rPr>
-                          <m:t>𝑉</m:t>
-                        </m:r>
-                      </m:e>
-                      <m:sub>
-                        <m:r>
-                          <a:rPr lang="en-US" i="1">
-                            <a:latin typeface="Cambria Math" panose="02040503050406030204" pitchFamily="18" charset="0"/>
-                          </a:rPr>
-                          <m:t>2</m:t>
-                        </m:r>
-                        <m:r>
-                          <a:rPr lang="en-US" i="1">
-                            <a:latin typeface="Cambria Math" panose="02040503050406030204" pitchFamily="18" charset="0"/>
-                          </a:rPr>
-                          <m:t>𝑛</m:t>
-                        </m:r>
-                      </m:sub>
-                    </m:sSub>
-                    <m:r>
-                      <a:rPr lang="en-US" i="1">
-                        <a:latin typeface="Cambria Math" panose="02040503050406030204" pitchFamily="18" charset="0"/>
-                      </a:rPr>
-                      <m:t>:(</m:t>
-                    </m:r>
-                    <m:r>
-                      <a:rPr lang="en-US" i="1">
-                        <a:latin typeface="Cambria Math" panose="02040503050406030204" pitchFamily="18" charset="0"/>
-                      </a:rPr>
-                      <m:t>𝑎</m:t>
-                    </m:r>
-                    <m:r>
-                      <a:rPr lang="en-US" b="0" i="1" smtClean="0">
-                        <a:latin typeface="Cambria Math" panose="02040503050406030204" pitchFamily="18" charset="0"/>
-                      </a:rPr>
-                      <m:t>||</m:t>
-                    </m:r>
-                    <m:r>
-                      <a:rPr lang="en-US" i="1">
-                        <a:latin typeface="Cambria Math" panose="02040503050406030204" pitchFamily="18" charset="0"/>
-                      </a:rPr>
-                      <m:t>𝑏</m:t>
-                    </m:r>
-                    <m:r>
-                      <a:rPr lang="en-US" i="1">
-                        <a:latin typeface="Cambria Math" panose="02040503050406030204" pitchFamily="18" charset="0"/>
-                      </a:rPr>
-                      <m:t>)=(</m:t>
-                    </m:r>
-                    <m:sSub>
-                      <m:sSubPr>
-                        <m:ctrlPr>
-                          <a:rPr lang="en-US" i="1">
-                            <a:latin typeface="Cambria Math" panose="02040503050406030204" pitchFamily="18" charset="0"/>
-                          </a:rPr>
-                        </m:ctrlPr>
-                      </m:sSubPr>
-                      <m:e>
-                        <m:r>
-                          <a:rPr lang="en-US" i="1">
-                            <a:latin typeface="Cambria Math" panose="02040503050406030204" pitchFamily="18" charset="0"/>
-                          </a:rPr>
-                          <m:t>𝑎</m:t>
-                        </m:r>
-                      </m:e>
-                      <m:sub>
-                        <m:r>
-                          <a:rPr lang="en-US" i="1">
-                            <a:latin typeface="Cambria Math" panose="02040503050406030204" pitchFamily="18" charset="0"/>
-                          </a:rPr>
-                          <m:t>0</m:t>
-                        </m:r>
-                      </m:sub>
-                    </m:sSub>
-                    <m:r>
-                      <a:rPr lang="en-US" i="1">
-                        <a:latin typeface="Cambria Math" panose="02040503050406030204" pitchFamily="18" charset="0"/>
-                      </a:rPr>
-                      <m:t>,</m:t>
-                    </m:r>
-                    <m:sSub>
-                      <m:sSubPr>
-                        <m:ctrlPr>
-                          <a:rPr lang="en-US" i="1">
-                            <a:latin typeface="Cambria Math" panose="02040503050406030204" pitchFamily="18" charset="0"/>
-                          </a:rPr>
-                        </m:ctrlPr>
-                      </m:sSubPr>
-                      <m:e>
-                        <m:r>
-                          <a:rPr lang="en-US" i="1">
-                            <a:latin typeface="Cambria Math" panose="02040503050406030204" pitchFamily="18" charset="0"/>
-                          </a:rPr>
-                          <m:t>𝑎</m:t>
-                        </m:r>
-                      </m:e>
-                      <m:sub>
-                        <m:r>
-                          <a:rPr lang="en-US" i="1">
-                            <a:latin typeface="Cambria Math" panose="02040503050406030204" pitchFamily="18" charset="0"/>
-                          </a:rPr>
-                          <m:t>1</m:t>
-                        </m:r>
-                      </m:sub>
-                    </m:sSub>
-                    <m:r>
-                      <a:rPr lang="en-US" i="1">
-                        <a:latin typeface="Cambria Math" panose="02040503050406030204" pitchFamily="18" charset="0"/>
-                      </a:rPr>
-                      <m:t>,…,</m:t>
-                    </m:r>
-                    <m:sSub>
-                      <m:sSubPr>
-                        <m:ctrlPr>
-                          <a:rPr lang="en-US" i="1">
-                            <a:latin typeface="Cambria Math" panose="02040503050406030204" pitchFamily="18" charset="0"/>
-                          </a:rPr>
-                        </m:ctrlPr>
-                      </m:sSubPr>
-                      <m:e>
-                        <m:r>
-                          <a:rPr lang="en-US" i="1">
-                            <a:latin typeface="Cambria Math" panose="02040503050406030204" pitchFamily="18" charset="0"/>
-                          </a:rPr>
-                          <m:t>𝑎</m:t>
-                        </m:r>
-                      </m:e>
-                      <m:sub>
-                        <m:r>
-                          <a:rPr lang="en-US" i="1">
-                            <a:latin typeface="Cambria Math" panose="02040503050406030204" pitchFamily="18" charset="0"/>
-                          </a:rPr>
-                          <m:t>𝑛</m:t>
-                        </m:r>
-                        <m:r>
-                          <a:rPr lang="en-US" i="1">
-                            <a:latin typeface="Cambria Math" panose="02040503050406030204" pitchFamily="18" charset="0"/>
-                          </a:rPr>
-                          <m:t>−1</m:t>
-                        </m:r>
-                      </m:sub>
-                    </m:sSub>
-                  </m:oMath>
-                </a14:m>
-                <a:r>
-                  <a:rPr lang="en-US" dirty="0"/>
-                  <a:t>, </a:t>
-                </a:r>
-                <a14:m>
-                  <m:oMath xmlns:m="http://schemas.openxmlformats.org/officeDocument/2006/math">
-                    <m:sSub>
-                      <m:sSubPr>
-                        <m:ctrlPr>
-                          <a:rPr lang="en-US" i="1">
-                            <a:latin typeface="Cambria Math" panose="02040503050406030204" pitchFamily="18" charset="0"/>
-                          </a:rPr>
-                        </m:ctrlPr>
-                      </m:sSubPr>
-                      <m:e>
-                        <m:r>
-                          <a:rPr lang="en-US" i="1">
-                            <a:latin typeface="Cambria Math" panose="02040503050406030204" pitchFamily="18" charset="0"/>
-                          </a:rPr>
-                          <m:t>𝑏</m:t>
-                        </m:r>
-                      </m:e>
-                      <m:sub>
-                        <m:r>
-                          <a:rPr lang="en-US" i="1">
-                            <a:latin typeface="Cambria Math" panose="02040503050406030204" pitchFamily="18" charset="0"/>
-                          </a:rPr>
-                          <m:t>0</m:t>
-                        </m:r>
-                      </m:sub>
-                    </m:sSub>
-                    <m:r>
-                      <a:rPr lang="en-US" i="1">
-                        <a:latin typeface="Cambria Math" panose="02040503050406030204" pitchFamily="18" charset="0"/>
-                      </a:rPr>
-                      <m:t>,</m:t>
-                    </m:r>
-                    <m:sSub>
-                      <m:sSubPr>
-                        <m:ctrlPr>
-                          <a:rPr lang="en-US" i="1">
-                            <a:latin typeface="Cambria Math" panose="02040503050406030204" pitchFamily="18" charset="0"/>
-                          </a:rPr>
-                        </m:ctrlPr>
-                      </m:sSubPr>
-                      <m:e>
-                        <m:r>
-                          <a:rPr lang="en-US" i="1">
-                            <a:latin typeface="Cambria Math" panose="02040503050406030204" pitchFamily="18" charset="0"/>
-                          </a:rPr>
-                          <m:t>𝑏</m:t>
-                        </m:r>
-                      </m:e>
-                      <m:sub>
-                        <m:r>
-                          <a:rPr lang="en-US" i="1">
-                            <a:latin typeface="Cambria Math" panose="02040503050406030204" pitchFamily="18" charset="0"/>
-                          </a:rPr>
-                          <m:t>1</m:t>
-                        </m:r>
-                      </m:sub>
-                    </m:sSub>
-                    <m:r>
-                      <a:rPr lang="en-US" i="1">
-                        <a:latin typeface="Cambria Math" panose="02040503050406030204" pitchFamily="18" charset="0"/>
-                      </a:rPr>
-                      <m:t>,…,</m:t>
-                    </m:r>
-                    <m:sSub>
-                      <m:sSubPr>
-                        <m:ctrlPr>
-                          <a:rPr lang="en-US" i="1">
-                            <a:latin typeface="Cambria Math" panose="02040503050406030204" pitchFamily="18" charset="0"/>
-                          </a:rPr>
-                        </m:ctrlPr>
-                      </m:sSubPr>
-                      <m:e>
-                        <m:r>
-                          <a:rPr lang="en-US" i="1">
-                            <a:latin typeface="Cambria Math" panose="02040503050406030204" pitchFamily="18" charset="0"/>
-                          </a:rPr>
-                          <m:t>𝑏</m:t>
-                        </m:r>
-                      </m:e>
-                      <m:sub>
-                        <m:r>
-                          <a:rPr lang="en-US" i="1">
-                            <a:latin typeface="Cambria Math" panose="02040503050406030204" pitchFamily="18" charset="0"/>
-                          </a:rPr>
-                          <m:t>𝑛</m:t>
-                        </m:r>
-                        <m:r>
-                          <a:rPr lang="en-US" i="1">
-                            <a:latin typeface="Cambria Math" panose="02040503050406030204" pitchFamily="18" charset="0"/>
-                          </a:rPr>
-                          <m:t>−1</m:t>
-                        </m:r>
-                      </m:sub>
-                    </m:sSub>
-                  </m:oMath>
-                </a14:m>
-                <a:r>
-                  <a:rPr lang="en-US" dirty="0"/>
-                  <a:t>) – </a:t>
-                </a:r>
-                <a:r>
-                  <a:rPr lang="ru-RU" dirty="0"/>
-                  <a:t>конкатенация векторов </a:t>
-                </a:r>
-                <a14:m>
-                  <m:oMath xmlns:m="http://schemas.openxmlformats.org/officeDocument/2006/math">
-                    <m:r>
-                      <a:rPr lang="en-US" i="1">
-                        <a:latin typeface="Cambria Math" panose="02040503050406030204" pitchFamily="18" charset="0"/>
-                      </a:rPr>
-                      <m:t>𝑎</m:t>
-                    </m:r>
-                  </m:oMath>
-                </a14:m>
-                <a:r>
-                  <a:rPr lang="en-US" dirty="0"/>
-                  <a:t> </a:t>
-                </a:r>
-                <a:r>
-                  <a:rPr lang="ru-RU" dirty="0"/>
-                  <a:t>и </a:t>
-                </a:r>
-                <a14:m>
-                  <m:oMath xmlns:m="http://schemas.openxmlformats.org/officeDocument/2006/math">
-                    <m:r>
-                      <a:rPr lang="en-US" i="1">
-                        <a:latin typeface="Cambria Math" panose="02040503050406030204" pitchFamily="18" charset="0"/>
-                      </a:rPr>
-                      <m:t>𝑏</m:t>
-                    </m:r>
-                  </m:oMath>
-                </a14:m>
-                <a:endParaRPr lang="ru-RU" dirty="0"/>
               </a:p>
               <a:p>
                 <a:pPr marL="0" indent="0">
@@ -11051,101 +9593,94 @@
                 </a:pPr>
                 <a14:m>
                   <m:oMath xmlns:m="http://schemas.openxmlformats.org/officeDocument/2006/math">
-                    <m:r>
-                      <a:rPr lang="en-US" b="0" i="1" smtClean="0">
-                        <a:latin typeface="Cambria Math" panose="02040503050406030204" pitchFamily="18" charset="0"/>
-                      </a:rPr>
-                      <m:t>𝑣</m:t>
-                    </m:r>
+                    <m:sSup>
+                      <m:sSupPr>
+                        <m:ctrlPr>
+                          <a:rPr lang="en-US" b="0" i="1" smtClean="0">
+                            <a:latin typeface="Cambria Math" panose="02040503050406030204" pitchFamily="18" charset="0"/>
+                          </a:rPr>
+                        </m:ctrlPr>
+                      </m:sSupPr>
+                      <m:e>
+                        <m:r>
+                          <a:rPr lang="en-US" b="0" i="1" smtClean="0">
+                            <a:latin typeface="Cambria Math" panose="02040503050406030204" pitchFamily="18" charset="0"/>
+                          </a:rPr>
+                          <m:t>0</m:t>
+                        </m:r>
+                      </m:e>
+                      <m:sup>
+                        <m:r>
+                          <a:rPr lang="en-US" b="0" i="1" smtClean="0">
+                            <a:latin typeface="Cambria Math" panose="02040503050406030204" pitchFamily="18" charset="0"/>
+                          </a:rPr>
+                          <m:t>𝑛</m:t>
+                        </m:r>
+                      </m:sup>
+                    </m:sSup>
+                  </m:oMath>
+                </a14:m>
+                <a:r>
+                  <a:rPr lang="en-US" dirty="0" smtClean="0"/>
+                  <a:t>- </a:t>
+                </a:r>
+                <a:r>
+                  <a:rPr lang="ru-RU" dirty="0" smtClean="0"/>
+                  <a:t>двоичный вектор </a:t>
+                </a:r>
+                <a14:m>
+                  <m:oMath xmlns:m="http://schemas.openxmlformats.org/officeDocument/2006/math">
                     <m:d>
                       <m:dPr>
-                        <m:begChr m:val="["/>
-                        <m:endChr m:val="]"/>
                         <m:ctrlPr>
-                          <a:rPr lang="en-US" b="0" i="1" smtClean="0">
+                          <a:rPr lang="ru-RU" b="0" i="1" smtClean="0">
                             <a:latin typeface="Cambria Math" panose="02040503050406030204" pitchFamily="18" charset="0"/>
                           </a:rPr>
                         </m:ctrlPr>
                       </m:dPr>
                       <m:e>
                         <m:r>
-                          <a:rPr lang="en-US" b="0" i="1" smtClean="0">
-                            <a:latin typeface="Cambria Math" panose="02040503050406030204" pitchFamily="18" charset="0"/>
-                          </a:rPr>
-                          <m:t>𝑞</m:t>
+                          <a:rPr lang="ru-RU" b="0" i="1" smtClean="0">
+                            <a:latin typeface="Cambria Math" panose="02040503050406030204" pitchFamily="18" charset="0"/>
+                          </a:rPr>
+                          <m:t>000…00</m:t>
                         </m:r>
                       </m:e>
                     </m:d>
+                    <m:r>
+                      <a:rPr lang="ru-RU" b="0" i="1" smtClean="0">
+                        <a:latin typeface="Cambria Math" panose="02040503050406030204" pitchFamily="18" charset="0"/>
+                      </a:rPr>
+                      <m:t>∈</m:t>
+                    </m:r>
+                    <m:sSub>
+                      <m:sSubPr>
+                        <m:ctrlPr>
+                          <a:rPr lang="en-US" b="0" i="1" smtClean="0">
+                            <a:latin typeface="Cambria Math" panose="02040503050406030204" pitchFamily="18" charset="0"/>
+                          </a:rPr>
+                        </m:ctrlPr>
+                      </m:sSubPr>
+                      <m:e>
+                        <m:r>
+                          <a:rPr lang="en-US" b="0" i="1" smtClean="0">
+                            <a:latin typeface="Cambria Math" panose="02040503050406030204" pitchFamily="18" charset="0"/>
+                          </a:rPr>
+                          <m:t>𝑉</m:t>
+                        </m:r>
+                      </m:e>
+                      <m:sub>
+                        <m:r>
+                          <a:rPr lang="en-US" b="0" i="1" smtClean="0">
+                            <a:latin typeface="Cambria Math" panose="02040503050406030204" pitchFamily="18" charset="0"/>
+                          </a:rPr>
+                          <m:t>𝑛</m:t>
+                        </m:r>
+                      </m:sub>
+                    </m:sSub>
                   </m:oMath>
                 </a14:m>
-                <a:r>
-                  <a:rPr lang="en-US" dirty="0" smtClean="0"/>
-                  <a:t> - </a:t>
-                </a:r>
-                <a14:m>
-                  <m:oMath xmlns:m="http://schemas.openxmlformats.org/officeDocument/2006/math">
-                    <m:r>
-                      <a:rPr lang="en-US" b="0" i="1" smtClean="0">
-                        <a:latin typeface="Cambria Math" panose="02040503050406030204" pitchFamily="18" charset="0"/>
-                      </a:rPr>
-                      <m:t>𝑞</m:t>
-                    </m:r>
-                  </m:oMath>
-                </a14:m>
-                <a:r>
-                  <a:rPr lang="en-US" dirty="0" smtClean="0"/>
-                  <a:t>-</a:t>
-                </a:r>
-                <a:r>
-                  <a:rPr lang="ru-RU" dirty="0" smtClean="0"/>
-                  <a:t>я координата вектора </a:t>
-                </a:r>
-                <a14:m>
-                  <m:oMath xmlns:m="http://schemas.openxmlformats.org/officeDocument/2006/math">
-                    <m:r>
-                      <a:rPr lang="en-US" b="0" i="1" smtClean="0">
-                        <a:latin typeface="Cambria Math" panose="02040503050406030204" pitchFamily="18" charset="0"/>
-                      </a:rPr>
-                      <m:t>𝑣</m:t>
-                    </m:r>
-                  </m:oMath>
-                </a14:m>
-                <a:r>
-                  <a:rPr lang="en-US" dirty="0" smtClean="0"/>
-                  <a:t>, </a:t>
-                </a:r>
-                <a14:m>
-                  <m:oMath xmlns:m="http://schemas.openxmlformats.org/officeDocument/2006/math">
-                    <m:r>
-                      <a:rPr lang="en-US" b="0" i="0" dirty="0" smtClean="0">
-                        <a:latin typeface="Cambria Math" panose="02040503050406030204" pitchFamily="18" charset="0"/>
-                      </a:rPr>
-                      <m:t> </m:t>
-                    </m:r>
-                    <m:r>
-                      <a:rPr lang="en-US" b="0" i="1" dirty="0" smtClean="0">
-                        <a:latin typeface="Cambria Math" panose="02040503050406030204" pitchFamily="18" charset="0"/>
-                      </a:rPr>
-                      <m:t>𝑞</m:t>
-                    </m:r>
-                    <m:r>
-                      <m:rPr>
-                        <m:lit/>
-                      </m:rPr>
-                      <a:rPr lang="en-US" b="0" i="1" dirty="0" smtClean="0">
-                        <a:latin typeface="Cambria Math" panose="02040503050406030204" pitchFamily="18" charset="0"/>
-                      </a:rPr>
-                      <m:t>&lt;</m:t>
-                    </m:r>
-                    <m:r>
-                      <a:rPr lang="en-US" b="0" i="1" dirty="0" smtClean="0">
-                        <a:latin typeface="Cambria Math" panose="02040503050406030204" pitchFamily="18" charset="0"/>
-                      </a:rPr>
-                      <m:t>𝑛</m:t>
-                    </m:r>
-                  </m:oMath>
-                </a14:m>
-                <a:endParaRPr lang="en-US" b="0" dirty="0" smtClean="0"/>
+                <a:endParaRPr lang="en-US" dirty="0" smtClean="0"/>
               </a:p>
               <a:p>
                 <a:pPr marL="0" indent="0">
@@ -11153,57 +9688,62 @@
                 </a:pPr>
                 <a14:m>
                   <m:oMath xmlns:m="http://schemas.openxmlformats.org/officeDocument/2006/math">
-                    <m:r>
-                      <a:rPr lang="en-US" b="0" i="1" smtClean="0">
-                        <a:latin typeface="Cambria Math" panose="02040503050406030204" pitchFamily="18" charset="0"/>
-                      </a:rPr>
-                      <m:t>𝑣</m:t>
-                    </m:r>
+                    <m:sSup>
+                      <m:sSupPr>
+                        <m:ctrlPr>
+                          <a:rPr lang="en-US" b="0" i="1" smtClean="0">
+                            <a:latin typeface="Cambria Math" panose="02040503050406030204" pitchFamily="18" charset="0"/>
+                          </a:rPr>
+                        </m:ctrlPr>
+                      </m:sSupPr>
+                      <m:e>
+                        <m:r>
+                          <a:rPr lang="en-US" b="0" i="1" smtClean="0">
+                            <a:latin typeface="Cambria Math" panose="02040503050406030204" pitchFamily="18" charset="0"/>
+                          </a:rPr>
+                          <m:t>1</m:t>
+                        </m:r>
+                      </m:e>
+                      <m:sup>
+                        <m:r>
+                          <a:rPr lang="en-US" b="0" i="1" smtClean="0">
+                            <a:latin typeface="Cambria Math" panose="02040503050406030204" pitchFamily="18" charset="0"/>
+                          </a:rPr>
+                          <m:t>𝑛</m:t>
+                        </m:r>
+                      </m:sup>
+                    </m:sSup>
+                  </m:oMath>
+                </a14:m>
+                <a:r>
+                  <a:rPr lang="en-US" dirty="0" smtClean="0"/>
+                  <a:t> - </a:t>
+                </a:r>
+                <a:r>
+                  <a:rPr lang="ru-RU" dirty="0" smtClean="0"/>
+                  <a:t>двоичный вектор </a:t>
+                </a:r>
+                <a14:m>
+                  <m:oMath xmlns:m="http://schemas.openxmlformats.org/officeDocument/2006/math">
                     <m:d>
                       <m:dPr>
-                        <m:begChr m:val="["/>
-                        <m:endChr m:val="]"/>
                         <m:ctrlPr>
-                          <a:rPr lang="en-US" b="0" i="1" smtClean="0">
+                          <a:rPr lang="ru-RU" i="1" dirty="0" smtClean="0">
                             <a:latin typeface="Cambria Math" panose="02040503050406030204" pitchFamily="18" charset="0"/>
                           </a:rPr>
                         </m:ctrlPr>
                       </m:dPr>
                       <m:e>
                         <m:r>
-                          <a:rPr lang="en-US" b="0" i="1" smtClean="0">
-                            <a:latin typeface="Cambria Math" panose="02040503050406030204" pitchFamily="18" charset="0"/>
-                          </a:rPr>
-                          <m:t>𝑞</m:t>
-                        </m:r>
-                        <m:r>
-                          <a:rPr lang="en-US" b="0" i="1" smtClean="0">
-                            <a:latin typeface="Cambria Math" panose="02040503050406030204" pitchFamily="18" charset="0"/>
-                          </a:rPr>
-                          <m:t>,</m:t>
-                        </m:r>
-                        <m:r>
-                          <a:rPr lang="en-US" b="0" i="1" smtClean="0">
-                            <a:latin typeface="Cambria Math" panose="02040503050406030204" pitchFamily="18" charset="0"/>
-                          </a:rPr>
-                          <m:t>𝑞</m:t>
-                        </m:r>
-                        <m:r>
-                          <a:rPr lang="en-US" b="0" i="1" smtClean="0">
-                            <a:latin typeface="Cambria Math" panose="02040503050406030204" pitchFamily="18" charset="0"/>
-                          </a:rPr>
-                          <m:t>+1,…</m:t>
-                        </m:r>
-                        <m:r>
-                          <a:rPr lang="en-US" b="0" i="1" smtClean="0">
-                            <a:latin typeface="Cambria Math" panose="02040503050406030204" pitchFamily="18" charset="0"/>
-                          </a:rPr>
-                          <m:t>𝑤</m:t>
+                          <a:rPr lang="ru-RU" i="1" dirty="0" smtClean="0">
+                            <a:latin typeface="Cambria Math" panose="02040503050406030204" pitchFamily="18" charset="0"/>
+                          </a:rPr>
+                          <m:t>111…11</m:t>
                         </m:r>
                       </m:e>
                     </m:d>
                     <m:r>
-                      <a:rPr lang="en-US" b="0" i="1" smtClean="0">
+                      <a:rPr lang="ru-RU" b="0" i="1" dirty="0" smtClean="0">
                         <a:latin typeface="Cambria Math" panose="02040503050406030204" pitchFamily="18" charset="0"/>
                       </a:rPr>
                       <m:t>∈</m:t>
@@ -11211,14 +9751,14 @@
                     <m:sSub>
                       <m:sSubPr>
                         <m:ctrlPr>
-                          <a:rPr lang="en-US" b="0" i="1" smtClean="0">
+                          <a:rPr lang="en-US" b="0" i="1" dirty="0" smtClean="0">
                             <a:latin typeface="Cambria Math" panose="02040503050406030204" pitchFamily="18" charset="0"/>
                           </a:rPr>
                         </m:ctrlPr>
                       </m:sSubPr>
                       <m:e>
                         <m:r>
-                          <a:rPr lang="en-US" b="0" i="1" smtClean="0">
+                          <a:rPr lang="en-US" b="0" i="1" dirty="0" smtClean="0">
                             <a:latin typeface="Cambria Math" panose="02040503050406030204" pitchFamily="18" charset="0"/>
                           </a:rPr>
                           <m:t>𝑉</m:t>
@@ -11226,100 +9766,581 @@
                       </m:e>
                       <m:sub>
                         <m:r>
-                          <a:rPr lang="en-US" b="0" i="1" smtClean="0">
-                            <a:latin typeface="Cambria Math" panose="02040503050406030204" pitchFamily="18" charset="0"/>
-                          </a:rPr>
-                          <m:t>𝑤</m:t>
-                        </m:r>
-                        <m:r>
-                          <a:rPr lang="en-US" b="0" i="1" smtClean="0">
-                            <a:latin typeface="Cambria Math" panose="02040503050406030204" pitchFamily="18" charset="0"/>
-                          </a:rPr>
-                          <m:t>−</m:t>
-                        </m:r>
-                        <m:r>
-                          <a:rPr lang="en-US" b="0" i="1" smtClean="0">
-                            <a:latin typeface="Cambria Math" panose="02040503050406030204" pitchFamily="18" charset="0"/>
-                          </a:rPr>
-                          <m:t>𝑞</m:t>
-                        </m:r>
-                        <m:r>
-                          <a:rPr lang="en-US" b="0" i="1" smtClean="0">
-                            <a:latin typeface="Cambria Math" panose="02040503050406030204" pitchFamily="18" charset="0"/>
-                          </a:rPr>
-                          <m:t>+1</m:t>
+                          <a:rPr lang="en-US" b="0" i="1" dirty="0" smtClean="0">
+                            <a:latin typeface="Cambria Math" panose="02040503050406030204" pitchFamily="18" charset="0"/>
+                          </a:rPr>
+                          <m:t>𝑛</m:t>
                         </m:r>
                       </m:sub>
                     </m:sSub>
                   </m:oMath>
                 </a14:m>
-                <a:r>
-                  <a:rPr lang="en-US" b="0" dirty="0" smtClean="0"/>
-                  <a:t>- </a:t>
-                </a:r>
-                <a:r>
-                  <a:rPr lang="ru-RU" b="0" dirty="0" err="1" smtClean="0"/>
-                  <a:t>подвектор</a:t>
-                </a:r>
-                <a:r>
-                  <a:rPr lang="ru-RU" b="0" dirty="0" smtClean="0"/>
-                  <a:t>, полученный из координат вектора </a:t>
-                </a:r>
+                <a:endParaRPr lang="ru-RU" dirty="0" smtClean="0"/>
+              </a:p>
+              <a:p>
+                <a:pPr marL="0" indent="0">
+                  <a:buNone/>
+                </a:pPr>
                 <a14:m>
                   <m:oMath xmlns:m="http://schemas.openxmlformats.org/officeDocument/2006/math">
-                    <m:r>
-                      <a:rPr lang="en-US" b="0" i="1" smtClean="0">
-                        <a:latin typeface="Cambria Math" panose="02040503050406030204" pitchFamily="18" charset="0"/>
-                      </a:rPr>
-                      <m:t>𝑣</m:t>
-                    </m:r>
+                    <m:sSup>
+                      <m:sSupPr>
+                        <m:ctrlPr>
+                          <a:rPr lang="en-US" b="0" i="1" smtClean="0">
+                            <a:latin typeface="Cambria Math" panose="02040503050406030204" pitchFamily="18" charset="0"/>
+                          </a:rPr>
+                        </m:ctrlPr>
+                      </m:sSupPr>
+                      <m:e>
+                        <m:r>
+                          <a:rPr lang="ru-RU" b="0" i="1" smtClean="0">
+                            <a:latin typeface="Cambria Math" panose="02040503050406030204" pitchFamily="18" charset="0"/>
+                          </a:rPr>
+                          <m:t>0</m:t>
+                        </m:r>
+                      </m:e>
+                      <m:sup>
+                        <m:r>
+                          <a:rPr lang="en-US" b="0" i="1" smtClean="0">
+                            <a:latin typeface="Cambria Math" panose="02040503050406030204" pitchFamily="18" charset="0"/>
+                          </a:rPr>
+                          <m:t>𝑘</m:t>
+                        </m:r>
+                      </m:sup>
+                    </m:sSup>
+                    <m:sSup>
+                      <m:sSupPr>
+                        <m:ctrlPr>
+                          <a:rPr lang="en-US" b="0" i="1" smtClean="0">
+                            <a:latin typeface="Cambria Math" panose="02040503050406030204" pitchFamily="18" charset="0"/>
+                          </a:rPr>
+                        </m:ctrlPr>
+                      </m:sSupPr>
+                      <m:e>
+                        <m:r>
+                          <a:rPr lang="en-US" b="0" i="1" smtClean="0">
+                            <a:latin typeface="Cambria Math" panose="02040503050406030204" pitchFamily="18" charset="0"/>
+                          </a:rPr>
+                          <m:t>1</m:t>
+                        </m:r>
+                      </m:e>
+                      <m:sup>
+                        <m:r>
+                          <a:rPr lang="en-US" b="0" i="1" smtClean="0">
+                            <a:latin typeface="Cambria Math" panose="02040503050406030204" pitchFamily="18" charset="0"/>
+                          </a:rPr>
+                          <m:t>𝑙</m:t>
+                        </m:r>
+                      </m:sup>
+                    </m:sSup>
                   </m:oMath>
                 </a14:m>
                 <a:r>
-                  <a:rPr lang="en-US" b="0" dirty="0" smtClean="0"/>
-                  <a:t>, </a:t>
+                  <a:rPr lang="en-US" dirty="0" smtClean="0"/>
+                  <a:t>- </a:t>
+                </a:r>
+                <a:r>
+                  <a:rPr lang="ru-RU" dirty="0" smtClean="0"/>
+                  <a:t>двоичный вектор </a:t>
                 </a:r>
                 <a14:m>
                   <m:oMath xmlns:m="http://schemas.openxmlformats.org/officeDocument/2006/math">
-                    <m:r>
-                      <a:rPr lang="en-US" b="0" i="1" smtClean="0">
-                        <a:latin typeface="Cambria Math" panose="02040503050406030204" pitchFamily="18" charset="0"/>
-                      </a:rPr>
-                      <m:t>𝑞</m:t>
-                    </m:r>
-                    <m:r>
-                      <a:rPr lang="en-US" b="0" i="1" smtClean="0">
-                        <a:latin typeface="Cambria Math" panose="02040503050406030204" pitchFamily="18" charset="0"/>
-                      </a:rPr>
-                      <m:t>&lt;</m:t>
-                    </m:r>
-                    <m:r>
-                      <a:rPr lang="en-US" b="0" i="1" smtClean="0">
-                        <a:latin typeface="Cambria Math" panose="02040503050406030204" pitchFamily="18" charset="0"/>
-                      </a:rPr>
-                      <m:t>𝑤</m:t>
-                    </m:r>
-                    <m:r>
-                      <a:rPr lang="en-US" b="0" i="1" smtClean="0">
-                        <a:latin typeface="Cambria Math" panose="02040503050406030204" pitchFamily="18" charset="0"/>
-                      </a:rPr>
-                      <m:t>&lt;</m:t>
-                    </m:r>
-                    <m:r>
-                      <a:rPr lang="en-US" b="0" i="1" smtClean="0">
-                        <a:latin typeface="Cambria Math" panose="02040503050406030204" pitchFamily="18" charset="0"/>
-                      </a:rPr>
-                      <m:t>𝑛</m:t>
-                    </m:r>
-                    <m:r>
-                      <a:rPr lang="en-US" b="0" i="0" smtClean="0">
-                        <a:latin typeface="Cambria Math" panose="02040503050406030204" pitchFamily="18" charset="0"/>
-                      </a:rPr>
-                      <m:t>.</m:t>
-                    </m:r>
+                    <m:limLow>
+                      <m:limLowPr>
+                        <m:ctrlPr>
+                          <a:rPr lang="en-US" i="1">
+                            <a:latin typeface="Cambria Math" panose="02040503050406030204" pitchFamily="18" charset="0"/>
+                          </a:rPr>
+                        </m:ctrlPr>
+                      </m:limLowPr>
+                      <m:e>
+                        <m:groupChr>
+                          <m:groupChrPr>
+                            <m:chr m:val="⏟"/>
+                            <m:ctrlPr>
+                              <a:rPr lang="en-US" i="1">
+                                <a:latin typeface="Cambria Math" panose="02040503050406030204" pitchFamily="18" charset="0"/>
+                              </a:rPr>
+                            </m:ctrlPr>
+                          </m:groupChrPr>
+                          <m:e>
+                            <m:r>
+                              <a:rPr lang="ru-RU" b="0" i="1" smtClean="0">
+                                <a:latin typeface="Cambria Math" panose="02040503050406030204" pitchFamily="18" charset="0"/>
+                              </a:rPr>
+                              <m:t>(</m:t>
+                            </m:r>
+                            <m:r>
+                              <a:rPr lang="ru-RU" i="1">
+                                <a:latin typeface="Cambria Math" panose="02040503050406030204" pitchFamily="18" charset="0"/>
+                              </a:rPr>
+                              <m:t>000…00</m:t>
+                            </m:r>
+                          </m:e>
+                        </m:groupChr>
+                      </m:e>
+                      <m:lim>
+                        <m:r>
+                          <a:rPr lang="en-US" i="1">
+                            <a:latin typeface="Cambria Math" panose="02040503050406030204" pitchFamily="18" charset="0"/>
+                          </a:rPr>
+                          <m:t>𝑘</m:t>
+                        </m:r>
+                      </m:lim>
+                    </m:limLow>
+                    <m:limLow>
+                      <m:limLowPr>
+                        <m:ctrlPr>
+                          <a:rPr lang="en-US" i="1">
+                            <a:latin typeface="Cambria Math" panose="02040503050406030204" pitchFamily="18" charset="0"/>
+                          </a:rPr>
+                        </m:ctrlPr>
+                      </m:limLowPr>
+                      <m:e>
+                        <m:groupChr>
+                          <m:groupChrPr>
+                            <m:chr m:val="⏟"/>
+                            <m:ctrlPr>
+                              <a:rPr lang="en-US" i="1">
+                                <a:latin typeface="Cambria Math" panose="02040503050406030204" pitchFamily="18" charset="0"/>
+                              </a:rPr>
+                            </m:ctrlPr>
+                          </m:groupChrPr>
+                          <m:e>
+                            <m:r>
+                              <a:rPr lang="ru-RU" i="1">
+                                <a:latin typeface="Cambria Math" panose="02040503050406030204" pitchFamily="18" charset="0"/>
+                              </a:rPr>
+                              <m:t>111…11</m:t>
+                            </m:r>
+                            <m:r>
+                              <a:rPr lang="ru-RU" b="0" i="1" smtClean="0">
+                                <a:latin typeface="Cambria Math" panose="02040503050406030204" pitchFamily="18" charset="0"/>
+                              </a:rPr>
+                              <m:t>)</m:t>
+                            </m:r>
+                          </m:e>
+                        </m:groupChr>
+                      </m:e>
+                      <m:lim>
+                        <m:r>
+                          <a:rPr lang="en-US" i="1">
+                            <a:latin typeface="Cambria Math" panose="02040503050406030204" pitchFamily="18" charset="0"/>
+                          </a:rPr>
+                          <m:t>𝑙</m:t>
+                        </m:r>
+                      </m:lim>
+                    </m:limLow>
+                    <m:r>
+                      <a:rPr lang="en-US" b="0" i="1" smtClean="0">
+                        <a:latin typeface="Cambria Math" panose="02040503050406030204" pitchFamily="18" charset="0"/>
+                      </a:rPr>
+                      <m:t>∈</m:t>
+                    </m:r>
+                    <m:sSub>
+                      <m:sSubPr>
+                        <m:ctrlPr>
+                          <a:rPr lang="en-US" b="0" i="1" smtClean="0">
+                            <a:latin typeface="Cambria Math" panose="02040503050406030204" pitchFamily="18" charset="0"/>
+                          </a:rPr>
+                        </m:ctrlPr>
+                      </m:sSubPr>
+                      <m:e>
+                        <m:r>
+                          <a:rPr lang="en-US" b="0" i="1" smtClean="0">
+                            <a:latin typeface="Cambria Math" panose="02040503050406030204" pitchFamily="18" charset="0"/>
+                          </a:rPr>
+                          <m:t>𝑉</m:t>
+                        </m:r>
+                      </m:e>
+                      <m:sub>
+                        <m:r>
+                          <a:rPr lang="en-US" b="0" i="1" smtClean="0">
+                            <a:latin typeface="Cambria Math" panose="02040503050406030204" pitchFamily="18" charset="0"/>
+                          </a:rPr>
+                          <m:t>𝑘</m:t>
+                        </m:r>
+                        <m:r>
+                          <a:rPr lang="en-US" b="0" i="1" smtClean="0">
+                            <a:latin typeface="Cambria Math" panose="02040503050406030204" pitchFamily="18" charset="0"/>
+                          </a:rPr>
+                          <m:t>+</m:t>
+                        </m:r>
+                        <m:r>
+                          <a:rPr lang="en-US" b="0" i="1" smtClean="0">
+                            <a:latin typeface="Cambria Math" panose="02040503050406030204" pitchFamily="18" charset="0"/>
+                          </a:rPr>
+                          <m:t>𝑙</m:t>
+                        </m:r>
+                      </m:sub>
+                    </m:sSub>
                   </m:oMath>
                 </a14:m>
-                <a:endParaRPr lang="en-US" b="0" dirty="0" smtClean="0"/>
+                <a:endParaRPr lang="ru-RU" dirty="0" smtClean="0"/>
+              </a:p>
+              <a:p>
+                <a:pPr marL="0" indent="0">
+                  <a:buNone/>
+                </a:pPr>
+                <a:endParaRPr lang="en-US" dirty="0" smtClean="0"/>
+              </a:p>
+              <a:p>
+                <a:pPr marL="0" indent="0">
+                  <a:buNone/>
+                </a:pPr>
+                <a14:m>
+                  <m:oMath xmlns:m="http://schemas.openxmlformats.org/officeDocument/2006/math">
+                    <m:sSup>
+                      <m:sSupPr>
+                        <m:ctrlPr>
+                          <a:rPr lang="en-US" b="0" i="1" smtClean="0">
+                            <a:latin typeface="Cambria Math" panose="02040503050406030204" pitchFamily="18" charset="0"/>
+                          </a:rPr>
+                        </m:ctrlPr>
+                      </m:sSupPr>
+                      <m:e>
+                        <m:r>
+                          <a:rPr lang="en-US" b="0" i="1" smtClean="0">
+                            <a:latin typeface="Cambria Math" panose="02040503050406030204" pitchFamily="18" charset="0"/>
+                          </a:rPr>
+                          <m:t>𝑣</m:t>
+                        </m:r>
+                      </m:e>
+                      <m:sup>
+                        <m:r>
+                          <a:rPr lang="en-US" b="0" i="1" smtClean="0">
+                            <a:latin typeface="Cambria Math" panose="02040503050406030204" pitchFamily="18" charset="0"/>
+                          </a:rPr>
+                          <m:t>′</m:t>
+                        </m:r>
+                      </m:sup>
+                    </m:sSup>
+                    <m:r>
+                      <a:rPr lang="en-US" b="0" i="1" smtClean="0">
+                        <a:latin typeface="Cambria Math" panose="02040503050406030204" pitchFamily="18" charset="0"/>
+                      </a:rPr>
+                      <m:t>∈</m:t>
+                    </m:r>
+                    <m:sSup>
+                      <m:sSupPr>
+                        <m:ctrlPr>
+                          <a:rPr lang="en-US" b="0" i="1" smtClean="0">
+                            <a:latin typeface="Cambria Math" panose="02040503050406030204" pitchFamily="18" charset="0"/>
+                          </a:rPr>
+                        </m:ctrlPr>
+                      </m:sSupPr>
+                      <m:e>
+                        <m:d>
+                          <m:dPr>
+                            <m:begChr m:val="{"/>
+                            <m:endChr m:val="}"/>
+                            <m:ctrlPr>
+                              <a:rPr lang="en-US" b="0" i="1" smtClean="0">
+                                <a:latin typeface="Cambria Math" panose="02040503050406030204" pitchFamily="18" charset="0"/>
+                              </a:rPr>
+                            </m:ctrlPr>
+                          </m:dPr>
+                          <m:e>
+                            <m:r>
+                              <a:rPr lang="en-US" b="0" i="1" smtClean="0">
+                                <a:latin typeface="Cambria Math" panose="02040503050406030204" pitchFamily="18" charset="0"/>
+                              </a:rPr>
+                              <m:t>0,1</m:t>
+                            </m:r>
+                          </m:e>
+                        </m:d>
+                      </m:e>
+                      <m:sup>
+                        <m:r>
+                          <a:rPr lang="en-US" b="0" i="1" smtClean="0">
+                            <a:latin typeface="Cambria Math" panose="02040503050406030204" pitchFamily="18" charset="0"/>
+                          </a:rPr>
+                          <m:t>∗</m:t>
+                        </m:r>
+                      </m:sup>
+                    </m:sSup>
+                    <m:r>
+                      <a:rPr lang="en-US" b="0" i="1" smtClean="0">
+                        <a:latin typeface="Cambria Math" panose="02040503050406030204" pitchFamily="18" charset="0"/>
+                      </a:rPr>
+                      <m:t>=</m:t>
+                    </m:r>
+                    <m:nary>
+                      <m:naryPr>
+                        <m:chr m:val="⋃"/>
+                        <m:ctrlPr>
+                          <a:rPr lang="en-US" b="0" i="1" smtClean="0">
+                            <a:latin typeface="Cambria Math" panose="02040503050406030204" pitchFamily="18" charset="0"/>
+                          </a:rPr>
+                        </m:ctrlPr>
+                      </m:naryPr>
+                      <m:sub>
+                        <m:r>
+                          <m:rPr>
+                            <m:brk m:alnAt="23"/>
+                          </m:rPr>
+                          <a:rPr lang="en-US" b="0" i="1" smtClean="0">
+                            <a:latin typeface="Cambria Math" panose="02040503050406030204" pitchFamily="18" charset="0"/>
+                          </a:rPr>
+                          <m:t>𝑘</m:t>
+                        </m:r>
+                        <m:r>
+                          <a:rPr lang="en-US" b="0" i="1" smtClean="0">
+                            <a:latin typeface="Cambria Math" panose="02040503050406030204" pitchFamily="18" charset="0"/>
+                          </a:rPr>
+                          <m:t>=0</m:t>
+                        </m:r>
+                      </m:sub>
+                      <m:sup>
+                        <m:r>
+                          <a:rPr lang="en-US" i="1">
+                            <a:latin typeface="Cambria Math" panose="02040503050406030204" pitchFamily="18" charset="0"/>
+                            <a:ea typeface="Cambria Math" panose="02040503050406030204" pitchFamily="18" charset="0"/>
+                          </a:rPr>
+                          <m:t>∞</m:t>
+                        </m:r>
+                      </m:sup>
+                      <m:e>
+                        <m:sSup>
+                          <m:sSupPr>
+                            <m:ctrlPr>
+                              <a:rPr lang="en-US" b="0" i="1" smtClean="0">
+                                <a:latin typeface="Cambria Math" panose="02040503050406030204" pitchFamily="18" charset="0"/>
+                              </a:rPr>
+                            </m:ctrlPr>
+                          </m:sSupPr>
+                          <m:e>
+                            <m:d>
+                              <m:dPr>
+                                <m:begChr m:val="{"/>
+                                <m:endChr m:val="}"/>
+                                <m:ctrlPr>
+                                  <a:rPr lang="en-US" b="0" i="1" smtClean="0">
+                                    <a:latin typeface="Cambria Math" panose="02040503050406030204" pitchFamily="18" charset="0"/>
+                                  </a:rPr>
+                                </m:ctrlPr>
+                              </m:dPr>
+                              <m:e>
+                                <m:r>
+                                  <a:rPr lang="en-US" b="0" i="1" smtClean="0">
+                                    <a:latin typeface="Cambria Math" panose="02040503050406030204" pitchFamily="18" charset="0"/>
+                                  </a:rPr>
+                                  <m:t>0,1</m:t>
+                                </m:r>
+                              </m:e>
+                            </m:d>
+                          </m:e>
+                          <m:sup>
+                            <m:r>
+                              <a:rPr lang="en-US" b="0" i="1" smtClean="0">
+                                <a:latin typeface="Cambria Math" panose="02040503050406030204" pitchFamily="18" charset="0"/>
+                              </a:rPr>
+                              <m:t>𝑘</m:t>
+                            </m:r>
+                          </m:sup>
+                        </m:sSup>
+                      </m:e>
+                    </m:nary>
+                  </m:oMath>
+                </a14:m>
+                <a:r>
+                  <a:rPr lang="en-US" dirty="0" smtClean="0"/>
+                  <a:t> - </a:t>
+                </a:r>
+                <a:r>
+                  <a:rPr lang="ru-RU" dirty="0" smtClean="0"/>
+                  <a:t>двоичный вектор произвольной длины</a:t>
+                </a:r>
+              </a:p>
+              <a:p>
+                <a:pPr marL="0" indent="0">
+                  <a:buNone/>
+                </a:pPr>
+                <a14:m>
+                  <m:oMath xmlns:m="http://schemas.openxmlformats.org/officeDocument/2006/math">
+                    <m:sSup>
+                      <m:sSupPr>
+                        <m:ctrlPr>
+                          <a:rPr lang="en-US" b="0" i="1" smtClean="0">
+                            <a:latin typeface="Cambria Math" panose="02040503050406030204" pitchFamily="18" charset="0"/>
+                          </a:rPr>
+                        </m:ctrlPr>
+                      </m:sSupPr>
+                      <m:e>
+                        <m:r>
+                          <a:rPr lang="en-US" b="0" i="1" smtClean="0">
+                            <a:latin typeface="Cambria Math" panose="02040503050406030204" pitchFamily="18" charset="0"/>
+                          </a:rPr>
+                          <m:t>𝑣</m:t>
+                        </m:r>
+                      </m:e>
+                      <m:sup>
+                        <m:r>
+                          <a:rPr lang="en-US" b="0" i="1" smtClean="0">
+                            <a:latin typeface="Cambria Math" panose="02040503050406030204" pitchFamily="18" charset="0"/>
+                          </a:rPr>
+                          <m:t>′′</m:t>
+                        </m:r>
+                      </m:sup>
+                    </m:sSup>
+                    <m:r>
+                      <a:rPr lang="en-US" b="0" i="1" smtClean="0">
+                        <a:latin typeface="Cambria Math" panose="02040503050406030204" pitchFamily="18" charset="0"/>
+                      </a:rPr>
+                      <m:t>∈</m:t>
+                    </m:r>
+                    <m:sSup>
+                      <m:sSupPr>
+                        <m:ctrlPr>
+                          <a:rPr lang="en-US" b="0" i="1" smtClean="0">
+                            <a:latin typeface="Cambria Math" panose="02040503050406030204" pitchFamily="18" charset="0"/>
+                          </a:rPr>
+                        </m:ctrlPr>
+                      </m:sSupPr>
+                      <m:e>
+                        <m:d>
+                          <m:dPr>
+                            <m:begChr m:val="{"/>
+                            <m:endChr m:val="}"/>
+                            <m:ctrlPr>
+                              <a:rPr lang="en-US" b="0" i="1" smtClean="0">
+                                <a:latin typeface="Cambria Math" panose="02040503050406030204" pitchFamily="18" charset="0"/>
+                              </a:rPr>
+                            </m:ctrlPr>
+                          </m:dPr>
+                          <m:e>
+                            <m:r>
+                              <a:rPr lang="en-US" b="0" i="1" smtClean="0">
+                                <a:latin typeface="Cambria Math" panose="02040503050406030204" pitchFamily="18" charset="0"/>
+                              </a:rPr>
+                              <m:t>0,1</m:t>
+                            </m:r>
+                          </m:e>
+                        </m:d>
+                      </m:e>
+                      <m:sup>
+                        <m:r>
+                          <a:rPr lang="en-US" b="0" i="1" smtClean="0">
+                            <a:latin typeface="Cambria Math" panose="02040503050406030204" pitchFamily="18" charset="0"/>
+                          </a:rPr>
+                          <m:t>≤</m:t>
+                        </m:r>
+                        <m:r>
+                          <a:rPr lang="en-US" b="0" i="1" smtClean="0">
+                            <a:latin typeface="Cambria Math" panose="02040503050406030204" pitchFamily="18" charset="0"/>
+                          </a:rPr>
+                          <m:t>𝐿</m:t>
+                        </m:r>
+                      </m:sup>
+                    </m:sSup>
+                    <m:r>
+                      <a:rPr lang="en-US" b="0" i="1" smtClean="0">
+                        <a:latin typeface="Cambria Math" panose="02040503050406030204" pitchFamily="18" charset="0"/>
+                      </a:rPr>
+                      <m:t>=</m:t>
+                    </m:r>
+                    <m:nary>
+                      <m:naryPr>
+                        <m:chr m:val="⋃"/>
+                        <m:ctrlPr>
+                          <a:rPr lang="en-US" i="1">
+                            <a:latin typeface="Cambria Math" panose="02040503050406030204" pitchFamily="18" charset="0"/>
+                          </a:rPr>
+                        </m:ctrlPr>
+                      </m:naryPr>
+                      <m:sub>
+                        <m:r>
+                          <m:rPr>
+                            <m:brk m:alnAt="23"/>
+                          </m:rPr>
+                          <a:rPr lang="en-US" i="1">
+                            <a:latin typeface="Cambria Math" panose="02040503050406030204" pitchFamily="18" charset="0"/>
+                          </a:rPr>
+                          <m:t>𝑘</m:t>
+                        </m:r>
+                        <m:r>
+                          <a:rPr lang="en-US" i="1">
+                            <a:latin typeface="Cambria Math" panose="02040503050406030204" pitchFamily="18" charset="0"/>
+                          </a:rPr>
+                          <m:t>=0</m:t>
+                        </m:r>
+                      </m:sub>
+                      <m:sup>
+                        <m:r>
+                          <a:rPr lang="en-US" b="0" i="1" smtClean="0">
+                            <a:latin typeface="Cambria Math" panose="02040503050406030204" pitchFamily="18" charset="0"/>
+                          </a:rPr>
+                          <m:t>𝐿</m:t>
+                        </m:r>
+                      </m:sup>
+                      <m:e>
+                        <m:sSup>
+                          <m:sSupPr>
+                            <m:ctrlPr>
+                              <a:rPr lang="en-US" i="1">
+                                <a:latin typeface="Cambria Math" panose="02040503050406030204" pitchFamily="18" charset="0"/>
+                              </a:rPr>
+                            </m:ctrlPr>
+                          </m:sSupPr>
+                          <m:e>
+                            <m:d>
+                              <m:dPr>
+                                <m:begChr m:val="{"/>
+                                <m:endChr m:val="}"/>
+                                <m:ctrlPr>
+                                  <a:rPr lang="en-US" i="1">
+                                    <a:latin typeface="Cambria Math" panose="02040503050406030204" pitchFamily="18" charset="0"/>
+                                  </a:rPr>
+                                </m:ctrlPr>
+                              </m:dPr>
+                              <m:e>
+                                <m:r>
+                                  <a:rPr lang="en-US" i="1">
+                                    <a:latin typeface="Cambria Math" panose="02040503050406030204" pitchFamily="18" charset="0"/>
+                                  </a:rPr>
+                                  <m:t>0,1</m:t>
+                                </m:r>
+                              </m:e>
+                            </m:d>
+                          </m:e>
+                          <m:sup>
+                            <m:r>
+                              <a:rPr lang="en-US" i="1">
+                                <a:latin typeface="Cambria Math" panose="02040503050406030204" pitchFamily="18" charset="0"/>
+                              </a:rPr>
+                              <m:t>𝑘</m:t>
+                            </m:r>
+                          </m:sup>
+                        </m:sSup>
+                      </m:e>
+                    </m:nary>
+                  </m:oMath>
+                </a14:m>
+                <a:r>
+                  <a:rPr lang="en-US" dirty="0" smtClean="0"/>
+                  <a:t> - </a:t>
+                </a:r>
+                <a:r>
+                  <a:rPr lang="ru-RU" dirty="0" smtClean="0"/>
+                  <a:t>двоичный вектор, длины не больше </a:t>
+                </a:r>
+                <a14:m>
+                  <m:oMath xmlns:m="http://schemas.openxmlformats.org/officeDocument/2006/math">
+                    <m:r>
+                      <a:rPr lang="en-US" b="0" i="1" smtClean="0">
+                        <a:latin typeface="Cambria Math" panose="02040503050406030204" pitchFamily="18" charset="0"/>
+                      </a:rPr>
+                      <m:t>𝐿</m:t>
+                    </m:r>
+                  </m:oMath>
+                </a14:m>
+                <a:endParaRPr lang="ru-RU" dirty="0" smtClean="0"/>
+              </a:p>
+              <a:p>
+                <a:pPr marL="0" indent="0">
+                  <a:buNone/>
+                </a:pPr>
+                <a:endParaRPr lang="en-US" dirty="0"/>
               </a:p>
             </p:txBody>
           </p:sp>
@@ -11339,7 +10360,7 @@
               <a:blipFill>
                 <a:blip r:embed="rId2"/>
                 <a:stretch>
-                  <a:fillRect l="-1043" t="-2101" r="-870"/>
+                  <a:fillRect t="-2101"/>
                 </a:stretch>
               </a:blipFill>
             </p:spPr>
@@ -11384,7 +10405,7 @@
     </p:spTree>
     <p:extLst>
       <p:ext uri="{BB962C8B-B14F-4D97-AF65-F5344CB8AC3E}">
-        <p14:creationId xmlns:p14="http://schemas.microsoft.com/office/powerpoint/2010/main" val="3599941802"/>
+        <p14:creationId xmlns:p14="http://schemas.microsoft.com/office/powerpoint/2010/main" val="907486557"/>
       </p:ext>
     </p:extLst>
   </p:cSld>
@@ -11469,7 +10490,13 @@
                       <a:rPr lang="en-US" b="0" i="1" smtClean="0">
                         <a:latin typeface="Cambria Math" panose="02040503050406030204" pitchFamily="18" charset="0"/>
                       </a:rPr>
-                      <m:t>𝑥</m:t>
+                      <m:t>𝑣</m:t>
+                    </m:r>
+                    <m:r>
+                      <a:rPr lang="en-US" b="0" i="1" smtClean="0">
+                        <a:latin typeface="Cambria Math" panose="02040503050406030204" pitchFamily="18" charset="0"/>
+                      </a:rPr>
+                      <m:t>∈</m:t>
                     </m:r>
                     <m:sSub>
                       <m:sSubPr>
@@ -11484,7 +10511,7 @@
                           <a:rPr lang="en-US" b="0" i="1" smtClean="0">
                             <a:latin typeface="Cambria Math" panose="02040503050406030204" pitchFamily="18" charset="0"/>
                           </a:rPr>
-                          <m:t>∈</m:t>
+                          <m:t>𝑉</m:t>
                         </m:r>
                       </m:e>
                       <m:sub>
@@ -11492,7 +10519,7 @@
                           <a:rPr lang="en-US" b="0" i="1" smtClean="0">
                             <a:latin typeface="Cambria Math" panose="02040503050406030204" pitchFamily="18" charset="0"/>
                           </a:rPr>
-                          <m:t>𝑅</m:t>
+                          <m:t>𝑛</m:t>
                         </m:r>
                       </m:sub>
                     </m:sSub>
@@ -11500,13 +10527,55 @@
                       <a:rPr lang="en-US" b="0" i="1" smtClean="0">
                         <a:latin typeface="Cambria Math" panose="02040503050406030204" pitchFamily="18" charset="0"/>
                       </a:rPr>
-                      <m:t>𝑋</m:t>
-                    </m:r>
+                      <m:t>=</m:t>
+                    </m:r>
+                    <m:sSup>
+                      <m:sSupPr>
+                        <m:ctrlPr>
+                          <a:rPr lang="en-US" b="0" i="1" smtClean="0">
+                            <a:latin typeface="Cambria Math" panose="02040503050406030204" pitchFamily="18" charset="0"/>
+                          </a:rPr>
+                        </m:ctrlPr>
+                      </m:sSupPr>
+                      <m:e>
+                        <m:d>
+                          <m:dPr>
+                            <m:begChr m:val="{"/>
+                            <m:endChr m:val="}"/>
+                            <m:ctrlPr>
+                              <a:rPr lang="en-US" b="0" i="1" smtClean="0">
+                                <a:latin typeface="Cambria Math" panose="02040503050406030204" pitchFamily="18" charset="0"/>
+                              </a:rPr>
+                            </m:ctrlPr>
+                          </m:dPr>
+                          <m:e>
+                            <m:r>
+                              <a:rPr lang="en-US" b="0" i="1" smtClean="0">
+                                <a:latin typeface="Cambria Math" panose="02040503050406030204" pitchFamily="18" charset="0"/>
+                              </a:rPr>
+                              <m:t>0,1</m:t>
+                            </m:r>
+                          </m:e>
+                        </m:d>
+                      </m:e>
+                      <m:sup>
+                        <m:r>
+                          <a:rPr lang="en-US" b="0" i="1" smtClean="0">
+                            <a:latin typeface="Cambria Math" panose="02040503050406030204" pitchFamily="18" charset="0"/>
+                          </a:rPr>
+                          <m:t>𝑛</m:t>
+                        </m:r>
+                      </m:sup>
+                    </m:sSup>
                   </m:oMath>
                 </a14:m>
                 <a:r>
-                  <a:rPr lang="ru-RU" b="0" dirty="0" smtClean="0"/>
+                  <a:rPr lang="en-US" dirty="0" smtClean="0"/>
                   <a:t> - </a:t>
+                </a:r>
+                <a:r>
+                  <a:rPr lang="ru-RU" dirty="0" smtClean="0"/>
+                  <a:t>двоичный вектор длины </a:t>
                 </a:r>
                 <a14:m>
                   <m:oMath xmlns:m="http://schemas.openxmlformats.org/officeDocument/2006/math">
@@ -11514,121 +10583,56 @@
                       <a:rPr lang="en-US" b="0" i="1" smtClean="0">
                         <a:latin typeface="Cambria Math" panose="02040503050406030204" pitchFamily="18" charset="0"/>
                       </a:rPr>
-                      <m:t>𝑥</m:t>
-                    </m:r>
-                    <m:r>
-                      <a:rPr lang="en-US" b="0" i="1" smtClean="0">
-                        <a:latin typeface="Cambria Math" panose="02040503050406030204" pitchFamily="18" charset="0"/>
-                      </a:rPr>
-                      <m:t>∈</m:t>
-                    </m:r>
-                    <m:r>
-                      <a:rPr lang="en-US" b="0" i="1" smtClean="0">
-                        <a:latin typeface="Cambria Math" panose="02040503050406030204" pitchFamily="18" charset="0"/>
-                      </a:rPr>
-                      <m:t>𝑋</m:t>
+                      <m:t>𝑛</m:t>
                     </m:r>
                   </m:oMath>
                 </a14:m>
                 <a:r>
                   <a:rPr lang="ru-RU" b="0" dirty="0" smtClean="0"/>
-                  <a:t>, </a:t>
-                </a:r>
-                <a:r>
-                  <a:rPr lang="ru-RU" dirty="0" smtClean="0"/>
-                  <a:t>выбранный случайно равновероятно</a:t>
-                </a:r>
-                <a:r>
-                  <a:rPr lang="en-US" dirty="0" smtClean="0"/>
-                  <a:t> (</a:t>
-                </a:r>
-                <a:r>
-                  <a:rPr lang="ru-RU" dirty="0" smtClean="0"/>
-                  <a:t>если не указано явно иное распределение)</a:t>
-                </a:r>
-              </a:p>
-              <a:p>
-                <a:pPr marL="0" indent="0">
-                  <a:buNone/>
-                </a:pPr>
+                  <a:t> </a:t>
+                </a:r>
+                <a:r>
+                  <a:rPr lang="en-US" dirty="0"/>
+                  <a:t>(</a:t>
+                </a:r>
                 <a14:m>
                   <m:oMath xmlns:m="http://schemas.openxmlformats.org/officeDocument/2006/math">
-                    <m:r>
-                      <a:rPr lang="en-US" b="0" i="1" smtClean="0">
-                        <a:latin typeface="Cambria Math" panose="02040503050406030204" pitchFamily="18" charset="0"/>
-                      </a:rPr>
-                      <m:t>𝑥</m:t>
-                    </m:r>
-                    <m:sSub>
-                      <m:sSubPr>
+                    <m:d>
+                      <m:dPr>
+                        <m:begChr m:val="|"/>
+                        <m:endChr m:val="|"/>
                         <m:ctrlPr>
-                          <a:rPr lang="en-US" b="0" i="1" smtClean="0">
+                          <a:rPr lang="ru-RU" i="1" dirty="0">
                             <a:latin typeface="Cambria Math" panose="02040503050406030204" pitchFamily="18" charset="0"/>
                           </a:rPr>
                         </m:ctrlPr>
-                      </m:sSubPr>
+                      </m:dPr>
                       <m:e>
                         <m:r>
-                          <a:rPr lang="en-US" b="0" i="1" smtClean="0">
-                            <a:latin typeface="Cambria Math" panose="02040503050406030204" pitchFamily="18" charset="0"/>
-                          </a:rPr>
-                          <m:t>←</m:t>
+                          <a:rPr lang="ru-RU" i="1" dirty="0">
+                            <a:latin typeface="Cambria Math" panose="02040503050406030204" pitchFamily="18" charset="0"/>
+                          </a:rPr>
+                          <m:t>𝑣</m:t>
                         </m:r>
                       </m:e>
-                      <m:sub>
-                        <m:r>
-                          <a:rPr lang="en-US" b="0" i="1" smtClean="0">
-                            <a:latin typeface="Cambria Math" panose="02040503050406030204" pitchFamily="18" charset="0"/>
-                          </a:rPr>
-                          <m:t>𝑅</m:t>
-                        </m:r>
-                      </m:sub>
-                    </m:sSub>
-                    <m:r>
-                      <a:rPr lang="en-US" b="0" i="1" smtClean="0">
-                        <a:latin typeface="Cambria Math" panose="02040503050406030204" pitchFamily="18" charset="0"/>
-                      </a:rPr>
-                      <m:t>𝑋</m:t>
+                    </m:d>
+                    <m:r>
+                      <a:rPr lang="ru-RU" i="1" dirty="0">
+                        <a:latin typeface="Cambria Math" panose="02040503050406030204" pitchFamily="18" charset="0"/>
+                      </a:rPr>
+                      <m:t>=</m:t>
+                    </m:r>
+                    <m:r>
+                      <a:rPr lang="ru-RU" i="1" dirty="0">
+                        <a:latin typeface="Cambria Math" panose="02040503050406030204" pitchFamily="18" charset="0"/>
+                      </a:rPr>
+                      <m:t>𝑛</m:t>
                     </m:r>
                   </m:oMath>
                 </a14:m>
                 <a:r>
-                  <a:rPr lang="ru-RU" b="0" dirty="0" smtClean="0"/>
-                  <a:t> – выбор случайного равновероятного </a:t>
-                </a:r>
-                <a14:m>
-                  <m:oMath xmlns:m="http://schemas.openxmlformats.org/officeDocument/2006/math">
-                    <m:r>
-                      <a:rPr lang="en-US" i="1">
-                        <a:latin typeface="Cambria Math" panose="02040503050406030204" pitchFamily="18" charset="0"/>
-                      </a:rPr>
-                      <m:t>𝑥</m:t>
-                    </m:r>
-                    <m:r>
-                      <a:rPr lang="en-US" i="1">
-                        <a:latin typeface="Cambria Math" panose="02040503050406030204" pitchFamily="18" charset="0"/>
-                      </a:rPr>
-                      <m:t>∈</m:t>
-                    </m:r>
-                    <m:r>
-                      <a:rPr lang="en-US" i="1">
-                        <a:latin typeface="Cambria Math" panose="02040503050406030204" pitchFamily="18" charset="0"/>
-                      </a:rPr>
-                      <m:t>𝑋</m:t>
-                    </m:r>
-                  </m:oMath>
-                </a14:m>
-                <a:r>
-                  <a:rPr lang="ru-RU" b="0" dirty="0" smtClean="0"/>
-                  <a:t> </a:t>
-                </a:r>
-                <a:r>
-                  <a:rPr lang="en-US" dirty="0"/>
-                  <a:t>(</a:t>
-                </a:r>
-                <a:r>
-                  <a:rPr lang="ru-RU" dirty="0"/>
-                  <a:t>если не указано явно иное распределение)</a:t>
+                  <a:rPr lang="ru-RU" dirty="0" smtClean="0"/>
+                  <a:t>)</a:t>
                 </a:r>
                 <a:endParaRPr lang="en-US" b="0" dirty="0" smtClean="0"/>
               </a:p>
@@ -11636,6 +10640,336 @@
                 <a:pPr marL="0" indent="0">
                   <a:buNone/>
                 </a:pPr>
+                <a:endParaRPr lang="ru-RU" dirty="0" smtClean="0"/>
+              </a:p>
+              <a:p>
+                <a:pPr marL="0" indent="0">
+                  <a:buNone/>
+                </a:pPr>
+                <a:r>
+                  <a:rPr lang="ru-RU" dirty="0"/>
+                  <a:t>Пусть </a:t>
+                </a:r>
+                <a14:m>
+                  <m:oMath xmlns:m="http://schemas.openxmlformats.org/officeDocument/2006/math">
+                    <m:r>
+                      <a:rPr lang="en-US" i="1">
+                        <a:latin typeface="Cambria Math" panose="02040503050406030204" pitchFamily="18" charset="0"/>
+                      </a:rPr>
+                      <m:t>𝑎</m:t>
+                    </m:r>
+                    <m:r>
+                      <a:rPr lang="en-US" i="1">
+                        <a:latin typeface="Cambria Math" panose="02040503050406030204" pitchFamily="18" charset="0"/>
+                      </a:rPr>
+                      <m:t>∈</m:t>
+                    </m:r>
+                    <m:sSub>
+                      <m:sSubPr>
+                        <m:ctrlPr>
+                          <a:rPr lang="en-US" i="1">
+                            <a:latin typeface="Cambria Math" panose="02040503050406030204" pitchFamily="18" charset="0"/>
+                          </a:rPr>
+                        </m:ctrlPr>
+                      </m:sSubPr>
+                      <m:e>
+                        <m:r>
+                          <a:rPr lang="en-US" i="1">
+                            <a:latin typeface="Cambria Math" panose="02040503050406030204" pitchFamily="18" charset="0"/>
+                          </a:rPr>
+                          <m:t>𝑉</m:t>
+                        </m:r>
+                      </m:e>
+                      <m:sub>
+                        <m:r>
+                          <a:rPr lang="en-US" i="1">
+                            <a:latin typeface="Cambria Math" panose="02040503050406030204" pitchFamily="18" charset="0"/>
+                          </a:rPr>
+                          <m:t>𝑛</m:t>
+                        </m:r>
+                      </m:sub>
+                    </m:sSub>
+                    <m:r>
+                      <a:rPr lang="en-US" i="1">
+                        <a:latin typeface="Cambria Math" panose="02040503050406030204" pitchFamily="18" charset="0"/>
+                      </a:rPr>
+                      <m:t>:</m:t>
+                    </m:r>
+                    <m:r>
+                      <a:rPr lang="en-US" i="1">
+                        <a:latin typeface="Cambria Math" panose="02040503050406030204" pitchFamily="18" charset="0"/>
+                      </a:rPr>
+                      <m:t>𝑎</m:t>
+                    </m:r>
+                    <m:r>
+                      <a:rPr lang="en-US" i="1">
+                        <a:latin typeface="Cambria Math" panose="02040503050406030204" pitchFamily="18" charset="0"/>
+                      </a:rPr>
+                      <m:t>=(</m:t>
+                    </m:r>
+                    <m:sSub>
+                      <m:sSubPr>
+                        <m:ctrlPr>
+                          <a:rPr lang="en-US" i="1">
+                            <a:latin typeface="Cambria Math" panose="02040503050406030204" pitchFamily="18" charset="0"/>
+                          </a:rPr>
+                        </m:ctrlPr>
+                      </m:sSubPr>
+                      <m:e>
+                        <m:r>
+                          <a:rPr lang="en-US" i="1">
+                            <a:latin typeface="Cambria Math" panose="02040503050406030204" pitchFamily="18" charset="0"/>
+                          </a:rPr>
+                          <m:t>𝑎</m:t>
+                        </m:r>
+                      </m:e>
+                      <m:sub>
+                        <m:r>
+                          <a:rPr lang="en-US" i="1">
+                            <a:latin typeface="Cambria Math" panose="02040503050406030204" pitchFamily="18" charset="0"/>
+                          </a:rPr>
+                          <m:t>0</m:t>
+                        </m:r>
+                      </m:sub>
+                    </m:sSub>
+                    <m:r>
+                      <a:rPr lang="en-US" i="1">
+                        <a:latin typeface="Cambria Math" panose="02040503050406030204" pitchFamily="18" charset="0"/>
+                      </a:rPr>
+                      <m:t>,</m:t>
+                    </m:r>
+                    <m:sSub>
+                      <m:sSubPr>
+                        <m:ctrlPr>
+                          <a:rPr lang="en-US" i="1">
+                            <a:latin typeface="Cambria Math" panose="02040503050406030204" pitchFamily="18" charset="0"/>
+                          </a:rPr>
+                        </m:ctrlPr>
+                      </m:sSubPr>
+                      <m:e>
+                        <m:r>
+                          <a:rPr lang="en-US" i="1">
+                            <a:latin typeface="Cambria Math" panose="02040503050406030204" pitchFamily="18" charset="0"/>
+                          </a:rPr>
+                          <m:t>𝑎</m:t>
+                        </m:r>
+                      </m:e>
+                      <m:sub>
+                        <m:r>
+                          <a:rPr lang="en-US" i="1">
+                            <a:latin typeface="Cambria Math" panose="02040503050406030204" pitchFamily="18" charset="0"/>
+                          </a:rPr>
+                          <m:t>1</m:t>
+                        </m:r>
+                      </m:sub>
+                    </m:sSub>
+                    <m:r>
+                      <a:rPr lang="en-US" i="1">
+                        <a:latin typeface="Cambria Math" panose="02040503050406030204" pitchFamily="18" charset="0"/>
+                      </a:rPr>
+                      <m:t>,…,</m:t>
+                    </m:r>
+                    <m:sSub>
+                      <m:sSubPr>
+                        <m:ctrlPr>
+                          <a:rPr lang="en-US" i="1">
+                            <a:latin typeface="Cambria Math" panose="02040503050406030204" pitchFamily="18" charset="0"/>
+                          </a:rPr>
+                        </m:ctrlPr>
+                      </m:sSubPr>
+                      <m:e>
+                        <m:r>
+                          <a:rPr lang="en-US" i="1">
+                            <a:latin typeface="Cambria Math" panose="02040503050406030204" pitchFamily="18" charset="0"/>
+                          </a:rPr>
+                          <m:t>𝑎</m:t>
+                        </m:r>
+                      </m:e>
+                      <m:sub>
+                        <m:r>
+                          <a:rPr lang="en-US" i="1">
+                            <a:latin typeface="Cambria Math" panose="02040503050406030204" pitchFamily="18" charset="0"/>
+                          </a:rPr>
+                          <m:t>𝑛</m:t>
+                        </m:r>
+                        <m:r>
+                          <a:rPr lang="en-US" i="1">
+                            <a:latin typeface="Cambria Math" panose="02040503050406030204" pitchFamily="18" charset="0"/>
+                          </a:rPr>
+                          <m:t>−1</m:t>
+                        </m:r>
+                      </m:sub>
+                    </m:sSub>
+                    <m:r>
+                      <a:rPr lang="en-US" i="1">
+                        <a:latin typeface="Cambria Math" panose="02040503050406030204" pitchFamily="18" charset="0"/>
+                      </a:rPr>
+                      <m:t>)</m:t>
+                    </m:r>
+                  </m:oMath>
+                </a14:m>
+                <a:r>
+                  <a:rPr lang="en-US" dirty="0"/>
+                  <a:t>, </a:t>
+                </a:r>
+                <a14:m>
+                  <m:oMath xmlns:m="http://schemas.openxmlformats.org/officeDocument/2006/math">
+                    <m:r>
+                      <a:rPr lang="en-US" i="1" dirty="0" smtClean="0">
+                        <a:latin typeface="Cambria Math" panose="02040503050406030204" pitchFamily="18" charset="0"/>
+                      </a:rPr>
+                      <m:t>𝑏</m:t>
+                    </m:r>
+                    <m:r>
+                      <a:rPr lang="en-US" i="1">
+                        <a:latin typeface="Cambria Math" panose="02040503050406030204" pitchFamily="18" charset="0"/>
+                      </a:rPr>
+                      <m:t>∈</m:t>
+                    </m:r>
+                    <m:sSub>
+                      <m:sSubPr>
+                        <m:ctrlPr>
+                          <a:rPr lang="en-US" i="1">
+                            <a:latin typeface="Cambria Math" panose="02040503050406030204" pitchFamily="18" charset="0"/>
+                          </a:rPr>
+                        </m:ctrlPr>
+                      </m:sSubPr>
+                      <m:e>
+                        <m:r>
+                          <a:rPr lang="en-US" i="1">
+                            <a:latin typeface="Cambria Math" panose="02040503050406030204" pitchFamily="18" charset="0"/>
+                          </a:rPr>
+                          <m:t>𝑉</m:t>
+                        </m:r>
+                      </m:e>
+                      <m:sub>
+                        <m:r>
+                          <a:rPr lang="en-US" i="1">
+                            <a:latin typeface="Cambria Math" panose="02040503050406030204" pitchFamily="18" charset="0"/>
+                          </a:rPr>
+                          <m:t>𝑛</m:t>
+                        </m:r>
+                      </m:sub>
+                    </m:sSub>
+                    <m:r>
+                      <a:rPr lang="en-US" i="1">
+                        <a:latin typeface="Cambria Math" panose="02040503050406030204" pitchFamily="18" charset="0"/>
+                      </a:rPr>
+                      <m:t>:</m:t>
+                    </m:r>
+                    <m:r>
+                      <a:rPr lang="en-US" i="1">
+                        <a:latin typeface="Cambria Math" panose="02040503050406030204" pitchFamily="18" charset="0"/>
+                      </a:rPr>
+                      <m:t>𝑏</m:t>
+                    </m:r>
+                    <m:r>
+                      <a:rPr lang="en-US" i="1">
+                        <a:latin typeface="Cambria Math" panose="02040503050406030204" pitchFamily="18" charset="0"/>
+                      </a:rPr>
+                      <m:t>=(</m:t>
+                    </m:r>
+                    <m:sSub>
+                      <m:sSubPr>
+                        <m:ctrlPr>
+                          <a:rPr lang="en-US" i="1">
+                            <a:latin typeface="Cambria Math" panose="02040503050406030204" pitchFamily="18" charset="0"/>
+                          </a:rPr>
+                        </m:ctrlPr>
+                      </m:sSubPr>
+                      <m:e>
+                        <m:r>
+                          <a:rPr lang="en-US" i="1">
+                            <a:latin typeface="Cambria Math" panose="02040503050406030204" pitchFamily="18" charset="0"/>
+                          </a:rPr>
+                          <m:t>𝑏</m:t>
+                        </m:r>
+                      </m:e>
+                      <m:sub>
+                        <m:r>
+                          <a:rPr lang="en-US" i="1">
+                            <a:latin typeface="Cambria Math" panose="02040503050406030204" pitchFamily="18" charset="0"/>
+                          </a:rPr>
+                          <m:t>0</m:t>
+                        </m:r>
+                      </m:sub>
+                    </m:sSub>
+                    <m:r>
+                      <a:rPr lang="en-US" i="1">
+                        <a:latin typeface="Cambria Math" panose="02040503050406030204" pitchFamily="18" charset="0"/>
+                      </a:rPr>
+                      <m:t>,</m:t>
+                    </m:r>
+                    <m:sSub>
+                      <m:sSubPr>
+                        <m:ctrlPr>
+                          <a:rPr lang="en-US" i="1">
+                            <a:latin typeface="Cambria Math" panose="02040503050406030204" pitchFamily="18" charset="0"/>
+                          </a:rPr>
+                        </m:ctrlPr>
+                      </m:sSubPr>
+                      <m:e>
+                        <m:r>
+                          <a:rPr lang="en-US" i="1">
+                            <a:latin typeface="Cambria Math" panose="02040503050406030204" pitchFamily="18" charset="0"/>
+                          </a:rPr>
+                          <m:t>𝑏</m:t>
+                        </m:r>
+                      </m:e>
+                      <m:sub>
+                        <m:r>
+                          <a:rPr lang="en-US" i="1">
+                            <a:latin typeface="Cambria Math" panose="02040503050406030204" pitchFamily="18" charset="0"/>
+                          </a:rPr>
+                          <m:t>1</m:t>
+                        </m:r>
+                      </m:sub>
+                    </m:sSub>
+                    <m:r>
+                      <a:rPr lang="en-US" i="1">
+                        <a:latin typeface="Cambria Math" panose="02040503050406030204" pitchFamily="18" charset="0"/>
+                      </a:rPr>
+                      <m:t>,…,</m:t>
+                    </m:r>
+                    <m:sSub>
+                      <m:sSubPr>
+                        <m:ctrlPr>
+                          <a:rPr lang="en-US" i="1">
+                            <a:latin typeface="Cambria Math" panose="02040503050406030204" pitchFamily="18" charset="0"/>
+                          </a:rPr>
+                        </m:ctrlPr>
+                      </m:sSubPr>
+                      <m:e>
+                        <m:r>
+                          <a:rPr lang="en-US" i="1">
+                            <a:latin typeface="Cambria Math" panose="02040503050406030204" pitchFamily="18" charset="0"/>
+                          </a:rPr>
+                          <m:t>𝑏</m:t>
+                        </m:r>
+                      </m:e>
+                      <m:sub>
+                        <m:r>
+                          <a:rPr lang="en-US" i="1">
+                            <a:latin typeface="Cambria Math" panose="02040503050406030204" pitchFamily="18" charset="0"/>
+                          </a:rPr>
+                          <m:t>𝑛</m:t>
+                        </m:r>
+                        <m:r>
+                          <a:rPr lang="en-US" i="1">
+                            <a:latin typeface="Cambria Math" panose="02040503050406030204" pitchFamily="18" charset="0"/>
+                          </a:rPr>
+                          <m:t>−1</m:t>
+                        </m:r>
+                      </m:sub>
+                    </m:sSub>
+                    <m:r>
+                      <a:rPr lang="en-US" i="1">
+                        <a:latin typeface="Cambria Math" panose="02040503050406030204" pitchFamily="18" charset="0"/>
+                      </a:rPr>
+                      <m:t>)</m:t>
+                    </m:r>
+                  </m:oMath>
+                </a14:m>
                 <a:endParaRPr lang="en-US" dirty="0"/>
               </a:p>
               <a:p>
@@ -11645,117 +10979,616 @@
                 <a14:m>
                   <m:oMath xmlns:m="http://schemas.openxmlformats.org/officeDocument/2006/math">
                     <m:r>
-                      <m:rPr>
-                        <m:sty m:val="p"/>
-                      </m:rPr>
-                      <a:rPr lang="en-US" b="0" i="0" smtClean="0">
-                        <a:latin typeface="Cambria Math" panose="02040503050406030204" pitchFamily="18" charset="0"/>
-                      </a:rPr>
-                      <m:t>Pr</m:t>
-                    </m:r>
-                    <m:r>
-                      <a:rPr lang="en-US" b="0" i="1" smtClean="0">
-                        <a:latin typeface="Cambria Math" panose="02040503050406030204" pitchFamily="18" charset="0"/>
-                      </a:rPr>
-                      <m:t>⁡[</m:t>
-                    </m:r>
-                    <m:r>
-                      <a:rPr lang="en-US" b="0" i="1" smtClean="0">
-                        <a:latin typeface="Cambria Math" panose="02040503050406030204" pitchFamily="18" charset="0"/>
-                      </a:rPr>
-                      <m:t>𝑊</m:t>
-                    </m:r>
-                    <m:r>
-                      <a:rPr lang="en-US" b="0" i="1" smtClean="0">
-                        <a:latin typeface="Cambria Math" panose="02040503050406030204" pitchFamily="18" charset="0"/>
-                      </a:rPr>
-                      <m:t>]</m:t>
-                    </m:r>
+                      <a:rPr lang="en-US" b="0" i="1" smtClean="0">
+                        <a:latin typeface="Cambria Math" panose="02040503050406030204" pitchFamily="18" charset="0"/>
+                      </a:rPr>
+                      <m:t>𝑎𝑏</m:t>
+                    </m:r>
+                    <m:r>
+                      <a:rPr lang="en-US" b="0" i="1" smtClean="0">
+                        <a:latin typeface="Cambria Math" panose="02040503050406030204" pitchFamily="18" charset="0"/>
+                      </a:rPr>
+                      <m:t>=(</m:t>
+                    </m:r>
+                    <m:r>
+                      <a:rPr lang="en-US" i="1">
+                        <a:latin typeface="Cambria Math" panose="02040503050406030204" pitchFamily="18" charset="0"/>
+                      </a:rPr>
+                      <m:t>𝑎</m:t>
+                    </m:r>
+                    <m:r>
+                      <a:rPr lang="en-US" b="0" i="1" smtClean="0">
+                        <a:latin typeface="Cambria Math" panose="02040503050406030204" pitchFamily="18" charset="0"/>
+                      </a:rPr>
+                      <m:t>||</m:t>
+                    </m:r>
+                    <m:r>
+                      <a:rPr lang="en-US" i="1">
+                        <a:latin typeface="Cambria Math" panose="02040503050406030204" pitchFamily="18" charset="0"/>
+                      </a:rPr>
+                      <m:t>𝑏</m:t>
+                    </m:r>
+                    <m:r>
+                      <a:rPr lang="en-US" i="1">
+                        <a:latin typeface="Cambria Math" panose="02040503050406030204" pitchFamily="18" charset="0"/>
+                      </a:rPr>
+                      <m:t>)∈</m:t>
+                    </m:r>
+                    <m:sSub>
+                      <m:sSubPr>
+                        <m:ctrlPr>
+                          <a:rPr lang="en-US" i="1">
+                            <a:latin typeface="Cambria Math" panose="02040503050406030204" pitchFamily="18" charset="0"/>
+                          </a:rPr>
+                        </m:ctrlPr>
+                      </m:sSubPr>
+                      <m:e>
+                        <m:r>
+                          <a:rPr lang="en-US" i="1">
+                            <a:latin typeface="Cambria Math" panose="02040503050406030204" pitchFamily="18" charset="0"/>
+                          </a:rPr>
+                          <m:t>𝑉</m:t>
+                        </m:r>
+                      </m:e>
+                      <m:sub>
+                        <m:r>
+                          <a:rPr lang="en-US" i="1">
+                            <a:latin typeface="Cambria Math" panose="02040503050406030204" pitchFamily="18" charset="0"/>
+                          </a:rPr>
+                          <m:t>2</m:t>
+                        </m:r>
+                        <m:r>
+                          <a:rPr lang="en-US" i="1">
+                            <a:latin typeface="Cambria Math" panose="02040503050406030204" pitchFamily="18" charset="0"/>
+                          </a:rPr>
+                          <m:t>𝑛</m:t>
+                        </m:r>
+                      </m:sub>
+                    </m:sSub>
+                    <m:r>
+                      <a:rPr lang="en-US" i="1">
+                        <a:latin typeface="Cambria Math" panose="02040503050406030204" pitchFamily="18" charset="0"/>
+                      </a:rPr>
+                      <m:t>:(</m:t>
+                    </m:r>
+                    <m:r>
+                      <a:rPr lang="en-US" i="1">
+                        <a:latin typeface="Cambria Math" panose="02040503050406030204" pitchFamily="18" charset="0"/>
+                      </a:rPr>
+                      <m:t>𝑎</m:t>
+                    </m:r>
+                    <m:r>
+                      <a:rPr lang="en-US" b="0" i="1" smtClean="0">
+                        <a:latin typeface="Cambria Math" panose="02040503050406030204" pitchFamily="18" charset="0"/>
+                      </a:rPr>
+                      <m:t>||</m:t>
+                    </m:r>
+                    <m:r>
+                      <a:rPr lang="en-US" i="1">
+                        <a:latin typeface="Cambria Math" panose="02040503050406030204" pitchFamily="18" charset="0"/>
+                      </a:rPr>
+                      <m:t>𝑏</m:t>
+                    </m:r>
+                    <m:r>
+                      <a:rPr lang="en-US" i="1">
+                        <a:latin typeface="Cambria Math" panose="02040503050406030204" pitchFamily="18" charset="0"/>
+                      </a:rPr>
+                      <m:t>)=(</m:t>
+                    </m:r>
+                    <m:sSub>
+                      <m:sSubPr>
+                        <m:ctrlPr>
+                          <a:rPr lang="en-US" i="1">
+                            <a:latin typeface="Cambria Math" panose="02040503050406030204" pitchFamily="18" charset="0"/>
+                          </a:rPr>
+                        </m:ctrlPr>
+                      </m:sSubPr>
+                      <m:e>
+                        <m:r>
+                          <a:rPr lang="en-US" i="1">
+                            <a:latin typeface="Cambria Math" panose="02040503050406030204" pitchFamily="18" charset="0"/>
+                          </a:rPr>
+                          <m:t>𝑎</m:t>
+                        </m:r>
+                      </m:e>
+                      <m:sub>
+                        <m:r>
+                          <a:rPr lang="en-US" i="1">
+                            <a:latin typeface="Cambria Math" panose="02040503050406030204" pitchFamily="18" charset="0"/>
+                          </a:rPr>
+                          <m:t>0</m:t>
+                        </m:r>
+                      </m:sub>
+                    </m:sSub>
+                    <m:r>
+                      <a:rPr lang="en-US" i="1">
+                        <a:latin typeface="Cambria Math" panose="02040503050406030204" pitchFamily="18" charset="0"/>
+                      </a:rPr>
+                      <m:t>,</m:t>
+                    </m:r>
+                    <m:sSub>
+                      <m:sSubPr>
+                        <m:ctrlPr>
+                          <a:rPr lang="en-US" i="1">
+                            <a:latin typeface="Cambria Math" panose="02040503050406030204" pitchFamily="18" charset="0"/>
+                          </a:rPr>
+                        </m:ctrlPr>
+                      </m:sSubPr>
+                      <m:e>
+                        <m:r>
+                          <a:rPr lang="en-US" i="1">
+                            <a:latin typeface="Cambria Math" panose="02040503050406030204" pitchFamily="18" charset="0"/>
+                          </a:rPr>
+                          <m:t>𝑎</m:t>
+                        </m:r>
+                      </m:e>
+                      <m:sub>
+                        <m:r>
+                          <a:rPr lang="en-US" i="1">
+                            <a:latin typeface="Cambria Math" panose="02040503050406030204" pitchFamily="18" charset="0"/>
+                          </a:rPr>
+                          <m:t>1</m:t>
+                        </m:r>
+                      </m:sub>
+                    </m:sSub>
+                    <m:r>
+                      <a:rPr lang="en-US" i="1">
+                        <a:latin typeface="Cambria Math" panose="02040503050406030204" pitchFamily="18" charset="0"/>
+                      </a:rPr>
+                      <m:t>,…,</m:t>
+                    </m:r>
+                    <m:sSub>
+                      <m:sSubPr>
+                        <m:ctrlPr>
+                          <a:rPr lang="en-US" i="1">
+                            <a:latin typeface="Cambria Math" panose="02040503050406030204" pitchFamily="18" charset="0"/>
+                          </a:rPr>
+                        </m:ctrlPr>
+                      </m:sSubPr>
+                      <m:e>
+                        <m:r>
+                          <a:rPr lang="en-US" i="1">
+                            <a:latin typeface="Cambria Math" panose="02040503050406030204" pitchFamily="18" charset="0"/>
+                          </a:rPr>
+                          <m:t>𝑎</m:t>
+                        </m:r>
+                      </m:e>
+                      <m:sub>
+                        <m:r>
+                          <a:rPr lang="en-US" i="1">
+                            <a:latin typeface="Cambria Math" panose="02040503050406030204" pitchFamily="18" charset="0"/>
+                          </a:rPr>
+                          <m:t>𝑛</m:t>
+                        </m:r>
+                        <m:r>
+                          <a:rPr lang="en-US" i="1">
+                            <a:latin typeface="Cambria Math" panose="02040503050406030204" pitchFamily="18" charset="0"/>
+                          </a:rPr>
+                          <m:t>−1</m:t>
+                        </m:r>
+                      </m:sub>
+                    </m:sSub>
                   </m:oMath>
                 </a14:m>
                 <a:r>
-                  <a:rPr lang="ru-RU" b="0" dirty="0" smtClean="0"/>
-                  <a:t> – вероятность события </a:t>
+                  <a:rPr lang="en-US" dirty="0"/>
+                  <a:t>, </a:t>
                 </a:r>
                 <a14:m>
                   <m:oMath xmlns:m="http://schemas.openxmlformats.org/officeDocument/2006/math">
-                    <m:r>
-                      <a:rPr lang="en-US" b="0" i="1" smtClean="0">
-                        <a:latin typeface="Cambria Math" panose="02040503050406030204" pitchFamily="18" charset="0"/>
-                      </a:rPr>
-                      <m:t>𝑊</m:t>
-                    </m:r>
+                    <m:sSub>
+                      <m:sSubPr>
+                        <m:ctrlPr>
+                          <a:rPr lang="en-US" i="1">
+                            <a:latin typeface="Cambria Math" panose="02040503050406030204" pitchFamily="18" charset="0"/>
+                          </a:rPr>
+                        </m:ctrlPr>
+                      </m:sSubPr>
+                      <m:e>
+                        <m:r>
+                          <a:rPr lang="en-US" i="1">
+                            <a:latin typeface="Cambria Math" panose="02040503050406030204" pitchFamily="18" charset="0"/>
+                          </a:rPr>
+                          <m:t>𝑏</m:t>
+                        </m:r>
+                      </m:e>
+                      <m:sub>
+                        <m:r>
+                          <a:rPr lang="en-US" i="1">
+                            <a:latin typeface="Cambria Math" panose="02040503050406030204" pitchFamily="18" charset="0"/>
+                          </a:rPr>
+                          <m:t>0</m:t>
+                        </m:r>
+                      </m:sub>
+                    </m:sSub>
+                    <m:r>
+                      <a:rPr lang="en-US" i="1">
+                        <a:latin typeface="Cambria Math" panose="02040503050406030204" pitchFamily="18" charset="0"/>
+                      </a:rPr>
+                      <m:t>,</m:t>
+                    </m:r>
+                    <m:sSub>
+                      <m:sSubPr>
+                        <m:ctrlPr>
+                          <a:rPr lang="en-US" i="1">
+                            <a:latin typeface="Cambria Math" panose="02040503050406030204" pitchFamily="18" charset="0"/>
+                          </a:rPr>
+                        </m:ctrlPr>
+                      </m:sSubPr>
+                      <m:e>
+                        <m:r>
+                          <a:rPr lang="en-US" i="1">
+                            <a:latin typeface="Cambria Math" panose="02040503050406030204" pitchFamily="18" charset="0"/>
+                          </a:rPr>
+                          <m:t>𝑏</m:t>
+                        </m:r>
+                      </m:e>
+                      <m:sub>
+                        <m:r>
+                          <a:rPr lang="en-US" i="1">
+                            <a:latin typeface="Cambria Math" panose="02040503050406030204" pitchFamily="18" charset="0"/>
+                          </a:rPr>
+                          <m:t>1</m:t>
+                        </m:r>
+                      </m:sub>
+                    </m:sSub>
+                    <m:r>
+                      <a:rPr lang="en-US" i="1">
+                        <a:latin typeface="Cambria Math" panose="02040503050406030204" pitchFamily="18" charset="0"/>
+                      </a:rPr>
+                      <m:t>,…,</m:t>
+                    </m:r>
+                    <m:sSub>
+                      <m:sSubPr>
+                        <m:ctrlPr>
+                          <a:rPr lang="en-US" i="1">
+                            <a:latin typeface="Cambria Math" panose="02040503050406030204" pitchFamily="18" charset="0"/>
+                          </a:rPr>
+                        </m:ctrlPr>
+                      </m:sSubPr>
+                      <m:e>
+                        <m:r>
+                          <a:rPr lang="en-US" i="1">
+                            <a:latin typeface="Cambria Math" panose="02040503050406030204" pitchFamily="18" charset="0"/>
+                          </a:rPr>
+                          <m:t>𝑏</m:t>
+                        </m:r>
+                      </m:e>
+                      <m:sub>
+                        <m:r>
+                          <a:rPr lang="en-US" i="1">
+                            <a:latin typeface="Cambria Math" panose="02040503050406030204" pitchFamily="18" charset="0"/>
+                          </a:rPr>
+                          <m:t>𝑛</m:t>
+                        </m:r>
+                        <m:r>
+                          <a:rPr lang="en-US" i="1">
+                            <a:latin typeface="Cambria Math" panose="02040503050406030204" pitchFamily="18" charset="0"/>
+                          </a:rPr>
+                          <m:t>−1</m:t>
+                        </m:r>
+                      </m:sub>
+                    </m:sSub>
                   </m:oMath>
                 </a14:m>
+                <a:r>
+                  <a:rPr lang="en-US" dirty="0"/>
+                  <a:t>) – </a:t>
+                </a:r>
+                <a:r>
+                  <a:rPr lang="ru-RU" dirty="0"/>
+                  <a:t>конкатенация векторов </a:t>
+                </a:r>
+                <a14:m>
+                  <m:oMath xmlns:m="http://schemas.openxmlformats.org/officeDocument/2006/math">
+                    <m:r>
+                      <a:rPr lang="en-US" i="1">
+                        <a:latin typeface="Cambria Math" panose="02040503050406030204" pitchFamily="18" charset="0"/>
+                      </a:rPr>
+                      <m:t>𝑎</m:t>
+                    </m:r>
+                  </m:oMath>
+                </a14:m>
+                <a:r>
+                  <a:rPr lang="en-US" dirty="0"/>
+                  <a:t> </a:t>
+                </a:r>
+                <a:r>
+                  <a:rPr lang="ru-RU" dirty="0"/>
+                  <a:t>и </a:t>
+                </a:r>
+                <a14:m>
+                  <m:oMath xmlns:m="http://schemas.openxmlformats.org/officeDocument/2006/math">
+                    <m:r>
+                      <a:rPr lang="en-US" i="1">
+                        <a:latin typeface="Cambria Math" panose="02040503050406030204" pitchFamily="18" charset="0"/>
+                      </a:rPr>
+                      <m:t>𝑏</m:t>
+                    </m:r>
+                  </m:oMath>
+                </a14:m>
+                <a:endParaRPr lang="ru-RU" dirty="0"/>
+              </a:p>
+              <a:p>
+                <a:pPr marL="0" indent="0">
+                  <a:buNone/>
+                </a:pPr>
                 <a:endParaRPr lang="en-US" dirty="0" smtClean="0"/>
               </a:p>
               <a:p>
                 <a:pPr marL="0" indent="0">
                   <a:buNone/>
                 </a:pPr>
-                <a:endParaRPr lang="en-US" dirty="0"/>
+                <a14:m>
+                  <m:oMath xmlns:m="http://schemas.openxmlformats.org/officeDocument/2006/math">
+                    <m:r>
+                      <a:rPr lang="en-US" b="0" i="1" smtClean="0">
+                        <a:latin typeface="Cambria Math" panose="02040503050406030204" pitchFamily="18" charset="0"/>
+                      </a:rPr>
+                      <m:t>𝑣</m:t>
+                    </m:r>
+                    <m:d>
+                      <m:dPr>
+                        <m:begChr m:val="["/>
+                        <m:endChr m:val="]"/>
+                        <m:ctrlPr>
+                          <a:rPr lang="en-US" b="0" i="1" smtClean="0">
+                            <a:latin typeface="Cambria Math" panose="02040503050406030204" pitchFamily="18" charset="0"/>
+                          </a:rPr>
+                        </m:ctrlPr>
+                      </m:dPr>
+                      <m:e>
+                        <m:r>
+                          <a:rPr lang="en-US" b="0" i="1" smtClean="0">
+                            <a:latin typeface="Cambria Math" panose="02040503050406030204" pitchFamily="18" charset="0"/>
+                          </a:rPr>
+                          <m:t>𝑞</m:t>
+                        </m:r>
+                      </m:e>
+                    </m:d>
+                  </m:oMath>
+                </a14:m>
+                <a:r>
+                  <a:rPr lang="en-US" dirty="0" smtClean="0"/>
+                  <a:t> - </a:t>
+                </a:r>
+                <a14:m>
+                  <m:oMath xmlns:m="http://schemas.openxmlformats.org/officeDocument/2006/math">
+                    <m:r>
+                      <a:rPr lang="en-US" b="0" i="1" smtClean="0">
+                        <a:latin typeface="Cambria Math" panose="02040503050406030204" pitchFamily="18" charset="0"/>
+                      </a:rPr>
+                      <m:t>𝑞</m:t>
+                    </m:r>
+                  </m:oMath>
+                </a14:m>
+                <a:r>
+                  <a:rPr lang="en-US" dirty="0" smtClean="0"/>
+                  <a:t>-</a:t>
+                </a:r>
+                <a:r>
+                  <a:rPr lang="ru-RU" dirty="0" smtClean="0"/>
+                  <a:t>я координата вектора </a:t>
+                </a:r>
+                <a14:m>
+                  <m:oMath xmlns:m="http://schemas.openxmlformats.org/officeDocument/2006/math">
+                    <m:r>
+                      <a:rPr lang="en-US" b="0" i="1" smtClean="0">
+                        <a:latin typeface="Cambria Math" panose="02040503050406030204" pitchFamily="18" charset="0"/>
+                      </a:rPr>
+                      <m:t>𝑣</m:t>
+                    </m:r>
+                  </m:oMath>
+                </a14:m>
+                <a:r>
+                  <a:rPr lang="en-US" dirty="0" smtClean="0"/>
+                  <a:t>, </a:t>
+                </a:r>
+                <a14:m>
+                  <m:oMath xmlns:m="http://schemas.openxmlformats.org/officeDocument/2006/math">
+                    <m:r>
+                      <a:rPr lang="en-US" b="0" i="0" dirty="0" smtClean="0">
+                        <a:latin typeface="Cambria Math" panose="02040503050406030204" pitchFamily="18" charset="0"/>
+                      </a:rPr>
+                      <m:t> </m:t>
+                    </m:r>
+                    <m:r>
+                      <a:rPr lang="en-US" b="0" i="1" dirty="0" smtClean="0">
+                        <a:latin typeface="Cambria Math" panose="02040503050406030204" pitchFamily="18" charset="0"/>
+                      </a:rPr>
+                      <m:t>𝑞</m:t>
+                    </m:r>
+                    <m:r>
+                      <m:rPr>
+                        <m:lit/>
+                      </m:rPr>
+                      <a:rPr lang="en-US" b="0" i="1" dirty="0" smtClean="0">
+                        <a:latin typeface="Cambria Math" panose="02040503050406030204" pitchFamily="18" charset="0"/>
+                      </a:rPr>
+                      <m:t>&lt;</m:t>
+                    </m:r>
+                    <m:r>
+                      <a:rPr lang="en-US" b="0" i="1" dirty="0" smtClean="0">
+                        <a:latin typeface="Cambria Math" panose="02040503050406030204" pitchFamily="18" charset="0"/>
+                      </a:rPr>
+                      <m:t>𝑛</m:t>
+                    </m:r>
+                  </m:oMath>
+                </a14:m>
+                <a:endParaRPr lang="en-US" b="0" dirty="0" smtClean="0"/>
               </a:p>
               <a:p>
                 <a:pPr marL="0" indent="0">
                   <a:buNone/>
                 </a:pPr>
-                <a:r>
-                  <a:rPr lang="ru-RU" dirty="0" smtClean="0"/>
-                  <a:t>О.Т. (</a:t>
-                </a:r>
-                <a:r>
-                  <a:rPr lang="en-US" dirty="0" smtClean="0"/>
-                  <a:t>P.T.</a:t>
-                </a:r>
-                <a:r>
-                  <a:rPr lang="ru-RU" dirty="0" smtClean="0"/>
-                  <a:t>)</a:t>
-                </a:r>
-                <a:r>
-                  <a:rPr lang="en-US" dirty="0" smtClean="0"/>
-                  <a:t> – </a:t>
-                </a:r>
-                <a:r>
-                  <a:rPr lang="ru-RU" dirty="0" err="1" smtClean="0"/>
-                  <a:t>Откртый</a:t>
-                </a:r>
-                <a:r>
-                  <a:rPr lang="ru-RU" dirty="0" smtClean="0"/>
-                  <a:t> текст (</a:t>
-                </a:r>
-                <a:r>
-                  <a:rPr lang="en-US" dirty="0" smtClean="0"/>
-                  <a:t>Plain Text)</a:t>
-                </a:r>
-              </a:p>
-              <a:p>
-                <a:pPr marL="0" indent="0">
-                  <a:buNone/>
-                </a:pPr>
-                <a:r>
-                  <a:rPr lang="ru-RU" dirty="0" smtClean="0"/>
-                  <a:t>Ш.Т (</a:t>
-                </a:r>
-                <a:r>
-                  <a:rPr lang="en-US" dirty="0" smtClean="0"/>
-                  <a:t>C.T.) </a:t>
-                </a:r>
-                <a:r>
-                  <a:rPr lang="ru-RU" dirty="0" smtClean="0"/>
-                  <a:t>– </a:t>
-                </a:r>
-                <a:r>
-                  <a:rPr lang="ru-RU" dirty="0" err="1" smtClean="0"/>
-                  <a:t>Шифртекст</a:t>
-                </a:r>
-                <a:r>
-                  <a:rPr lang="ru-RU" dirty="0" smtClean="0"/>
-                  <a:t> (</a:t>
-                </a:r>
-                <a:r>
-                  <a:rPr lang="en-US" dirty="0" smtClean="0"/>
-                  <a:t>Cipher Text)</a:t>
-                </a:r>
+                <a14:m>
+                  <m:oMath xmlns:m="http://schemas.openxmlformats.org/officeDocument/2006/math">
+                    <m:r>
+                      <a:rPr lang="en-US" b="0" i="1" smtClean="0">
+                        <a:latin typeface="Cambria Math" panose="02040503050406030204" pitchFamily="18" charset="0"/>
+                      </a:rPr>
+                      <m:t>𝑣</m:t>
+                    </m:r>
+                    <m:d>
+                      <m:dPr>
+                        <m:begChr m:val="["/>
+                        <m:endChr m:val="]"/>
+                        <m:ctrlPr>
+                          <a:rPr lang="en-US" b="0" i="1" smtClean="0">
+                            <a:latin typeface="Cambria Math" panose="02040503050406030204" pitchFamily="18" charset="0"/>
+                          </a:rPr>
+                        </m:ctrlPr>
+                      </m:dPr>
+                      <m:e>
+                        <m:r>
+                          <a:rPr lang="en-US" b="0" i="1" smtClean="0">
+                            <a:latin typeface="Cambria Math" panose="02040503050406030204" pitchFamily="18" charset="0"/>
+                          </a:rPr>
+                          <m:t>𝑞</m:t>
+                        </m:r>
+                        <m:r>
+                          <a:rPr lang="en-US" b="0" i="1" smtClean="0">
+                            <a:latin typeface="Cambria Math" panose="02040503050406030204" pitchFamily="18" charset="0"/>
+                          </a:rPr>
+                          <m:t>,</m:t>
+                        </m:r>
+                        <m:r>
+                          <a:rPr lang="en-US" b="0" i="1" smtClean="0">
+                            <a:latin typeface="Cambria Math" panose="02040503050406030204" pitchFamily="18" charset="0"/>
+                          </a:rPr>
+                          <m:t>𝑞</m:t>
+                        </m:r>
+                        <m:r>
+                          <a:rPr lang="en-US" b="0" i="1" smtClean="0">
+                            <a:latin typeface="Cambria Math" panose="02040503050406030204" pitchFamily="18" charset="0"/>
+                          </a:rPr>
+                          <m:t>+1,…</m:t>
+                        </m:r>
+                        <m:r>
+                          <a:rPr lang="en-US" b="0" i="1" smtClean="0">
+                            <a:latin typeface="Cambria Math" panose="02040503050406030204" pitchFamily="18" charset="0"/>
+                          </a:rPr>
+                          <m:t>𝑤</m:t>
+                        </m:r>
+                      </m:e>
+                    </m:d>
+                    <m:r>
+                      <a:rPr lang="en-US" b="0" i="1" smtClean="0">
+                        <a:latin typeface="Cambria Math" panose="02040503050406030204" pitchFamily="18" charset="0"/>
+                      </a:rPr>
+                      <m:t>∈</m:t>
+                    </m:r>
+                    <m:sSub>
+                      <m:sSubPr>
+                        <m:ctrlPr>
+                          <a:rPr lang="en-US" b="0" i="1" smtClean="0">
+                            <a:latin typeface="Cambria Math" panose="02040503050406030204" pitchFamily="18" charset="0"/>
+                          </a:rPr>
+                        </m:ctrlPr>
+                      </m:sSubPr>
+                      <m:e>
+                        <m:r>
+                          <a:rPr lang="en-US" b="0" i="1" smtClean="0">
+                            <a:latin typeface="Cambria Math" panose="02040503050406030204" pitchFamily="18" charset="0"/>
+                          </a:rPr>
+                          <m:t>𝑉</m:t>
+                        </m:r>
+                      </m:e>
+                      <m:sub>
+                        <m:r>
+                          <a:rPr lang="en-US" b="0" i="1" smtClean="0">
+                            <a:latin typeface="Cambria Math" panose="02040503050406030204" pitchFamily="18" charset="0"/>
+                          </a:rPr>
+                          <m:t>𝑤</m:t>
+                        </m:r>
+                        <m:r>
+                          <a:rPr lang="en-US" b="0" i="1" smtClean="0">
+                            <a:latin typeface="Cambria Math" panose="02040503050406030204" pitchFamily="18" charset="0"/>
+                          </a:rPr>
+                          <m:t>−</m:t>
+                        </m:r>
+                        <m:r>
+                          <a:rPr lang="en-US" b="0" i="1" smtClean="0">
+                            <a:latin typeface="Cambria Math" panose="02040503050406030204" pitchFamily="18" charset="0"/>
+                          </a:rPr>
+                          <m:t>𝑞</m:t>
+                        </m:r>
+                        <m:r>
+                          <a:rPr lang="en-US" b="0" i="1" smtClean="0">
+                            <a:latin typeface="Cambria Math" panose="02040503050406030204" pitchFamily="18" charset="0"/>
+                          </a:rPr>
+                          <m:t>+1</m:t>
+                        </m:r>
+                      </m:sub>
+                    </m:sSub>
+                  </m:oMath>
+                </a14:m>
+                <a:r>
+                  <a:rPr lang="en-US" b="0" dirty="0" smtClean="0"/>
+                  <a:t>- </a:t>
+                </a:r>
+                <a:r>
+                  <a:rPr lang="ru-RU" b="0" dirty="0" err="1" smtClean="0"/>
+                  <a:t>подвектор</a:t>
+                </a:r>
+                <a:r>
+                  <a:rPr lang="ru-RU" b="0" dirty="0" smtClean="0"/>
+                  <a:t>, полученный из координат вектора </a:t>
+                </a:r>
+                <a14:m>
+                  <m:oMath xmlns:m="http://schemas.openxmlformats.org/officeDocument/2006/math">
+                    <m:r>
+                      <a:rPr lang="en-US" b="0" i="1" smtClean="0">
+                        <a:latin typeface="Cambria Math" panose="02040503050406030204" pitchFamily="18" charset="0"/>
+                      </a:rPr>
+                      <m:t>𝑣</m:t>
+                    </m:r>
+                  </m:oMath>
+                </a14:m>
+                <a:r>
+                  <a:rPr lang="en-US" b="0" dirty="0" smtClean="0"/>
+                  <a:t>, </a:t>
+                </a:r>
+                <a14:m>
+                  <m:oMath xmlns:m="http://schemas.openxmlformats.org/officeDocument/2006/math">
+                    <m:r>
+                      <a:rPr lang="en-US" b="0" i="1" smtClean="0">
+                        <a:latin typeface="Cambria Math" panose="02040503050406030204" pitchFamily="18" charset="0"/>
+                      </a:rPr>
+                      <m:t>𝑞</m:t>
+                    </m:r>
+                    <m:r>
+                      <a:rPr lang="en-US" b="0" i="1" smtClean="0">
+                        <a:latin typeface="Cambria Math" panose="02040503050406030204" pitchFamily="18" charset="0"/>
+                      </a:rPr>
+                      <m:t>&lt;</m:t>
+                    </m:r>
+                    <m:r>
+                      <a:rPr lang="en-US" b="0" i="1" smtClean="0">
+                        <a:latin typeface="Cambria Math" panose="02040503050406030204" pitchFamily="18" charset="0"/>
+                      </a:rPr>
+                      <m:t>𝑤</m:t>
+                    </m:r>
+                    <m:r>
+                      <a:rPr lang="en-US" b="0" i="1" smtClean="0">
+                        <a:latin typeface="Cambria Math" panose="02040503050406030204" pitchFamily="18" charset="0"/>
+                      </a:rPr>
+                      <m:t>&lt;</m:t>
+                    </m:r>
+                    <m:r>
+                      <a:rPr lang="en-US" b="0" i="1" smtClean="0">
+                        <a:latin typeface="Cambria Math" panose="02040503050406030204" pitchFamily="18" charset="0"/>
+                      </a:rPr>
+                      <m:t>𝑛</m:t>
+                    </m:r>
+                    <m:r>
+                      <a:rPr lang="en-US" b="0" i="0" smtClean="0">
+                        <a:latin typeface="Cambria Math" panose="02040503050406030204" pitchFamily="18" charset="0"/>
+                      </a:rPr>
+                      <m:t>.</m:t>
+                    </m:r>
+                  </m:oMath>
+                </a14:m>
                 <a:endParaRPr lang="en-US" b="0" dirty="0" smtClean="0"/>
               </a:p>
             </p:txBody>
@@ -11776,7 +11609,7 @@
               <a:blipFill>
                 <a:blip r:embed="rId2"/>
                 <a:stretch>
-                  <a:fillRect l="-1043" t="-2101"/>
+                  <a:fillRect l="-1043" t="-2101" r="-870"/>
                 </a:stretch>
               </a:blipFill>
             </p:spPr>
@@ -11821,6 +11654,439 @@
     </p:spTree>
     <p:extLst>
       <p:ext uri="{BB962C8B-B14F-4D97-AF65-F5344CB8AC3E}">
+        <p14:creationId xmlns:p14="http://schemas.microsoft.com/office/powerpoint/2010/main" val="3599941802"/>
+      </p:ext>
+    </p:extLst>
+  </p:cSld>
+  <p:clrMapOvr>
+    <a:masterClrMapping/>
+  </p:clrMapOvr>
+  <p:timing>
+    <p:tnLst>
+      <p:par>
+        <p:cTn id="1" dur="indefinite" restart="never" nodeType="tmRoot"/>
+      </p:par>
+    </p:tnLst>
+  </p:timing>
+</p:sld>
+</file>
+
+<file path=ppt/slides/slide24.xml><?xml version="1.0" encoding="utf-8"?>
+<p:sld xmlns:a="http://schemas.openxmlformats.org/drawingml/2006/main" xmlns:r="http://schemas.openxmlformats.org/officeDocument/2006/relationships" xmlns:p="http://schemas.openxmlformats.org/presentationml/2006/main">
+  <p:cSld>
+    <p:spTree>
+      <p:nvGrpSpPr>
+        <p:cNvPr id="1" name=""/>
+        <p:cNvGrpSpPr/>
+        <p:nvPr/>
+      </p:nvGrpSpPr>
+      <p:grpSpPr>
+        <a:xfrm>
+          <a:off x="0" y="0"/>
+          <a:ext cx="0" cy="0"/>
+          <a:chOff x="0" y="0"/>
+          <a:chExt cx="0" cy="0"/>
+        </a:xfrm>
+      </p:grpSpPr>
+      <p:sp>
+        <p:nvSpPr>
+          <p:cNvPr id="2" name="Заголовок 1"/>
+          <p:cNvSpPr>
+            <a:spLocks noGrp="1"/>
+          </p:cNvSpPr>
+          <p:nvPr>
+            <p:ph type="title"/>
+          </p:nvPr>
+        </p:nvSpPr>
+        <p:spPr/>
+        <p:txBody>
+          <a:bodyPr/>
+          <a:lstStyle/>
+          <a:p>
+            <a:r>
+              <a:rPr lang="ru-RU" dirty="0" smtClean="0"/>
+              <a:t>Нотация</a:t>
+            </a:r>
+            <a:endParaRPr lang="ru-RU" dirty="0"/>
+          </a:p>
+        </p:txBody>
+      </p:sp>
+      <mc:AlternateContent xmlns:mc="http://schemas.openxmlformats.org/markup-compatibility/2006" xmlns:a14="http://schemas.microsoft.com/office/drawing/2010/main">
+        <mc:Choice Requires="a14">
+          <p:sp>
+            <p:nvSpPr>
+              <p:cNvPr id="3" name="Объект 2"/>
+              <p:cNvSpPr>
+                <a:spLocks noGrp="1"/>
+              </p:cNvSpPr>
+              <p:nvPr>
+                <p:ph idx="1"/>
+              </p:nvPr>
+            </p:nvSpPr>
+            <p:spPr/>
+            <p:txBody>
+              <a:bodyPr>
+                <a:normAutofit/>
+              </a:bodyPr>
+              <a:lstStyle/>
+              <a:p>
+                <a:pPr marL="0" indent="0">
+                  <a:buNone/>
+                </a:pPr>
+                <a14:m>
+                  <m:oMath xmlns:m="http://schemas.openxmlformats.org/officeDocument/2006/math">
+                    <m:r>
+                      <a:rPr lang="en-US" b="0" i="1" smtClean="0">
+                        <a:latin typeface="Cambria Math" panose="02040503050406030204" pitchFamily="18" charset="0"/>
+                      </a:rPr>
+                      <m:t>𝑥</m:t>
+                    </m:r>
+                    <m:sSub>
+                      <m:sSubPr>
+                        <m:ctrlPr>
+                          <a:rPr lang="en-US" b="0" i="1" smtClean="0">
+                            <a:latin typeface="Cambria Math" panose="02040503050406030204" pitchFamily="18" charset="0"/>
+                          </a:rPr>
+                        </m:ctrlPr>
+                      </m:sSubPr>
+                      <m:e>
+                        <m:r>
+                          <a:rPr lang="en-US" b="0" i="1" smtClean="0">
+                            <a:latin typeface="Cambria Math" panose="02040503050406030204" pitchFamily="18" charset="0"/>
+                          </a:rPr>
+                          <m:t>∈</m:t>
+                        </m:r>
+                      </m:e>
+                      <m:sub>
+                        <m:r>
+                          <a:rPr lang="en-US" b="0" i="1" smtClean="0">
+                            <a:latin typeface="Cambria Math" panose="02040503050406030204" pitchFamily="18" charset="0"/>
+                          </a:rPr>
+                          <m:t>𝑅</m:t>
+                        </m:r>
+                      </m:sub>
+                    </m:sSub>
+                    <m:r>
+                      <a:rPr lang="en-US" b="0" i="1" smtClean="0">
+                        <a:latin typeface="Cambria Math" panose="02040503050406030204" pitchFamily="18" charset="0"/>
+                      </a:rPr>
+                      <m:t>𝑋</m:t>
+                    </m:r>
+                  </m:oMath>
+                </a14:m>
+                <a:r>
+                  <a:rPr lang="ru-RU" b="0" dirty="0" smtClean="0"/>
+                  <a:t> - </a:t>
+                </a:r>
+                <a14:m>
+                  <m:oMath xmlns:m="http://schemas.openxmlformats.org/officeDocument/2006/math">
+                    <m:r>
+                      <a:rPr lang="en-US" b="0" i="1" smtClean="0">
+                        <a:latin typeface="Cambria Math" panose="02040503050406030204" pitchFamily="18" charset="0"/>
+                      </a:rPr>
+                      <m:t>𝑥</m:t>
+                    </m:r>
+                    <m:r>
+                      <a:rPr lang="en-US" b="0" i="1" smtClean="0">
+                        <a:latin typeface="Cambria Math" panose="02040503050406030204" pitchFamily="18" charset="0"/>
+                      </a:rPr>
+                      <m:t>∈</m:t>
+                    </m:r>
+                    <m:r>
+                      <a:rPr lang="en-US" b="0" i="1" smtClean="0">
+                        <a:latin typeface="Cambria Math" panose="02040503050406030204" pitchFamily="18" charset="0"/>
+                      </a:rPr>
+                      <m:t>𝑋</m:t>
+                    </m:r>
+                  </m:oMath>
+                </a14:m>
+                <a:r>
+                  <a:rPr lang="ru-RU" b="0" dirty="0" smtClean="0"/>
+                  <a:t>, </a:t>
+                </a:r>
+                <a:r>
+                  <a:rPr lang="ru-RU" dirty="0" smtClean="0"/>
+                  <a:t>выбранный случайно равновероятно</a:t>
+                </a:r>
+                <a:r>
+                  <a:rPr lang="en-US" dirty="0" smtClean="0"/>
+                  <a:t> (</a:t>
+                </a:r>
+                <a:r>
+                  <a:rPr lang="ru-RU" dirty="0" smtClean="0"/>
+                  <a:t>если не указано явно иное распределение)</a:t>
+                </a:r>
+              </a:p>
+              <a:p>
+                <a:pPr marL="0" indent="0">
+                  <a:buNone/>
+                </a:pPr>
+                <a14:m>
+                  <m:oMath xmlns:m="http://schemas.openxmlformats.org/officeDocument/2006/math">
+                    <m:r>
+                      <a:rPr lang="en-US" b="0" i="1" smtClean="0">
+                        <a:latin typeface="Cambria Math" panose="02040503050406030204" pitchFamily="18" charset="0"/>
+                      </a:rPr>
+                      <m:t>𝑥</m:t>
+                    </m:r>
+                    <m:sSub>
+                      <m:sSubPr>
+                        <m:ctrlPr>
+                          <a:rPr lang="en-US" b="0" i="1" smtClean="0">
+                            <a:latin typeface="Cambria Math" panose="02040503050406030204" pitchFamily="18" charset="0"/>
+                          </a:rPr>
+                        </m:ctrlPr>
+                      </m:sSubPr>
+                      <m:e>
+                        <m:r>
+                          <a:rPr lang="en-US" b="0" i="1" smtClean="0">
+                            <a:latin typeface="Cambria Math" panose="02040503050406030204" pitchFamily="18" charset="0"/>
+                          </a:rPr>
+                          <m:t>←</m:t>
+                        </m:r>
+                      </m:e>
+                      <m:sub>
+                        <m:r>
+                          <a:rPr lang="en-US" b="0" i="1" smtClean="0">
+                            <a:latin typeface="Cambria Math" panose="02040503050406030204" pitchFamily="18" charset="0"/>
+                          </a:rPr>
+                          <m:t>𝑅</m:t>
+                        </m:r>
+                      </m:sub>
+                    </m:sSub>
+                    <m:r>
+                      <a:rPr lang="en-US" b="0" i="1" smtClean="0">
+                        <a:latin typeface="Cambria Math" panose="02040503050406030204" pitchFamily="18" charset="0"/>
+                      </a:rPr>
+                      <m:t>𝑋</m:t>
+                    </m:r>
+                  </m:oMath>
+                </a14:m>
+                <a:r>
+                  <a:rPr lang="ru-RU" b="0" dirty="0" smtClean="0"/>
+                  <a:t> – выбор случайного равновероятного </a:t>
+                </a:r>
+                <a14:m>
+                  <m:oMath xmlns:m="http://schemas.openxmlformats.org/officeDocument/2006/math">
+                    <m:r>
+                      <a:rPr lang="en-US" i="1">
+                        <a:latin typeface="Cambria Math" panose="02040503050406030204" pitchFamily="18" charset="0"/>
+                      </a:rPr>
+                      <m:t>𝑥</m:t>
+                    </m:r>
+                    <m:r>
+                      <a:rPr lang="en-US" i="1">
+                        <a:latin typeface="Cambria Math" panose="02040503050406030204" pitchFamily="18" charset="0"/>
+                      </a:rPr>
+                      <m:t>∈</m:t>
+                    </m:r>
+                    <m:r>
+                      <a:rPr lang="en-US" i="1">
+                        <a:latin typeface="Cambria Math" panose="02040503050406030204" pitchFamily="18" charset="0"/>
+                      </a:rPr>
+                      <m:t>𝑋</m:t>
+                    </m:r>
+                  </m:oMath>
+                </a14:m>
+                <a:r>
+                  <a:rPr lang="ru-RU" b="0" dirty="0" smtClean="0"/>
+                  <a:t> </a:t>
+                </a:r>
+                <a:r>
+                  <a:rPr lang="en-US" dirty="0"/>
+                  <a:t>(</a:t>
+                </a:r>
+                <a:r>
+                  <a:rPr lang="ru-RU" dirty="0"/>
+                  <a:t>если не указано явно иное распределение)</a:t>
+                </a:r>
+                <a:endParaRPr lang="en-US" b="0" dirty="0" smtClean="0"/>
+              </a:p>
+              <a:p>
+                <a:pPr marL="0" indent="0">
+                  <a:buNone/>
+                </a:pPr>
+                <a:endParaRPr lang="en-US" dirty="0"/>
+              </a:p>
+              <a:p>
+                <a:pPr marL="0" indent="0">
+                  <a:buNone/>
+                </a:pPr>
+                <a14:m>
+                  <m:oMath xmlns:m="http://schemas.openxmlformats.org/officeDocument/2006/math">
+                    <m:r>
+                      <m:rPr>
+                        <m:sty m:val="p"/>
+                      </m:rPr>
+                      <a:rPr lang="en-US" b="0" i="0" smtClean="0">
+                        <a:latin typeface="Cambria Math" panose="02040503050406030204" pitchFamily="18" charset="0"/>
+                      </a:rPr>
+                      <m:t>Pr</m:t>
+                    </m:r>
+                    <m:r>
+                      <a:rPr lang="en-US" b="0" i="1" smtClean="0">
+                        <a:latin typeface="Cambria Math" panose="02040503050406030204" pitchFamily="18" charset="0"/>
+                      </a:rPr>
+                      <m:t>⁡[</m:t>
+                    </m:r>
+                    <m:r>
+                      <a:rPr lang="en-US" b="0" i="1" smtClean="0">
+                        <a:latin typeface="Cambria Math" panose="02040503050406030204" pitchFamily="18" charset="0"/>
+                      </a:rPr>
+                      <m:t>𝑊</m:t>
+                    </m:r>
+                    <m:r>
+                      <a:rPr lang="en-US" b="0" i="1" smtClean="0">
+                        <a:latin typeface="Cambria Math" panose="02040503050406030204" pitchFamily="18" charset="0"/>
+                      </a:rPr>
+                      <m:t>]</m:t>
+                    </m:r>
+                  </m:oMath>
+                </a14:m>
+                <a:r>
+                  <a:rPr lang="ru-RU" b="0" dirty="0" smtClean="0"/>
+                  <a:t> – вероятность события </a:t>
+                </a:r>
+                <a14:m>
+                  <m:oMath xmlns:m="http://schemas.openxmlformats.org/officeDocument/2006/math">
+                    <m:r>
+                      <a:rPr lang="en-US" b="0" i="1" smtClean="0">
+                        <a:latin typeface="Cambria Math" panose="02040503050406030204" pitchFamily="18" charset="0"/>
+                      </a:rPr>
+                      <m:t>𝑊</m:t>
+                    </m:r>
+                  </m:oMath>
+                </a14:m>
+                <a:endParaRPr lang="en-US" dirty="0" smtClean="0"/>
+              </a:p>
+              <a:p>
+                <a:pPr marL="0" indent="0">
+                  <a:buNone/>
+                </a:pPr>
+                <a:endParaRPr lang="en-US" dirty="0"/>
+              </a:p>
+              <a:p>
+                <a:pPr marL="0" indent="0">
+                  <a:buNone/>
+                </a:pPr>
+                <a:r>
+                  <a:rPr lang="ru-RU" dirty="0" smtClean="0"/>
+                  <a:t>О.Т. (</a:t>
+                </a:r>
+                <a:r>
+                  <a:rPr lang="en-US" dirty="0" smtClean="0"/>
+                  <a:t>P.T.</a:t>
+                </a:r>
+                <a:r>
+                  <a:rPr lang="ru-RU" dirty="0" smtClean="0"/>
+                  <a:t>)</a:t>
+                </a:r>
+                <a:r>
+                  <a:rPr lang="en-US" dirty="0" smtClean="0"/>
+                  <a:t> – </a:t>
+                </a:r>
+                <a:r>
+                  <a:rPr lang="ru-RU" dirty="0" smtClean="0"/>
+                  <a:t>Открытый текст (</a:t>
+                </a:r>
+                <a:r>
+                  <a:rPr lang="en-US" dirty="0" smtClean="0"/>
+                  <a:t>Plain Text)</a:t>
+                </a:r>
+              </a:p>
+              <a:p>
+                <a:pPr marL="0" indent="0">
+                  <a:buNone/>
+                </a:pPr>
+                <a:r>
+                  <a:rPr lang="ru-RU" dirty="0" smtClean="0"/>
+                  <a:t>Ш.Т (</a:t>
+                </a:r>
+                <a:r>
+                  <a:rPr lang="en-US" dirty="0" smtClean="0"/>
+                  <a:t>C.T.) </a:t>
+                </a:r>
+                <a:r>
+                  <a:rPr lang="ru-RU" dirty="0" smtClean="0"/>
+                  <a:t>– </a:t>
+                </a:r>
+                <a:r>
+                  <a:rPr lang="ru-RU" dirty="0" err="1" smtClean="0"/>
+                  <a:t>Шифртекст</a:t>
+                </a:r>
+                <a:r>
+                  <a:rPr lang="ru-RU" dirty="0" smtClean="0"/>
+                  <a:t> (</a:t>
+                </a:r>
+                <a:r>
+                  <a:rPr lang="en-US" dirty="0" smtClean="0"/>
+                  <a:t>Cipher Text)</a:t>
+                </a:r>
+                <a:endParaRPr lang="en-US" b="0" dirty="0" smtClean="0"/>
+              </a:p>
+            </p:txBody>
+          </p:sp>
+        </mc:Choice>
+        <mc:Fallback xmlns="">
+          <p:sp>
+            <p:nvSpPr>
+              <p:cNvPr id="3" name="Объект 2"/>
+              <p:cNvSpPr>
+                <a:spLocks noGrp="1" noRot="1" noChangeAspect="1" noMove="1" noResize="1" noEditPoints="1" noAdjustHandles="1" noChangeArrowheads="1" noChangeShapeType="1" noTextEdit="1"/>
+              </p:cNvSpPr>
+              <p:nvPr>
+                <p:ph idx="1"/>
+              </p:nvPr>
+            </p:nvSpPr>
+            <p:spPr>
+              <a:blipFill>
+                <a:blip r:embed="rId2"/>
+                <a:stretch>
+                  <a:fillRect l="-1043" t="-2101"/>
+                </a:stretch>
+              </a:blipFill>
+            </p:spPr>
+            <p:txBody>
+              <a:bodyPr/>
+              <a:lstStyle/>
+              <a:p>
+                <a:r>
+                  <a:rPr lang="ru-RU">
+                    <a:noFill/>
+                  </a:rPr>
+                  <a:t> </a:t>
+                </a:r>
+              </a:p>
+            </p:txBody>
+          </p:sp>
+        </mc:Fallback>
+      </mc:AlternateContent>
+      <p:sp>
+        <p:nvSpPr>
+          <p:cNvPr id="4" name="Номер слайда 3"/>
+          <p:cNvSpPr>
+            <a:spLocks noGrp="1"/>
+          </p:cNvSpPr>
+          <p:nvPr>
+            <p:ph type="sldNum" sz="quarter" idx="12"/>
+          </p:nvPr>
+        </p:nvSpPr>
+        <p:spPr/>
+        <p:txBody>
+          <a:bodyPr/>
+          <a:lstStyle/>
+          <a:p>
+            <a:fld id="{8253DDDB-F8F7-4D64-A7FD-3F3D61C1949F}" type="slidenum">
+              <a:rPr lang="ru-RU" smtClean="0"/>
+              <a:t>24</a:t>
+            </a:fld>
+            <a:endParaRPr lang="ru-RU"/>
+          </a:p>
+        </p:txBody>
+      </p:sp>
+    </p:spTree>
+    <p:extLst>
+      <p:ext uri="{BB962C8B-B14F-4D97-AF65-F5344CB8AC3E}">
         <p14:creationId xmlns:p14="http://schemas.microsoft.com/office/powerpoint/2010/main" val="3842635312"/>
       </p:ext>
     </p:extLst>
@@ -11838,7 +12104,7 @@
 </p:sld>
 </file>
 
-<file path=ppt/slides/slide24.xml><?xml version="1.0" encoding="utf-8"?>
+<file path=ppt/slides/slide25.xml><?xml version="1.0" encoding="utf-8"?>
 <p:sld xmlns:a="http://schemas.openxmlformats.org/drawingml/2006/main" xmlns:r="http://schemas.openxmlformats.org/officeDocument/2006/relationships" xmlns:p="http://schemas.openxmlformats.org/presentationml/2006/main">
   <p:cSld>
     <p:spTree>
@@ -12784,7 +13050,7 @@
           <a:p>
             <a:fld id="{8253DDDB-F8F7-4D64-A7FD-3F3D61C1949F}" type="slidenum">
               <a:rPr lang="ru-RU" smtClean="0"/>
-              <a:t>24</a:t>
+              <a:t>25</a:t>
             </a:fld>
             <a:endParaRPr lang="ru-RU"/>
           </a:p>
@@ -12810,7 +13076,7 @@
 </p:sld>
 </file>
 
-<file path=ppt/slides/slide25.xml><?xml version="1.0" encoding="utf-8"?>
+<file path=ppt/slides/slide26.xml><?xml version="1.0" encoding="utf-8"?>
 <p:sld xmlns:a="http://schemas.openxmlformats.org/drawingml/2006/main" xmlns:r="http://schemas.openxmlformats.org/officeDocument/2006/relationships" xmlns:p="http://schemas.openxmlformats.org/presentationml/2006/main">
   <p:cSld>
     <p:spTree>
@@ -13920,7 +14186,7 @@
           <a:p>
             <a:fld id="{8253DDDB-F8F7-4D64-A7FD-3F3D61C1949F}" type="slidenum">
               <a:rPr lang="ru-RU" smtClean="0"/>
-              <a:t>25</a:t>
+              <a:t>26</a:t>
             </a:fld>
             <a:endParaRPr lang="ru-RU"/>
           </a:p>
@@ -13946,7 +14212,7 @@
 </p:sld>
 </file>
 
-<file path=ppt/slides/slide26.xml><?xml version="1.0" encoding="utf-8"?>
+<file path=ppt/slides/slide27.xml><?xml version="1.0" encoding="utf-8"?>
 <p:sld xmlns:a="http://schemas.openxmlformats.org/drawingml/2006/main" xmlns:r="http://schemas.openxmlformats.org/officeDocument/2006/relationships" xmlns:p="http://schemas.openxmlformats.org/presentationml/2006/main">
   <p:cSld>
     <p:spTree>
@@ -15375,7 +15641,7 @@
           <a:p>
             <a:fld id="{8253DDDB-F8F7-4D64-A7FD-3F3D61C1949F}" type="slidenum">
               <a:rPr lang="ru-RU" smtClean="0"/>
-              <a:t>26</a:t>
+              <a:t>27</a:t>
             </a:fld>
             <a:endParaRPr lang="ru-RU"/>
           </a:p>
@@ -15401,7 +15667,7 @@
 </p:sld>
 </file>
 
-<file path=ppt/slides/slide27.xml><?xml version="1.0" encoding="utf-8"?>
+<file path=ppt/slides/slide28.xml><?xml version="1.0" encoding="utf-8"?>
 <p:sld xmlns:a="http://schemas.openxmlformats.org/drawingml/2006/main" xmlns:r="http://schemas.openxmlformats.org/officeDocument/2006/relationships" xmlns:p="http://schemas.openxmlformats.org/presentationml/2006/main">
   <p:cSld>
     <p:spTree>
@@ -16301,7 +16567,7 @@
           <a:p>
             <a:fld id="{8253DDDB-F8F7-4D64-A7FD-3F3D61C1949F}" type="slidenum">
               <a:rPr lang="ru-RU" smtClean="0"/>
-              <a:t>27</a:t>
+              <a:t>28</a:t>
             </a:fld>
             <a:endParaRPr lang="ru-RU"/>
           </a:p>
@@ -16327,7 +16593,7 @@
 </p:sld>
 </file>
 
-<file path=ppt/slides/slide28.xml><?xml version="1.0" encoding="utf-8"?>
+<file path=ppt/slides/slide29.xml><?xml version="1.0" encoding="utf-8"?>
 <p:sld xmlns:a="http://schemas.openxmlformats.org/drawingml/2006/main" xmlns:r="http://schemas.openxmlformats.org/officeDocument/2006/relationships" xmlns:p="http://schemas.openxmlformats.org/presentationml/2006/main">
   <p:cSld>
     <p:spTree>
@@ -16492,7 +16758,7 @@
           <a:p>
             <a:fld id="{8253DDDB-F8F7-4D64-A7FD-3F3D61C1949F}" type="slidenum">
               <a:rPr lang="ru-RU" smtClean="0"/>
-              <a:t>28</a:t>
+              <a:t>29</a:t>
             </a:fld>
             <a:endParaRPr lang="ru-RU"/>
           </a:p>
@@ -17142,352 +17408,6 @@
 </p:sld>
 </file>
 
-<file path=ppt/slides/slide29.xml><?xml version="1.0" encoding="utf-8"?>
-<p:sld xmlns:a="http://schemas.openxmlformats.org/drawingml/2006/main" xmlns:r="http://schemas.openxmlformats.org/officeDocument/2006/relationships" xmlns:p="http://schemas.openxmlformats.org/presentationml/2006/main">
-  <p:cSld>
-    <p:spTree>
-      <p:nvGrpSpPr>
-        <p:cNvPr id="1" name=""/>
-        <p:cNvGrpSpPr/>
-        <p:nvPr/>
-      </p:nvGrpSpPr>
-      <p:grpSpPr>
-        <a:xfrm>
-          <a:off x="0" y="0"/>
-          <a:ext cx="0" cy="0"/>
-          <a:chOff x="0" y="0"/>
-          <a:chExt cx="0" cy="0"/>
-        </a:xfrm>
-      </p:grpSpPr>
-      <p:sp>
-        <p:nvSpPr>
-          <p:cNvPr id="2" name="Заголовок 1"/>
-          <p:cNvSpPr>
-            <a:spLocks noGrp="1"/>
-          </p:cNvSpPr>
-          <p:nvPr>
-            <p:ph type="title"/>
-          </p:nvPr>
-        </p:nvSpPr>
-        <p:spPr/>
-        <p:txBody>
-          <a:bodyPr/>
-          <a:lstStyle/>
-          <a:p>
-            <a:r>
-              <a:rPr lang="ru-RU" dirty="0" smtClean="0"/>
-              <a:t>Понятие стойкости</a:t>
-            </a:r>
-            <a:endParaRPr lang="ru-RU" dirty="0"/>
-          </a:p>
-        </p:txBody>
-      </p:sp>
-      <mc:AlternateContent xmlns:mc="http://schemas.openxmlformats.org/markup-compatibility/2006" xmlns:a14="http://schemas.microsoft.com/office/drawing/2010/main">
-        <mc:Choice Requires="a14">
-          <p:sp>
-            <p:nvSpPr>
-              <p:cNvPr id="3" name="Объект 2"/>
-              <p:cNvSpPr>
-                <a:spLocks noGrp="1"/>
-              </p:cNvSpPr>
-              <p:nvPr>
-                <p:ph idx="1"/>
-              </p:nvPr>
-            </p:nvSpPr>
-            <p:spPr/>
-            <p:txBody>
-              <a:bodyPr>
-                <a:normAutofit lnSpcReduction="10000"/>
-              </a:bodyPr>
-              <a:lstStyle/>
-              <a:p>
-                <a:pPr marL="0" indent="0">
-                  <a:buNone/>
-                </a:pPr>
-                <a:r>
-                  <a:rPr lang="ru-RU" dirty="0" smtClean="0"/>
-                  <a:t>Очевидный вопрос – что понимать под стойкостью шифра?</a:t>
-                </a:r>
-              </a:p>
-              <a:p>
-                <a:pPr marL="0" indent="0">
-                  <a:buNone/>
-                </a:pPr>
-                <a:endParaRPr lang="ru-RU" dirty="0"/>
-              </a:p>
-              <a:p>
-                <a:pPr marL="0" indent="0">
-                  <a:buNone/>
-                </a:pPr>
-                <a:r>
-                  <a:rPr lang="ru-RU" dirty="0" smtClean="0"/>
-                  <a:t>Стойкость – метрика качества шифра.</a:t>
-                </a:r>
-              </a:p>
-              <a:p>
-                <a:pPr marL="0" indent="0">
-                  <a:buNone/>
-                </a:pPr>
-                <a:endParaRPr lang="ru-RU" dirty="0" smtClean="0"/>
-              </a:p>
-              <a:p>
-                <a:r>
-                  <a:rPr lang="ru-RU" dirty="0" smtClean="0"/>
-                  <a:t>Попытка 1</a:t>
-                </a:r>
-                <a:r>
-                  <a:rPr lang="en-US" dirty="0" smtClean="0"/>
-                  <a:t>: </a:t>
-                </a:r>
-                <a:r>
-                  <a:rPr lang="ru-RU" dirty="0" smtClean="0"/>
-                  <a:t>размер ключа </a:t>
-                </a:r>
-              </a:p>
-              <a:p>
-                <a:pPr lvl="1"/>
-                <a:r>
-                  <a:rPr lang="ru-RU" dirty="0" smtClean="0"/>
-                  <a:t>Чем больше ключ, тем сложнее перебрать все возможные варианты. Длина ключа как параметр стойкости.</a:t>
-                </a:r>
-              </a:p>
-              <a:p>
-                <a:pPr lvl="1"/>
-                <a:r>
-                  <a:rPr lang="ru-RU" dirty="0" smtClean="0"/>
-                  <a:t>Но возможны и другие атаки, кроме перебора, например частотный анализ</a:t>
-                </a:r>
-              </a:p>
-              <a:p>
-                <a:pPr lvl="1"/>
-                <a:r>
-                  <a:rPr lang="ru-RU" dirty="0" smtClean="0"/>
-                  <a:t>Пример – шифр подстановки, </a:t>
-                </a:r>
-                <a14:m>
-                  <m:oMath xmlns:m="http://schemas.openxmlformats.org/officeDocument/2006/math">
-                    <m:d>
-                      <m:dPr>
-                        <m:begChr m:val="|"/>
-                        <m:endChr m:val="|"/>
-                        <m:ctrlPr>
-                          <a:rPr lang="en-US" b="0" i="1" smtClean="0">
-                            <a:latin typeface="Cambria Math" panose="02040503050406030204" pitchFamily="18" charset="0"/>
-                          </a:rPr>
-                        </m:ctrlPr>
-                      </m:dPr>
-                      <m:e>
-                        <m:r>
-                          <m:rPr>
-                            <m:sty m:val="p"/>
-                          </m:rPr>
-                          <a:rPr lang="ru-RU" b="0" i="0" smtClean="0">
-                            <a:latin typeface="Cambria Math" panose="02040503050406030204" pitchFamily="18" charset="0"/>
-                          </a:rPr>
-                          <m:t>Σ</m:t>
-                        </m:r>
-                      </m:e>
-                    </m:d>
-                    <m:r>
-                      <a:rPr lang="en-US" b="0" i="0" smtClean="0">
-                        <a:latin typeface="Cambria Math" panose="02040503050406030204" pitchFamily="18" charset="0"/>
-                      </a:rPr>
-                      <m:t>=27</m:t>
-                    </m:r>
-                  </m:oMath>
-                </a14:m>
-                <a:r>
-                  <a:rPr lang="en-US" dirty="0" smtClean="0"/>
-                  <a:t>, </a:t>
-                </a:r>
-                <a14:m>
-                  <m:oMath xmlns:m="http://schemas.openxmlformats.org/officeDocument/2006/math">
-                    <m:r>
-                      <a:rPr lang="en-US" b="0" i="1" smtClean="0">
-                        <a:latin typeface="Cambria Math" panose="02040503050406030204" pitchFamily="18" charset="0"/>
-                      </a:rPr>
-                      <m:t>𝐾</m:t>
-                    </m:r>
-                    <m:r>
-                      <a:rPr lang="en-US" b="0" i="1" smtClean="0">
-                        <a:latin typeface="Cambria Math" panose="02040503050406030204" pitchFamily="18" charset="0"/>
-                      </a:rPr>
-                      <m:t>=</m:t>
-                    </m:r>
-                    <m:r>
-                      <a:rPr lang="en-US" b="0" i="1" smtClean="0">
-                        <a:latin typeface="Cambria Math" panose="02040503050406030204" pitchFamily="18" charset="0"/>
-                      </a:rPr>
-                      <m:t>𝑆</m:t>
-                    </m:r>
-                    <m:d>
-                      <m:dPr>
-                        <m:ctrlPr>
-                          <a:rPr lang="en-US" b="0" i="1" smtClean="0">
-                            <a:latin typeface="Cambria Math" panose="02040503050406030204" pitchFamily="18" charset="0"/>
-                          </a:rPr>
-                        </m:ctrlPr>
-                      </m:dPr>
-                      <m:e>
-                        <m:r>
-                          <m:rPr>
-                            <m:sty m:val="p"/>
-                          </m:rPr>
-                          <a:rPr lang="en-US" b="0" i="0" smtClean="0">
-                            <a:latin typeface="Cambria Math" panose="02040503050406030204" pitchFamily="18" charset="0"/>
-                          </a:rPr>
-                          <m:t>Σ</m:t>
-                        </m:r>
-                      </m:e>
-                    </m:d>
-                    <m:r>
-                      <a:rPr lang="en-US" b="0" i="1" smtClean="0">
-                        <a:latin typeface="Cambria Math" panose="02040503050406030204" pitchFamily="18" charset="0"/>
-                      </a:rPr>
-                      <m:t>:</m:t>
-                    </m:r>
-                    <m:d>
-                      <m:dPr>
-                        <m:begChr m:val="|"/>
-                        <m:endChr m:val="|"/>
-                        <m:ctrlPr>
-                          <a:rPr lang="en-US" b="0" i="1" smtClean="0">
-                            <a:latin typeface="Cambria Math" panose="02040503050406030204" pitchFamily="18" charset="0"/>
-                          </a:rPr>
-                        </m:ctrlPr>
-                      </m:dPr>
-                      <m:e>
-                        <m:r>
-                          <a:rPr lang="en-US" b="0" i="1" smtClean="0">
-                            <a:latin typeface="Cambria Math" panose="02040503050406030204" pitchFamily="18" charset="0"/>
-                          </a:rPr>
-                          <m:t>𝐾</m:t>
-                        </m:r>
-                      </m:e>
-                    </m:d>
-                    <m:r>
-                      <a:rPr lang="en-US" i="1">
-                        <a:latin typeface="Cambria Math" panose="02040503050406030204" pitchFamily="18" charset="0"/>
-                        <a:ea typeface="Cambria Math" panose="02040503050406030204" pitchFamily="18" charset="0"/>
-                      </a:rPr>
-                      <m:t>~</m:t>
-                    </m:r>
-                    <m:sSup>
-                      <m:sSupPr>
-                        <m:ctrlPr>
-                          <a:rPr lang="en-US" b="0" i="1" smtClean="0">
-                            <a:latin typeface="Cambria Math" panose="02040503050406030204" pitchFamily="18" charset="0"/>
-                            <a:ea typeface="Cambria Math" panose="02040503050406030204" pitchFamily="18" charset="0"/>
-                          </a:rPr>
-                        </m:ctrlPr>
-                      </m:sSupPr>
-                      <m:e>
-                        <m:r>
-                          <a:rPr lang="en-US" b="0" i="1" smtClean="0">
-                            <a:latin typeface="Cambria Math" panose="02040503050406030204" pitchFamily="18" charset="0"/>
-                            <a:ea typeface="Cambria Math" panose="02040503050406030204" pitchFamily="18" charset="0"/>
-                          </a:rPr>
-                          <m:t>10</m:t>
-                        </m:r>
-                      </m:e>
-                      <m:sup>
-                        <m:r>
-                          <a:rPr lang="en-US" b="0" i="1" smtClean="0">
-                            <a:latin typeface="Cambria Math" panose="02040503050406030204" pitchFamily="18" charset="0"/>
-                            <a:ea typeface="Cambria Math" panose="02040503050406030204" pitchFamily="18" charset="0"/>
-                          </a:rPr>
-                          <m:t>28</m:t>
-                        </m:r>
-                      </m:sup>
-                    </m:sSup>
-                  </m:oMath>
-                </a14:m>
-                <a:r>
-                  <a:rPr lang="ru-RU" dirty="0" smtClean="0"/>
-                  <a:t>, но возможна полиномиальная частотная атака</a:t>
-                </a:r>
-                <a:endParaRPr lang="ru-RU" dirty="0"/>
-              </a:p>
-            </p:txBody>
-          </p:sp>
-        </mc:Choice>
-        <mc:Fallback xmlns="">
-          <p:sp>
-            <p:nvSpPr>
-              <p:cNvPr id="3" name="Объект 2"/>
-              <p:cNvSpPr>
-                <a:spLocks noGrp="1" noRot="1" noChangeAspect="1" noMove="1" noResize="1" noEditPoints="1" noAdjustHandles="1" noChangeArrowheads="1" noChangeShapeType="1" noTextEdit="1"/>
-              </p:cNvSpPr>
-              <p:nvPr>
-                <p:ph idx="1"/>
-              </p:nvPr>
-            </p:nvSpPr>
-            <p:spPr>
-              <a:blipFill>
-                <a:blip r:embed="rId2"/>
-                <a:stretch>
-                  <a:fillRect l="-1043" t="-2801" r="-986"/>
-                </a:stretch>
-              </a:blipFill>
-            </p:spPr>
-            <p:txBody>
-              <a:bodyPr/>
-              <a:lstStyle/>
-              <a:p>
-                <a:r>
-                  <a:rPr lang="ru-RU">
-                    <a:noFill/>
-                  </a:rPr>
-                  <a:t> </a:t>
-                </a:r>
-              </a:p>
-            </p:txBody>
-          </p:sp>
-        </mc:Fallback>
-      </mc:AlternateContent>
-      <p:sp>
-        <p:nvSpPr>
-          <p:cNvPr id="4" name="Номер слайда 3"/>
-          <p:cNvSpPr>
-            <a:spLocks noGrp="1"/>
-          </p:cNvSpPr>
-          <p:nvPr>
-            <p:ph type="sldNum" sz="quarter" idx="12"/>
-          </p:nvPr>
-        </p:nvSpPr>
-        <p:spPr/>
-        <p:txBody>
-          <a:bodyPr/>
-          <a:lstStyle/>
-          <a:p>
-            <a:fld id="{8253DDDB-F8F7-4D64-A7FD-3F3D61C1949F}" type="slidenum">
-              <a:rPr lang="ru-RU" smtClean="0"/>
-              <a:t>29</a:t>
-            </a:fld>
-            <a:endParaRPr lang="ru-RU"/>
-          </a:p>
-        </p:txBody>
-      </p:sp>
-    </p:spTree>
-    <p:extLst>
-      <p:ext uri="{BB962C8B-B14F-4D97-AF65-F5344CB8AC3E}">
-        <p14:creationId xmlns:p14="http://schemas.microsoft.com/office/powerpoint/2010/main" val="2786006101"/>
-      </p:ext>
-    </p:extLst>
-  </p:cSld>
-  <p:clrMapOvr>
-    <a:masterClrMapping/>
-  </p:clrMapOvr>
-  <p:timing>
-    <p:tnLst>
-      <p:par>
-        <p:cTn id="1" dur="indefinite" restart="never" nodeType="tmRoot"/>
-      </p:par>
-    </p:tnLst>
-  </p:timing>
-</p:sld>
-</file>
-
 <file path=ppt/slides/slide3.xml><?xml version="1.0" encoding="utf-8"?>
 <p:sld xmlns:a="http://schemas.openxmlformats.org/drawingml/2006/main" xmlns:r="http://schemas.openxmlformats.org/officeDocument/2006/relationships" xmlns:p="http://schemas.openxmlformats.org/presentationml/2006/main">
   <p:cSld>
@@ -17553,7 +17473,7 @@
       </p:sp>
       <p:pic>
         <p:nvPicPr>
-          <p:cNvPr id="5" name="Рисунок 4"/>
+          <p:cNvPr id="7" name="Рисунок 6"/>
           <p:cNvPicPr>
             <a:picLocks noChangeAspect="1"/>
           </p:cNvPicPr>
@@ -17567,141 +17487,7 @@
         </p:blipFill>
         <p:spPr>
           <a:xfrm>
-            <a:off x="1783006" y="2186109"/>
-            <a:ext cx="2066925" cy="2028825"/>
-          </a:xfrm>
-          <a:prstGeom prst="rect">
-            <a:avLst/>
-          </a:prstGeom>
-        </p:spPr>
-      </p:pic>
-      <mc:AlternateContent xmlns:mc="http://schemas.openxmlformats.org/markup-compatibility/2006" xmlns:a14="http://schemas.microsoft.com/office/drawing/2010/main">
-        <mc:Choice Requires="a14">
-          <p:sp>
-            <p:nvSpPr>
-              <p:cNvPr id="6" name="TextBox 5"/>
-              <p:cNvSpPr txBox="1"/>
-              <p:nvPr/>
-            </p:nvSpPr>
-            <p:spPr>
-              <a:xfrm>
-                <a:off x="1701644" y="4349871"/>
-                <a:ext cx="2229649" cy="923330"/>
-              </a:xfrm>
-              <a:prstGeom prst="rect">
-                <a:avLst/>
-              </a:prstGeom>
-              <a:noFill/>
-            </p:spPr>
-            <p:txBody>
-              <a:bodyPr wrap="none" rtlCol="0">
-                <a:spAutoFit/>
-              </a:bodyPr>
-              <a:lstStyle/>
-              <a:p>
-                <a:pPr algn="ctr"/>
-                <a:r>
-                  <a:rPr lang="en-US" dirty="0">
-                    <a:hlinkClick r:id="rId3"/>
-                  </a:rPr>
-                  <a:t>https://</a:t>
-                </a:r>
-                <a:r>
-                  <a:rPr lang="en-US" dirty="0" smtClean="0">
-                    <a:hlinkClick r:id="rId3"/>
-                  </a:rPr>
-                  <a:t>vk.com/zmacr</a:t>
-                </a:r>
-                <a:endParaRPr lang="ru-RU" dirty="0"/>
-              </a:p>
-              <a:p>
-                <a:pPr algn="ctr"/>
-                <a:r>
-                  <a:rPr lang="en-US" dirty="0" smtClean="0"/>
-                  <a:t>vk.com</a:t>
-                </a:r>
-              </a:p>
-              <a:p>
-                <a:pPr algn="ctr"/>
-                <a:r>
-                  <a:rPr lang="en-US" dirty="0" smtClean="0"/>
-                  <a:t>(</a:t>
-                </a:r>
-                <a14:m>
-                  <m:oMath xmlns:m="http://schemas.openxmlformats.org/officeDocument/2006/math">
-                    <m:r>
-                      <a:rPr lang="en-US" b="0" i="1" smtClean="0">
-                        <a:latin typeface="Cambria Math" panose="02040503050406030204" pitchFamily="18" charset="0"/>
-                      </a:rPr>
-                      <m:t>∀</m:t>
-                    </m:r>
-                  </m:oMath>
-                </a14:m>
-                <a:r>
-                  <a:rPr lang="ru-RU" dirty="0" smtClean="0"/>
-                  <a:t>вопросы)</a:t>
-                </a:r>
-                <a:endParaRPr lang="ru-RU" dirty="0"/>
-              </a:p>
-            </p:txBody>
-          </p:sp>
-        </mc:Choice>
-        <mc:Fallback xmlns="">
-          <p:sp>
-            <p:nvSpPr>
-              <p:cNvPr id="6" name="TextBox 5"/>
-              <p:cNvSpPr txBox="1">
-                <a:spLocks noRot="1" noChangeAspect="1" noMove="1" noResize="1" noEditPoints="1" noAdjustHandles="1" noChangeArrowheads="1" noChangeShapeType="1" noTextEdit="1"/>
-              </p:cNvSpPr>
-              <p:nvPr/>
-            </p:nvSpPr>
-            <p:spPr>
-              <a:xfrm>
-                <a:off x="1701644" y="4349871"/>
-                <a:ext cx="2229649" cy="923330"/>
-              </a:xfrm>
-              <a:prstGeom prst="rect">
-                <a:avLst/>
-              </a:prstGeom>
-              <a:blipFill>
-                <a:blip r:embed="rId4"/>
-                <a:stretch>
-                  <a:fillRect l="-2186" t="-3974" r="-2186" b="-9934"/>
-                </a:stretch>
-              </a:blipFill>
-            </p:spPr>
-            <p:txBody>
-              <a:bodyPr/>
-              <a:lstStyle/>
-              <a:p>
-                <a:r>
-                  <a:rPr lang="ru-RU">
-                    <a:noFill/>
-                  </a:rPr>
-                  <a:t> </a:t>
-                </a:r>
-              </a:p>
-            </p:txBody>
-          </p:sp>
-        </mc:Fallback>
-      </mc:AlternateContent>
-      <p:pic>
-        <p:nvPicPr>
-          <p:cNvPr id="7" name="Рисунок 6"/>
-          <p:cNvPicPr>
-            <a:picLocks noChangeAspect="1"/>
-          </p:cNvPicPr>
-          <p:nvPr/>
-        </p:nvPicPr>
-        <p:blipFill>
-          <a:blip r:embed="rId5"/>
-          <a:stretch>
-            <a:fillRect/>
-          </a:stretch>
-        </p:blipFill>
-        <p:spPr>
-          <a:xfrm>
-            <a:off x="5146796" y="2128956"/>
+            <a:off x="1672076" y="2081332"/>
             <a:ext cx="2152650" cy="2143125"/>
           </a:xfrm>
           <a:prstGeom prst="rect">
@@ -17717,7 +17503,7 @@
         </p:nvSpPr>
         <p:spPr>
           <a:xfrm>
-            <a:off x="4798885" y="4349871"/>
+            <a:off x="1324165" y="4402062"/>
             <a:ext cx="2848472" cy="923330"/>
           </a:xfrm>
           <a:prstGeom prst="rect">
@@ -17734,13 +17520,13 @@
             <a:pPr algn="ctr"/>
             <a:r>
               <a:rPr lang="en-US" dirty="0">
-                <a:hlinkClick r:id="rId6"/>
+                <a:hlinkClick r:id="rId3"/>
               </a:rPr>
               <a:t>https://</a:t>
             </a:r>
             <a:r>
               <a:rPr lang="en-US" dirty="0" smtClean="0">
-                <a:hlinkClick r:id="rId6"/>
+                <a:hlinkClick r:id="rId3"/>
               </a:rPr>
               <a:t>discord.gg/Vb38A6H</a:t>
             </a:r>
@@ -17793,14 +17579,14 @@
           <p:nvPr/>
         </p:nvPicPr>
         <p:blipFill>
-          <a:blip r:embed="rId7"/>
+          <a:blip r:embed="rId4"/>
           <a:stretch>
             <a:fillRect/>
           </a:stretch>
         </p:blipFill>
         <p:spPr>
           <a:xfrm>
-            <a:off x="8596312" y="2176582"/>
+            <a:off x="7611170" y="2081451"/>
             <a:ext cx="2085975" cy="2047875"/>
           </a:xfrm>
           <a:prstGeom prst="rect">
@@ -17818,7 +17604,7 @@
             </p:nvSpPr>
             <p:spPr>
               <a:xfrm>
-                <a:off x="8654158" y="4349871"/>
+                <a:off x="7669015" y="4402062"/>
                 <a:ext cx="1970283" cy="923330"/>
               </a:xfrm>
               <a:prstGeom prst="rect">
@@ -17835,25 +17621,24 @@
                 <a:pPr algn="ctr"/>
                 <a:r>
                   <a:rPr lang="en-US" dirty="0">
-                    <a:hlinkClick r:id="rId8"/>
+                    <a:hlinkClick r:id="rId5"/>
                   </a:rPr>
                   <a:t>https://</a:t>
                 </a:r>
                 <a:r>
                   <a:rPr lang="en-US" dirty="0" smtClean="0">
-                    <a:hlinkClick r:id="rId8"/>
+                    <a:hlinkClick r:id="rId5"/>
                   </a:rPr>
                   <a:t>t.me/f1589</a:t>
                 </a:r>
-                <a:endParaRPr lang="ru-RU" smtClean="0"/>
+                <a:endParaRPr lang="ru-RU" dirty="0" smtClean="0"/>
               </a:p>
               <a:p>
                 <a:pPr algn="ctr"/>
                 <a:r>
-                  <a:rPr lang="en-US" smtClean="0"/>
+                  <a:rPr lang="en-US" dirty="0" smtClean="0"/>
                   <a:t>t.me</a:t>
                 </a:r>
-                <a:endParaRPr lang="en-US" dirty="0" smtClean="0"/>
               </a:p>
               <a:p>
                 <a:pPr algn="ctr"/>
@@ -17891,16 +17676,16 @@
             </p:nvSpPr>
             <p:spPr>
               <a:xfrm>
-                <a:off x="8654158" y="4349871"/>
+                <a:off x="7669015" y="4402062"/>
                 <a:ext cx="1970283" cy="923330"/>
               </a:xfrm>
               <a:prstGeom prst="rect">
                 <a:avLst/>
               </a:prstGeom>
               <a:blipFill>
-                <a:blip r:embed="rId9"/>
+                <a:blip r:embed="rId6"/>
                 <a:stretch>
-                  <a:fillRect l="-2786" t="-3974" r="-2477" b="-9934"/>
+                  <a:fillRect l="-2477" t="-3289" r="-2786" b="-9211"/>
                 </a:stretch>
               </a:blipFill>
             </p:spPr>
@@ -17929,6 +17714,13 @@
   <p:clrMapOvr>
     <a:masterClrMapping/>
   </p:clrMapOvr>
+  <p:timing>
+    <p:tnLst>
+      <p:par>
+        <p:cTn id="1" dur="indefinite" restart="never" nodeType="tmRoot"/>
+      </p:par>
+    </p:tnLst>
+  </p:timing>
 </p:sld>
 </file>
 
@@ -17972,78 +17764,269 @@
           </a:p>
         </p:txBody>
       </p:sp>
-      <p:sp>
-        <p:nvSpPr>
-          <p:cNvPr id="3" name="Объект 2"/>
-          <p:cNvSpPr>
-            <a:spLocks noGrp="1"/>
-          </p:cNvSpPr>
-          <p:nvPr>
-            <p:ph idx="1"/>
-          </p:nvPr>
-        </p:nvSpPr>
-        <p:spPr/>
-        <p:txBody>
-          <a:bodyPr/>
-          <a:lstStyle/>
-          <a:p>
-            <a:r>
-              <a:rPr lang="ru-RU" dirty="0" smtClean="0"/>
-              <a:t>Попытка 2</a:t>
-            </a:r>
-            <a:r>
-              <a:rPr lang="en-US" dirty="0" smtClean="0"/>
-              <a:t>: </a:t>
-            </a:r>
-            <a:r>
-              <a:rPr lang="ru-RU" dirty="0" smtClean="0"/>
-              <a:t>малая вероятность </a:t>
-            </a:r>
-            <a:r>
-              <a:rPr lang="ru-RU" dirty="0" err="1" smtClean="0"/>
-              <a:t>расшифрования</a:t>
-            </a:r>
-            <a:endParaRPr lang="ru-RU" dirty="0" smtClean="0"/>
-          </a:p>
-          <a:p>
-            <a:pPr lvl="1"/>
-            <a:r>
-              <a:rPr lang="ru-RU" dirty="0" smtClean="0"/>
-              <a:t>Чем меньше вероятность </a:t>
-            </a:r>
-            <a:r>
-              <a:rPr lang="ru-RU" dirty="0" err="1" smtClean="0"/>
-              <a:t>расшифрования</a:t>
-            </a:r>
-            <a:r>
-              <a:rPr lang="ru-RU" dirty="0" smtClean="0"/>
-              <a:t> для злоумышленника, тем более стойкий шифр. Вероятность </a:t>
-            </a:r>
-            <a:r>
-              <a:rPr lang="ru-RU" dirty="0" err="1" smtClean="0"/>
-              <a:t>расшифрования</a:t>
-            </a:r>
-            <a:r>
-              <a:rPr lang="ru-RU" dirty="0" smtClean="0"/>
-              <a:t> как параметр стойкости.</a:t>
-            </a:r>
-          </a:p>
-          <a:p>
-            <a:pPr lvl="1"/>
-            <a:r>
-              <a:rPr lang="ru-RU" dirty="0" smtClean="0"/>
-              <a:t>Но тогда шифр определённый на коротких сообщениях, например 1 бит, менее стойкий чем шифр, определённый на длинных сообщениях, так как велика возможность «угадать» сообщение.</a:t>
-            </a:r>
-          </a:p>
-          <a:p>
-            <a:pPr lvl="1"/>
-            <a:r>
-              <a:rPr lang="ru-RU" dirty="0" smtClean="0"/>
-              <a:t>Иными словами, невозможно обеспечить стойкость при шифровании однобитного сообщения</a:t>
-            </a:r>
-          </a:p>
-        </p:txBody>
-      </p:sp>
+      <mc:AlternateContent xmlns:mc="http://schemas.openxmlformats.org/markup-compatibility/2006" xmlns:a14="http://schemas.microsoft.com/office/drawing/2010/main">
+        <mc:Choice Requires="a14">
+          <p:sp>
+            <p:nvSpPr>
+              <p:cNvPr id="3" name="Объект 2"/>
+              <p:cNvSpPr>
+                <a:spLocks noGrp="1"/>
+              </p:cNvSpPr>
+              <p:nvPr>
+                <p:ph idx="1"/>
+              </p:nvPr>
+            </p:nvSpPr>
+            <p:spPr/>
+            <p:txBody>
+              <a:bodyPr>
+                <a:normAutofit lnSpcReduction="10000"/>
+              </a:bodyPr>
+              <a:lstStyle/>
+              <a:p>
+                <a:pPr marL="0" indent="0">
+                  <a:buNone/>
+                </a:pPr>
+                <a:r>
+                  <a:rPr lang="ru-RU" dirty="0" smtClean="0"/>
+                  <a:t>Очевидный вопрос – что понимать под стойкостью шифра?</a:t>
+                </a:r>
+              </a:p>
+              <a:p>
+                <a:pPr marL="0" indent="0">
+                  <a:buNone/>
+                </a:pPr>
+                <a:endParaRPr lang="ru-RU" dirty="0"/>
+              </a:p>
+              <a:p>
+                <a:pPr marL="0" indent="0">
+                  <a:buNone/>
+                </a:pPr>
+                <a:r>
+                  <a:rPr lang="ru-RU" dirty="0" smtClean="0"/>
+                  <a:t>Стойкость – метрика качества шифра.</a:t>
+                </a:r>
+              </a:p>
+              <a:p>
+                <a:pPr marL="0" indent="0">
+                  <a:buNone/>
+                </a:pPr>
+                <a:endParaRPr lang="ru-RU" dirty="0" smtClean="0"/>
+              </a:p>
+              <a:p>
+                <a:r>
+                  <a:rPr lang="ru-RU" dirty="0" smtClean="0"/>
+                  <a:t>Попытка 1</a:t>
+                </a:r>
+                <a:r>
+                  <a:rPr lang="en-US" dirty="0" smtClean="0"/>
+                  <a:t>: </a:t>
+                </a:r>
+                <a:r>
+                  <a:rPr lang="ru-RU" dirty="0" smtClean="0"/>
+                  <a:t>размер ключа </a:t>
+                </a:r>
+              </a:p>
+              <a:p>
+                <a:pPr lvl="1"/>
+                <a:r>
+                  <a:rPr lang="ru-RU" dirty="0" smtClean="0"/>
+                  <a:t>Чем больше ключ, тем сложнее перебрать все возможные варианты. Длина ключа как параметр стойкости.</a:t>
+                </a:r>
+              </a:p>
+              <a:p>
+                <a:pPr lvl="1"/>
+                <a:r>
+                  <a:rPr lang="ru-RU" dirty="0" smtClean="0"/>
+                  <a:t>Но возможны и другие атаки, кроме перебора, например частотный анализ</a:t>
+                </a:r>
+              </a:p>
+              <a:p>
+                <a:pPr lvl="1"/>
+                <a:r>
+                  <a:rPr lang="ru-RU" dirty="0" smtClean="0"/>
+                  <a:t>Пример – шифр подстановки, </a:t>
+                </a:r>
+                <a14:m>
+                  <m:oMath xmlns:m="http://schemas.openxmlformats.org/officeDocument/2006/math">
+                    <m:d>
+                      <m:dPr>
+                        <m:begChr m:val="|"/>
+                        <m:endChr m:val="|"/>
+                        <m:ctrlPr>
+                          <a:rPr lang="en-US" b="0" i="1" smtClean="0">
+                            <a:latin typeface="Cambria Math" panose="02040503050406030204" pitchFamily="18" charset="0"/>
+                          </a:rPr>
+                        </m:ctrlPr>
+                      </m:dPr>
+                      <m:e>
+                        <m:r>
+                          <m:rPr>
+                            <m:sty m:val="p"/>
+                          </m:rPr>
+                          <a:rPr lang="ru-RU" b="0" i="0" smtClean="0">
+                            <a:latin typeface="Cambria Math" panose="02040503050406030204" pitchFamily="18" charset="0"/>
+                          </a:rPr>
+                          <m:t>Σ</m:t>
+                        </m:r>
+                      </m:e>
+                    </m:d>
+                    <m:r>
+                      <a:rPr lang="en-US" b="0" i="0" smtClean="0">
+                        <a:latin typeface="Cambria Math" panose="02040503050406030204" pitchFamily="18" charset="0"/>
+                      </a:rPr>
+                      <m:t>=27</m:t>
+                    </m:r>
+                  </m:oMath>
+                </a14:m>
+                <a:r>
+                  <a:rPr lang="en-US" dirty="0" smtClean="0"/>
+                  <a:t>, </a:t>
+                </a:r>
+                <a14:m>
+                  <m:oMath xmlns:m="http://schemas.openxmlformats.org/officeDocument/2006/math">
+                    <m:r>
+                      <a:rPr lang="en-US" b="0" i="1" smtClean="0">
+                        <a:latin typeface="Cambria Math" panose="02040503050406030204" pitchFamily="18" charset="0"/>
+                      </a:rPr>
+                      <m:t>𝐾</m:t>
+                    </m:r>
+                    <m:r>
+                      <a:rPr lang="en-US" b="0" i="1" smtClean="0">
+                        <a:latin typeface="Cambria Math" panose="02040503050406030204" pitchFamily="18" charset="0"/>
+                      </a:rPr>
+                      <m:t>=</m:t>
+                    </m:r>
+                    <m:r>
+                      <a:rPr lang="en-US" b="0" i="1" smtClean="0">
+                        <a:latin typeface="Cambria Math" panose="02040503050406030204" pitchFamily="18" charset="0"/>
+                      </a:rPr>
+                      <m:t>𝑆</m:t>
+                    </m:r>
+                    <m:d>
+                      <m:dPr>
+                        <m:ctrlPr>
+                          <a:rPr lang="en-US" b="0" i="1" smtClean="0">
+                            <a:latin typeface="Cambria Math" panose="02040503050406030204" pitchFamily="18" charset="0"/>
+                          </a:rPr>
+                        </m:ctrlPr>
+                      </m:dPr>
+                      <m:e>
+                        <m:r>
+                          <m:rPr>
+                            <m:sty m:val="p"/>
+                          </m:rPr>
+                          <a:rPr lang="en-US" b="0" i="0" smtClean="0">
+                            <a:latin typeface="Cambria Math" panose="02040503050406030204" pitchFamily="18" charset="0"/>
+                          </a:rPr>
+                          <m:t>Σ</m:t>
+                        </m:r>
+                      </m:e>
+                    </m:d>
+                    <m:r>
+                      <a:rPr lang="en-US" b="0" i="1" smtClean="0">
+                        <a:latin typeface="Cambria Math" panose="02040503050406030204" pitchFamily="18" charset="0"/>
+                      </a:rPr>
+                      <m:t>:</m:t>
+                    </m:r>
+                    <m:d>
+                      <m:dPr>
+                        <m:begChr m:val="|"/>
+                        <m:endChr m:val="|"/>
+                        <m:ctrlPr>
+                          <a:rPr lang="en-US" b="0" i="1" smtClean="0">
+                            <a:latin typeface="Cambria Math" panose="02040503050406030204" pitchFamily="18" charset="0"/>
+                          </a:rPr>
+                        </m:ctrlPr>
+                      </m:dPr>
+                      <m:e>
+                        <m:r>
+                          <a:rPr lang="en-US" b="0" i="1" smtClean="0">
+                            <a:latin typeface="Cambria Math" panose="02040503050406030204" pitchFamily="18" charset="0"/>
+                          </a:rPr>
+                          <m:t>𝐾</m:t>
+                        </m:r>
+                      </m:e>
+                    </m:d>
+                    <m:r>
+                      <a:rPr lang="en-US" i="1">
+                        <a:latin typeface="Cambria Math" panose="02040503050406030204" pitchFamily="18" charset="0"/>
+                        <a:ea typeface="Cambria Math" panose="02040503050406030204" pitchFamily="18" charset="0"/>
+                      </a:rPr>
+                      <m:t>~</m:t>
+                    </m:r>
+                    <m:sSup>
+                      <m:sSupPr>
+                        <m:ctrlPr>
+                          <a:rPr lang="en-US" b="0" i="1" smtClean="0">
+                            <a:latin typeface="Cambria Math" panose="02040503050406030204" pitchFamily="18" charset="0"/>
+                            <a:ea typeface="Cambria Math" panose="02040503050406030204" pitchFamily="18" charset="0"/>
+                          </a:rPr>
+                        </m:ctrlPr>
+                      </m:sSupPr>
+                      <m:e>
+                        <m:r>
+                          <a:rPr lang="en-US" b="0" i="1" smtClean="0">
+                            <a:latin typeface="Cambria Math" panose="02040503050406030204" pitchFamily="18" charset="0"/>
+                            <a:ea typeface="Cambria Math" panose="02040503050406030204" pitchFamily="18" charset="0"/>
+                          </a:rPr>
+                          <m:t>10</m:t>
+                        </m:r>
+                      </m:e>
+                      <m:sup>
+                        <m:r>
+                          <a:rPr lang="en-US" b="0" i="1" smtClean="0">
+                            <a:latin typeface="Cambria Math" panose="02040503050406030204" pitchFamily="18" charset="0"/>
+                            <a:ea typeface="Cambria Math" panose="02040503050406030204" pitchFamily="18" charset="0"/>
+                          </a:rPr>
+                          <m:t>28</m:t>
+                        </m:r>
+                      </m:sup>
+                    </m:sSup>
+                  </m:oMath>
+                </a14:m>
+                <a:r>
+                  <a:rPr lang="ru-RU" dirty="0" smtClean="0"/>
+                  <a:t>, но возможна полиномиальная частотная атака</a:t>
+                </a:r>
+                <a:endParaRPr lang="ru-RU" dirty="0"/>
+              </a:p>
+            </p:txBody>
+          </p:sp>
+        </mc:Choice>
+        <mc:Fallback xmlns="">
+          <p:sp>
+            <p:nvSpPr>
+              <p:cNvPr id="3" name="Объект 2"/>
+              <p:cNvSpPr>
+                <a:spLocks noGrp="1" noRot="1" noChangeAspect="1" noMove="1" noResize="1" noEditPoints="1" noAdjustHandles="1" noChangeArrowheads="1" noChangeShapeType="1" noTextEdit="1"/>
+              </p:cNvSpPr>
+              <p:nvPr>
+                <p:ph idx="1"/>
+              </p:nvPr>
+            </p:nvSpPr>
+            <p:spPr>
+              <a:blipFill>
+                <a:blip r:embed="rId2"/>
+                <a:stretch>
+                  <a:fillRect l="-1043" t="-2801" r="-986"/>
+                </a:stretch>
+              </a:blipFill>
+            </p:spPr>
+            <p:txBody>
+              <a:bodyPr/>
+              <a:lstStyle/>
+              <a:p>
+                <a:r>
+                  <a:rPr lang="ru-RU">
+                    <a:noFill/>
+                  </a:rPr>
+                  <a:t> </a:t>
+                </a:r>
+              </a:p>
+            </p:txBody>
+          </p:sp>
+        </mc:Fallback>
+      </mc:AlternateContent>
       <p:sp>
         <p:nvSpPr>
           <p:cNvPr id="4" name="Номер слайда 3"/>
@@ -18070,6 +18053,161 @@
     </p:spTree>
     <p:extLst>
       <p:ext uri="{BB962C8B-B14F-4D97-AF65-F5344CB8AC3E}">
+        <p14:creationId xmlns:p14="http://schemas.microsoft.com/office/powerpoint/2010/main" val="2786006101"/>
+      </p:ext>
+    </p:extLst>
+  </p:cSld>
+  <p:clrMapOvr>
+    <a:masterClrMapping/>
+  </p:clrMapOvr>
+  <p:timing>
+    <p:tnLst>
+      <p:par>
+        <p:cTn id="1" dur="indefinite" restart="never" nodeType="tmRoot"/>
+      </p:par>
+    </p:tnLst>
+  </p:timing>
+</p:sld>
+</file>
+
+<file path=ppt/slides/slide31.xml><?xml version="1.0" encoding="utf-8"?>
+<p:sld xmlns:a="http://schemas.openxmlformats.org/drawingml/2006/main" xmlns:r="http://schemas.openxmlformats.org/officeDocument/2006/relationships" xmlns:p="http://schemas.openxmlformats.org/presentationml/2006/main">
+  <p:cSld>
+    <p:spTree>
+      <p:nvGrpSpPr>
+        <p:cNvPr id="1" name=""/>
+        <p:cNvGrpSpPr/>
+        <p:nvPr/>
+      </p:nvGrpSpPr>
+      <p:grpSpPr>
+        <a:xfrm>
+          <a:off x="0" y="0"/>
+          <a:ext cx="0" cy="0"/>
+          <a:chOff x="0" y="0"/>
+          <a:chExt cx="0" cy="0"/>
+        </a:xfrm>
+      </p:grpSpPr>
+      <p:sp>
+        <p:nvSpPr>
+          <p:cNvPr id="2" name="Заголовок 1"/>
+          <p:cNvSpPr>
+            <a:spLocks noGrp="1"/>
+          </p:cNvSpPr>
+          <p:nvPr>
+            <p:ph type="title"/>
+          </p:nvPr>
+        </p:nvSpPr>
+        <p:spPr/>
+        <p:txBody>
+          <a:bodyPr/>
+          <a:lstStyle/>
+          <a:p>
+            <a:r>
+              <a:rPr lang="ru-RU" dirty="0" smtClean="0"/>
+              <a:t>Понятие стойкости</a:t>
+            </a:r>
+            <a:endParaRPr lang="ru-RU" dirty="0"/>
+          </a:p>
+        </p:txBody>
+      </p:sp>
+      <p:sp>
+        <p:nvSpPr>
+          <p:cNvPr id="3" name="Объект 2"/>
+          <p:cNvSpPr>
+            <a:spLocks noGrp="1"/>
+          </p:cNvSpPr>
+          <p:nvPr>
+            <p:ph idx="1"/>
+          </p:nvPr>
+        </p:nvSpPr>
+        <p:spPr/>
+        <p:txBody>
+          <a:bodyPr/>
+          <a:lstStyle/>
+          <a:p>
+            <a:r>
+              <a:rPr lang="ru-RU" dirty="0" smtClean="0"/>
+              <a:t>Попытка 2</a:t>
+            </a:r>
+            <a:r>
+              <a:rPr lang="en-US" dirty="0" smtClean="0"/>
+              <a:t>: </a:t>
+            </a:r>
+            <a:r>
+              <a:rPr lang="ru-RU" dirty="0" smtClean="0"/>
+              <a:t>малая вероятность </a:t>
+            </a:r>
+            <a:r>
+              <a:rPr lang="ru-RU" dirty="0" err="1" smtClean="0"/>
+              <a:t>расшифрования</a:t>
+            </a:r>
+            <a:endParaRPr lang="ru-RU" dirty="0" smtClean="0"/>
+          </a:p>
+          <a:p>
+            <a:pPr lvl="1"/>
+            <a:r>
+              <a:rPr lang="ru-RU" dirty="0" smtClean="0"/>
+              <a:t>Чем меньше вероятность </a:t>
+            </a:r>
+            <a:r>
+              <a:rPr lang="ru-RU" dirty="0" err="1" smtClean="0"/>
+              <a:t>расшифрования</a:t>
+            </a:r>
+            <a:r>
+              <a:rPr lang="ru-RU" dirty="0" smtClean="0"/>
+              <a:t> для злоумышленника, тем более стойкий шифр. Вероятность </a:t>
+            </a:r>
+            <a:r>
+              <a:rPr lang="ru-RU" dirty="0" err="1" smtClean="0"/>
+              <a:t>расшифрования</a:t>
+            </a:r>
+            <a:r>
+              <a:rPr lang="ru-RU" dirty="0" smtClean="0"/>
+              <a:t> как параметр стойкости.</a:t>
+            </a:r>
+          </a:p>
+          <a:p>
+            <a:pPr lvl="1"/>
+            <a:r>
+              <a:rPr lang="ru-RU" dirty="0" smtClean="0"/>
+              <a:t>Но тогда шифр определённый на коротких сообщениях, например 1 бит, менее стойкий чем шифр, определённый на длинных сообщениях, так как велика возможность «угадать» сообщение.</a:t>
+            </a:r>
+          </a:p>
+          <a:p>
+            <a:pPr lvl="1"/>
+            <a:r>
+              <a:rPr lang="ru-RU" dirty="0" smtClean="0"/>
+              <a:t>Иными словами, невозможно обеспечить стойкость при шифровании однобитного сообщения</a:t>
+            </a:r>
+          </a:p>
+        </p:txBody>
+      </p:sp>
+      <p:sp>
+        <p:nvSpPr>
+          <p:cNvPr id="4" name="Номер слайда 3"/>
+          <p:cNvSpPr>
+            <a:spLocks noGrp="1"/>
+          </p:cNvSpPr>
+          <p:nvPr>
+            <p:ph type="sldNum" sz="quarter" idx="12"/>
+          </p:nvPr>
+        </p:nvSpPr>
+        <p:spPr/>
+        <p:txBody>
+          <a:bodyPr/>
+          <a:lstStyle/>
+          <a:p>
+            <a:fld id="{8253DDDB-F8F7-4D64-A7FD-3F3D61C1949F}" type="slidenum">
+              <a:rPr lang="ru-RU" smtClean="0"/>
+              <a:t>31</a:t>
+            </a:fld>
+            <a:endParaRPr lang="ru-RU"/>
+          </a:p>
+        </p:txBody>
+      </p:sp>
+    </p:spTree>
+    <p:extLst>
+      <p:ext uri="{BB962C8B-B14F-4D97-AF65-F5344CB8AC3E}">
         <p14:creationId xmlns:p14="http://schemas.microsoft.com/office/powerpoint/2010/main" val="3019098374"/>
       </p:ext>
     </p:extLst>
@@ -18087,7 +18225,7 @@
 </p:sld>
 </file>
 
-<file path=ppt/slides/slide31.xml><?xml version="1.0" encoding="utf-8"?>
+<file path=ppt/slides/slide32.xml><?xml version="1.0" encoding="utf-8"?>
 <p:sld xmlns:a="http://schemas.openxmlformats.org/drawingml/2006/main" xmlns:r="http://schemas.openxmlformats.org/officeDocument/2006/relationships" xmlns:p="http://schemas.openxmlformats.org/presentationml/2006/main">
   <p:cSld>
     <p:spTree>
@@ -19434,7 +19572,7 @@
           <a:p>
             <a:fld id="{8253DDDB-F8F7-4D64-A7FD-3F3D61C1949F}" type="slidenum">
               <a:rPr lang="ru-RU" smtClean="0"/>
-              <a:t>31</a:t>
+              <a:t>32</a:t>
             </a:fld>
             <a:endParaRPr lang="ru-RU"/>
           </a:p>
@@ -19460,7 +19598,7 @@
 </p:sld>
 </file>
 
-<file path=ppt/slides/slide32.xml><?xml version="1.0" encoding="utf-8"?>
+<file path=ppt/slides/slide33.xml><?xml version="1.0" encoding="utf-8"?>
 <p:sld xmlns:a="http://schemas.openxmlformats.org/drawingml/2006/main" xmlns:r="http://schemas.openxmlformats.org/officeDocument/2006/relationships" xmlns:p="http://schemas.openxmlformats.org/presentationml/2006/main">
   <p:cSld>
     <p:spTree>
@@ -20205,7 +20343,7 @@
           <a:p>
             <a:fld id="{8253DDDB-F8F7-4D64-A7FD-3F3D61C1949F}" type="slidenum">
               <a:rPr lang="ru-RU" smtClean="0"/>
-              <a:t>32</a:t>
+              <a:t>33</a:t>
             </a:fld>
             <a:endParaRPr lang="ru-RU"/>
           </a:p>
@@ -20231,7 +20369,7 @@
 </p:sld>
 </file>
 
-<file path=ppt/slides/slide33.xml><?xml version="1.0" encoding="utf-8"?>
+<file path=ppt/slides/slide34.xml><?xml version="1.0" encoding="utf-8"?>
 <p:sld xmlns:a="http://schemas.openxmlformats.org/drawingml/2006/main" xmlns:r="http://schemas.openxmlformats.org/officeDocument/2006/relationships" xmlns:p="http://schemas.openxmlformats.org/presentationml/2006/main">
   <p:cSld>
     <p:spTree>
@@ -21354,7 +21492,7 @@
           <a:p>
             <a:fld id="{8253DDDB-F8F7-4D64-A7FD-3F3D61C1949F}" type="slidenum">
               <a:rPr lang="ru-RU" smtClean="0"/>
-              <a:t>33</a:t>
+              <a:t>34</a:t>
             </a:fld>
             <a:endParaRPr lang="ru-RU"/>
           </a:p>
@@ -21380,7 +21518,7 @@
 </p:sld>
 </file>
 
-<file path=ppt/slides/slide34.xml><?xml version="1.0" encoding="utf-8"?>
+<file path=ppt/slides/slide35.xml><?xml version="1.0" encoding="utf-8"?>
 <p:sld xmlns:a="http://schemas.openxmlformats.org/drawingml/2006/main" xmlns:r="http://schemas.openxmlformats.org/officeDocument/2006/relationships" xmlns:p="http://schemas.openxmlformats.org/presentationml/2006/main">
   <p:cSld>
     <p:spTree>
@@ -22531,10 +22669,84 @@
                       </m:sub>
                     </m:sSub>
                     <m:r>
-                      <a:rPr lang="en-US" b="0" i="0" dirty="0" smtClean="0">
-                        <a:latin typeface="Cambria Math" panose="02040503050406030204" pitchFamily="18" charset="0"/>
-                      </a:rPr>
-                      <m:t>.</m:t>
+                      <a:rPr lang="ru-RU" b="0" i="0" dirty="0" smtClean="0">
+                        <a:latin typeface="Cambria Math" panose="02040503050406030204" pitchFamily="18" charset="0"/>
+                      </a:rPr>
+                      <m:t>, </m:t>
+                    </m:r>
+                    <m:sSub>
+                      <m:sSubPr>
+                        <m:ctrlPr>
+                          <a:rPr lang="en-US" b="0" i="1" dirty="0" smtClean="0">
+                            <a:latin typeface="Cambria Math" panose="02040503050406030204" pitchFamily="18" charset="0"/>
+                          </a:rPr>
+                        </m:ctrlPr>
+                      </m:sSubPr>
+                      <m:e>
+                        <m:r>
+                          <a:rPr lang="en-US" b="0" i="1" dirty="0" smtClean="0">
+                            <a:latin typeface="Cambria Math" panose="02040503050406030204" pitchFamily="18" charset="0"/>
+                          </a:rPr>
+                          <m:t>𝑁</m:t>
+                        </m:r>
+                      </m:e>
+                      <m:sub>
+                        <m:r>
+                          <a:rPr lang="en-US" b="0" i="1" dirty="0" smtClean="0">
+                            <a:latin typeface="Cambria Math" panose="02040503050406030204" pitchFamily="18" charset="0"/>
+                          </a:rPr>
+                          <m:t>𝑐</m:t>
+                        </m:r>
+                      </m:sub>
+                    </m:sSub>
+                    <m:r>
+                      <a:rPr lang="en-US" b="0" i="1" dirty="0" smtClean="0">
+                        <a:latin typeface="Cambria Math" panose="02040503050406030204" pitchFamily="18" charset="0"/>
+                      </a:rPr>
+                      <m:t>=</m:t>
+                    </m:r>
+                    <m:sSub>
+                      <m:sSubPr>
+                        <m:ctrlPr>
+                          <a:rPr lang="en-US" b="0" i="1" dirty="0" smtClean="0">
+                            <a:latin typeface="Cambria Math" panose="02040503050406030204" pitchFamily="18" charset="0"/>
+                          </a:rPr>
+                        </m:ctrlPr>
+                      </m:sSubPr>
+                      <m:e>
+                        <m:r>
+                          <a:rPr lang="en-US" b="0" i="1" dirty="0" smtClean="0">
+                            <a:latin typeface="Cambria Math" panose="02040503050406030204" pitchFamily="18" charset="0"/>
+                          </a:rPr>
+                          <m:t>𝑃</m:t>
+                        </m:r>
+                      </m:e>
+                      <m:sub>
+                        <m:r>
+                          <a:rPr lang="en-US" b="0" i="1" dirty="0" smtClean="0">
+                            <a:latin typeface="Cambria Math" panose="02040503050406030204" pitchFamily="18" charset="0"/>
+                          </a:rPr>
+                          <m:t>𝑐</m:t>
+                        </m:r>
+                      </m:sub>
+                    </m:sSub>
+                    <m:r>
+                      <a:rPr lang="en-US" b="0" i="1" dirty="0" smtClean="0">
+                        <a:latin typeface="Cambria Math" panose="02040503050406030204" pitchFamily="18" charset="0"/>
+                      </a:rPr>
+                      <m:t>∗|</m:t>
+                    </m:r>
+                    <m:r>
+                      <a:rPr lang="en-US" b="0" i="1" dirty="0" smtClean="0">
+                        <a:latin typeface="Cambria Math" panose="02040503050406030204" pitchFamily="18" charset="0"/>
+                      </a:rPr>
+                      <m:t>𝐾</m:t>
+                    </m:r>
+                    <m:r>
+                      <a:rPr lang="en-US" b="0" i="1" dirty="0" smtClean="0">
+                        <a:latin typeface="Cambria Math" panose="02040503050406030204" pitchFamily="18" charset="0"/>
+                      </a:rPr>
+                      <m:t>|</m:t>
                     </m:r>
                   </m:oMath>
                 </a14:m>
@@ -22609,7 +22821,7 @@
           <a:p>
             <a:fld id="{8253DDDB-F8F7-4D64-A7FD-3F3D61C1949F}" type="slidenum">
               <a:rPr lang="ru-RU" smtClean="0"/>
-              <a:t>34</a:t>
+              <a:t>35</a:t>
             </a:fld>
             <a:endParaRPr lang="ru-RU"/>
           </a:p>
@@ -22635,7 +22847,7 @@
 </p:sld>
 </file>
 
-<file path=ppt/slides/slide35.xml><?xml version="1.0" encoding="utf-8"?>
+<file path=ppt/slides/slide36.xml><?xml version="1.0" encoding="utf-8"?>
 <p:sld xmlns:a="http://schemas.openxmlformats.org/drawingml/2006/main" xmlns:r="http://schemas.openxmlformats.org/officeDocument/2006/relationships" xmlns:p="http://schemas.openxmlformats.org/presentationml/2006/main">
   <p:cSld>
     <p:spTree>
@@ -23565,6 +23777,69 @@
                       </a:rPr>
                       <m:t>=</m:t>
                     </m:r>
+                    <m:f>
+                      <m:fPr>
+                        <m:ctrlPr>
+                          <a:rPr lang="en-US" b="0" i="1" smtClean="0">
+                            <a:latin typeface="Cambria Math" panose="02040503050406030204" pitchFamily="18" charset="0"/>
+                          </a:rPr>
+                        </m:ctrlPr>
+                      </m:fPr>
+                      <m:num>
+                        <m:sSub>
+                          <m:sSubPr>
+                            <m:ctrlPr>
+                              <a:rPr lang="en-US" b="0" i="1" smtClean="0">
+                                <a:latin typeface="Cambria Math" panose="02040503050406030204" pitchFamily="18" charset="0"/>
+                              </a:rPr>
+                            </m:ctrlPr>
+                          </m:sSubPr>
+                          <m:e>
+                            <m:r>
+                              <a:rPr lang="en-US" b="0" i="1" smtClean="0">
+                                <a:latin typeface="Cambria Math" panose="02040503050406030204" pitchFamily="18" charset="0"/>
+                              </a:rPr>
+                              <m:t>𝑁</m:t>
+                            </m:r>
+                          </m:e>
+                          <m:sub>
+                            <m:r>
+                              <a:rPr lang="en-US" b="0" i="1" smtClean="0">
+                                <a:latin typeface="Cambria Math" panose="02040503050406030204" pitchFamily="18" charset="0"/>
+                              </a:rPr>
+                              <m:t>𝑐</m:t>
+                            </m:r>
+                          </m:sub>
+                        </m:sSub>
+                      </m:num>
+                      <m:den>
+                        <m:d>
+                          <m:dPr>
+                            <m:begChr m:val="|"/>
+                            <m:endChr m:val="|"/>
+                            <m:ctrlPr>
+                              <a:rPr lang="en-US" b="0" i="1" smtClean="0">
+                                <a:latin typeface="Cambria Math" panose="02040503050406030204" pitchFamily="18" charset="0"/>
+                              </a:rPr>
+                            </m:ctrlPr>
+                          </m:dPr>
+                          <m:e>
+                            <m:r>
+                              <a:rPr lang="en-US" b="0" i="1" smtClean="0">
+                                <a:latin typeface="Cambria Math" panose="02040503050406030204" pitchFamily="18" charset="0"/>
+                              </a:rPr>
+                              <m:t>𝐾</m:t>
+                            </m:r>
+                          </m:e>
+                        </m:d>
+                      </m:den>
+                    </m:f>
+                    <m:r>
+                      <a:rPr lang="en-US" b="0" i="1" smtClean="0">
+                        <a:latin typeface="Cambria Math" panose="02040503050406030204" pitchFamily="18" charset="0"/>
+                      </a:rPr>
+                      <m:t>=</m:t>
+                    </m:r>
                     <m:func>
                       <m:funcPr>
                         <m:ctrlPr>
@@ -23745,7 +24020,7 @@
           <a:p>
             <a:fld id="{8253DDDB-F8F7-4D64-A7FD-3F3D61C1949F}" type="slidenum">
               <a:rPr lang="ru-RU" smtClean="0"/>
-              <a:t>35</a:t>
+              <a:t>36</a:t>
             </a:fld>
             <a:endParaRPr lang="ru-RU"/>
           </a:p>
@@ -23771,7 +24046,7 @@
 </p:sld>
 </file>
 
-<file path=ppt/slides/slide36.xml><?xml version="1.0" encoding="utf-8"?>
+<file path=ppt/slides/slide37.xml><?xml version="1.0" encoding="utf-8"?>
 <p:sld xmlns:a="http://schemas.openxmlformats.org/drawingml/2006/main" xmlns:r="http://schemas.openxmlformats.org/officeDocument/2006/relationships" xmlns:p="http://schemas.openxmlformats.org/presentationml/2006/main">
   <p:cSld>
     <p:spTree>
@@ -24324,7 +24599,7 @@
           <a:p>
             <a:fld id="{8253DDDB-F8F7-4D64-A7FD-3F3D61C1949F}" type="slidenum">
               <a:rPr lang="ru-RU" smtClean="0"/>
-              <a:t>36</a:t>
+              <a:t>37</a:t>
             </a:fld>
             <a:endParaRPr lang="ru-RU"/>
           </a:p>
@@ -24350,7 +24625,7 @@
 </p:sld>
 </file>
 
-<file path=ppt/slides/slide37.xml><?xml version="1.0" encoding="utf-8"?>
+<file path=ppt/slides/slide38.xml><?xml version="1.0" encoding="utf-8"?>
 <p:sld xmlns:a="http://schemas.openxmlformats.org/drawingml/2006/main" xmlns:r="http://schemas.openxmlformats.org/officeDocument/2006/relationships" xmlns:p="http://schemas.openxmlformats.org/presentationml/2006/main">
   <p:cSld>
     <p:spTree>
@@ -25397,7 +25672,7 @@
           <a:p>
             <a:fld id="{8253DDDB-F8F7-4D64-A7FD-3F3D61C1949F}" type="slidenum">
               <a:rPr lang="ru-RU" smtClean="0"/>
-              <a:t>37</a:t>
+              <a:t>38</a:t>
             </a:fld>
             <a:endParaRPr lang="ru-RU"/>
           </a:p>
@@ -25423,7 +25698,7 @@
 </p:sld>
 </file>
 
-<file path=ppt/slides/slide38.xml><?xml version="1.0" encoding="utf-8"?>
+<file path=ppt/slides/slide39.xml><?xml version="1.0" encoding="utf-8"?>
 <p:sld xmlns:a="http://schemas.openxmlformats.org/drawingml/2006/main" xmlns:r="http://schemas.openxmlformats.org/officeDocument/2006/relationships" xmlns:p="http://schemas.openxmlformats.org/presentationml/2006/main">
   <p:cSld>
     <p:spTree>
@@ -25860,7 +26135,7 @@
           <a:p>
             <a:fld id="{8253DDDB-F8F7-4D64-A7FD-3F3D61C1949F}" type="slidenum">
               <a:rPr lang="ru-RU" smtClean="0"/>
-              <a:t>38</a:t>
+              <a:t>39</a:t>
             </a:fld>
             <a:endParaRPr lang="ru-RU"/>
           </a:p>
@@ -25886,7 +26161,174 @@
 </p:sld>
 </file>
 
-<file path=ppt/slides/slide39.xml><?xml version="1.0" encoding="utf-8"?>
+<file path=ppt/slides/slide4.xml><?xml version="1.0" encoding="utf-8"?>
+<p:sld xmlns:a="http://schemas.openxmlformats.org/drawingml/2006/main" xmlns:r="http://schemas.openxmlformats.org/officeDocument/2006/relationships" xmlns:p="http://schemas.openxmlformats.org/presentationml/2006/main">
+  <p:cSld>
+    <p:spTree>
+      <p:nvGrpSpPr>
+        <p:cNvPr id="1" name=""/>
+        <p:cNvGrpSpPr/>
+        <p:nvPr/>
+      </p:nvGrpSpPr>
+      <p:grpSpPr>
+        <a:xfrm>
+          <a:off x="0" y="0"/>
+          <a:ext cx="0" cy="0"/>
+          <a:chOff x="0" y="0"/>
+          <a:chExt cx="0" cy="0"/>
+        </a:xfrm>
+      </p:grpSpPr>
+      <p:sp>
+        <p:nvSpPr>
+          <p:cNvPr id="2" name="Заголовок 1"/>
+          <p:cNvSpPr>
+            <a:spLocks noGrp="1"/>
+          </p:cNvSpPr>
+          <p:nvPr>
+            <p:ph type="title"/>
+          </p:nvPr>
+        </p:nvSpPr>
+        <p:spPr/>
+        <p:txBody>
+          <a:bodyPr/>
+          <a:lstStyle/>
+          <a:p>
+            <a:r>
+              <a:rPr lang="ru-RU" dirty="0" smtClean="0"/>
+              <a:t>Лабораторные работы</a:t>
+            </a:r>
+            <a:endParaRPr lang="ru-RU" dirty="0"/>
+          </a:p>
+        </p:txBody>
+      </p:sp>
+      <p:sp>
+        <p:nvSpPr>
+          <p:cNvPr id="3" name="Объект 2"/>
+          <p:cNvSpPr>
+            <a:spLocks noGrp="1"/>
+          </p:cNvSpPr>
+          <p:nvPr>
+            <p:ph idx="1"/>
+          </p:nvPr>
+        </p:nvSpPr>
+        <p:spPr/>
+        <p:txBody>
+          <a:bodyPr>
+            <a:normAutofit/>
+          </a:bodyPr>
+          <a:lstStyle/>
+          <a:p>
+            <a:r>
+              <a:rPr lang="en-US" sz="2600" dirty="0" smtClean="0"/>
+              <a:t>REST API </a:t>
+            </a:r>
+            <a:r>
+              <a:rPr lang="ru-RU" sz="2600" dirty="0" smtClean="0"/>
+              <a:t>служба (</a:t>
+            </a:r>
+            <a:r>
+              <a:rPr lang="en-US" sz="2600" dirty="0" err="1" smtClean="0"/>
+              <a:t>dotnet</a:t>
+            </a:r>
+            <a:r>
+              <a:rPr lang="en-US" dirty="0" smtClean="0"/>
+              <a:t>, self-hosted)</a:t>
+            </a:r>
+            <a:r>
+              <a:rPr lang="ru-RU" sz="2600" dirty="0" smtClean="0"/>
+              <a:t>.</a:t>
+            </a:r>
+          </a:p>
+          <a:p>
+            <a:endParaRPr lang="ru-RU" sz="2600" dirty="0" smtClean="0"/>
+          </a:p>
+          <a:p>
+            <a:r>
+              <a:rPr lang="ru-RU" sz="2600" dirty="0" smtClean="0"/>
+              <a:t>Задача – продемонстрировать атаку на криптосистему систему с уязвимостью.</a:t>
+            </a:r>
+          </a:p>
+          <a:p>
+            <a:endParaRPr lang="ru-RU" sz="2600" dirty="0" smtClean="0"/>
+          </a:p>
+          <a:p>
+            <a:r>
+              <a:rPr lang="ru-RU" sz="2600" dirty="0" smtClean="0"/>
+              <a:t>Допустимые языки программирования</a:t>
+            </a:r>
+            <a:r>
+              <a:rPr lang="en-US" sz="2600" dirty="0" smtClean="0"/>
+              <a:t>: C++, C#, Python, Java, </a:t>
+            </a:r>
+            <a:r>
+              <a:rPr lang="ru-RU" sz="2600" dirty="0" smtClean="0"/>
+              <a:t>другие?</a:t>
+            </a:r>
+          </a:p>
+          <a:p>
+            <a:endParaRPr lang="ru-RU" sz="2600" dirty="0"/>
+          </a:p>
+          <a:p>
+            <a:r>
+              <a:rPr lang="ru-RU" sz="2600" dirty="0" smtClean="0"/>
+              <a:t>Подробнее</a:t>
+            </a:r>
+            <a:r>
+              <a:rPr lang="en-US" sz="2600" dirty="0" smtClean="0"/>
+              <a:t> </a:t>
+            </a:r>
+            <a:r>
+              <a:rPr lang="ru-RU" sz="2600" dirty="0" smtClean="0"/>
+              <a:t>на лабораторной работе.</a:t>
+            </a:r>
+            <a:endParaRPr lang="en-US" sz="2600" dirty="0" smtClean="0"/>
+          </a:p>
+        </p:txBody>
+      </p:sp>
+      <p:sp>
+        <p:nvSpPr>
+          <p:cNvPr id="4" name="Номер слайда 3"/>
+          <p:cNvSpPr>
+            <a:spLocks noGrp="1"/>
+          </p:cNvSpPr>
+          <p:nvPr>
+            <p:ph type="sldNum" sz="quarter" idx="12"/>
+          </p:nvPr>
+        </p:nvSpPr>
+        <p:spPr/>
+        <p:txBody>
+          <a:bodyPr/>
+          <a:lstStyle/>
+          <a:p>
+            <a:fld id="{8253DDDB-F8F7-4D64-A7FD-3F3D61C1949F}" type="slidenum">
+              <a:rPr lang="ru-RU" smtClean="0"/>
+              <a:t>4</a:t>
+            </a:fld>
+            <a:endParaRPr lang="ru-RU"/>
+          </a:p>
+        </p:txBody>
+      </p:sp>
+    </p:spTree>
+    <p:extLst>
+      <p:ext uri="{BB962C8B-B14F-4D97-AF65-F5344CB8AC3E}">
+        <p14:creationId xmlns:p14="http://schemas.microsoft.com/office/powerpoint/2010/main" val="571061442"/>
+      </p:ext>
+    </p:extLst>
+  </p:cSld>
+  <p:clrMapOvr>
+    <a:masterClrMapping/>
+  </p:clrMapOvr>
+  <p:timing>
+    <p:tnLst>
+      <p:par>
+        <p:cTn id="1" dur="indefinite" restart="never" nodeType="tmRoot"/>
+      </p:par>
+    </p:tnLst>
+  </p:timing>
+</p:sld>
+</file>
+
+<file path=ppt/slides/slide40.xml><?xml version="1.0" encoding="utf-8"?>
 <p:sld xmlns:a="http://schemas.openxmlformats.org/drawingml/2006/main" xmlns:r="http://schemas.openxmlformats.org/officeDocument/2006/relationships" xmlns:p="http://schemas.openxmlformats.org/presentationml/2006/main">
   <p:cSld>
     <p:spTree>
@@ -25976,8 +26418,8 @@
           </a:p>
         </p:txBody>
       </p:sp>
-      <mc:AlternateContent xmlns:mc="http://schemas.openxmlformats.org/markup-compatibility/2006">
-        <mc:Choice xmlns:a14="http://schemas.microsoft.com/office/drawing/2010/main" Requires="a14">
+      <mc:AlternateContent xmlns:mc="http://schemas.openxmlformats.org/markup-compatibility/2006" xmlns:a14="http://schemas.microsoft.com/office/drawing/2010/main">
+        <mc:Choice Requires="a14">
           <p:sp>
             <p:nvSpPr>
               <p:cNvPr id="3" name="Объект 2"/>
@@ -27228,7 +27670,7 @@
             </p:txBody>
           </p:sp>
         </mc:Choice>
-        <mc:Fallback>
+        <mc:Fallback xmlns="">
           <p:sp>
             <p:nvSpPr>
               <p:cNvPr id="3" name="Объект 2"/>
@@ -27283,7 +27725,7 @@
           <a:p>
             <a:fld id="{8253DDDB-F8F7-4D64-A7FD-3F3D61C1949F}" type="slidenum">
               <a:rPr lang="ru-RU" smtClean="0"/>
-              <a:t>39</a:t>
+              <a:t>40</a:t>
             </a:fld>
             <a:endParaRPr lang="ru-RU"/>
           </a:p>
@@ -27309,174 +27751,7 @@
 </p:sld>
 </file>
 
-<file path=ppt/slides/slide4.xml><?xml version="1.0" encoding="utf-8"?>
-<p:sld xmlns:a="http://schemas.openxmlformats.org/drawingml/2006/main" xmlns:r="http://schemas.openxmlformats.org/officeDocument/2006/relationships" xmlns:p="http://schemas.openxmlformats.org/presentationml/2006/main">
-  <p:cSld>
-    <p:spTree>
-      <p:nvGrpSpPr>
-        <p:cNvPr id="1" name=""/>
-        <p:cNvGrpSpPr/>
-        <p:nvPr/>
-      </p:nvGrpSpPr>
-      <p:grpSpPr>
-        <a:xfrm>
-          <a:off x="0" y="0"/>
-          <a:ext cx="0" cy="0"/>
-          <a:chOff x="0" y="0"/>
-          <a:chExt cx="0" cy="0"/>
-        </a:xfrm>
-      </p:grpSpPr>
-      <p:sp>
-        <p:nvSpPr>
-          <p:cNvPr id="2" name="Заголовок 1"/>
-          <p:cNvSpPr>
-            <a:spLocks noGrp="1"/>
-          </p:cNvSpPr>
-          <p:nvPr>
-            <p:ph type="title"/>
-          </p:nvPr>
-        </p:nvSpPr>
-        <p:spPr/>
-        <p:txBody>
-          <a:bodyPr/>
-          <a:lstStyle/>
-          <a:p>
-            <a:r>
-              <a:rPr lang="ru-RU" dirty="0" smtClean="0"/>
-              <a:t>Лабораторные работы</a:t>
-            </a:r>
-            <a:endParaRPr lang="ru-RU" dirty="0"/>
-          </a:p>
-        </p:txBody>
-      </p:sp>
-      <p:sp>
-        <p:nvSpPr>
-          <p:cNvPr id="3" name="Объект 2"/>
-          <p:cNvSpPr>
-            <a:spLocks noGrp="1"/>
-          </p:cNvSpPr>
-          <p:nvPr>
-            <p:ph idx="1"/>
-          </p:nvPr>
-        </p:nvSpPr>
-        <p:spPr/>
-        <p:txBody>
-          <a:bodyPr>
-            <a:normAutofit/>
-          </a:bodyPr>
-          <a:lstStyle/>
-          <a:p>
-            <a:r>
-              <a:rPr lang="ru-RU" sz="2600" dirty="0" smtClean="0"/>
-              <a:t>Образ </a:t>
-            </a:r>
-            <a:r>
-              <a:rPr lang="en-US" sz="2600" dirty="0" smtClean="0"/>
-              <a:t>Linux </a:t>
-            </a:r>
-            <a:r>
-              <a:rPr lang="ru-RU" sz="2600" dirty="0" smtClean="0"/>
-              <a:t>машины с развёрнутой </a:t>
-            </a:r>
-            <a:r>
-              <a:rPr lang="en-US" sz="2600" dirty="0" smtClean="0"/>
-              <a:t>REST API </a:t>
-            </a:r>
-            <a:r>
-              <a:rPr lang="ru-RU" sz="2600" dirty="0" smtClean="0"/>
-              <a:t>службой.</a:t>
-            </a:r>
-          </a:p>
-          <a:p>
-            <a:endParaRPr lang="ru-RU" sz="2600" dirty="0" smtClean="0"/>
-          </a:p>
-          <a:p>
-            <a:r>
-              <a:rPr lang="ru-RU" sz="2600" dirty="0" smtClean="0"/>
-              <a:t>Задача – продемонстрировать атаку на криптосистему систему с уязвимостью.</a:t>
-            </a:r>
-          </a:p>
-          <a:p>
-            <a:endParaRPr lang="ru-RU" sz="2600" dirty="0" smtClean="0"/>
-          </a:p>
-          <a:p>
-            <a:r>
-              <a:rPr lang="ru-RU" sz="2600" dirty="0" smtClean="0"/>
-              <a:t>Допустимые языки программирования</a:t>
-            </a:r>
-            <a:r>
-              <a:rPr lang="en-US" sz="2600" dirty="0" smtClean="0"/>
-              <a:t>: C++, C#, Python, Java, </a:t>
-            </a:r>
-            <a:r>
-              <a:rPr lang="ru-RU" sz="2600" dirty="0" smtClean="0"/>
-              <a:t>другие?</a:t>
-            </a:r>
-          </a:p>
-          <a:p>
-            <a:endParaRPr lang="ru-RU" sz="2600" dirty="0"/>
-          </a:p>
-          <a:p>
-            <a:r>
-              <a:rPr lang="ru-RU" sz="2600" dirty="0" smtClean="0"/>
-              <a:t>Подробнее</a:t>
-            </a:r>
-            <a:r>
-              <a:rPr lang="en-US" sz="2600" dirty="0" smtClean="0"/>
-              <a:t> </a:t>
-            </a:r>
-            <a:r>
-              <a:rPr lang="ru-RU" sz="2600" dirty="0" smtClean="0"/>
-              <a:t>на лабораторной работе.</a:t>
-            </a:r>
-            <a:endParaRPr lang="en-US" sz="2600" dirty="0" smtClean="0"/>
-          </a:p>
-        </p:txBody>
-      </p:sp>
-      <p:sp>
-        <p:nvSpPr>
-          <p:cNvPr id="4" name="Номер слайда 3"/>
-          <p:cNvSpPr>
-            <a:spLocks noGrp="1"/>
-          </p:cNvSpPr>
-          <p:nvPr>
-            <p:ph type="sldNum" sz="quarter" idx="12"/>
-          </p:nvPr>
-        </p:nvSpPr>
-        <p:spPr/>
-        <p:txBody>
-          <a:bodyPr/>
-          <a:lstStyle/>
-          <a:p>
-            <a:fld id="{8253DDDB-F8F7-4D64-A7FD-3F3D61C1949F}" type="slidenum">
-              <a:rPr lang="ru-RU" smtClean="0"/>
-              <a:t>4</a:t>
-            </a:fld>
-            <a:endParaRPr lang="ru-RU"/>
-          </a:p>
-        </p:txBody>
-      </p:sp>
-    </p:spTree>
-    <p:extLst>
-      <p:ext uri="{BB962C8B-B14F-4D97-AF65-F5344CB8AC3E}">
-        <p14:creationId xmlns:p14="http://schemas.microsoft.com/office/powerpoint/2010/main" val="571061442"/>
-      </p:ext>
-    </p:extLst>
-  </p:cSld>
-  <p:clrMapOvr>
-    <a:masterClrMapping/>
-  </p:clrMapOvr>
-  <p:timing>
-    <p:tnLst>
-      <p:par>
-        <p:cTn id="1" dur="indefinite" restart="never" nodeType="tmRoot"/>
-      </p:par>
-    </p:tnLst>
-  </p:timing>
-</p:sld>
-</file>
-
-<file path=ppt/slides/slide40.xml><?xml version="1.0" encoding="utf-8"?>
+<file path=ppt/slides/slide41.xml><?xml version="1.0" encoding="utf-8"?>
 <p:sld xmlns:a="http://schemas.openxmlformats.org/drawingml/2006/main" xmlns:r="http://schemas.openxmlformats.org/officeDocument/2006/relationships" xmlns:p="http://schemas.openxmlformats.org/presentationml/2006/main">
   <p:cSld>
     <p:spTree>
@@ -28762,7 +29037,7 @@
           <a:p>
             <a:fld id="{8253DDDB-F8F7-4D64-A7FD-3F3D61C1949F}" type="slidenum">
               <a:rPr lang="ru-RU" smtClean="0"/>
-              <a:t>40</a:t>
+              <a:t>41</a:t>
             </a:fld>
             <a:endParaRPr lang="ru-RU"/>
           </a:p>
@@ -29350,7 +29625,7 @@
 </p:sld>
 </file>
 
-<file path=ppt/slides/slide41.xml><?xml version="1.0" encoding="utf-8"?>
+<file path=ppt/slides/slide42.xml><?xml version="1.0" encoding="utf-8"?>
 <p:sld xmlns:a="http://schemas.openxmlformats.org/drawingml/2006/main" xmlns:r="http://schemas.openxmlformats.org/officeDocument/2006/relationships" xmlns:p="http://schemas.openxmlformats.org/presentationml/2006/main">
   <p:cSld>
     <p:spTree>
@@ -30120,7 +30395,7 @@
           <a:p>
             <a:fld id="{8253DDDB-F8F7-4D64-A7FD-3F3D61C1949F}" type="slidenum">
               <a:rPr lang="ru-RU" smtClean="0"/>
-              <a:t>41</a:t>
+              <a:t>42</a:t>
             </a:fld>
             <a:endParaRPr lang="ru-RU"/>
           </a:p>
@@ -30146,7 +30421,7 @@
 </p:sld>
 </file>
 
-<file path=ppt/slides/slide42.xml><?xml version="1.0" encoding="utf-8"?>
+<file path=ppt/slides/slide43.xml><?xml version="1.0" encoding="utf-8"?>
 <p:sld xmlns:a="http://schemas.openxmlformats.org/drawingml/2006/main" xmlns:r="http://schemas.openxmlformats.org/officeDocument/2006/relationships" xmlns:p="http://schemas.openxmlformats.org/presentationml/2006/main">
   <p:cSld>
     <p:spTree>
@@ -30928,7 +31203,7 @@
           <a:p>
             <a:fld id="{8253DDDB-F8F7-4D64-A7FD-3F3D61C1949F}" type="slidenum">
               <a:rPr lang="ru-RU" smtClean="0"/>
-              <a:t>42</a:t>
+              <a:t>43</a:t>
             </a:fld>
             <a:endParaRPr lang="ru-RU"/>
           </a:p>
@@ -30954,7 +31229,7 @@
 </p:sld>
 </file>
 
-<file path=ppt/slides/slide43.xml><?xml version="1.0" encoding="utf-8"?>
+<file path=ppt/slides/slide44.xml><?xml version="1.0" encoding="utf-8"?>
 <p:sld xmlns:a="http://schemas.openxmlformats.org/drawingml/2006/main" xmlns:r="http://schemas.openxmlformats.org/officeDocument/2006/relationships" xmlns:p="http://schemas.openxmlformats.org/presentationml/2006/main">
   <p:cSld>
     <p:spTree>
@@ -30994,8 +31269,8 @@
           </a:p>
         </p:txBody>
       </p:sp>
-      <mc:AlternateContent xmlns:mc="http://schemas.openxmlformats.org/markup-compatibility/2006">
-        <mc:Choice xmlns:a14="http://schemas.microsoft.com/office/drawing/2010/main" Requires="a14">
+      <mc:AlternateContent xmlns:mc="http://schemas.openxmlformats.org/markup-compatibility/2006" xmlns:a14="http://schemas.microsoft.com/office/drawing/2010/main">
+        <mc:Choice Requires="a14">
           <p:sp>
             <p:nvSpPr>
               <p:cNvPr id="3" name="Объект 2"/>
@@ -31008,7 +31283,7 @@
             </p:nvSpPr>
             <p:spPr>
               <a:xfrm>
-                <a:off x="838200" y="1847850"/>
+                <a:off x="838200" y="1596390"/>
                 <a:ext cx="10515600" cy="4351338"/>
               </a:xfrm>
             </p:spPr>
@@ -31071,101 +31346,159 @@
                       </a:rPr>
                       <m:t>=−</m:t>
                     </m:r>
-                    <m:r>
-                      <m:rPr>
-                        <m:sty m:val="p"/>
-                      </m:rPr>
-                      <a:rPr lang="en-US" b="0" i="0" smtClean="0">
-                        <a:latin typeface="Cambria Math" panose="02040503050406030204" pitchFamily="18" charset="0"/>
-                      </a:rPr>
-                      <m:t>Pr</m:t>
-                    </m:r>
-                    <m:r>
-                      <a:rPr lang="en-US" b="0" i="1" smtClean="0">
-                        <a:latin typeface="Cambria Math" panose="02040503050406030204" pitchFamily="18" charset="0"/>
-                      </a:rPr>
-                      <m:t>⁡[</m:t>
-                    </m:r>
-                    <m:r>
-                      <a:rPr lang="en-US" b="1" i="1" smtClean="0">
-                        <a:latin typeface="Cambria Math" panose="02040503050406030204" pitchFamily="18" charset="0"/>
-                      </a:rPr>
-                      <m:t>𝒙</m:t>
-                    </m:r>
-                    <m:r>
-                      <a:rPr lang="en-US" b="0" i="1" smtClean="0">
-                        <a:latin typeface="Cambria Math" panose="02040503050406030204" pitchFamily="18" charset="0"/>
-                      </a:rPr>
-                      <m:t>]</m:t>
-                    </m:r>
-                    <m:func>
-                      <m:funcPr>
+                    <m:nary>
+                      <m:naryPr>
+                        <m:chr m:val="∑"/>
+                        <m:supHide m:val="on"/>
                         <m:ctrlPr>
-                          <a:rPr lang="en-US" b="0" i="1" smtClean="0">
+                          <a:rPr lang="ru-RU" b="0" i="1" smtClean="0">
                             <a:latin typeface="Cambria Math" panose="02040503050406030204" pitchFamily="18" charset="0"/>
                           </a:rPr>
                         </m:ctrlPr>
-                      </m:funcPr>
-                      <m:fName>
-                        <m:sSub>
-                          <m:sSubPr>
+                      </m:naryPr>
+                      <m:sub>
+                        <m:r>
+                          <a:rPr lang="en-US" b="0" i="1" smtClean="0">
+                            <a:latin typeface="Cambria Math" panose="02040503050406030204" pitchFamily="18" charset="0"/>
+                          </a:rPr>
+                          <m:t>𝑥</m:t>
+                        </m:r>
+                        <m:r>
+                          <a:rPr lang="en-US" b="0" i="1" smtClean="0">
+                            <a:latin typeface="Cambria Math" panose="02040503050406030204" pitchFamily="18" charset="0"/>
+                          </a:rPr>
+                          <m:t>∈</m:t>
+                        </m:r>
+                        <m:r>
+                          <a:rPr lang="en-US" b="0" i="1" smtClean="0">
+                            <a:latin typeface="Cambria Math" panose="02040503050406030204" pitchFamily="18" charset="0"/>
+                          </a:rPr>
+                          <m:t>𝑋</m:t>
+                        </m:r>
+                      </m:sub>
+                      <m:sup/>
+                      <m:e>
+                        <m:r>
+                          <m:rPr>
+                            <m:sty m:val="p"/>
+                          </m:rPr>
+                          <a:rPr lang="en-US">
+                            <a:latin typeface="Cambria Math" panose="02040503050406030204" pitchFamily="18" charset="0"/>
+                          </a:rPr>
+                          <m:t>Pr</m:t>
+                        </m:r>
+                        <m:r>
+                          <a:rPr lang="en-US" i="1">
+                            <a:latin typeface="Cambria Math" panose="02040503050406030204" pitchFamily="18" charset="0"/>
+                          </a:rPr>
+                          <m:t>⁡[</m:t>
+                        </m:r>
+                        <m:r>
+                          <a:rPr lang="en-US" b="1" i="1">
+                            <a:latin typeface="Cambria Math" panose="02040503050406030204" pitchFamily="18" charset="0"/>
+                          </a:rPr>
+                          <m:t>𝒙</m:t>
+                        </m:r>
+                        <m:r>
+                          <a:rPr lang="en-US" b="0" i="1" smtClean="0">
+                            <a:latin typeface="Cambria Math" panose="02040503050406030204" pitchFamily="18" charset="0"/>
+                          </a:rPr>
+                          <m:t>=</m:t>
+                        </m:r>
+                        <m:r>
+                          <a:rPr lang="en-US" b="0" i="1" smtClean="0">
+                            <a:latin typeface="Cambria Math" panose="02040503050406030204" pitchFamily="18" charset="0"/>
+                          </a:rPr>
+                          <m:t>𝑥</m:t>
+                        </m:r>
+                        <m:r>
+                          <a:rPr lang="en-US" i="1">
+                            <a:latin typeface="Cambria Math" panose="02040503050406030204" pitchFamily="18" charset="0"/>
+                          </a:rPr>
+                          <m:t>]</m:t>
+                        </m:r>
+                        <m:func>
+                          <m:funcPr>
                             <m:ctrlPr>
-                              <a:rPr lang="en-US" b="0" i="1" smtClean="0">
+                              <a:rPr lang="en-US" i="1">
                                 <a:latin typeface="Cambria Math" panose="02040503050406030204" pitchFamily="18" charset="0"/>
                               </a:rPr>
                             </m:ctrlPr>
-                          </m:sSubPr>
+                          </m:funcPr>
+                          <m:fName>
+                            <m:sSub>
+                              <m:sSubPr>
+                                <m:ctrlPr>
+                                  <a:rPr lang="en-US" i="1">
+                                    <a:latin typeface="Cambria Math" panose="02040503050406030204" pitchFamily="18" charset="0"/>
+                                  </a:rPr>
+                                </m:ctrlPr>
+                              </m:sSubPr>
+                              <m:e>
+                                <m:r>
+                                  <m:rPr>
+                                    <m:sty m:val="p"/>
+                                  </m:rPr>
+                                  <a:rPr lang="en-US">
+                                    <a:latin typeface="Cambria Math" panose="02040503050406030204" pitchFamily="18" charset="0"/>
+                                  </a:rPr>
+                                  <m:t>log</m:t>
+                                </m:r>
+                              </m:e>
+                              <m:sub>
+                                <m:r>
+                                  <a:rPr lang="en-US" i="1">
+                                    <a:latin typeface="Cambria Math" panose="02040503050406030204" pitchFamily="18" charset="0"/>
+                                  </a:rPr>
+                                  <m:t>2</m:t>
+                                </m:r>
+                              </m:sub>
+                            </m:sSub>
+                          </m:fName>
                           <m:e>
                             <m:r>
                               <m:rPr>
                                 <m:sty m:val="p"/>
                               </m:rPr>
-                              <a:rPr lang="en-US" b="0" i="0" smtClean="0">
+                              <a:rPr lang="en-US">
                                 <a:latin typeface="Cambria Math" panose="02040503050406030204" pitchFamily="18" charset="0"/>
                               </a:rPr>
-                              <m:t>log</m:t>
+                              <m:t>Pr</m:t>
                             </m:r>
-                          </m:e>
-                          <m:sub>
+                            <m:r>
+                              <a:rPr lang="en-US" i="1">
+                                <a:latin typeface="Cambria Math" panose="02040503050406030204" pitchFamily="18" charset="0"/>
+                              </a:rPr>
+                              <m:t>⁡[</m:t>
+                            </m:r>
+                            <m:r>
+                              <a:rPr lang="en-US" b="1" i="1">
+                                <a:latin typeface="Cambria Math" panose="02040503050406030204" pitchFamily="18" charset="0"/>
+                              </a:rPr>
+                              <m:t>𝒙</m:t>
+                            </m:r>
+                            <m:r>
+                              <a:rPr lang="en-US" b="1" i="1" smtClean="0">
+                                <a:latin typeface="Cambria Math" panose="02040503050406030204" pitchFamily="18" charset="0"/>
+                              </a:rPr>
+                              <m:t>=</m:t>
+                            </m:r>
                             <m:r>
                               <a:rPr lang="en-US" b="0" i="1" smtClean="0">
                                 <a:latin typeface="Cambria Math" panose="02040503050406030204" pitchFamily="18" charset="0"/>
                               </a:rPr>
-                              <m:t>2</m:t>
+                              <m:t>𝑥</m:t>
                             </m:r>
-                          </m:sub>
-                        </m:sSub>
-                      </m:fName>
-                      <m:e>
-                        <m:r>
-                          <m:rPr>
-                            <m:sty m:val="p"/>
-                          </m:rPr>
-                          <a:rPr lang="en-US" b="0" i="0" smtClean="0">
-                            <a:latin typeface="Cambria Math" panose="02040503050406030204" pitchFamily="18" charset="0"/>
-                          </a:rPr>
-                          <m:t>Pr</m:t>
-                        </m:r>
-                        <m:r>
-                          <a:rPr lang="en-US" b="0" i="1" smtClean="0">
-                            <a:latin typeface="Cambria Math" panose="02040503050406030204" pitchFamily="18" charset="0"/>
-                          </a:rPr>
-                          <m:t>⁡[</m:t>
-                        </m:r>
-                        <m:r>
-                          <a:rPr lang="en-US" b="1" i="1" smtClean="0">
-                            <a:latin typeface="Cambria Math" panose="02040503050406030204" pitchFamily="18" charset="0"/>
-                          </a:rPr>
-                          <m:t>𝒙</m:t>
-                        </m:r>
-                        <m:r>
-                          <a:rPr lang="en-US" b="0" i="1" smtClean="0">
-                            <a:latin typeface="Cambria Math" panose="02040503050406030204" pitchFamily="18" charset="0"/>
-                          </a:rPr>
-                          <m:t>]</m:t>
-                        </m:r>
+                            <m:r>
+                              <a:rPr lang="en-US" i="1">
+                                <a:latin typeface="Cambria Math" panose="02040503050406030204" pitchFamily="18" charset="0"/>
+                              </a:rPr>
+                              <m:t>]</m:t>
+                            </m:r>
+                          </m:e>
+                        </m:func>
                       </m:e>
-                    </m:func>
+                    </m:nary>
                   </m:oMath>
                 </a14:m>
                 <a:r>
@@ -31191,6 +31524,37 @@
                         <a:latin typeface="Cambria Math" panose="02040503050406030204" pitchFamily="18" charset="0"/>
                       </a:rPr>
                       <m:t>𝒙</m:t>
+                    </m:r>
+                    <m:sSub>
+                      <m:sSubPr>
+                        <m:ctrlPr>
+                          <a:rPr lang="en-US" b="1" i="1" smtClean="0">
+                            <a:latin typeface="Cambria Math" panose="02040503050406030204" pitchFamily="18" charset="0"/>
+                          </a:rPr>
+                        </m:ctrlPr>
+                      </m:sSubPr>
+                      <m:e>
+                        <m:r>
+                          <a:rPr lang="en-US" b="0" i="1" smtClean="0">
+                            <a:latin typeface="Cambria Math" panose="02040503050406030204" pitchFamily="18" charset="0"/>
+                          </a:rPr>
+                          <m:t>∈</m:t>
+                        </m:r>
+                      </m:e>
+                      <m:sub>
+                        <m:r>
+                          <a:rPr lang="en-US" b="0" i="1" smtClean="0">
+                            <a:latin typeface="Cambria Math" panose="02040503050406030204" pitchFamily="18" charset="0"/>
+                          </a:rPr>
+                          <m:t>𝑅</m:t>
+                        </m:r>
+                      </m:sub>
+                    </m:sSub>
+                    <m:r>
+                      <a:rPr lang="en-US" b="0" i="1" smtClean="0">
+                        <a:latin typeface="Cambria Math" panose="02040503050406030204" pitchFamily="18" charset="0"/>
+                      </a:rPr>
+                      <m:t>𝑋</m:t>
                     </m:r>
                   </m:oMath>
                 </a14:m>
@@ -31455,13 +31819,7 @@
                       <a:rPr lang="en-US" b="0" i="1" smtClean="0">
                         <a:latin typeface="Cambria Math" panose="02040503050406030204" pitchFamily="18" charset="0"/>
                       </a:rPr>
-                      <m:t>=</m:t>
-                    </m:r>
-                    <m:r>
-                      <a:rPr lang="en-US" b="0" i="1" smtClean="0">
-                        <a:latin typeface="Cambria Math" panose="02040503050406030204" pitchFamily="18" charset="0"/>
-                      </a:rPr>
-                      <m:t>−</m:t>
+                      <m:t>=−</m:t>
                     </m:r>
                     <m:nary>
                       <m:naryPr>
@@ -31474,142 +31832,71 @@
                         </m:ctrlPr>
                       </m:naryPr>
                       <m:sub>
-                        <m:r>
-                          <a:rPr lang="en-US" b="0" i="1" smtClean="0">
-                            <a:latin typeface="Cambria Math" panose="02040503050406030204" pitchFamily="18" charset="0"/>
-                          </a:rPr>
-                          <m:t>𝑦</m:t>
-                        </m:r>
-                        <m:r>
-                          <a:rPr lang="en-US" b="0" i="1" smtClean="0">
-                            <a:latin typeface="Cambria Math" panose="02040503050406030204" pitchFamily="18" charset="0"/>
-                          </a:rPr>
-                          <m:t>∈</m:t>
-                        </m:r>
-                        <m:r>
-                          <a:rPr lang="en-US" b="0" i="1" smtClean="0">
-                            <a:latin typeface="Cambria Math" panose="02040503050406030204" pitchFamily="18" charset="0"/>
-                          </a:rPr>
-                          <m:t>𝑌</m:t>
-                        </m:r>
-                      </m:sub>
-                      <m:sup/>
-                      <m:e>
-                        <m:func>
-                          <m:funcPr>
+                        <m:sSub>
+                          <m:sSubPr>
                             <m:ctrlPr>
                               <a:rPr lang="en-US" b="0" i="1" smtClean="0">
                                 <a:latin typeface="Cambria Math" panose="02040503050406030204" pitchFamily="18" charset="0"/>
                               </a:rPr>
                             </m:ctrlPr>
-                          </m:funcPr>
-                          <m:fName>
+                          </m:sSubPr>
+                          <m:e>
                             <m:r>
-                              <m:rPr>
-                                <m:sty m:val="p"/>
-                              </m:rPr>
-                              <a:rPr lang="en-US" b="0" i="0" smtClean="0">
-                                <a:latin typeface="Cambria Math" panose="02040503050406030204" pitchFamily="18" charset="0"/>
-                              </a:rPr>
-                              <m:t>Pr</m:t>
-                            </m:r>
-                          </m:fName>
-                          <m:e>
-                            <m:d>
-                              <m:dPr>
-                                <m:begChr m:val="["/>
-                                <m:endChr m:val="]"/>
-                                <m:ctrlPr>
-                                  <a:rPr lang="en-US" b="0" i="1" smtClean="0">
-                                    <a:latin typeface="Cambria Math" panose="02040503050406030204" pitchFamily="18" charset="0"/>
-                                  </a:rPr>
-                                </m:ctrlPr>
-                              </m:dPr>
-                              <m:e>
-                                <m:r>
-                                  <a:rPr lang="en-US" b="1" i="1" smtClean="0">
-                                    <a:latin typeface="Cambria Math" panose="02040503050406030204" pitchFamily="18" charset="0"/>
-                                  </a:rPr>
-                                  <m:t>𝒙</m:t>
-                                </m:r>
-                                <m:r>
-                                  <a:rPr lang="en-US" b="0" i="1" smtClean="0">
-                                    <a:latin typeface="Cambria Math" panose="02040503050406030204" pitchFamily="18" charset="0"/>
-                                  </a:rPr>
-                                  <m:t>=</m:t>
-                                </m:r>
-                                <m:r>
-                                  <a:rPr lang="en-US" b="0" i="1" smtClean="0">
-                                    <a:latin typeface="Cambria Math" panose="02040503050406030204" pitchFamily="18" charset="0"/>
-                                  </a:rPr>
-                                  <m:t>𝑥</m:t>
-                                </m:r>
-                                <m:r>
-                                  <a:rPr lang="en-US" b="0" i="1" smtClean="0">
-                                    <a:latin typeface="Cambria Math" panose="02040503050406030204" pitchFamily="18" charset="0"/>
-                                  </a:rPr>
-                                  <m:t>|</m:t>
-                                </m:r>
-                                <m:r>
-                                  <a:rPr lang="en-US" b="1" i="1" smtClean="0">
-                                    <a:latin typeface="Cambria Math" panose="02040503050406030204" pitchFamily="18" charset="0"/>
-                                  </a:rPr>
-                                  <m:t>𝒚</m:t>
-                                </m:r>
-                                <m:r>
-                                  <a:rPr lang="en-US" b="0" i="1" smtClean="0">
-                                    <a:latin typeface="Cambria Math" panose="02040503050406030204" pitchFamily="18" charset="0"/>
-                                  </a:rPr>
-                                  <m:t>=</m:t>
-                                </m:r>
-                                <m:r>
-                                  <a:rPr lang="en-US" b="0" i="1" smtClean="0">
-                                    <a:latin typeface="Cambria Math" panose="02040503050406030204" pitchFamily="18" charset="0"/>
-                                  </a:rPr>
-                                  <m:t>𝑦</m:t>
-                                </m:r>
-                              </m:e>
-                            </m:d>
-                          </m:e>
-                        </m:func>
-                        <m:func>
-                          <m:funcPr>
-                            <m:ctrlPr>
                               <a:rPr lang="en-US" b="0" i="1" smtClean="0">
                                 <a:latin typeface="Cambria Math" panose="02040503050406030204" pitchFamily="18" charset="0"/>
                               </a:rPr>
+                              <m:t>𝑥</m:t>
+                            </m:r>
+                          </m:e>
+                          <m:sub>
+                            <m:r>
+                              <a:rPr lang="en-US" b="0" i="1" smtClean="0">
+                                <a:latin typeface="Cambria Math" panose="02040503050406030204" pitchFamily="18" charset="0"/>
+                              </a:rPr>
+                              <m:t>∈</m:t>
+                            </m:r>
+                          </m:sub>
+                        </m:sSub>
+                        <m:r>
+                          <a:rPr lang="en-US" b="0" i="1" smtClean="0">
+                            <a:latin typeface="Cambria Math" panose="02040503050406030204" pitchFamily="18" charset="0"/>
+                          </a:rPr>
+                          <m:t>𝑋</m:t>
+                        </m:r>
+                      </m:sub>
+                      <m:sup/>
+                      <m:e>
+                        <m:nary>
+                          <m:naryPr>
+                            <m:chr m:val="∑"/>
+                            <m:supHide m:val="on"/>
+                            <m:ctrlPr>
+                              <a:rPr lang="en-US" i="1">
+                                <a:latin typeface="Cambria Math" panose="02040503050406030204" pitchFamily="18" charset="0"/>
+                              </a:rPr>
                             </m:ctrlPr>
-                          </m:funcPr>
-                          <m:fName>
-                            <m:sSub>
-                              <m:sSubPr>
-                                <m:ctrlPr>
-                                  <a:rPr lang="en-US" b="0" i="1" smtClean="0">
-                                    <a:latin typeface="Cambria Math" panose="02040503050406030204" pitchFamily="18" charset="0"/>
-                                  </a:rPr>
-                                </m:ctrlPr>
-                              </m:sSubPr>
-                              <m:e>
-                                <m:r>
-                                  <m:rPr>
-                                    <m:sty m:val="p"/>
-                                  </m:rPr>
-                                  <a:rPr lang="en-US" b="0" i="0" smtClean="0">
-                                    <a:latin typeface="Cambria Math" panose="02040503050406030204" pitchFamily="18" charset="0"/>
-                                  </a:rPr>
-                                  <m:t>log</m:t>
-                                </m:r>
-                              </m:e>
-                              <m:sub>
-                                <m:r>
-                                  <a:rPr lang="en-US" b="0" i="1" smtClean="0">
-                                    <a:latin typeface="Cambria Math" panose="02040503050406030204" pitchFamily="18" charset="0"/>
-                                  </a:rPr>
-                                  <m:t>2</m:t>
-                                </m:r>
-                              </m:sub>
-                            </m:sSub>
-                          </m:fName>
+                          </m:naryPr>
+                          <m:sub>
+                            <m:r>
+                              <a:rPr lang="en-US" i="1">
+                                <a:latin typeface="Cambria Math" panose="02040503050406030204" pitchFamily="18" charset="0"/>
+                              </a:rPr>
+                              <m:t>𝑦</m:t>
+                            </m:r>
+                            <m:r>
+                              <a:rPr lang="en-US" i="1">
+                                <a:latin typeface="Cambria Math" panose="02040503050406030204" pitchFamily="18" charset="0"/>
+                              </a:rPr>
+                              <m:t>∈</m:t>
+                            </m:r>
+                            <m:r>
+                              <a:rPr lang="en-US" i="1">
+                                <a:latin typeface="Cambria Math" panose="02040503050406030204" pitchFamily="18" charset="0"/>
+                              </a:rPr>
+                              <m:t>𝑌</m:t>
+                            </m:r>
+                          </m:sub>
+                          <m:sup/>
                           <m:e>
                             <m:func>
                               <m:funcPr>
@@ -31643,7 +31930,7 @@
                                   </m:dPr>
                                   <m:e>
                                     <m:r>
-                                      <a:rPr lang="en-US" b="1" i="1" smtClean="0">
+                                      <a:rPr lang="en-US" b="1" i="1">
                                         <a:latin typeface="Cambria Math" panose="02040503050406030204" pitchFamily="18" charset="0"/>
                                       </a:rPr>
                                       <m:t>𝒙</m:t>
@@ -31655,7 +31942,7 @@
                                       <m:t>=</m:t>
                                     </m:r>
                                     <m:r>
-                                      <a:rPr lang="en-US" b="0" i="1" smtClean="0">
+                                      <a:rPr lang="en-US" i="1">
                                         <a:latin typeface="Cambria Math" panose="02040503050406030204" pitchFamily="18" charset="0"/>
                                       </a:rPr>
                                       <m:t>𝑥</m:t>
@@ -31667,7 +31954,7 @@
                                       <m:t>|</m:t>
                                     </m:r>
                                     <m:r>
-                                      <a:rPr lang="en-US" b="1" i="1" smtClean="0">
+                                      <a:rPr lang="en-US" b="1" i="1">
                                         <a:latin typeface="Cambria Math" panose="02040503050406030204" pitchFamily="18" charset="0"/>
                                       </a:rPr>
                                       <m:t>𝒚</m:t>
@@ -31679,7 +31966,7 @@
                                       <m:t>=</m:t>
                                     </m:r>
                                     <m:r>
-                                      <a:rPr lang="en-US" b="0" i="1" smtClean="0">
+                                      <a:rPr lang="en-US" i="1">
                                         <a:latin typeface="Cambria Math" panose="02040503050406030204" pitchFamily="18" charset="0"/>
                                       </a:rPr>
                                       <m:t>𝑦</m:t>
@@ -31688,8 +31975,126 @@
                                 </m:d>
                               </m:e>
                             </m:func>
+                            <m:func>
+                              <m:funcPr>
+                                <m:ctrlPr>
+                                  <a:rPr lang="en-US" i="1">
+                                    <a:latin typeface="Cambria Math" panose="02040503050406030204" pitchFamily="18" charset="0"/>
+                                  </a:rPr>
+                                </m:ctrlPr>
+                              </m:funcPr>
+                              <m:fName>
+                                <m:sSub>
+                                  <m:sSubPr>
+                                    <m:ctrlPr>
+                                      <a:rPr lang="en-US" i="1">
+                                        <a:latin typeface="Cambria Math" panose="02040503050406030204" pitchFamily="18" charset="0"/>
+                                      </a:rPr>
+                                    </m:ctrlPr>
+                                  </m:sSubPr>
+                                  <m:e>
+                                    <m:r>
+                                      <m:rPr>
+                                        <m:sty m:val="p"/>
+                                      </m:rPr>
+                                      <a:rPr lang="en-US">
+                                        <a:latin typeface="Cambria Math" panose="02040503050406030204" pitchFamily="18" charset="0"/>
+                                      </a:rPr>
+                                      <m:t>log</m:t>
+                                    </m:r>
+                                  </m:e>
+                                  <m:sub>
+                                    <m:r>
+                                      <a:rPr lang="en-US" i="1">
+                                        <a:latin typeface="Cambria Math" panose="02040503050406030204" pitchFamily="18" charset="0"/>
+                                      </a:rPr>
+                                      <m:t>2</m:t>
+                                    </m:r>
+                                  </m:sub>
+                                </m:sSub>
+                              </m:fName>
+                              <m:e>
+                                <m:func>
+                                  <m:funcPr>
+                                    <m:ctrlPr>
+                                      <a:rPr lang="en-US" i="1">
+                                        <a:latin typeface="Cambria Math" panose="02040503050406030204" pitchFamily="18" charset="0"/>
+                                      </a:rPr>
+                                    </m:ctrlPr>
+                                  </m:funcPr>
+                                  <m:fName>
+                                    <m:r>
+                                      <m:rPr>
+                                        <m:sty m:val="p"/>
+                                      </m:rPr>
+                                      <a:rPr lang="en-US">
+                                        <a:latin typeface="Cambria Math" panose="02040503050406030204" pitchFamily="18" charset="0"/>
+                                      </a:rPr>
+                                      <m:t>Pr</m:t>
+                                    </m:r>
+                                  </m:fName>
+                                  <m:e>
+                                    <m:d>
+                                      <m:dPr>
+                                        <m:begChr m:val="["/>
+                                        <m:endChr m:val="]"/>
+                                        <m:ctrlPr>
+                                          <a:rPr lang="en-US" i="1">
+                                            <a:latin typeface="Cambria Math" panose="02040503050406030204" pitchFamily="18" charset="0"/>
+                                          </a:rPr>
+                                        </m:ctrlPr>
+                                      </m:dPr>
+                                      <m:e>
+                                        <m:r>
+                                          <a:rPr lang="en-US" b="1" i="1">
+                                            <a:latin typeface="Cambria Math" panose="02040503050406030204" pitchFamily="18" charset="0"/>
+                                          </a:rPr>
+                                          <m:t>𝒙</m:t>
+                                        </m:r>
+                                        <m:r>
+                                          <a:rPr lang="en-US" i="1">
+                                            <a:latin typeface="Cambria Math" panose="02040503050406030204" pitchFamily="18" charset="0"/>
+                                          </a:rPr>
+                                          <m:t>=</m:t>
+                                        </m:r>
+                                        <m:r>
+                                          <a:rPr lang="en-US" i="1">
+                                            <a:latin typeface="Cambria Math" panose="02040503050406030204" pitchFamily="18" charset="0"/>
+                                          </a:rPr>
+                                          <m:t>𝑥</m:t>
+                                        </m:r>
+                                        <m:r>
+                                          <a:rPr lang="en-US" i="1">
+                                            <a:latin typeface="Cambria Math" panose="02040503050406030204" pitchFamily="18" charset="0"/>
+                                          </a:rPr>
+                                          <m:t>|</m:t>
+                                        </m:r>
+                                        <m:r>
+                                          <a:rPr lang="en-US" b="1" i="1">
+                                            <a:latin typeface="Cambria Math" panose="02040503050406030204" pitchFamily="18" charset="0"/>
+                                          </a:rPr>
+                                          <m:t>𝒚</m:t>
+                                        </m:r>
+                                        <m:r>
+                                          <a:rPr lang="en-US" i="1">
+                                            <a:latin typeface="Cambria Math" panose="02040503050406030204" pitchFamily="18" charset="0"/>
+                                          </a:rPr>
+                                          <m:t>=</m:t>
+                                        </m:r>
+                                        <m:r>
+                                          <a:rPr lang="en-US" i="1">
+                                            <a:latin typeface="Cambria Math" panose="02040503050406030204" pitchFamily="18" charset="0"/>
+                                          </a:rPr>
+                                          <m:t>𝑦</m:t>
+                                        </m:r>
+                                      </m:e>
+                                    </m:d>
+                                  </m:e>
+                                </m:func>
+                              </m:e>
+                            </m:func>
                           </m:e>
-                        </m:func>
+                        </m:nary>
                       </m:e>
                     </m:nary>
                   </m:oMath>
@@ -31907,7 +32312,7 @@
             </p:txBody>
           </p:sp>
         </mc:Choice>
-        <mc:Fallback>
+        <mc:Fallback xmlns="">
           <p:sp>
             <p:nvSpPr>
               <p:cNvPr id="3" name="Объект 2"/>
@@ -31920,13 +32325,13 @@
             </p:nvSpPr>
             <p:spPr>
               <a:xfrm>
-                <a:off x="838200" y="1847850"/>
+                <a:off x="838200" y="1596390"/>
                 <a:ext cx="10515600" cy="4351338"/>
               </a:xfrm>
               <a:blipFill>
                 <a:blip r:embed="rId2"/>
                 <a:stretch>
-                  <a:fillRect l="-1043" t="-2241" b="-14286"/>
+                  <a:fillRect l="-1043" t="-2241" r="-522" b="-22409"/>
                 </a:stretch>
               </a:blipFill>
             </p:spPr>
@@ -31962,7 +32367,7 @@
           <a:p>
             <a:fld id="{8253DDDB-F8F7-4D64-A7FD-3F3D61C1949F}" type="slidenum">
               <a:rPr lang="ru-RU" smtClean="0"/>
-              <a:t>43</a:t>
+              <a:t>44</a:t>
             </a:fld>
             <a:endParaRPr lang="ru-RU"/>
           </a:p>
@@ -31988,7 +32393,7 @@
 </p:sld>
 </file>
 
-<file path=ppt/slides/slide44.xml><?xml version="1.0" encoding="utf-8"?>
+<file path=ppt/slides/slide45.xml><?xml version="1.0" encoding="utf-8"?>
 <p:sld xmlns:a="http://schemas.openxmlformats.org/drawingml/2006/main" xmlns:r="http://schemas.openxmlformats.org/officeDocument/2006/relationships" xmlns:p="http://schemas.openxmlformats.org/presentationml/2006/main">
   <p:cSld>
     <p:spTree>
@@ -32074,7 +32479,7 @@
           <a:p>
             <a:fld id="{8253DDDB-F8F7-4D64-A7FD-3F3D61C1949F}" type="slidenum">
               <a:rPr lang="ru-RU" smtClean="0"/>
-              <a:t>44</a:t>
+              <a:t>45</a:t>
             </a:fld>
             <a:endParaRPr lang="ru-RU"/>
           </a:p>
@@ -32100,7 +32505,7 @@
 </p:sld>
 </file>
 
-<file path=ppt/slides/slide45.xml><?xml version="1.0" encoding="utf-8"?>
+<file path=ppt/slides/slide46.xml><?xml version="1.0" encoding="utf-8"?>
 <p:sld xmlns:a="http://schemas.openxmlformats.org/drawingml/2006/main" xmlns:r="http://schemas.openxmlformats.org/officeDocument/2006/relationships" xmlns:p="http://schemas.openxmlformats.org/presentationml/2006/main">
   <p:cSld>
     <p:spTree>
@@ -32572,7 +32977,7 @@
             </p:nvSpPr>
             <p:spPr>
               <a:blipFill>
-                <a:blip r:embed="rId2"/>
+                <a:blip r:embed="rId3"/>
                 <a:stretch>
                   <a:fillRect l="-1043" t="-2101" r="-580"/>
                 </a:stretch>
@@ -32610,7 +33015,7 @@
           <a:p>
             <a:fld id="{8253DDDB-F8F7-4D64-A7FD-3F3D61C1949F}" type="slidenum">
               <a:rPr lang="ru-RU" smtClean="0"/>
-              <a:t>45</a:t>
+              <a:t>46</a:t>
             </a:fld>
             <a:endParaRPr lang="ru-RU"/>
           </a:p>
@@ -32636,7 +33041,7 @@
 </p:sld>
 </file>
 
-<file path=ppt/slides/slide46.xml><?xml version="1.0" encoding="utf-8"?>
+<file path=ppt/slides/slide47.xml><?xml version="1.0" encoding="utf-8"?>
 <p:sld xmlns:a="http://schemas.openxmlformats.org/drawingml/2006/main" xmlns:r="http://schemas.openxmlformats.org/officeDocument/2006/relationships" xmlns:p="http://schemas.openxmlformats.org/presentationml/2006/main">
   <p:cSld>
     <p:spTree>
@@ -33215,7 +33620,7 @@
           <a:p>
             <a:fld id="{8253DDDB-F8F7-4D64-A7FD-3F3D61C1949F}" type="slidenum">
               <a:rPr lang="ru-RU" smtClean="0"/>
-              <a:t>46</a:t>
+              <a:t>47</a:t>
             </a:fld>
             <a:endParaRPr lang="ru-RU"/>
           </a:p>
@@ -33241,7 +33646,7 @@
 </p:sld>
 </file>
 
-<file path=ppt/slides/slide47.xml><?xml version="1.0" encoding="utf-8"?>
+<file path=ppt/slides/slide48.xml><?xml version="1.0" encoding="utf-8"?>
 <p:sld xmlns:a="http://schemas.openxmlformats.org/drawingml/2006/main" xmlns:r="http://schemas.openxmlformats.org/officeDocument/2006/relationships" xmlns:p="http://schemas.openxmlformats.org/presentationml/2006/main">
   <p:cSld>
     <p:spTree>
@@ -33323,7 +33728,7 @@
           <a:p>
             <a:fld id="{8253DDDB-F8F7-4D64-A7FD-3F3D61C1949F}" type="slidenum">
               <a:rPr lang="ru-RU" smtClean="0"/>
-              <a:t>47</a:t>
+              <a:t>48</a:t>
             </a:fld>
             <a:endParaRPr lang="ru-RU"/>
           </a:p>
@@ -33339,6 +33744,111 @@
   <p:clrMapOvr>
     <a:masterClrMapping/>
   </p:clrMapOvr>
+  <p:timing>
+    <p:tnLst>
+      <p:par>
+        <p:cTn id="1" dur="indefinite" restart="never" nodeType="tmRoot"/>
+      </p:par>
+    </p:tnLst>
+  </p:timing>
+</p:sld>
+</file>
+
+<file path=ppt/slides/slide49.xml><?xml version="1.0" encoding="utf-8"?>
+<p:sld xmlns:a="http://schemas.openxmlformats.org/drawingml/2006/main" xmlns:r="http://schemas.openxmlformats.org/officeDocument/2006/relationships" xmlns:p="http://schemas.openxmlformats.org/presentationml/2006/main">
+  <p:cSld>
+    <p:spTree>
+      <p:nvGrpSpPr>
+        <p:cNvPr id="1" name=""/>
+        <p:cNvGrpSpPr/>
+        <p:nvPr/>
+      </p:nvGrpSpPr>
+      <p:grpSpPr>
+        <a:xfrm>
+          <a:off x="0" y="0"/>
+          <a:ext cx="0" cy="0"/>
+          <a:chOff x="0" y="0"/>
+          <a:chExt cx="0" cy="0"/>
+        </a:xfrm>
+      </p:grpSpPr>
+      <p:sp>
+        <p:nvSpPr>
+          <p:cNvPr id="2" name="Заголовок 1"/>
+          <p:cNvSpPr>
+            <a:spLocks noGrp="1"/>
+          </p:cNvSpPr>
+          <p:nvPr>
+            <p:ph type="title"/>
+          </p:nvPr>
+        </p:nvSpPr>
+        <p:spPr/>
+        <p:txBody>
+          <a:bodyPr/>
+          <a:lstStyle/>
+          <a:p>
+            <a:endParaRPr lang="ru-RU"/>
+          </a:p>
+        </p:txBody>
+      </p:sp>
+      <p:sp>
+        <p:nvSpPr>
+          <p:cNvPr id="3" name="Объект 2"/>
+          <p:cNvSpPr>
+            <a:spLocks noGrp="1"/>
+          </p:cNvSpPr>
+          <p:nvPr>
+            <p:ph idx="1"/>
+          </p:nvPr>
+        </p:nvSpPr>
+        <p:spPr/>
+        <p:txBody>
+          <a:bodyPr/>
+          <a:lstStyle/>
+          <a:p>
+            <a:endParaRPr lang="ru-RU"/>
+          </a:p>
+        </p:txBody>
+      </p:sp>
+      <p:sp>
+        <p:nvSpPr>
+          <p:cNvPr id="4" name="Номер слайда 3"/>
+          <p:cNvSpPr>
+            <a:spLocks noGrp="1"/>
+          </p:cNvSpPr>
+          <p:nvPr>
+            <p:ph type="sldNum" sz="quarter" idx="12"/>
+          </p:nvPr>
+        </p:nvSpPr>
+        <p:spPr/>
+        <p:txBody>
+          <a:bodyPr/>
+          <a:lstStyle/>
+          <a:p>
+            <a:fld id="{8253DDDB-F8F7-4D64-A7FD-3F3D61C1949F}" type="slidenum">
+              <a:rPr lang="ru-RU" smtClean="0"/>
+              <a:t>49</a:t>
+            </a:fld>
+            <a:endParaRPr lang="ru-RU"/>
+          </a:p>
+        </p:txBody>
+      </p:sp>
+    </p:spTree>
+    <p:extLst>
+      <p:ext uri="{BB962C8B-B14F-4D97-AF65-F5344CB8AC3E}">
+        <p14:creationId xmlns:p14="http://schemas.microsoft.com/office/powerpoint/2010/main" val="1354668438"/>
+      </p:ext>
+    </p:extLst>
+  </p:cSld>
+  <p:clrMapOvr>
+    <a:masterClrMapping/>
+  </p:clrMapOvr>
+  <p:timing>
+    <p:tnLst>
+      <p:par>
+        <p:cTn id="1" dur="indefinite" restart="never" nodeType="tmRoot"/>
+      </p:par>
+    </p:tnLst>
+  </p:timing>
 </p:sld>
 </file>
 

--- a/Lectures/Lecture1.pptx
+++ b/Lectures/Lecture1.pptx
@@ -5,58 +5,61 @@
     <p:sldMasterId id="2147483648" r:id="rId1"/>
   </p:sldMasterIdLst>
   <p:notesMasterIdLst>
-    <p:notesMasterId r:id="rId51"/>
+    <p:notesMasterId r:id="rId54"/>
   </p:notesMasterIdLst>
   <p:sldIdLst>
     <p:sldId id="256" r:id="rId2"/>
     <p:sldId id="257" r:id="rId3"/>
-    <p:sldId id="331" r:id="rId4"/>
-    <p:sldId id="258" r:id="rId5"/>
-    <p:sldId id="259" r:id="rId6"/>
-    <p:sldId id="324" r:id="rId7"/>
-    <p:sldId id="325" r:id="rId8"/>
-    <p:sldId id="261" r:id="rId9"/>
-    <p:sldId id="260" r:id="rId10"/>
-    <p:sldId id="266" r:id="rId11"/>
-    <p:sldId id="274" r:id="rId12"/>
-    <p:sldId id="269" r:id="rId13"/>
-    <p:sldId id="270" r:id="rId14"/>
-    <p:sldId id="271" r:id="rId15"/>
-    <p:sldId id="323" r:id="rId16"/>
-    <p:sldId id="332" r:id="rId17"/>
-    <p:sldId id="326" r:id="rId18"/>
-    <p:sldId id="322" r:id="rId19"/>
-    <p:sldId id="273" r:id="rId20"/>
-    <p:sldId id="267" r:id="rId21"/>
-    <p:sldId id="275" r:id="rId22"/>
-    <p:sldId id="278" r:id="rId23"/>
-    <p:sldId id="279" r:id="rId24"/>
-    <p:sldId id="328" r:id="rId25"/>
-    <p:sldId id="276" r:id="rId26"/>
-    <p:sldId id="277" r:id="rId27"/>
-    <p:sldId id="280" r:id="rId28"/>
-    <p:sldId id="281" r:id="rId29"/>
-    <p:sldId id="268" r:id="rId30"/>
-    <p:sldId id="282" r:id="rId31"/>
-    <p:sldId id="283" r:id="rId32"/>
-    <p:sldId id="284" r:id="rId33"/>
-    <p:sldId id="285" r:id="rId34"/>
-    <p:sldId id="286" r:id="rId35"/>
-    <p:sldId id="287" r:id="rId36"/>
-    <p:sldId id="288" r:id="rId37"/>
-    <p:sldId id="289" r:id="rId38"/>
-    <p:sldId id="290" r:id="rId39"/>
-    <p:sldId id="327" r:id="rId40"/>
-    <p:sldId id="291" r:id="rId41"/>
-    <p:sldId id="292" r:id="rId42"/>
-    <p:sldId id="293" r:id="rId43"/>
-    <p:sldId id="294" r:id="rId44"/>
-    <p:sldId id="296" r:id="rId45"/>
-    <p:sldId id="329" r:id="rId46"/>
-    <p:sldId id="295" r:id="rId47"/>
-    <p:sldId id="297" r:id="rId48"/>
-    <p:sldId id="330" r:id="rId49"/>
-    <p:sldId id="333" r:id="rId50"/>
+    <p:sldId id="335" r:id="rId4"/>
+    <p:sldId id="336" r:id="rId5"/>
+    <p:sldId id="334" r:id="rId6"/>
+    <p:sldId id="331" r:id="rId7"/>
+    <p:sldId id="258" r:id="rId8"/>
+    <p:sldId id="259" r:id="rId9"/>
+    <p:sldId id="324" r:id="rId10"/>
+    <p:sldId id="325" r:id="rId11"/>
+    <p:sldId id="261" r:id="rId12"/>
+    <p:sldId id="260" r:id="rId13"/>
+    <p:sldId id="266" r:id="rId14"/>
+    <p:sldId id="274" r:id="rId15"/>
+    <p:sldId id="269" r:id="rId16"/>
+    <p:sldId id="270" r:id="rId17"/>
+    <p:sldId id="271" r:id="rId18"/>
+    <p:sldId id="323" r:id="rId19"/>
+    <p:sldId id="332" r:id="rId20"/>
+    <p:sldId id="326" r:id="rId21"/>
+    <p:sldId id="322" r:id="rId22"/>
+    <p:sldId id="273" r:id="rId23"/>
+    <p:sldId id="267" r:id="rId24"/>
+    <p:sldId id="275" r:id="rId25"/>
+    <p:sldId id="278" r:id="rId26"/>
+    <p:sldId id="279" r:id="rId27"/>
+    <p:sldId id="328" r:id="rId28"/>
+    <p:sldId id="276" r:id="rId29"/>
+    <p:sldId id="277" r:id="rId30"/>
+    <p:sldId id="280" r:id="rId31"/>
+    <p:sldId id="281" r:id="rId32"/>
+    <p:sldId id="268" r:id="rId33"/>
+    <p:sldId id="282" r:id="rId34"/>
+    <p:sldId id="283" r:id="rId35"/>
+    <p:sldId id="284" r:id="rId36"/>
+    <p:sldId id="285" r:id="rId37"/>
+    <p:sldId id="286" r:id="rId38"/>
+    <p:sldId id="287" r:id="rId39"/>
+    <p:sldId id="288" r:id="rId40"/>
+    <p:sldId id="289" r:id="rId41"/>
+    <p:sldId id="290" r:id="rId42"/>
+    <p:sldId id="327" r:id="rId43"/>
+    <p:sldId id="291" r:id="rId44"/>
+    <p:sldId id="292" r:id="rId45"/>
+    <p:sldId id="293" r:id="rId46"/>
+    <p:sldId id="294" r:id="rId47"/>
+    <p:sldId id="296" r:id="rId48"/>
+    <p:sldId id="329" r:id="rId49"/>
+    <p:sldId id="295" r:id="rId50"/>
+    <p:sldId id="297" r:id="rId51"/>
+    <p:sldId id="330" r:id="rId52"/>
+    <p:sldId id="333" r:id="rId53"/>
   </p:sldIdLst>
   <p:sldSz cx="12192000" cy="6858000"/>
   <p:notesSz cx="6858000" cy="9144000"/>
@@ -166,6 +169,9 @@
         <p14:section name="Организационные моменты" id="{BFEFF392-E437-4593-B654-0F5465DCD357}">
           <p14:sldIdLst>
             <p14:sldId id="257"/>
+            <p14:sldId id="335"/>
+            <p14:sldId id="336"/>
+            <p14:sldId id="334"/>
             <p14:sldId id="331"/>
             <p14:sldId id="258"/>
             <p14:sldId id="259"/>
@@ -325,7 +331,7 @@
           <a:p>
             <a:fld id="{CBA08D16-15DC-4E25-BDC3-F25146157B16}" type="datetimeFigureOut">
               <a:rPr lang="ru-RU" smtClean="0"/>
-              <a:t>08.09.2022</a:t>
+              <a:t>07.09.2023</a:t>
             </a:fld>
             <a:endParaRPr lang="ru-RU"/>
           </a:p>
@@ -658,7 +664,7 @@
           <a:p>
             <a:fld id="{D6D75760-61D2-4B80-8A8D-A874439CE6F8}" type="slidenum">
               <a:rPr lang="ru-RU" smtClean="0"/>
-              <a:t>5</a:t>
+              <a:t>8</a:t>
             </a:fld>
             <a:endParaRPr lang="ru-RU"/>
           </a:p>
@@ -754,7 +760,7 @@
           <a:p>
             <a:fld id="{D6D75760-61D2-4B80-8A8D-A874439CE6F8}" type="slidenum">
               <a:rPr lang="ru-RU" smtClean="0"/>
-              <a:t>46</a:t>
+              <a:t>49</a:t>
             </a:fld>
             <a:endParaRPr lang="ru-RU"/>
           </a:p>
@@ -904,7 +910,7 @@
           <a:p>
             <a:fld id="{FCEC8293-DB51-454A-BE81-EC8FCB31EBA2}" type="datetime1">
               <a:rPr lang="ru-RU" smtClean="0"/>
-              <a:t>08.09.2022</a:t>
+              <a:t>07.09.2023</a:t>
             </a:fld>
             <a:endParaRPr lang="ru-RU"/>
           </a:p>
@@ -1078,7 +1084,7 @@
           <a:p>
             <a:fld id="{241C87B1-1C35-4DBD-BC18-2BC72E776603}" type="datetime1">
               <a:rPr lang="ru-RU" smtClean="0"/>
-              <a:t>08.09.2022</a:t>
+              <a:t>07.09.2023</a:t>
             </a:fld>
             <a:endParaRPr lang="ru-RU"/>
           </a:p>
@@ -1262,7 +1268,7 @@
           <a:p>
             <a:fld id="{3134C275-26C0-42CD-9111-9ADE65922AF9}" type="datetime1">
               <a:rPr lang="ru-RU" smtClean="0"/>
-              <a:t>08.09.2022</a:t>
+              <a:t>07.09.2023</a:t>
             </a:fld>
             <a:endParaRPr lang="ru-RU"/>
           </a:p>
@@ -1436,7 +1442,7 @@
           <a:p>
             <a:fld id="{C1A9A50B-C350-45F5-8AAB-ADB9E670AF2E}" type="datetime1">
               <a:rPr lang="ru-RU" smtClean="0"/>
-              <a:t>08.09.2022</a:t>
+              <a:t>07.09.2023</a:t>
             </a:fld>
             <a:endParaRPr lang="ru-RU"/>
           </a:p>
@@ -1686,7 +1692,7 @@
           <a:p>
             <a:fld id="{089688C9-348F-42F9-B6C0-5990DDE0C5B2}" type="datetime1">
               <a:rPr lang="ru-RU" smtClean="0"/>
-              <a:t>08.09.2022</a:t>
+              <a:t>07.09.2023</a:t>
             </a:fld>
             <a:endParaRPr lang="ru-RU"/>
           </a:p>
@@ -1922,7 +1928,7 @@
           <a:p>
             <a:fld id="{684AFD8F-6DD9-4AD3-A505-FDC3F5C5F3F6}" type="datetime1">
               <a:rPr lang="ru-RU" smtClean="0"/>
-              <a:t>08.09.2022</a:t>
+              <a:t>07.09.2023</a:t>
             </a:fld>
             <a:endParaRPr lang="ru-RU"/>
           </a:p>
@@ -2293,7 +2299,7 @@
           <a:p>
             <a:fld id="{63551EFE-4D02-45EB-A747-8B6F047B5AA0}" type="datetime1">
               <a:rPr lang="ru-RU" smtClean="0"/>
-              <a:t>08.09.2022</a:t>
+              <a:t>07.09.2023</a:t>
             </a:fld>
             <a:endParaRPr lang="ru-RU"/>
           </a:p>
@@ -2415,7 +2421,7 @@
           <a:p>
             <a:fld id="{813A9F34-E5CD-4B8F-AA9E-889C84372B20}" type="datetime1">
               <a:rPr lang="ru-RU" smtClean="0"/>
-              <a:t>08.09.2022</a:t>
+              <a:t>07.09.2023</a:t>
             </a:fld>
             <a:endParaRPr lang="ru-RU"/>
           </a:p>
@@ -2514,7 +2520,7 @@
           <a:p>
             <a:fld id="{51224D22-9B29-44A6-8E82-95FC492DEDC1}" type="datetime1">
               <a:rPr lang="ru-RU" smtClean="0"/>
-              <a:t>08.09.2022</a:t>
+              <a:t>07.09.2023</a:t>
             </a:fld>
             <a:endParaRPr lang="ru-RU"/>
           </a:p>
@@ -2795,7 +2801,7 @@
           <a:p>
             <a:fld id="{91D1034F-4441-48A1-BDC0-25EA1022324A}" type="datetime1">
               <a:rPr lang="ru-RU" smtClean="0"/>
-              <a:t>08.09.2022</a:t>
+              <a:t>07.09.2023</a:t>
             </a:fld>
             <a:endParaRPr lang="ru-RU"/>
           </a:p>
@@ -3052,7 +3058,7 @@
           <a:p>
             <a:fld id="{B0FFDE79-B627-473B-AE17-4C65BD2495F7}" type="datetime1">
               <a:rPr lang="ru-RU" smtClean="0"/>
-              <a:t>08.09.2022</a:t>
+              <a:t>07.09.2023</a:t>
             </a:fld>
             <a:endParaRPr lang="ru-RU"/>
           </a:p>
@@ -3269,7 +3275,7 @@
           <a:p>
             <a:fld id="{11CA537A-1B8C-47BA-9BA6-7CE3FAFDA8BE}" type="datetime1">
               <a:rPr lang="ru-RU" smtClean="0"/>
-              <a:t>08.09.2022</a:t>
+              <a:t>07.09.2023</a:t>
             </a:fld>
             <a:endParaRPr lang="ru-RU"/>
           </a:p>
@@ -3779,15 +3785,11 @@
           <a:p>
             <a:r>
               <a:rPr lang="ru-RU" dirty="0" smtClean="0"/>
-              <a:t>МИФИ </a:t>
-            </a:r>
-            <a:r>
-              <a:rPr lang="ru-RU" dirty="0" smtClean="0"/>
-              <a:t>202</a:t>
+              <a:t>МИФИ 202</a:t>
             </a:r>
             <a:r>
               <a:rPr lang="en-US" dirty="0"/>
-              <a:t>2</a:t>
+              <a:t>3</a:t>
             </a:r>
             <a:endParaRPr lang="ru-RU" dirty="0"/>
           </a:p>
@@ -3846,6 +3848,809 @@
           <a:lstStyle/>
           <a:p>
             <a:r>
+              <a:rPr lang="ru-RU" dirty="0"/>
+              <a:t>Материалы прошлого года</a:t>
+            </a:r>
+          </a:p>
+        </p:txBody>
+      </p:sp>
+      <p:sp>
+        <p:nvSpPr>
+          <p:cNvPr id="4" name="Номер слайда 3"/>
+          <p:cNvSpPr>
+            <a:spLocks noGrp="1"/>
+          </p:cNvSpPr>
+          <p:nvPr>
+            <p:ph type="sldNum" sz="quarter" idx="12"/>
+          </p:nvPr>
+        </p:nvSpPr>
+        <p:spPr/>
+        <p:txBody>
+          <a:bodyPr/>
+          <a:lstStyle/>
+          <a:p>
+            <a:fld id="{8253DDDB-F8F7-4D64-A7FD-3F3D61C1949F}" type="slidenum">
+              <a:rPr lang="ru-RU" smtClean="0"/>
+              <a:t>10</a:t>
+            </a:fld>
+            <a:endParaRPr lang="ru-RU"/>
+          </a:p>
+        </p:txBody>
+      </p:sp>
+      <p:pic>
+        <p:nvPicPr>
+          <p:cNvPr id="5" name="Рисунок 4"/>
+          <p:cNvPicPr>
+            <a:picLocks noChangeAspect="1"/>
+          </p:cNvPicPr>
+          <p:nvPr/>
+        </p:nvPicPr>
+        <p:blipFill>
+          <a:blip r:embed="rId2"/>
+          <a:stretch>
+            <a:fillRect/>
+          </a:stretch>
+        </p:blipFill>
+        <p:spPr>
+          <a:xfrm>
+            <a:off x="838200" y="1513816"/>
+            <a:ext cx="6743700" cy="2152650"/>
+          </a:xfrm>
+          <a:prstGeom prst="rect">
+            <a:avLst/>
+          </a:prstGeom>
+        </p:spPr>
+      </p:pic>
+      <p:pic>
+        <p:nvPicPr>
+          <p:cNvPr id="6" name="Рисунок 5"/>
+          <p:cNvPicPr>
+            <a:picLocks noChangeAspect="1"/>
+          </p:cNvPicPr>
+          <p:nvPr/>
+        </p:nvPicPr>
+        <p:blipFill>
+          <a:blip r:embed="rId3"/>
+          <a:stretch>
+            <a:fillRect/>
+          </a:stretch>
+        </p:blipFill>
+        <p:spPr>
+          <a:xfrm>
+            <a:off x="4176712" y="4093978"/>
+            <a:ext cx="6810375" cy="1933575"/>
+          </a:xfrm>
+          <a:prstGeom prst="rect">
+            <a:avLst/>
+          </a:prstGeom>
+        </p:spPr>
+      </p:pic>
+    </p:spTree>
+    <p:extLst>
+      <p:ext uri="{BB962C8B-B14F-4D97-AF65-F5344CB8AC3E}">
+        <p14:creationId xmlns:p14="http://schemas.microsoft.com/office/powerpoint/2010/main" val="3256979883"/>
+      </p:ext>
+    </p:extLst>
+  </p:cSld>
+  <p:clrMapOvr>
+    <a:masterClrMapping/>
+  </p:clrMapOvr>
+  <p:timing>
+    <p:tnLst>
+      <p:par>
+        <p:cTn id="1" dur="indefinite" restart="never" nodeType="tmRoot"/>
+      </p:par>
+    </p:tnLst>
+  </p:timing>
+</p:sld>
+</file>
+
+<file path=ppt/slides/slide11.xml><?xml version="1.0" encoding="utf-8"?>
+<p:sld xmlns:a="http://schemas.openxmlformats.org/drawingml/2006/main" xmlns:r="http://schemas.openxmlformats.org/officeDocument/2006/relationships" xmlns:p="http://schemas.openxmlformats.org/presentationml/2006/main">
+  <p:cSld>
+    <p:spTree>
+      <p:nvGrpSpPr>
+        <p:cNvPr id="1" name=""/>
+        <p:cNvGrpSpPr/>
+        <p:nvPr/>
+      </p:nvGrpSpPr>
+      <p:grpSpPr>
+        <a:xfrm>
+          <a:off x="0" y="0"/>
+          <a:ext cx="0" cy="0"/>
+          <a:chOff x="0" y="0"/>
+          <a:chExt cx="0" cy="0"/>
+        </a:xfrm>
+      </p:grpSpPr>
+      <p:sp>
+        <p:nvSpPr>
+          <p:cNvPr id="2" name="Заголовок 1"/>
+          <p:cNvSpPr>
+            <a:spLocks noGrp="1"/>
+          </p:cNvSpPr>
+          <p:nvPr>
+            <p:ph type="title"/>
+          </p:nvPr>
+        </p:nvSpPr>
+        <p:spPr/>
+        <p:txBody>
+          <a:bodyPr/>
+          <a:lstStyle/>
+          <a:p>
+            <a:r>
+              <a:rPr lang="ru-RU" dirty="0" smtClean="0"/>
+              <a:t>Обратная связь и пожелания по курсу</a:t>
+            </a:r>
+            <a:endParaRPr lang="ru-RU" dirty="0"/>
+          </a:p>
+        </p:txBody>
+      </p:sp>
+      <p:sp>
+        <p:nvSpPr>
+          <p:cNvPr id="3" name="Объект 2"/>
+          <p:cNvSpPr>
+            <a:spLocks noGrp="1"/>
+          </p:cNvSpPr>
+          <p:nvPr>
+            <p:ph idx="1"/>
+          </p:nvPr>
+        </p:nvSpPr>
+        <p:spPr/>
+        <p:txBody>
+          <a:bodyPr/>
+          <a:lstStyle/>
+          <a:p>
+            <a:endParaRPr lang="ru-RU"/>
+          </a:p>
+        </p:txBody>
+      </p:sp>
+      <p:sp>
+        <p:nvSpPr>
+          <p:cNvPr id="4" name="Номер слайда 3"/>
+          <p:cNvSpPr>
+            <a:spLocks noGrp="1"/>
+          </p:cNvSpPr>
+          <p:nvPr>
+            <p:ph type="sldNum" sz="quarter" idx="12"/>
+          </p:nvPr>
+        </p:nvSpPr>
+        <p:spPr/>
+        <p:txBody>
+          <a:bodyPr/>
+          <a:lstStyle/>
+          <a:p>
+            <a:fld id="{8253DDDB-F8F7-4D64-A7FD-3F3D61C1949F}" type="slidenum">
+              <a:rPr lang="ru-RU" smtClean="0"/>
+              <a:t>11</a:t>
+            </a:fld>
+            <a:endParaRPr lang="ru-RU"/>
+          </a:p>
+        </p:txBody>
+      </p:sp>
+    </p:spTree>
+    <p:extLst>
+      <p:ext uri="{BB962C8B-B14F-4D97-AF65-F5344CB8AC3E}">
+        <p14:creationId xmlns:p14="http://schemas.microsoft.com/office/powerpoint/2010/main" val="1373692536"/>
+      </p:ext>
+    </p:extLst>
+  </p:cSld>
+  <p:clrMapOvr>
+    <a:masterClrMapping/>
+  </p:clrMapOvr>
+  <p:timing>
+    <p:tnLst>
+      <p:par>
+        <p:cTn id="1" dur="indefinite" restart="never" nodeType="tmRoot"/>
+      </p:par>
+    </p:tnLst>
+  </p:timing>
+</p:sld>
+</file>
+
+<file path=ppt/slides/slide12.xml><?xml version="1.0" encoding="utf-8"?>
+<p:sld xmlns:a="http://schemas.openxmlformats.org/drawingml/2006/main" xmlns:r="http://schemas.openxmlformats.org/officeDocument/2006/relationships" xmlns:p="http://schemas.openxmlformats.org/presentationml/2006/main">
+  <p:cSld>
+    <p:spTree>
+      <p:nvGrpSpPr>
+        <p:cNvPr id="1" name=""/>
+        <p:cNvGrpSpPr/>
+        <p:nvPr/>
+      </p:nvGrpSpPr>
+      <p:grpSpPr>
+        <a:xfrm>
+          <a:off x="0" y="0"/>
+          <a:ext cx="0" cy="0"/>
+          <a:chOff x="0" y="0"/>
+          <a:chExt cx="0" cy="0"/>
+        </a:xfrm>
+      </p:grpSpPr>
+      <p:sp>
+        <p:nvSpPr>
+          <p:cNvPr id="2" name="Заголовок 1"/>
+          <p:cNvSpPr>
+            <a:spLocks noGrp="1"/>
+          </p:cNvSpPr>
+          <p:nvPr>
+            <p:ph type="title"/>
+          </p:nvPr>
+        </p:nvSpPr>
+        <p:spPr/>
+        <p:txBody>
+          <a:bodyPr/>
+          <a:lstStyle/>
+          <a:p>
+            <a:r>
+              <a:rPr lang="ru-RU" dirty="0" smtClean="0"/>
+              <a:t>Историческая задача криптографической защит</a:t>
+            </a:r>
+            <a:r>
+              <a:rPr lang="ru-RU" dirty="0"/>
+              <a:t>е</a:t>
+            </a:r>
+            <a:r>
+              <a:rPr lang="ru-RU" dirty="0" smtClean="0"/>
+              <a:t> информации</a:t>
+            </a:r>
+            <a:endParaRPr lang="ru-RU" dirty="0"/>
+          </a:p>
+        </p:txBody>
+      </p:sp>
+      <p:sp>
+        <p:nvSpPr>
+          <p:cNvPr id="4" name="Номер слайда 3"/>
+          <p:cNvSpPr>
+            <a:spLocks noGrp="1"/>
+          </p:cNvSpPr>
+          <p:nvPr>
+            <p:ph type="sldNum" sz="quarter" idx="12"/>
+          </p:nvPr>
+        </p:nvSpPr>
+        <p:spPr/>
+        <p:txBody>
+          <a:bodyPr/>
+          <a:lstStyle/>
+          <a:p>
+            <a:fld id="{8253DDDB-F8F7-4D64-A7FD-3F3D61C1949F}" type="slidenum">
+              <a:rPr lang="ru-RU" smtClean="0"/>
+              <a:t>12</a:t>
+            </a:fld>
+            <a:endParaRPr lang="ru-RU"/>
+          </a:p>
+        </p:txBody>
+      </p:sp>
+      <p:grpSp>
+        <p:nvGrpSpPr>
+          <p:cNvPr id="5" name="Group 17"/>
+          <p:cNvGrpSpPr/>
+          <p:nvPr/>
+        </p:nvGrpSpPr>
+        <p:grpSpPr>
+          <a:xfrm>
+            <a:off x="1397251" y="3482943"/>
+            <a:ext cx="1635660" cy="1523622"/>
+            <a:chOff x="4038600" y="1123950"/>
+            <a:chExt cx="1076739" cy="990600"/>
+          </a:xfrm>
+        </p:grpSpPr>
+        <p:pic>
+          <p:nvPicPr>
+            <p:cNvPr id="6" name="Picture 18"/>
+            <p:cNvPicPr>
+              <a:picLocks noChangeAspect="1"/>
+            </p:cNvPicPr>
+            <p:nvPr/>
+          </p:nvPicPr>
+          <p:blipFill>
+            <a:blip r:embed="rId2"/>
+            <a:stretch>
+              <a:fillRect/>
+            </a:stretch>
+          </p:blipFill>
+          <p:spPr>
+            <a:xfrm flipH="1">
+              <a:off x="4038600" y="1123950"/>
+              <a:ext cx="1076739" cy="990600"/>
+            </a:xfrm>
+            <a:prstGeom prst="rect">
+              <a:avLst/>
+            </a:prstGeom>
+          </p:spPr>
+        </p:pic>
+        <p:sp>
+          <p:nvSpPr>
+            <p:cNvPr id="7" name="TextBox 6"/>
+            <p:cNvSpPr txBox="1"/>
+            <p:nvPr/>
+          </p:nvSpPr>
+          <p:spPr>
+            <a:xfrm>
+              <a:off x="4343400" y="1200150"/>
+              <a:ext cx="771939" cy="380198"/>
+            </a:xfrm>
+            <a:prstGeom prst="rect">
+              <a:avLst/>
+            </a:prstGeom>
+            <a:noFill/>
+          </p:spPr>
+          <p:txBody>
+            <a:bodyPr wrap="square" rtlCol="0">
+              <a:spAutoFit/>
+            </a:bodyPr>
+            <a:lstStyle/>
+            <a:p>
+              <a:r>
+                <a:rPr lang="en-US" sz="3200" dirty="0" smtClean="0"/>
+                <a:t>Alice</a:t>
+              </a:r>
+              <a:endParaRPr lang="en-US" sz="3200" dirty="0"/>
+            </a:p>
+          </p:txBody>
+        </p:sp>
+      </p:grpSp>
+      <p:grpSp>
+        <p:nvGrpSpPr>
+          <p:cNvPr id="8" name="Group 17"/>
+          <p:cNvGrpSpPr/>
+          <p:nvPr/>
+        </p:nvGrpSpPr>
+        <p:grpSpPr>
+          <a:xfrm>
+            <a:off x="8918418" y="3482943"/>
+            <a:ext cx="1635660" cy="1523622"/>
+            <a:chOff x="4038600" y="1123950"/>
+            <a:chExt cx="1076739" cy="990600"/>
+          </a:xfrm>
+        </p:grpSpPr>
+        <p:pic>
+          <p:nvPicPr>
+            <p:cNvPr id="9" name="Picture 18"/>
+            <p:cNvPicPr>
+              <a:picLocks noChangeAspect="1"/>
+            </p:cNvPicPr>
+            <p:nvPr/>
+          </p:nvPicPr>
+          <p:blipFill>
+            <a:blip r:embed="rId2"/>
+            <a:stretch>
+              <a:fillRect/>
+            </a:stretch>
+          </p:blipFill>
+          <p:spPr>
+            <a:xfrm flipH="1">
+              <a:off x="4038600" y="1123950"/>
+              <a:ext cx="1076739" cy="990600"/>
+            </a:xfrm>
+            <a:prstGeom prst="rect">
+              <a:avLst/>
+            </a:prstGeom>
+          </p:spPr>
+        </p:pic>
+        <p:sp>
+          <p:nvSpPr>
+            <p:cNvPr id="10" name="TextBox 9"/>
+            <p:cNvSpPr txBox="1"/>
+            <p:nvPr/>
+          </p:nvSpPr>
+          <p:spPr>
+            <a:xfrm>
+              <a:off x="4343400" y="1200150"/>
+              <a:ext cx="771939" cy="380198"/>
+            </a:xfrm>
+            <a:prstGeom prst="rect">
+              <a:avLst/>
+            </a:prstGeom>
+            <a:noFill/>
+          </p:spPr>
+          <p:txBody>
+            <a:bodyPr wrap="square" rtlCol="0">
+              <a:spAutoFit/>
+            </a:bodyPr>
+            <a:lstStyle/>
+            <a:p>
+              <a:r>
+                <a:rPr lang="en-US" sz="3200" dirty="0" smtClean="0"/>
+                <a:t>Bob</a:t>
+              </a:r>
+            </a:p>
+          </p:txBody>
+        </p:sp>
+      </p:grpSp>
+      <p:cxnSp>
+        <p:nvCxnSpPr>
+          <p:cNvPr id="11" name="Прямая со стрелкой 10"/>
+          <p:cNvCxnSpPr/>
+          <p:nvPr/>
+        </p:nvCxnSpPr>
+        <p:spPr>
+          <a:xfrm>
+            <a:off x="3277848" y="4184920"/>
+            <a:ext cx="5568142" cy="0"/>
+          </a:xfrm>
+          <a:prstGeom prst="straightConnector1">
+            <a:avLst/>
+          </a:prstGeom>
+          <a:ln w="76200">
+            <a:tailEnd type="triangle"/>
+          </a:ln>
+        </p:spPr>
+        <p:style>
+          <a:lnRef idx="1">
+            <a:schemeClr val="accent1"/>
+          </a:lnRef>
+          <a:fillRef idx="0">
+            <a:schemeClr val="accent1"/>
+          </a:fillRef>
+          <a:effectRef idx="0">
+            <a:schemeClr val="accent1"/>
+          </a:effectRef>
+          <a:fontRef idx="minor">
+            <a:schemeClr val="tx1"/>
+          </a:fontRef>
+        </p:style>
+      </p:cxnSp>
+      <mc:AlternateContent xmlns:mc="http://schemas.openxmlformats.org/markup-compatibility/2006" xmlns:a14="http://schemas.microsoft.com/office/drawing/2010/main">
+        <mc:Choice Requires="a14">
+          <p:sp>
+            <p:nvSpPr>
+              <p:cNvPr id="12" name="TextBox 11"/>
+              <p:cNvSpPr txBox="1"/>
+              <p:nvPr/>
+            </p:nvSpPr>
+            <p:spPr>
+              <a:xfrm>
+                <a:off x="5289528" y="3600145"/>
+                <a:ext cx="1117998" cy="523220"/>
+              </a:xfrm>
+              <a:prstGeom prst="rect">
+                <a:avLst/>
+              </a:prstGeom>
+              <a:noFill/>
+            </p:spPr>
+            <p:txBody>
+              <a:bodyPr wrap="none" rtlCol="0">
+                <a:spAutoFit/>
+              </a:bodyPr>
+              <a:lstStyle/>
+              <a:p>
+                <a:pPr/>
+                <a14:m>
+                  <m:oMathPara xmlns:m="http://schemas.openxmlformats.org/officeDocument/2006/math">
+                    <m:oMathParaPr>
+                      <m:jc m:val="centerGroup"/>
+                    </m:oMathParaPr>
+                    <m:oMath xmlns:m="http://schemas.openxmlformats.org/officeDocument/2006/math">
+                      <m:r>
+                        <a:rPr lang="en-US" sz="2800" b="0" i="1" smtClean="0">
+                          <a:latin typeface="Cambria Math" panose="02040503050406030204" pitchFamily="18" charset="0"/>
+                        </a:rPr>
+                        <m:t>𝐸</m:t>
+                      </m:r>
+                      <m:r>
+                        <a:rPr lang="en-US" sz="2800" b="0" i="1" smtClean="0">
+                          <a:latin typeface="Cambria Math" panose="02040503050406030204" pitchFamily="18" charset="0"/>
+                        </a:rPr>
+                        <m:t>(</m:t>
+                      </m:r>
+                      <m:r>
+                        <a:rPr lang="en-US" sz="2800" b="0" i="1" smtClean="0">
+                          <a:latin typeface="Cambria Math" panose="02040503050406030204" pitchFamily="18" charset="0"/>
+                        </a:rPr>
+                        <m:t>𝑀</m:t>
+                      </m:r>
+                      <m:r>
+                        <a:rPr lang="en-US" sz="2800" b="0" i="1" smtClean="0">
+                          <a:latin typeface="Cambria Math" panose="02040503050406030204" pitchFamily="18" charset="0"/>
+                        </a:rPr>
+                        <m:t>)</m:t>
+                      </m:r>
+                    </m:oMath>
+                  </m:oMathPara>
+                </a14:m>
+                <a:endParaRPr lang="ru-RU" sz="2800" dirty="0"/>
+              </a:p>
+            </p:txBody>
+          </p:sp>
+        </mc:Choice>
+        <mc:Fallback xmlns="">
+          <p:sp>
+            <p:nvSpPr>
+              <p:cNvPr id="12" name="TextBox 11"/>
+              <p:cNvSpPr txBox="1">
+                <a:spLocks noRot="1" noChangeAspect="1" noMove="1" noResize="1" noEditPoints="1" noAdjustHandles="1" noChangeArrowheads="1" noChangeShapeType="1" noTextEdit="1"/>
+              </p:cNvSpPr>
+              <p:nvPr/>
+            </p:nvSpPr>
+            <p:spPr>
+              <a:xfrm>
+                <a:off x="5289528" y="3600145"/>
+                <a:ext cx="1117998" cy="523220"/>
+              </a:xfrm>
+              <a:prstGeom prst="rect">
+                <a:avLst/>
+              </a:prstGeom>
+              <a:blipFill>
+                <a:blip r:embed="rId3"/>
+                <a:stretch>
+                  <a:fillRect/>
+                </a:stretch>
+              </a:blipFill>
+            </p:spPr>
+            <p:txBody>
+              <a:bodyPr/>
+              <a:lstStyle/>
+              <a:p>
+                <a:r>
+                  <a:rPr lang="ru-RU">
+                    <a:noFill/>
+                  </a:rPr>
+                  <a:t> </a:t>
+                </a:r>
+              </a:p>
+            </p:txBody>
+          </p:sp>
+        </mc:Fallback>
+      </mc:AlternateContent>
+      <p:sp>
+        <p:nvSpPr>
+          <p:cNvPr id="13" name="Объект 2"/>
+          <p:cNvSpPr>
+            <a:spLocks noGrp="1"/>
+          </p:cNvSpPr>
+          <p:nvPr>
+            <p:ph idx="1"/>
+          </p:nvPr>
+        </p:nvSpPr>
+        <p:spPr>
+          <a:xfrm>
+            <a:off x="828705" y="1815451"/>
+            <a:ext cx="10741182" cy="2166953"/>
+          </a:xfrm>
+        </p:spPr>
+        <p:txBody>
+          <a:bodyPr>
+            <a:normAutofit/>
+          </a:bodyPr>
+          <a:lstStyle/>
+          <a:p>
+            <a:r>
+              <a:rPr lang="ru-RU" sz="2600" dirty="0" smtClean="0"/>
+              <a:t>Передача зашифрованного сообщения по открытому каналу</a:t>
+            </a:r>
+          </a:p>
+          <a:p>
+            <a:r>
+              <a:rPr lang="ru-RU" sz="2600" dirty="0" smtClean="0"/>
+              <a:t>При перехвате зашифрованного сообщения открытый текст должен остаться неизвестным для злоумышленника </a:t>
+            </a:r>
+            <a:endParaRPr lang="en-US" sz="2600" dirty="0" smtClean="0"/>
+          </a:p>
+        </p:txBody>
+      </p:sp>
+      <p:cxnSp>
+        <p:nvCxnSpPr>
+          <p:cNvPr id="17" name="Прямая со стрелкой 16"/>
+          <p:cNvCxnSpPr/>
+          <p:nvPr/>
+        </p:nvCxnSpPr>
+        <p:spPr>
+          <a:xfrm>
+            <a:off x="5866646" y="4300396"/>
+            <a:ext cx="0" cy="1222218"/>
+          </a:xfrm>
+          <a:prstGeom prst="straightConnector1">
+            <a:avLst/>
+          </a:prstGeom>
+          <a:ln w="76200">
+            <a:tailEnd type="triangle"/>
+          </a:ln>
+        </p:spPr>
+        <p:style>
+          <a:lnRef idx="1">
+            <a:schemeClr val="accent2"/>
+          </a:lnRef>
+          <a:fillRef idx="0">
+            <a:schemeClr val="accent2"/>
+          </a:fillRef>
+          <a:effectRef idx="0">
+            <a:schemeClr val="accent2"/>
+          </a:effectRef>
+          <a:fontRef idx="minor">
+            <a:schemeClr val="tx1"/>
+          </a:fontRef>
+        </p:style>
+      </p:cxnSp>
+      <p:pic>
+        <p:nvPicPr>
+          <p:cNvPr id="19" name="Рисунок 18"/>
+          <p:cNvPicPr>
+            <a:picLocks noChangeAspect="1"/>
+          </p:cNvPicPr>
+          <p:nvPr/>
+        </p:nvPicPr>
+        <p:blipFill>
+          <a:blip r:embed="rId4">
+            <a:extLst>
+              <a:ext uri="{28A0092B-C50C-407E-A947-70E740481C1C}">
+                <a14:useLocalDpi xmlns:a14="http://schemas.microsoft.com/office/drawing/2010/main" val="0"/>
+              </a:ext>
+            </a:extLst>
+          </a:blip>
+          <a:stretch>
+            <a:fillRect/>
+          </a:stretch>
+        </p:blipFill>
+        <p:spPr>
+          <a:xfrm>
+            <a:off x="5403534" y="5638089"/>
+            <a:ext cx="1003992" cy="987799"/>
+          </a:xfrm>
+          <a:prstGeom prst="rect">
+            <a:avLst/>
+          </a:prstGeom>
+        </p:spPr>
+      </p:pic>
+      <mc:AlternateContent xmlns:mc="http://schemas.openxmlformats.org/markup-compatibility/2006" xmlns:a14="http://schemas.microsoft.com/office/drawing/2010/main">
+        <mc:Choice Requires="a14">
+          <p:sp>
+            <p:nvSpPr>
+              <p:cNvPr id="20" name="Выноска-облако 19"/>
+              <p:cNvSpPr/>
+              <p:nvPr/>
+            </p:nvSpPr>
+            <p:spPr>
+              <a:xfrm>
+                <a:off x="6704714" y="4566761"/>
+                <a:ext cx="1548143" cy="1002715"/>
+              </a:xfrm>
+              <a:prstGeom prst="cloudCallout">
+                <a:avLst>
+                  <a:gd name="adj1" fmla="val -68201"/>
+                  <a:gd name="adj2" fmla="val 72432"/>
+                </a:avLst>
+              </a:prstGeom>
+            </p:spPr>
+            <p:style>
+              <a:lnRef idx="2">
+                <a:schemeClr val="accent2">
+                  <a:shade val="50000"/>
+                </a:schemeClr>
+              </a:lnRef>
+              <a:fillRef idx="1">
+                <a:schemeClr val="accent2"/>
+              </a:fillRef>
+              <a:effectRef idx="0">
+                <a:schemeClr val="accent2"/>
+              </a:effectRef>
+              <a:fontRef idx="minor">
+                <a:schemeClr val="lt1"/>
+              </a:fontRef>
+            </p:style>
+            <p:txBody>
+              <a:bodyPr rtlCol="0" anchor="ctr"/>
+              <a:lstStyle/>
+              <a:p>
+                <a:pPr algn="ctr"/>
+                <a14:m>
+                  <m:oMathPara xmlns:m="http://schemas.openxmlformats.org/officeDocument/2006/math">
+                    <m:oMathParaPr>
+                      <m:jc m:val="centerGroup"/>
+                    </m:oMathParaPr>
+                    <m:oMath xmlns:m="http://schemas.openxmlformats.org/officeDocument/2006/math">
+                      <m:r>
+                        <a:rPr lang="en-US" sz="2800" b="0" i="1" smtClean="0">
+                          <a:latin typeface="Cambria Math" panose="02040503050406030204" pitchFamily="18" charset="0"/>
+                        </a:rPr>
+                        <m:t>𝑀</m:t>
+                      </m:r>
+                      <m:r>
+                        <a:rPr lang="en-US" sz="2800" b="0" i="1" smtClean="0">
+                          <a:latin typeface="Cambria Math" panose="02040503050406030204" pitchFamily="18" charset="0"/>
+                        </a:rPr>
+                        <m:t>?</m:t>
+                      </m:r>
+                    </m:oMath>
+                  </m:oMathPara>
+                </a14:m>
+                <a:endParaRPr lang="ru-RU" sz="2800" dirty="0"/>
+              </a:p>
+            </p:txBody>
+          </p:sp>
+        </mc:Choice>
+        <mc:Fallback xmlns="">
+          <p:sp>
+            <p:nvSpPr>
+              <p:cNvPr id="20" name="Выноска-облако 19"/>
+              <p:cNvSpPr>
+                <a:spLocks noRot="1" noChangeAspect="1" noMove="1" noResize="1" noEditPoints="1" noAdjustHandles="1" noChangeArrowheads="1" noChangeShapeType="1" noTextEdit="1"/>
+              </p:cNvSpPr>
+              <p:nvPr/>
+            </p:nvSpPr>
+            <p:spPr>
+              <a:xfrm>
+                <a:off x="6704714" y="4566761"/>
+                <a:ext cx="1548143" cy="1002715"/>
+              </a:xfrm>
+              <a:prstGeom prst="cloudCallout">
+                <a:avLst>
+                  <a:gd name="adj1" fmla="val -68201"/>
+                  <a:gd name="adj2" fmla="val 72432"/>
+                </a:avLst>
+              </a:prstGeom>
+              <a:blipFill>
+                <a:blip r:embed="rId5"/>
+                <a:stretch>
+                  <a:fillRect/>
+                </a:stretch>
+              </a:blipFill>
+            </p:spPr>
+            <p:txBody>
+              <a:bodyPr/>
+              <a:lstStyle/>
+              <a:p>
+                <a:r>
+                  <a:rPr lang="ru-RU">
+                    <a:noFill/>
+                  </a:rPr>
+                  <a:t> </a:t>
+                </a:r>
+              </a:p>
+            </p:txBody>
+          </p:sp>
+        </mc:Fallback>
+      </mc:AlternateContent>
+    </p:spTree>
+    <p:extLst>
+      <p:ext uri="{BB962C8B-B14F-4D97-AF65-F5344CB8AC3E}">
+        <p14:creationId xmlns:p14="http://schemas.microsoft.com/office/powerpoint/2010/main" val="1090348094"/>
+      </p:ext>
+    </p:extLst>
+  </p:cSld>
+  <p:clrMapOvr>
+    <a:masterClrMapping/>
+  </p:clrMapOvr>
+  <p:timing>
+    <p:tnLst>
+      <p:par>
+        <p:cTn id="1" dur="indefinite" restart="never" nodeType="tmRoot"/>
+      </p:par>
+    </p:tnLst>
+  </p:timing>
+</p:sld>
+</file>
+
+<file path=ppt/slides/slide13.xml><?xml version="1.0" encoding="utf-8"?>
+<p:sld xmlns:a="http://schemas.openxmlformats.org/drawingml/2006/main" xmlns:r="http://schemas.openxmlformats.org/officeDocument/2006/relationships" xmlns:p="http://schemas.openxmlformats.org/presentationml/2006/main">
+  <p:cSld>
+    <p:spTree>
+      <p:nvGrpSpPr>
+        <p:cNvPr id="1" name=""/>
+        <p:cNvGrpSpPr/>
+        <p:nvPr/>
+      </p:nvGrpSpPr>
+      <p:grpSpPr>
+        <a:xfrm>
+          <a:off x="0" y="0"/>
+          <a:ext cx="0" cy="0"/>
+          <a:chOff x="0" y="0"/>
+          <a:chExt cx="0" cy="0"/>
+        </a:xfrm>
+      </p:grpSpPr>
+      <p:sp>
+        <p:nvSpPr>
+          <p:cNvPr id="2" name="Заголовок 1"/>
+          <p:cNvSpPr>
+            <a:spLocks noGrp="1"/>
+          </p:cNvSpPr>
+          <p:nvPr>
+            <p:ph type="title"/>
+          </p:nvPr>
+        </p:nvSpPr>
+        <p:spPr/>
+        <p:txBody>
+          <a:bodyPr/>
+          <a:lstStyle/>
+          <a:p>
+            <a:r>
               <a:rPr lang="ru-RU" dirty="0" smtClean="0"/>
               <a:t>Способы построения и анализа криптосистем</a:t>
             </a:r>
@@ -3943,7 +4748,7 @@
           <a:p>
             <a:fld id="{8253DDDB-F8F7-4D64-A7FD-3F3D61C1949F}" type="slidenum">
               <a:rPr lang="ru-RU" smtClean="0"/>
-              <a:t>10</a:t>
+              <a:t>13</a:t>
             </a:fld>
             <a:endParaRPr lang="ru-RU"/>
           </a:p>
@@ -4080,7 +4885,7 @@
 </p:sld>
 </file>
 
-<file path=ppt/slides/slide11.xml><?xml version="1.0" encoding="utf-8"?>
+<file path=ppt/slides/slide14.xml><?xml version="1.0" encoding="utf-8"?>
 <p:sld xmlns:a="http://schemas.openxmlformats.org/drawingml/2006/main" xmlns:r="http://schemas.openxmlformats.org/officeDocument/2006/relationships" xmlns:p="http://schemas.openxmlformats.org/presentationml/2006/main">
   <p:cSld>
     <p:spTree>
@@ -4145,7 +4950,7 @@
           <a:p>
             <a:fld id="{8253DDDB-F8F7-4D64-A7FD-3F3D61C1949F}" type="slidenum">
               <a:rPr lang="ru-RU" smtClean="0"/>
-              <a:t>11</a:t>
+              <a:t>14</a:t>
             </a:fld>
             <a:endParaRPr lang="ru-RU" dirty="0"/>
           </a:p>
@@ -4896,7 +5701,7 @@
 </p:sld>
 </file>
 
-<file path=ppt/slides/slide12.xml><?xml version="1.0" encoding="utf-8"?>
+<file path=ppt/slides/slide15.xml><?xml version="1.0" encoding="utf-8"?>
 <p:sld xmlns:a="http://schemas.openxmlformats.org/drawingml/2006/main" xmlns:r="http://schemas.openxmlformats.org/officeDocument/2006/relationships" xmlns:p="http://schemas.openxmlformats.org/presentationml/2006/main">
   <p:cSld>
     <p:spTree>
@@ -5020,7 +5825,7 @@
           <a:p>
             <a:fld id="{8253DDDB-F8F7-4D64-A7FD-3F3D61C1949F}" type="slidenum">
               <a:rPr lang="ru-RU" smtClean="0"/>
-              <a:t>12</a:t>
+              <a:t>15</a:t>
             </a:fld>
             <a:endParaRPr lang="ru-RU"/>
           </a:p>
@@ -5249,7 +6054,7 @@
 </p:sld>
 </file>
 
-<file path=ppt/slides/slide13.xml><?xml version="1.0" encoding="utf-8"?>
+<file path=ppt/slides/slide16.xml><?xml version="1.0" encoding="utf-8"?>
 <p:sld xmlns:a="http://schemas.openxmlformats.org/drawingml/2006/main" xmlns:r="http://schemas.openxmlformats.org/officeDocument/2006/relationships" xmlns:p="http://schemas.openxmlformats.org/presentationml/2006/main">
   <p:cSld>
     <p:spTree>
@@ -5386,7 +6191,7 @@
           <a:p>
             <a:fld id="{8253DDDB-F8F7-4D64-A7FD-3F3D61C1949F}" type="slidenum">
               <a:rPr lang="ru-RU" smtClean="0"/>
-              <a:t>13</a:t>
+              <a:t>16</a:t>
             </a:fld>
             <a:endParaRPr lang="ru-RU"/>
           </a:p>
@@ -5611,7 +6416,7 @@
 </p:sld>
 </file>
 
-<file path=ppt/slides/slide14.xml><?xml version="1.0" encoding="utf-8"?>
+<file path=ppt/slides/slide17.xml><?xml version="1.0" encoding="utf-8"?>
 <p:sld xmlns:a="http://schemas.openxmlformats.org/drawingml/2006/main" xmlns:r="http://schemas.openxmlformats.org/officeDocument/2006/relationships" xmlns:p="http://schemas.openxmlformats.org/presentationml/2006/main">
   <p:cSld>
     <p:spTree>
@@ -5704,7 +6509,7 @@
           <a:p>
             <a:fld id="{8253DDDB-F8F7-4D64-A7FD-3F3D61C1949F}" type="slidenum">
               <a:rPr lang="ru-RU" smtClean="0"/>
-              <a:t>14</a:t>
+              <a:t>17</a:t>
             </a:fld>
             <a:endParaRPr lang="ru-RU"/>
           </a:p>
@@ -5853,7 +6658,7 @@
 </p:sld>
 </file>
 
-<file path=ppt/slides/slide15.xml><?xml version="1.0" encoding="utf-8"?>
+<file path=ppt/slides/slide18.xml><?xml version="1.0" encoding="utf-8"?>
 <p:sld xmlns:a="http://schemas.openxmlformats.org/drawingml/2006/main" xmlns:r="http://schemas.openxmlformats.org/officeDocument/2006/relationships" xmlns:p="http://schemas.openxmlformats.org/presentationml/2006/main">
   <p:cSld>
     <p:spTree>
@@ -5964,7 +6769,7 @@
           <a:p>
             <a:fld id="{8253DDDB-F8F7-4D64-A7FD-3F3D61C1949F}" type="slidenum">
               <a:rPr lang="ru-RU" smtClean="0"/>
-              <a:t>15</a:t>
+              <a:t>18</a:t>
             </a:fld>
             <a:endParaRPr lang="ru-RU"/>
           </a:p>
@@ -6145,7 +6950,7 @@
 </p:sld>
 </file>
 
-<file path=ppt/slides/slide16.xml><?xml version="1.0" encoding="utf-8"?>
+<file path=ppt/slides/slide19.xml><?xml version="1.0" encoding="utf-8"?>
 <p:sld xmlns:a="http://schemas.openxmlformats.org/drawingml/2006/main" xmlns:r="http://schemas.openxmlformats.org/officeDocument/2006/relationships" xmlns:p="http://schemas.openxmlformats.org/presentationml/2006/main">
   <p:cSld>
     <p:spTree>
@@ -6225,7 +7030,7 @@
           <a:p>
             <a:fld id="{8253DDDB-F8F7-4D64-A7FD-3F3D61C1949F}" type="slidenum">
               <a:rPr lang="ru-RU" smtClean="0"/>
-              <a:t>16</a:t>
+              <a:t>19</a:t>
             </a:fld>
             <a:endParaRPr lang="ru-RU"/>
           </a:p>
@@ -6251,7 +7056,7 @@
 </p:sld>
 </file>
 
-<file path=ppt/slides/slide17.xml><?xml version="1.0" encoding="utf-8"?>
+<file path=ppt/slides/slide2.xml><?xml version="1.0" encoding="utf-8"?>
 <p:sld xmlns:a="http://schemas.openxmlformats.org/drawingml/2006/main" xmlns:r="http://schemas.openxmlformats.org/officeDocument/2006/relationships" xmlns:p="http://schemas.openxmlformats.org/presentationml/2006/main">
   <p:cSld>
     <p:spTree>
@@ -6284,6 +7089,354 @@
           <a:lstStyle/>
           <a:p>
             <a:r>
+              <a:rPr lang="ru-RU" dirty="0" smtClean="0"/>
+              <a:t>Структура курса</a:t>
+            </a:r>
+            <a:endParaRPr lang="ru-RU" dirty="0"/>
+          </a:p>
+        </p:txBody>
+      </p:sp>
+      <p:sp>
+        <p:nvSpPr>
+          <p:cNvPr id="3" name="Объект 2"/>
+          <p:cNvSpPr>
+            <a:spLocks noGrp="1"/>
+          </p:cNvSpPr>
+          <p:nvPr>
+            <p:ph idx="1"/>
+          </p:nvPr>
+        </p:nvSpPr>
+        <p:spPr>
+          <a:xfrm>
+            <a:off x="838200" y="1825624"/>
+            <a:ext cx="10515600" cy="4408121"/>
+          </a:xfrm>
+        </p:spPr>
+        <p:txBody>
+          <a:bodyPr>
+            <a:normAutofit fontScale="92500" lnSpcReduction="20000"/>
+          </a:bodyPr>
+          <a:lstStyle/>
+          <a:p>
+            <a:r>
+              <a:rPr lang="ru-RU" dirty="0" smtClean="0"/>
+              <a:t>Лекции</a:t>
+            </a:r>
+            <a:r>
+              <a:rPr lang="en-US" dirty="0" smtClean="0"/>
+              <a:t>:</a:t>
+            </a:r>
+            <a:r>
+              <a:rPr lang="ru-RU" dirty="0" smtClean="0"/>
+              <a:t> 16 недель</a:t>
+            </a:r>
+          </a:p>
+          <a:p>
+            <a:endParaRPr lang="ru-RU" dirty="0"/>
+          </a:p>
+          <a:p>
+            <a:r>
+              <a:rPr lang="ru-RU" dirty="0" smtClean="0"/>
+              <a:t>Сдача разделов</a:t>
+            </a:r>
+            <a:r>
+              <a:rPr lang="en-US" dirty="0" smtClean="0"/>
+              <a:t>:</a:t>
+            </a:r>
+            <a:r>
+              <a:rPr lang="ru-RU" dirty="0" smtClean="0"/>
+              <a:t> </a:t>
+            </a:r>
+            <a:r>
+              <a:rPr lang="en-US" dirty="0" smtClean="0"/>
+              <a:t>3</a:t>
+            </a:r>
+            <a:r>
+              <a:rPr lang="ru-RU" dirty="0" smtClean="0"/>
+              <a:t> блока</a:t>
+            </a:r>
+          </a:p>
+          <a:p>
+            <a:pPr lvl="1"/>
+            <a:r>
+              <a:rPr lang="ru-RU" dirty="0" smtClean="0"/>
+              <a:t>Для каждого блока жёсткий </a:t>
+            </a:r>
+            <a:r>
+              <a:rPr lang="ru-RU" dirty="0" err="1" smtClean="0"/>
+              <a:t>дедлайн</a:t>
+            </a:r>
+            <a:r>
+              <a:rPr lang="ru-RU" dirty="0" smtClean="0"/>
+              <a:t> (без переносов)</a:t>
+            </a:r>
+            <a:endParaRPr lang="en-US" dirty="0" smtClean="0"/>
+          </a:p>
+          <a:p>
+            <a:pPr lvl="1"/>
+            <a:r>
+              <a:rPr lang="en-US" dirty="0">
+                <a:hlinkClick r:id="rId2"/>
+              </a:rPr>
+              <a:t>https://github.com/CryptoCourse/CryptoLectures/wiki/</a:t>
+            </a:r>
+            <a:r>
+              <a:rPr lang="ru-RU" dirty="0" smtClean="0">
+                <a:hlinkClick r:id="rId2"/>
+              </a:rPr>
+              <a:t>Список-домашних-работ-и-лекций</a:t>
+            </a:r>
+            <a:endParaRPr lang="ru-RU" dirty="0" smtClean="0"/>
+          </a:p>
+          <a:p>
+            <a:pPr lvl="1"/>
+            <a:r>
+              <a:rPr lang="en-US" dirty="0" smtClean="0">
+                <a:hlinkClick r:id="rId3"/>
+              </a:rPr>
+              <a:t>https://github.com/CryptoCourse/CryptoLabs/wiki/</a:t>
+            </a:r>
+            <a:r>
+              <a:rPr lang="ru-RU" dirty="0" smtClean="0">
+                <a:hlinkClick r:id="rId3"/>
+              </a:rPr>
+              <a:t>список-лабораторных-работ</a:t>
+            </a:r>
+            <a:endParaRPr lang="ru-RU" dirty="0" smtClean="0"/>
+          </a:p>
+          <a:p>
+            <a:pPr lvl="1"/>
+            <a:r>
+              <a:rPr lang="ru-RU" b="1" dirty="0" smtClean="0"/>
+              <a:t>Штраф за пропуск </a:t>
+            </a:r>
+            <a:r>
+              <a:rPr lang="ru-RU" b="1" dirty="0" err="1" smtClean="0"/>
+              <a:t>дедлайна</a:t>
+            </a:r>
+            <a:r>
+              <a:rPr lang="en-US" b="1" dirty="0" smtClean="0"/>
+              <a:t>: </a:t>
+            </a:r>
+            <a:r>
+              <a:rPr lang="ru-RU" b="1" dirty="0" smtClean="0"/>
+              <a:t>для </a:t>
+            </a:r>
+            <a:r>
+              <a:rPr lang="ru-RU" b="1" dirty="0" err="1" smtClean="0"/>
+              <a:t>дз</a:t>
+            </a:r>
+            <a:r>
+              <a:rPr lang="en-US" b="1" dirty="0" smtClean="0"/>
+              <a:t> </a:t>
+            </a:r>
+            <a:r>
+              <a:rPr lang="ru-RU" b="1" dirty="0" smtClean="0"/>
+              <a:t>-5</a:t>
+            </a:r>
+            <a:r>
+              <a:rPr lang="en-US" b="1" dirty="0" smtClean="0"/>
+              <a:t>/100 </a:t>
+            </a:r>
+            <a:r>
+              <a:rPr lang="ru-RU" b="1" dirty="0" smtClean="0"/>
+              <a:t>к итоговой оценке за семестр за каждый </a:t>
+            </a:r>
+            <a:r>
+              <a:rPr lang="ru-RU" b="1" dirty="0" err="1" smtClean="0"/>
+              <a:t>дедлайн</a:t>
+            </a:r>
+            <a:r>
+              <a:rPr lang="ru-RU" b="1" dirty="0" smtClean="0"/>
+              <a:t> в неделю</a:t>
+            </a:r>
+            <a:r>
+              <a:rPr lang="en-US" b="1" dirty="0" smtClean="0"/>
+              <a:t>;</a:t>
+            </a:r>
+            <a:r>
+              <a:rPr lang="ru-RU" b="1" dirty="0" smtClean="0"/>
+              <a:t> </a:t>
+            </a:r>
+            <a:r>
+              <a:rPr lang="ru-RU" b="1" dirty="0" err="1" smtClean="0"/>
+              <a:t>лабы</a:t>
+            </a:r>
+            <a:r>
+              <a:rPr lang="ru-RU" b="1" dirty="0" smtClean="0"/>
+              <a:t> после </a:t>
+            </a:r>
+            <a:r>
+              <a:rPr lang="ru-RU" b="1" dirty="0" err="1" smtClean="0"/>
+              <a:t>дедлайна</a:t>
+            </a:r>
+            <a:r>
+              <a:rPr lang="ru-RU" b="1" dirty="0" smtClean="0"/>
+              <a:t> не сдаются (и -</a:t>
+            </a:r>
+            <a:r>
+              <a:rPr lang="en-US" b="1" dirty="0"/>
+              <a:t>5</a:t>
+            </a:r>
+            <a:r>
+              <a:rPr lang="ru-RU" b="1" dirty="0" smtClean="0"/>
+              <a:t> к итоговой оценке за каждую </a:t>
+            </a:r>
+            <a:r>
+              <a:rPr lang="ru-RU" b="1" dirty="0"/>
+              <a:t>пропущенную</a:t>
+            </a:r>
+            <a:r>
+              <a:rPr lang="ru-RU" b="1" dirty="0" smtClean="0"/>
+              <a:t> </a:t>
+            </a:r>
+            <a:r>
+              <a:rPr lang="ru-RU" b="1" dirty="0" err="1" smtClean="0"/>
+              <a:t>лабу</a:t>
+            </a:r>
+            <a:r>
+              <a:rPr lang="ru-RU" b="1" dirty="0" smtClean="0"/>
+              <a:t>)</a:t>
+            </a:r>
+            <a:endParaRPr lang="ru-RU" b="1" dirty="0"/>
+          </a:p>
+          <a:p>
+            <a:r>
+              <a:rPr lang="ru-RU" dirty="0" smtClean="0"/>
+              <a:t>Для сдачи каждого блока</a:t>
+            </a:r>
+            <a:r>
+              <a:rPr lang="en-US" dirty="0" smtClean="0"/>
+              <a:t>:</a:t>
+            </a:r>
+          </a:p>
+          <a:p>
+            <a:pPr lvl="1"/>
+            <a:r>
+              <a:rPr lang="ru-RU" dirty="0" smtClean="0"/>
+              <a:t>Сдача лабораторных работ для данного блока</a:t>
+            </a:r>
+          </a:p>
+          <a:p>
+            <a:pPr lvl="1"/>
+            <a:r>
+              <a:rPr lang="ru-RU" dirty="0" smtClean="0"/>
+              <a:t>Сдача домашних работ</a:t>
+            </a:r>
+          </a:p>
+          <a:p>
+            <a:pPr lvl="1"/>
+            <a:r>
+              <a:rPr lang="ru-RU" dirty="0" smtClean="0"/>
+              <a:t>Сдача теории по лабораторным и домашним</a:t>
+            </a:r>
+          </a:p>
+          <a:p>
+            <a:pPr lvl="1"/>
+            <a:endParaRPr lang="ru-RU" dirty="0"/>
+          </a:p>
+        </p:txBody>
+      </p:sp>
+      <p:sp>
+        <p:nvSpPr>
+          <p:cNvPr id="7" name="Номер слайда 6"/>
+          <p:cNvSpPr>
+            <a:spLocks noGrp="1"/>
+          </p:cNvSpPr>
+          <p:nvPr>
+            <p:ph type="sldNum" sz="quarter" idx="12"/>
+          </p:nvPr>
+        </p:nvSpPr>
+        <p:spPr/>
+        <p:txBody>
+          <a:bodyPr/>
+          <a:lstStyle/>
+          <a:p>
+            <a:fld id="{8253DDDB-F8F7-4D64-A7FD-3F3D61C1949F}" type="slidenum">
+              <a:rPr lang="ru-RU" smtClean="0"/>
+              <a:t>2</a:t>
+            </a:fld>
+            <a:endParaRPr lang="ru-RU"/>
+          </a:p>
+        </p:txBody>
+      </p:sp>
+      <p:pic>
+        <p:nvPicPr>
+          <p:cNvPr id="6" name="Рисунок 5"/>
+          <p:cNvPicPr>
+            <a:picLocks noChangeAspect="1"/>
+          </p:cNvPicPr>
+          <p:nvPr/>
+        </p:nvPicPr>
+        <p:blipFill>
+          <a:blip r:embed="rId4"/>
+          <a:stretch>
+            <a:fillRect/>
+          </a:stretch>
+        </p:blipFill>
+        <p:spPr>
+          <a:xfrm>
+            <a:off x="9210675" y="365125"/>
+            <a:ext cx="2143125" cy="2085975"/>
+          </a:xfrm>
+          <a:prstGeom prst="rect">
+            <a:avLst/>
+          </a:prstGeom>
+        </p:spPr>
+      </p:pic>
+    </p:spTree>
+    <p:extLst>
+      <p:ext uri="{BB962C8B-B14F-4D97-AF65-F5344CB8AC3E}">
+        <p14:creationId xmlns:p14="http://schemas.microsoft.com/office/powerpoint/2010/main" val="534936707"/>
+      </p:ext>
+    </p:extLst>
+  </p:cSld>
+  <p:clrMapOvr>
+    <a:masterClrMapping/>
+  </p:clrMapOvr>
+  <p:timing>
+    <p:tnLst>
+      <p:par>
+        <p:cTn id="1" dur="indefinite" restart="never" nodeType="tmRoot"/>
+      </p:par>
+    </p:tnLst>
+  </p:timing>
+</p:sld>
+</file>
+
+<file path=ppt/slides/slide20.xml><?xml version="1.0" encoding="utf-8"?>
+<p:sld xmlns:a="http://schemas.openxmlformats.org/drawingml/2006/main" xmlns:r="http://schemas.openxmlformats.org/officeDocument/2006/relationships" xmlns:p="http://schemas.openxmlformats.org/presentationml/2006/main">
+  <p:cSld>
+    <p:spTree>
+      <p:nvGrpSpPr>
+        <p:cNvPr id="1" name=""/>
+        <p:cNvGrpSpPr/>
+        <p:nvPr/>
+      </p:nvGrpSpPr>
+      <p:grpSpPr>
+        <a:xfrm>
+          <a:off x="0" y="0"/>
+          <a:ext cx="0" cy="0"/>
+          <a:chOff x="0" y="0"/>
+          <a:chExt cx="0" cy="0"/>
+        </a:xfrm>
+      </p:grpSpPr>
+      <p:sp>
+        <p:nvSpPr>
+          <p:cNvPr id="2" name="Заголовок 1"/>
+          <p:cNvSpPr>
+            <a:spLocks noGrp="1"/>
+          </p:cNvSpPr>
+          <p:nvPr>
+            <p:ph type="title"/>
+          </p:nvPr>
+        </p:nvSpPr>
+        <p:spPr/>
+        <p:txBody>
+          <a:bodyPr/>
+          <a:lstStyle/>
+          <a:p>
+            <a:r>
               <a:rPr lang="ru-RU" dirty="0"/>
               <a:t>Сведение стойкости (</a:t>
             </a:r>
@@ -6742,7 +7895,7 @@
           <a:p>
             <a:fld id="{8253DDDB-F8F7-4D64-A7FD-3F3D61C1949F}" type="slidenum">
               <a:rPr lang="ru-RU" smtClean="0"/>
-              <a:t>17</a:t>
+              <a:t>20</a:t>
             </a:fld>
             <a:endParaRPr lang="ru-RU"/>
           </a:p>
@@ -6768,7 +7921,7 @@
 </p:sld>
 </file>
 
-<file path=ppt/slides/slide18.xml><?xml version="1.0" encoding="utf-8"?>
+<file path=ppt/slides/slide21.xml><?xml version="1.0" encoding="utf-8"?>
 <p:sld xmlns:a="http://schemas.openxmlformats.org/drawingml/2006/main" xmlns:r="http://schemas.openxmlformats.org/officeDocument/2006/relationships" xmlns:p="http://schemas.openxmlformats.org/presentationml/2006/main">
   <p:cSld>
     <p:spTree>
@@ -6867,7 +8020,7 @@
           <a:p>
             <a:fld id="{8253DDDB-F8F7-4D64-A7FD-3F3D61C1949F}" type="slidenum">
               <a:rPr lang="ru-RU" smtClean="0"/>
-              <a:t>18</a:t>
+              <a:t>21</a:t>
             </a:fld>
             <a:endParaRPr lang="ru-RU"/>
           </a:p>
@@ -7480,7 +8633,7 @@
 </p:sld>
 </file>
 
-<file path=ppt/slides/slide19.xml><?xml version="1.0" encoding="utf-8"?>
+<file path=ppt/slides/slide22.xml><?xml version="1.0" encoding="utf-8"?>
 <p:sld xmlns:a="http://schemas.openxmlformats.org/drawingml/2006/main" xmlns:r="http://schemas.openxmlformats.org/officeDocument/2006/relationships" xmlns:p="http://schemas.openxmlformats.org/presentationml/2006/main">
   <p:cSld>
     <p:spTree>
@@ -7681,7 +8834,7 @@
           <a:p>
             <a:fld id="{8253DDDB-F8F7-4D64-A7FD-3F3D61C1949F}" type="slidenum">
               <a:rPr lang="ru-RU" smtClean="0"/>
-              <a:t>19</a:t>
+              <a:t>22</a:t>
             </a:fld>
             <a:endParaRPr lang="ru-RU"/>
           </a:p>
@@ -7707,355 +8860,7 @@
 </p:sld>
 </file>
 
-<file path=ppt/slides/slide2.xml><?xml version="1.0" encoding="utf-8"?>
-<p:sld xmlns:a="http://schemas.openxmlformats.org/drawingml/2006/main" xmlns:r="http://schemas.openxmlformats.org/officeDocument/2006/relationships" xmlns:p="http://schemas.openxmlformats.org/presentationml/2006/main">
-  <p:cSld>
-    <p:spTree>
-      <p:nvGrpSpPr>
-        <p:cNvPr id="1" name=""/>
-        <p:cNvGrpSpPr/>
-        <p:nvPr/>
-      </p:nvGrpSpPr>
-      <p:grpSpPr>
-        <a:xfrm>
-          <a:off x="0" y="0"/>
-          <a:ext cx="0" cy="0"/>
-          <a:chOff x="0" y="0"/>
-          <a:chExt cx="0" cy="0"/>
-        </a:xfrm>
-      </p:grpSpPr>
-      <p:sp>
-        <p:nvSpPr>
-          <p:cNvPr id="2" name="Заголовок 1"/>
-          <p:cNvSpPr>
-            <a:spLocks noGrp="1"/>
-          </p:cNvSpPr>
-          <p:nvPr>
-            <p:ph type="title"/>
-          </p:nvPr>
-        </p:nvSpPr>
-        <p:spPr/>
-        <p:txBody>
-          <a:bodyPr/>
-          <a:lstStyle/>
-          <a:p>
-            <a:r>
-              <a:rPr lang="ru-RU" dirty="0" smtClean="0"/>
-              <a:t>Структура курса</a:t>
-            </a:r>
-            <a:endParaRPr lang="ru-RU" dirty="0"/>
-          </a:p>
-        </p:txBody>
-      </p:sp>
-      <p:sp>
-        <p:nvSpPr>
-          <p:cNvPr id="3" name="Объект 2"/>
-          <p:cNvSpPr>
-            <a:spLocks noGrp="1"/>
-          </p:cNvSpPr>
-          <p:nvPr>
-            <p:ph idx="1"/>
-          </p:nvPr>
-        </p:nvSpPr>
-        <p:spPr>
-          <a:xfrm>
-            <a:off x="838200" y="1825624"/>
-            <a:ext cx="10515600" cy="4408121"/>
-          </a:xfrm>
-        </p:spPr>
-        <p:txBody>
-          <a:bodyPr>
-            <a:normAutofit fontScale="92500" lnSpcReduction="20000"/>
-          </a:bodyPr>
-          <a:lstStyle/>
-          <a:p>
-            <a:r>
-              <a:rPr lang="ru-RU" dirty="0" smtClean="0"/>
-              <a:t>Лекции</a:t>
-            </a:r>
-            <a:r>
-              <a:rPr lang="en-US" dirty="0" smtClean="0"/>
-              <a:t>:</a:t>
-            </a:r>
-            <a:r>
-              <a:rPr lang="ru-RU" dirty="0" smtClean="0"/>
-              <a:t> 16 недель</a:t>
-            </a:r>
-          </a:p>
-          <a:p>
-            <a:endParaRPr lang="ru-RU" dirty="0"/>
-          </a:p>
-          <a:p>
-            <a:r>
-              <a:rPr lang="ru-RU" dirty="0" smtClean="0"/>
-              <a:t>Сдача разделов</a:t>
-            </a:r>
-            <a:r>
-              <a:rPr lang="en-US" dirty="0" smtClean="0"/>
-              <a:t>:</a:t>
-            </a:r>
-            <a:r>
-              <a:rPr lang="ru-RU" dirty="0" smtClean="0"/>
-              <a:t> </a:t>
-            </a:r>
-            <a:r>
-              <a:rPr lang="en-US" dirty="0" smtClean="0"/>
-              <a:t>3</a:t>
-            </a:r>
-            <a:r>
-              <a:rPr lang="ru-RU" dirty="0" smtClean="0"/>
-              <a:t> блока</a:t>
-            </a:r>
-          </a:p>
-          <a:p>
-            <a:pPr lvl="1"/>
-            <a:r>
-              <a:rPr lang="ru-RU" dirty="0" smtClean="0"/>
-              <a:t>Для каждого блока жёсткий </a:t>
-            </a:r>
-            <a:r>
-              <a:rPr lang="ru-RU" dirty="0" err="1" smtClean="0"/>
-              <a:t>дедлайн</a:t>
-            </a:r>
-            <a:r>
-              <a:rPr lang="ru-RU" dirty="0" smtClean="0"/>
-              <a:t> (без переносов)</a:t>
-            </a:r>
-            <a:endParaRPr lang="en-US" dirty="0" smtClean="0"/>
-          </a:p>
-          <a:p>
-            <a:pPr lvl="1"/>
-            <a:r>
-              <a:rPr lang="en-US" dirty="0">
-                <a:hlinkClick r:id="rId2"/>
-              </a:rPr>
-              <a:t>https://github.com/CryptoCourse/CryptoLectures/wiki/</a:t>
-            </a:r>
-            <a:r>
-              <a:rPr lang="ru-RU" dirty="0" smtClean="0">
-                <a:hlinkClick r:id="rId2"/>
-              </a:rPr>
-              <a:t>Список-домашних-работ-и-лекций</a:t>
-            </a:r>
-            <a:endParaRPr lang="ru-RU" dirty="0" smtClean="0"/>
-          </a:p>
-          <a:p>
-            <a:pPr lvl="1"/>
-            <a:r>
-              <a:rPr lang="en-US" dirty="0" smtClean="0">
-                <a:hlinkClick r:id="rId3"/>
-              </a:rPr>
-              <a:t>https://github.com/CryptoCourse/CryptoLabs/wiki/</a:t>
-            </a:r>
-            <a:r>
-              <a:rPr lang="ru-RU" dirty="0" smtClean="0">
-                <a:hlinkClick r:id="rId3"/>
-              </a:rPr>
-              <a:t>список-лабораторных-работ</a:t>
-            </a:r>
-            <a:endParaRPr lang="ru-RU" dirty="0" smtClean="0"/>
-          </a:p>
-          <a:p>
-            <a:pPr lvl="1"/>
-            <a:r>
-              <a:rPr lang="ru-RU" b="1" dirty="0" smtClean="0"/>
-              <a:t>Штраф за пропуск </a:t>
-            </a:r>
-            <a:r>
-              <a:rPr lang="ru-RU" b="1" dirty="0" err="1" smtClean="0"/>
-              <a:t>дедлайна</a:t>
-            </a:r>
-            <a:r>
-              <a:rPr lang="en-US" b="1" dirty="0" smtClean="0"/>
-              <a:t>: </a:t>
-            </a:r>
-            <a:r>
-              <a:rPr lang="ru-RU" b="1" dirty="0" smtClean="0"/>
-              <a:t>для </a:t>
-            </a:r>
-            <a:r>
-              <a:rPr lang="ru-RU" b="1" dirty="0" err="1" smtClean="0"/>
-              <a:t>дз</a:t>
-            </a:r>
-            <a:r>
-              <a:rPr lang="en-US" b="1" dirty="0" smtClean="0"/>
-              <a:t> </a:t>
-            </a:r>
-            <a:r>
-              <a:rPr lang="ru-RU" b="1" dirty="0" smtClean="0"/>
-              <a:t>-5</a:t>
-            </a:r>
-            <a:r>
-              <a:rPr lang="en-US" b="1" dirty="0" smtClean="0"/>
-              <a:t>/100 </a:t>
-            </a:r>
-            <a:r>
-              <a:rPr lang="ru-RU" b="1" dirty="0" smtClean="0"/>
-              <a:t>к итоговой оценке за семестр за каждый </a:t>
-            </a:r>
-            <a:r>
-              <a:rPr lang="ru-RU" b="1" dirty="0" err="1" smtClean="0"/>
-              <a:t>дедлайн</a:t>
-            </a:r>
-            <a:r>
-              <a:rPr lang="ru-RU" b="1" dirty="0" smtClean="0"/>
-              <a:t> в неделю</a:t>
-            </a:r>
-            <a:r>
-              <a:rPr lang="en-US" b="1" dirty="0" smtClean="0"/>
-              <a:t>;</a:t>
-            </a:r>
-            <a:r>
-              <a:rPr lang="ru-RU" b="1" dirty="0" smtClean="0"/>
-              <a:t> </a:t>
-            </a:r>
-            <a:r>
-              <a:rPr lang="ru-RU" b="1" dirty="0" err="1" smtClean="0"/>
-              <a:t>лабы</a:t>
-            </a:r>
-            <a:r>
-              <a:rPr lang="ru-RU" b="1" dirty="0" smtClean="0"/>
-              <a:t> после </a:t>
-            </a:r>
-            <a:r>
-              <a:rPr lang="ru-RU" b="1" dirty="0" err="1" smtClean="0"/>
-              <a:t>дедлайна</a:t>
-            </a:r>
-            <a:r>
-              <a:rPr lang="ru-RU" b="1" dirty="0" smtClean="0"/>
-              <a:t> не сдаются (и -</a:t>
-            </a:r>
-            <a:r>
-              <a:rPr lang="en-US" b="1" dirty="0"/>
-              <a:t>5</a:t>
-            </a:r>
-            <a:r>
-              <a:rPr lang="ru-RU" b="1" dirty="0" smtClean="0"/>
-              <a:t> к итоговой оценке за каждую </a:t>
-            </a:r>
-            <a:r>
-              <a:rPr lang="ru-RU" b="1" dirty="0"/>
-              <a:t>пропущенную</a:t>
-            </a:r>
-            <a:r>
-              <a:rPr lang="ru-RU" b="1" dirty="0" smtClean="0"/>
-              <a:t> </a:t>
-            </a:r>
-            <a:r>
-              <a:rPr lang="ru-RU" b="1" dirty="0" err="1" smtClean="0"/>
-              <a:t>лабу</a:t>
-            </a:r>
-            <a:r>
-              <a:rPr lang="ru-RU" b="1" dirty="0" smtClean="0"/>
-              <a:t>)</a:t>
-            </a:r>
-            <a:endParaRPr lang="ru-RU" b="1" dirty="0"/>
-          </a:p>
-          <a:p>
-            <a:r>
-              <a:rPr lang="ru-RU" dirty="0" smtClean="0"/>
-              <a:t>Для сдачи каждого блока</a:t>
-            </a:r>
-            <a:r>
-              <a:rPr lang="en-US" dirty="0" smtClean="0"/>
-              <a:t>:</a:t>
-            </a:r>
-          </a:p>
-          <a:p>
-            <a:pPr lvl="1"/>
-            <a:r>
-              <a:rPr lang="ru-RU" dirty="0" smtClean="0"/>
-              <a:t>Сдача лабораторных работ для данного блока</a:t>
-            </a:r>
-          </a:p>
-          <a:p>
-            <a:pPr lvl="1"/>
-            <a:r>
-              <a:rPr lang="ru-RU" dirty="0" smtClean="0"/>
-              <a:t>Сдача домашних работ</a:t>
-            </a:r>
-          </a:p>
-          <a:p>
-            <a:pPr lvl="1"/>
-            <a:r>
-              <a:rPr lang="ru-RU" dirty="0" smtClean="0"/>
-              <a:t>Сдача теории по лабораторным и домашним</a:t>
-            </a:r>
-          </a:p>
-          <a:p>
-            <a:pPr lvl="1"/>
-            <a:endParaRPr lang="ru-RU" dirty="0"/>
-          </a:p>
-        </p:txBody>
-      </p:sp>
-      <p:sp>
-        <p:nvSpPr>
-          <p:cNvPr id="7" name="Номер слайда 6"/>
-          <p:cNvSpPr>
-            <a:spLocks noGrp="1"/>
-          </p:cNvSpPr>
-          <p:nvPr>
-            <p:ph type="sldNum" sz="quarter" idx="12"/>
-          </p:nvPr>
-        </p:nvSpPr>
-        <p:spPr/>
-        <p:txBody>
-          <a:bodyPr/>
-          <a:lstStyle/>
-          <a:p>
-            <a:fld id="{8253DDDB-F8F7-4D64-A7FD-3F3D61C1949F}" type="slidenum">
-              <a:rPr lang="ru-RU" smtClean="0"/>
-              <a:t>2</a:t>
-            </a:fld>
-            <a:endParaRPr lang="ru-RU"/>
-          </a:p>
-        </p:txBody>
-      </p:sp>
-      <p:pic>
-        <p:nvPicPr>
-          <p:cNvPr id="6" name="Рисунок 5"/>
-          <p:cNvPicPr>
-            <a:picLocks noChangeAspect="1"/>
-          </p:cNvPicPr>
-          <p:nvPr/>
-        </p:nvPicPr>
-        <p:blipFill>
-          <a:blip r:embed="rId4"/>
-          <a:stretch>
-            <a:fillRect/>
-          </a:stretch>
-        </p:blipFill>
-        <p:spPr>
-          <a:xfrm>
-            <a:off x="9210675" y="365125"/>
-            <a:ext cx="2143125" cy="2085975"/>
-          </a:xfrm>
-          <a:prstGeom prst="rect">
-            <a:avLst/>
-          </a:prstGeom>
-        </p:spPr>
-      </p:pic>
-    </p:spTree>
-    <p:extLst>
-      <p:ext uri="{BB962C8B-B14F-4D97-AF65-F5344CB8AC3E}">
-        <p14:creationId xmlns:p14="http://schemas.microsoft.com/office/powerpoint/2010/main" val="534936707"/>
-      </p:ext>
-    </p:extLst>
-  </p:cSld>
-  <p:clrMapOvr>
-    <a:masterClrMapping/>
-  </p:clrMapOvr>
-  <p:timing>
-    <p:tnLst>
-      <p:par>
-        <p:cTn id="1" dur="indefinite" restart="never" nodeType="tmRoot"/>
-      </p:par>
-    </p:tnLst>
-  </p:timing>
-</p:sld>
-</file>
-
-<file path=ppt/slides/slide20.xml><?xml version="1.0" encoding="utf-8"?>
+<file path=ppt/slides/slide23.xml><?xml version="1.0" encoding="utf-8"?>
 <p:sld xmlns:a="http://schemas.openxmlformats.org/drawingml/2006/main" xmlns:r="http://schemas.openxmlformats.org/officeDocument/2006/relationships" xmlns:p="http://schemas.openxmlformats.org/presentationml/2006/main">
   <p:cSld>
     <p:spTree>
@@ -8695,7 +9500,7 @@
           <a:p>
             <a:fld id="{8253DDDB-F8F7-4D64-A7FD-3F3D61C1949F}" type="slidenum">
               <a:rPr lang="ru-RU" smtClean="0"/>
-              <a:t>20</a:t>
+              <a:t>23</a:t>
             </a:fld>
             <a:endParaRPr lang="ru-RU"/>
           </a:p>
@@ -8721,7 +9526,7 @@
 </p:sld>
 </file>
 
-<file path=ppt/slides/slide21.xml><?xml version="1.0" encoding="utf-8"?>
+<file path=ppt/slides/slide24.xml><?xml version="1.0" encoding="utf-8"?>
 <p:sld xmlns:a="http://schemas.openxmlformats.org/drawingml/2006/main" xmlns:r="http://schemas.openxmlformats.org/officeDocument/2006/relationships" xmlns:p="http://schemas.openxmlformats.org/presentationml/2006/main">
   <p:cSld>
     <p:spTree>
@@ -9345,7 +10150,7 @@
           <a:p>
             <a:fld id="{8253DDDB-F8F7-4D64-A7FD-3F3D61C1949F}" type="slidenum">
               <a:rPr lang="ru-RU" smtClean="0"/>
-              <a:t>21</a:t>
+              <a:t>24</a:t>
             </a:fld>
             <a:endParaRPr lang="ru-RU"/>
           </a:p>
@@ -9371,7 +10176,7 @@
 </p:sld>
 </file>
 
-<file path=ppt/slides/slide22.xml><?xml version="1.0" encoding="utf-8"?>
+<file path=ppt/slides/slide25.xml><?xml version="1.0" encoding="utf-8"?>
 <p:sld xmlns:a="http://schemas.openxmlformats.org/drawingml/2006/main" xmlns:r="http://schemas.openxmlformats.org/officeDocument/2006/relationships" xmlns:p="http://schemas.openxmlformats.org/presentationml/2006/main">
   <p:cSld>
     <p:spTree>
@@ -10396,7 +11201,7 @@
           <a:p>
             <a:fld id="{8253DDDB-F8F7-4D64-A7FD-3F3D61C1949F}" type="slidenum">
               <a:rPr lang="ru-RU" smtClean="0"/>
-              <a:t>22</a:t>
+              <a:t>25</a:t>
             </a:fld>
             <a:endParaRPr lang="ru-RU"/>
           </a:p>
@@ -10422,7 +11227,7 @@
 </p:sld>
 </file>
 
-<file path=ppt/slides/slide23.xml><?xml version="1.0" encoding="utf-8"?>
+<file path=ppt/slides/slide26.xml><?xml version="1.0" encoding="utf-8"?>
 <p:sld xmlns:a="http://schemas.openxmlformats.org/drawingml/2006/main" xmlns:r="http://schemas.openxmlformats.org/officeDocument/2006/relationships" xmlns:p="http://schemas.openxmlformats.org/presentationml/2006/main">
   <p:cSld>
     <p:spTree>
@@ -11645,7 +12450,7 @@
           <a:p>
             <a:fld id="{8253DDDB-F8F7-4D64-A7FD-3F3D61C1949F}" type="slidenum">
               <a:rPr lang="ru-RU" smtClean="0"/>
-              <a:t>23</a:t>
+              <a:t>26</a:t>
             </a:fld>
             <a:endParaRPr lang="ru-RU"/>
           </a:p>
@@ -11671,7 +12476,7 @@
 </p:sld>
 </file>
 
-<file path=ppt/slides/slide24.xml><?xml version="1.0" encoding="utf-8"?>
+<file path=ppt/slides/slide27.xml><?xml version="1.0" encoding="utf-8"?>
 <p:sld xmlns:a="http://schemas.openxmlformats.org/drawingml/2006/main" xmlns:r="http://schemas.openxmlformats.org/officeDocument/2006/relationships" xmlns:p="http://schemas.openxmlformats.org/presentationml/2006/main">
   <p:cSld>
     <p:spTree>
@@ -12078,7 +12883,7 @@
           <a:p>
             <a:fld id="{8253DDDB-F8F7-4D64-A7FD-3F3D61C1949F}" type="slidenum">
               <a:rPr lang="ru-RU" smtClean="0"/>
-              <a:t>24</a:t>
+              <a:t>27</a:t>
             </a:fld>
             <a:endParaRPr lang="ru-RU"/>
           </a:p>
@@ -12104,7 +12909,7 @@
 </p:sld>
 </file>
 
-<file path=ppt/slides/slide25.xml><?xml version="1.0" encoding="utf-8"?>
+<file path=ppt/slides/slide28.xml><?xml version="1.0" encoding="utf-8"?>
 <p:sld xmlns:a="http://schemas.openxmlformats.org/drawingml/2006/main" xmlns:r="http://schemas.openxmlformats.org/officeDocument/2006/relationships" xmlns:p="http://schemas.openxmlformats.org/presentationml/2006/main">
   <p:cSld>
     <p:spTree>
@@ -13050,7 +13855,7 @@
           <a:p>
             <a:fld id="{8253DDDB-F8F7-4D64-A7FD-3F3D61C1949F}" type="slidenum">
               <a:rPr lang="ru-RU" smtClean="0"/>
-              <a:t>25</a:t>
+              <a:t>28</a:t>
             </a:fld>
             <a:endParaRPr lang="ru-RU"/>
           </a:p>
@@ -13076,7 +13881,7 @@
 </p:sld>
 </file>
 
-<file path=ppt/slides/slide26.xml><?xml version="1.0" encoding="utf-8"?>
+<file path=ppt/slides/slide29.xml><?xml version="1.0" encoding="utf-8"?>
 <p:sld xmlns:a="http://schemas.openxmlformats.org/drawingml/2006/main" xmlns:r="http://schemas.openxmlformats.org/officeDocument/2006/relationships" xmlns:p="http://schemas.openxmlformats.org/presentationml/2006/main">
   <p:cSld>
     <p:spTree>
@@ -14186,7 +14991,7 @@
           <a:p>
             <a:fld id="{8253DDDB-F8F7-4D64-A7FD-3F3D61C1949F}" type="slidenum">
               <a:rPr lang="ru-RU" smtClean="0"/>
-              <a:t>26</a:t>
+              <a:t>29</a:t>
             </a:fld>
             <a:endParaRPr lang="ru-RU"/>
           </a:p>
@@ -14212,7 +15017,237 @@
 </p:sld>
 </file>
 
-<file path=ppt/slides/slide27.xml><?xml version="1.0" encoding="utf-8"?>
+<file path=ppt/slides/slide3.xml><?xml version="1.0" encoding="utf-8"?>
+<p:sld xmlns:a="http://schemas.openxmlformats.org/drawingml/2006/main" xmlns:r="http://schemas.openxmlformats.org/officeDocument/2006/relationships" xmlns:p="http://schemas.openxmlformats.org/presentationml/2006/main">
+  <p:cSld>
+    <p:spTree>
+      <p:nvGrpSpPr>
+        <p:cNvPr id="1" name=""/>
+        <p:cNvGrpSpPr/>
+        <p:nvPr/>
+      </p:nvGrpSpPr>
+      <p:grpSpPr>
+        <a:xfrm>
+          <a:off x="0" y="0"/>
+          <a:ext cx="0" cy="0"/>
+          <a:chOff x="0" y="0"/>
+          <a:chExt cx="0" cy="0"/>
+        </a:xfrm>
+      </p:grpSpPr>
+      <p:sp>
+        <p:nvSpPr>
+          <p:cNvPr id="2" name="Заголовок 1"/>
+          <p:cNvSpPr>
+            <a:spLocks noGrp="1"/>
+          </p:cNvSpPr>
+          <p:nvPr>
+            <p:ph type="title"/>
+          </p:nvPr>
+        </p:nvSpPr>
+        <p:spPr/>
+        <p:txBody>
+          <a:bodyPr/>
+          <a:lstStyle/>
+          <a:p>
+            <a:r>
+              <a:rPr lang="ru-RU" dirty="0" smtClean="0"/>
+              <a:t>Структура курса</a:t>
+            </a:r>
+            <a:r>
+              <a:rPr lang="en-US" dirty="0" smtClean="0"/>
+              <a:t> (2)</a:t>
+            </a:r>
+            <a:endParaRPr lang="ru-RU" dirty="0"/>
+          </a:p>
+        </p:txBody>
+      </p:sp>
+      <p:sp>
+        <p:nvSpPr>
+          <p:cNvPr id="3" name="Объект 2"/>
+          <p:cNvSpPr>
+            <a:spLocks noGrp="1"/>
+          </p:cNvSpPr>
+          <p:nvPr>
+            <p:ph idx="1"/>
+          </p:nvPr>
+        </p:nvSpPr>
+        <p:spPr>
+          <a:xfrm>
+            <a:off x="838200" y="1825624"/>
+            <a:ext cx="10081846" cy="4408121"/>
+          </a:xfrm>
+        </p:spPr>
+        <p:txBody>
+          <a:bodyPr>
+            <a:normAutofit lnSpcReduction="10000"/>
+          </a:bodyPr>
+          <a:lstStyle/>
+          <a:p>
+            <a:r>
+              <a:rPr lang="ru-RU" dirty="0" smtClean="0"/>
+              <a:t>Тест в начале каждой пары</a:t>
+            </a:r>
+          </a:p>
+          <a:p>
+            <a:pPr lvl="1"/>
+            <a:r>
+              <a:rPr lang="ru-RU" dirty="0" smtClean="0"/>
+              <a:t>3-5 минут</a:t>
+            </a:r>
+          </a:p>
+          <a:p>
+            <a:pPr lvl="1"/>
+            <a:r>
+              <a:rPr lang="ru-RU" dirty="0" smtClean="0"/>
+              <a:t>1 вопрос</a:t>
+            </a:r>
+          </a:p>
+          <a:p>
+            <a:pPr lvl="1"/>
+            <a:r>
+              <a:rPr lang="ru-RU" dirty="0" smtClean="0"/>
+              <a:t>Ответ на листке не больше половины </a:t>
+            </a:r>
+            <a:r>
+              <a:rPr lang="en-US" dirty="0" smtClean="0"/>
+              <a:t>a4</a:t>
+            </a:r>
+            <a:r>
+              <a:rPr lang="ru-RU" dirty="0" smtClean="0"/>
+              <a:t> и не меньше четверти а4</a:t>
+            </a:r>
+          </a:p>
+          <a:p>
+            <a:pPr lvl="1"/>
+            <a:r>
+              <a:rPr lang="ru-RU" dirty="0" smtClean="0"/>
+              <a:t>Нельзя пользоваться телефонами и конспектами, а также соседями</a:t>
+            </a:r>
+          </a:p>
+          <a:p>
+            <a:pPr lvl="1"/>
+            <a:r>
+              <a:rPr lang="ru-RU" dirty="0" smtClean="0"/>
+              <a:t>При опоздании ждём в коридоре</a:t>
+            </a:r>
+          </a:p>
+          <a:p>
+            <a:r>
+              <a:rPr lang="ru-RU" dirty="0" smtClean="0"/>
+              <a:t>Лекция</a:t>
+            </a:r>
+          </a:p>
+          <a:p>
+            <a:r>
+              <a:rPr lang="ru-RU" dirty="0" smtClean="0"/>
+              <a:t>Лабораторная</a:t>
+            </a:r>
+            <a:r>
+              <a:rPr lang="en-US" dirty="0" smtClean="0"/>
+              <a:t>/</a:t>
+            </a:r>
+            <a:r>
+              <a:rPr lang="ru-RU" dirty="0" smtClean="0"/>
+              <a:t>семинар</a:t>
+            </a:r>
+          </a:p>
+          <a:p>
+            <a:pPr lvl="1"/>
+            <a:r>
+              <a:rPr lang="ru-RU" dirty="0" smtClean="0"/>
+              <a:t>Сдача и защита </a:t>
+            </a:r>
+            <a:r>
+              <a:rPr lang="ru-RU" dirty="0" err="1" smtClean="0"/>
+              <a:t>дз</a:t>
+            </a:r>
+            <a:endParaRPr lang="ru-RU" dirty="0" smtClean="0"/>
+          </a:p>
+          <a:p>
+            <a:pPr lvl="1"/>
+            <a:r>
+              <a:rPr lang="ru-RU" dirty="0" smtClean="0"/>
+              <a:t>Разбор заданий</a:t>
+            </a:r>
+          </a:p>
+          <a:p>
+            <a:pPr lvl="1"/>
+            <a:r>
+              <a:rPr lang="ru-RU" dirty="0" smtClean="0"/>
+              <a:t>Сдача лабораторных работ</a:t>
+            </a:r>
+            <a:endParaRPr lang="ru-RU" dirty="0"/>
+          </a:p>
+        </p:txBody>
+      </p:sp>
+      <p:sp>
+        <p:nvSpPr>
+          <p:cNvPr id="7" name="Номер слайда 6"/>
+          <p:cNvSpPr>
+            <a:spLocks noGrp="1"/>
+          </p:cNvSpPr>
+          <p:nvPr>
+            <p:ph type="sldNum" sz="quarter" idx="12"/>
+          </p:nvPr>
+        </p:nvSpPr>
+        <p:spPr/>
+        <p:txBody>
+          <a:bodyPr/>
+          <a:lstStyle/>
+          <a:p>
+            <a:fld id="{8253DDDB-F8F7-4D64-A7FD-3F3D61C1949F}" type="slidenum">
+              <a:rPr lang="ru-RU" smtClean="0"/>
+              <a:t>3</a:t>
+            </a:fld>
+            <a:endParaRPr lang="ru-RU"/>
+          </a:p>
+        </p:txBody>
+      </p:sp>
+      <p:pic>
+        <p:nvPicPr>
+          <p:cNvPr id="6" name="Рисунок 5"/>
+          <p:cNvPicPr>
+            <a:picLocks noChangeAspect="1"/>
+          </p:cNvPicPr>
+          <p:nvPr/>
+        </p:nvPicPr>
+        <p:blipFill>
+          <a:blip r:embed="rId2"/>
+          <a:stretch>
+            <a:fillRect/>
+          </a:stretch>
+        </p:blipFill>
+        <p:spPr>
+          <a:xfrm>
+            <a:off x="9210675" y="365125"/>
+            <a:ext cx="2143125" cy="2085975"/>
+          </a:xfrm>
+          <a:prstGeom prst="rect">
+            <a:avLst/>
+          </a:prstGeom>
+        </p:spPr>
+      </p:pic>
+    </p:spTree>
+    <p:extLst>
+      <p:ext uri="{BB962C8B-B14F-4D97-AF65-F5344CB8AC3E}">
+        <p14:creationId xmlns:p14="http://schemas.microsoft.com/office/powerpoint/2010/main" val="3649565237"/>
+      </p:ext>
+    </p:extLst>
+  </p:cSld>
+  <p:clrMapOvr>
+    <a:masterClrMapping/>
+  </p:clrMapOvr>
+  <p:timing>
+    <p:tnLst>
+      <p:par>
+        <p:cTn id="1" dur="indefinite" restart="never" nodeType="tmRoot"/>
+      </p:par>
+    </p:tnLst>
+  </p:timing>
+</p:sld>
+</file>
+
+<file path=ppt/slides/slide30.xml><?xml version="1.0" encoding="utf-8"?>
 <p:sld xmlns:a="http://schemas.openxmlformats.org/drawingml/2006/main" xmlns:r="http://schemas.openxmlformats.org/officeDocument/2006/relationships" xmlns:p="http://schemas.openxmlformats.org/presentationml/2006/main">
   <p:cSld>
     <p:spTree>
@@ -15641,7 +16676,7 @@
           <a:p>
             <a:fld id="{8253DDDB-F8F7-4D64-A7FD-3F3D61C1949F}" type="slidenum">
               <a:rPr lang="ru-RU" smtClean="0"/>
-              <a:t>27</a:t>
+              <a:t>30</a:t>
             </a:fld>
             <a:endParaRPr lang="ru-RU"/>
           </a:p>
@@ -15667,7 +16702,7 @@
 </p:sld>
 </file>
 
-<file path=ppt/slides/slide28.xml><?xml version="1.0" encoding="utf-8"?>
+<file path=ppt/slides/slide31.xml><?xml version="1.0" encoding="utf-8"?>
 <p:sld xmlns:a="http://schemas.openxmlformats.org/drawingml/2006/main" xmlns:r="http://schemas.openxmlformats.org/officeDocument/2006/relationships" xmlns:p="http://schemas.openxmlformats.org/presentationml/2006/main">
   <p:cSld>
     <p:spTree>
@@ -16567,7 +17602,7 @@
           <a:p>
             <a:fld id="{8253DDDB-F8F7-4D64-A7FD-3F3D61C1949F}" type="slidenum">
               <a:rPr lang="ru-RU" smtClean="0"/>
-              <a:t>28</a:t>
+              <a:t>31</a:t>
             </a:fld>
             <a:endParaRPr lang="ru-RU"/>
           </a:p>
@@ -16593,7 +17628,7 @@
 </p:sld>
 </file>
 
-<file path=ppt/slides/slide29.xml><?xml version="1.0" encoding="utf-8"?>
+<file path=ppt/slides/slide32.xml><?xml version="1.0" encoding="utf-8"?>
 <p:sld xmlns:a="http://schemas.openxmlformats.org/drawingml/2006/main" xmlns:r="http://schemas.openxmlformats.org/officeDocument/2006/relationships" xmlns:p="http://schemas.openxmlformats.org/presentationml/2006/main">
   <p:cSld>
     <p:spTree>
@@ -16758,7 +17793,7 @@
           <a:p>
             <a:fld id="{8253DDDB-F8F7-4D64-A7FD-3F3D61C1949F}" type="slidenum">
               <a:rPr lang="ru-RU" smtClean="0"/>
-              <a:t>29</a:t>
+              <a:t>32</a:t>
             </a:fld>
             <a:endParaRPr lang="ru-RU"/>
           </a:p>
@@ -17408,7 +18443,7 @@
 </p:sld>
 </file>
 
-<file path=ppt/slides/slide3.xml><?xml version="1.0" encoding="utf-8"?>
+<file path=ppt/slides/slide33.xml><?xml version="1.0" encoding="utf-8"?>
 <p:sld xmlns:a="http://schemas.openxmlformats.org/drawingml/2006/main" xmlns:r="http://schemas.openxmlformats.org/officeDocument/2006/relationships" xmlns:p="http://schemas.openxmlformats.org/presentationml/2006/main">
   <p:cSld>
     <p:spTree>
@@ -17442,12 +18477,275 @@
           <a:p>
             <a:r>
               <a:rPr lang="ru-RU" dirty="0" smtClean="0"/>
-              <a:t>Связь</a:t>
+              <a:t>Понятие стойкости</a:t>
             </a:r>
             <a:endParaRPr lang="ru-RU" dirty="0"/>
           </a:p>
         </p:txBody>
       </p:sp>
+      <mc:AlternateContent xmlns:mc="http://schemas.openxmlformats.org/markup-compatibility/2006" xmlns:a14="http://schemas.microsoft.com/office/drawing/2010/main">
+        <mc:Choice Requires="a14">
+          <p:sp>
+            <p:nvSpPr>
+              <p:cNvPr id="3" name="Объект 2"/>
+              <p:cNvSpPr>
+                <a:spLocks noGrp="1"/>
+              </p:cNvSpPr>
+              <p:nvPr>
+                <p:ph idx="1"/>
+              </p:nvPr>
+            </p:nvSpPr>
+            <p:spPr/>
+            <p:txBody>
+              <a:bodyPr>
+                <a:normAutofit lnSpcReduction="10000"/>
+              </a:bodyPr>
+              <a:lstStyle/>
+              <a:p>
+                <a:pPr marL="0" indent="0">
+                  <a:buNone/>
+                </a:pPr>
+                <a:r>
+                  <a:rPr lang="ru-RU" dirty="0" smtClean="0"/>
+                  <a:t>Очевидный вопрос – что понимать под стойкостью шифра?</a:t>
+                </a:r>
+              </a:p>
+              <a:p>
+                <a:pPr marL="0" indent="0">
+                  <a:buNone/>
+                </a:pPr>
+                <a:endParaRPr lang="ru-RU" dirty="0"/>
+              </a:p>
+              <a:p>
+                <a:pPr marL="0" indent="0">
+                  <a:buNone/>
+                </a:pPr>
+                <a:r>
+                  <a:rPr lang="ru-RU" dirty="0" smtClean="0"/>
+                  <a:t>Стойкость – метрика качества шифра.</a:t>
+                </a:r>
+              </a:p>
+              <a:p>
+                <a:pPr marL="0" indent="0">
+                  <a:buNone/>
+                </a:pPr>
+                <a:endParaRPr lang="ru-RU" dirty="0" smtClean="0"/>
+              </a:p>
+              <a:p>
+                <a:r>
+                  <a:rPr lang="ru-RU" dirty="0" smtClean="0"/>
+                  <a:t>Попытка 1</a:t>
+                </a:r>
+                <a:r>
+                  <a:rPr lang="en-US" dirty="0" smtClean="0"/>
+                  <a:t>: </a:t>
+                </a:r>
+                <a:r>
+                  <a:rPr lang="ru-RU" dirty="0" smtClean="0"/>
+                  <a:t>размер ключа </a:t>
+                </a:r>
+              </a:p>
+              <a:p>
+                <a:pPr lvl="1"/>
+                <a:r>
+                  <a:rPr lang="ru-RU" dirty="0" smtClean="0"/>
+                  <a:t>Чем больше ключ, тем сложнее перебрать все возможные варианты. Длина ключа как параметр стойкости.</a:t>
+                </a:r>
+              </a:p>
+              <a:p>
+                <a:pPr lvl="1"/>
+                <a:r>
+                  <a:rPr lang="ru-RU" dirty="0" smtClean="0"/>
+                  <a:t>Но возможны и другие атаки, кроме перебора, например частотный анализ</a:t>
+                </a:r>
+              </a:p>
+              <a:p>
+                <a:pPr lvl="1"/>
+                <a:r>
+                  <a:rPr lang="ru-RU" dirty="0" smtClean="0"/>
+                  <a:t>Пример – шифр подстановки, </a:t>
+                </a:r>
+                <a14:m>
+                  <m:oMath xmlns:m="http://schemas.openxmlformats.org/officeDocument/2006/math">
+                    <m:d>
+                      <m:dPr>
+                        <m:begChr m:val="|"/>
+                        <m:endChr m:val="|"/>
+                        <m:ctrlPr>
+                          <a:rPr lang="en-US" b="0" i="1" smtClean="0">
+                            <a:latin typeface="Cambria Math" panose="02040503050406030204" pitchFamily="18" charset="0"/>
+                          </a:rPr>
+                        </m:ctrlPr>
+                      </m:dPr>
+                      <m:e>
+                        <m:r>
+                          <m:rPr>
+                            <m:sty m:val="p"/>
+                          </m:rPr>
+                          <a:rPr lang="ru-RU" b="0" i="0" smtClean="0">
+                            <a:latin typeface="Cambria Math" panose="02040503050406030204" pitchFamily="18" charset="0"/>
+                          </a:rPr>
+                          <m:t>Σ</m:t>
+                        </m:r>
+                      </m:e>
+                    </m:d>
+                    <m:r>
+                      <a:rPr lang="en-US" b="0" i="0" smtClean="0">
+                        <a:latin typeface="Cambria Math" panose="02040503050406030204" pitchFamily="18" charset="0"/>
+                      </a:rPr>
+                      <m:t>=27</m:t>
+                    </m:r>
+                  </m:oMath>
+                </a14:m>
+                <a:r>
+                  <a:rPr lang="en-US" dirty="0" smtClean="0"/>
+                  <a:t>, </a:t>
+                </a:r>
+                <a14:m>
+                  <m:oMath xmlns:m="http://schemas.openxmlformats.org/officeDocument/2006/math">
+                    <m:r>
+                      <a:rPr lang="en-US" b="0" i="1" smtClean="0">
+                        <a:latin typeface="Cambria Math" panose="02040503050406030204" pitchFamily="18" charset="0"/>
+                      </a:rPr>
+                      <m:t>𝐾</m:t>
+                    </m:r>
+                    <m:r>
+                      <a:rPr lang="en-US" b="0" i="1" smtClean="0">
+                        <a:latin typeface="Cambria Math" panose="02040503050406030204" pitchFamily="18" charset="0"/>
+                      </a:rPr>
+                      <m:t>=</m:t>
+                    </m:r>
+                    <m:r>
+                      <a:rPr lang="en-US" b="0" i="1" smtClean="0">
+                        <a:latin typeface="Cambria Math" panose="02040503050406030204" pitchFamily="18" charset="0"/>
+                      </a:rPr>
+                      <m:t>𝑆</m:t>
+                    </m:r>
+                    <m:d>
+                      <m:dPr>
+                        <m:ctrlPr>
+                          <a:rPr lang="en-US" b="0" i="1" smtClean="0">
+                            <a:latin typeface="Cambria Math" panose="02040503050406030204" pitchFamily="18" charset="0"/>
+                          </a:rPr>
+                        </m:ctrlPr>
+                      </m:dPr>
+                      <m:e>
+                        <m:r>
+                          <m:rPr>
+                            <m:sty m:val="p"/>
+                          </m:rPr>
+                          <a:rPr lang="en-US" b="0" i="0" smtClean="0">
+                            <a:latin typeface="Cambria Math" panose="02040503050406030204" pitchFamily="18" charset="0"/>
+                          </a:rPr>
+                          <m:t>Σ</m:t>
+                        </m:r>
+                      </m:e>
+                    </m:d>
+                    <m:r>
+                      <a:rPr lang="en-US" b="0" i="1" smtClean="0">
+                        <a:latin typeface="Cambria Math" panose="02040503050406030204" pitchFamily="18" charset="0"/>
+                      </a:rPr>
+                      <m:t>:</m:t>
+                    </m:r>
+                    <m:d>
+                      <m:dPr>
+                        <m:begChr m:val="|"/>
+                        <m:endChr m:val="|"/>
+                        <m:ctrlPr>
+                          <a:rPr lang="en-US" b="0" i="1" smtClean="0">
+                            <a:latin typeface="Cambria Math" panose="02040503050406030204" pitchFamily="18" charset="0"/>
+                          </a:rPr>
+                        </m:ctrlPr>
+                      </m:dPr>
+                      <m:e>
+                        <m:r>
+                          <a:rPr lang="en-US" b="0" i="1" smtClean="0">
+                            <a:latin typeface="Cambria Math" panose="02040503050406030204" pitchFamily="18" charset="0"/>
+                          </a:rPr>
+                          <m:t>𝐾</m:t>
+                        </m:r>
+                      </m:e>
+                    </m:d>
+                    <m:r>
+                      <a:rPr lang="en-US" i="1">
+                        <a:latin typeface="Cambria Math" panose="02040503050406030204" pitchFamily="18" charset="0"/>
+                        <a:ea typeface="Cambria Math" panose="02040503050406030204" pitchFamily="18" charset="0"/>
+                      </a:rPr>
+                      <m:t>~</m:t>
+                    </m:r>
+                    <m:sSup>
+                      <m:sSupPr>
+                        <m:ctrlPr>
+                          <a:rPr lang="en-US" b="0" i="1" smtClean="0">
+                            <a:latin typeface="Cambria Math" panose="02040503050406030204" pitchFamily="18" charset="0"/>
+                            <a:ea typeface="Cambria Math" panose="02040503050406030204" pitchFamily="18" charset="0"/>
+                          </a:rPr>
+                        </m:ctrlPr>
+                      </m:sSupPr>
+                      <m:e>
+                        <m:r>
+                          <a:rPr lang="en-US" b="0" i="1" smtClean="0">
+                            <a:latin typeface="Cambria Math" panose="02040503050406030204" pitchFamily="18" charset="0"/>
+                            <a:ea typeface="Cambria Math" panose="02040503050406030204" pitchFamily="18" charset="0"/>
+                          </a:rPr>
+                          <m:t>10</m:t>
+                        </m:r>
+                      </m:e>
+                      <m:sup>
+                        <m:r>
+                          <a:rPr lang="en-US" b="0" i="1" smtClean="0">
+                            <a:latin typeface="Cambria Math" panose="02040503050406030204" pitchFamily="18" charset="0"/>
+                            <a:ea typeface="Cambria Math" panose="02040503050406030204" pitchFamily="18" charset="0"/>
+                          </a:rPr>
+                          <m:t>28</m:t>
+                        </m:r>
+                      </m:sup>
+                    </m:sSup>
+                  </m:oMath>
+                </a14:m>
+                <a:r>
+                  <a:rPr lang="ru-RU" dirty="0" smtClean="0"/>
+                  <a:t>, но возможна полиномиальная частотная атака</a:t>
+                </a:r>
+                <a:endParaRPr lang="ru-RU" dirty="0"/>
+              </a:p>
+            </p:txBody>
+          </p:sp>
+        </mc:Choice>
+        <mc:Fallback xmlns="">
+          <p:sp>
+            <p:nvSpPr>
+              <p:cNvPr id="3" name="Объект 2"/>
+              <p:cNvSpPr>
+                <a:spLocks noGrp="1" noRot="1" noChangeAspect="1" noMove="1" noResize="1" noEditPoints="1" noAdjustHandles="1" noChangeArrowheads="1" noChangeShapeType="1" noTextEdit="1"/>
+              </p:cNvSpPr>
+              <p:nvPr>
+                <p:ph idx="1"/>
+              </p:nvPr>
+            </p:nvSpPr>
+            <p:spPr>
+              <a:blipFill>
+                <a:blip r:embed="rId2"/>
+                <a:stretch>
+                  <a:fillRect l="-1043" t="-2801" r="-986"/>
+                </a:stretch>
+              </a:blipFill>
+            </p:spPr>
+            <p:txBody>
+              <a:bodyPr/>
+              <a:lstStyle/>
+              <a:p>
+                <a:r>
+                  <a:rPr lang="ru-RU">
+                    <a:noFill/>
+                  </a:rPr>
+                  <a:t> </a:t>
+                </a:r>
+              </a:p>
+            </p:txBody>
+          </p:sp>
+        </mc:Fallback>
+      </mc:AlternateContent>
       <p:sp>
         <p:nvSpPr>
           <p:cNvPr id="4" name="Номер слайда 3"/>
@@ -17465,249 +18763,16 @@
           <a:p>
             <a:fld id="{8253DDDB-F8F7-4D64-A7FD-3F3D61C1949F}" type="slidenum">
               <a:rPr lang="ru-RU" smtClean="0"/>
-              <a:t>3</a:t>
+              <a:t>33</a:t>
             </a:fld>
             <a:endParaRPr lang="ru-RU"/>
           </a:p>
         </p:txBody>
       </p:sp>
-      <p:pic>
-        <p:nvPicPr>
-          <p:cNvPr id="7" name="Рисунок 6"/>
-          <p:cNvPicPr>
-            <a:picLocks noChangeAspect="1"/>
-          </p:cNvPicPr>
-          <p:nvPr/>
-        </p:nvPicPr>
-        <p:blipFill>
-          <a:blip r:embed="rId2"/>
-          <a:stretch>
-            <a:fillRect/>
-          </a:stretch>
-        </p:blipFill>
-        <p:spPr>
-          <a:xfrm>
-            <a:off x="1672076" y="2081332"/>
-            <a:ext cx="2152650" cy="2143125"/>
-          </a:xfrm>
-          <a:prstGeom prst="rect">
-            <a:avLst/>
-          </a:prstGeom>
-        </p:spPr>
-      </p:pic>
-      <p:sp>
-        <p:nvSpPr>
-          <p:cNvPr id="8" name="TextBox 7"/>
-          <p:cNvSpPr txBox="1"/>
-          <p:nvPr/>
-        </p:nvSpPr>
-        <p:spPr>
-          <a:xfrm>
-            <a:off x="1324165" y="4402062"/>
-            <a:ext cx="2848472" cy="923330"/>
-          </a:xfrm>
-          <a:prstGeom prst="rect">
-            <a:avLst/>
-          </a:prstGeom>
-          <a:noFill/>
-        </p:spPr>
-        <p:txBody>
-          <a:bodyPr wrap="none" rtlCol="0">
-            <a:spAutoFit/>
-          </a:bodyPr>
-          <a:lstStyle/>
-          <a:p>
-            <a:pPr algn="ctr"/>
-            <a:r>
-              <a:rPr lang="en-US" dirty="0">
-                <a:hlinkClick r:id="rId3"/>
-              </a:rPr>
-              <a:t>https://</a:t>
-            </a:r>
-            <a:r>
-              <a:rPr lang="en-US" dirty="0" smtClean="0">
-                <a:hlinkClick r:id="rId3"/>
-              </a:rPr>
-              <a:t>discord.gg/Vb38A6H</a:t>
-            </a:r>
-            <a:endParaRPr lang="ru-RU" dirty="0"/>
-          </a:p>
-          <a:p>
-            <a:pPr algn="ctr"/>
-            <a:r>
-              <a:rPr lang="en-US" dirty="0" smtClean="0"/>
-              <a:t>Discord</a:t>
-            </a:r>
-            <a:endParaRPr lang="ru-RU" dirty="0" smtClean="0"/>
-          </a:p>
-          <a:p>
-            <a:pPr algn="ctr"/>
-            <a:r>
-              <a:rPr lang="ru-RU" dirty="0" smtClean="0"/>
-              <a:t>(сдача </a:t>
-            </a:r>
-            <a:r>
-              <a:rPr lang="ru-RU" dirty="0" err="1" smtClean="0"/>
-              <a:t>лаб</a:t>
-            </a:r>
-            <a:r>
-              <a:rPr lang="en-US" dirty="0" smtClean="0"/>
-              <a:t> </a:t>
-            </a:r>
-            <a:r>
-              <a:rPr lang="ru-RU" dirty="0" smtClean="0"/>
-              <a:t>и </a:t>
-            </a:r>
-            <a:r>
-              <a:rPr lang="ru-RU" dirty="0" err="1" smtClean="0"/>
-              <a:t>дз</a:t>
-            </a:r>
-            <a:r>
-              <a:rPr lang="ru-RU" dirty="0" smtClean="0"/>
-              <a:t>)</a:t>
-            </a:r>
-            <a:endParaRPr lang="ru-RU" dirty="0"/>
-          </a:p>
-        </p:txBody>
-      </p:sp>
-      <p:pic>
-        <p:nvPicPr>
-          <p:cNvPr id="9" name="Рисунок 8"/>
-          <p:cNvPicPr>
-            <a:picLocks noChangeAspect="1"/>
-          </p:cNvPicPr>
-          <p:nvPr/>
-        </p:nvPicPr>
-        <p:blipFill>
-          <a:blip r:embed="rId4"/>
-          <a:stretch>
-            <a:fillRect/>
-          </a:stretch>
-        </p:blipFill>
-        <p:spPr>
-          <a:xfrm>
-            <a:off x="7611170" y="2081451"/>
-            <a:ext cx="2085975" cy="2047875"/>
-          </a:xfrm>
-          <a:prstGeom prst="rect">
-            <a:avLst/>
-          </a:prstGeom>
-        </p:spPr>
-      </p:pic>
-      <mc:AlternateContent xmlns:mc="http://schemas.openxmlformats.org/markup-compatibility/2006" xmlns:a14="http://schemas.microsoft.com/office/drawing/2010/main">
-        <mc:Choice Requires="a14">
-          <p:sp>
-            <p:nvSpPr>
-              <p:cNvPr id="10" name="TextBox 9"/>
-              <p:cNvSpPr txBox="1"/>
-              <p:nvPr/>
-            </p:nvSpPr>
-            <p:spPr>
-              <a:xfrm>
-                <a:off x="7669015" y="4402062"/>
-                <a:ext cx="1970283" cy="923330"/>
-              </a:xfrm>
-              <a:prstGeom prst="rect">
-                <a:avLst/>
-              </a:prstGeom>
-              <a:noFill/>
-            </p:spPr>
-            <p:txBody>
-              <a:bodyPr wrap="none" rtlCol="0">
-                <a:spAutoFit/>
-              </a:bodyPr>
-              <a:lstStyle/>
-              <a:p>
-                <a:pPr algn="ctr"/>
-                <a:r>
-                  <a:rPr lang="en-US" dirty="0">
-                    <a:hlinkClick r:id="rId5"/>
-                  </a:rPr>
-                  <a:t>https://</a:t>
-                </a:r>
-                <a:r>
-                  <a:rPr lang="en-US" dirty="0" smtClean="0">
-                    <a:hlinkClick r:id="rId5"/>
-                  </a:rPr>
-                  <a:t>t.me/f1589</a:t>
-                </a:r>
-                <a:endParaRPr lang="ru-RU" dirty="0" smtClean="0"/>
-              </a:p>
-              <a:p>
-                <a:pPr algn="ctr"/>
-                <a:r>
-                  <a:rPr lang="en-US" dirty="0" smtClean="0"/>
-                  <a:t>t.me</a:t>
-                </a:r>
-              </a:p>
-              <a:p>
-                <a:pPr algn="ctr"/>
-                <a:r>
-                  <a:rPr lang="en-US" dirty="0" smtClean="0"/>
-                  <a:t>(</a:t>
-                </a:r>
-                <a14:m>
-                  <m:oMath xmlns:m="http://schemas.openxmlformats.org/officeDocument/2006/math">
-                    <m:r>
-                      <a:rPr lang="en-US" b="0" i="1" smtClean="0">
-                        <a:latin typeface="Cambria Math" panose="02040503050406030204" pitchFamily="18" charset="0"/>
-                      </a:rPr>
-                      <m:t>∀</m:t>
-                    </m:r>
-                  </m:oMath>
-                </a14:m>
-                <a:r>
-                  <a:rPr lang="ru-RU" dirty="0" smtClean="0"/>
-                  <a:t>вопросы)</a:t>
-                </a:r>
-                <a:endParaRPr lang="ru-RU" dirty="0"/>
-              </a:p>
-            </p:txBody>
-          </p:sp>
-        </mc:Choice>
-        <mc:Fallback xmlns="">
-          <p:sp>
-            <p:nvSpPr>
-              <p:cNvPr id="10" name="TextBox 9"/>
-              <p:cNvSpPr txBox="1">
-                <a:spLocks noRot="1" noChangeAspect="1" noMove="1" noResize="1" noEditPoints="1" noAdjustHandles="1" noChangeArrowheads="1" noChangeShapeType="1" noTextEdit="1"/>
-              </p:cNvSpPr>
-              <p:nvPr/>
-            </p:nvSpPr>
-            <p:spPr>
-              <a:xfrm>
-                <a:off x="7669015" y="4402062"/>
-                <a:ext cx="1970283" cy="923330"/>
-              </a:xfrm>
-              <a:prstGeom prst="rect">
-                <a:avLst/>
-              </a:prstGeom>
-              <a:blipFill>
-                <a:blip r:embed="rId6"/>
-                <a:stretch>
-                  <a:fillRect l="-2477" t="-3289" r="-2786" b="-9211"/>
-                </a:stretch>
-              </a:blipFill>
-            </p:spPr>
-            <p:txBody>
-              <a:bodyPr/>
-              <a:lstStyle/>
-              <a:p>
-                <a:r>
-                  <a:rPr lang="ru-RU">
-                    <a:noFill/>
-                  </a:rPr>
-                  <a:t> </a:t>
-                </a:r>
-              </a:p>
-            </p:txBody>
-          </p:sp>
-        </mc:Fallback>
-      </mc:AlternateContent>
     </p:spTree>
     <p:extLst>
       <p:ext uri="{BB962C8B-B14F-4D97-AF65-F5344CB8AC3E}">
-        <p14:creationId xmlns:p14="http://schemas.microsoft.com/office/powerpoint/2010/main" val="485473090"/>
+        <p14:creationId xmlns:p14="http://schemas.microsoft.com/office/powerpoint/2010/main" val="2786006101"/>
       </p:ext>
     </p:extLst>
   </p:cSld>
@@ -17724,7 +18789,7 @@
 </p:sld>
 </file>
 
-<file path=ppt/slides/slide30.xml><?xml version="1.0" encoding="utf-8"?>
+<file path=ppt/slides/slide34.xml><?xml version="1.0" encoding="utf-8"?>
 <p:sld xmlns:a="http://schemas.openxmlformats.org/drawingml/2006/main" xmlns:r="http://schemas.openxmlformats.org/officeDocument/2006/relationships" xmlns:p="http://schemas.openxmlformats.org/presentationml/2006/main">
   <p:cSld>
     <p:spTree>
@@ -17764,352 +18829,6 @@
           </a:p>
         </p:txBody>
       </p:sp>
-      <mc:AlternateContent xmlns:mc="http://schemas.openxmlformats.org/markup-compatibility/2006" xmlns:a14="http://schemas.microsoft.com/office/drawing/2010/main">
-        <mc:Choice Requires="a14">
-          <p:sp>
-            <p:nvSpPr>
-              <p:cNvPr id="3" name="Объект 2"/>
-              <p:cNvSpPr>
-                <a:spLocks noGrp="1"/>
-              </p:cNvSpPr>
-              <p:nvPr>
-                <p:ph idx="1"/>
-              </p:nvPr>
-            </p:nvSpPr>
-            <p:spPr/>
-            <p:txBody>
-              <a:bodyPr>
-                <a:normAutofit lnSpcReduction="10000"/>
-              </a:bodyPr>
-              <a:lstStyle/>
-              <a:p>
-                <a:pPr marL="0" indent="0">
-                  <a:buNone/>
-                </a:pPr>
-                <a:r>
-                  <a:rPr lang="ru-RU" dirty="0" smtClean="0"/>
-                  <a:t>Очевидный вопрос – что понимать под стойкостью шифра?</a:t>
-                </a:r>
-              </a:p>
-              <a:p>
-                <a:pPr marL="0" indent="0">
-                  <a:buNone/>
-                </a:pPr>
-                <a:endParaRPr lang="ru-RU" dirty="0"/>
-              </a:p>
-              <a:p>
-                <a:pPr marL="0" indent="0">
-                  <a:buNone/>
-                </a:pPr>
-                <a:r>
-                  <a:rPr lang="ru-RU" dirty="0" smtClean="0"/>
-                  <a:t>Стойкость – метрика качества шифра.</a:t>
-                </a:r>
-              </a:p>
-              <a:p>
-                <a:pPr marL="0" indent="0">
-                  <a:buNone/>
-                </a:pPr>
-                <a:endParaRPr lang="ru-RU" dirty="0" smtClean="0"/>
-              </a:p>
-              <a:p>
-                <a:r>
-                  <a:rPr lang="ru-RU" dirty="0" smtClean="0"/>
-                  <a:t>Попытка 1</a:t>
-                </a:r>
-                <a:r>
-                  <a:rPr lang="en-US" dirty="0" smtClean="0"/>
-                  <a:t>: </a:t>
-                </a:r>
-                <a:r>
-                  <a:rPr lang="ru-RU" dirty="0" smtClean="0"/>
-                  <a:t>размер ключа </a:t>
-                </a:r>
-              </a:p>
-              <a:p>
-                <a:pPr lvl="1"/>
-                <a:r>
-                  <a:rPr lang="ru-RU" dirty="0" smtClean="0"/>
-                  <a:t>Чем больше ключ, тем сложнее перебрать все возможные варианты. Длина ключа как параметр стойкости.</a:t>
-                </a:r>
-              </a:p>
-              <a:p>
-                <a:pPr lvl="1"/>
-                <a:r>
-                  <a:rPr lang="ru-RU" dirty="0" smtClean="0"/>
-                  <a:t>Но возможны и другие атаки, кроме перебора, например частотный анализ</a:t>
-                </a:r>
-              </a:p>
-              <a:p>
-                <a:pPr lvl="1"/>
-                <a:r>
-                  <a:rPr lang="ru-RU" dirty="0" smtClean="0"/>
-                  <a:t>Пример – шифр подстановки, </a:t>
-                </a:r>
-                <a14:m>
-                  <m:oMath xmlns:m="http://schemas.openxmlformats.org/officeDocument/2006/math">
-                    <m:d>
-                      <m:dPr>
-                        <m:begChr m:val="|"/>
-                        <m:endChr m:val="|"/>
-                        <m:ctrlPr>
-                          <a:rPr lang="en-US" b="0" i="1" smtClean="0">
-                            <a:latin typeface="Cambria Math" panose="02040503050406030204" pitchFamily="18" charset="0"/>
-                          </a:rPr>
-                        </m:ctrlPr>
-                      </m:dPr>
-                      <m:e>
-                        <m:r>
-                          <m:rPr>
-                            <m:sty m:val="p"/>
-                          </m:rPr>
-                          <a:rPr lang="ru-RU" b="0" i="0" smtClean="0">
-                            <a:latin typeface="Cambria Math" panose="02040503050406030204" pitchFamily="18" charset="0"/>
-                          </a:rPr>
-                          <m:t>Σ</m:t>
-                        </m:r>
-                      </m:e>
-                    </m:d>
-                    <m:r>
-                      <a:rPr lang="en-US" b="0" i="0" smtClean="0">
-                        <a:latin typeface="Cambria Math" panose="02040503050406030204" pitchFamily="18" charset="0"/>
-                      </a:rPr>
-                      <m:t>=27</m:t>
-                    </m:r>
-                  </m:oMath>
-                </a14:m>
-                <a:r>
-                  <a:rPr lang="en-US" dirty="0" smtClean="0"/>
-                  <a:t>, </a:t>
-                </a:r>
-                <a14:m>
-                  <m:oMath xmlns:m="http://schemas.openxmlformats.org/officeDocument/2006/math">
-                    <m:r>
-                      <a:rPr lang="en-US" b="0" i="1" smtClean="0">
-                        <a:latin typeface="Cambria Math" panose="02040503050406030204" pitchFamily="18" charset="0"/>
-                      </a:rPr>
-                      <m:t>𝐾</m:t>
-                    </m:r>
-                    <m:r>
-                      <a:rPr lang="en-US" b="0" i="1" smtClean="0">
-                        <a:latin typeface="Cambria Math" panose="02040503050406030204" pitchFamily="18" charset="0"/>
-                      </a:rPr>
-                      <m:t>=</m:t>
-                    </m:r>
-                    <m:r>
-                      <a:rPr lang="en-US" b="0" i="1" smtClean="0">
-                        <a:latin typeface="Cambria Math" panose="02040503050406030204" pitchFamily="18" charset="0"/>
-                      </a:rPr>
-                      <m:t>𝑆</m:t>
-                    </m:r>
-                    <m:d>
-                      <m:dPr>
-                        <m:ctrlPr>
-                          <a:rPr lang="en-US" b="0" i="1" smtClean="0">
-                            <a:latin typeface="Cambria Math" panose="02040503050406030204" pitchFamily="18" charset="0"/>
-                          </a:rPr>
-                        </m:ctrlPr>
-                      </m:dPr>
-                      <m:e>
-                        <m:r>
-                          <m:rPr>
-                            <m:sty m:val="p"/>
-                          </m:rPr>
-                          <a:rPr lang="en-US" b="0" i="0" smtClean="0">
-                            <a:latin typeface="Cambria Math" panose="02040503050406030204" pitchFamily="18" charset="0"/>
-                          </a:rPr>
-                          <m:t>Σ</m:t>
-                        </m:r>
-                      </m:e>
-                    </m:d>
-                    <m:r>
-                      <a:rPr lang="en-US" b="0" i="1" smtClean="0">
-                        <a:latin typeface="Cambria Math" panose="02040503050406030204" pitchFamily="18" charset="0"/>
-                      </a:rPr>
-                      <m:t>:</m:t>
-                    </m:r>
-                    <m:d>
-                      <m:dPr>
-                        <m:begChr m:val="|"/>
-                        <m:endChr m:val="|"/>
-                        <m:ctrlPr>
-                          <a:rPr lang="en-US" b="0" i="1" smtClean="0">
-                            <a:latin typeface="Cambria Math" panose="02040503050406030204" pitchFamily="18" charset="0"/>
-                          </a:rPr>
-                        </m:ctrlPr>
-                      </m:dPr>
-                      <m:e>
-                        <m:r>
-                          <a:rPr lang="en-US" b="0" i="1" smtClean="0">
-                            <a:latin typeface="Cambria Math" panose="02040503050406030204" pitchFamily="18" charset="0"/>
-                          </a:rPr>
-                          <m:t>𝐾</m:t>
-                        </m:r>
-                      </m:e>
-                    </m:d>
-                    <m:r>
-                      <a:rPr lang="en-US" i="1">
-                        <a:latin typeface="Cambria Math" panose="02040503050406030204" pitchFamily="18" charset="0"/>
-                        <a:ea typeface="Cambria Math" panose="02040503050406030204" pitchFamily="18" charset="0"/>
-                      </a:rPr>
-                      <m:t>~</m:t>
-                    </m:r>
-                    <m:sSup>
-                      <m:sSupPr>
-                        <m:ctrlPr>
-                          <a:rPr lang="en-US" b="0" i="1" smtClean="0">
-                            <a:latin typeface="Cambria Math" panose="02040503050406030204" pitchFamily="18" charset="0"/>
-                            <a:ea typeface="Cambria Math" panose="02040503050406030204" pitchFamily="18" charset="0"/>
-                          </a:rPr>
-                        </m:ctrlPr>
-                      </m:sSupPr>
-                      <m:e>
-                        <m:r>
-                          <a:rPr lang="en-US" b="0" i="1" smtClean="0">
-                            <a:latin typeface="Cambria Math" panose="02040503050406030204" pitchFamily="18" charset="0"/>
-                            <a:ea typeface="Cambria Math" panose="02040503050406030204" pitchFamily="18" charset="0"/>
-                          </a:rPr>
-                          <m:t>10</m:t>
-                        </m:r>
-                      </m:e>
-                      <m:sup>
-                        <m:r>
-                          <a:rPr lang="en-US" b="0" i="1" smtClean="0">
-                            <a:latin typeface="Cambria Math" panose="02040503050406030204" pitchFamily="18" charset="0"/>
-                            <a:ea typeface="Cambria Math" panose="02040503050406030204" pitchFamily="18" charset="0"/>
-                          </a:rPr>
-                          <m:t>28</m:t>
-                        </m:r>
-                      </m:sup>
-                    </m:sSup>
-                  </m:oMath>
-                </a14:m>
-                <a:r>
-                  <a:rPr lang="ru-RU" dirty="0" smtClean="0"/>
-                  <a:t>, но возможна полиномиальная частотная атака</a:t>
-                </a:r>
-                <a:endParaRPr lang="ru-RU" dirty="0"/>
-              </a:p>
-            </p:txBody>
-          </p:sp>
-        </mc:Choice>
-        <mc:Fallback xmlns="">
-          <p:sp>
-            <p:nvSpPr>
-              <p:cNvPr id="3" name="Объект 2"/>
-              <p:cNvSpPr>
-                <a:spLocks noGrp="1" noRot="1" noChangeAspect="1" noMove="1" noResize="1" noEditPoints="1" noAdjustHandles="1" noChangeArrowheads="1" noChangeShapeType="1" noTextEdit="1"/>
-              </p:cNvSpPr>
-              <p:nvPr>
-                <p:ph idx="1"/>
-              </p:nvPr>
-            </p:nvSpPr>
-            <p:spPr>
-              <a:blipFill>
-                <a:blip r:embed="rId2"/>
-                <a:stretch>
-                  <a:fillRect l="-1043" t="-2801" r="-986"/>
-                </a:stretch>
-              </a:blipFill>
-            </p:spPr>
-            <p:txBody>
-              <a:bodyPr/>
-              <a:lstStyle/>
-              <a:p>
-                <a:r>
-                  <a:rPr lang="ru-RU">
-                    <a:noFill/>
-                  </a:rPr>
-                  <a:t> </a:t>
-                </a:r>
-              </a:p>
-            </p:txBody>
-          </p:sp>
-        </mc:Fallback>
-      </mc:AlternateContent>
-      <p:sp>
-        <p:nvSpPr>
-          <p:cNvPr id="4" name="Номер слайда 3"/>
-          <p:cNvSpPr>
-            <a:spLocks noGrp="1"/>
-          </p:cNvSpPr>
-          <p:nvPr>
-            <p:ph type="sldNum" sz="quarter" idx="12"/>
-          </p:nvPr>
-        </p:nvSpPr>
-        <p:spPr/>
-        <p:txBody>
-          <a:bodyPr/>
-          <a:lstStyle/>
-          <a:p>
-            <a:fld id="{8253DDDB-F8F7-4D64-A7FD-3F3D61C1949F}" type="slidenum">
-              <a:rPr lang="ru-RU" smtClean="0"/>
-              <a:t>30</a:t>
-            </a:fld>
-            <a:endParaRPr lang="ru-RU"/>
-          </a:p>
-        </p:txBody>
-      </p:sp>
-    </p:spTree>
-    <p:extLst>
-      <p:ext uri="{BB962C8B-B14F-4D97-AF65-F5344CB8AC3E}">
-        <p14:creationId xmlns:p14="http://schemas.microsoft.com/office/powerpoint/2010/main" val="2786006101"/>
-      </p:ext>
-    </p:extLst>
-  </p:cSld>
-  <p:clrMapOvr>
-    <a:masterClrMapping/>
-  </p:clrMapOvr>
-  <p:timing>
-    <p:tnLst>
-      <p:par>
-        <p:cTn id="1" dur="indefinite" restart="never" nodeType="tmRoot"/>
-      </p:par>
-    </p:tnLst>
-  </p:timing>
-</p:sld>
-</file>
-
-<file path=ppt/slides/slide31.xml><?xml version="1.0" encoding="utf-8"?>
-<p:sld xmlns:a="http://schemas.openxmlformats.org/drawingml/2006/main" xmlns:r="http://schemas.openxmlformats.org/officeDocument/2006/relationships" xmlns:p="http://schemas.openxmlformats.org/presentationml/2006/main">
-  <p:cSld>
-    <p:spTree>
-      <p:nvGrpSpPr>
-        <p:cNvPr id="1" name=""/>
-        <p:cNvGrpSpPr/>
-        <p:nvPr/>
-      </p:nvGrpSpPr>
-      <p:grpSpPr>
-        <a:xfrm>
-          <a:off x="0" y="0"/>
-          <a:ext cx="0" cy="0"/>
-          <a:chOff x="0" y="0"/>
-          <a:chExt cx="0" cy="0"/>
-        </a:xfrm>
-      </p:grpSpPr>
-      <p:sp>
-        <p:nvSpPr>
-          <p:cNvPr id="2" name="Заголовок 1"/>
-          <p:cNvSpPr>
-            <a:spLocks noGrp="1"/>
-          </p:cNvSpPr>
-          <p:nvPr>
-            <p:ph type="title"/>
-          </p:nvPr>
-        </p:nvSpPr>
-        <p:spPr/>
-        <p:txBody>
-          <a:bodyPr/>
-          <a:lstStyle/>
-          <a:p>
-            <a:r>
-              <a:rPr lang="ru-RU" dirty="0" smtClean="0"/>
-              <a:t>Понятие стойкости</a:t>
-            </a:r>
-            <a:endParaRPr lang="ru-RU" dirty="0"/>
-          </a:p>
-        </p:txBody>
-      </p:sp>
       <p:sp>
         <p:nvSpPr>
           <p:cNvPr id="3" name="Объект 2"/>
@@ -18199,7 +18918,7 @@
           <a:p>
             <a:fld id="{8253DDDB-F8F7-4D64-A7FD-3F3D61C1949F}" type="slidenum">
               <a:rPr lang="ru-RU" smtClean="0"/>
-              <a:t>31</a:t>
+              <a:t>34</a:t>
             </a:fld>
             <a:endParaRPr lang="ru-RU"/>
           </a:p>
@@ -18225,7 +18944,7 @@
 </p:sld>
 </file>
 
-<file path=ppt/slides/slide32.xml><?xml version="1.0" encoding="utf-8"?>
+<file path=ppt/slides/slide35.xml><?xml version="1.0" encoding="utf-8"?>
 <p:sld xmlns:a="http://schemas.openxmlformats.org/drawingml/2006/main" xmlns:r="http://schemas.openxmlformats.org/officeDocument/2006/relationships" xmlns:p="http://schemas.openxmlformats.org/presentationml/2006/main">
   <p:cSld>
     <p:spTree>
@@ -19572,7 +20291,7 @@
           <a:p>
             <a:fld id="{8253DDDB-F8F7-4D64-A7FD-3F3D61C1949F}" type="slidenum">
               <a:rPr lang="ru-RU" smtClean="0"/>
-              <a:t>32</a:t>
+              <a:t>35</a:t>
             </a:fld>
             <a:endParaRPr lang="ru-RU"/>
           </a:p>
@@ -19598,7 +20317,7 @@
 </p:sld>
 </file>
 
-<file path=ppt/slides/slide33.xml><?xml version="1.0" encoding="utf-8"?>
+<file path=ppt/slides/slide36.xml><?xml version="1.0" encoding="utf-8"?>
 <p:sld xmlns:a="http://schemas.openxmlformats.org/drawingml/2006/main" xmlns:r="http://schemas.openxmlformats.org/officeDocument/2006/relationships" xmlns:p="http://schemas.openxmlformats.org/presentationml/2006/main">
   <p:cSld>
     <p:spTree>
@@ -20343,7 +21062,7 @@
           <a:p>
             <a:fld id="{8253DDDB-F8F7-4D64-A7FD-3F3D61C1949F}" type="slidenum">
               <a:rPr lang="ru-RU" smtClean="0"/>
-              <a:t>33</a:t>
+              <a:t>36</a:t>
             </a:fld>
             <a:endParaRPr lang="ru-RU"/>
           </a:p>
@@ -20369,7 +21088,7 @@
 </p:sld>
 </file>
 
-<file path=ppt/slides/slide34.xml><?xml version="1.0" encoding="utf-8"?>
+<file path=ppt/slides/slide37.xml><?xml version="1.0" encoding="utf-8"?>
 <p:sld xmlns:a="http://schemas.openxmlformats.org/drawingml/2006/main" xmlns:r="http://schemas.openxmlformats.org/officeDocument/2006/relationships" xmlns:p="http://schemas.openxmlformats.org/presentationml/2006/main">
   <p:cSld>
     <p:spTree>
@@ -21492,7 +22211,7 @@
           <a:p>
             <a:fld id="{8253DDDB-F8F7-4D64-A7FD-3F3D61C1949F}" type="slidenum">
               <a:rPr lang="ru-RU" smtClean="0"/>
-              <a:t>34</a:t>
+              <a:t>37</a:t>
             </a:fld>
             <a:endParaRPr lang="ru-RU"/>
           </a:p>
@@ -21518,7 +22237,7 @@
 </p:sld>
 </file>
 
-<file path=ppt/slides/slide35.xml><?xml version="1.0" encoding="utf-8"?>
+<file path=ppt/slides/slide38.xml><?xml version="1.0" encoding="utf-8"?>
 <p:sld xmlns:a="http://schemas.openxmlformats.org/drawingml/2006/main" xmlns:r="http://schemas.openxmlformats.org/officeDocument/2006/relationships" xmlns:p="http://schemas.openxmlformats.org/presentationml/2006/main">
   <p:cSld>
     <p:spTree>
@@ -22821,7 +23540,7 @@
           <a:p>
             <a:fld id="{8253DDDB-F8F7-4D64-A7FD-3F3D61C1949F}" type="slidenum">
               <a:rPr lang="ru-RU" smtClean="0"/>
-              <a:t>35</a:t>
+              <a:t>38</a:t>
             </a:fld>
             <a:endParaRPr lang="ru-RU"/>
           </a:p>
@@ -22847,7 +23566,7 @@
 </p:sld>
 </file>
 
-<file path=ppt/slides/slide36.xml><?xml version="1.0" encoding="utf-8"?>
+<file path=ppt/slides/slide39.xml><?xml version="1.0" encoding="utf-8"?>
 <p:sld xmlns:a="http://schemas.openxmlformats.org/drawingml/2006/main" xmlns:r="http://schemas.openxmlformats.org/officeDocument/2006/relationships" xmlns:p="http://schemas.openxmlformats.org/presentationml/2006/main">
   <p:cSld>
     <p:spTree>
@@ -24020,7 +24739,7 @@
           <a:p>
             <a:fld id="{8253DDDB-F8F7-4D64-A7FD-3F3D61C1949F}" type="slidenum">
               <a:rPr lang="ru-RU" smtClean="0"/>
-              <a:t>36</a:t>
+              <a:t>39</a:t>
             </a:fld>
             <a:endParaRPr lang="ru-RU"/>
           </a:p>
@@ -24046,7 +24765,204 @@
 </p:sld>
 </file>
 
-<file path=ppt/slides/slide37.xml><?xml version="1.0" encoding="utf-8"?>
+<file path=ppt/slides/slide4.xml><?xml version="1.0" encoding="utf-8"?>
+<p:sld xmlns:a="http://schemas.openxmlformats.org/drawingml/2006/main" xmlns:r="http://schemas.openxmlformats.org/officeDocument/2006/relationships" xmlns:p="http://schemas.openxmlformats.org/presentationml/2006/main">
+  <p:cSld>
+    <p:spTree>
+      <p:nvGrpSpPr>
+        <p:cNvPr id="1" name=""/>
+        <p:cNvGrpSpPr/>
+        <p:nvPr/>
+      </p:nvGrpSpPr>
+      <p:grpSpPr>
+        <a:xfrm>
+          <a:off x="0" y="0"/>
+          <a:ext cx="0" cy="0"/>
+          <a:chOff x="0" y="0"/>
+          <a:chExt cx="0" cy="0"/>
+        </a:xfrm>
+      </p:grpSpPr>
+      <p:sp>
+        <p:nvSpPr>
+          <p:cNvPr id="2" name="Заголовок 1"/>
+          <p:cNvSpPr>
+            <a:spLocks noGrp="1"/>
+          </p:cNvSpPr>
+          <p:nvPr>
+            <p:ph type="title"/>
+          </p:nvPr>
+        </p:nvSpPr>
+        <p:spPr/>
+        <p:txBody>
+          <a:bodyPr/>
+          <a:lstStyle/>
+          <a:p>
+            <a:r>
+              <a:rPr lang="ru-RU" dirty="0" smtClean="0"/>
+              <a:t>Структура курса</a:t>
+            </a:r>
+            <a:r>
+              <a:rPr lang="en-US" dirty="0" smtClean="0"/>
+              <a:t> (</a:t>
+            </a:r>
+            <a:r>
+              <a:rPr lang="ru-RU" dirty="0" smtClean="0"/>
+              <a:t>3</a:t>
+            </a:r>
+            <a:r>
+              <a:rPr lang="en-US" dirty="0" smtClean="0"/>
+              <a:t>)</a:t>
+            </a:r>
+            <a:endParaRPr lang="ru-RU" dirty="0"/>
+          </a:p>
+        </p:txBody>
+      </p:sp>
+      <p:sp>
+        <p:nvSpPr>
+          <p:cNvPr id="3" name="Объект 2"/>
+          <p:cNvSpPr>
+            <a:spLocks noGrp="1"/>
+          </p:cNvSpPr>
+          <p:nvPr>
+            <p:ph idx="1"/>
+          </p:nvPr>
+        </p:nvSpPr>
+        <p:spPr>
+          <a:xfrm>
+            <a:off x="838200" y="1825624"/>
+            <a:ext cx="8103577" cy="4408121"/>
+          </a:xfrm>
+        </p:spPr>
+        <p:txBody>
+          <a:bodyPr>
+            <a:normAutofit/>
+          </a:bodyPr>
+          <a:lstStyle/>
+          <a:p>
+            <a:r>
+              <a:rPr lang="ru-RU" dirty="0" smtClean="0"/>
+              <a:t>Сдача лабораторных работ</a:t>
+            </a:r>
+          </a:p>
+          <a:p>
+            <a:pPr lvl="1"/>
+            <a:r>
+              <a:rPr lang="ru-RU" dirty="0" smtClean="0"/>
+              <a:t>ДО начала пары необходимо загрузить их на </a:t>
+            </a:r>
+            <a:r>
+              <a:rPr lang="en-US" dirty="0" err="1" smtClean="0"/>
+              <a:t>Github</a:t>
+            </a:r>
+            <a:r>
+              <a:rPr lang="ru-RU" dirty="0" smtClean="0"/>
+              <a:t> по ссылке</a:t>
+            </a:r>
+          </a:p>
+          <a:p>
+            <a:pPr lvl="1"/>
+            <a:r>
+              <a:rPr lang="ru-RU" dirty="0" smtClean="0"/>
+              <a:t>Написать в </a:t>
+            </a:r>
+            <a:r>
+              <a:rPr lang="en-US" dirty="0" err="1" smtClean="0"/>
+              <a:t>tg</a:t>
+            </a:r>
+            <a:r>
+              <a:rPr lang="en-US" dirty="0" smtClean="0"/>
+              <a:t> </a:t>
+            </a:r>
+            <a:r>
+              <a:rPr lang="ru-RU" dirty="0" smtClean="0"/>
+              <a:t>о загруженной работе, включить в текст сообщения фамилию</a:t>
+            </a:r>
+          </a:p>
+          <a:p>
+            <a:pPr lvl="1"/>
+            <a:r>
+              <a:rPr lang="ru-RU" dirty="0" smtClean="0"/>
+              <a:t>На паре во время сдачи лабораторных работ заявить о желании сдать лабораторную работу</a:t>
+            </a:r>
+          </a:p>
+          <a:p>
+            <a:pPr lvl="1"/>
+            <a:r>
+              <a:rPr lang="ru-RU" dirty="0" smtClean="0"/>
+              <a:t>При сдаче лабораторной работы необходимо продемонстрировать работу программы и ответить на теоретические вопросы, если иное не было указано в личных сообщениях после отправки работы.</a:t>
+            </a:r>
+            <a:endParaRPr lang="ru-RU" dirty="0"/>
+          </a:p>
+        </p:txBody>
+      </p:sp>
+      <p:sp>
+        <p:nvSpPr>
+          <p:cNvPr id="7" name="Номер слайда 6"/>
+          <p:cNvSpPr>
+            <a:spLocks noGrp="1"/>
+          </p:cNvSpPr>
+          <p:nvPr>
+            <p:ph type="sldNum" sz="quarter" idx="12"/>
+          </p:nvPr>
+        </p:nvSpPr>
+        <p:spPr/>
+        <p:txBody>
+          <a:bodyPr/>
+          <a:lstStyle/>
+          <a:p>
+            <a:fld id="{8253DDDB-F8F7-4D64-A7FD-3F3D61C1949F}" type="slidenum">
+              <a:rPr lang="ru-RU" smtClean="0"/>
+              <a:t>4</a:t>
+            </a:fld>
+            <a:endParaRPr lang="ru-RU"/>
+          </a:p>
+        </p:txBody>
+      </p:sp>
+      <p:pic>
+        <p:nvPicPr>
+          <p:cNvPr id="6" name="Рисунок 5"/>
+          <p:cNvPicPr>
+            <a:picLocks noChangeAspect="1"/>
+          </p:cNvPicPr>
+          <p:nvPr/>
+        </p:nvPicPr>
+        <p:blipFill>
+          <a:blip r:embed="rId2"/>
+          <a:stretch>
+            <a:fillRect/>
+          </a:stretch>
+        </p:blipFill>
+        <p:spPr>
+          <a:xfrm>
+            <a:off x="9210675" y="365125"/>
+            <a:ext cx="2143125" cy="2085975"/>
+          </a:xfrm>
+          <a:prstGeom prst="rect">
+            <a:avLst/>
+          </a:prstGeom>
+        </p:spPr>
+      </p:pic>
+    </p:spTree>
+    <p:extLst>
+      <p:ext uri="{BB962C8B-B14F-4D97-AF65-F5344CB8AC3E}">
+        <p14:creationId xmlns:p14="http://schemas.microsoft.com/office/powerpoint/2010/main" val="4060414317"/>
+      </p:ext>
+    </p:extLst>
+  </p:cSld>
+  <p:clrMapOvr>
+    <a:masterClrMapping/>
+  </p:clrMapOvr>
+  <p:timing>
+    <p:tnLst>
+      <p:par>
+        <p:cTn id="1" dur="indefinite" restart="never" nodeType="tmRoot"/>
+      </p:par>
+    </p:tnLst>
+  </p:timing>
+</p:sld>
+</file>
+
+<file path=ppt/slides/slide40.xml><?xml version="1.0" encoding="utf-8"?>
 <p:sld xmlns:a="http://schemas.openxmlformats.org/drawingml/2006/main" xmlns:r="http://schemas.openxmlformats.org/officeDocument/2006/relationships" xmlns:p="http://schemas.openxmlformats.org/presentationml/2006/main">
   <p:cSld>
     <p:spTree>
@@ -24599,7 +25515,7 @@
           <a:p>
             <a:fld id="{8253DDDB-F8F7-4D64-A7FD-3F3D61C1949F}" type="slidenum">
               <a:rPr lang="ru-RU" smtClean="0"/>
-              <a:t>37</a:t>
+              <a:t>40</a:t>
             </a:fld>
             <a:endParaRPr lang="ru-RU"/>
           </a:p>
@@ -24625,7 +25541,7 @@
 </p:sld>
 </file>
 
-<file path=ppt/slides/slide38.xml><?xml version="1.0" encoding="utf-8"?>
+<file path=ppt/slides/slide41.xml><?xml version="1.0" encoding="utf-8"?>
 <p:sld xmlns:a="http://schemas.openxmlformats.org/drawingml/2006/main" xmlns:r="http://schemas.openxmlformats.org/officeDocument/2006/relationships" xmlns:p="http://schemas.openxmlformats.org/presentationml/2006/main">
   <p:cSld>
     <p:spTree>
@@ -24651,7 +25567,7 @@
         <p:spPr>
           <a:xfrm>
             <a:off x="720505" y="1690688"/>
-            <a:ext cx="10542006" cy="1269795"/>
+            <a:ext cx="10542006" cy="1193189"/>
           </a:xfrm>
           <a:prstGeom prst="roundRect">
             <a:avLst/>
@@ -24703,8 +25619,8 @@
           </a:p>
         </p:txBody>
       </p:sp>
-      <mc:AlternateContent xmlns:mc="http://schemas.openxmlformats.org/markup-compatibility/2006" xmlns:a14="http://schemas.microsoft.com/office/drawing/2010/main">
-        <mc:Choice Requires="a14">
+      <mc:AlternateContent xmlns:mc="http://schemas.openxmlformats.org/markup-compatibility/2006">
+        <mc:Choice xmlns:a14="http://schemas.microsoft.com/office/drawing/2010/main" Requires="a14">
           <p:sp>
             <p:nvSpPr>
               <p:cNvPr id="3" name="Объект 2"/>
@@ -25562,20 +26478,16 @@
                   <a:t>(</a:t>
                 </a:r>
                 <a:r>
-                  <a:rPr lang="ru-RU" dirty="0" err="1" smtClean="0"/>
-                  <a:t>Шифртекст</a:t>
-                </a:r>
-                <a:r>
                   <a:rPr lang="ru-RU" dirty="0" smtClean="0"/>
-                  <a:t> длинны 1 не может иметь </a:t>
-                </a:r>
-                <a:r>
-                  <a:rPr lang="ru-RU" dirty="0" err="1" smtClean="0"/>
-                  <a:t>откртый</a:t>
+                  <a:t>Шифртекст длинны 1 не может иметь </a:t>
                 </a:r>
                 <a:r>
                   <a:rPr lang="ru-RU" dirty="0" smtClean="0"/>
-                  <a:t> текст длины </a:t>
+                  <a:t>открытый </a:t>
+                </a:r>
+                <a:r>
+                  <a:rPr lang="ru-RU" dirty="0" smtClean="0"/>
+                  <a:t>текст длины </a:t>
                 </a:r>
                 <a:r>
                   <a:rPr lang="en-US" dirty="0" smtClean="0"/>
@@ -25621,7 +26533,7 @@
             </p:txBody>
           </p:sp>
         </mc:Choice>
-        <mc:Fallback xmlns="">
+        <mc:Fallback>
           <p:sp>
             <p:nvSpPr>
               <p:cNvPr id="3" name="Объект 2"/>
@@ -25672,7 +26584,7 @@
           <a:p>
             <a:fld id="{8253DDDB-F8F7-4D64-A7FD-3F3D61C1949F}" type="slidenum">
               <a:rPr lang="ru-RU" smtClean="0"/>
-              <a:t>38</a:t>
+              <a:t>41</a:t>
             </a:fld>
             <a:endParaRPr lang="ru-RU"/>
           </a:p>
@@ -25698,7 +26610,7 @@
 </p:sld>
 </file>
 
-<file path=ppt/slides/slide39.xml><?xml version="1.0" encoding="utf-8"?>
+<file path=ppt/slides/slide42.xml><?xml version="1.0" encoding="utf-8"?>
 <p:sld xmlns:a="http://schemas.openxmlformats.org/drawingml/2006/main" xmlns:r="http://schemas.openxmlformats.org/officeDocument/2006/relationships" xmlns:p="http://schemas.openxmlformats.org/presentationml/2006/main">
   <p:cSld>
     <p:spTree>
@@ -26135,7 +27047,7 @@
           <a:p>
             <a:fld id="{8253DDDB-F8F7-4D64-A7FD-3F3D61C1949F}" type="slidenum">
               <a:rPr lang="ru-RU" smtClean="0"/>
-              <a:t>39</a:t>
+              <a:t>42</a:t>
             </a:fld>
             <a:endParaRPr lang="ru-RU"/>
           </a:p>
@@ -26161,174 +27073,7 @@
 </p:sld>
 </file>
 
-<file path=ppt/slides/slide4.xml><?xml version="1.0" encoding="utf-8"?>
-<p:sld xmlns:a="http://schemas.openxmlformats.org/drawingml/2006/main" xmlns:r="http://schemas.openxmlformats.org/officeDocument/2006/relationships" xmlns:p="http://schemas.openxmlformats.org/presentationml/2006/main">
-  <p:cSld>
-    <p:spTree>
-      <p:nvGrpSpPr>
-        <p:cNvPr id="1" name=""/>
-        <p:cNvGrpSpPr/>
-        <p:nvPr/>
-      </p:nvGrpSpPr>
-      <p:grpSpPr>
-        <a:xfrm>
-          <a:off x="0" y="0"/>
-          <a:ext cx="0" cy="0"/>
-          <a:chOff x="0" y="0"/>
-          <a:chExt cx="0" cy="0"/>
-        </a:xfrm>
-      </p:grpSpPr>
-      <p:sp>
-        <p:nvSpPr>
-          <p:cNvPr id="2" name="Заголовок 1"/>
-          <p:cNvSpPr>
-            <a:spLocks noGrp="1"/>
-          </p:cNvSpPr>
-          <p:nvPr>
-            <p:ph type="title"/>
-          </p:nvPr>
-        </p:nvSpPr>
-        <p:spPr/>
-        <p:txBody>
-          <a:bodyPr/>
-          <a:lstStyle/>
-          <a:p>
-            <a:r>
-              <a:rPr lang="ru-RU" dirty="0" smtClean="0"/>
-              <a:t>Лабораторные работы</a:t>
-            </a:r>
-            <a:endParaRPr lang="ru-RU" dirty="0"/>
-          </a:p>
-        </p:txBody>
-      </p:sp>
-      <p:sp>
-        <p:nvSpPr>
-          <p:cNvPr id="3" name="Объект 2"/>
-          <p:cNvSpPr>
-            <a:spLocks noGrp="1"/>
-          </p:cNvSpPr>
-          <p:nvPr>
-            <p:ph idx="1"/>
-          </p:nvPr>
-        </p:nvSpPr>
-        <p:spPr/>
-        <p:txBody>
-          <a:bodyPr>
-            <a:normAutofit/>
-          </a:bodyPr>
-          <a:lstStyle/>
-          <a:p>
-            <a:r>
-              <a:rPr lang="en-US" sz="2600" dirty="0" smtClean="0"/>
-              <a:t>REST API </a:t>
-            </a:r>
-            <a:r>
-              <a:rPr lang="ru-RU" sz="2600" dirty="0" smtClean="0"/>
-              <a:t>служба (</a:t>
-            </a:r>
-            <a:r>
-              <a:rPr lang="en-US" sz="2600" dirty="0" err="1" smtClean="0"/>
-              <a:t>dotnet</a:t>
-            </a:r>
-            <a:r>
-              <a:rPr lang="en-US" dirty="0" smtClean="0"/>
-              <a:t>, self-hosted)</a:t>
-            </a:r>
-            <a:r>
-              <a:rPr lang="ru-RU" sz="2600" dirty="0" smtClean="0"/>
-              <a:t>.</a:t>
-            </a:r>
-          </a:p>
-          <a:p>
-            <a:endParaRPr lang="ru-RU" sz="2600" dirty="0" smtClean="0"/>
-          </a:p>
-          <a:p>
-            <a:r>
-              <a:rPr lang="ru-RU" sz="2600" dirty="0" smtClean="0"/>
-              <a:t>Задача – продемонстрировать атаку на криптосистему систему с уязвимостью.</a:t>
-            </a:r>
-          </a:p>
-          <a:p>
-            <a:endParaRPr lang="ru-RU" sz="2600" dirty="0" smtClean="0"/>
-          </a:p>
-          <a:p>
-            <a:r>
-              <a:rPr lang="ru-RU" sz="2600" dirty="0" smtClean="0"/>
-              <a:t>Допустимые языки программирования</a:t>
-            </a:r>
-            <a:r>
-              <a:rPr lang="en-US" sz="2600" dirty="0" smtClean="0"/>
-              <a:t>: C++, C#, Python, Java, </a:t>
-            </a:r>
-            <a:r>
-              <a:rPr lang="ru-RU" sz="2600" dirty="0" smtClean="0"/>
-              <a:t>другие?</a:t>
-            </a:r>
-          </a:p>
-          <a:p>
-            <a:endParaRPr lang="ru-RU" sz="2600" dirty="0"/>
-          </a:p>
-          <a:p>
-            <a:r>
-              <a:rPr lang="ru-RU" sz="2600" dirty="0" smtClean="0"/>
-              <a:t>Подробнее</a:t>
-            </a:r>
-            <a:r>
-              <a:rPr lang="en-US" sz="2600" dirty="0" smtClean="0"/>
-              <a:t> </a:t>
-            </a:r>
-            <a:r>
-              <a:rPr lang="ru-RU" sz="2600" dirty="0" smtClean="0"/>
-              <a:t>на лабораторной работе.</a:t>
-            </a:r>
-            <a:endParaRPr lang="en-US" sz="2600" dirty="0" smtClean="0"/>
-          </a:p>
-        </p:txBody>
-      </p:sp>
-      <p:sp>
-        <p:nvSpPr>
-          <p:cNvPr id="4" name="Номер слайда 3"/>
-          <p:cNvSpPr>
-            <a:spLocks noGrp="1"/>
-          </p:cNvSpPr>
-          <p:nvPr>
-            <p:ph type="sldNum" sz="quarter" idx="12"/>
-          </p:nvPr>
-        </p:nvSpPr>
-        <p:spPr/>
-        <p:txBody>
-          <a:bodyPr/>
-          <a:lstStyle/>
-          <a:p>
-            <a:fld id="{8253DDDB-F8F7-4D64-A7FD-3F3D61C1949F}" type="slidenum">
-              <a:rPr lang="ru-RU" smtClean="0"/>
-              <a:t>4</a:t>
-            </a:fld>
-            <a:endParaRPr lang="ru-RU"/>
-          </a:p>
-        </p:txBody>
-      </p:sp>
-    </p:spTree>
-    <p:extLst>
-      <p:ext uri="{BB962C8B-B14F-4D97-AF65-F5344CB8AC3E}">
-        <p14:creationId xmlns:p14="http://schemas.microsoft.com/office/powerpoint/2010/main" val="571061442"/>
-      </p:ext>
-    </p:extLst>
-  </p:cSld>
-  <p:clrMapOvr>
-    <a:masterClrMapping/>
-  </p:clrMapOvr>
-  <p:timing>
-    <p:tnLst>
-      <p:par>
-        <p:cTn id="1" dur="indefinite" restart="never" nodeType="tmRoot"/>
-      </p:par>
-    </p:tnLst>
-  </p:timing>
-</p:sld>
-</file>
-
-<file path=ppt/slides/slide40.xml><?xml version="1.0" encoding="utf-8"?>
+<file path=ppt/slides/slide43.xml><?xml version="1.0" encoding="utf-8"?>
 <p:sld xmlns:a="http://schemas.openxmlformats.org/drawingml/2006/main" xmlns:r="http://schemas.openxmlformats.org/officeDocument/2006/relationships" xmlns:p="http://schemas.openxmlformats.org/presentationml/2006/main">
   <p:cSld>
     <p:spTree>
@@ -27725,7 +28470,7 @@
           <a:p>
             <a:fld id="{8253DDDB-F8F7-4D64-A7FD-3F3D61C1949F}" type="slidenum">
               <a:rPr lang="ru-RU" smtClean="0"/>
-              <a:t>40</a:t>
+              <a:t>43</a:t>
             </a:fld>
             <a:endParaRPr lang="ru-RU"/>
           </a:p>
@@ -27751,7 +28496,7 @@
 </p:sld>
 </file>
 
-<file path=ppt/slides/slide41.xml><?xml version="1.0" encoding="utf-8"?>
+<file path=ppt/slides/slide44.xml><?xml version="1.0" encoding="utf-8"?>
 <p:sld xmlns:a="http://schemas.openxmlformats.org/drawingml/2006/main" xmlns:r="http://schemas.openxmlformats.org/officeDocument/2006/relationships" xmlns:p="http://schemas.openxmlformats.org/presentationml/2006/main">
   <p:cSld>
     <p:spTree>
@@ -29037,7 +29782,7 @@
           <a:p>
             <a:fld id="{8253DDDB-F8F7-4D64-A7FD-3F3D61C1949F}" type="slidenum">
               <a:rPr lang="ru-RU" smtClean="0"/>
-              <a:t>41</a:t>
+              <a:t>44</a:t>
             </a:fld>
             <a:endParaRPr lang="ru-RU"/>
           </a:p>
@@ -29625,7 +30370,7 @@
 </p:sld>
 </file>
 
-<file path=ppt/slides/slide42.xml><?xml version="1.0" encoding="utf-8"?>
+<file path=ppt/slides/slide45.xml><?xml version="1.0" encoding="utf-8"?>
 <p:sld xmlns:a="http://schemas.openxmlformats.org/drawingml/2006/main" xmlns:r="http://schemas.openxmlformats.org/officeDocument/2006/relationships" xmlns:p="http://schemas.openxmlformats.org/presentationml/2006/main">
   <p:cSld>
     <p:spTree>
@@ -30395,7 +31140,7 @@
           <a:p>
             <a:fld id="{8253DDDB-F8F7-4D64-A7FD-3F3D61C1949F}" type="slidenum">
               <a:rPr lang="ru-RU" smtClean="0"/>
-              <a:t>42</a:t>
+              <a:t>45</a:t>
             </a:fld>
             <a:endParaRPr lang="ru-RU"/>
           </a:p>
@@ -30421,7 +31166,7 @@
 </p:sld>
 </file>
 
-<file path=ppt/slides/slide43.xml><?xml version="1.0" encoding="utf-8"?>
+<file path=ppt/slides/slide46.xml><?xml version="1.0" encoding="utf-8"?>
 <p:sld xmlns:a="http://schemas.openxmlformats.org/drawingml/2006/main" xmlns:r="http://schemas.openxmlformats.org/officeDocument/2006/relationships" xmlns:p="http://schemas.openxmlformats.org/presentationml/2006/main">
   <p:cSld>
     <p:spTree>
@@ -31203,7 +31948,7 @@
           <a:p>
             <a:fld id="{8253DDDB-F8F7-4D64-A7FD-3F3D61C1949F}" type="slidenum">
               <a:rPr lang="ru-RU" smtClean="0"/>
-              <a:t>43</a:t>
+              <a:t>46</a:t>
             </a:fld>
             <a:endParaRPr lang="ru-RU"/>
           </a:p>
@@ -31229,7 +31974,7 @@
 </p:sld>
 </file>
 
-<file path=ppt/slides/slide44.xml><?xml version="1.0" encoding="utf-8"?>
+<file path=ppt/slides/slide47.xml><?xml version="1.0" encoding="utf-8"?>
 <p:sld xmlns:a="http://schemas.openxmlformats.org/drawingml/2006/main" xmlns:r="http://schemas.openxmlformats.org/officeDocument/2006/relationships" xmlns:p="http://schemas.openxmlformats.org/presentationml/2006/main">
   <p:cSld>
     <p:spTree>
@@ -32367,7 +33112,7 @@
           <a:p>
             <a:fld id="{8253DDDB-F8F7-4D64-A7FD-3F3D61C1949F}" type="slidenum">
               <a:rPr lang="ru-RU" smtClean="0"/>
-              <a:t>44</a:t>
+              <a:t>47</a:t>
             </a:fld>
             <a:endParaRPr lang="ru-RU"/>
           </a:p>
@@ -32393,7 +33138,7 @@
 </p:sld>
 </file>
 
-<file path=ppt/slides/slide45.xml><?xml version="1.0" encoding="utf-8"?>
+<file path=ppt/slides/slide48.xml><?xml version="1.0" encoding="utf-8"?>
 <p:sld xmlns:a="http://schemas.openxmlformats.org/drawingml/2006/main" xmlns:r="http://schemas.openxmlformats.org/officeDocument/2006/relationships" xmlns:p="http://schemas.openxmlformats.org/presentationml/2006/main">
   <p:cSld>
     <p:spTree>
@@ -32479,7 +33224,7 @@
           <a:p>
             <a:fld id="{8253DDDB-F8F7-4D64-A7FD-3F3D61C1949F}" type="slidenum">
               <a:rPr lang="ru-RU" smtClean="0"/>
-              <a:t>45</a:t>
+              <a:t>48</a:t>
             </a:fld>
             <a:endParaRPr lang="ru-RU"/>
           </a:p>
@@ -32505,7 +33250,7 @@
 </p:sld>
 </file>
 
-<file path=ppt/slides/slide46.xml><?xml version="1.0" encoding="utf-8"?>
+<file path=ppt/slides/slide49.xml><?xml version="1.0" encoding="utf-8"?>
 <p:sld xmlns:a="http://schemas.openxmlformats.org/drawingml/2006/main" xmlns:r="http://schemas.openxmlformats.org/officeDocument/2006/relationships" xmlns:p="http://schemas.openxmlformats.org/presentationml/2006/main">
   <p:cSld>
     <p:spTree>
@@ -33015,7 +33760,7 @@
           <a:p>
             <a:fld id="{8253DDDB-F8F7-4D64-A7FD-3F3D61C1949F}" type="slidenum">
               <a:rPr lang="ru-RU" smtClean="0"/>
-              <a:t>46</a:t>
+              <a:t>49</a:t>
             </a:fld>
             <a:endParaRPr lang="ru-RU"/>
           </a:p>
@@ -33041,7 +33786,601 @@
 </p:sld>
 </file>
 
-<file path=ppt/slides/slide47.xml><?xml version="1.0" encoding="utf-8"?>
+<file path=ppt/slides/slide5.xml><?xml version="1.0" encoding="utf-8"?>
+<p:sld xmlns:a="http://schemas.openxmlformats.org/drawingml/2006/main" xmlns:r="http://schemas.openxmlformats.org/officeDocument/2006/relationships" xmlns:p="http://schemas.openxmlformats.org/presentationml/2006/main">
+  <p:cSld>
+    <p:spTree>
+      <p:nvGrpSpPr>
+        <p:cNvPr id="1" name=""/>
+        <p:cNvGrpSpPr/>
+        <p:nvPr/>
+      </p:nvGrpSpPr>
+      <p:grpSpPr>
+        <a:xfrm>
+          <a:off x="0" y="0"/>
+          <a:ext cx="0" cy="0"/>
+          <a:chOff x="0" y="0"/>
+          <a:chExt cx="0" cy="0"/>
+        </a:xfrm>
+      </p:grpSpPr>
+      <p:sp>
+        <p:nvSpPr>
+          <p:cNvPr id="2" name="Заголовок 1"/>
+          <p:cNvSpPr>
+            <a:spLocks noGrp="1"/>
+          </p:cNvSpPr>
+          <p:nvPr>
+            <p:ph type="title"/>
+          </p:nvPr>
+        </p:nvSpPr>
+        <p:spPr/>
+        <p:txBody>
+          <a:bodyPr/>
+          <a:lstStyle/>
+          <a:p>
+            <a:r>
+              <a:rPr lang="ru-RU" dirty="0" smtClean="0"/>
+              <a:t>Структура курса</a:t>
+            </a:r>
+            <a:r>
+              <a:rPr lang="en-US" dirty="0" smtClean="0"/>
+              <a:t> (</a:t>
+            </a:r>
+            <a:r>
+              <a:rPr lang="ru-RU" dirty="0" smtClean="0"/>
+              <a:t>4</a:t>
+            </a:r>
+            <a:r>
+              <a:rPr lang="en-US" dirty="0" smtClean="0"/>
+              <a:t>)</a:t>
+            </a:r>
+            <a:endParaRPr lang="ru-RU" dirty="0"/>
+          </a:p>
+        </p:txBody>
+      </p:sp>
+      <mc:AlternateContent xmlns:mc="http://schemas.openxmlformats.org/markup-compatibility/2006" xmlns:a14="http://schemas.microsoft.com/office/drawing/2010/main">
+        <mc:Choice Requires="a14">
+          <p:sp>
+            <p:nvSpPr>
+              <p:cNvPr id="3" name="Объект 2"/>
+              <p:cNvSpPr>
+                <a:spLocks noGrp="1"/>
+              </p:cNvSpPr>
+              <p:nvPr>
+                <p:ph idx="1"/>
+              </p:nvPr>
+            </p:nvSpPr>
+            <p:spPr>
+              <a:xfrm>
+                <a:off x="838200" y="1825624"/>
+                <a:ext cx="10081846" cy="4408121"/>
+              </a:xfrm>
+            </p:spPr>
+            <p:txBody>
+              <a:bodyPr>
+                <a:normAutofit/>
+              </a:bodyPr>
+              <a:lstStyle/>
+              <a:p>
+                <a:r>
+                  <a:rPr lang="ru-RU" dirty="0" smtClean="0"/>
+                  <a:t>Формирование оценки</a:t>
+                </a:r>
+                <a:r>
+                  <a:rPr lang="en-US" dirty="0" smtClean="0"/>
+                  <a:t>:</a:t>
+                </a:r>
+              </a:p>
+              <a:p>
+                <a:endParaRPr lang="ru-RU" b="0" i="1" dirty="0" smtClean="0">
+                  <a:latin typeface="Cambria Math" panose="02040503050406030204" pitchFamily="18" charset="0"/>
+                </a:endParaRPr>
+              </a:p>
+              <a:p>
+                <a:pPr marL="0" indent="0">
+                  <a:buNone/>
+                </a:pPr>
+                <a14:m>
+                  <m:oMathPara xmlns:m="http://schemas.openxmlformats.org/officeDocument/2006/math">
+                    <m:oMathParaPr>
+                      <m:jc m:val="center"/>
+                    </m:oMathParaPr>
+                    <m:oMath xmlns:m="http://schemas.openxmlformats.org/officeDocument/2006/math">
+                      <m:r>
+                        <a:rPr lang="en-US" b="0" i="1" smtClean="0">
+                          <a:latin typeface="Cambria Math" panose="02040503050406030204" pitchFamily="18" charset="0"/>
+                        </a:rPr>
+                        <m:t>𝑇</m:t>
+                      </m:r>
+                      <m:r>
+                        <a:rPr lang="en-US" b="0" i="1" smtClean="0">
+                          <a:latin typeface="Cambria Math" panose="02040503050406030204" pitchFamily="18" charset="0"/>
+                        </a:rPr>
+                        <m:t>=</m:t>
+                      </m:r>
+                      <m:f>
+                        <m:fPr>
+                          <m:ctrlPr>
+                            <a:rPr lang="en-US" b="0" i="1" smtClean="0">
+                              <a:latin typeface="Cambria Math" panose="02040503050406030204" pitchFamily="18" charset="0"/>
+                            </a:rPr>
+                          </m:ctrlPr>
+                        </m:fPr>
+                        <m:num>
+                          <m:sSub>
+                            <m:sSubPr>
+                              <m:ctrlPr>
+                                <a:rPr lang="en-US" b="0" i="1" smtClean="0">
+                                  <a:solidFill>
+                                    <a:srgbClr val="00B050"/>
+                                  </a:solidFill>
+                                  <a:latin typeface="Cambria Math" panose="02040503050406030204" pitchFamily="18" charset="0"/>
+                                </a:rPr>
+                              </m:ctrlPr>
+                            </m:sSubPr>
+                            <m:e>
+                              <m:r>
+                                <a:rPr lang="en-US" b="0" i="1" smtClean="0">
+                                  <a:solidFill>
+                                    <a:srgbClr val="00B050"/>
+                                  </a:solidFill>
+                                  <a:latin typeface="Cambria Math" panose="02040503050406030204" pitchFamily="18" charset="0"/>
+                                </a:rPr>
+                                <m:t>𝑁</m:t>
+                              </m:r>
+                            </m:e>
+                            <m:sub>
+                              <m:r>
+                                <a:rPr lang="en-US" b="0" i="1" smtClean="0">
+                                  <a:solidFill>
+                                    <a:srgbClr val="00B050"/>
+                                  </a:solidFill>
+                                  <a:latin typeface="Cambria Math" panose="02040503050406030204" pitchFamily="18" charset="0"/>
+                                </a:rPr>
+                                <m:t>1</m:t>
+                              </m:r>
+                            </m:sub>
+                          </m:sSub>
+                          <m:r>
+                            <a:rPr lang="en-US" b="0" i="1" smtClean="0">
+                              <a:solidFill>
+                                <a:srgbClr val="00B050"/>
+                              </a:solidFill>
+                              <a:latin typeface="Cambria Math" panose="02040503050406030204" pitchFamily="18" charset="0"/>
+                            </a:rPr>
+                            <m:t>+</m:t>
+                          </m:r>
+                          <m:sSub>
+                            <m:sSubPr>
+                              <m:ctrlPr>
+                                <a:rPr lang="en-US" i="1">
+                                  <a:solidFill>
+                                    <a:srgbClr val="00B050"/>
+                                  </a:solidFill>
+                                  <a:latin typeface="Cambria Math" panose="02040503050406030204" pitchFamily="18" charset="0"/>
+                                </a:rPr>
+                              </m:ctrlPr>
+                            </m:sSubPr>
+                            <m:e>
+                              <m:r>
+                                <a:rPr lang="en-US" i="1">
+                                  <a:solidFill>
+                                    <a:srgbClr val="00B050"/>
+                                  </a:solidFill>
+                                  <a:latin typeface="Cambria Math" panose="02040503050406030204" pitchFamily="18" charset="0"/>
+                                </a:rPr>
+                                <m:t>𝑁</m:t>
+                              </m:r>
+                            </m:e>
+                            <m:sub>
+                              <m:r>
+                                <a:rPr lang="en-US" i="1">
+                                  <a:solidFill>
+                                    <a:srgbClr val="00B050"/>
+                                  </a:solidFill>
+                                  <a:latin typeface="Cambria Math" panose="02040503050406030204" pitchFamily="18" charset="0"/>
+                                </a:rPr>
+                                <m:t>2</m:t>
+                              </m:r>
+                            </m:sub>
+                          </m:sSub>
+                          <m:r>
+                            <a:rPr lang="en-US" i="1">
+                              <a:solidFill>
+                                <a:srgbClr val="00B050"/>
+                              </a:solidFill>
+                              <a:latin typeface="Cambria Math" panose="02040503050406030204" pitchFamily="18" charset="0"/>
+                            </a:rPr>
+                            <m:t>+</m:t>
+                          </m:r>
+                          <m:sSub>
+                            <m:sSubPr>
+                              <m:ctrlPr>
+                                <a:rPr lang="en-US" i="1">
+                                  <a:solidFill>
+                                    <a:srgbClr val="00B050"/>
+                                  </a:solidFill>
+                                  <a:latin typeface="Cambria Math" panose="02040503050406030204" pitchFamily="18" charset="0"/>
+                                </a:rPr>
+                              </m:ctrlPr>
+                            </m:sSubPr>
+                            <m:e>
+                              <m:r>
+                                <a:rPr lang="en-US" i="1">
+                                  <a:solidFill>
+                                    <a:srgbClr val="00B050"/>
+                                  </a:solidFill>
+                                  <a:latin typeface="Cambria Math" panose="02040503050406030204" pitchFamily="18" charset="0"/>
+                                </a:rPr>
+                                <m:t>𝑁</m:t>
+                              </m:r>
+                            </m:e>
+                            <m:sub>
+                              <m:r>
+                                <a:rPr lang="en-US" i="1">
+                                  <a:solidFill>
+                                    <a:srgbClr val="00B050"/>
+                                  </a:solidFill>
+                                  <a:latin typeface="Cambria Math" panose="02040503050406030204" pitchFamily="18" charset="0"/>
+                                </a:rPr>
+                                <m:t>3</m:t>
+                              </m:r>
+                            </m:sub>
+                          </m:sSub>
+                        </m:num>
+                        <m:den>
+                          <m:r>
+                            <a:rPr lang="en-US" b="0" i="1" smtClean="0">
+                              <a:latin typeface="Cambria Math" panose="02040503050406030204" pitchFamily="18" charset="0"/>
+                            </a:rPr>
+                            <m:t>3</m:t>
+                          </m:r>
+                        </m:den>
+                      </m:f>
+                      <m:r>
+                        <a:rPr lang="en-US" b="0" i="1" smtClean="0">
+                          <a:latin typeface="Cambria Math" panose="02040503050406030204" pitchFamily="18" charset="0"/>
+                        </a:rPr>
+                        <m:t>∗0.9+</m:t>
+                      </m:r>
+                      <m:r>
+                        <a:rPr lang="en-US" b="0" i="1" smtClean="0">
+                          <a:solidFill>
+                            <a:srgbClr val="00B0F0"/>
+                          </a:solidFill>
+                          <a:latin typeface="Cambria Math" panose="02040503050406030204" pitchFamily="18" charset="0"/>
+                        </a:rPr>
+                        <m:t>𝐵</m:t>
+                      </m:r>
+                      <m:r>
+                        <a:rPr lang="ru-RU" b="0" i="1" smtClean="0">
+                          <a:latin typeface="Cambria Math" panose="02040503050406030204" pitchFamily="18" charset="0"/>
+                        </a:rPr>
+                        <m:t>∗0.1</m:t>
+                      </m:r>
+                      <m:r>
+                        <a:rPr lang="en-US" b="0" i="1" smtClean="0">
+                          <a:latin typeface="Cambria Math" panose="02040503050406030204" pitchFamily="18" charset="0"/>
+                        </a:rPr>
+                        <m:t>+</m:t>
+                      </m:r>
+                      <m:r>
+                        <a:rPr lang="en-US" b="0" i="1" smtClean="0">
+                          <a:solidFill>
+                            <a:schemeClr val="accent2"/>
+                          </a:solidFill>
+                          <a:latin typeface="Cambria Math" panose="02040503050406030204" pitchFamily="18" charset="0"/>
+                        </a:rPr>
+                        <m:t>𝐸</m:t>
+                      </m:r>
+                      <m:r>
+                        <a:rPr lang="en-US" b="0" i="1" smtClean="0">
+                          <a:latin typeface="Cambria Math" panose="02040503050406030204" pitchFamily="18" charset="0"/>
+                        </a:rPr>
+                        <m:t>−</m:t>
+                      </m:r>
+                      <m:r>
+                        <a:rPr lang="en-US" b="0" i="1" smtClean="0">
+                          <a:solidFill>
+                            <a:srgbClr val="FF0000"/>
+                          </a:solidFill>
+                          <a:latin typeface="Cambria Math" panose="02040503050406030204" pitchFamily="18" charset="0"/>
+                        </a:rPr>
+                        <m:t>𝑃</m:t>
+                      </m:r>
+                    </m:oMath>
+                  </m:oMathPara>
+                </a14:m>
+                <a:endParaRPr lang="en-US" b="0" dirty="0" smtClean="0">
+                  <a:solidFill>
+                    <a:srgbClr val="FF0000"/>
+                  </a:solidFill>
+                </a:endParaRPr>
+              </a:p>
+              <a:p>
+                <a14:m>
+                  <m:oMath xmlns:m="http://schemas.openxmlformats.org/officeDocument/2006/math">
+                    <m:sSub>
+                      <m:sSubPr>
+                        <m:ctrlPr>
+                          <a:rPr lang="en-US" i="1" smtClean="0">
+                            <a:solidFill>
+                              <a:srgbClr val="00B050"/>
+                            </a:solidFill>
+                            <a:latin typeface="Cambria Math" panose="02040503050406030204" pitchFamily="18" charset="0"/>
+                          </a:rPr>
+                        </m:ctrlPr>
+                      </m:sSubPr>
+                      <m:e>
+                        <m:r>
+                          <a:rPr lang="en-US" b="0" i="1" smtClean="0">
+                            <a:solidFill>
+                              <a:srgbClr val="00B050"/>
+                            </a:solidFill>
+                            <a:latin typeface="Cambria Math" panose="02040503050406030204" pitchFamily="18" charset="0"/>
+                          </a:rPr>
+                          <m:t>𝑁</m:t>
+                        </m:r>
+                      </m:e>
+                      <m:sub>
+                        <m:r>
+                          <a:rPr lang="en-US" b="0" i="1" smtClean="0">
+                            <a:solidFill>
+                              <a:srgbClr val="00B050"/>
+                            </a:solidFill>
+                            <a:latin typeface="Cambria Math" panose="02040503050406030204" pitchFamily="18" charset="0"/>
+                          </a:rPr>
+                          <m:t>𝑖</m:t>
+                        </m:r>
+                      </m:sub>
+                    </m:sSub>
+                    <m:r>
+                      <a:rPr lang="en-US" b="0" i="1" smtClean="0">
+                        <a:latin typeface="Cambria Math" panose="02040503050406030204" pitchFamily="18" charset="0"/>
+                      </a:rPr>
+                      <m:t>,</m:t>
+                    </m:r>
+                    <m:r>
+                      <a:rPr lang="en-US" b="0" i="1" smtClean="0">
+                        <a:latin typeface="Cambria Math" panose="02040503050406030204" pitchFamily="18" charset="0"/>
+                      </a:rPr>
+                      <m:t>𝑖</m:t>
+                    </m:r>
+                    <m:r>
+                      <a:rPr lang="en-US" b="0" i="1" smtClean="0">
+                        <a:latin typeface="Cambria Math" panose="02040503050406030204" pitchFamily="18" charset="0"/>
+                      </a:rPr>
+                      <m:t>=1,2,3</m:t>
+                    </m:r>
+                  </m:oMath>
+                </a14:m>
+                <a:r>
+                  <a:rPr lang="en-US" dirty="0" smtClean="0"/>
+                  <a:t> – </a:t>
+                </a:r>
+                <a:r>
+                  <a:rPr lang="ru-RU" dirty="0" smtClean="0"/>
+                  <a:t>нормированная на 1 сумма оценок по </a:t>
+                </a:r>
+                <a:r>
+                  <a:rPr lang="ru-RU" dirty="0" err="1" smtClean="0">
+                    <a:solidFill>
+                      <a:srgbClr val="00B050"/>
+                    </a:solidFill>
+                  </a:rPr>
+                  <a:t>дз</a:t>
+                </a:r>
+                <a:r>
+                  <a:rPr lang="ru-RU" dirty="0" smtClean="0"/>
+                  <a:t> за </a:t>
+                </a:r>
+                <a14:m>
+                  <m:oMath xmlns:m="http://schemas.openxmlformats.org/officeDocument/2006/math">
+                    <m:r>
+                      <a:rPr lang="en-US" b="0" i="1" smtClean="0">
+                        <a:latin typeface="Cambria Math" panose="02040503050406030204" pitchFamily="18" charset="0"/>
+                      </a:rPr>
+                      <m:t>𝑖</m:t>
+                    </m:r>
+                  </m:oMath>
+                </a14:m>
+                <a:r>
+                  <a:rPr lang="ru-RU" dirty="0" smtClean="0"/>
+                  <a:t>-й блок </a:t>
+                </a:r>
+                <a:endParaRPr lang="ru-RU" dirty="0"/>
+              </a:p>
+              <a:p>
+                <a14:m>
+                  <m:oMath xmlns:m="http://schemas.openxmlformats.org/officeDocument/2006/math">
+                    <m:r>
+                      <a:rPr lang="en-US" b="0" i="1" smtClean="0">
+                        <a:solidFill>
+                          <a:srgbClr val="00B0F0"/>
+                        </a:solidFill>
+                        <a:latin typeface="Cambria Math" panose="02040503050406030204" pitchFamily="18" charset="0"/>
+                      </a:rPr>
+                      <m:t>𝐵</m:t>
+                    </m:r>
+                  </m:oMath>
+                </a14:m>
+                <a:r>
+                  <a:rPr lang="en-US" dirty="0" smtClean="0"/>
+                  <a:t> – </a:t>
+                </a:r>
+                <a:r>
+                  <a:rPr lang="ru-RU" dirty="0" smtClean="0"/>
+                  <a:t>нормированная на 1 сумма оценок по </a:t>
+                </a:r>
+                <a:r>
+                  <a:rPr lang="ru-RU" dirty="0" smtClean="0">
+                    <a:solidFill>
+                      <a:srgbClr val="00B0F0"/>
+                    </a:solidFill>
+                  </a:rPr>
+                  <a:t>тестам</a:t>
+                </a:r>
+                <a:r>
+                  <a:rPr lang="ru-RU" dirty="0" smtClean="0"/>
+                  <a:t> в начале пары</a:t>
+                </a:r>
+              </a:p>
+              <a:p>
+                <a14:m>
+                  <m:oMath xmlns:m="http://schemas.openxmlformats.org/officeDocument/2006/math">
+                    <m:r>
+                      <a:rPr lang="en-US" b="0" i="1" smtClean="0">
+                        <a:solidFill>
+                          <a:schemeClr val="accent2"/>
+                        </a:solidFill>
+                        <a:latin typeface="Cambria Math" panose="02040503050406030204" pitchFamily="18" charset="0"/>
+                      </a:rPr>
+                      <m:t>𝐸</m:t>
+                    </m:r>
+                  </m:oMath>
+                </a14:m>
+                <a:r>
+                  <a:rPr lang="ru-RU" dirty="0" smtClean="0"/>
+                  <a:t> – дополнительные «плюшки»</a:t>
+                </a:r>
+              </a:p>
+              <a:p>
+                <a14:m>
+                  <m:oMath xmlns:m="http://schemas.openxmlformats.org/officeDocument/2006/math">
+                    <m:r>
+                      <a:rPr lang="en-US" b="0" i="1" smtClean="0">
+                        <a:solidFill>
+                          <a:srgbClr val="FF0000"/>
+                        </a:solidFill>
+                        <a:latin typeface="Cambria Math" panose="02040503050406030204" pitchFamily="18" charset="0"/>
+                      </a:rPr>
+                      <m:t>𝑃</m:t>
+                    </m:r>
+                  </m:oMath>
+                </a14:m>
+                <a:r>
+                  <a:rPr lang="ru-RU" dirty="0" smtClean="0"/>
+                  <a:t> – штрафы за </a:t>
+                </a:r>
+                <a:r>
+                  <a:rPr lang="ru-RU" dirty="0" err="1" smtClean="0"/>
+                  <a:t>дедлайны</a:t>
+                </a:r>
+                <a:endParaRPr lang="ru-RU" dirty="0" smtClean="0"/>
+              </a:p>
+              <a:p>
+                <a:pPr lvl="1"/>
+                <a:endParaRPr lang="ru-RU" dirty="0"/>
+              </a:p>
+            </p:txBody>
+          </p:sp>
+        </mc:Choice>
+        <mc:Fallback xmlns="">
+          <p:sp>
+            <p:nvSpPr>
+              <p:cNvPr id="3" name="Объект 2"/>
+              <p:cNvSpPr>
+                <a:spLocks noGrp="1" noRot="1" noChangeAspect="1" noMove="1" noResize="1" noEditPoints="1" noAdjustHandles="1" noChangeArrowheads="1" noChangeShapeType="1" noTextEdit="1"/>
+              </p:cNvSpPr>
+              <p:nvPr>
+                <p:ph idx="1"/>
+              </p:nvPr>
+            </p:nvSpPr>
+            <p:spPr>
+              <a:xfrm>
+                <a:off x="838200" y="1825624"/>
+                <a:ext cx="10081846" cy="4408121"/>
+              </a:xfrm>
+              <a:blipFill>
+                <a:blip r:embed="rId2"/>
+                <a:stretch>
+                  <a:fillRect l="-968" t="-2072"/>
+                </a:stretch>
+              </a:blipFill>
+            </p:spPr>
+            <p:txBody>
+              <a:bodyPr/>
+              <a:lstStyle/>
+              <a:p>
+                <a:r>
+                  <a:rPr lang="ru-RU">
+                    <a:noFill/>
+                  </a:rPr>
+                  <a:t> </a:t>
+                </a:r>
+              </a:p>
+            </p:txBody>
+          </p:sp>
+        </mc:Fallback>
+      </mc:AlternateContent>
+      <p:sp>
+        <p:nvSpPr>
+          <p:cNvPr id="7" name="Номер слайда 6"/>
+          <p:cNvSpPr>
+            <a:spLocks noGrp="1"/>
+          </p:cNvSpPr>
+          <p:nvPr>
+            <p:ph type="sldNum" sz="quarter" idx="12"/>
+          </p:nvPr>
+        </p:nvSpPr>
+        <p:spPr/>
+        <p:txBody>
+          <a:bodyPr/>
+          <a:lstStyle/>
+          <a:p>
+            <a:fld id="{8253DDDB-F8F7-4D64-A7FD-3F3D61C1949F}" type="slidenum">
+              <a:rPr lang="ru-RU" smtClean="0"/>
+              <a:t>5</a:t>
+            </a:fld>
+            <a:endParaRPr lang="ru-RU"/>
+          </a:p>
+        </p:txBody>
+      </p:sp>
+      <p:pic>
+        <p:nvPicPr>
+          <p:cNvPr id="6" name="Рисунок 5"/>
+          <p:cNvPicPr>
+            <a:picLocks noChangeAspect="1"/>
+          </p:cNvPicPr>
+          <p:nvPr/>
+        </p:nvPicPr>
+        <p:blipFill>
+          <a:blip r:embed="rId3"/>
+          <a:stretch>
+            <a:fillRect/>
+          </a:stretch>
+        </p:blipFill>
+        <p:spPr>
+          <a:xfrm>
+            <a:off x="9210675" y="365125"/>
+            <a:ext cx="2143125" cy="2085975"/>
+          </a:xfrm>
+          <a:prstGeom prst="rect">
+            <a:avLst/>
+          </a:prstGeom>
+        </p:spPr>
+      </p:pic>
+    </p:spTree>
+    <p:extLst>
+      <p:ext uri="{BB962C8B-B14F-4D97-AF65-F5344CB8AC3E}">
+        <p14:creationId xmlns:p14="http://schemas.microsoft.com/office/powerpoint/2010/main" val="4029903499"/>
+      </p:ext>
+    </p:extLst>
+  </p:cSld>
+  <p:clrMapOvr>
+    <a:masterClrMapping/>
+  </p:clrMapOvr>
+  <p:timing>
+    <p:tnLst>
+      <p:par>
+        <p:cTn id="1" dur="indefinite" restart="never" nodeType="tmRoot"/>
+      </p:par>
+    </p:tnLst>
+  </p:timing>
+</p:sld>
+</file>
+
+<file path=ppt/slides/slide50.xml><?xml version="1.0" encoding="utf-8"?>
 <p:sld xmlns:a="http://schemas.openxmlformats.org/drawingml/2006/main" xmlns:r="http://schemas.openxmlformats.org/officeDocument/2006/relationships" xmlns:p="http://schemas.openxmlformats.org/presentationml/2006/main">
   <p:cSld>
     <p:spTree>
@@ -33620,7 +34959,7 @@
           <a:p>
             <a:fld id="{8253DDDB-F8F7-4D64-A7FD-3F3D61C1949F}" type="slidenum">
               <a:rPr lang="ru-RU" smtClean="0"/>
-              <a:t>47</a:t>
+              <a:t>50</a:t>
             </a:fld>
             <a:endParaRPr lang="ru-RU"/>
           </a:p>
@@ -33646,7 +34985,7 @@
 </p:sld>
 </file>
 
-<file path=ppt/slides/slide48.xml><?xml version="1.0" encoding="utf-8"?>
+<file path=ppt/slides/slide51.xml><?xml version="1.0" encoding="utf-8"?>
 <p:sld xmlns:a="http://schemas.openxmlformats.org/drawingml/2006/main" xmlns:r="http://schemas.openxmlformats.org/officeDocument/2006/relationships" xmlns:p="http://schemas.openxmlformats.org/presentationml/2006/main">
   <p:cSld>
     <p:spTree>
@@ -33728,7 +35067,7 @@
           <a:p>
             <a:fld id="{8253DDDB-F8F7-4D64-A7FD-3F3D61C1949F}" type="slidenum">
               <a:rPr lang="ru-RU" smtClean="0"/>
-              <a:t>48</a:t>
+              <a:t>51</a:t>
             </a:fld>
             <a:endParaRPr lang="ru-RU"/>
           </a:p>
@@ -33754,7 +35093,7 @@
 </p:sld>
 </file>
 
-<file path=ppt/slides/slide49.xml><?xml version="1.0" encoding="utf-8"?>
+<file path=ppt/slides/slide52.xml><?xml version="1.0" encoding="utf-8"?>
 <p:sld xmlns:a="http://schemas.openxmlformats.org/drawingml/2006/main" xmlns:r="http://schemas.openxmlformats.org/officeDocument/2006/relationships" xmlns:p="http://schemas.openxmlformats.org/presentationml/2006/main">
   <p:cSld>
     <p:spTree>
@@ -33826,7 +35165,7 @@
           <a:p>
             <a:fld id="{8253DDDB-F8F7-4D64-A7FD-3F3D61C1949F}" type="slidenum">
               <a:rPr lang="ru-RU" smtClean="0"/>
-              <a:t>49</a:t>
+              <a:t>52</a:t>
             </a:fld>
             <a:endParaRPr lang="ru-RU"/>
           </a:p>
@@ -33852,7 +35191,510 @@
 </p:sld>
 </file>
 
-<file path=ppt/slides/slide5.xml><?xml version="1.0" encoding="utf-8"?>
+<file path=ppt/slides/slide6.xml><?xml version="1.0" encoding="utf-8"?>
+<p:sld xmlns:a="http://schemas.openxmlformats.org/drawingml/2006/main" xmlns:r="http://schemas.openxmlformats.org/officeDocument/2006/relationships" xmlns:p="http://schemas.openxmlformats.org/presentationml/2006/main">
+  <p:cSld>
+    <p:spTree>
+      <p:nvGrpSpPr>
+        <p:cNvPr id="1" name=""/>
+        <p:cNvGrpSpPr/>
+        <p:nvPr/>
+      </p:nvGrpSpPr>
+      <p:grpSpPr>
+        <a:xfrm>
+          <a:off x="0" y="0"/>
+          <a:ext cx="0" cy="0"/>
+          <a:chOff x="0" y="0"/>
+          <a:chExt cx="0" cy="0"/>
+        </a:xfrm>
+      </p:grpSpPr>
+      <p:sp>
+        <p:nvSpPr>
+          <p:cNvPr id="2" name="Заголовок 1"/>
+          <p:cNvSpPr>
+            <a:spLocks noGrp="1"/>
+          </p:cNvSpPr>
+          <p:nvPr>
+            <p:ph type="title"/>
+          </p:nvPr>
+        </p:nvSpPr>
+        <p:spPr/>
+        <p:txBody>
+          <a:bodyPr/>
+          <a:lstStyle/>
+          <a:p>
+            <a:r>
+              <a:rPr lang="ru-RU" dirty="0" smtClean="0"/>
+              <a:t>Связь</a:t>
+            </a:r>
+            <a:endParaRPr lang="ru-RU" dirty="0"/>
+          </a:p>
+        </p:txBody>
+      </p:sp>
+      <p:sp>
+        <p:nvSpPr>
+          <p:cNvPr id="4" name="Номер слайда 3"/>
+          <p:cNvSpPr>
+            <a:spLocks noGrp="1"/>
+          </p:cNvSpPr>
+          <p:nvPr>
+            <p:ph type="sldNum" sz="quarter" idx="12"/>
+          </p:nvPr>
+        </p:nvSpPr>
+        <p:spPr/>
+        <p:txBody>
+          <a:bodyPr/>
+          <a:lstStyle/>
+          <a:p>
+            <a:fld id="{8253DDDB-F8F7-4D64-A7FD-3F3D61C1949F}" type="slidenum">
+              <a:rPr lang="ru-RU" smtClean="0"/>
+              <a:t>6</a:t>
+            </a:fld>
+            <a:endParaRPr lang="ru-RU"/>
+          </a:p>
+        </p:txBody>
+      </p:sp>
+      <p:pic>
+        <p:nvPicPr>
+          <p:cNvPr id="7" name="Рисунок 6"/>
+          <p:cNvPicPr>
+            <a:picLocks noChangeAspect="1"/>
+          </p:cNvPicPr>
+          <p:nvPr/>
+        </p:nvPicPr>
+        <p:blipFill>
+          <a:blip r:embed="rId2"/>
+          <a:stretch>
+            <a:fillRect/>
+          </a:stretch>
+        </p:blipFill>
+        <p:spPr>
+          <a:xfrm>
+            <a:off x="1672076" y="2081332"/>
+            <a:ext cx="2152650" cy="2143125"/>
+          </a:xfrm>
+          <a:prstGeom prst="rect">
+            <a:avLst/>
+          </a:prstGeom>
+        </p:spPr>
+      </p:pic>
+      <p:sp>
+        <p:nvSpPr>
+          <p:cNvPr id="8" name="TextBox 7"/>
+          <p:cNvSpPr txBox="1"/>
+          <p:nvPr/>
+        </p:nvSpPr>
+        <p:spPr>
+          <a:xfrm>
+            <a:off x="838200" y="4402062"/>
+            <a:ext cx="3821724" cy="1754326"/>
+          </a:xfrm>
+          <a:prstGeom prst="rect">
+            <a:avLst/>
+          </a:prstGeom>
+          <a:noFill/>
+        </p:spPr>
+        <p:txBody>
+          <a:bodyPr wrap="square" rtlCol="0">
+            <a:spAutoFit/>
+          </a:bodyPr>
+          <a:lstStyle/>
+          <a:p>
+            <a:pPr algn="ctr"/>
+            <a:r>
+              <a:rPr lang="en-US" dirty="0">
+                <a:hlinkClick r:id="rId3"/>
+              </a:rPr>
+              <a:t>https://</a:t>
+            </a:r>
+            <a:r>
+              <a:rPr lang="en-US" dirty="0" smtClean="0">
+                <a:hlinkClick r:id="rId3"/>
+              </a:rPr>
+              <a:t>discord.gg/Vb38A6H</a:t>
+            </a:r>
+            <a:endParaRPr lang="ru-RU" dirty="0"/>
+          </a:p>
+          <a:p>
+            <a:pPr algn="ctr"/>
+            <a:r>
+              <a:rPr lang="en-US" dirty="0" smtClean="0"/>
+              <a:t>Discord</a:t>
+            </a:r>
+            <a:endParaRPr lang="ru-RU" dirty="0" smtClean="0"/>
+          </a:p>
+          <a:p>
+            <a:pPr algn="ctr"/>
+            <a:r>
+              <a:rPr lang="ru-RU" dirty="0" smtClean="0"/>
+              <a:t>(сдача </a:t>
+            </a:r>
+            <a:r>
+              <a:rPr lang="ru-RU" dirty="0" err="1" smtClean="0"/>
+              <a:t>лаб</a:t>
+            </a:r>
+            <a:r>
+              <a:rPr lang="en-US" dirty="0" smtClean="0"/>
+              <a:t> </a:t>
+            </a:r>
+            <a:r>
+              <a:rPr lang="ru-RU" dirty="0" smtClean="0"/>
+              <a:t>и </a:t>
+            </a:r>
+            <a:r>
+              <a:rPr lang="ru-RU" dirty="0" err="1" smtClean="0"/>
+              <a:t>дз</a:t>
+            </a:r>
+            <a:r>
+              <a:rPr lang="ru-RU" dirty="0"/>
+              <a:t> </a:t>
+            </a:r>
+            <a:r>
+              <a:rPr lang="ru-RU" dirty="0" smtClean="0"/>
+              <a:t>только если будем вынуждены работать по </a:t>
+            </a:r>
+            <a:r>
+              <a:rPr lang="ru-RU" dirty="0" err="1" smtClean="0"/>
+              <a:t>удалёнке</a:t>
+            </a:r>
+            <a:r>
+              <a:rPr lang="ru-RU" dirty="0" smtClean="0"/>
+              <a:t>, чат не читаю, вопросы в </a:t>
+            </a:r>
+            <a:r>
+              <a:rPr lang="ru-RU" dirty="0" err="1" smtClean="0"/>
+              <a:t>личку</a:t>
+            </a:r>
+            <a:r>
+              <a:rPr lang="ru-RU" dirty="0" smtClean="0"/>
+              <a:t> не писать)</a:t>
+            </a:r>
+            <a:endParaRPr lang="ru-RU" dirty="0"/>
+          </a:p>
+        </p:txBody>
+      </p:sp>
+      <p:pic>
+        <p:nvPicPr>
+          <p:cNvPr id="9" name="Рисунок 8"/>
+          <p:cNvPicPr>
+            <a:picLocks noChangeAspect="1"/>
+          </p:cNvPicPr>
+          <p:nvPr/>
+        </p:nvPicPr>
+        <p:blipFill>
+          <a:blip r:embed="rId4"/>
+          <a:stretch>
+            <a:fillRect/>
+          </a:stretch>
+        </p:blipFill>
+        <p:spPr>
+          <a:xfrm>
+            <a:off x="7611170" y="2081451"/>
+            <a:ext cx="2085975" cy="2047875"/>
+          </a:xfrm>
+          <a:prstGeom prst="rect">
+            <a:avLst/>
+          </a:prstGeom>
+        </p:spPr>
+      </p:pic>
+      <mc:AlternateContent xmlns:mc="http://schemas.openxmlformats.org/markup-compatibility/2006" xmlns:a14="http://schemas.microsoft.com/office/drawing/2010/main">
+        <mc:Choice Requires="a14">
+          <p:sp>
+            <p:nvSpPr>
+              <p:cNvPr id="10" name="TextBox 9"/>
+              <p:cNvSpPr txBox="1"/>
+              <p:nvPr/>
+            </p:nvSpPr>
+            <p:spPr>
+              <a:xfrm>
+                <a:off x="7669015" y="4402062"/>
+                <a:ext cx="1970283" cy="923330"/>
+              </a:xfrm>
+              <a:prstGeom prst="rect">
+                <a:avLst/>
+              </a:prstGeom>
+              <a:noFill/>
+            </p:spPr>
+            <p:txBody>
+              <a:bodyPr wrap="none" rtlCol="0">
+                <a:spAutoFit/>
+              </a:bodyPr>
+              <a:lstStyle/>
+              <a:p>
+                <a:pPr algn="ctr"/>
+                <a:r>
+                  <a:rPr lang="en-US" dirty="0">
+                    <a:hlinkClick r:id="rId5"/>
+                  </a:rPr>
+                  <a:t>https://</a:t>
+                </a:r>
+                <a:r>
+                  <a:rPr lang="en-US" dirty="0" smtClean="0">
+                    <a:hlinkClick r:id="rId5"/>
+                  </a:rPr>
+                  <a:t>t.me/f1589</a:t>
+                </a:r>
+                <a:endParaRPr lang="ru-RU" dirty="0" smtClean="0"/>
+              </a:p>
+              <a:p>
+                <a:pPr algn="ctr"/>
+                <a:r>
+                  <a:rPr lang="en-US" dirty="0" smtClean="0"/>
+                  <a:t>t.me</a:t>
+                </a:r>
+              </a:p>
+              <a:p>
+                <a:pPr algn="ctr"/>
+                <a:r>
+                  <a:rPr lang="en-US" dirty="0" smtClean="0"/>
+                  <a:t>(</a:t>
+                </a:r>
+                <a14:m>
+                  <m:oMath xmlns:m="http://schemas.openxmlformats.org/officeDocument/2006/math">
+                    <m:r>
+                      <a:rPr lang="en-US" b="0" i="1" smtClean="0">
+                        <a:latin typeface="Cambria Math" panose="02040503050406030204" pitchFamily="18" charset="0"/>
+                      </a:rPr>
+                      <m:t>∀</m:t>
+                    </m:r>
+                  </m:oMath>
+                </a14:m>
+                <a:r>
+                  <a:rPr lang="ru-RU" dirty="0" smtClean="0"/>
+                  <a:t>вопросы)</a:t>
+                </a:r>
+                <a:endParaRPr lang="ru-RU" dirty="0"/>
+              </a:p>
+            </p:txBody>
+          </p:sp>
+        </mc:Choice>
+        <mc:Fallback xmlns="">
+          <p:sp>
+            <p:nvSpPr>
+              <p:cNvPr id="10" name="TextBox 9"/>
+              <p:cNvSpPr txBox="1">
+                <a:spLocks noRot="1" noChangeAspect="1" noMove="1" noResize="1" noEditPoints="1" noAdjustHandles="1" noChangeArrowheads="1" noChangeShapeType="1" noTextEdit="1"/>
+              </p:cNvSpPr>
+              <p:nvPr/>
+            </p:nvSpPr>
+            <p:spPr>
+              <a:xfrm>
+                <a:off x="7669015" y="4402062"/>
+                <a:ext cx="1970283" cy="923330"/>
+              </a:xfrm>
+              <a:prstGeom prst="rect">
+                <a:avLst/>
+              </a:prstGeom>
+              <a:blipFill>
+                <a:blip r:embed="rId6"/>
+                <a:stretch>
+                  <a:fillRect l="-2477" t="-3289" r="-2786" b="-9211"/>
+                </a:stretch>
+              </a:blipFill>
+            </p:spPr>
+            <p:txBody>
+              <a:bodyPr/>
+              <a:lstStyle/>
+              <a:p>
+                <a:r>
+                  <a:rPr lang="ru-RU">
+                    <a:noFill/>
+                  </a:rPr>
+                  <a:t> </a:t>
+                </a:r>
+              </a:p>
+            </p:txBody>
+          </p:sp>
+        </mc:Fallback>
+      </mc:AlternateContent>
+    </p:spTree>
+    <p:extLst>
+      <p:ext uri="{BB962C8B-B14F-4D97-AF65-F5344CB8AC3E}">
+        <p14:creationId xmlns:p14="http://schemas.microsoft.com/office/powerpoint/2010/main" val="485473090"/>
+      </p:ext>
+    </p:extLst>
+  </p:cSld>
+  <p:clrMapOvr>
+    <a:masterClrMapping/>
+  </p:clrMapOvr>
+  <p:timing>
+    <p:tnLst>
+      <p:par>
+        <p:cTn id="1" dur="indefinite" restart="never" nodeType="tmRoot"/>
+      </p:par>
+    </p:tnLst>
+  </p:timing>
+</p:sld>
+</file>
+
+<file path=ppt/slides/slide7.xml><?xml version="1.0" encoding="utf-8"?>
+<p:sld xmlns:a="http://schemas.openxmlformats.org/drawingml/2006/main" xmlns:r="http://schemas.openxmlformats.org/officeDocument/2006/relationships" xmlns:p="http://schemas.openxmlformats.org/presentationml/2006/main">
+  <p:cSld>
+    <p:spTree>
+      <p:nvGrpSpPr>
+        <p:cNvPr id="1" name=""/>
+        <p:cNvGrpSpPr/>
+        <p:nvPr/>
+      </p:nvGrpSpPr>
+      <p:grpSpPr>
+        <a:xfrm>
+          <a:off x="0" y="0"/>
+          <a:ext cx="0" cy="0"/>
+          <a:chOff x="0" y="0"/>
+          <a:chExt cx="0" cy="0"/>
+        </a:xfrm>
+      </p:grpSpPr>
+      <p:sp>
+        <p:nvSpPr>
+          <p:cNvPr id="2" name="Заголовок 1"/>
+          <p:cNvSpPr>
+            <a:spLocks noGrp="1"/>
+          </p:cNvSpPr>
+          <p:nvPr>
+            <p:ph type="title"/>
+          </p:nvPr>
+        </p:nvSpPr>
+        <p:spPr/>
+        <p:txBody>
+          <a:bodyPr/>
+          <a:lstStyle/>
+          <a:p>
+            <a:r>
+              <a:rPr lang="ru-RU" dirty="0" smtClean="0"/>
+              <a:t>Лабораторные работы</a:t>
+            </a:r>
+            <a:endParaRPr lang="ru-RU" dirty="0"/>
+          </a:p>
+        </p:txBody>
+      </p:sp>
+      <p:sp>
+        <p:nvSpPr>
+          <p:cNvPr id="3" name="Объект 2"/>
+          <p:cNvSpPr>
+            <a:spLocks noGrp="1"/>
+          </p:cNvSpPr>
+          <p:nvPr>
+            <p:ph idx="1"/>
+          </p:nvPr>
+        </p:nvSpPr>
+        <p:spPr/>
+        <p:txBody>
+          <a:bodyPr>
+            <a:normAutofit/>
+          </a:bodyPr>
+          <a:lstStyle/>
+          <a:p>
+            <a:r>
+              <a:rPr lang="en-US" sz="2600" dirty="0" smtClean="0"/>
+              <a:t>REST API </a:t>
+            </a:r>
+            <a:r>
+              <a:rPr lang="ru-RU" sz="2600" dirty="0" smtClean="0"/>
+              <a:t>служба (</a:t>
+            </a:r>
+            <a:r>
+              <a:rPr lang="en-US" sz="2600" dirty="0" err="1" smtClean="0"/>
+              <a:t>dotnet</a:t>
+            </a:r>
+            <a:r>
+              <a:rPr lang="en-US" dirty="0" smtClean="0"/>
+              <a:t>, self-hosted)</a:t>
+            </a:r>
+            <a:r>
+              <a:rPr lang="ru-RU" sz="2600" dirty="0" smtClean="0"/>
+              <a:t>.</a:t>
+            </a:r>
+          </a:p>
+          <a:p>
+            <a:endParaRPr lang="ru-RU" sz="2600" dirty="0" smtClean="0"/>
+          </a:p>
+          <a:p>
+            <a:r>
+              <a:rPr lang="ru-RU" sz="2600" dirty="0" smtClean="0"/>
+              <a:t>Задача – продемонстрировать атаку на криптосистему систему с уязвимостью.</a:t>
+            </a:r>
+          </a:p>
+          <a:p>
+            <a:endParaRPr lang="ru-RU" sz="2600" dirty="0" smtClean="0"/>
+          </a:p>
+          <a:p>
+            <a:r>
+              <a:rPr lang="ru-RU" sz="2600" dirty="0" smtClean="0"/>
+              <a:t>Допустимые языки программирования</a:t>
+            </a:r>
+            <a:r>
+              <a:rPr lang="en-US" sz="2600" dirty="0" smtClean="0"/>
+              <a:t>: C++, C#, Python, Java, </a:t>
+            </a:r>
+            <a:r>
+              <a:rPr lang="ru-RU" sz="2600" dirty="0" smtClean="0"/>
+              <a:t>другие?</a:t>
+            </a:r>
+          </a:p>
+          <a:p>
+            <a:endParaRPr lang="ru-RU" sz="2600" dirty="0"/>
+          </a:p>
+          <a:p>
+            <a:r>
+              <a:rPr lang="ru-RU" sz="2600" dirty="0" smtClean="0"/>
+              <a:t>Подробнее</a:t>
+            </a:r>
+            <a:r>
+              <a:rPr lang="en-US" sz="2600" dirty="0" smtClean="0"/>
+              <a:t> </a:t>
+            </a:r>
+            <a:r>
+              <a:rPr lang="ru-RU" sz="2600" dirty="0" smtClean="0"/>
+              <a:t>на лабораторной работе.</a:t>
+            </a:r>
+            <a:endParaRPr lang="en-US" sz="2600" dirty="0" smtClean="0"/>
+          </a:p>
+        </p:txBody>
+      </p:sp>
+      <p:sp>
+        <p:nvSpPr>
+          <p:cNvPr id="4" name="Номер слайда 3"/>
+          <p:cNvSpPr>
+            <a:spLocks noGrp="1"/>
+          </p:cNvSpPr>
+          <p:nvPr>
+            <p:ph type="sldNum" sz="quarter" idx="12"/>
+          </p:nvPr>
+        </p:nvSpPr>
+        <p:spPr/>
+        <p:txBody>
+          <a:bodyPr/>
+          <a:lstStyle/>
+          <a:p>
+            <a:fld id="{8253DDDB-F8F7-4D64-A7FD-3F3D61C1949F}" type="slidenum">
+              <a:rPr lang="ru-RU" smtClean="0"/>
+              <a:t>7</a:t>
+            </a:fld>
+            <a:endParaRPr lang="ru-RU"/>
+          </a:p>
+        </p:txBody>
+      </p:sp>
+    </p:spTree>
+    <p:extLst>
+      <p:ext uri="{BB962C8B-B14F-4D97-AF65-F5344CB8AC3E}">
+        <p14:creationId xmlns:p14="http://schemas.microsoft.com/office/powerpoint/2010/main" val="571061442"/>
+      </p:ext>
+    </p:extLst>
+  </p:cSld>
+  <p:clrMapOvr>
+    <a:masterClrMapping/>
+  </p:clrMapOvr>
+  <p:timing>
+    <p:tnLst>
+      <p:par>
+        <p:cTn id="1" dur="indefinite" restart="never" nodeType="tmRoot"/>
+      </p:par>
+    </p:tnLst>
+  </p:timing>
+</p:sld>
+</file>
+
+<file path=ppt/slides/slide8.xml><?xml version="1.0" encoding="utf-8"?>
 <p:sld xmlns:a="http://schemas.openxmlformats.org/drawingml/2006/main" xmlns:r="http://schemas.openxmlformats.org/officeDocument/2006/relationships" xmlns:p="http://schemas.openxmlformats.org/presentationml/2006/main">
   <p:cSld>
     <p:spTree>
@@ -34082,7 +35924,7 @@
           <a:p>
             <a:fld id="{8253DDDB-F8F7-4D64-A7FD-3F3D61C1949F}" type="slidenum">
               <a:rPr lang="ru-RU" smtClean="0"/>
-              <a:t>5</a:t>
+              <a:t>8</a:t>
             </a:fld>
             <a:endParaRPr lang="ru-RU"/>
           </a:p>
@@ -34092,356 +35934,6 @@
     <p:extLst>
       <p:ext uri="{BB962C8B-B14F-4D97-AF65-F5344CB8AC3E}">
         <p14:creationId xmlns:p14="http://schemas.microsoft.com/office/powerpoint/2010/main" val="955535220"/>
-      </p:ext>
-    </p:extLst>
-  </p:cSld>
-  <p:clrMapOvr>
-    <a:masterClrMapping/>
-  </p:clrMapOvr>
-  <p:timing>
-    <p:tnLst>
-      <p:par>
-        <p:cTn id="1" dur="indefinite" restart="never" nodeType="tmRoot"/>
-      </p:par>
-    </p:tnLst>
-  </p:timing>
-</p:sld>
-</file>
-
-<file path=ppt/slides/slide6.xml><?xml version="1.0" encoding="utf-8"?>
-<p:sld xmlns:a="http://schemas.openxmlformats.org/drawingml/2006/main" xmlns:r="http://schemas.openxmlformats.org/officeDocument/2006/relationships" xmlns:p="http://schemas.openxmlformats.org/presentationml/2006/main">
-  <p:cSld>
-    <p:spTree>
-      <p:nvGrpSpPr>
-        <p:cNvPr id="1" name=""/>
-        <p:cNvGrpSpPr/>
-        <p:nvPr/>
-      </p:nvGrpSpPr>
-      <p:grpSpPr>
-        <a:xfrm>
-          <a:off x="0" y="0"/>
-          <a:ext cx="0" cy="0"/>
-          <a:chOff x="0" y="0"/>
-          <a:chExt cx="0" cy="0"/>
-        </a:xfrm>
-      </p:grpSpPr>
-      <p:sp>
-        <p:nvSpPr>
-          <p:cNvPr id="2" name="Заголовок 1"/>
-          <p:cNvSpPr>
-            <a:spLocks noGrp="1"/>
-          </p:cNvSpPr>
-          <p:nvPr>
-            <p:ph type="title"/>
-          </p:nvPr>
-        </p:nvSpPr>
-        <p:spPr/>
-        <p:txBody>
-          <a:bodyPr/>
-          <a:lstStyle/>
-          <a:p>
-            <a:r>
-              <a:rPr lang="ru-RU" dirty="0" smtClean="0"/>
-              <a:t>Материалы прошлого года</a:t>
-            </a:r>
-            <a:endParaRPr lang="ru-RU" dirty="0"/>
-          </a:p>
-        </p:txBody>
-      </p:sp>
-      <p:sp>
-        <p:nvSpPr>
-          <p:cNvPr id="3" name="Объект 2"/>
-          <p:cNvSpPr>
-            <a:spLocks noGrp="1"/>
-          </p:cNvSpPr>
-          <p:nvPr>
-            <p:ph idx="1"/>
-          </p:nvPr>
-        </p:nvSpPr>
-        <p:spPr/>
-        <p:txBody>
-          <a:bodyPr/>
-          <a:lstStyle/>
-          <a:p>
-            <a:r>
-              <a:rPr lang="ru-RU" dirty="0" smtClean="0"/>
-              <a:t>Курс обновляется в момент чтения. Материалы прошлого года доступны, но еженедельно обновляются.</a:t>
-            </a:r>
-          </a:p>
-          <a:p>
-            <a:r>
-              <a:rPr lang="ru-RU" dirty="0" smtClean="0"/>
-              <a:t>Доверять и использовать нужно только текущие материалы, т.е. материалы всех прошедших в семестре лекций и лабораторных заданий текущего блока.</a:t>
-            </a:r>
-          </a:p>
-          <a:p>
-            <a:r>
-              <a:rPr lang="ru-RU" dirty="0" smtClean="0"/>
-              <a:t>Не рекомендуется выполнять задания «наперёд», так как материал может измениться</a:t>
-            </a:r>
-            <a:endParaRPr lang="ru-RU" dirty="0"/>
-          </a:p>
-        </p:txBody>
-      </p:sp>
-      <p:sp>
-        <p:nvSpPr>
-          <p:cNvPr id="4" name="Номер слайда 3"/>
-          <p:cNvSpPr>
-            <a:spLocks noGrp="1"/>
-          </p:cNvSpPr>
-          <p:nvPr>
-            <p:ph type="sldNum" sz="quarter" idx="12"/>
-          </p:nvPr>
-        </p:nvSpPr>
-        <p:spPr/>
-        <p:txBody>
-          <a:bodyPr/>
-          <a:lstStyle/>
-          <a:p>
-            <a:fld id="{8253DDDB-F8F7-4D64-A7FD-3F3D61C1949F}" type="slidenum">
-              <a:rPr lang="ru-RU" smtClean="0"/>
-              <a:t>6</a:t>
-            </a:fld>
-            <a:endParaRPr lang="ru-RU"/>
-          </a:p>
-        </p:txBody>
-      </p:sp>
-    </p:spTree>
-    <p:extLst>
-      <p:ext uri="{BB962C8B-B14F-4D97-AF65-F5344CB8AC3E}">
-        <p14:creationId xmlns:p14="http://schemas.microsoft.com/office/powerpoint/2010/main" val="2101432564"/>
-      </p:ext>
-    </p:extLst>
-  </p:cSld>
-  <p:clrMapOvr>
-    <a:masterClrMapping/>
-  </p:clrMapOvr>
-  <p:timing>
-    <p:tnLst>
-      <p:par>
-        <p:cTn id="1" dur="indefinite" restart="never" nodeType="tmRoot"/>
-      </p:par>
-    </p:tnLst>
-  </p:timing>
-</p:sld>
-</file>
-
-<file path=ppt/slides/slide7.xml><?xml version="1.0" encoding="utf-8"?>
-<p:sld xmlns:a="http://schemas.openxmlformats.org/drawingml/2006/main" xmlns:r="http://schemas.openxmlformats.org/officeDocument/2006/relationships" xmlns:p="http://schemas.openxmlformats.org/presentationml/2006/main">
-  <p:cSld>
-    <p:spTree>
-      <p:nvGrpSpPr>
-        <p:cNvPr id="1" name=""/>
-        <p:cNvGrpSpPr/>
-        <p:nvPr/>
-      </p:nvGrpSpPr>
-      <p:grpSpPr>
-        <a:xfrm>
-          <a:off x="0" y="0"/>
-          <a:ext cx="0" cy="0"/>
-          <a:chOff x="0" y="0"/>
-          <a:chExt cx="0" cy="0"/>
-        </a:xfrm>
-      </p:grpSpPr>
-      <p:sp>
-        <p:nvSpPr>
-          <p:cNvPr id="2" name="Заголовок 1"/>
-          <p:cNvSpPr>
-            <a:spLocks noGrp="1"/>
-          </p:cNvSpPr>
-          <p:nvPr>
-            <p:ph type="title"/>
-          </p:nvPr>
-        </p:nvSpPr>
-        <p:spPr/>
-        <p:txBody>
-          <a:bodyPr/>
-          <a:lstStyle/>
-          <a:p>
-            <a:r>
-              <a:rPr lang="ru-RU" dirty="0"/>
-              <a:t>Материалы прошлого года</a:t>
-            </a:r>
-          </a:p>
-        </p:txBody>
-      </p:sp>
-      <p:sp>
-        <p:nvSpPr>
-          <p:cNvPr id="4" name="Номер слайда 3"/>
-          <p:cNvSpPr>
-            <a:spLocks noGrp="1"/>
-          </p:cNvSpPr>
-          <p:nvPr>
-            <p:ph type="sldNum" sz="quarter" idx="12"/>
-          </p:nvPr>
-        </p:nvSpPr>
-        <p:spPr/>
-        <p:txBody>
-          <a:bodyPr/>
-          <a:lstStyle/>
-          <a:p>
-            <a:fld id="{8253DDDB-F8F7-4D64-A7FD-3F3D61C1949F}" type="slidenum">
-              <a:rPr lang="ru-RU" smtClean="0"/>
-              <a:t>7</a:t>
-            </a:fld>
-            <a:endParaRPr lang="ru-RU"/>
-          </a:p>
-        </p:txBody>
-      </p:sp>
-      <p:pic>
-        <p:nvPicPr>
-          <p:cNvPr id="5" name="Рисунок 4"/>
-          <p:cNvPicPr>
-            <a:picLocks noChangeAspect="1"/>
-          </p:cNvPicPr>
-          <p:nvPr/>
-        </p:nvPicPr>
-        <p:blipFill>
-          <a:blip r:embed="rId2"/>
-          <a:stretch>
-            <a:fillRect/>
-          </a:stretch>
-        </p:blipFill>
-        <p:spPr>
-          <a:xfrm>
-            <a:off x="838200" y="1513816"/>
-            <a:ext cx="6743700" cy="2152650"/>
-          </a:xfrm>
-          <a:prstGeom prst="rect">
-            <a:avLst/>
-          </a:prstGeom>
-        </p:spPr>
-      </p:pic>
-      <p:pic>
-        <p:nvPicPr>
-          <p:cNvPr id="6" name="Рисунок 5"/>
-          <p:cNvPicPr>
-            <a:picLocks noChangeAspect="1"/>
-          </p:cNvPicPr>
-          <p:nvPr/>
-        </p:nvPicPr>
-        <p:blipFill>
-          <a:blip r:embed="rId3"/>
-          <a:stretch>
-            <a:fillRect/>
-          </a:stretch>
-        </p:blipFill>
-        <p:spPr>
-          <a:xfrm>
-            <a:off x="4176712" y="4093978"/>
-            <a:ext cx="6810375" cy="1933575"/>
-          </a:xfrm>
-          <a:prstGeom prst="rect">
-            <a:avLst/>
-          </a:prstGeom>
-        </p:spPr>
-      </p:pic>
-    </p:spTree>
-    <p:extLst>
-      <p:ext uri="{BB962C8B-B14F-4D97-AF65-F5344CB8AC3E}">
-        <p14:creationId xmlns:p14="http://schemas.microsoft.com/office/powerpoint/2010/main" val="3256979883"/>
-      </p:ext>
-    </p:extLst>
-  </p:cSld>
-  <p:clrMapOvr>
-    <a:masterClrMapping/>
-  </p:clrMapOvr>
-  <p:timing>
-    <p:tnLst>
-      <p:par>
-        <p:cTn id="1" dur="indefinite" restart="never" nodeType="tmRoot"/>
-      </p:par>
-    </p:tnLst>
-  </p:timing>
-</p:sld>
-</file>
-
-<file path=ppt/slides/slide8.xml><?xml version="1.0" encoding="utf-8"?>
-<p:sld xmlns:a="http://schemas.openxmlformats.org/drawingml/2006/main" xmlns:r="http://schemas.openxmlformats.org/officeDocument/2006/relationships" xmlns:p="http://schemas.openxmlformats.org/presentationml/2006/main">
-  <p:cSld>
-    <p:spTree>
-      <p:nvGrpSpPr>
-        <p:cNvPr id="1" name=""/>
-        <p:cNvGrpSpPr/>
-        <p:nvPr/>
-      </p:nvGrpSpPr>
-      <p:grpSpPr>
-        <a:xfrm>
-          <a:off x="0" y="0"/>
-          <a:ext cx="0" cy="0"/>
-          <a:chOff x="0" y="0"/>
-          <a:chExt cx="0" cy="0"/>
-        </a:xfrm>
-      </p:grpSpPr>
-      <p:sp>
-        <p:nvSpPr>
-          <p:cNvPr id="2" name="Заголовок 1"/>
-          <p:cNvSpPr>
-            <a:spLocks noGrp="1"/>
-          </p:cNvSpPr>
-          <p:nvPr>
-            <p:ph type="title"/>
-          </p:nvPr>
-        </p:nvSpPr>
-        <p:spPr/>
-        <p:txBody>
-          <a:bodyPr/>
-          <a:lstStyle/>
-          <a:p>
-            <a:r>
-              <a:rPr lang="ru-RU" dirty="0" smtClean="0"/>
-              <a:t>Обратная связь и пожелания по курсу</a:t>
-            </a:r>
-            <a:endParaRPr lang="ru-RU" dirty="0"/>
-          </a:p>
-        </p:txBody>
-      </p:sp>
-      <p:sp>
-        <p:nvSpPr>
-          <p:cNvPr id="3" name="Объект 2"/>
-          <p:cNvSpPr>
-            <a:spLocks noGrp="1"/>
-          </p:cNvSpPr>
-          <p:nvPr>
-            <p:ph idx="1"/>
-          </p:nvPr>
-        </p:nvSpPr>
-        <p:spPr/>
-        <p:txBody>
-          <a:bodyPr/>
-          <a:lstStyle/>
-          <a:p>
-            <a:endParaRPr lang="ru-RU"/>
-          </a:p>
-        </p:txBody>
-      </p:sp>
-      <p:sp>
-        <p:nvSpPr>
-          <p:cNvPr id="4" name="Номер слайда 3"/>
-          <p:cNvSpPr>
-            <a:spLocks noGrp="1"/>
-          </p:cNvSpPr>
-          <p:nvPr>
-            <p:ph type="sldNum" sz="quarter" idx="12"/>
-          </p:nvPr>
-        </p:nvSpPr>
-        <p:spPr/>
-        <p:txBody>
-          <a:bodyPr/>
-          <a:lstStyle/>
-          <a:p>
-            <a:fld id="{8253DDDB-F8F7-4D64-A7FD-3F3D61C1949F}" type="slidenum">
-              <a:rPr lang="ru-RU" smtClean="0"/>
-              <a:t>8</a:t>
-            </a:fld>
-            <a:endParaRPr lang="ru-RU"/>
-          </a:p>
-        </p:txBody>
-      </p:sp>
-    </p:spTree>
-    <p:extLst>
-      <p:ext uri="{BB962C8B-B14F-4D97-AF65-F5344CB8AC3E}">
-        <p14:creationId xmlns:p14="http://schemas.microsoft.com/office/powerpoint/2010/main" val="1373692536"/>
       </p:ext>
     </p:extLst>
   </p:cSld>
@@ -34492,15 +35984,42 @@
           <a:p>
             <a:r>
               <a:rPr lang="ru-RU" dirty="0" smtClean="0"/>
-              <a:t>Историческая задача криптографической защит</a:t>
-            </a:r>
-            <a:r>
-              <a:rPr lang="ru-RU" dirty="0"/>
-              <a:t>е</a:t>
-            </a:r>
+              <a:t>Материалы прошлого года</a:t>
+            </a:r>
+            <a:endParaRPr lang="ru-RU" dirty="0"/>
+          </a:p>
+        </p:txBody>
+      </p:sp>
+      <p:sp>
+        <p:nvSpPr>
+          <p:cNvPr id="3" name="Объект 2"/>
+          <p:cNvSpPr>
+            <a:spLocks noGrp="1"/>
+          </p:cNvSpPr>
+          <p:nvPr>
+            <p:ph idx="1"/>
+          </p:nvPr>
+        </p:nvSpPr>
+        <p:spPr/>
+        <p:txBody>
+          <a:bodyPr/>
+          <a:lstStyle/>
+          <a:p>
             <a:r>
               <a:rPr lang="ru-RU" dirty="0" smtClean="0"/>
-              <a:t> информации</a:t>
+              <a:t>Курс обновляется в момент чтения. Материалы прошлого года доступны, но еженедельно обновляются.</a:t>
+            </a:r>
+          </a:p>
+          <a:p>
+            <a:r>
+              <a:rPr lang="ru-RU" dirty="0" smtClean="0"/>
+              <a:t>Доверять и использовать нужно только текущие материалы, т.е. материалы всех прошедших в семестре лекций и лабораторных заданий текущего блока.</a:t>
+            </a:r>
+          </a:p>
+          <a:p>
+            <a:r>
+              <a:rPr lang="ru-RU" dirty="0" smtClean="0"/>
+              <a:t>Не рекомендуется выполнять задания «наперёд», так как материал может измениться</a:t>
             </a:r>
             <a:endParaRPr lang="ru-RU" dirty="0"/>
           </a:p>
@@ -34529,490 +36048,10 @@
           </a:p>
         </p:txBody>
       </p:sp>
-      <p:grpSp>
-        <p:nvGrpSpPr>
-          <p:cNvPr id="5" name="Group 17"/>
-          <p:cNvGrpSpPr/>
-          <p:nvPr/>
-        </p:nvGrpSpPr>
-        <p:grpSpPr>
-          <a:xfrm>
-            <a:off x="1397251" y="3482943"/>
-            <a:ext cx="1635660" cy="1523622"/>
-            <a:chOff x="4038600" y="1123950"/>
-            <a:chExt cx="1076739" cy="990600"/>
-          </a:xfrm>
-        </p:grpSpPr>
-        <p:pic>
-          <p:nvPicPr>
-            <p:cNvPr id="6" name="Picture 18"/>
-            <p:cNvPicPr>
-              <a:picLocks noChangeAspect="1"/>
-            </p:cNvPicPr>
-            <p:nvPr/>
-          </p:nvPicPr>
-          <p:blipFill>
-            <a:blip r:embed="rId2"/>
-            <a:stretch>
-              <a:fillRect/>
-            </a:stretch>
-          </p:blipFill>
-          <p:spPr>
-            <a:xfrm flipH="1">
-              <a:off x="4038600" y="1123950"/>
-              <a:ext cx="1076739" cy="990600"/>
-            </a:xfrm>
-            <a:prstGeom prst="rect">
-              <a:avLst/>
-            </a:prstGeom>
-          </p:spPr>
-        </p:pic>
-        <p:sp>
-          <p:nvSpPr>
-            <p:cNvPr id="7" name="TextBox 6"/>
-            <p:cNvSpPr txBox="1"/>
-            <p:nvPr/>
-          </p:nvSpPr>
-          <p:spPr>
-            <a:xfrm>
-              <a:off x="4343400" y="1200150"/>
-              <a:ext cx="771939" cy="380198"/>
-            </a:xfrm>
-            <a:prstGeom prst="rect">
-              <a:avLst/>
-            </a:prstGeom>
-            <a:noFill/>
-          </p:spPr>
-          <p:txBody>
-            <a:bodyPr wrap="square" rtlCol="0">
-              <a:spAutoFit/>
-            </a:bodyPr>
-            <a:lstStyle/>
-            <a:p>
-              <a:r>
-                <a:rPr lang="en-US" sz="3200" dirty="0" smtClean="0"/>
-                <a:t>Alice</a:t>
-              </a:r>
-              <a:endParaRPr lang="en-US" sz="3200" dirty="0"/>
-            </a:p>
-          </p:txBody>
-        </p:sp>
-      </p:grpSp>
-      <p:grpSp>
-        <p:nvGrpSpPr>
-          <p:cNvPr id="8" name="Group 17"/>
-          <p:cNvGrpSpPr/>
-          <p:nvPr/>
-        </p:nvGrpSpPr>
-        <p:grpSpPr>
-          <a:xfrm>
-            <a:off x="8918418" y="3482943"/>
-            <a:ext cx="1635660" cy="1523622"/>
-            <a:chOff x="4038600" y="1123950"/>
-            <a:chExt cx="1076739" cy="990600"/>
-          </a:xfrm>
-        </p:grpSpPr>
-        <p:pic>
-          <p:nvPicPr>
-            <p:cNvPr id="9" name="Picture 18"/>
-            <p:cNvPicPr>
-              <a:picLocks noChangeAspect="1"/>
-            </p:cNvPicPr>
-            <p:nvPr/>
-          </p:nvPicPr>
-          <p:blipFill>
-            <a:blip r:embed="rId2"/>
-            <a:stretch>
-              <a:fillRect/>
-            </a:stretch>
-          </p:blipFill>
-          <p:spPr>
-            <a:xfrm flipH="1">
-              <a:off x="4038600" y="1123950"/>
-              <a:ext cx="1076739" cy="990600"/>
-            </a:xfrm>
-            <a:prstGeom prst="rect">
-              <a:avLst/>
-            </a:prstGeom>
-          </p:spPr>
-        </p:pic>
-        <p:sp>
-          <p:nvSpPr>
-            <p:cNvPr id="10" name="TextBox 9"/>
-            <p:cNvSpPr txBox="1"/>
-            <p:nvPr/>
-          </p:nvSpPr>
-          <p:spPr>
-            <a:xfrm>
-              <a:off x="4343400" y="1200150"/>
-              <a:ext cx="771939" cy="380198"/>
-            </a:xfrm>
-            <a:prstGeom prst="rect">
-              <a:avLst/>
-            </a:prstGeom>
-            <a:noFill/>
-          </p:spPr>
-          <p:txBody>
-            <a:bodyPr wrap="square" rtlCol="0">
-              <a:spAutoFit/>
-            </a:bodyPr>
-            <a:lstStyle/>
-            <a:p>
-              <a:r>
-                <a:rPr lang="en-US" sz="3200" dirty="0" smtClean="0"/>
-                <a:t>Bob</a:t>
-              </a:r>
-            </a:p>
-          </p:txBody>
-        </p:sp>
-      </p:grpSp>
-      <p:cxnSp>
-        <p:nvCxnSpPr>
-          <p:cNvPr id="11" name="Прямая со стрелкой 10"/>
-          <p:cNvCxnSpPr/>
-          <p:nvPr/>
-        </p:nvCxnSpPr>
-        <p:spPr>
-          <a:xfrm>
-            <a:off x="3277848" y="4184920"/>
-            <a:ext cx="5568142" cy="0"/>
-          </a:xfrm>
-          <a:prstGeom prst="straightConnector1">
-            <a:avLst/>
-          </a:prstGeom>
-          <a:ln w="76200">
-            <a:tailEnd type="triangle"/>
-          </a:ln>
-        </p:spPr>
-        <p:style>
-          <a:lnRef idx="1">
-            <a:schemeClr val="accent1"/>
-          </a:lnRef>
-          <a:fillRef idx="0">
-            <a:schemeClr val="accent1"/>
-          </a:fillRef>
-          <a:effectRef idx="0">
-            <a:schemeClr val="accent1"/>
-          </a:effectRef>
-          <a:fontRef idx="minor">
-            <a:schemeClr val="tx1"/>
-          </a:fontRef>
-        </p:style>
-      </p:cxnSp>
-      <mc:AlternateContent xmlns:mc="http://schemas.openxmlformats.org/markup-compatibility/2006" xmlns:a14="http://schemas.microsoft.com/office/drawing/2010/main">
-        <mc:Choice Requires="a14">
-          <p:sp>
-            <p:nvSpPr>
-              <p:cNvPr id="12" name="TextBox 11"/>
-              <p:cNvSpPr txBox="1"/>
-              <p:nvPr/>
-            </p:nvSpPr>
-            <p:spPr>
-              <a:xfrm>
-                <a:off x="5289528" y="3600145"/>
-                <a:ext cx="1117998" cy="523220"/>
-              </a:xfrm>
-              <a:prstGeom prst="rect">
-                <a:avLst/>
-              </a:prstGeom>
-              <a:noFill/>
-            </p:spPr>
-            <p:txBody>
-              <a:bodyPr wrap="none" rtlCol="0">
-                <a:spAutoFit/>
-              </a:bodyPr>
-              <a:lstStyle/>
-              <a:p>
-                <a:pPr/>
-                <a14:m>
-                  <m:oMathPara xmlns:m="http://schemas.openxmlformats.org/officeDocument/2006/math">
-                    <m:oMathParaPr>
-                      <m:jc m:val="centerGroup"/>
-                    </m:oMathParaPr>
-                    <m:oMath xmlns:m="http://schemas.openxmlformats.org/officeDocument/2006/math">
-                      <m:r>
-                        <a:rPr lang="en-US" sz="2800" b="0" i="1" smtClean="0">
-                          <a:latin typeface="Cambria Math" panose="02040503050406030204" pitchFamily="18" charset="0"/>
-                        </a:rPr>
-                        <m:t>𝐸</m:t>
-                      </m:r>
-                      <m:r>
-                        <a:rPr lang="en-US" sz="2800" b="0" i="1" smtClean="0">
-                          <a:latin typeface="Cambria Math" panose="02040503050406030204" pitchFamily="18" charset="0"/>
-                        </a:rPr>
-                        <m:t>(</m:t>
-                      </m:r>
-                      <m:r>
-                        <a:rPr lang="en-US" sz="2800" b="0" i="1" smtClean="0">
-                          <a:latin typeface="Cambria Math" panose="02040503050406030204" pitchFamily="18" charset="0"/>
-                        </a:rPr>
-                        <m:t>𝑀</m:t>
-                      </m:r>
-                      <m:r>
-                        <a:rPr lang="en-US" sz="2800" b="0" i="1" smtClean="0">
-                          <a:latin typeface="Cambria Math" panose="02040503050406030204" pitchFamily="18" charset="0"/>
-                        </a:rPr>
-                        <m:t>)</m:t>
-                      </m:r>
-                    </m:oMath>
-                  </m:oMathPara>
-                </a14:m>
-                <a:endParaRPr lang="ru-RU" sz="2800" dirty="0"/>
-              </a:p>
-            </p:txBody>
-          </p:sp>
-        </mc:Choice>
-        <mc:Fallback xmlns="">
-          <p:sp>
-            <p:nvSpPr>
-              <p:cNvPr id="12" name="TextBox 11"/>
-              <p:cNvSpPr txBox="1">
-                <a:spLocks noRot="1" noChangeAspect="1" noMove="1" noResize="1" noEditPoints="1" noAdjustHandles="1" noChangeArrowheads="1" noChangeShapeType="1" noTextEdit="1"/>
-              </p:cNvSpPr>
-              <p:nvPr/>
-            </p:nvSpPr>
-            <p:spPr>
-              <a:xfrm>
-                <a:off x="5289528" y="3600145"/>
-                <a:ext cx="1117998" cy="523220"/>
-              </a:xfrm>
-              <a:prstGeom prst="rect">
-                <a:avLst/>
-              </a:prstGeom>
-              <a:blipFill>
-                <a:blip r:embed="rId3"/>
-                <a:stretch>
-                  <a:fillRect/>
-                </a:stretch>
-              </a:blipFill>
-            </p:spPr>
-            <p:txBody>
-              <a:bodyPr/>
-              <a:lstStyle/>
-              <a:p>
-                <a:r>
-                  <a:rPr lang="ru-RU">
-                    <a:noFill/>
-                  </a:rPr>
-                  <a:t> </a:t>
-                </a:r>
-              </a:p>
-            </p:txBody>
-          </p:sp>
-        </mc:Fallback>
-      </mc:AlternateContent>
-      <p:sp>
-        <p:nvSpPr>
-          <p:cNvPr id="13" name="Объект 2"/>
-          <p:cNvSpPr>
-            <a:spLocks noGrp="1"/>
-          </p:cNvSpPr>
-          <p:nvPr>
-            <p:ph idx="1"/>
-          </p:nvPr>
-        </p:nvSpPr>
-        <p:spPr>
-          <a:xfrm>
-            <a:off x="828705" y="1815451"/>
-            <a:ext cx="10741182" cy="2166953"/>
-          </a:xfrm>
-        </p:spPr>
-        <p:txBody>
-          <a:bodyPr>
-            <a:normAutofit/>
-          </a:bodyPr>
-          <a:lstStyle/>
-          <a:p>
-            <a:r>
-              <a:rPr lang="ru-RU" sz="2600" dirty="0" smtClean="0"/>
-              <a:t>Передача зашифрованного сообщения по открытому каналу</a:t>
-            </a:r>
-          </a:p>
-          <a:p>
-            <a:r>
-              <a:rPr lang="ru-RU" sz="2600" dirty="0" smtClean="0"/>
-              <a:t>При перехвате зашифрованного сообщения открытый текст должен остаться неизвестным для злоумышленника </a:t>
-            </a:r>
-            <a:endParaRPr lang="en-US" sz="2600" dirty="0" smtClean="0"/>
-          </a:p>
-        </p:txBody>
-      </p:sp>
-      <p:cxnSp>
-        <p:nvCxnSpPr>
-          <p:cNvPr id="17" name="Прямая со стрелкой 16"/>
-          <p:cNvCxnSpPr/>
-          <p:nvPr/>
-        </p:nvCxnSpPr>
-        <p:spPr>
-          <a:xfrm>
-            <a:off x="5866646" y="4300396"/>
-            <a:ext cx="0" cy="1222218"/>
-          </a:xfrm>
-          <a:prstGeom prst="straightConnector1">
-            <a:avLst/>
-          </a:prstGeom>
-          <a:ln w="76200">
-            <a:tailEnd type="triangle"/>
-          </a:ln>
-        </p:spPr>
-        <p:style>
-          <a:lnRef idx="1">
-            <a:schemeClr val="accent2"/>
-          </a:lnRef>
-          <a:fillRef idx="0">
-            <a:schemeClr val="accent2"/>
-          </a:fillRef>
-          <a:effectRef idx="0">
-            <a:schemeClr val="accent2"/>
-          </a:effectRef>
-          <a:fontRef idx="minor">
-            <a:schemeClr val="tx1"/>
-          </a:fontRef>
-        </p:style>
-      </p:cxnSp>
-      <p:pic>
-        <p:nvPicPr>
-          <p:cNvPr id="19" name="Рисунок 18"/>
-          <p:cNvPicPr>
-            <a:picLocks noChangeAspect="1"/>
-          </p:cNvPicPr>
-          <p:nvPr/>
-        </p:nvPicPr>
-        <p:blipFill>
-          <a:blip r:embed="rId4">
-            <a:extLst>
-              <a:ext uri="{28A0092B-C50C-407E-A947-70E740481C1C}">
-                <a14:useLocalDpi xmlns:a14="http://schemas.microsoft.com/office/drawing/2010/main" val="0"/>
-              </a:ext>
-            </a:extLst>
-          </a:blip>
-          <a:stretch>
-            <a:fillRect/>
-          </a:stretch>
-        </p:blipFill>
-        <p:spPr>
-          <a:xfrm>
-            <a:off x="5403534" y="5638089"/>
-            <a:ext cx="1003992" cy="987799"/>
-          </a:xfrm>
-          <a:prstGeom prst="rect">
-            <a:avLst/>
-          </a:prstGeom>
-        </p:spPr>
-      </p:pic>
-      <mc:AlternateContent xmlns:mc="http://schemas.openxmlformats.org/markup-compatibility/2006" xmlns:a14="http://schemas.microsoft.com/office/drawing/2010/main">
-        <mc:Choice Requires="a14">
-          <p:sp>
-            <p:nvSpPr>
-              <p:cNvPr id="20" name="Выноска-облако 19"/>
-              <p:cNvSpPr/>
-              <p:nvPr/>
-            </p:nvSpPr>
-            <p:spPr>
-              <a:xfrm>
-                <a:off x="6704714" y="4566761"/>
-                <a:ext cx="1548143" cy="1002715"/>
-              </a:xfrm>
-              <a:prstGeom prst="cloudCallout">
-                <a:avLst>
-                  <a:gd name="adj1" fmla="val -68201"/>
-                  <a:gd name="adj2" fmla="val 72432"/>
-                </a:avLst>
-              </a:prstGeom>
-            </p:spPr>
-            <p:style>
-              <a:lnRef idx="2">
-                <a:schemeClr val="accent2">
-                  <a:shade val="50000"/>
-                </a:schemeClr>
-              </a:lnRef>
-              <a:fillRef idx="1">
-                <a:schemeClr val="accent2"/>
-              </a:fillRef>
-              <a:effectRef idx="0">
-                <a:schemeClr val="accent2"/>
-              </a:effectRef>
-              <a:fontRef idx="minor">
-                <a:schemeClr val="lt1"/>
-              </a:fontRef>
-            </p:style>
-            <p:txBody>
-              <a:bodyPr rtlCol="0" anchor="ctr"/>
-              <a:lstStyle/>
-              <a:p>
-                <a:pPr algn="ctr"/>
-                <a14:m>
-                  <m:oMathPara xmlns:m="http://schemas.openxmlformats.org/officeDocument/2006/math">
-                    <m:oMathParaPr>
-                      <m:jc m:val="centerGroup"/>
-                    </m:oMathParaPr>
-                    <m:oMath xmlns:m="http://schemas.openxmlformats.org/officeDocument/2006/math">
-                      <m:r>
-                        <a:rPr lang="en-US" sz="2800" b="0" i="1" smtClean="0">
-                          <a:latin typeface="Cambria Math" panose="02040503050406030204" pitchFamily="18" charset="0"/>
-                        </a:rPr>
-                        <m:t>𝑀</m:t>
-                      </m:r>
-                      <m:r>
-                        <a:rPr lang="en-US" sz="2800" b="0" i="1" smtClean="0">
-                          <a:latin typeface="Cambria Math" panose="02040503050406030204" pitchFamily="18" charset="0"/>
-                        </a:rPr>
-                        <m:t>?</m:t>
-                      </m:r>
-                    </m:oMath>
-                  </m:oMathPara>
-                </a14:m>
-                <a:endParaRPr lang="ru-RU" sz="2800" dirty="0"/>
-              </a:p>
-            </p:txBody>
-          </p:sp>
-        </mc:Choice>
-        <mc:Fallback xmlns="">
-          <p:sp>
-            <p:nvSpPr>
-              <p:cNvPr id="20" name="Выноска-облако 19"/>
-              <p:cNvSpPr>
-                <a:spLocks noRot="1" noChangeAspect="1" noMove="1" noResize="1" noEditPoints="1" noAdjustHandles="1" noChangeArrowheads="1" noChangeShapeType="1" noTextEdit="1"/>
-              </p:cNvSpPr>
-              <p:nvPr/>
-            </p:nvSpPr>
-            <p:spPr>
-              <a:xfrm>
-                <a:off x="6704714" y="4566761"/>
-                <a:ext cx="1548143" cy="1002715"/>
-              </a:xfrm>
-              <a:prstGeom prst="cloudCallout">
-                <a:avLst>
-                  <a:gd name="adj1" fmla="val -68201"/>
-                  <a:gd name="adj2" fmla="val 72432"/>
-                </a:avLst>
-              </a:prstGeom>
-              <a:blipFill>
-                <a:blip r:embed="rId5"/>
-                <a:stretch>
-                  <a:fillRect/>
-                </a:stretch>
-              </a:blipFill>
-            </p:spPr>
-            <p:txBody>
-              <a:bodyPr/>
-              <a:lstStyle/>
-              <a:p>
-                <a:r>
-                  <a:rPr lang="ru-RU">
-                    <a:noFill/>
-                  </a:rPr>
-                  <a:t> </a:t>
-                </a:r>
-              </a:p>
-            </p:txBody>
-          </p:sp>
-        </mc:Fallback>
-      </mc:AlternateContent>
     </p:spTree>
     <p:extLst>
       <p:ext uri="{BB962C8B-B14F-4D97-AF65-F5344CB8AC3E}">
-        <p14:creationId xmlns:p14="http://schemas.microsoft.com/office/powerpoint/2010/main" val="1090348094"/>
+        <p14:creationId xmlns:p14="http://schemas.microsoft.com/office/powerpoint/2010/main" val="2101432564"/>
       </p:ext>
     </p:extLst>
   </p:cSld>

--- a/Lectures/Lecture1.pptx
+++ b/Lectures/Lecture1.pptx
@@ -331,7 +331,7 @@
           <a:p>
             <a:fld id="{CBA08D16-15DC-4E25-BDC3-F25146157B16}" type="datetimeFigureOut">
               <a:rPr lang="ru-RU" smtClean="0"/>
-              <a:t>07.09.2023</a:t>
+              <a:t>09.09.2024</a:t>
             </a:fld>
             <a:endParaRPr lang="ru-RU"/>
           </a:p>
@@ -910,7 +910,7 @@
           <a:p>
             <a:fld id="{FCEC8293-DB51-454A-BE81-EC8FCB31EBA2}" type="datetime1">
               <a:rPr lang="ru-RU" smtClean="0"/>
-              <a:t>07.09.2023</a:t>
+              <a:t>09.09.2024</a:t>
             </a:fld>
             <a:endParaRPr lang="ru-RU"/>
           </a:p>
@@ -1084,7 +1084,7 @@
           <a:p>
             <a:fld id="{241C87B1-1C35-4DBD-BC18-2BC72E776603}" type="datetime1">
               <a:rPr lang="ru-RU" smtClean="0"/>
-              <a:t>07.09.2023</a:t>
+              <a:t>09.09.2024</a:t>
             </a:fld>
             <a:endParaRPr lang="ru-RU"/>
           </a:p>
@@ -1268,7 +1268,7 @@
           <a:p>
             <a:fld id="{3134C275-26C0-42CD-9111-9ADE65922AF9}" type="datetime1">
               <a:rPr lang="ru-RU" smtClean="0"/>
-              <a:t>07.09.2023</a:t>
+              <a:t>09.09.2024</a:t>
             </a:fld>
             <a:endParaRPr lang="ru-RU"/>
           </a:p>
@@ -1442,7 +1442,7 @@
           <a:p>
             <a:fld id="{C1A9A50B-C350-45F5-8AAB-ADB9E670AF2E}" type="datetime1">
               <a:rPr lang="ru-RU" smtClean="0"/>
-              <a:t>07.09.2023</a:t>
+              <a:t>09.09.2024</a:t>
             </a:fld>
             <a:endParaRPr lang="ru-RU"/>
           </a:p>
@@ -1692,7 +1692,7 @@
           <a:p>
             <a:fld id="{089688C9-348F-42F9-B6C0-5990DDE0C5B2}" type="datetime1">
               <a:rPr lang="ru-RU" smtClean="0"/>
-              <a:t>07.09.2023</a:t>
+              <a:t>09.09.2024</a:t>
             </a:fld>
             <a:endParaRPr lang="ru-RU"/>
           </a:p>
@@ -1928,7 +1928,7 @@
           <a:p>
             <a:fld id="{684AFD8F-6DD9-4AD3-A505-FDC3F5C5F3F6}" type="datetime1">
               <a:rPr lang="ru-RU" smtClean="0"/>
-              <a:t>07.09.2023</a:t>
+              <a:t>09.09.2024</a:t>
             </a:fld>
             <a:endParaRPr lang="ru-RU"/>
           </a:p>
@@ -2299,7 +2299,7 @@
           <a:p>
             <a:fld id="{63551EFE-4D02-45EB-A747-8B6F047B5AA0}" type="datetime1">
               <a:rPr lang="ru-RU" smtClean="0"/>
-              <a:t>07.09.2023</a:t>
+              <a:t>09.09.2024</a:t>
             </a:fld>
             <a:endParaRPr lang="ru-RU"/>
           </a:p>
@@ -2421,7 +2421,7 @@
           <a:p>
             <a:fld id="{813A9F34-E5CD-4B8F-AA9E-889C84372B20}" type="datetime1">
               <a:rPr lang="ru-RU" smtClean="0"/>
-              <a:t>07.09.2023</a:t>
+              <a:t>09.09.2024</a:t>
             </a:fld>
             <a:endParaRPr lang="ru-RU"/>
           </a:p>
@@ -2520,7 +2520,7 @@
           <a:p>
             <a:fld id="{51224D22-9B29-44A6-8E82-95FC492DEDC1}" type="datetime1">
               <a:rPr lang="ru-RU" smtClean="0"/>
-              <a:t>07.09.2023</a:t>
+              <a:t>09.09.2024</a:t>
             </a:fld>
             <a:endParaRPr lang="ru-RU"/>
           </a:p>
@@ -2801,7 +2801,7 @@
           <a:p>
             <a:fld id="{91D1034F-4441-48A1-BDC0-25EA1022324A}" type="datetime1">
               <a:rPr lang="ru-RU" smtClean="0"/>
-              <a:t>07.09.2023</a:t>
+              <a:t>09.09.2024</a:t>
             </a:fld>
             <a:endParaRPr lang="ru-RU"/>
           </a:p>
@@ -3058,7 +3058,7 @@
           <a:p>
             <a:fld id="{B0FFDE79-B627-473B-AE17-4C65BD2495F7}" type="datetime1">
               <a:rPr lang="ru-RU" smtClean="0"/>
-              <a:t>07.09.2023</a:t>
+              <a:t>09.09.2024</a:t>
             </a:fld>
             <a:endParaRPr lang="ru-RU"/>
           </a:p>
@@ -3275,7 +3275,7 @@
           <a:p>
             <a:fld id="{11CA537A-1B8C-47BA-9BA6-7CE3FAFDA8BE}" type="datetime1">
               <a:rPr lang="ru-RU" smtClean="0"/>
-              <a:t>07.09.2023</a:t>
+              <a:t>09.09.2024</a:t>
             </a:fld>
             <a:endParaRPr lang="ru-RU"/>
           </a:p>
@@ -3784,12 +3784,12 @@
           </a:p>
           <a:p>
             <a:r>
-              <a:rPr lang="ru-RU" dirty="0" smtClean="0"/>
-              <a:t>МИФИ 202</a:t>
-            </a:r>
-            <a:r>
-              <a:rPr lang="en-US" dirty="0"/>
-              <a:t>3</a:t>
+              <a:rPr lang="ru-RU" smtClean="0"/>
+              <a:t>МИФИ </a:t>
+            </a:r>
+            <a:r>
+              <a:rPr lang="ru-RU" smtClean="0"/>
+              <a:t>2024</a:t>
             </a:r>
             <a:endParaRPr lang="ru-RU" dirty="0"/>
           </a:p>
@@ -25619,8 +25619,8 @@
           </a:p>
         </p:txBody>
       </p:sp>
-      <mc:AlternateContent xmlns:mc="http://schemas.openxmlformats.org/markup-compatibility/2006">
-        <mc:Choice xmlns:a14="http://schemas.microsoft.com/office/drawing/2010/main" Requires="a14">
+      <mc:AlternateContent xmlns:mc="http://schemas.openxmlformats.org/markup-compatibility/2006" xmlns:a14="http://schemas.microsoft.com/office/drawing/2010/main">
+        <mc:Choice Requires="a14">
           <p:sp>
             <p:nvSpPr>
               <p:cNvPr id="3" name="Объект 2"/>
@@ -26479,15 +26479,7 @@
                 </a:r>
                 <a:r>
                   <a:rPr lang="ru-RU" dirty="0" smtClean="0"/>
-                  <a:t>Шифртекст длинны 1 не может иметь </a:t>
-                </a:r>
-                <a:r>
-                  <a:rPr lang="ru-RU" dirty="0" smtClean="0"/>
-                  <a:t>открытый </a:t>
-                </a:r>
-                <a:r>
-                  <a:rPr lang="ru-RU" dirty="0" smtClean="0"/>
-                  <a:t>текст длины </a:t>
+                  <a:t>Шифртекст длинны 1 не может иметь открытый текст длины </a:t>
                 </a:r>
                 <a:r>
                   <a:rPr lang="en-US" dirty="0" smtClean="0"/>
@@ -26533,7 +26525,7 @@
             </p:txBody>
           </p:sp>
         </mc:Choice>
-        <mc:Fallback>
+        <mc:Fallback xmlns="">
           <p:sp>
             <p:nvSpPr>
               <p:cNvPr id="3" name="Объект 2"/>

--- a/Lectures/Lecture1.pptx
+++ b/Lectures/Lecture1.pptx
@@ -9543,15 +9543,15 @@
             </a:pPr>
             <a:r>
               <a:rPr lang="ru-RU" dirty="0"/>
-              <a:t>Мост стойкий =</a:t>
+              <a:t>(если) Составные элементы стойкие =</a:t>
             </a:r>
             <a:r>
               <a:rPr lang="en-US" dirty="0"/>
-              <a:t>&gt; </a:t>
+              <a:t>&gt;</a:t>
             </a:r>
             <a:r>
               <a:rPr lang="ru-RU" dirty="0"/>
-              <a:t>составные элементы стойкие </a:t>
+              <a:t> (то) Мост стойкий </a:t>
             </a:r>
             <a:endParaRPr lang="en-US" dirty="0"/>
           </a:p>
@@ -9574,16 +9574,20 @@
               <a:buNone/>
             </a:pPr>
             <a:r>
+              <a:rPr lang="ru-RU" dirty="0"/>
+              <a:t>(если) Мост нестойкий</a:t>
+            </a:r>
+            <a:r>
               <a:rPr lang="ru-RU" sz="2600" dirty="0"/>
-              <a:t>Составные элементы не стойкие =</a:t>
+              <a:t> =</a:t>
             </a:r>
             <a:r>
               <a:rPr lang="en-US" dirty="0"/>
-              <a:t>&gt; </a:t>
+              <a:t>&gt;</a:t>
             </a:r>
             <a:r>
               <a:rPr lang="ru-RU" dirty="0"/>
-              <a:t>Мост нестойкий</a:t>
+              <a:t> (то) нестойкие какие то его элементы</a:t>
             </a:r>
             <a:endParaRPr lang="en-US" sz="2600" dirty="0"/>
           </a:p>
@@ -22891,8 +22895,8 @@
           </a:p>
         </p:txBody>
       </p:sp>
-      <mc:AlternateContent xmlns:mc="http://schemas.openxmlformats.org/markup-compatibility/2006">
-        <mc:Choice xmlns:a14="http://schemas.microsoft.com/office/drawing/2010/main" Requires="a14">
+      <mc:AlternateContent xmlns:mc="http://schemas.openxmlformats.org/markup-compatibility/2006" xmlns:a14="http://schemas.microsoft.com/office/drawing/2010/main">
+        <mc:Choice Requires="a14">
           <p:sp>
             <p:nvSpPr>
               <p:cNvPr id="3" name="Объект 2"/>
@@ -24129,7 +24133,7 @@
             </p:txBody>
           </p:sp>
         </mc:Choice>
-        <mc:Fallback>
+        <mc:Fallback xmlns="">
           <p:sp>
             <p:nvSpPr>
               <p:cNvPr id="3" name="Объект 2"/>
@@ -24238,8 +24242,8 @@
           </a:p>
         </p:txBody>
       </p:sp>
-      <mc:AlternateContent xmlns:mc="http://schemas.openxmlformats.org/markup-compatibility/2006">
-        <mc:Choice xmlns:a14="http://schemas.microsoft.com/office/drawing/2010/main" Requires="a14">
+      <mc:AlternateContent xmlns:mc="http://schemas.openxmlformats.org/markup-compatibility/2006" xmlns:a14="http://schemas.microsoft.com/office/drawing/2010/main">
+        <mc:Choice Requires="a14">
           <p:sp>
             <p:nvSpPr>
               <p:cNvPr id="3" name="Объект 2"/>
@@ -24887,7 +24891,7 @@
             </p:txBody>
           </p:sp>
         </mc:Choice>
-        <mc:Fallback>
+        <mc:Fallback xmlns="">
           <p:sp>
             <p:nvSpPr>
               <p:cNvPr id="3" name="Объект 2"/>
@@ -25086,8 +25090,8 @@
           </a:p>
         </p:txBody>
       </p:sp>
-      <mc:AlternateContent xmlns:mc="http://schemas.openxmlformats.org/markup-compatibility/2006">
-        <mc:Choice xmlns:a14="http://schemas.microsoft.com/office/drawing/2010/main" Requires="a14">
+      <mc:AlternateContent xmlns:mc="http://schemas.openxmlformats.org/markup-compatibility/2006" xmlns:a14="http://schemas.microsoft.com/office/drawing/2010/main">
+        <mc:Choice Requires="a14">
           <p:sp>
             <p:nvSpPr>
               <p:cNvPr id="3" name="Объект 2"/>
@@ -26076,7 +26080,7 @@
             </p:txBody>
           </p:sp>
         </mc:Choice>
-        <mc:Fallback>
+        <mc:Fallback xmlns="">
           <p:sp>
             <p:nvSpPr>
               <p:cNvPr id="3" name="Объект 2"/>
@@ -26817,8 +26821,8 @@
           </a:p>
         </p:txBody>
       </p:sp>
-      <mc:AlternateContent xmlns:mc="http://schemas.openxmlformats.org/markup-compatibility/2006">
-        <mc:Choice xmlns:a14="http://schemas.microsoft.com/office/drawing/2010/main" Requires="a14">
+      <mc:AlternateContent xmlns:mc="http://schemas.openxmlformats.org/markup-compatibility/2006" xmlns:a14="http://schemas.microsoft.com/office/drawing/2010/main">
+        <mc:Choice Requires="a14">
           <p:sp>
             <p:nvSpPr>
               <p:cNvPr id="3" name="Объект 2"/>
@@ -27983,7 +27987,7 @@
             </p:txBody>
           </p:sp>
         </mc:Choice>
-        <mc:Fallback>
+        <mc:Fallback xmlns="">
           <p:sp>
             <p:nvSpPr>
               <p:cNvPr id="3" name="Объект 2"/>
@@ -28138,8 +28142,8 @@
           </a:p>
         </p:txBody>
       </p:sp>
-      <mc:AlternateContent xmlns:mc="http://schemas.openxmlformats.org/markup-compatibility/2006">
-        <mc:Choice xmlns:a14="http://schemas.microsoft.com/office/drawing/2010/main" Requires="a14">
+      <mc:AlternateContent xmlns:mc="http://schemas.openxmlformats.org/markup-compatibility/2006" xmlns:a14="http://schemas.microsoft.com/office/drawing/2010/main">
+        <mc:Choice Requires="a14">
           <p:sp>
             <p:nvSpPr>
               <p:cNvPr id="3" name="Объект 2"/>
@@ -29174,7 +29178,7 @@
             </p:txBody>
           </p:sp>
         </mc:Choice>
-        <mc:Fallback>
+        <mc:Fallback xmlns="">
           <p:sp>
             <p:nvSpPr>
               <p:cNvPr id="3" name="Объект 2"/>
@@ -29321,8 +29325,8 @@
           </a:p>
         </p:txBody>
       </p:sp>
-      <mc:AlternateContent xmlns:mc="http://schemas.openxmlformats.org/markup-compatibility/2006">
-        <mc:Choice xmlns:a14="http://schemas.microsoft.com/office/drawing/2010/main" Requires="a14">
+      <mc:AlternateContent xmlns:mc="http://schemas.openxmlformats.org/markup-compatibility/2006" xmlns:a14="http://schemas.microsoft.com/office/drawing/2010/main">
+        <mc:Choice Requires="a14">
           <p:sp>
             <p:nvSpPr>
               <p:cNvPr id="3" name="Объект 2"/>
@@ -29745,7 +29749,7 @@
             </p:txBody>
           </p:sp>
         </mc:Choice>
-        <mc:Fallback>
+        <mc:Fallback xmlns="">
           <p:sp>
             <p:nvSpPr>
               <p:cNvPr id="3" name="Объект 2"/>
@@ -29892,8 +29896,8 @@
           </a:p>
         </p:txBody>
       </p:sp>
-      <mc:AlternateContent xmlns:mc="http://schemas.openxmlformats.org/markup-compatibility/2006">
-        <mc:Choice xmlns:a14="http://schemas.microsoft.com/office/drawing/2010/main" Requires="a14">
+      <mc:AlternateContent xmlns:mc="http://schemas.openxmlformats.org/markup-compatibility/2006" xmlns:a14="http://schemas.microsoft.com/office/drawing/2010/main">
+        <mc:Choice Requires="a14">
           <p:sp>
             <p:nvSpPr>
               <p:cNvPr id="3" name="Объект 2"/>
@@ -30794,7 +30798,7 @@
             </p:txBody>
           </p:sp>
         </mc:Choice>
-        <mc:Fallback>
+        <mc:Fallback xmlns="">
           <p:sp>
             <p:nvSpPr>
               <p:cNvPr id="3" name="Объект 2"/>
@@ -31781,99 +31785,118 @@
                       <m:jc m:val="centerGroup"/>
                     </m:oMathParaPr>
                     <m:oMath xmlns:m="http://schemas.openxmlformats.org/officeDocument/2006/math">
-                      <m:r>
-                        <m:rPr>
-                          <m:sty m:val="p"/>
-                        </m:rPr>
-                        <a:rPr lang="en-US" b="0" i="0" smtClean="0">
-                          <a:latin typeface="Cambria Math" panose="02040503050406030204" pitchFamily="18" charset="0"/>
-                        </a:rPr>
-                        <m:t>Pr</m:t>
-                      </m:r>
-                      <m:r>
-                        <a:rPr lang="en-US" b="0" i="1" smtClean="0">
-                          <a:latin typeface="Cambria Math" panose="02040503050406030204" pitchFamily="18" charset="0"/>
-                        </a:rPr>
-                        <m:t>⁡[</m:t>
-                      </m:r>
-                      <m:r>
-                        <a:rPr lang="en-US" b="0" i="1" smtClean="0">
-                          <a:latin typeface="Cambria Math" panose="02040503050406030204" pitchFamily="18" charset="0"/>
-                        </a:rPr>
-                        <m:t>𝜙</m:t>
-                      </m:r>
-                      <m:d>
-                        <m:dPr>
-                          <m:endChr m:val="]"/>
+                      <m:func>
+                        <m:funcPr>
                           <m:ctrlPr>
-                            <a:rPr lang="en-US" b="0" i="1" smtClean="0">
+                            <a:rPr lang="en-US" i="1">
                               <a:latin typeface="Cambria Math" panose="02040503050406030204" pitchFamily="18" charset="0"/>
                             </a:rPr>
                           </m:ctrlPr>
-                        </m:dPr>
-                        <m:e>
+                        </m:funcPr>
+                        <m:fName>
                           <m:r>
-                            <a:rPr lang="en-US" b="0" i="1" smtClean="0">
+                            <m:rPr>
+                              <m:sty m:val="p"/>
+                            </m:rPr>
+                            <a:rPr lang="en-US">
                               <a:latin typeface="Cambria Math" panose="02040503050406030204" pitchFamily="18" charset="0"/>
                             </a:rPr>
-                            <m:t>𝐸</m:t>
+                            <m:t>Pr</m:t>
                           </m:r>
+                        </m:fName>
+                        <m:e>
                           <m:d>
                             <m:dPr>
+                              <m:begChr m:val="["/>
+                              <m:endChr m:val="]"/>
                               <m:ctrlPr>
-                                <a:rPr lang="en-US" b="0" i="1" smtClean="0">
+                                <a:rPr lang="en-US" i="1">
                                   <a:latin typeface="Cambria Math" panose="02040503050406030204" pitchFamily="18" charset="0"/>
                                 </a:rPr>
                               </m:ctrlPr>
                             </m:dPr>
                             <m:e>
                               <m:r>
-                                <a:rPr lang="en-US" b="1" i="1" smtClean="0">
+                                <a:rPr lang="en-US" i="1">
                                   <a:latin typeface="Cambria Math" panose="02040503050406030204" pitchFamily="18" charset="0"/>
                                 </a:rPr>
-                                <m:t>𝒌</m:t>
+                                <m:t>𝜙</m:t>
                               </m:r>
-                              <m:r>
-                                <a:rPr lang="en-US" b="0" i="1" smtClean="0">
-                                  <a:latin typeface="Cambria Math" panose="02040503050406030204" pitchFamily="18" charset="0"/>
-                                </a:rPr>
-                                <m:t>,</m:t>
-                              </m:r>
-                              <m:sSub>
-                                <m:sSubPr>
+                              <m:d>
+                                <m:dPr>
                                   <m:ctrlPr>
-                                    <a:rPr lang="en-US" b="0" i="1" smtClean="0">
+                                    <a:rPr lang="en-US" i="1">
                                       <a:latin typeface="Cambria Math" panose="02040503050406030204" pitchFamily="18" charset="0"/>
                                     </a:rPr>
                                   </m:ctrlPr>
-                                </m:sSubPr>
+                                </m:dPr>
                                 <m:e>
                                   <m:r>
-                                    <a:rPr lang="en-US" b="0" i="1" smtClean="0">
+                                    <a:rPr lang="en-US" i="1">
                                       <a:latin typeface="Cambria Math" panose="02040503050406030204" pitchFamily="18" charset="0"/>
                                     </a:rPr>
-                                    <m:t>𝑚</m:t>
+                                    <m:t>𝐸</m:t>
                                   </m:r>
+                                  <m:d>
+                                    <m:dPr>
+                                      <m:ctrlPr>
+                                        <a:rPr lang="en-US" i="1">
+                                          <a:latin typeface="Cambria Math" panose="02040503050406030204" pitchFamily="18" charset="0"/>
+                                        </a:rPr>
+                                      </m:ctrlPr>
+                                    </m:dPr>
+                                    <m:e>
+                                      <m:r>
+                                        <a:rPr lang="en-US" b="1" i="1">
+                                          <a:latin typeface="Cambria Math" panose="02040503050406030204" pitchFamily="18" charset="0"/>
+                                        </a:rPr>
+                                        <m:t>𝒌</m:t>
+                                      </m:r>
+                                      <m:r>
+                                        <a:rPr lang="en-US" i="1">
+                                          <a:latin typeface="Cambria Math" panose="02040503050406030204" pitchFamily="18" charset="0"/>
+                                        </a:rPr>
+                                        <m:t>,</m:t>
+                                      </m:r>
+                                      <m:sSub>
+                                        <m:sSubPr>
+                                          <m:ctrlPr>
+                                            <a:rPr lang="en-US" i="1">
+                                              <a:latin typeface="Cambria Math" panose="02040503050406030204" pitchFamily="18" charset="0"/>
+                                            </a:rPr>
+                                          </m:ctrlPr>
+                                        </m:sSubPr>
+                                        <m:e>
+                                          <m:r>
+                                            <a:rPr lang="en-US" i="1">
+                                              <a:latin typeface="Cambria Math" panose="02040503050406030204" pitchFamily="18" charset="0"/>
+                                            </a:rPr>
+                                            <m:t>𝑚</m:t>
+                                          </m:r>
+                                        </m:e>
+                                        <m:sub>
+                                          <m:r>
+                                            <a:rPr lang="ru-RU" b="0" i="1" smtClean="0">
+                                              <a:latin typeface="Cambria Math" panose="02040503050406030204" pitchFamily="18" charset="0"/>
+                                            </a:rPr>
+                                            <m:t>0</m:t>
+                                          </m:r>
+                                        </m:sub>
+                                      </m:sSub>
+                                    </m:e>
+                                  </m:d>
                                 </m:e>
-                                <m:sub>
-                                  <m:r>
-                                    <a:rPr lang="en-US" b="0" i="1" smtClean="0">
-                                      <a:latin typeface="Cambria Math" panose="02040503050406030204" pitchFamily="18" charset="0"/>
-                                    </a:rPr>
-                                    <m:t>0</m:t>
-                                  </m:r>
-                                </m:sub>
-                              </m:sSub>
+                              </m:d>
+                              <m:r>
+                                <a:rPr lang="en-US" i="1">
+                                  <a:latin typeface="Cambria Math" panose="02040503050406030204" pitchFamily="18" charset="0"/>
+                                </a:rPr>
+                                <m:t>=1</m:t>
+                              </m:r>
                             </m:e>
                           </m:d>
-                          <m:r>
-                            <a:rPr lang="en-US" b="0" i="1" smtClean="0">
-                              <a:latin typeface="Cambria Math" panose="02040503050406030204" pitchFamily="18" charset="0"/>
-                            </a:rPr>
-                            <m:t>=1</m:t>
-                          </m:r>
                         </m:e>
-                      </m:d>
+                      </m:func>
                       <m:r>
                         <a:rPr lang="en-US" b="0" i="1" smtClean="0">
                           <a:latin typeface="Cambria Math" panose="02040503050406030204" pitchFamily="18" charset="0"/>
@@ -32029,6 +32052,12 @@
                         <a:latin typeface="Cambria Math" panose="02040503050406030204" pitchFamily="18" charset="0"/>
                       </a:rPr>
                       <m:t>𝑆</m:t>
+                    </m:r>
+                    <m:r>
+                      <a:rPr lang="en-US" b="0" i="1" smtClean="0">
+                        <a:latin typeface="Cambria Math" panose="02040503050406030204" pitchFamily="18" charset="0"/>
+                      </a:rPr>
+                      <m:t>′</m:t>
                     </m:r>
                     <m:r>
                       <a:rPr lang="en-US" b="0" i="1" smtClean="0">
@@ -32288,6 +32317,12 @@
                               <a:latin typeface="Cambria Math" panose="02040503050406030204" pitchFamily="18" charset="0"/>
                             </a:rPr>
                             <m:t>𝑆</m:t>
+                          </m:r>
+                          <m:r>
+                            <a:rPr lang="en-US" b="0" i="1" smtClean="0">
+                              <a:latin typeface="Cambria Math" panose="02040503050406030204" pitchFamily="18" charset="0"/>
+                            </a:rPr>
+                            <m:t>′</m:t>
                           </m:r>
                         </m:sub>
                         <m:sup/>
@@ -32449,6 +32484,12 @@
                               <a:latin typeface="Cambria Math" panose="02040503050406030204" pitchFamily="18" charset="0"/>
                             </a:rPr>
                             <m:t>𝑆</m:t>
+                          </m:r>
+                          <m:r>
+                            <a:rPr lang="en-US" b="0" i="1" smtClean="0">
+                              <a:latin typeface="Cambria Math" panose="02040503050406030204" pitchFamily="18" charset="0"/>
+                            </a:rPr>
+                            <m:t>′</m:t>
                           </m:r>
                         </m:sub>
                         <m:sup/>
@@ -32775,8 +32816,8 @@
           </a:p>
         </p:txBody>
       </p:sp>
-      <mc:AlternateContent xmlns:mc="http://schemas.openxmlformats.org/markup-compatibility/2006">
-        <mc:Choice xmlns:a14="http://schemas.microsoft.com/office/drawing/2010/main" Requires="a14">
+      <mc:AlternateContent xmlns:mc="http://schemas.openxmlformats.org/markup-compatibility/2006" xmlns:a14="http://schemas.microsoft.com/office/drawing/2010/main">
+        <mc:Choice Requires="a14">
           <p:sp>
             <p:nvSpPr>
               <p:cNvPr id="7" name="TextBox 6">
@@ -32805,6 +32846,7 @@
               </a:bodyPr>
               <a:lstStyle/>
               <a:p>
+                <a:pPr/>
                 <a14:m>
                   <m:oMathPara xmlns:m="http://schemas.openxmlformats.org/officeDocument/2006/math">
                     <m:oMathParaPr>
@@ -32832,7 +32874,7 @@
             </p:txBody>
           </p:sp>
         </mc:Choice>
-        <mc:Fallback>
+        <mc:Fallback xmlns="">
           <p:sp>
             <p:nvSpPr>
               <p:cNvPr id="7" name="TextBox 6">
@@ -32877,58 +32919,123 @@
           </p:sp>
         </mc:Fallback>
       </mc:AlternateContent>
-      <p:sp>
-        <p:nvSpPr>
-          <p:cNvPr id="8" name="Прямоугольник: скругленные углы 7">
-            <a:extLst>
-              <a:ext uri="{FF2B5EF4-FFF2-40B4-BE49-F238E27FC236}">
-                <a16:creationId xmlns:a16="http://schemas.microsoft.com/office/drawing/2014/main" id="{B054E4A5-3176-4FC9-BAD5-BC4C19C28750}"/>
-              </a:ext>
-            </a:extLst>
-          </p:cNvPr>
-          <p:cNvSpPr/>
-          <p:nvPr/>
-        </p:nvSpPr>
-        <p:spPr>
-          <a:xfrm>
-            <a:off x="556591" y="4949687"/>
-            <a:ext cx="1437861" cy="1020417"/>
-          </a:xfrm>
-          <a:prstGeom prst="roundRect">
-            <a:avLst/>
-          </a:prstGeom>
-        </p:spPr>
-        <p:style>
-          <a:lnRef idx="2">
-            <a:schemeClr val="accent1">
-              <a:shade val="50000"/>
-            </a:schemeClr>
-          </a:lnRef>
-          <a:fillRef idx="1">
-            <a:schemeClr val="accent1"/>
-          </a:fillRef>
-          <a:effectRef idx="0">
-            <a:schemeClr val="accent1"/>
-          </a:effectRef>
-          <a:fontRef idx="minor">
-            <a:schemeClr val="lt1"/>
-          </a:fontRef>
-        </p:style>
-        <p:txBody>
-          <a:bodyPr rtlCol="0" anchor="ctr"/>
-          <a:lstStyle/>
-          <a:p>
-            <a:pPr algn="ctr"/>
-            <a:r>
-              <a:rPr lang="en-US" sz="2800" dirty="0"/>
-              <a:t>S</a:t>
-            </a:r>
-            <a:endParaRPr lang="ru-RU" sz="2800" dirty="0"/>
-          </a:p>
-        </p:txBody>
-      </p:sp>
       <mc:AlternateContent xmlns:mc="http://schemas.openxmlformats.org/markup-compatibility/2006">
         <mc:Choice xmlns:a14="http://schemas.microsoft.com/office/drawing/2010/main" Requires="a14">
+          <p:sp>
+            <p:nvSpPr>
+              <p:cNvPr id="8" name="Прямоугольник: скругленные углы 7">
+                <a:extLst>
+                  <a:ext uri="{FF2B5EF4-FFF2-40B4-BE49-F238E27FC236}">
+                    <a16:creationId xmlns:a16="http://schemas.microsoft.com/office/drawing/2014/main" id="{B054E4A5-3176-4FC9-BAD5-BC4C19C28750}"/>
+                  </a:ext>
+                </a:extLst>
+              </p:cNvPr>
+              <p:cNvSpPr/>
+              <p:nvPr/>
+            </p:nvSpPr>
+            <p:spPr>
+              <a:xfrm>
+                <a:off x="556591" y="4949687"/>
+                <a:ext cx="1437861" cy="1020417"/>
+              </a:xfrm>
+              <a:prstGeom prst="roundRect">
+                <a:avLst/>
+              </a:prstGeom>
+            </p:spPr>
+            <p:style>
+              <a:lnRef idx="2">
+                <a:schemeClr val="accent1">
+                  <a:shade val="50000"/>
+                </a:schemeClr>
+              </a:lnRef>
+              <a:fillRef idx="1">
+                <a:schemeClr val="accent1"/>
+              </a:fillRef>
+              <a:effectRef idx="0">
+                <a:schemeClr val="accent1"/>
+              </a:effectRef>
+              <a:fontRef idx="minor">
+                <a:schemeClr val="lt1"/>
+              </a:fontRef>
+            </p:style>
+            <p:txBody>
+              <a:bodyPr rtlCol="0" anchor="ctr"/>
+              <a:lstStyle/>
+              <a:p>
+                <a:pPr algn="ctr"/>
+                <a14:m>
+                  <m:oMathPara xmlns:m="http://schemas.openxmlformats.org/officeDocument/2006/math">
+                    <m:oMathParaPr>
+                      <m:jc m:val="centerGroup"/>
+                    </m:oMathParaPr>
+                    <m:oMath xmlns:m="http://schemas.openxmlformats.org/officeDocument/2006/math">
+                      <m:r>
+                        <a:rPr lang="en-US" sz="2800" b="0" i="1" smtClean="0">
+                          <a:latin typeface="Cambria Math" panose="02040503050406030204" pitchFamily="18" charset="0"/>
+                        </a:rPr>
+                        <m:t>𝑆</m:t>
+                      </m:r>
+                      <m:r>
+                        <a:rPr lang="en-US" sz="2800" b="0" i="1" smtClean="0">
+                          <a:latin typeface="Cambria Math" panose="02040503050406030204" pitchFamily="18" charset="0"/>
+                        </a:rPr>
+                        <m:t>′</m:t>
+                      </m:r>
+                    </m:oMath>
+                  </m:oMathPara>
+                </a14:m>
+                <a:endParaRPr lang="ru-RU" sz="2800" dirty="0"/>
+              </a:p>
+            </p:txBody>
+          </p:sp>
+        </mc:Choice>
+        <mc:Fallback>
+          <p:sp>
+            <p:nvSpPr>
+              <p:cNvPr id="8" name="Прямоугольник: скругленные углы 7">
+                <a:extLst>
+                  <a:ext uri="{FF2B5EF4-FFF2-40B4-BE49-F238E27FC236}">
+                    <a16:creationId xmlns:a16="http://schemas.microsoft.com/office/drawing/2014/main" id="{B054E4A5-3176-4FC9-BAD5-BC4C19C28750}"/>
+                  </a:ext>
+                </a:extLst>
+              </p:cNvPr>
+              <p:cNvSpPr>
+                <a:spLocks noRot="1" noChangeAspect="1" noMove="1" noResize="1" noEditPoints="1" noAdjustHandles="1" noChangeArrowheads="1" noChangeShapeType="1" noTextEdit="1"/>
+              </p:cNvSpPr>
+              <p:nvPr/>
+            </p:nvSpPr>
+            <p:spPr>
+              <a:xfrm>
+                <a:off x="556591" y="4949687"/>
+                <a:ext cx="1437861" cy="1020417"/>
+              </a:xfrm>
+              <a:prstGeom prst="roundRect">
+                <a:avLst/>
+              </a:prstGeom>
+              <a:blipFill>
+                <a:blip r:embed="rId4"/>
+                <a:stretch>
+                  <a:fillRect/>
+                </a:stretch>
+              </a:blipFill>
+            </p:spPr>
+            <p:txBody>
+              <a:bodyPr/>
+              <a:lstStyle/>
+              <a:p>
+                <a:r>
+                  <a:rPr lang="ru-RU">
+                    <a:noFill/>
+                  </a:rPr>
+                  <a:t> </a:t>
+                </a:r>
+              </a:p>
+            </p:txBody>
+          </p:sp>
+        </mc:Fallback>
+      </mc:AlternateContent>
+      <mc:AlternateContent xmlns:mc="http://schemas.openxmlformats.org/markup-compatibility/2006" xmlns:a14="http://schemas.microsoft.com/office/drawing/2010/main">
+        <mc:Choice Requires="a14">
           <p:sp>
             <p:nvSpPr>
               <p:cNvPr id="9" name="TextBox 8">
@@ -32957,6 +33064,7 @@
               </a:bodyPr>
               <a:lstStyle/>
               <a:p>
+                <a:pPr/>
                 <a14:m>
                   <m:oMathPara xmlns:m="http://schemas.openxmlformats.org/officeDocument/2006/math">
                     <m:oMathParaPr>
@@ -32983,7 +33091,7 @@
             </p:txBody>
           </p:sp>
         </mc:Choice>
-        <mc:Fallback>
+        <mc:Fallback xmlns="">
           <p:sp>
             <p:nvSpPr>
               <p:cNvPr id="9" name="TextBox 8">
@@ -33007,7 +33115,7 @@
                 <a:avLst/>
               </a:prstGeom>
               <a:blipFill>
-                <a:blip r:embed="rId4"/>
+                <a:blip r:embed="rId5"/>
                 <a:stretch>
                   <a:fillRect b="-11475"/>
                 </a:stretch>
@@ -33028,8 +33136,8 @@
           </p:sp>
         </mc:Fallback>
       </mc:AlternateContent>
-      <mc:AlternateContent xmlns:mc="http://schemas.openxmlformats.org/markup-compatibility/2006">
-        <mc:Choice xmlns:a14="http://schemas.microsoft.com/office/drawing/2010/main" Requires="a14">
+      <mc:AlternateContent xmlns:mc="http://schemas.openxmlformats.org/markup-compatibility/2006" xmlns:a14="http://schemas.microsoft.com/office/drawing/2010/main">
+        <mc:Choice Requires="a14">
           <p:sp>
             <p:nvSpPr>
               <p:cNvPr id="10" name="TextBox 9">
@@ -33058,6 +33166,7 @@
               </a:bodyPr>
               <a:lstStyle/>
               <a:p>
+                <a:pPr/>
                 <a14:m>
                   <m:oMathPara xmlns:m="http://schemas.openxmlformats.org/officeDocument/2006/math">
                     <m:oMathParaPr>
@@ -33084,7 +33193,7 @@
             </p:txBody>
           </p:sp>
         </mc:Choice>
-        <mc:Fallback>
+        <mc:Fallback xmlns="">
           <p:sp>
             <p:nvSpPr>
               <p:cNvPr id="10" name="TextBox 9">
@@ -33108,7 +33217,7 @@
                 <a:avLst/>
               </a:prstGeom>
               <a:blipFill>
-                <a:blip r:embed="rId5"/>
+                <a:blip r:embed="rId6"/>
                 <a:stretch>
                   <a:fillRect b="-11475"/>
                 </a:stretch>
@@ -33325,8 +33434,12 @@
                   </m:oMath>
                 </a14:m>
                 <a:r>
+                  <a:rPr lang="en-US" dirty="0"/>
+                  <a:t>–</a:t>
+                </a:r>
+                <a:r>
                   <a:rPr lang="ru-RU" dirty="0"/>
-                  <a:t>- шифр Шеннона на </a:t>
+                  <a:t> шифр Шеннона на </a:t>
                 </a:r>
                 <a14:m>
                   <m:oMath xmlns:m="http://schemas.openxmlformats.org/officeDocument/2006/math">
@@ -33600,45 +33713,30 @@
                       <m:jc m:val="centerGroup"/>
                     </m:oMathParaPr>
                     <m:oMath xmlns:m="http://schemas.openxmlformats.org/officeDocument/2006/math">
-                      <m:r>
-                        <m:rPr>
-                          <m:sty m:val="p"/>
-                        </m:rPr>
-                        <a:rPr lang="en-US">
-                          <a:latin typeface="Cambria Math" panose="02040503050406030204" pitchFamily="18" charset="0"/>
-                        </a:rPr>
-                        <m:t>Pr</m:t>
-                      </m:r>
-                      <m:r>
-                        <a:rPr lang="en-US" i="1">
-                          <a:latin typeface="Cambria Math" panose="02040503050406030204" pitchFamily="18" charset="0"/>
-                        </a:rPr>
-                        <m:t>⁡[</m:t>
-                      </m:r>
-                      <m:r>
-                        <a:rPr lang="en-US" i="1">
-                          <a:latin typeface="Cambria Math" panose="02040503050406030204" pitchFamily="18" charset="0"/>
-                        </a:rPr>
-                        <m:t>𝜙</m:t>
-                      </m:r>
-                      <m:d>
-                        <m:dPr>
-                          <m:endChr m:val="]"/>
+                      <m:func>
+                        <m:funcPr>
                           <m:ctrlPr>
                             <a:rPr lang="en-US" i="1">
                               <a:latin typeface="Cambria Math" panose="02040503050406030204" pitchFamily="18" charset="0"/>
                             </a:rPr>
                           </m:ctrlPr>
-                        </m:dPr>
-                        <m:e>
+                        </m:funcPr>
+                        <m:fName>
                           <m:r>
-                            <a:rPr lang="en-US" i="1">
+                            <m:rPr>
+                              <m:sty m:val="p"/>
+                            </m:rPr>
+                            <a:rPr lang="en-US">
                               <a:latin typeface="Cambria Math" panose="02040503050406030204" pitchFamily="18" charset="0"/>
                             </a:rPr>
-                            <m:t>𝐸</m:t>
+                            <m:t>Pr</m:t>
                           </m:r>
+                        </m:fName>
+                        <m:e>
                           <m:d>
                             <m:dPr>
+                              <m:begChr m:val="["/>
+                              <m:endChr m:val="]"/>
                               <m:ctrlPr>
                                 <a:rPr lang="en-US" i="1">
                                   <a:latin typeface="Cambria Math" panose="02040503050406030204" pitchFamily="18" charset="0"/>
@@ -33647,52 +33745,86 @@
                             </m:dPr>
                             <m:e>
                               <m:r>
-                                <a:rPr lang="en-US" b="1" i="1">
-                                  <a:latin typeface="Cambria Math" panose="02040503050406030204" pitchFamily="18" charset="0"/>
-                                </a:rPr>
-                                <m:t>𝒌</m:t>
-                              </m:r>
-                              <m:r>
                                 <a:rPr lang="en-US" i="1">
                                   <a:latin typeface="Cambria Math" panose="02040503050406030204" pitchFamily="18" charset="0"/>
                                 </a:rPr>
-                                <m:t>,</m:t>
+                                <m:t>𝜙</m:t>
                               </m:r>
-                              <m:sSub>
-                                <m:sSubPr>
+                              <m:d>
+                                <m:dPr>
                                   <m:ctrlPr>
                                     <a:rPr lang="en-US" i="1">
                                       <a:latin typeface="Cambria Math" panose="02040503050406030204" pitchFamily="18" charset="0"/>
                                     </a:rPr>
                                   </m:ctrlPr>
-                                </m:sSubPr>
+                                </m:dPr>
                                 <m:e>
                                   <m:r>
                                     <a:rPr lang="en-US" i="1">
                                       <a:latin typeface="Cambria Math" panose="02040503050406030204" pitchFamily="18" charset="0"/>
                                     </a:rPr>
-                                    <m:t>𝑚</m:t>
+                                    <m:t>𝐸</m:t>
                                   </m:r>
+                                  <m:d>
+                                    <m:dPr>
+                                      <m:ctrlPr>
+                                        <a:rPr lang="en-US" i="1">
+                                          <a:latin typeface="Cambria Math" panose="02040503050406030204" pitchFamily="18" charset="0"/>
+                                        </a:rPr>
+                                      </m:ctrlPr>
+                                    </m:dPr>
+                                    <m:e>
+                                      <m:r>
+                                        <a:rPr lang="en-US" b="1" i="1">
+                                          <a:latin typeface="Cambria Math" panose="02040503050406030204" pitchFamily="18" charset="0"/>
+                                        </a:rPr>
+                                        <m:t>𝒌</m:t>
+                                      </m:r>
+                                      <m:r>
+                                        <a:rPr lang="en-US" i="1">
+                                          <a:latin typeface="Cambria Math" panose="02040503050406030204" pitchFamily="18" charset="0"/>
+                                        </a:rPr>
+                                        <m:t>,</m:t>
+                                      </m:r>
+                                      <m:sSub>
+                                        <m:sSubPr>
+                                          <m:ctrlPr>
+                                            <a:rPr lang="en-US" i="1">
+                                              <a:latin typeface="Cambria Math" panose="02040503050406030204" pitchFamily="18" charset="0"/>
+                                            </a:rPr>
+                                          </m:ctrlPr>
+                                        </m:sSubPr>
+                                        <m:e>
+                                          <m:r>
+                                            <a:rPr lang="en-US" i="1">
+                                              <a:latin typeface="Cambria Math" panose="02040503050406030204" pitchFamily="18" charset="0"/>
+                                            </a:rPr>
+                                            <m:t>𝑚</m:t>
+                                          </m:r>
+                                        </m:e>
+                                        <m:sub>
+                                          <m:r>
+                                            <a:rPr lang="ru-RU" i="1">
+                                              <a:latin typeface="Cambria Math" panose="02040503050406030204" pitchFamily="18" charset="0"/>
+                                            </a:rPr>
+                                            <m:t>0</m:t>
+                                          </m:r>
+                                        </m:sub>
+                                      </m:sSub>
+                                    </m:e>
+                                  </m:d>
                                 </m:e>
-                                <m:sub>
-                                  <m:r>
-                                    <a:rPr lang="en-US" i="1">
-                                      <a:latin typeface="Cambria Math" panose="02040503050406030204" pitchFamily="18" charset="0"/>
-                                    </a:rPr>
-                                    <m:t>0</m:t>
-                                  </m:r>
-                                </m:sub>
-                              </m:sSub>
+                              </m:d>
+                              <m:r>
+                                <a:rPr lang="en-US" i="1">
+                                  <a:latin typeface="Cambria Math" panose="02040503050406030204" pitchFamily="18" charset="0"/>
+                                </a:rPr>
+                                <m:t>=1</m:t>
+                              </m:r>
                             </m:e>
                           </m:d>
-                          <m:r>
-                            <a:rPr lang="en-US" i="1">
-                              <a:latin typeface="Cambria Math" panose="02040503050406030204" pitchFamily="18" charset="0"/>
-                            </a:rPr>
-                            <m:t>=1</m:t>
-                          </m:r>
                         </m:e>
-                      </m:d>
+                      </m:func>
                       <m:r>
                         <a:rPr lang="en-US" i="1">
                           <a:latin typeface="Cambria Math" panose="02040503050406030204" pitchFamily="18" charset="0"/>
@@ -34438,8 +34570,8 @@
           </a:p>
         </p:txBody>
       </p:sp>
-      <mc:AlternateContent xmlns:mc="http://schemas.openxmlformats.org/markup-compatibility/2006" xmlns:a14="http://schemas.microsoft.com/office/drawing/2010/main">
-        <mc:Choice Requires="a14">
+      <mc:AlternateContent xmlns:mc="http://schemas.openxmlformats.org/markup-compatibility/2006">
+        <mc:Choice xmlns:a14="http://schemas.microsoft.com/office/drawing/2010/main" Requires="a14">
           <p:sp>
             <p:nvSpPr>
               <p:cNvPr id="5" name="TextBox 4"/>
@@ -34961,7 +35093,7 @@
             </p:txBody>
           </p:sp>
         </mc:Choice>
-        <mc:Fallback xmlns="">
+        <mc:Fallback>
           <p:sp>
             <p:nvSpPr>
               <p:cNvPr id="5" name="TextBox 4"/>
@@ -35045,8 +35177,8 @@
           </a:p>
         </p:txBody>
       </p:sp>
-      <mc:AlternateContent xmlns:mc="http://schemas.openxmlformats.org/markup-compatibility/2006">
-        <mc:Choice xmlns:a14="http://schemas.microsoft.com/office/drawing/2010/main" Requires="a14">
+      <mc:AlternateContent xmlns:mc="http://schemas.openxmlformats.org/markup-compatibility/2006" xmlns:a14="http://schemas.microsoft.com/office/drawing/2010/main">
+        <mc:Choice Requires="a14">
           <p:sp>
             <p:nvSpPr>
               <p:cNvPr id="9" name="TextBox 8">
@@ -35075,6 +35207,7 @@
               </a:bodyPr>
               <a:lstStyle/>
               <a:p>
+                <a:pPr/>
                 <a14:m>
                   <m:oMathPara xmlns:m="http://schemas.openxmlformats.org/officeDocument/2006/math">
                     <m:oMathParaPr>
@@ -35102,7 +35235,7 @@
             </p:txBody>
           </p:sp>
         </mc:Choice>
-        <mc:Fallback>
+        <mc:Fallback xmlns="">
           <p:sp>
             <p:nvSpPr>
               <p:cNvPr id="9" name="TextBox 8">
@@ -35161,8 +35294,8 @@
         </p:nvSpPr>
         <p:spPr>
           <a:xfrm>
-            <a:off x="9852991" y="4279274"/>
-            <a:ext cx="1437861" cy="1020417"/>
+            <a:off x="10880036" y="4298142"/>
+            <a:ext cx="473764" cy="289310"/>
           </a:xfrm>
           <a:prstGeom prst="roundRect">
             <a:avLst/>
@@ -35189,10 +35322,6 @@
           <a:lstStyle/>
           <a:p>
             <a:pPr algn="ctr"/>
-            <a:r>
-              <a:rPr lang="en-US" sz="2800" dirty="0"/>
-              <a:t>S</a:t>
-            </a:r>
             <a:endParaRPr lang="ru-RU" sz="2800" dirty="0"/>
           </a:p>
         </p:txBody>
@@ -35213,7 +35342,7 @@
             </p:nvSpPr>
             <p:spPr>
               <a:xfrm>
-                <a:off x="10157320" y="4952386"/>
+                <a:off x="11006117" y="3980671"/>
                 <a:ext cx="829201" cy="369332"/>
               </a:xfrm>
               <a:prstGeom prst="rect">
@@ -35227,6 +35356,7 @@
               </a:bodyPr>
               <a:lstStyle/>
               <a:p>
+                <a:pPr/>
                 <a14:m>
                   <m:oMathPara xmlns:m="http://schemas.openxmlformats.org/officeDocument/2006/math">
                     <m:oMathParaPr>
@@ -35270,7 +35400,7 @@
             </p:nvSpPr>
             <p:spPr>
               <a:xfrm>
-                <a:off x="10157320" y="4952386"/>
+                <a:off x="11006117" y="3980671"/>
                 <a:ext cx="829201" cy="369332"/>
               </a:xfrm>
               <a:prstGeom prst="rect">
@@ -35314,7 +35444,7 @@
             </p:nvSpPr>
             <p:spPr>
               <a:xfrm>
-                <a:off x="10134600" y="5434627"/>
+                <a:off x="9561443" y="5328232"/>
                 <a:ext cx="829201" cy="369332"/>
               </a:xfrm>
               <a:prstGeom prst="rect">
@@ -35328,6 +35458,7 @@
               </a:bodyPr>
               <a:lstStyle/>
               <a:p>
+                <a:pPr/>
                 <a14:m>
                   <m:oMathPara xmlns:m="http://schemas.openxmlformats.org/officeDocument/2006/math">
                     <m:oMathParaPr>
@@ -35371,7 +35502,7 @@
             </p:nvSpPr>
             <p:spPr>
               <a:xfrm>
-                <a:off x="10134600" y="5434627"/>
+                <a:off x="9561443" y="5328232"/>
                 <a:ext cx="829201" cy="369332"/>
               </a:xfrm>
               <a:prstGeom prst="rect">
@@ -35380,7 +35511,7 @@
               <a:blipFill>
                 <a:blip r:embed="rId6"/>
                 <a:stretch>
-                  <a:fillRect b="-13333"/>
+                  <a:fillRect b="-11475"/>
                 </a:stretch>
               </a:blipFill>
             </p:spPr>
@@ -35491,8 +35622,8 @@
           </a:p>
         </p:txBody>
       </p:sp>
-      <mc:AlternateContent xmlns:mc="http://schemas.openxmlformats.org/markup-compatibility/2006">
-        <mc:Choice xmlns:a14="http://schemas.microsoft.com/office/drawing/2010/main" Requires="a14">
+      <mc:AlternateContent xmlns:mc="http://schemas.openxmlformats.org/markup-compatibility/2006" xmlns:a14="http://schemas.microsoft.com/office/drawing/2010/main">
+        <mc:Choice Requires="a14">
           <p:sp>
             <p:nvSpPr>
               <p:cNvPr id="14" name="TextBox 13">
@@ -35561,7 +35692,7 @@
             </p:txBody>
           </p:sp>
         </mc:Choice>
-        <mc:Fallback>
+        <mc:Fallback xmlns="">
           <p:sp>
             <p:nvSpPr>
               <p:cNvPr id="14" name="TextBox 13">
@@ -35606,8 +35737,8 @@
           </p:sp>
         </mc:Fallback>
       </mc:AlternateContent>
-      <mc:AlternateContent xmlns:mc="http://schemas.openxmlformats.org/markup-compatibility/2006">
-        <mc:Choice xmlns:a14="http://schemas.microsoft.com/office/drawing/2010/main" Requires="a14">
+      <mc:AlternateContent xmlns:mc="http://schemas.openxmlformats.org/markup-compatibility/2006" xmlns:a14="http://schemas.microsoft.com/office/drawing/2010/main">
+        <mc:Choice Requires="a14">
           <p:sp>
             <p:nvSpPr>
               <p:cNvPr id="15" name="TextBox 14">
@@ -35663,7 +35794,7 @@
             </p:txBody>
           </p:sp>
         </mc:Choice>
-        <mc:Fallback>
+        <mc:Fallback xmlns="">
           <p:sp>
             <p:nvSpPr>
               <p:cNvPr id="15" name="TextBox 14">
@@ -35795,6 +35926,108 @@
           </a:fontRef>
         </p:style>
       </p:cxnSp>
+      <mc:AlternateContent xmlns:mc="http://schemas.openxmlformats.org/markup-compatibility/2006">
+        <mc:Choice xmlns:a14="http://schemas.microsoft.com/office/drawing/2010/main" Requires="a14">
+          <p:sp>
+            <p:nvSpPr>
+              <p:cNvPr id="19" name="TextBox 18">
+                <a:extLst>
+                  <a:ext uri="{FF2B5EF4-FFF2-40B4-BE49-F238E27FC236}">
+                    <a16:creationId xmlns:a16="http://schemas.microsoft.com/office/drawing/2014/main" id="{7E5337A5-0B30-4F11-A44C-25EBF753FBEC}"/>
+                  </a:ext>
+                </a:extLst>
+              </p:cNvPr>
+              <p:cNvSpPr txBox="1"/>
+              <p:nvPr/>
+            </p:nvSpPr>
+            <p:spPr>
+              <a:xfrm>
+                <a:off x="11004178" y="4275469"/>
+                <a:ext cx="410690" cy="369332"/>
+              </a:xfrm>
+              <a:prstGeom prst="rect">
+                <a:avLst/>
+              </a:prstGeom>
+              <a:noFill/>
+            </p:spPr>
+            <p:txBody>
+              <a:bodyPr wrap="none" rtlCol="0">
+                <a:spAutoFit/>
+              </a:bodyPr>
+              <a:lstStyle/>
+              <a:p>
+                <a:pPr/>
+                <a14:m>
+                  <m:oMathPara xmlns:m="http://schemas.openxmlformats.org/officeDocument/2006/math">
+                    <m:oMathParaPr>
+                      <m:jc m:val="centerGroup"/>
+                    </m:oMathParaPr>
+                    <m:oMath xmlns:m="http://schemas.openxmlformats.org/officeDocument/2006/math">
+                      <m:r>
+                        <a:rPr lang="en-US" b="0" i="1" dirty="0" smtClean="0">
+                          <a:latin typeface="Cambria Math" panose="02040503050406030204" pitchFamily="18" charset="0"/>
+                        </a:rPr>
+                        <m:t>𝑆</m:t>
+                      </m:r>
+                      <m:r>
+                        <a:rPr lang="en-US" b="0" i="1" dirty="0" smtClean="0">
+                          <a:latin typeface="Cambria Math" panose="02040503050406030204" pitchFamily="18" charset="0"/>
+                        </a:rPr>
+                        <m:t>’</m:t>
+                      </m:r>
+                    </m:oMath>
+                  </m:oMathPara>
+                </a14:m>
+                <a:endParaRPr lang="ru-RU" dirty="0"/>
+              </a:p>
+            </p:txBody>
+          </p:sp>
+        </mc:Choice>
+        <mc:Fallback>
+          <p:sp>
+            <p:nvSpPr>
+              <p:cNvPr id="19" name="TextBox 18">
+                <a:extLst>
+                  <a:ext uri="{FF2B5EF4-FFF2-40B4-BE49-F238E27FC236}">
+                    <a16:creationId xmlns:a16="http://schemas.microsoft.com/office/drawing/2014/main" id="{7E5337A5-0B30-4F11-A44C-25EBF753FBEC}"/>
+                  </a:ext>
+                </a:extLst>
+              </p:cNvPr>
+              <p:cNvSpPr txBox="1">
+                <a:spLocks noRot="1" noChangeAspect="1" noMove="1" noResize="1" noEditPoints="1" noAdjustHandles="1" noChangeArrowheads="1" noChangeShapeType="1" noTextEdit="1"/>
+              </p:cNvSpPr>
+              <p:nvPr/>
+            </p:nvSpPr>
+            <p:spPr>
+              <a:xfrm>
+                <a:off x="11004178" y="4275469"/>
+                <a:ext cx="410690" cy="369332"/>
+              </a:xfrm>
+              <a:prstGeom prst="rect">
+                <a:avLst/>
+              </a:prstGeom>
+              <a:blipFill>
+                <a:blip r:embed="rId9"/>
+                <a:stretch>
+                  <a:fillRect/>
+                </a:stretch>
+              </a:blipFill>
+            </p:spPr>
+            <p:txBody>
+              <a:bodyPr/>
+              <a:lstStyle/>
+              <a:p>
+                <a:r>
+                  <a:rPr lang="ru-RU">
+                    <a:noFill/>
+                  </a:rPr>
+                  <a:t> </a:t>
+                </a:r>
+              </a:p>
+            </p:txBody>
+          </p:sp>
+        </mc:Fallback>
+      </mc:AlternateContent>
     </p:spTree>
     <p:extLst>
       <p:ext uri="{BB962C8B-B14F-4D97-AF65-F5344CB8AC3E}">
@@ -35893,8 +36126,8 @@
           </a:p>
         </p:txBody>
       </p:sp>
-      <mc:AlternateContent xmlns:mc="http://schemas.openxmlformats.org/markup-compatibility/2006" xmlns:a14="http://schemas.microsoft.com/office/drawing/2010/main">
-        <mc:Choice Requires="a14">
+      <mc:AlternateContent xmlns:mc="http://schemas.openxmlformats.org/markup-compatibility/2006">
+        <mc:Choice xmlns:a14="http://schemas.microsoft.com/office/drawing/2010/main" Requires="a14">
           <p:sp>
             <p:nvSpPr>
               <p:cNvPr id="3" name="Объект 2"/>
@@ -35991,8 +36224,12 @@
                   </m:oMath>
                 </a14:m>
                 <a:r>
+                  <a:rPr lang="en-US" dirty="0"/>
+                  <a:t>–</a:t>
+                </a:r>
+                <a:r>
                   <a:rPr lang="ru-RU" dirty="0"/>
-                  <a:t>- шифр Шеннона на </a:t>
+                  <a:t> шифр Шеннона на </a:t>
                 </a:r>
                 <a14:m>
                   <m:oMath xmlns:m="http://schemas.openxmlformats.org/officeDocument/2006/math">
@@ -36028,6 +36265,9 @@
                     </m:r>
                     <m:r>
                       <a:rPr lang="en-US" b="0" i="1" smtClean="0">
+                        <a:solidFill>
+                          <a:srgbClr val="00B050"/>
+                        </a:solidFill>
                         <a:latin typeface="Cambria Math" panose="02040503050406030204" pitchFamily="18" charset="0"/>
                       </a:rPr>
                       <m:t>𝐶</m:t>
@@ -36147,6 +36387,9 @@
                     </m:r>
                     <m:r>
                       <a:rPr lang="en-US" b="0" i="1" smtClean="0">
+                        <a:solidFill>
+                          <a:srgbClr val="00B050"/>
+                        </a:solidFill>
                         <a:latin typeface="Cambria Math" panose="02040503050406030204" pitchFamily="18" charset="0"/>
                       </a:rPr>
                       <m:t>𝐶</m:t>
@@ -36259,109 +36502,10 @@
                       <m:jc m:val="centerGroup"/>
                     </m:oMathParaPr>
                     <m:oMath xmlns:m="http://schemas.openxmlformats.org/officeDocument/2006/math">
-                      <m:r>
-                        <m:rPr>
-                          <m:sty m:val="p"/>
-                        </m:rPr>
-                        <a:rPr lang="en-US" b="0" i="0" smtClean="0">
-                          <a:latin typeface="Cambria Math" panose="02040503050406030204" pitchFamily="18" charset="0"/>
-                        </a:rPr>
-                        <m:t>Pr</m:t>
-                      </m:r>
-                      <m:r>
-                        <a:rPr lang="en-US" b="0" i="1" smtClean="0">
-                          <a:latin typeface="Cambria Math" panose="02040503050406030204" pitchFamily="18" charset="0"/>
-                        </a:rPr>
-                        <m:t>⁡[</m:t>
-                      </m:r>
-                      <m:r>
-                        <a:rPr lang="en-US" b="0" i="1" smtClean="0">
-                          <a:latin typeface="Cambria Math" panose="02040503050406030204" pitchFamily="18" charset="0"/>
-                        </a:rPr>
-                        <m:t>𝜙</m:t>
-                      </m:r>
-                      <m:d>
-                        <m:dPr>
-                          <m:endChr m:val="]"/>
-                          <m:ctrlPr>
-                            <a:rPr lang="en-US" b="0" i="1" smtClean="0">
-                              <a:latin typeface="Cambria Math" panose="02040503050406030204" pitchFamily="18" charset="0"/>
-                            </a:rPr>
-                          </m:ctrlPr>
-                        </m:dPr>
-                        <m:e>
-                          <m:r>
-                            <a:rPr lang="en-US" b="0" i="1" smtClean="0">
-                              <a:latin typeface="Cambria Math" panose="02040503050406030204" pitchFamily="18" charset="0"/>
-                            </a:rPr>
-                            <m:t>𝐸</m:t>
-                          </m:r>
-                          <m:d>
-                            <m:dPr>
-                              <m:ctrlPr>
-                                <a:rPr lang="en-US" b="0" i="1" smtClean="0">
-                                  <a:latin typeface="Cambria Math" panose="02040503050406030204" pitchFamily="18" charset="0"/>
-                                </a:rPr>
-                              </m:ctrlPr>
-                            </m:dPr>
-                            <m:e>
-                              <m:r>
-                                <a:rPr lang="en-US" b="1" i="1" smtClean="0">
-                                  <a:latin typeface="Cambria Math" panose="02040503050406030204" pitchFamily="18" charset="0"/>
-                                </a:rPr>
-                                <m:t>𝒌</m:t>
-                              </m:r>
-                              <m:r>
-                                <a:rPr lang="en-US" b="0" i="1" smtClean="0">
-                                  <a:latin typeface="Cambria Math" panose="02040503050406030204" pitchFamily="18" charset="0"/>
-                                </a:rPr>
-                                <m:t>,</m:t>
-                              </m:r>
-                              <m:sSub>
-                                <m:sSubPr>
-                                  <m:ctrlPr>
-                                    <a:rPr lang="en-US" b="0" i="1" smtClean="0">
-                                      <a:latin typeface="Cambria Math" panose="02040503050406030204" pitchFamily="18" charset="0"/>
-                                    </a:rPr>
-                                  </m:ctrlPr>
-                                </m:sSubPr>
-                                <m:e>
-                                  <m:r>
-                                    <a:rPr lang="en-US" b="0" i="1" smtClean="0">
-                                      <a:latin typeface="Cambria Math" panose="02040503050406030204" pitchFamily="18" charset="0"/>
-                                    </a:rPr>
-                                    <m:t>𝑚</m:t>
-                                  </m:r>
-                                </m:e>
-                                <m:sub>
-                                  <m:r>
-                                    <a:rPr lang="en-US" b="0" i="1" smtClean="0">
-                                      <a:latin typeface="Cambria Math" panose="02040503050406030204" pitchFamily="18" charset="0"/>
-                                    </a:rPr>
-                                    <m:t>0</m:t>
-                                  </m:r>
-                                </m:sub>
-                              </m:sSub>
-                            </m:e>
-                          </m:d>
-                          <m:r>
-                            <a:rPr lang="en-US" b="0" i="1" smtClean="0">
-                              <a:latin typeface="Cambria Math" panose="02040503050406030204" pitchFamily="18" charset="0"/>
-                            </a:rPr>
-                            <m:t>=1</m:t>
-                          </m:r>
-                        </m:e>
-                      </m:d>
-                      <m:r>
-                        <a:rPr lang="en-US" b="0" i="1" smtClean="0">
-                          <a:latin typeface="Cambria Math" panose="02040503050406030204" pitchFamily="18" charset="0"/>
-                        </a:rPr>
-                        <m:t>=</m:t>
-                      </m:r>
                       <m:func>
                         <m:funcPr>
                           <m:ctrlPr>
-                            <a:rPr lang="en-US" b="0" i="1" smtClean="0">
+                            <a:rPr lang="en-US" i="1">
                               <a:latin typeface="Cambria Math" panose="02040503050406030204" pitchFamily="18" charset="0"/>
                             </a:rPr>
                           </m:ctrlPr>
@@ -36371,7 +36515,7 @@
                             <m:rPr>
                               <m:sty m:val="p"/>
                             </m:rPr>
-                            <a:rPr lang="en-US" b="0" i="0" smtClean="0">
+                            <a:rPr lang="en-US">
                               <a:latin typeface="Cambria Math" panose="02040503050406030204" pitchFamily="18" charset="0"/>
                             </a:rPr>
                             <m:t>Pr</m:t>
@@ -36383,14 +36527,14 @@
                               <m:begChr m:val="["/>
                               <m:endChr m:val="]"/>
                               <m:ctrlPr>
-                                <a:rPr lang="en-US" b="0" i="1" smtClean="0">
+                                <a:rPr lang="en-US" i="1">
                                   <a:latin typeface="Cambria Math" panose="02040503050406030204" pitchFamily="18" charset="0"/>
                                 </a:rPr>
                               </m:ctrlPr>
                             </m:dPr>
                             <m:e>
                               <m:r>
-                                <a:rPr lang="en-US" b="0" i="1" smtClean="0">
+                                <a:rPr lang="en-US" i="1">
                                   <a:latin typeface="Cambria Math" panose="02040503050406030204" pitchFamily="18" charset="0"/>
                                 </a:rPr>
                                 <m:t>𝜙</m:t>
@@ -36398,14 +36542,14 @@
                               <m:d>
                                 <m:dPr>
                                   <m:ctrlPr>
-                                    <a:rPr lang="en-US" b="0" i="1" smtClean="0">
+                                    <a:rPr lang="en-US" i="1">
                                       <a:latin typeface="Cambria Math" panose="02040503050406030204" pitchFamily="18" charset="0"/>
                                     </a:rPr>
                                   </m:ctrlPr>
                                 </m:dPr>
                                 <m:e>
                                   <m:r>
-                                    <a:rPr lang="en-US" b="0" i="1" smtClean="0">
+                                    <a:rPr lang="en-US" i="1">
                                       <a:latin typeface="Cambria Math" panose="02040503050406030204" pitchFamily="18" charset="0"/>
                                     </a:rPr>
                                     <m:t>𝐸</m:t>
@@ -36413,20 +36557,20 @@
                                   <m:d>
                                     <m:dPr>
                                       <m:ctrlPr>
-                                        <a:rPr lang="en-US" b="0" i="1" smtClean="0">
+                                        <a:rPr lang="en-US" i="1">
                                           <a:latin typeface="Cambria Math" panose="02040503050406030204" pitchFamily="18" charset="0"/>
                                         </a:rPr>
                                       </m:ctrlPr>
                                     </m:dPr>
                                     <m:e>
                                       <m:r>
-                                        <a:rPr lang="en-US" b="1" i="1" smtClean="0">
+                                        <a:rPr lang="en-US" b="1" i="1">
                                           <a:latin typeface="Cambria Math" panose="02040503050406030204" pitchFamily="18" charset="0"/>
                                         </a:rPr>
                                         <m:t>𝒌</m:t>
                                       </m:r>
                                       <m:r>
-                                        <a:rPr lang="en-US" b="0" i="1" smtClean="0">
+                                        <a:rPr lang="en-US" i="1">
                                           <a:latin typeface="Cambria Math" panose="02040503050406030204" pitchFamily="18" charset="0"/>
                                         </a:rPr>
                                         <m:t>,</m:t>
@@ -36434,14 +36578,14 @@
                                       <m:sSub>
                                         <m:sSubPr>
                                           <m:ctrlPr>
-                                            <a:rPr lang="en-US" b="0" i="1" smtClean="0">
+                                            <a:rPr lang="en-US" i="1">
                                               <a:latin typeface="Cambria Math" panose="02040503050406030204" pitchFamily="18" charset="0"/>
                                             </a:rPr>
                                           </m:ctrlPr>
                                         </m:sSubPr>
                                         <m:e>
                                           <m:r>
-                                            <a:rPr lang="en-US" b="0" i="1" smtClean="0">
+                                            <a:rPr lang="en-US" i="1">
                                               <a:latin typeface="Cambria Math" panose="02040503050406030204" pitchFamily="18" charset="0"/>
                                             </a:rPr>
                                             <m:t>𝑚</m:t>
@@ -36449,7 +36593,125 @@
                                         </m:e>
                                         <m:sub>
                                           <m:r>
-                                            <a:rPr lang="en-US" b="0" i="1" smtClean="0">
+                                            <a:rPr lang="ru-RU" i="1">
+                                              <a:latin typeface="Cambria Math" panose="02040503050406030204" pitchFamily="18" charset="0"/>
+                                            </a:rPr>
+                                            <m:t>0</m:t>
+                                          </m:r>
+                                        </m:sub>
+                                      </m:sSub>
+                                    </m:e>
+                                  </m:d>
+                                </m:e>
+                              </m:d>
+                              <m:r>
+                                <a:rPr lang="en-US" i="1">
+                                  <a:latin typeface="Cambria Math" panose="02040503050406030204" pitchFamily="18" charset="0"/>
+                                </a:rPr>
+                                <m:t>=1</m:t>
+                              </m:r>
+                            </m:e>
+                          </m:d>
+                        </m:e>
+                      </m:func>
+                      <m:r>
+                        <a:rPr lang="en-US" i="1">
+                          <a:latin typeface="Cambria Math" panose="02040503050406030204" pitchFamily="18" charset="0"/>
+                        </a:rPr>
+                        <m:t>=</m:t>
+                      </m:r>
+                      <m:func>
+                        <m:funcPr>
+                          <m:ctrlPr>
+                            <a:rPr lang="en-US" i="1">
+                              <a:latin typeface="Cambria Math" panose="02040503050406030204" pitchFamily="18" charset="0"/>
+                            </a:rPr>
+                          </m:ctrlPr>
+                        </m:funcPr>
+                        <m:fName>
+                          <m:r>
+                            <m:rPr>
+                              <m:sty m:val="p"/>
+                            </m:rPr>
+                            <a:rPr lang="en-US">
+                              <a:latin typeface="Cambria Math" panose="02040503050406030204" pitchFamily="18" charset="0"/>
+                            </a:rPr>
+                            <m:t>Pr</m:t>
+                          </m:r>
+                        </m:fName>
+                        <m:e>
+                          <m:d>
+                            <m:dPr>
+                              <m:begChr m:val="["/>
+                              <m:endChr m:val="]"/>
+                              <m:ctrlPr>
+                                <a:rPr lang="en-US" i="1">
+                                  <a:latin typeface="Cambria Math" panose="02040503050406030204" pitchFamily="18" charset="0"/>
+                                </a:rPr>
+                              </m:ctrlPr>
+                            </m:dPr>
+                            <m:e>
+                              <m:r>
+                                <a:rPr lang="en-US" i="1">
+                                  <a:latin typeface="Cambria Math" panose="02040503050406030204" pitchFamily="18" charset="0"/>
+                                </a:rPr>
+                                <m:t>𝜙</m:t>
+                              </m:r>
+                              <m:d>
+                                <m:dPr>
+                                  <m:ctrlPr>
+                                    <a:rPr lang="en-US" i="1">
+                                      <a:latin typeface="Cambria Math" panose="02040503050406030204" pitchFamily="18" charset="0"/>
+                                    </a:rPr>
+                                  </m:ctrlPr>
+                                </m:dPr>
+                                <m:e>
+                                  <m:r>
+                                    <a:rPr lang="en-US" i="1">
+                                      <a:latin typeface="Cambria Math" panose="02040503050406030204" pitchFamily="18" charset="0"/>
+                                    </a:rPr>
+                                    <m:t>𝐸</m:t>
+                                  </m:r>
+                                  <m:d>
+                                    <m:dPr>
+                                      <m:ctrlPr>
+                                        <a:rPr lang="en-US" i="1">
+                                          <a:latin typeface="Cambria Math" panose="02040503050406030204" pitchFamily="18" charset="0"/>
+                                        </a:rPr>
+                                      </m:ctrlPr>
+                                    </m:dPr>
+                                    <m:e>
+                                      <m:r>
+                                        <a:rPr lang="en-US" b="1" i="1">
+                                          <a:latin typeface="Cambria Math" panose="02040503050406030204" pitchFamily="18" charset="0"/>
+                                        </a:rPr>
+                                        <m:t>𝒌</m:t>
+                                      </m:r>
+                                      <m:r>
+                                        <a:rPr lang="en-US" i="1">
+                                          <a:latin typeface="Cambria Math" panose="02040503050406030204" pitchFamily="18" charset="0"/>
+                                        </a:rPr>
+                                        <m:t>,</m:t>
+                                      </m:r>
+                                      <m:sSub>
+                                        <m:sSubPr>
+                                          <m:ctrlPr>
+                                            <a:rPr lang="en-US" i="1">
+                                              <a:latin typeface="Cambria Math" panose="02040503050406030204" pitchFamily="18" charset="0"/>
+                                            </a:rPr>
+                                          </m:ctrlPr>
+                                        </m:sSubPr>
+                                        <m:e>
+                                          <m:r>
+                                            <a:rPr lang="en-US" i="1">
+                                              <a:latin typeface="Cambria Math" panose="02040503050406030204" pitchFamily="18" charset="0"/>
+                                            </a:rPr>
+                                            <m:t>𝑚</m:t>
+                                          </m:r>
+                                        </m:e>
+                                        <m:sub>
+                                          <m:r>
+                                            <a:rPr lang="en-US" i="1">
                                               <a:latin typeface="Cambria Math" panose="02040503050406030204" pitchFamily="18" charset="0"/>
                                             </a:rPr>
                                             <m:t>1</m:t>
@@ -36461,7 +36723,7 @@
                                 </m:e>
                               </m:d>
                               <m:r>
-                                <a:rPr lang="en-US" b="0" i="1" smtClean="0">
+                                <a:rPr lang="en-US" i="1">
                                   <a:latin typeface="Cambria Math" panose="02040503050406030204" pitchFamily="18" charset="0"/>
                                 </a:rPr>
                                 <m:t>=1</m:t>
@@ -36509,7 +36771,7 @@
             </p:txBody>
           </p:sp>
         </mc:Choice>
-        <mc:Fallback xmlns="">
+        <mc:Fallback>
           <p:sp>
             <p:nvSpPr>
               <p:cNvPr id="3" name="Объект 2"/>
@@ -36668,8 +36930,8 @@
           </a:p>
         </p:txBody>
       </p:sp>
-      <mc:AlternateContent xmlns:mc="http://schemas.openxmlformats.org/markup-compatibility/2006" xmlns:a14="http://schemas.microsoft.com/office/drawing/2010/main">
-        <mc:Choice Requires="a14">
+      <mc:AlternateContent xmlns:mc="http://schemas.openxmlformats.org/markup-compatibility/2006">
+        <mc:Choice xmlns:a14="http://schemas.microsoft.com/office/drawing/2010/main" Requires="a14">
           <p:sp>
             <p:nvSpPr>
               <p:cNvPr id="3" name="Объект 2"/>
@@ -36761,8 +37023,12 @@
                   </m:oMath>
                 </a14:m>
                 <a:r>
+                  <a:rPr lang="en-US" dirty="0"/>
+                  <a:t>–</a:t>
+                </a:r>
+                <a:r>
                   <a:rPr lang="ru-RU" dirty="0"/>
-                  <a:t>- шифр Шеннона на </a:t>
+                  <a:t> шифр Шеннона на </a:t>
                 </a:r>
                 <a14:m>
                   <m:oMath xmlns:m="http://schemas.openxmlformats.org/officeDocument/2006/math">
@@ -37302,7 +37568,7 @@
             </p:txBody>
           </p:sp>
         </mc:Choice>
-        <mc:Fallback xmlns="">
+        <mc:Fallback>
           <p:sp>
             <p:nvSpPr>
               <p:cNvPr id="3" name="Объект 2"/>
@@ -37317,7 +37583,7 @@
               <a:blipFill>
                 <a:blip r:embed="rId2"/>
                 <a:stretch>
-                  <a:fillRect l="-1043" t="-2801" r="-1275" b="-1681"/>
+                  <a:fillRect l="-1043" t="-2801" r="-1565" b="-1681"/>
                 </a:stretch>
               </a:blipFill>
             </p:spPr>
@@ -38614,8 +38880,8 @@
           </a:prstGeom>
         </p:spPr>
       </p:pic>
-      <mc:AlternateContent xmlns:mc="http://schemas.openxmlformats.org/markup-compatibility/2006">
-        <mc:Choice xmlns:a14="http://schemas.microsoft.com/office/drawing/2010/main" Requires="a14">
+      <mc:AlternateContent xmlns:mc="http://schemas.openxmlformats.org/markup-compatibility/2006" xmlns:a14="http://schemas.microsoft.com/office/drawing/2010/main">
+        <mc:Choice Requires="a14">
           <p:sp>
             <p:nvSpPr>
               <p:cNvPr id="10" name="TextBox 9"/>
@@ -38678,7 +38944,7 @@
             </p:txBody>
           </p:sp>
         </mc:Choice>
-        <mc:Fallback>
+        <mc:Fallback xmlns="">
           <p:sp>
             <p:nvSpPr>
               <p:cNvPr id="10" name="TextBox 9"/>
@@ -38769,8 +39035,8 @@
           </a:p>
         </p:txBody>
       </p:sp>
-      <mc:AlternateContent xmlns:mc="http://schemas.openxmlformats.org/markup-compatibility/2006" xmlns:a14="http://schemas.microsoft.com/office/drawing/2010/main">
-        <mc:Choice Requires="a14">
+      <mc:AlternateContent xmlns:mc="http://schemas.openxmlformats.org/markup-compatibility/2006">
+        <mc:Choice xmlns:a14="http://schemas.microsoft.com/office/drawing/2010/main" Requires="a14">
           <p:sp>
             <p:nvSpPr>
               <p:cNvPr id="3" name="Объект 2"/>
@@ -38874,7 +39140,19 @@
                             <a:rPr lang="en-US" b="0" i="1" smtClean="0">
                               <a:latin typeface="Cambria Math" panose="02040503050406030204" pitchFamily="18" charset="0"/>
                             </a:rPr>
-                            <m:t>1…0</m:t>
+                            <m:t>1</m:t>
+                          </m:r>
+                          <m:r>
+                            <a:rPr lang="ru-RU" b="0" i="1" smtClean="0">
+                              <a:latin typeface="Cambria Math" panose="02040503050406030204" pitchFamily="18" charset="0"/>
+                            </a:rPr>
+                            <m:t>0</m:t>
+                          </m:r>
+                          <m:r>
+                            <a:rPr lang="en-US" b="0" i="1" smtClean="0">
+                              <a:latin typeface="Cambria Math" panose="02040503050406030204" pitchFamily="18" charset="0"/>
+                            </a:rPr>
+                            <m:t>…0</m:t>
                           </m:r>
                         </m:e>
                       </m:d>
@@ -39250,7 +39528,7 @@
             </p:txBody>
           </p:sp>
         </mc:Choice>
-        <mc:Fallback xmlns="">
+        <mc:Fallback>
           <p:sp>
             <p:nvSpPr>
               <p:cNvPr id="3" name="Объект 2"/>
@@ -39625,13 +39903,13 @@
                         <a:rPr lang="en-US" b="0" i="1" smtClean="0">
                           <a:latin typeface="Cambria Math" panose="02040503050406030204" pitchFamily="18" charset="0"/>
                         </a:rPr>
-                        <m:t>(бросок "чест</m:t>
+                        <m:t>(бросок "честной"</m:t>
                       </m:r>
                       <m:r>
                         <a:rPr lang="ru-RU" b="0" i="1" smtClean="0">
                           <a:latin typeface="Cambria Math" panose="02040503050406030204" pitchFamily="18" charset="0"/>
                         </a:rPr>
-                        <m:t>ной" монетки)≥</m:t>
+                        <m:t> монетки)≥</m:t>
                       </m:r>
                       <m:r>
                         <a:rPr lang="en-US" b="0" i="1" smtClean="0">
@@ -39643,13 +39921,13 @@
                         <a:rPr lang="en-US" b="0" i="1" smtClean="0">
                           <a:latin typeface="Cambria Math" panose="02040503050406030204" pitchFamily="18" charset="0"/>
                         </a:rPr>
-                        <m:t>(бросок монет</m:t>
+                        <m:t>(бросок монетки, </m:t>
                       </m:r>
                       <m:r>
                         <a:rPr lang="ru-RU" b="0" i="1" smtClean="0">
                           <a:latin typeface="Cambria Math" panose="02040503050406030204" pitchFamily="18" charset="0"/>
                         </a:rPr>
-                        <m:t>ки, одна из сторон которой тяжелее)</m:t>
+                        <m:t>одна из сторон которой тяжелее)</m:t>
                       </m:r>
                     </m:oMath>
                   </m:oMathPara>
@@ -39853,8 +40131,8 @@
           </a:p>
         </p:txBody>
       </p:sp>
-      <mc:AlternateContent xmlns:mc="http://schemas.openxmlformats.org/markup-compatibility/2006" xmlns:a14="http://schemas.microsoft.com/office/drawing/2010/main">
-        <mc:Choice Requires="a14">
+      <mc:AlternateContent xmlns:mc="http://schemas.openxmlformats.org/markup-compatibility/2006">
+        <mc:Choice xmlns:a14="http://schemas.microsoft.com/office/drawing/2010/main" Requires="a14">
           <p:sp>
             <p:nvSpPr>
               <p:cNvPr id="3" name="Объект 2"/>
@@ -39946,8 +40224,12 @@
                   </m:oMath>
                 </a14:m>
                 <a:r>
+                  <a:rPr lang="en-US" dirty="0"/>
+                  <a:t>–</a:t>
+                </a:r>
+                <a:r>
                   <a:rPr lang="ru-RU" dirty="0"/>
-                  <a:t>- шифр Шеннона на </a:t>
+                  <a:t> шифр Шеннона на </a:t>
                 </a:r>
                 <a14:m>
                   <m:oMath xmlns:m="http://schemas.openxmlformats.org/officeDocument/2006/math">
@@ -40233,7 +40515,7 @@
             </p:txBody>
           </p:sp>
         </mc:Choice>
-        <mc:Fallback xmlns="">
+        <mc:Fallback>
           <p:sp>
             <p:nvSpPr>
               <p:cNvPr id="3" name="Объект 2"/>

--- a/Lectures/Lecture1.pptx
+++ b/Lectures/Lecture1.pptx
@@ -25090,8 +25090,8 @@
           </a:p>
         </p:txBody>
       </p:sp>
-      <mc:AlternateContent xmlns:mc="http://schemas.openxmlformats.org/markup-compatibility/2006" xmlns:a14="http://schemas.microsoft.com/office/drawing/2010/main">
-        <mc:Choice Requires="a14">
+      <mc:AlternateContent xmlns:mc="http://schemas.openxmlformats.org/markup-compatibility/2006">
+        <mc:Choice xmlns:a14="http://schemas.microsoft.com/office/drawing/2010/main" Requires="a14">
           <p:sp>
             <p:nvSpPr>
               <p:cNvPr id="3" name="Объект 2"/>
@@ -25602,7 +25602,7 @@
                 </a:r>
                 <a:r>
                   <a:rPr lang="ru-RU" dirty="0"/>
-                  <a:t>имеют одинаковое распределение </a:t>
+                  <a:t>имеют одинаковое равномерное распределение </a:t>
                 </a:r>
                 <a:endParaRPr lang="en-US" dirty="0"/>
               </a:p>
@@ -26080,7 +26080,7 @@
             </p:txBody>
           </p:sp>
         </mc:Choice>
-        <mc:Fallback xmlns="">
+        <mc:Fallback>
           <p:sp>
             <p:nvSpPr>
               <p:cNvPr id="3" name="Объект 2"/>
@@ -26821,8 +26821,8 @@
           </a:p>
         </p:txBody>
       </p:sp>
-      <mc:AlternateContent xmlns:mc="http://schemas.openxmlformats.org/markup-compatibility/2006" xmlns:a14="http://schemas.microsoft.com/office/drawing/2010/main">
-        <mc:Choice Requires="a14">
+      <mc:AlternateContent xmlns:mc="http://schemas.openxmlformats.org/markup-compatibility/2006">
+        <mc:Choice xmlns:a14="http://schemas.microsoft.com/office/drawing/2010/main" Requires="a14">
           <p:sp>
             <p:nvSpPr>
               <p:cNvPr id="3" name="Объект 2"/>
@@ -27335,7 +27335,7 @@
                 </a:r>
                 <a:r>
                   <a:rPr lang="ru-RU" dirty="0"/>
-                  <a:t>имеют одинаковое распределение </a:t>
+                  <a:t>имеют одинаковое равномерное распределение </a:t>
                 </a:r>
                 <a:endParaRPr lang="en-US" dirty="0"/>
               </a:p>
@@ -27987,7 +27987,7 @@
             </p:txBody>
           </p:sp>
         </mc:Choice>
-        <mc:Fallback xmlns="">
+        <mc:Fallback>
           <p:sp>
             <p:nvSpPr>
               <p:cNvPr id="3" name="Объект 2"/>
@@ -28142,8 +28142,8 @@
           </a:p>
         </p:txBody>
       </p:sp>
-      <mc:AlternateContent xmlns:mc="http://schemas.openxmlformats.org/markup-compatibility/2006" xmlns:a14="http://schemas.microsoft.com/office/drawing/2010/main">
-        <mc:Choice Requires="a14">
+      <mc:AlternateContent xmlns:mc="http://schemas.openxmlformats.org/markup-compatibility/2006">
+        <mc:Choice xmlns:a14="http://schemas.microsoft.com/office/drawing/2010/main" Requires="a14">
           <p:sp>
             <p:nvSpPr>
               <p:cNvPr id="3" name="Объект 2"/>
@@ -28656,7 +28656,7 @@
                 </a:r>
                 <a:r>
                   <a:rPr lang="ru-RU" dirty="0"/>
-                  <a:t>имеют одинаковое распределение </a:t>
+                  <a:t>имеют одинаковое равномерное распределение </a:t>
                 </a:r>
                 <a:endParaRPr lang="en-US" dirty="0"/>
               </a:p>
@@ -29178,7 +29178,7 @@
             </p:txBody>
           </p:sp>
         </mc:Choice>
-        <mc:Fallback xmlns="">
+        <mc:Fallback>
           <p:sp>
             <p:nvSpPr>
               <p:cNvPr id="3" name="Объект 2"/>
@@ -31408,8 +31408,8 @@
           </a:p>
         </p:txBody>
       </p:sp>
-      <mc:AlternateContent xmlns:mc="http://schemas.openxmlformats.org/markup-compatibility/2006">
-        <mc:Choice xmlns:a14="http://schemas.microsoft.com/office/drawing/2010/main" Requires="a14">
+      <mc:AlternateContent xmlns:mc="http://schemas.openxmlformats.org/markup-compatibility/2006" xmlns:a14="http://schemas.microsoft.com/office/drawing/2010/main">
+        <mc:Choice Requires="a14">
           <p:sp>
             <p:nvSpPr>
               <p:cNvPr id="3" name="Объект 2"/>
@@ -32057,13 +32057,7 @@
                       <a:rPr lang="en-US" b="0" i="1" smtClean="0">
                         <a:latin typeface="Cambria Math" panose="02040503050406030204" pitchFamily="18" charset="0"/>
                       </a:rPr>
-                      <m:t>′</m:t>
-                    </m:r>
-                    <m:r>
-                      <a:rPr lang="en-US" b="0" i="1" smtClean="0">
-                        <a:latin typeface="Cambria Math" panose="02040503050406030204" pitchFamily="18" charset="0"/>
-                      </a:rPr>
-                      <m:t>=</m:t>
+                      <m:t>′=</m:t>
                     </m:r>
                     <m:d>
                       <m:dPr>
@@ -32710,7 +32704,7 @@
             </p:txBody>
           </p:sp>
         </mc:Choice>
-        <mc:Fallback>
+        <mc:Fallback xmlns="">
           <p:sp>
             <p:nvSpPr>
               <p:cNvPr id="3" name="Объект 2"/>
@@ -32919,8 +32913,8 @@
           </p:sp>
         </mc:Fallback>
       </mc:AlternateContent>
-      <mc:AlternateContent xmlns:mc="http://schemas.openxmlformats.org/markup-compatibility/2006">
-        <mc:Choice xmlns:a14="http://schemas.microsoft.com/office/drawing/2010/main" Requires="a14">
+      <mc:AlternateContent xmlns:mc="http://schemas.openxmlformats.org/markup-compatibility/2006" xmlns:a14="http://schemas.microsoft.com/office/drawing/2010/main">
+        <mc:Choice Requires="a14">
           <p:sp>
             <p:nvSpPr>
               <p:cNvPr id="8" name="Прямоугольник: скругленные углы 7">
@@ -32989,7 +32983,7 @@
             </p:txBody>
           </p:sp>
         </mc:Choice>
-        <mc:Fallback>
+        <mc:Fallback xmlns="">
           <p:sp>
             <p:nvSpPr>
               <p:cNvPr id="8" name="Прямоугольник: скругленные углы 7">
@@ -33336,8 +33330,8 @@
           </a:p>
         </p:txBody>
       </p:sp>
-      <mc:AlternateContent xmlns:mc="http://schemas.openxmlformats.org/markup-compatibility/2006">
-        <mc:Choice xmlns:a14="http://schemas.microsoft.com/office/drawing/2010/main" Requires="a14">
+      <mc:AlternateContent xmlns:mc="http://schemas.openxmlformats.org/markup-compatibility/2006" xmlns:a14="http://schemas.microsoft.com/office/drawing/2010/main">
+        <mc:Choice Requires="a14">
           <p:sp>
             <p:nvSpPr>
               <p:cNvPr id="3" name="Объект 2"/>
@@ -34509,7 +34503,7 @@
             </p:txBody>
           </p:sp>
         </mc:Choice>
-        <mc:Fallback>
+        <mc:Fallback xmlns="">
           <p:sp>
             <p:nvSpPr>
               <p:cNvPr id="3" name="Объект 2"/>
@@ -34570,8 +34564,8 @@
           </a:p>
         </p:txBody>
       </p:sp>
-      <mc:AlternateContent xmlns:mc="http://schemas.openxmlformats.org/markup-compatibility/2006">
-        <mc:Choice xmlns:a14="http://schemas.microsoft.com/office/drawing/2010/main" Requires="a14">
+      <mc:AlternateContent xmlns:mc="http://schemas.openxmlformats.org/markup-compatibility/2006" xmlns:a14="http://schemas.microsoft.com/office/drawing/2010/main">
+        <mc:Choice Requires="a14">
           <p:sp>
             <p:nvSpPr>
               <p:cNvPr id="5" name="TextBox 4"/>
@@ -35093,7 +35087,7 @@
             </p:txBody>
           </p:sp>
         </mc:Choice>
-        <mc:Fallback>
+        <mc:Fallback xmlns="">
           <p:sp>
             <p:nvSpPr>
               <p:cNvPr id="5" name="TextBox 4"/>
@@ -35326,8 +35320,8 @@
           </a:p>
         </p:txBody>
       </p:sp>
-      <mc:AlternateContent xmlns:mc="http://schemas.openxmlformats.org/markup-compatibility/2006">
-        <mc:Choice xmlns:a14="http://schemas.microsoft.com/office/drawing/2010/main" Requires="a14">
+      <mc:AlternateContent xmlns:mc="http://schemas.openxmlformats.org/markup-compatibility/2006" xmlns:a14="http://schemas.microsoft.com/office/drawing/2010/main">
+        <mc:Choice Requires="a14">
           <p:sp>
             <p:nvSpPr>
               <p:cNvPr id="11" name="TextBox 10">
@@ -35383,7 +35377,7 @@
             </p:txBody>
           </p:sp>
         </mc:Choice>
-        <mc:Fallback>
+        <mc:Fallback xmlns="">
           <p:sp>
             <p:nvSpPr>
               <p:cNvPr id="11" name="TextBox 10">
@@ -35428,8 +35422,8 @@
           </p:sp>
         </mc:Fallback>
       </mc:AlternateContent>
-      <mc:AlternateContent xmlns:mc="http://schemas.openxmlformats.org/markup-compatibility/2006">
-        <mc:Choice xmlns:a14="http://schemas.microsoft.com/office/drawing/2010/main" Requires="a14">
+      <mc:AlternateContent xmlns:mc="http://schemas.openxmlformats.org/markup-compatibility/2006" xmlns:a14="http://schemas.microsoft.com/office/drawing/2010/main">
+        <mc:Choice Requires="a14">
           <p:sp>
             <p:nvSpPr>
               <p:cNvPr id="12" name="TextBox 11">
@@ -35485,7 +35479,7 @@
             </p:txBody>
           </p:sp>
         </mc:Choice>
-        <mc:Fallback>
+        <mc:Fallback xmlns="">
           <p:sp>
             <p:nvSpPr>
               <p:cNvPr id="12" name="TextBox 11">
@@ -35926,8 +35920,8 @@
           </a:fontRef>
         </p:style>
       </p:cxnSp>
-      <mc:AlternateContent xmlns:mc="http://schemas.openxmlformats.org/markup-compatibility/2006">
-        <mc:Choice xmlns:a14="http://schemas.microsoft.com/office/drawing/2010/main" Requires="a14">
+      <mc:AlternateContent xmlns:mc="http://schemas.openxmlformats.org/markup-compatibility/2006" xmlns:a14="http://schemas.microsoft.com/office/drawing/2010/main">
+        <mc:Choice Requires="a14">
           <p:sp>
             <p:nvSpPr>
               <p:cNvPr id="19" name="TextBox 18">
@@ -35983,7 +35977,7 @@
             </p:txBody>
           </p:sp>
         </mc:Choice>
-        <mc:Fallback>
+        <mc:Fallback xmlns="">
           <p:sp>
             <p:nvSpPr>
               <p:cNvPr id="19" name="TextBox 18">
@@ -36126,8 +36120,8 @@
           </a:p>
         </p:txBody>
       </p:sp>
-      <mc:AlternateContent xmlns:mc="http://schemas.openxmlformats.org/markup-compatibility/2006">
-        <mc:Choice xmlns:a14="http://schemas.microsoft.com/office/drawing/2010/main" Requires="a14">
+      <mc:AlternateContent xmlns:mc="http://schemas.openxmlformats.org/markup-compatibility/2006" xmlns:a14="http://schemas.microsoft.com/office/drawing/2010/main">
+        <mc:Choice Requires="a14">
           <p:sp>
             <p:nvSpPr>
               <p:cNvPr id="3" name="Объект 2"/>
@@ -36771,7 +36765,7 @@
             </p:txBody>
           </p:sp>
         </mc:Choice>
-        <mc:Fallback>
+        <mc:Fallback xmlns="">
           <p:sp>
             <p:nvSpPr>
               <p:cNvPr id="3" name="Объект 2"/>
@@ -36870,8 +36864,8 @@
         </p:nvSpPr>
         <p:spPr>
           <a:xfrm>
-            <a:off x="720505" y="1690688"/>
-            <a:ext cx="10542006" cy="2485658"/>
+            <a:off x="720505" y="1690687"/>
+            <a:ext cx="10542006" cy="2834929"/>
           </a:xfrm>
           <a:prstGeom prst="roundRect">
             <a:avLst/>
@@ -36945,7 +36939,7 @@
             <p:spPr/>
             <p:txBody>
               <a:bodyPr>
-                <a:normAutofit lnSpcReduction="10000"/>
+                <a:normAutofit fontScale="92500"/>
               </a:bodyPr>
               <a:lstStyle/>
               <a:p>
@@ -37162,17 +37156,29 @@
                       </a:rPr>
                       <m:t>𝑀</m:t>
                     </m:r>
-                    <m:r>
-                      <a:rPr lang="en-US" b="0" i="0" smtClean="0">
-                        <a:latin typeface="Cambria Math" panose="02040503050406030204" pitchFamily="18" charset="0"/>
-                      </a:rPr>
-                      <m:t>.</m:t>
-                    </m:r>
                   </m:oMath>
                 </a14:m>
                 <a:r>
+                  <a:rPr lang="en-US" dirty="0"/>
+                  <a:t> (</a:t>
+                </a:r>
+                <a:r>
                   <a:rPr lang="ru-RU" dirty="0"/>
-                  <a:t> </a:t>
+                  <a:t>для </a:t>
+                </a:r>
+                <a14:m>
+                  <m:oMath xmlns:m="http://schemas.openxmlformats.org/officeDocument/2006/math">
+                    <m:r>
+                      <a:rPr lang="en-US" b="1" i="1" smtClean="0">
+                        <a:latin typeface="Cambria Math" panose="02040503050406030204" pitchFamily="18" charset="0"/>
+                      </a:rPr>
+                      <m:t>𝒎</m:t>
+                    </m:r>
+                  </m:oMath>
+                </a14:m>
+                <a:r>
+                  <a:rPr lang="ru-RU" dirty="0"/>
+                  <a:t> не обязательно равномерное распределение) </a:t>
                 </a:r>
                 <a:r>
                   <a:rPr lang="en-US" dirty="0"/>
@@ -37583,7 +37589,7 @@
               <a:blipFill>
                 <a:blip r:embed="rId2"/>
                 <a:stretch>
-                  <a:fillRect l="-1043" t="-2801" r="-1565" b="-1681"/>
+                  <a:fillRect l="-928" t="-1961" b="-3081"/>
                 </a:stretch>
               </a:blipFill>
             </p:spPr>
@@ -39035,8 +39041,8 @@
           </a:p>
         </p:txBody>
       </p:sp>
-      <mc:AlternateContent xmlns:mc="http://schemas.openxmlformats.org/markup-compatibility/2006">
-        <mc:Choice xmlns:a14="http://schemas.microsoft.com/office/drawing/2010/main" Requires="a14">
+      <mc:AlternateContent xmlns:mc="http://schemas.openxmlformats.org/markup-compatibility/2006" xmlns:a14="http://schemas.microsoft.com/office/drawing/2010/main">
+        <mc:Choice Requires="a14">
           <p:sp>
             <p:nvSpPr>
               <p:cNvPr id="3" name="Объект 2"/>
@@ -39528,7 +39534,7 @@
             </p:txBody>
           </p:sp>
         </mc:Choice>
-        <mc:Fallback>
+        <mc:Fallback xmlns="">
           <p:sp>
             <p:nvSpPr>
               <p:cNvPr id="3" name="Объект 2"/>
@@ -39903,13 +39909,13 @@
                         <a:rPr lang="en-US" b="0" i="1" smtClean="0">
                           <a:latin typeface="Cambria Math" panose="02040503050406030204" pitchFamily="18" charset="0"/>
                         </a:rPr>
-                        <m:t>(бросок "честной"</m:t>
+                        <m:t>(бросок "честной" мон</m:t>
                       </m:r>
                       <m:r>
                         <a:rPr lang="ru-RU" b="0" i="1" smtClean="0">
                           <a:latin typeface="Cambria Math" panose="02040503050406030204" pitchFamily="18" charset="0"/>
                         </a:rPr>
-                        <m:t> монетки)≥</m:t>
+                        <m:t>етки)≥</m:t>
                       </m:r>
                       <m:r>
                         <a:rPr lang="en-US" b="0" i="1" smtClean="0">
@@ -39921,13 +39927,13 @@
                         <a:rPr lang="en-US" b="0" i="1" smtClean="0">
                           <a:latin typeface="Cambria Math" panose="02040503050406030204" pitchFamily="18" charset="0"/>
                         </a:rPr>
-                        <m:t>(бросок монетки, </m:t>
+                        <m:t>(бросок монетки, одна</m:t>
                       </m:r>
                       <m:r>
                         <a:rPr lang="ru-RU" b="0" i="1" smtClean="0">
                           <a:latin typeface="Cambria Math" panose="02040503050406030204" pitchFamily="18" charset="0"/>
                         </a:rPr>
-                        <m:t>одна из сторон которой тяжелее)</m:t>
+                        <m:t> из сторон которой тяжелее)</m:t>
                       </m:r>
                     </m:oMath>
                   </m:oMathPara>
@@ -40375,7 +40381,29 @@
                 </a14:m>
                 <a:r>
                   <a:rPr lang="ru-RU" dirty="0"/>
-                  <a:t>. Тогда шифр </a:t>
+                  <a:t> </a:t>
+                </a:r>
+                <a:r>
+                  <a:rPr lang="en-US" dirty="0"/>
+                  <a:t>(</a:t>
+                </a:r>
+                <a:r>
+                  <a:rPr lang="ru-RU" dirty="0"/>
+                  <a:t>для </a:t>
+                </a:r>
+                <a14:m>
+                  <m:oMath xmlns:m="http://schemas.openxmlformats.org/officeDocument/2006/math">
+                    <m:r>
+                      <a:rPr lang="en-US" b="1" i="1">
+                        <a:latin typeface="Cambria Math" panose="02040503050406030204" pitchFamily="18" charset="0"/>
+                      </a:rPr>
+                      <m:t>𝒎</m:t>
+                    </m:r>
+                  </m:oMath>
+                </a14:m>
+                <a:r>
+                  <a:rPr lang="ru-RU" dirty="0"/>
+                  <a:t> не обязательно равномерное распределение). Тогда шифр </a:t>
                 </a:r>
                 <a14:m>
                   <m:oMath xmlns:m="http://schemas.openxmlformats.org/officeDocument/2006/math">

--- a/Lectures/Lecture1.pptx
+++ b/Lectures/Lecture1.pptx
@@ -365,7 +365,7 @@
           <a:p>
             <a:fld id="{CBA08D16-15DC-4E25-BDC3-F25146157B16}" type="datetimeFigureOut">
               <a:rPr lang="ru-RU" smtClean="0"/>
-              <a:t>03.09.2025</a:t>
+              <a:t>11.09.2025</a:t>
             </a:fld>
             <a:endParaRPr lang="ru-RU"/>
           </a:p>
@@ -941,7 +941,7 @@
           <a:p>
             <a:fld id="{FCEC8293-DB51-454A-BE81-EC8FCB31EBA2}" type="datetime1">
               <a:rPr lang="ru-RU" smtClean="0"/>
-              <a:t>03.09.2025</a:t>
+              <a:t>11.09.2025</a:t>
             </a:fld>
             <a:endParaRPr lang="ru-RU"/>
           </a:p>
@@ -1112,7 +1112,7 @@
           <a:p>
             <a:fld id="{241C87B1-1C35-4DBD-BC18-2BC72E776603}" type="datetime1">
               <a:rPr lang="ru-RU" smtClean="0"/>
-              <a:t>03.09.2025</a:t>
+              <a:t>11.09.2025</a:t>
             </a:fld>
             <a:endParaRPr lang="ru-RU"/>
           </a:p>
@@ -1293,7 +1293,7 @@
           <a:p>
             <a:fld id="{3134C275-26C0-42CD-9111-9ADE65922AF9}" type="datetime1">
               <a:rPr lang="ru-RU" smtClean="0"/>
-              <a:t>03.09.2025</a:t>
+              <a:t>11.09.2025</a:t>
             </a:fld>
             <a:endParaRPr lang="ru-RU"/>
           </a:p>
@@ -1464,7 +1464,7 @@
           <a:p>
             <a:fld id="{C1A9A50B-C350-45F5-8AAB-ADB9E670AF2E}" type="datetime1">
               <a:rPr lang="ru-RU" smtClean="0"/>
-              <a:t>03.09.2025</a:t>
+              <a:t>11.09.2025</a:t>
             </a:fld>
             <a:endParaRPr lang="ru-RU"/>
           </a:p>
@@ -1712,7 +1712,7 @@
           <a:p>
             <a:fld id="{089688C9-348F-42F9-B6C0-5990DDE0C5B2}" type="datetime1">
               <a:rPr lang="ru-RU" smtClean="0"/>
-              <a:t>03.09.2025</a:t>
+              <a:t>11.09.2025</a:t>
             </a:fld>
             <a:endParaRPr lang="ru-RU"/>
           </a:p>
@@ -1944,7 +1944,7 @@
           <a:p>
             <a:fld id="{684AFD8F-6DD9-4AD3-A505-FDC3F5C5F3F6}" type="datetime1">
               <a:rPr lang="ru-RU" smtClean="0"/>
-              <a:t>03.09.2025</a:t>
+              <a:t>11.09.2025</a:t>
             </a:fld>
             <a:endParaRPr lang="ru-RU"/>
           </a:p>
@@ -2311,7 +2311,7 @@
           <a:p>
             <a:fld id="{63551EFE-4D02-45EB-A747-8B6F047B5AA0}" type="datetime1">
               <a:rPr lang="ru-RU" smtClean="0"/>
-              <a:t>03.09.2025</a:t>
+              <a:t>11.09.2025</a:t>
             </a:fld>
             <a:endParaRPr lang="ru-RU"/>
           </a:p>
@@ -2431,7 +2431,7 @@
           <a:p>
             <a:fld id="{813A9F34-E5CD-4B8F-AA9E-889C84372B20}" type="datetime1">
               <a:rPr lang="ru-RU" smtClean="0"/>
-              <a:t>03.09.2025</a:t>
+              <a:t>11.09.2025</a:t>
             </a:fld>
             <a:endParaRPr lang="ru-RU"/>
           </a:p>
@@ -2529,7 +2529,7 @@
           <a:p>
             <a:fld id="{51224D22-9B29-44A6-8E82-95FC492DEDC1}" type="datetime1">
               <a:rPr lang="ru-RU" smtClean="0"/>
-              <a:t>03.09.2025</a:t>
+              <a:t>11.09.2025</a:t>
             </a:fld>
             <a:endParaRPr lang="ru-RU"/>
           </a:p>
@@ -2807,7 +2807,7 @@
           <a:p>
             <a:fld id="{91D1034F-4441-48A1-BDC0-25EA1022324A}" type="datetime1">
               <a:rPr lang="ru-RU" smtClean="0"/>
-              <a:t>03.09.2025</a:t>
+              <a:t>11.09.2025</a:t>
             </a:fld>
             <a:endParaRPr lang="ru-RU"/>
           </a:p>
@@ -3062,7 +3062,7 @@
           <a:p>
             <a:fld id="{B0FFDE79-B627-473B-AE17-4C65BD2495F7}" type="datetime1">
               <a:rPr lang="ru-RU" smtClean="0"/>
-              <a:t>03.09.2025</a:t>
+              <a:t>11.09.2025</a:t>
             </a:fld>
             <a:endParaRPr lang="ru-RU"/>
           </a:p>
@@ -3276,7 +3276,7 @@
           <a:p>
             <a:fld id="{11CA537A-1B8C-47BA-9BA6-7CE3FAFDA8BE}" type="datetime1">
               <a:rPr lang="ru-RU" smtClean="0"/>
-              <a:t>03.09.2025</a:t>
+              <a:t>11.09.2025</a:t>
             </a:fld>
             <a:endParaRPr lang="ru-RU"/>
           </a:p>
@@ -3722,6 +3722,10 @@
               <a:rPr lang="ru-RU" dirty="0"/>
               <a:t>Симметричные криптосистемы</a:t>
             </a:r>
+            <a:r>
+              <a:rPr lang="en-US" dirty="0"/>
+              <a:t/>
+            </a:r>
             <a:br>
               <a:rPr lang="en-US" dirty="0"/>
             </a:br>
@@ -3935,7 +3939,7 @@
           <p:cNvPr id="2" name="Заголовок 1">
             <a:extLst>
               <a:ext uri="{FF2B5EF4-FFF2-40B4-BE49-F238E27FC236}">
-                <a16:creationId xmlns:a16="http://schemas.microsoft.com/office/drawing/2014/main" id="{A8BA30DC-6378-4E66-ADCA-33358194A921}"/>
+                <a16:creationId xmlns:a16="http://schemas.microsoft.com/office/drawing/2014/main" xmlns="" id="{A8BA30DC-6378-4E66-ADCA-33358194A921}"/>
               </a:ext>
             </a:extLst>
           </p:cNvPr>
@@ -3968,7 +3972,7 @@
           <p:cNvPr id="3" name="Объект 2">
             <a:extLst>
               <a:ext uri="{FF2B5EF4-FFF2-40B4-BE49-F238E27FC236}">
-                <a16:creationId xmlns:a16="http://schemas.microsoft.com/office/drawing/2014/main" id="{746B2EB9-6C06-4959-ABE9-0321FF648651}"/>
+                <a16:creationId xmlns:a16="http://schemas.microsoft.com/office/drawing/2014/main" xmlns="" id="{746B2EB9-6C06-4959-ABE9-0321FF648651}"/>
               </a:ext>
             </a:extLst>
           </p:cNvPr>
@@ -4052,7 +4056,7 @@
           <p:cNvPr id="4" name="Номер слайда 3">
             <a:extLst>
               <a:ext uri="{FF2B5EF4-FFF2-40B4-BE49-F238E27FC236}">
-                <a16:creationId xmlns:a16="http://schemas.microsoft.com/office/drawing/2014/main" id="{7E3CB3D5-4FCA-45F5-A504-60DE52A265A8}"/>
+                <a16:creationId xmlns:a16="http://schemas.microsoft.com/office/drawing/2014/main" xmlns="" id="{7E3CB3D5-4FCA-45F5-A504-60DE52A265A8}"/>
               </a:ext>
             </a:extLst>
           </p:cNvPr>
@@ -5808,7 +5812,7 @@
           <p:cNvPr id="2" name="Заголовок 1">
             <a:extLst>
               <a:ext uri="{FF2B5EF4-FFF2-40B4-BE49-F238E27FC236}">
-                <a16:creationId xmlns:a16="http://schemas.microsoft.com/office/drawing/2014/main" id="{E8F26C5E-8854-4F6C-BF2F-F94A72158740}"/>
+                <a16:creationId xmlns:a16="http://schemas.microsoft.com/office/drawing/2014/main" xmlns="" id="{E8F26C5E-8854-4F6C-BF2F-F94A72158740}"/>
               </a:ext>
             </a:extLst>
           </p:cNvPr>
@@ -5836,7 +5840,7 @@
           <p:cNvPr id="3" name="Объект 2">
             <a:extLst>
               <a:ext uri="{FF2B5EF4-FFF2-40B4-BE49-F238E27FC236}">
-                <a16:creationId xmlns:a16="http://schemas.microsoft.com/office/drawing/2014/main" id="{81D53E11-D0D0-4BA7-A8FC-AD3B3F6DEFD1}"/>
+                <a16:creationId xmlns:a16="http://schemas.microsoft.com/office/drawing/2014/main" xmlns="" id="{81D53E11-D0D0-4BA7-A8FC-AD3B3F6DEFD1}"/>
               </a:ext>
             </a:extLst>
           </p:cNvPr>
@@ -5929,7 +5933,7 @@
           <p:cNvPr id="4" name="Номер слайда 3">
             <a:extLst>
               <a:ext uri="{FF2B5EF4-FFF2-40B4-BE49-F238E27FC236}">
-                <a16:creationId xmlns:a16="http://schemas.microsoft.com/office/drawing/2014/main" id="{87B38D73-BE13-43C9-96E6-75686194F7E2}"/>
+                <a16:creationId xmlns:a16="http://schemas.microsoft.com/office/drawing/2014/main" xmlns="" id="{87B38D73-BE13-43C9-96E6-75686194F7E2}"/>
               </a:ext>
             </a:extLst>
           </p:cNvPr>
@@ -5988,7 +5992,7 @@
           <p:cNvPr id="2" name="Заголовок 1">
             <a:extLst>
               <a:ext uri="{FF2B5EF4-FFF2-40B4-BE49-F238E27FC236}">
-                <a16:creationId xmlns:a16="http://schemas.microsoft.com/office/drawing/2014/main" id="{90DAE248-EB2B-4755-9CE0-D7DE069642E7}"/>
+                <a16:creationId xmlns:a16="http://schemas.microsoft.com/office/drawing/2014/main" xmlns="" id="{90DAE248-EB2B-4755-9CE0-D7DE069642E7}"/>
               </a:ext>
             </a:extLst>
           </p:cNvPr>
@@ -6016,7 +6020,7 @@
           <p:cNvPr id="4" name="Номер слайда 3">
             <a:extLst>
               <a:ext uri="{FF2B5EF4-FFF2-40B4-BE49-F238E27FC236}">
-                <a16:creationId xmlns:a16="http://schemas.microsoft.com/office/drawing/2014/main" id="{5C9A34F6-4F1D-4746-98FC-B8A48B858297}"/>
+                <a16:creationId xmlns:a16="http://schemas.microsoft.com/office/drawing/2014/main" xmlns="" id="{5C9A34F6-4F1D-4746-98FC-B8A48B858297}"/>
               </a:ext>
             </a:extLst>
           </p:cNvPr>
@@ -6045,7 +6049,7 @@
           <p:cNvPr id="8" name="Прямоугольник 7">
             <a:extLst>
               <a:ext uri="{FF2B5EF4-FFF2-40B4-BE49-F238E27FC236}">
-                <a16:creationId xmlns:a16="http://schemas.microsoft.com/office/drawing/2014/main" id="{C5C6D00E-0C13-41E4-B7F4-D5B9E8B96A75}"/>
+                <a16:creationId xmlns:a16="http://schemas.microsoft.com/office/drawing/2014/main" xmlns="" id="{C5C6D00E-0C13-41E4-B7F4-D5B9E8B96A75}"/>
               </a:ext>
             </a:extLst>
           </p:cNvPr>
@@ -6094,7 +6098,7 @@
           <p:cNvPr id="9" name="Прямоугольник 8">
             <a:extLst>
               <a:ext uri="{FF2B5EF4-FFF2-40B4-BE49-F238E27FC236}">
-                <a16:creationId xmlns:a16="http://schemas.microsoft.com/office/drawing/2014/main" id="{AABA0C71-95BC-4792-AF69-282F4C3AE222}"/>
+                <a16:creationId xmlns:a16="http://schemas.microsoft.com/office/drawing/2014/main" xmlns="" id="{AABA0C71-95BC-4792-AF69-282F4C3AE222}"/>
               </a:ext>
             </a:extLst>
           </p:cNvPr>
@@ -6143,7 +6147,7 @@
           <p:cNvPr id="11" name="Рисунок 10">
             <a:extLst>
               <a:ext uri="{FF2B5EF4-FFF2-40B4-BE49-F238E27FC236}">
-                <a16:creationId xmlns:a16="http://schemas.microsoft.com/office/drawing/2014/main" id="{0A664895-8511-475A-997E-2D74F7B497D5}"/>
+                <a16:creationId xmlns:a16="http://schemas.microsoft.com/office/drawing/2014/main" xmlns="" id="{0A664895-8511-475A-997E-2D74F7B497D5}"/>
               </a:ext>
             </a:extLst>
           </p:cNvPr>
@@ -6179,7 +6183,7 @@
           <p:cNvPr id="12" name="Прямоугольник 11">
             <a:extLst>
               <a:ext uri="{FF2B5EF4-FFF2-40B4-BE49-F238E27FC236}">
-                <a16:creationId xmlns:a16="http://schemas.microsoft.com/office/drawing/2014/main" id="{782B7E91-B4E0-4A47-9EDC-A8C5C2D35E90}"/>
+                <a16:creationId xmlns:a16="http://schemas.microsoft.com/office/drawing/2014/main" xmlns="" id="{782B7E91-B4E0-4A47-9EDC-A8C5C2D35E90}"/>
               </a:ext>
             </a:extLst>
           </p:cNvPr>
@@ -6228,7 +6232,7 @@
           <p:cNvPr id="14" name="Прямая со стрелкой 13">
             <a:extLst>
               <a:ext uri="{FF2B5EF4-FFF2-40B4-BE49-F238E27FC236}">
-                <a16:creationId xmlns:a16="http://schemas.microsoft.com/office/drawing/2014/main" id="{494AE664-36D8-43A5-A2F3-EE57FD834D74}"/>
+                <a16:creationId xmlns:a16="http://schemas.microsoft.com/office/drawing/2014/main" xmlns="" id="{494AE664-36D8-43A5-A2F3-EE57FD834D74}"/>
               </a:ext>
             </a:extLst>
           </p:cNvPr>
@@ -6271,7 +6275,7 @@
           <p:cNvPr id="17" name="Прямая со стрелкой 16">
             <a:extLst>
               <a:ext uri="{FF2B5EF4-FFF2-40B4-BE49-F238E27FC236}">
-                <a16:creationId xmlns:a16="http://schemas.microsoft.com/office/drawing/2014/main" id="{40528B61-805F-44BD-87D2-473C9288BE3A}"/>
+                <a16:creationId xmlns:a16="http://schemas.microsoft.com/office/drawing/2014/main" xmlns="" id="{40528B61-805F-44BD-87D2-473C9288BE3A}"/>
               </a:ext>
             </a:extLst>
           </p:cNvPr>
@@ -6314,7 +6318,7 @@
           <p:cNvPr id="21" name="Прямая со стрелкой 20">
             <a:extLst>
               <a:ext uri="{FF2B5EF4-FFF2-40B4-BE49-F238E27FC236}">
-                <a16:creationId xmlns:a16="http://schemas.microsoft.com/office/drawing/2014/main" id="{FCE5B01E-851E-42F5-8287-5ADFB3870352}"/>
+                <a16:creationId xmlns:a16="http://schemas.microsoft.com/office/drawing/2014/main" xmlns="" id="{FCE5B01E-851E-42F5-8287-5ADFB3870352}"/>
               </a:ext>
             </a:extLst>
           </p:cNvPr>
@@ -6357,7 +6361,7 @@
           <p:cNvPr id="26" name="Объект 2">
             <a:extLst>
               <a:ext uri="{FF2B5EF4-FFF2-40B4-BE49-F238E27FC236}">
-                <a16:creationId xmlns:a16="http://schemas.microsoft.com/office/drawing/2014/main" id="{B32C4AF2-B1AA-48F2-9D3D-6012156992B6}"/>
+                <a16:creationId xmlns:a16="http://schemas.microsoft.com/office/drawing/2014/main" xmlns="" id="{B32C4AF2-B1AA-48F2-9D3D-6012156992B6}"/>
               </a:ext>
             </a:extLst>
           </p:cNvPr>
@@ -6788,7 +6792,7 @@
           <p:cNvPr id="10" name="TextBox 9">
             <a:extLst>
               <a:ext uri="{FF2B5EF4-FFF2-40B4-BE49-F238E27FC236}">
-                <a16:creationId xmlns:a16="http://schemas.microsoft.com/office/drawing/2014/main" id="{B8527A0B-BF8D-439D-9CC4-0C5E6B14DACD}"/>
+                <a16:creationId xmlns:a16="http://schemas.microsoft.com/office/drawing/2014/main" xmlns="" id="{B8527A0B-BF8D-439D-9CC4-0C5E6B14DACD}"/>
               </a:ext>
             </a:extLst>
           </p:cNvPr>
@@ -7696,7 +7700,7 @@
           <p:cNvPr id="14" name="TextBox 13">
             <a:extLst>
               <a:ext uri="{FF2B5EF4-FFF2-40B4-BE49-F238E27FC236}">
-                <a16:creationId xmlns:a16="http://schemas.microsoft.com/office/drawing/2014/main" id="{6FC5AE28-BED6-421B-AB92-65525C582053}"/>
+                <a16:creationId xmlns:a16="http://schemas.microsoft.com/office/drawing/2014/main" xmlns="" id="{6FC5AE28-BED6-421B-AB92-65525C582053}"/>
               </a:ext>
             </a:extLst>
           </p:cNvPr>
@@ -7766,7 +7770,7 @@
           <p:cNvPr id="2" name="Заголовок 1">
             <a:extLst>
               <a:ext uri="{FF2B5EF4-FFF2-40B4-BE49-F238E27FC236}">
-                <a16:creationId xmlns:a16="http://schemas.microsoft.com/office/drawing/2014/main" id="{3A6DA7CB-5539-4DF0-ADC9-C00030B42026}"/>
+                <a16:creationId xmlns:a16="http://schemas.microsoft.com/office/drawing/2014/main" xmlns="" id="{3A6DA7CB-5539-4DF0-ADC9-C00030B42026}"/>
               </a:ext>
             </a:extLst>
           </p:cNvPr>
@@ -7794,7 +7798,7 @@
           <p:cNvPr id="3" name="Объект 2">
             <a:extLst>
               <a:ext uri="{FF2B5EF4-FFF2-40B4-BE49-F238E27FC236}">
-                <a16:creationId xmlns:a16="http://schemas.microsoft.com/office/drawing/2014/main" id="{88B20509-77E2-414F-B499-E06CB10CC996}"/>
+                <a16:creationId xmlns:a16="http://schemas.microsoft.com/office/drawing/2014/main" xmlns="" id="{88B20509-77E2-414F-B499-E06CB10CC996}"/>
               </a:ext>
             </a:extLst>
           </p:cNvPr>
@@ -7819,7 +7823,7 @@
           <p:cNvPr id="4" name="Номер слайда 3">
             <a:extLst>
               <a:ext uri="{FF2B5EF4-FFF2-40B4-BE49-F238E27FC236}">
-                <a16:creationId xmlns:a16="http://schemas.microsoft.com/office/drawing/2014/main" id="{4D37AD5B-6C3D-4DF0-AFB2-955C55233C1F}"/>
+                <a16:creationId xmlns:a16="http://schemas.microsoft.com/office/drawing/2014/main" xmlns="" id="{4D37AD5B-6C3D-4DF0-AFB2-955C55233C1F}"/>
               </a:ext>
             </a:extLst>
           </p:cNvPr>
@@ -7899,9 +7903,17 @@
               <a:rPr lang="ru-RU" dirty="0"/>
               <a:t>Прикладное мостостроение</a:t>
             </a:r>
+            <a:r>
+              <a:rPr lang="en-US" dirty="0"/>
+              <a:t/>
+            </a:r>
             <a:br>
               <a:rPr lang="en-US" dirty="0"/>
             </a:br>
+            <a:r>
+              <a:rPr lang="en-US" dirty="0"/>
+              <a:t/>
+            </a:r>
             <a:br>
               <a:rPr lang="en-US" dirty="0"/>
             </a:br>
@@ -7950,7 +7962,7 @@
           <p:cNvPr id="4" name="TextBox 3">
             <a:extLst>
               <a:ext uri="{FF2B5EF4-FFF2-40B4-BE49-F238E27FC236}">
-                <a16:creationId xmlns:a16="http://schemas.microsoft.com/office/drawing/2014/main" id="{34B12DB4-1AF2-4CBF-8D01-53B47F83B95E}"/>
+                <a16:creationId xmlns:a16="http://schemas.microsoft.com/office/drawing/2014/main" xmlns="" id="{34B12DB4-1AF2-4CBF-8D01-53B47F83B95E}"/>
               </a:ext>
             </a:extLst>
           </p:cNvPr>
@@ -8020,7 +8032,7 @@
           <p:cNvPr id="2" name="Заголовок 1">
             <a:extLst>
               <a:ext uri="{FF2B5EF4-FFF2-40B4-BE49-F238E27FC236}">
-                <a16:creationId xmlns:a16="http://schemas.microsoft.com/office/drawing/2014/main" id="{E1B83884-D444-4583-BE06-D94A5979E1A7}"/>
+                <a16:creationId xmlns:a16="http://schemas.microsoft.com/office/drawing/2014/main" xmlns="" id="{E1B83884-D444-4583-BE06-D94A5979E1A7}"/>
               </a:ext>
             </a:extLst>
           </p:cNvPr>
@@ -8048,7 +8060,7 @@
           <p:cNvPr id="3" name="Объект 2">
             <a:extLst>
               <a:ext uri="{FF2B5EF4-FFF2-40B4-BE49-F238E27FC236}">
-                <a16:creationId xmlns:a16="http://schemas.microsoft.com/office/drawing/2014/main" id="{99469E88-CC16-4425-B7E6-E339F726C857}"/>
+                <a16:creationId xmlns:a16="http://schemas.microsoft.com/office/drawing/2014/main" xmlns="" id="{99469E88-CC16-4425-B7E6-E339F726C857}"/>
               </a:ext>
             </a:extLst>
           </p:cNvPr>
@@ -8086,7 +8098,7 @@
           <p:cNvPr id="4" name="Номер слайда 3">
             <a:extLst>
               <a:ext uri="{FF2B5EF4-FFF2-40B4-BE49-F238E27FC236}">
-                <a16:creationId xmlns:a16="http://schemas.microsoft.com/office/drawing/2014/main" id="{0F95AF13-AF29-4C9B-9759-5DCF3FDF643B}"/>
+                <a16:creationId xmlns:a16="http://schemas.microsoft.com/office/drawing/2014/main" xmlns="" id="{0F95AF13-AF29-4C9B-9759-5DCF3FDF643B}"/>
               </a:ext>
             </a:extLst>
           </p:cNvPr>
@@ -8115,7 +8127,7 @@
           <p:cNvPr id="10" name="Рисунок 9">
             <a:extLst>
               <a:ext uri="{FF2B5EF4-FFF2-40B4-BE49-F238E27FC236}">
-                <a16:creationId xmlns:a16="http://schemas.microsoft.com/office/drawing/2014/main" id="{5384A785-C173-4A26-9EDD-7C04071AF2B5}"/>
+                <a16:creationId xmlns:a16="http://schemas.microsoft.com/office/drawing/2014/main" xmlns="" id="{5384A785-C173-4A26-9EDD-7C04071AF2B5}"/>
               </a:ext>
             </a:extLst>
           </p:cNvPr>
@@ -8151,7 +8163,7 @@
           <p:cNvPr id="14" name="Рисунок 13">
             <a:extLst>
               <a:ext uri="{FF2B5EF4-FFF2-40B4-BE49-F238E27FC236}">
-                <a16:creationId xmlns:a16="http://schemas.microsoft.com/office/drawing/2014/main" id="{DD7C776D-CE5A-477B-921B-AA499829EED8}"/>
+                <a16:creationId xmlns:a16="http://schemas.microsoft.com/office/drawing/2014/main" xmlns="" id="{DD7C776D-CE5A-477B-921B-AA499829EED8}"/>
               </a:ext>
             </a:extLst>
           </p:cNvPr>
@@ -8287,7 +8299,7 @@
           <p:cNvPr id="2" name="Заголовок 1">
             <a:extLst>
               <a:ext uri="{FF2B5EF4-FFF2-40B4-BE49-F238E27FC236}">
-                <a16:creationId xmlns:a16="http://schemas.microsoft.com/office/drawing/2014/main" id="{90DAE248-EB2B-4755-9CE0-D7DE069642E7}"/>
+                <a16:creationId xmlns:a16="http://schemas.microsoft.com/office/drawing/2014/main" xmlns="" id="{90DAE248-EB2B-4755-9CE0-D7DE069642E7}"/>
               </a:ext>
             </a:extLst>
           </p:cNvPr>
@@ -8315,7 +8327,7 @@
           <p:cNvPr id="4" name="Номер слайда 3">
             <a:extLst>
               <a:ext uri="{FF2B5EF4-FFF2-40B4-BE49-F238E27FC236}">
-                <a16:creationId xmlns:a16="http://schemas.microsoft.com/office/drawing/2014/main" id="{5C9A34F6-4F1D-4746-98FC-B8A48B858297}"/>
+                <a16:creationId xmlns:a16="http://schemas.microsoft.com/office/drawing/2014/main" xmlns="" id="{5C9A34F6-4F1D-4746-98FC-B8A48B858297}"/>
               </a:ext>
             </a:extLst>
           </p:cNvPr>
@@ -8344,7 +8356,7 @@
           <p:cNvPr id="8" name="Прямоугольник 7">
             <a:extLst>
               <a:ext uri="{FF2B5EF4-FFF2-40B4-BE49-F238E27FC236}">
-                <a16:creationId xmlns:a16="http://schemas.microsoft.com/office/drawing/2014/main" id="{C5C6D00E-0C13-41E4-B7F4-D5B9E8B96A75}"/>
+                <a16:creationId xmlns:a16="http://schemas.microsoft.com/office/drawing/2014/main" xmlns="" id="{C5C6D00E-0C13-41E4-B7F4-D5B9E8B96A75}"/>
               </a:ext>
             </a:extLst>
           </p:cNvPr>
@@ -8393,7 +8405,7 @@
           <p:cNvPr id="9" name="Прямоугольник 8">
             <a:extLst>
               <a:ext uri="{FF2B5EF4-FFF2-40B4-BE49-F238E27FC236}">
-                <a16:creationId xmlns:a16="http://schemas.microsoft.com/office/drawing/2014/main" id="{AABA0C71-95BC-4792-AF69-282F4C3AE222}"/>
+                <a16:creationId xmlns:a16="http://schemas.microsoft.com/office/drawing/2014/main" xmlns="" id="{AABA0C71-95BC-4792-AF69-282F4C3AE222}"/>
               </a:ext>
             </a:extLst>
           </p:cNvPr>
@@ -8442,7 +8454,7 @@
           <p:cNvPr id="11" name="Рисунок 10">
             <a:extLst>
               <a:ext uri="{FF2B5EF4-FFF2-40B4-BE49-F238E27FC236}">
-                <a16:creationId xmlns:a16="http://schemas.microsoft.com/office/drawing/2014/main" id="{0A664895-8511-475A-997E-2D74F7B497D5}"/>
+                <a16:creationId xmlns:a16="http://schemas.microsoft.com/office/drawing/2014/main" xmlns="" id="{0A664895-8511-475A-997E-2D74F7B497D5}"/>
               </a:ext>
             </a:extLst>
           </p:cNvPr>
@@ -8478,7 +8490,7 @@
           <p:cNvPr id="12" name="Прямоугольник 11">
             <a:extLst>
               <a:ext uri="{FF2B5EF4-FFF2-40B4-BE49-F238E27FC236}">
-                <a16:creationId xmlns:a16="http://schemas.microsoft.com/office/drawing/2014/main" id="{782B7E91-B4E0-4A47-9EDC-A8C5C2D35E90}"/>
+                <a16:creationId xmlns:a16="http://schemas.microsoft.com/office/drawing/2014/main" xmlns="" id="{782B7E91-B4E0-4A47-9EDC-A8C5C2D35E90}"/>
               </a:ext>
             </a:extLst>
           </p:cNvPr>
@@ -8527,7 +8539,7 @@
           <p:cNvPr id="14" name="Прямая со стрелкой 13">
             <a:extLst>
               <a:ext uri="{FF2B5EF4-FFF2-40B4-BE49-F238E27FC236}">
-                <a16:creationId xmlns:a16="http://schemas.microsoft.com/office/drawing/2014/main" id="{494AE664-36D8-43A5-A2F3-EE57FD834D74}"/>
+                <a16:creationId xmlns:a16="http://schemas.microsoft.com/office/drawing/2014/main" xmlns="" id="{494AE664-36D8-43A5-A2F3-EE57FD834D74}"/>
               </a:ext>
             </a:extLst>
           </p:cNvPr>
@@ -8570,7 +8582,7 @@
           <p:cNvPr id="17" name="Прямая со стрелкой 16">
             <a:extLst>
               <a:ext uri="{FF2B5EF4-FFF2-40B4-BE49-F238E27FC236}">
-                <a16:creationId xmlns:a16="http://schemas.microsoft.com/office/drawing/2014/main" id="{40528B61-805F-44BD-87D2-473C9288BE3A}"/>
+                <a16:creationId xmlns:a16="http://schemas.microsoft.com/office/drawing/2014/main" xmlns="" id="{40528B61-805F-44BD-87D2-473C9288BE3A}"/>
               </a:ext>
             </a:extLst>
           </p:cNvPr>
@@ -8613,7 +8625,7 @@
           <p:cNvPr id="21" name="Прямая со стрелкой 20">
             <a:extLst>
               <a:ext uri="{FF2B5EF4-FFF2-40B4-BE49-F238E27FC236}">
-                <a16:creationId xmlns:a16="http://schemas.microsoft.com/office/drawing/2014/main" id="{FCE5B01E-851E-42F5-8287-5ADFB3870352}"/>
+                <a16:creationId xmlns:a16="http://schemas.microsoft.com/office/drawing/2014/main" xmlns="" id="{FCE5B01E-851E-42F5-8287-5ADFB3870352}"/>
               </a:ext>
             </a:extLst>
           </p:cNvPr>
@@ -8656,7 +8668,7 @@
           <p:cNvPr id="26" name="Объект 2">
             <a:extLst>
               <a:ext uri="{FF2B5EF4-FFF2-40B4-BE49-F238E27FC236}">
-                <a16:creationId xmlns:a16="http://schemas.microsoft.com/office/drawing/2014/main" id="{B32C4AF2-B1AA-48F2-9D3D-6012156992B6}"/>
+                <a16:creationId xmlns:a16="http://schemas.microsoft.com/office/drawing/2014/main" xmlns="" id="{B32C4AF2-B1AA-48F2-9D3D-6012156992B6}"/>
               </a:ext>
             </a:extLst>
           </p:cNvPr>
@@ -8767,7 +8779,7 @@
           <p:cNvPr id="2" name="Заголовок 1">
             <a:extLst>
               <a:ext uri="{FF2B5EF4-FFF2-40B4-BE49-F238E27FC236}">
-                <a16:creationId xmlns:a16="http://schemas.microsoft.com/office/drawing/2014/main" id="{31CC3AF5-395C-444A-A396-FF7CD386E6BE}"/>
+                <a16:creationId xmlns:a16="http://schemas.microsoft.com/office/drawing/2014/main" xmlns="" id="{31CC3AF5-395C-444A-A396-FF7CD386E6BE}"/>
               </a:ext>
             </a:extLst>
           </p:cNvPr>
@@ -8797,7 +8809,7 @@
               <p:cNvPr id="3" name="Объект 2">
                 <a:extLst>
                   <a:ext uri="{FF2B5EF4-FFF2-40B4-BE49-F238E27FC236}">
-                    <a16:creationId xmlns:a16="http://schemas.microsoft.com/office/drawing/2014/main" id="{19B43A81-AEC9-467F-917D-830B0AC98511}"/>
+                    <a16:creationId xmlns:a16="http://schemas.microsoft.com/office/drawing/2014/main" xmlns="" id="{19B43A81-AEC9-467F-917D-830B0AC98511}"/>
                   </a:ext>
                 </a:extLst>
               </p:cNvPr>
@@ -9145,7 +9157,7 @@
           <p:cNvPr id="4" name="Номер слайда 3">
             <a:extLst>
               <a:ext uri="{FF2B5EF4-FFF2-40B4-BE49-F238E27FC236}">
-                <a16:creationId xmlns:a16="http://schemas.microsoft.com/office/drawing/2014/main" id="{8CCF934F-93F1-407B-B004-90AE340E9AF3}"/>
+                <a16:creationId xmlns:a16="http://schemas.microsoft.com/office/drawing/2014/main" xmlns="" id="{8CCF934F-93F1-407B-B004-90AE340E9AF3}"/>
               </a:ext>
             </a:extLst>
           </p:cNvPr>
@@ -9174,7 +9186,7 @@
           <p:cNvPr id="5" name="Рисунок 4">
             <a:extLst>
               <a:ext uri="{FF2B5EF4-FFF2-40B4-BE49-F238E27FC236}">
-                <a16:creationId xmlns:a16="http://schemas.microsoft.com/office/drawing/2014/main" id="{961202E5-14F9-44D3-AC34-E82FF784700C}"/>
+                <a16:creationId xmlns:a16="http://schemas.microsoft.com/office/drawing/2014/main" xmlns="" id="{961202E5-14F9-44D3-AC34-E82FF784700C}"/>
               </a:ext>
             </a:extLst>
           </p:cNvPr>
@@ -9210,7 +9222,7 @@
           <p:cNvPr id="6" name="TextBox 5">
             <a:extLst>
               <a:ext uri="{FF2B5EF4-FFF2-40B4-BE49-F238E27FC236}">
-                <a16:creationId xmlns:a16="http://schemas.microsoft.com/office/drawing/2014/main" id="{E70A8033-ED4B-4890-8DDE-4AA6E4AD5A6E}"/>
+                <a16:creationId xmlns:a16="http://schemas.microsoft.com/office/drawing/2014/main" xmlns="" id="{E70A8033-ED4B-4890-8DDE-4AA6E4AD5A6E}"/>
               </a:ext>
             </a:extLst>
           </p:cNvPr>
@@ -9245,7 +9257,7 @@
           <p:cNvPr id="7" name="TextBox 6">
             <a:extLst>
               <a:ext uri="{FF2B5EF4-FFF2-40B4-BE49-F238E27FC236}">
-                <a16:creationId xmlns:a16="http://schemas.microsoft.com/office/drawing/2014/main" id="{013E5A94-F772-4779-AC2F-EF7D252A5EA7}"/>
+                <a16:creationId xmlns:a16="http://schemas.microsoft.com/office/drawing/2014/main" xmlns="" id="{013E5A94-F772-4779-AC2F-EF7D252A5EA7}"/>
               </a:ext>
             </a:extLst>
           </p:cNvPr>
@@ -9280,7 +9292,7 @@
           <p:cNvPr id="8" name="TextBox 7">
             <a:extLst>
               <a:ext uri="{FF2B5EF4-FFF2-40B4-BE49-F238E27FC236}">
-                <a16:creationId xmlns:a16="http://schemas.microsoft.com/office/drawing/2014/main" id="{D9CA2F0D-EFF3-47BD-AE5A-364DD9D0F9EC}"/>
+                <a16:creationId xmlns:a16="http://schemas.microsoft.com/office/drawing/2014/main" xmlns="" id="{D9CA2F0D-EFF3-47BD-AE5A-364DD9D0F9EC}"/>
               </a:ext>
             </a:extLst>
           </p:cNvPr>
@@ -9315,7 +9327,7 @@
           <p:cNvPr id="10" name="Соединитель: изогнутый 9">
             <a:extLst>
               <a:ext uri="{FF2B5EF4-FFF2-40B4-BE49-F238E27FC236}">
-                <a16:creationId xmlns:a16="http://schemas.microsoft.com/office/drawing/2014/main" id="{8363652A-1D79-4460-87BB-236C6B7AFD80}"/>
+                <a16:creationId xmlns:a16="http://schemas.microsoft.com/office/drawing/2014/main" xmlns="" id="{8363652A-1D79-4460-87BB-236C6B7AFD80}"/>
               </a:ext>
             </a:extLst>
           </p:cNvPr>
@@ -9360,7 +9372,7 @@
           <p:cNvPr id="16" name="Соединитель: изогнутый 15">
             <a:extLst>
               <a:ext uri="{FF2B5EF4-FFF2-40B4-BE49-F238E27FC236}">
-                <a16:creationId xmlns:a16="http://schemas.microsoft.com/office/drawing/2014/main" id="{3F19AAD0-7AFD-45A3-8073-705FA33DF691}"/>
+                <a16:creationId xmlns:a16="http://schemas.microsoft.com/office/drawing/2014/main" xmlns="" id="{3F19AAD0-7AFD-45A3-8073-705FA33DF691}"/>
               </a:ext>
             </a:extLst>
           </p:cNvPr>
@@ -9404,7 +9416,7 @@
           <p:cNvPr id="20" name="Соединитель: изогнутый 19">
             <a:extLst>
               <a:ext uri="{FF2B5EF4-FFF2-40B4-BE49-F238E27FC236}">
-                <a16:creationId xmlns:a16="http://schemas.microsoft.com/office/drawing/2014/main" id="{0A0DA59B-B728-4D08-8514-7CED0FD98783}"/>
+                <a16:creationId xmlns:a16="http://schemas.microsoft.com/office/drawing/2014/main" xmlns="" id="{0A0DA59B-B728-4D08-8514-7CED0FD98783}"/>
               </a:ext>
             </a:extLst>
           </p:cNvPr>
@@ -9989,7 +10001,7 @@
           <p:cNvPr id="10" name="Прямоугольник 9">
             <a:extLst>
               <a:ext uri="{FF2B5EF4-FFF2-40B4-BE49-F238E27FC236}">
-                <a16:creationId xmlns:a16="http://schemas.microsoft.com/office/drawing/2014/main" id="{81B2B077-533D-4081-8EB7-95F769E65E96}"/>
+                <a16:creationId xmlns:a16="http://schemas.microsoft.com/office/drawing/2014/main" xmlns="" id="{81B2B077-533D-4081-8EB7-95F769E65E96}"/>
               </a:ext>
             </a:extLst>
           </p:cNvPr>
@@ -10038,7 +10050,7 @@
           <p:cNvPr id="11" name="Прямоугольник 10">
             <a:extLst>
               <a:ext uri="{FF2B5EF4-FFF2-40B4-BE49-F238E27FC236}">
-                <a16:creationId xmlns:a16="http://schemas.microsoft.com/office/drawing/2014/main" id="{F64CA5FB-2463-4F64-B138-B1272180C4AF}"/>
+                <a16:creationId xmlns:a16="http://schemas.microsoft.com/office/drawing/2014/main" xmlns="" id="{F64CA5FB-2463-4F64-B138-B1272180C4AF}"/>
               </a:ext>
             </a:extLst>
           </p:cNvPr>
@@ -10087,7 +10099,7 @@
           <p:cNvPr id="12" name="Прямая со стрелкой 11">
             <a:extLst>
               <a:ext uri="{FF2B5EF4-FFF2-40B4-BE49-F238E27FC236}">
-                <a16:creationId xmlns:a16="http://schemas.microsoft.com/office/drawing/2014/main" id="{819A8699-F4F6-452A-B1FD-6E2A303B5BA5}"/>
+                <a16:creationId xmlns:a16="http://schemas.microsoft.com/office/drawing/2014/main" xmlns="" id="{819A8699-F4F6-452A-B1FD-6E2A303B5BA5}"/>
               </a:ext>
             </a:extLst>
           </p:cNvPr>
@@ -10129,7 +10141,7 @@
           <p:cNvPr id="14" name="Прямая со стрелкой 13">
             <a:extLst>
               <a:ext uri="{FF2B5EF4-FFF2-40B4-BE49-F238E27FC236}">
-                <a16:creationId xmlns:a16="http://schemas.microsoft.com/office/drawing/2014/main" id="{5B7CBCB1-F574-4A66-9ECB-9931638EF107}"/>
+                <a16:creationId xmlns:a16="http://schemas.microsoft.com/office/drawing/2014/main" xmlns="" id="{5B7CBCB1-F574-4A66-9ECB-9931638EF107}"/>
               </a:ext>
             </a:extLst>
           </p:cNvPr>
@@ -10198,7 +10210,7 @@
           <p:cNvPr id="2" name="Заголовок 1">
             <a:extLst>
               <a:ext uri="{FF2B5EF4-FFF2-40B4-BE49-F238E27FC236}">
-                <a16:creationId xmlns:a16="http://schemas.microsoft.com/office/drawing/2014/main" id="{657E4F17-C449-4ECB-8040-39580584E796}"/>
+                <a16:creationId xmlns:a16="http://schemas.microsoft.com/office/drawing/2014/main" xmlns="" id="{657E4F17-C449-4ECB-8040-39580584E796}"/>
               </a:ext>
             </a:extLst>
           </p:cNvPr>
@@ -10226,7 +10238,7 @@
           <p:cNvPr id="3" name="Объект 2">
             <a:extLst>
               <a:ext uri="{FF2B5EF4-FFF2-40B4-BE49-F238E27FC236}">
-                <a16:creationId xmlns:a16="http://schemas.microsoft.com/office/drawing/2014/main" id="{2BA8D77E-0C48-4EFA-AD22-A21035814ED9}"/>
+                <a16:creationId xmlns:a16="http://schemas.microsoft.com/office/drawing/2014/main" xmlns="" id="{2BA8D77E-0C48-4EFA-AD22-A21035814ED9}"/>
               </a:ext>
             </a:extLst>
           </p:cNvPr>
@@ -10251,7 +10263,7 @@
           <p:cNvPr id="4" name="Номер слайда 3">
             <a:extLst>
               <a:ext uri="{FF2B5EF4-FFF2-40B4-BE49-F238E27FC236}">
-                <a16:creationId xmlns:a16="http://schemas.microsoft.com/office/drawing/2014/main" id="{98B9085A-D1CC-475E-BD9B-F373EF5DFA4E}"/>
+                <a16:creationId xmlns:a16="http://schemas.microsoft.com/office/drawing/2014/main" xmlns="" id="{98B9085A-D1CC-475E-BD9B-F373EF5DFA4E}"/>
               </a:ext>
             </a:extLst>
           </p:cNvPr>
@@ -12463,7 +12475,7 @@
           <p:cNvPr id="2" name="Заголовок 1">
             <a:extLst>
               <a:ext uri="{FF2B5EF4-FFF2-40B4-BE49-F238E27FC236}">
-                <a16:creationId xmlns:a16="http://schemas.microsoft.com/office/drawing/2014/main" id="{10F75200-5298-4AA3-86A8-2AA97163C187}"/>
+                <a16:creationId xmlns:a16="http://schemas.microsoft.com/office/drawing/2014/main" xmlns="" id="{10F75200-5298-4AA3-86A8-2AA97163C187}"/>
               </a:ext>
             </a:extLst>
           </p:cNvPr>
@@ -12491,7 +12503,7 @@
           <p:cNvPr id="3" name="Объект 2">
             <a:extLst>
               <a:ext uri="{FF2B5EF4-FFF2-40B4-BE49-F238E27FC236}">
-                <a16:creationId xmlns:a16="http://schemas.microsoft.com/office/drawing/2014/main" id="{339B1912-DC92-43CF-A2A7-29076716E59D}"/>
+                <a16:creationId xmlns:a16="http://schemas.microsoft.com/office/drawing/2014/main" xmlns="" id="{339B1912-DC92-43CF-A2A7-29076716E59D}"/>
               </a:ext>
             </a:extLst>
           </p:cNvPr>
@@ -12564,7 +12576,7 @@
           <p:cNvPr id="4" name="Номер слайда 3">
             <a:extLst>
               <a:ext uri="{FF2B5EF4-FFF2-40B4-BE49-F238E27FC236}">
-                <a16:creationId xmlns:a16="http://schemas.microsoft.com/office/drawing/2014/main" id="{5C499FFA-524C-41B4-B7F2-80725B645A2C}"/>
+                <a16:creationId xmlns:a16="http://schemas.microsoft.com/office/drawing/2014/main" xmlns="" id="{5C499FFA-524C-41B4-B7F2-80725B645A2C}"/>
               </a:ext>
             </a:extLst>
           </p:cNvPr>
@@ -12593,7 +12605,7 @@
           <p:cNvPr id="5" name="Прямоугольник 4">
             <a:extLst>
               <a:ext uri="{FF2B5EF4-FFF2-40B4-BE49-F238E27FC236}">
-                <a16:creationId xmlns:a16="http://schemas.microsoft.com/office/drawing/2014/main" id="{F0A9815A-24D0-42BF-A29E-3B100F16CF7C}"/>
+                <a16:creationId xmlns:a16="http://schemas.microsoft.com/office/drawing/2014/main" xmlns="" id="{F0A9815A-24D0-42BF-A29E-3B100F16CF7C}"/>
               </a:ext>
             </a:extLst>
           </p:cNvPr>
@@ -12642,7 +12654,7 @@
           <p:cNvPr id="6" name="Прямоугольник 5">
             <a:extLst>
               <a:ext uri="{FF2B5EF4-FFF2-40B4-BE49-F238E27FC236}">
-                <a16:creationId xmlns:a16="http://schemas.microsoft.com/office/drawing/2014/main" id="{67E0D0CA-71D8-43B5-BDF8-4F0F91CC42C2}"/>
+                <a16:creationId xmlns:a16="http://schemas.microsoft.com/office/drawing/2014/main" xmlns="" id="{67E0D0CA-71D8-43B5-BDF8-4F0F91CC42C2}"/>
               </a:ext>
             </a:extLst>
           </p:cNvPr>
@@ -12691,7 +12703,7 @@
           <p:cNvPr id="7" name="Рисунок 6">
             <a:extLst>
               <a:ext uri="{FF2B5EF4-FFF2-40B4-BE49-F238E27FC236}">
-                <a16:creationId xmlns:a16="http://schemas.microsoft.com/office/drawing/2014/main" id="{A643011A-949A-4C3E-ABBB-76ADBF150524}"/>
+                <a16:creationId xmlns:a16="http://schemas.microsoft.com/office/drawing/2014/main" xmlns="" id="{A643011A-949A-4C3E-ABBB-76ADBF150524}"/>
               </a:ext>
             </a:extLst>
           </p:cNvPr>
@@ -12727,7 +12739,7 @@
           <p:cNvPr id="8" name="Прямоугольник 7">
             <a:extLst>
               <a:ext uri="{FF2B5EF4-FFF2-40B4-BE49-F238E27FC236}">
-                <a16:creationId xmlns:a16="http://schemas.microsoft.com/office/drawing/2014/main" id="{BB72BCA3-51A6-466F-BC42-F40A5164E112}"/>
+                <a16:creationId xmlns:a16="http://schemas.microsoft.com/office/drawing/2014/main" xmlns="" id="{BB72BCA3-51A6-466F-BC42-F40A5164E112}"/>
               </a:ext>
             </a:extLst>
           </p:cNvPr>
@@ -12776,7 +12788,7 @@
           <p:cNvPr id="9" name="Прямая со стрелкой 8">
             <a:extLst>
               <a:ext uri="{FF2B5EF4-FFF2-40B4-BE49-F238E27FC236}">
-                <a16:creationId xmlns:a16="http://schemas.microsoft.com/office/drawing/2014/main" id="{F97DF5F6-F95C-4918-BC54-14EA7443B624}"/>
+                <a16:creationId xmlns:a16="http://schemas.microsoft.com/office/drawing/2014/main" xmlns="" id="{F97DF5F6-F95C-4918-BC54-14EA7443B624}"/>
               </a:ext>
             </a:extLst>
           </p:cNvPr>
@@ -12819,7 +12831,7 @@
           <p:cNvPr id="10" name="Прямая со стрелкой 9">
             <a:extLst>
               <a:ext uri="{FF2B5EF4-FFF2-40B4-BE49-F238E27FC236}">
-                <a16:creationId xmlns:a16="http://schemas.microsoft.com/office/drawing/2014/main" id="{7CD1CD34-1EB7-4201-A5BC-5DC847B5F488}"/>
+                <a16:creationId xmlns:a16="http://schemas.microsoft.com/office/drawing/2014/main" xmlns="" id="{7CD1CD34-1EB7-4201-A5BC-5DC847B5F488}"/>
               </a:ext>
             </a:extLst>
           </p:cNvPr>
@@ -12862,7 +12874,7 @@
           <p:cNvPr id="11" name="Прямая со стрелкой 10">
             <a:extLst>
               <a:ext uri="{FF2B5EF4-FFF2-40B4-BE49-F238E27FC236}">
-                <a16:creationId xmlns:a16="http://schemas.microsoft.com/office/drawing/2014/main" id="{62D94838-8D1E-4A10-BD49-2C5AED70A9C6}"/>
+                <a16:creationId xmlns:a16="http://schemas.microsoft.com/office/drawing/2014/main" xmlns="" id="{62D94838-8D1E-4A10-BD49-2C5AED70A9C6}"/>
               </a:ext>
             </a:extLst>
           </p:cNvPr>
@@ -16535,8 +16547,8 @@
           </a:p>
         </p:txBody>
       </p:sp>
-      <mc:AlternateContent xmlns:mc="http://schemas.openxmlformats.org/markup-compatibility/2006" xmlns:a14="http://schemas.microsoft.com/office/drawing/2010/main">
-        <mc:Choice Requires="a14">
+      <mc:AlternateContent xmlns:mc="http://schemas.openxmlformats.org/markup-compatibility/2006">
+        <mc:Choice xmlns:a14="http://schemas.microsoft.com/office/drawing/2010/main" Requires="a14">
           <p:sp>
             <p:nvSpPr>
               <p:cNvPr id="3" name="Объект 2"/>
@@ -16547,10 +16559,15 @@
                 <p:ph idx="1"/>
               </p:nvPr>
             </p:nvSpPr>
-            <p:spPr/>
+            <p:spPr>
+              <a:xfrm>
+                <a:off x="838200" y="1825625"/>
+                <a:ext cx="10515600" cy="4692406"/>
+              </a:xfrm>
+            </p:spPr>
             <p:txBody>
               <a:bodyPr>
-                <a:normAutofit/>
+                <a:normAutofit fontScale="92500" lnSpcReduction="10000"/>
               </a:bodyPr>
               <a:lstStyle/>
               <a:p>
@@ -16722,7 +16739,188 @@
                 </a:r>
                 <a:r>
                   <a:rPr lang="ru-RU" dirty="0"/>
-                  <a:t>если не указано явно иное распределение)</a:t>
+                  <a:t>если не указано явно иное распределение</a:t>
+                </a:r>
+                <a:r>
+                  <a:rPr lang="ru-RU" dirty="0" smtClean="0"/>
+                  <a:t>)</a:t>
+                </a:r>
+              </a:p>
+              <a:p>
+                <a:pPr marL="0" indent="0">
+                  <a:buNone/>
+                </a:pPr>
+                <a14:m>
+                  <m:oMath xmlns:m="http://schemas.openxmlformats.org/officeDocument/2006/math">
+                    <m:r>
+                      <a:rPr lang="en-US" i="1">
+                        <a:latin typeface="Cambria Math" panose="02040503050406030204" pitchFamily="18" charset="0"/>
+                      </a:rPr>
+                      <m:t>𝑥</m:t>
+                    </m:r>
+                    <m:sSub>
+                      <m:sSubPr>
+                        <m:ctrlPr>
+                          <a:rPr lang="en-US" b="0" i="1" smtClean="0">
+                            <a:latin typeface="Cambria Math" panose="02040503050406030204" pitchFamily="18" charset="0"/>
+                          </a:rPr>
+                        </m:ctrlPr>
+                      </m:sSubPr>
+                      <m:e>
+                        <m:r>
+                          <a:rPr lang="ru-RU" b="0" i="1" smtClean="0">
+                            <a:latin typeface="Cambria Math" panose="02040503050406030204" pitchFamily="18" charset="0"/>
+                          </a:rPr>
+                          <m:t>←</m:t>
+                        </m:r>
+                      </m:e>
+                      <m:sub>
+                        <m:r>
+                          <a:rPr lang="en-US" b="0" i="1" smtClean="0">
+                            <a:latin typeface="Cambria Math" panose="02040503050406030204" pitchFamily="18" charset="0"/>
+                          </a:rPr>
+                          <m:t>𝑅</m:t>
+                        </m:r>
+                      </m:sub>
+                    </m:sSub>
+                    <m:r>
+                      <a:rPr lang="en-US" b="0" i="1" smtClean="0">
+                        <a:latin typeface="Cambria Math" panose="02040503050406030204" pitchFamily="18" charset="0"/>
+                      </a:rPr>
+                      <m:t>𝐹</m:t>
+                    </m:r>
+                    <m:r>
+                      <a:rPr lang="en-US" b="0" i="1" smtClean="0">
+                        <a:latin typeface="Cambria Math" panose="02040503050406030204" pitchFamily="18" charset="0"/>
+                      </a:rPr>
+                      <m:t>()</m:t>
+                    </m:r>
+                  </m:oMath>
+                </a14:m>
+                <a:r>
+                  <a:rPr lang="ru-RU" dirty="0"/>
+                  <a:t> – </a:t>
+                </a:r>
+                <a:r>
+                  <a:rPr lang="ru-RU" dirty="0" smtClean="0"/>
+                  <a:t>вычисление </a:t>
+                </a:r>
+                <a:r>
+                  <a:rPr lang="ru-RU" dirty="0" err="1" smtClean="0"/>
+                  <a:t>рандомизированной</a:t>
+                </a:r>
+                <a:r>
+                  <a:rPr lang="ru-RU" dirty="0" smtClean="0"/>
+                  <a:t> функции </a:t>
+                </a:r>
+                <a14:m>
+                  <m:oMath xmlns:m="http://schemas.openxmlformats.org/officeDocument/2006/math">
+                    <m:r>
+                      <a:rPr lang="en-US" b="0" i="1" smtClean="0">
+                        <a:latin typeface="Cambria Math" panose="02040503050406030204" pitchFamily="18" charset="0"/>
+                      </a:rPr>
+                      <m:t>𝐹</m:t>
+                    </m:r>
+                    <m:r>
+                      <a:rPr lang="en-US" b="0" i="1" smtClean="0">
+                        <a:latin typeface="Cambria Math" panose="02040503050406030204" pitchFamily="18" charset="0"/>
+                      </a:rPr>
+                      <m:t>()</m:t>
+                    </m:r>
+                  </m:oMath>
+                </a14:m>
+                <a:endParaRPr lang="en-US" b="0" dirty="0" smtClean="0"/>
+              </a:p>
+              <a:p>
+                <a:pPr marL="0" indent="0">
+                  <a:buNone/>
+                </a:pPr>
+                <a:r>
+                  <a:rPr lang="en-US" dirty="0" smtClean="0"/>
+                  <a:t>“</a:t>
+                </a:r>
+                <a14:m>
+                  <m:oMath xmlns:m="http://schemas.openxmlformats.org/officeDocument/2006/math">
+                    <m:sSub>
+                      <m:sSubPr>
+                        <m:ctrlPr>
+                          <a:rPr lang="en-US" i="1">
+                            <a:latin typeface="Cambria Math" panose="02040503050406030204" pitchFamily="18" charset="0"/>
+                          </a:rPr>
+                        </m:ctrlPr>
+                      </m:sSubPr>
+                      <m:e>
+                        <m:r>
+                          <a:rPr lang="ru-RU" i="1">
+                            <a:latin typeface="Cambria Math" panose="02040503050406030204" pitchFamily="18" charset="0"/>
+                          </a:rPr>
+                          <m:t>←</m:t>
+                        </m:r>
+                      </m:e>
+                      <m:sub>
+                        <m:r>
+                          <a:rPr lang="en-US" i="1">
+                            <a:latin typeface="Cambria Math" panose="02040503050406030204" pitchFamily="18" charset="0"/>
+                          </a:rPr>
+                          <m:t>𝑅</m:t>
+                        </m:r>
+                      </m:sub>
+                    </m:sSub>
+                  </m:oMath>
+                </a14:m>
+                <a:r>
+                  <a:rPr lang="en-US" b="0" dirty="0" smtClean="0"/>
+                  <a:t>” </a:t>
+                </a:r>
+                <a:r>
+                  <a:rPr lang="ru-RU" b="0" dirty="0" smtClean="0"/>
+                  <a:t>и </a:t>
+                </a:r>
+                <a:r>
+                  <a:rPr lang="en-US" b="0" dirty="0" smtClean="0"/>
+                  <a:t>“</a:t>
+                </a:r>
+                <a14:m>
+                  <m:oMath xmlns:m="http://schemas.openxmlformats.org/officeDocument/2006/math">
+                    <m:groupChr>
+                      <m:groupChrPr>
+                        <m:chr m:val="←"/>
+                        <m:vertJc m:val="bot"/>
+                        <m:ctrlPr>
+                          <a:rPr lang="en-US" sz="2800" i="1">
+                            <a:latin typeface="Cambria Math" panose="02040503050406030204" pitchFamily="18" charset="0"/>
+                          </a:rPr>
+                        </m:ctrlPr>
+                      </m:groupChrPr>
+                      <m:e>
+                        <m:r>
+                          <m:rPr>
+                            <m:brk m:alnAt="2"/>
+                          </m:rPr>
+                          <a:rPr lang="en-US" sz="2800" i="1">
+                            <a:latin typeface="Cambria Math" panose="02040503050406030204" pitchFamily="18" charset="0"/>
+                          </a:rPr>
+                          <m:t>𝑅</m:t>
+                        </m:r>
+                      </m:e>
+                    </m:groupChr>
+                  </m:oMath>
+                </a14:m>
+                <a:r>
+                  <a:rPr lang="en-US" b="0" dirty="0" smtClean="0"/>
+                  <a:t>” </a:t>
+                </a:r>
+                <a:r>
+                  <a:rPr lang="ru-RU" dirty="0" smtClean="0"/>
+                  <a:t>–</a:t>
+                </a:r>
+                <a:r>
+                  <a:rPr lang="en-US" dirty="0" smtClean="0"/>
+                  <a:t> </a:t>
+                </a:r>
+                <a:r>
+                  <a:rPr lang="ru-RU" smtClean="0"/>
+                  <a:t>эквивалентные обозначения.</a:t>
                 </a:r>
                 <a:endParaRPr lang="en-US" b="0" dirty="0"/>
               </a:p>
@@ -16851,7 +17049,7 @@
             </p:txBody>
           </p:sp>
         </mc:Choice>
-        <mc:Fallback xmlns="">
+        <mc:Fallback>
           <p:sp>
             <p:nvSpPr>
               <p:cNvPr id="3" name="Объект 2"/>
@@ -16863,10 +17061,14 @@
               </p:nvPr>
             </p:nvSpPr>
             <p:spPr>
-              <a:blipFill>
+              <a:xfrm>
+                <a:off x="838200" y="1825625"/>
+                <a:ext cx="10515600" cy="4692406"/>
+              </a:xfrm>
+              <a:blipFill rotWithShape="0">
                 <a:blip r:embed="rId2"/>
                 <a:stretch>
-                  <a:fillRect l="-1043" t="-2101"/>
+                  <a:fillRect l="-928" t="-2468"/>
                 </a:stretch>
               </a:blipFill>
             </p:spPr>
@@ -24957,7 +25159,7 @@
           <p:cNvPr id="5" name="TextBox 4">
             <a:extLst>
               <a:ext uri="{FF2B5EF4-FFF2-40B4-BE49-F238E27FC236}">
-                <a16:creationId xmlns:a16="http://schemas.microsoft.com/office/drawing/2014/main" id="{4D6BF140-4AD6-47B6-B128-F3369B3AF3E0}"/>
+                <a16:creationId xmlns:a16="http://schemas.microsoft.com/office/drawing/2014/main" xmlns="" id="{4D6BF140-4AD6-47B6-B128-F3369B3AF3E0}"/>
               </a:ext>
             </a:extLst>
           </p:cNvPr>
@@ -25090,8 +25292,8 @@
           </a:p>
         </p:txBody>
       </p:sp>
-      <mc:AlternateContent xmlns:mc="http://schemas.openxmlformats.org/markup-compatibility/2006">
-        <mc:Choice xmlns:a14="http://schemas.microsoft.com/office/drawing/2010/main" Requires="a14">
+      <mc:AlternateContent xmlns:mc="http://schemas.openxmlformats.org/markup-compatibility/2006" xmlns:a14="http://schemas.microsoft.com/office/drawing/2010/main">
+        <mc:Choice Requires="a14">
           <p:sp>
             <p:nvSpPr>
               <p:cNvPr id="3" name="Объект 2"/>
@@ -26080,7 +26282,7 @@
             </p:txBody>
           </p:sp>
         </mc:Choice>
-        <mc:Fallback>
+        <mc:Fallback xmlns="">
           <p:sp>
             <p:nvSpPr>
               <p:cNvPr id="3" name="Объект 2"/>
@@ -26821,8 +27023,8 @@
           </a:p>
         </p:txBody>
       </p:sp>
-      <mc:AlternateContent xmlns:mc="http://schemas.openxmlformats.org/markup-compatibility/2006">
-        <mc:Choice xmlns:a14="http://schemas.microsoft.com/office/drawing/2010/main" Requires="a14">
+      <mc:AlternateContent xmlns:mc="http://schemas.openxmlformats.org/markup-compatibility/2006" xmlns:a14="http://schemas.microsoft.com/office/drawing/2010/main">
+        <mc:Choice Requires="a14">
           <p:sp>
             <p:nvSpPr>
               <p:cNvPr id="3" name="Объект 2"/>
@@ -27987,7 +28189,7 @@
             </p:txBody>
           </p:sp>
         </mc:Choice>
-        <mc:Fallback>
+        <mc:Fallback xmlns="">
           <p:sp>
             <p:nvSpPr>
               <p:cNvPr id="3" name="Объект 2"/>
@@ -28142,8 +28344,8 @@
           </a:p>
         </p:txBody>
       </p:sp>
-      <mc:AlternateContent xmlns:mc="http://schemas.openxmlformats.org/markup-compatibility/2006">
-        <mc:Choice xmlns:a14="http://schemas.microsoft.com/office/drawing/2010/main" Requires="a14">
+      <mc:AlternateContent xmlns:mc="http://schemas.openxmlformats.org/markup-compatibility/2006" xmlns:a14="http://schemas.microsoft.com/office/drawing/2010/main">
+        <mc:Choice Requires="a14">
           <p:sp>
             <p:nvSpPr>
               <p:cNvPr id="3" name="Объект 2"/>
@@ -29178,7 +29380,7 @@
             </p:txBody>
           </p:sp>
         </mc:Choice>
-        <mc:Fallback>
+        <mc:Fallback xmlns="">
           <p:sp>
             <p:nvSpPr>
               <p:cNvPr id="3" name="Объект 2"/>
@@ -32770,7 +32972,7 @@
           <p:cNvPr id="6" name="Прямоугольник: скругленные углы 5">
             <a:extLst>
               <a:ext uri="{FF2B5EF4-FFF2-40B4-BE49-F238E27FC236}">
-                <a16:creationId xmlns:a16="http://schemas.microsoft.com/office/drawing/2014/main" id="{4F24DD81-915F-4BD5-9242-0E5C80C39CD4}"/>
+                <a16:creationId xmlns:a16="http://schemas.microsoft.com/office/drawing/2014/main" xmlns="" id="{4F24DD81-915F-4BD5-9242-0E5C80C39CD4}"/>
               </a:ext>
             </a:extLst>
           </p:cNvPr>
@@ -32817,7 +33019,7 @@
               <p:cNvPr id="7" name="TextBox 6">
                 <a:extLst>
                   <a:ext uri="{FF2B5EF4-FFF2-40B4-BE49-F238E27FC236}">
-                    <a16:creationId xmlns:a16="http://schemas.microsoft.com/office/drawing/2014/main" id="{964C0123-D43D-4998-BA21-5ABD6765985B}"/>
+                    <a16:creationId xmlns:a16="http://schemas.microsoft.com/office/drawing/2014/main" xmlns="" id="{964C0123-D43D-4998-BA21-5ABD6765985B}"/>
                   </a:ext>
                 </a:extLst>
               </p:cNvPr>
@@ -32920,7 +33122,7 @@
               <p:cNvPr id="8" name="Прямоугольник: скругленные углы 7">
                 <a:extLst>
                   <a:ext uri="{FF2B5EF4-FFF2-40B4-BE49-F238E27FC236}">
-                    <a16:creationId xmlns:a16="http://schemas.microsoft.com/office/drawing/2014/main" id="{B054E4A5-3176-4FC9-BAD5-BC4C19C28750}"/>
+                    <a16:creationId xmlns:a16="http://schemas.microsoft.com/office/drawing/2014/main" xmlns="" id="{B054E4A5-3176-4FC9-BAD5-BC4C19C28750}"/>
                   </a:ext>
                 </a:extLst>
               </p:cNvPr>
@@ -33035,7 +33237,7 @@
               <p:cNvPr id="9" name="TextBox 8">
                 <a:extLst>
                   <a:ext uri="{FF2B5EF4-FFF2-40B4-BE49-F238E27FC236}">
-                    <a16:creationId xmlns:a16="http://schemas.microsoft.com/office/drawing/2014/main" id="{49266946-C772-4D05-91EC-B627F8595C49}"/>
+                    <a16:creationId xmlns:a16="http://schemas.microsoft.com/office/drawing/2014/main" xmlns="" id="{49266946-C772-4D05-91EC-B627F8595C49}"/>
                   </a:ext>
                 </a:extLst>
               </p:cNvPr>
@@ -33137,7 +33339,7 @@
               <p:cNvPr id="10" name="TextBox 9">
                 <a:extLst>
                   <a:ext uri="{FF2B5EF4-FFF2-40B4-BE49-F238E27FC236}">
-                    <a16:creationId xmlns:a16="http://schemas.microsoft.com/office/drawing/2014/main" id="{AF4F33E2-2FC3-4A7C-AF41-BC587DC23561}"/>
+                    <a16:creationId xmlns:a16="http://schemas.microsoft.com/office/drawing/2014/main" xmlns="" id="{AF4F33E2-2FC3-4A7C-AF41-BC587DC23561}"/>
                   </a:ext>
                 </a:extLst>
               </p:cNvPr>
@@ -35131,7 +35333,7 @@
           <p:cNvPr id="8" name="Прямоугольник: скругленные углы 7">
             <a:extLst>
               <a:ext uri="{FF2B5EF4-FFF2-40B4-BE49-F238E27FC236}">
-                <a16:creationId xmlns:a16="http://schemas.microsoft.com/office/drawing/2014/main" id="{D8DF29BC-5D6B-4F0C-A252-AC3E127EEB58}"/>
+                <a16:creationId xmlns:a16="http://schemas.microsoft.com/office/drawing/2014/main" xmlns="" id="{D8DF29BC-5D6B-4F0C-A252-AC3E127EEB58}"/>
               </a:ext>
             </a:extLst>
           </p:cNvPr>
@@ -35178,7 +35380,7 @@
               <p:cNvPr id="9" name="TextBox 8">
                 <a:extLst>
                   <a:ext uri="{FF2B5EF4-FFF2-40B4-BE49-F238E27FC236}">
-                    <a16:creationId xmlns:a16="http://schemas.microsoft.com/office/drawing/2014/main" id="{26F34E3F-F76A-48D5-B050-81AE562F67D7}"/>
+                    <a16:creationId xmlns:a16="http://schemas.microsoft.com/office/drawing/2014/main" xmlns="" id="{26F34E3F-F76A-48D5-B050-81AE562F67D7}"/>
                   </a:ext>
                 </a:extLst>
               </p:cNvPr>
@@ -35279,7 +35481,7 @@
           <p:cNvPr id="10" name="Прямоугольник: скругленные углы 9">
             <a:extLst>
               <a:ext uri="{FF2B5EF4-FFF2-40B4-BE49-F238E27FC236}">
-                <a16:creationId xmlns:a16="http://schemas.microsoft.com/office/drawing/2014/main" id="{628C3EE1-62B6-46FB-A434-307ADC8C47AE}"/>
+                <a16:creationId xmlns:a16="http://schemas.microsoft.com/office/drawing/2014/main" xmlns="" id="{628C3EE1-62B6-46FB-A434-307ADC8C47AE}"/>
               </a:ext>
             </a:extLst>
           </p:cNvPr>
@@ -35327,7 +35529,7 @@
               <p:cNvPr id="11" name="TextBox 10">
                 <a:extLst>
                   <a:ext uri="{FF2B5EF4-FFF2-40B4-BE49-F238E27FC236}">
-                    <a16:creationId xmlns:a16="http://schemas.microsoft.com/office/drawing/2014/main" id="{BBFA85AD-D894-4819-ADF8-1706078CFB0D}"/>
+                    <a16:creationId xmlns:a16="http://schemas.microsoft.com/office/drawing/2014/main" xmlns="" id="{BBFA85AD-D894-4819-ADF8-1706078CFB0D}"/>
                   </a:ext>
                 </a:extLst>
               </p:cNvPr>
@@ -35429,7 +35631,7 @@
               <p:cNvPr id="12" name="TextBox 11">
                 <a:extLst>
                   <a:ext uri="{FF2B5EF4-FFF2-40B4-BE49-F238E27FC236}">
-                    <a16:creationId xmlns:a16="http://schemas.microsoft.com/office/drawing/2014/main" id="{6B4B26E6-D864-4288-AED4-535C44E3072B}"/>
+                    <a16:creationId xmlns:a16="http://schemas.microsoft.com/office/drawing/2014/main" xmlns="" id="{6B4B26E6-D864-4288-AED4-535C44E3072B}"/>
                   </a:ext>
                 </a:extLst>
               </p:cNvPr>
@@ -35529,7 +35731,7 @@
           <p:cNvPr id="6" name="Овал 5">
             <a:extLst>
               <a:ext uri="{FF2B5EF4-FFF2-40B4-BE49-F238E27FC236}">
-                <a16:creationId xmlns:a16="http://schemas.microsoft.com/office/drawing/2014/main" id="{A433FB22-2752-4EBC-BBE6-5A3FFD871B1A}"/>
+                <a16:creationId xmlns:a16="http://schemas.microsoft.com/office/drawing/2014/main" xmlns="" id="{A433FB22-2752-4EBC-BBE6-5A3FFD871B1A}"/>
               </a:ext>
             </a:extLst>
           </p:cNvPr>
@@ -35575,7 +35777,7 @@
           <p:cNvPr id="13" name="Овал 12">
             <a:extLst>
               <a:ext uri="{FF2B5EF4-FFF2-40B4-BE49-F238E27FC236}">
-                <a16:creationId xmlns:a16="http://schemas.microsoft.com/office/drawing/2014/main" id="{5598AD4E-8E11-4C11-858C-55F20BB1DF4D}"/>
+                <a16:creationId xmlns:a16="http://schemas.microsoft.com/office/drawing/2014/main" xmlns="" id="{5598AD4E-8E11-4C11-858C-55F20BB1DF4D}"/>
               </a:ext>
             </a:extLst>
           </p:cNvPr>
@@ -35623,7 +35825,7 @@
               <p:cNvPr id="14" name="TextBox 13">
                 <a:extLst>
                   <a:ext uri="{FF2B5EF4-FFF2-40B4-BE49-F238E27FC236}">
-                    <a16:creationId xmlns:a16="http://schemas.microsoft.com/office/drawing/2014/main" id="{ED95C6A8-97D8-4529-8052-975470077F67}"/>
+                    <a16:creationId xmlns:a16="http://schemas.microsoft.com/office/drawing/2014/main" xmlns="" id="{ED95C6A8-97D8-4529-8052-975470077F67}"/>
                   </a:ext>
                 </a:extLst>
               </p:cNvPr>
@@ -35738,7 +35940,7 @@
               <p:cNvPr id="15" name="TextBox 14">
                 <a:extLst>
                   <a:ext uri="{FF2B5EF4-FFF2-40B4-BE49-F238E27FC236}">
-                    <a16:creationId xmlns:a16="http://schemas.microsoft.com/office/drawing/2014/main" id="{2539DFDB-32F3-4741-A205-C31D1E964F08}"/>
+                    <a16:creationId xmlns:a16="http://schemas.microsoft.com/office/drawing/2014/main" xmlns="" id="{2539DFDB-32F3-4741-A205-C31D1E964F08}"/>
                   </a:ext>
                 </a:extLst>
               </p:cNvPr>
@@ -35838,7 +36040,7 @@
           <p:cNvPr id="17" name="Соединитель: изогнутый 16">
             <a:extLst>
               <a:ext uri="{FF2B5EF4-FFF2-40B4-BE49-F238E27FC236}">
-                <a16:creationId xmlns:a16="http://schemas.microsoft.com/office/drawing/2014/main" id="{23E43CEB-9683-4FE8-8719-965DA636E544}"/>
+                <a16:creationId xmlns:a16="http://schemas.microsoft.com/office/drawing/2014/main" xmlns="" id="{23E43CEB-9683-4FE8-8719-965DA636E544}"/>
               </a:ext>
             </a:extLst>
           </p:cNvPr>
@@ -35880,7 +36082,7 @@
           <p:cNvPr id="18" name="Соединитель: изогнутый 17">
             <a:extLst>
               <a:ext uri="{FF2B5EF4-FFF2-40B4-BE49-F238E27FC236}">
-                <a16:creationId xmlns:a16="http://schemas.microsoft.com/office/drawing/2014/main" id="{BBA55590-A29F-4B15-BD1A-03C80A16E1BA}"/>
+                <a16:creationId xmlns:a16="http://schemas.microsoft.com/office/drawing/2014/main" xmlns="" id="{BBA55590-A29F-4B15-BD1A-03C80A16E1BA}"/>
               </a:ext>
             </a:extLst>
           </p:cNvPr>
@@ -35927,7 +36129,7 @@
               <p:cNvPr id="19" name="TextBox 18">
                 <a:extLst>
                   <a:ext uri="{FF2B5EF4-FFF2-40B4-BE49-F238E27FC236}">
-                    <a16:creationId xmlns:a16="http://schemas.microsoft.com/office/drawing/2014/main" id="{7E5337A5-0B30-4F11-A44C-25EBF753FBEC}"/>
+                    <a16:creationId xmlns:a16="http://schemas.microsoft.com/office/drawing/2014/main" xmlns="" id="{7E5337A5-0B30-4F11-A44C-25EBF753FBEC}"/>
                   </a:ext>
                 </a:extLst>
               </p:cNvPr>
@@ -36924,8 +37126,8 @@
           </a:p>
         </p:txBody>
       </p:sp>
-      <mc:AlternateContent xmlns:mc="http://schemas.openxmlformats.org/markup-compatibility/2006">
-        <mc:Choice xmlns:a14="http://schemas.microsoft.com/office/drawing/2010/main" Requires="a14">
+      <mc:AlternateContent xmlns:mc="http://schemas.openxmlformats.org/markup-compatibility/2006" xmlns:a14="http://schemas.microsoft.com/office/drawing/2010/main">
+        <mc:Choice Requires="a14">
           <p:sp>
             <p:nvSpPr>
               <p:cNvPr id="3" name="Объект 2"/>
@@ -37574,7 +37776,7 @@
             </p:txBody>
           </p:sp>
         </mc:Choice>
-        <mc:Fallback>
+        <mc:Fallback xmlns="">
           <p:sp>
             <p:nvSpPr>
               <p:cNvPr id="3" name="Объект 2"/>
@@ -39600,7 +39802,7 @@
           <p:cNvPr id="5" name="TextBox 4">
             <a:extLst>
               <a:ext uri="{FF2B5EF4-FFF2-40B4-BE49-F238E27FC236}">
-                <a16:creationId xmlns:a16="http://schemas.microsoft.com/office/drawing/2014/main" id="{A5DBC421-A8F1-4B80-A453-62B59842F0B1}"/>
+                <a16:creationId xmlns:a16="http://schemas.microsoft.com/office/drawing/2014/main" xmlns="" id="{A5DBC421-A8F1-4B80-A453-62B59842F0B1}"/>
               </a:ext>
             </a:extLst>
           </p:cNvPr>
@@ -39909,13 +40111,13 @@
                         <a:rPr lang="en-US" b="0" i="1" smtClean="0">
                           <a:latin typeface="Cambria Math" panose="02040503050406030204" pitchFamily="18" charset="0"/>
                         </a:rPr>
-                        <m:t>(бросок "честной" мон</m:t>
+                        <m:t>(бросок "честной" монетки</m:t>
                       </m:r>
                       <m:r>
                         <a:rPr lang="ru-RU" b="0" i="1" smtClean="0">
                           <a:latin typeface="Cambria Math" panose="02040503050406030204" pitchFamily="18" charset="0"/>
                         </a:rPr>
-                        <m:t>етки)≥</m:t>
+                        <m:t>)≥</m:t>
                       </m:r>
                       <m:r>
                         <a:rPr lang="en-US" b="0" i="1" smtClean="0">
@@ -39927,13 +40129,13 @@
                         <a:rPr lang="en-US" b="0" i="1" smtClean="0">
                           <a:latin typeface="Cambria Math" panose="02040503050406030204" pitchFamily="18" charset="0"/>
                         </a:rPr>
-                        <m:t>(бросок монетки, одна</m:t>
+                        <m:t>(бросок монетки, одна из </m:t>
                       </m:r>
                       <m:r>
                         <a:rPr lang="ru-RU" b="0" i="1" smtClean="0">
                           <a:latin typeface="Cambria Math" panose="02040503050406030204" pitchFamily="18" charset="0"/>
                         </a:rPr>
-                        <m:t> из сторон которой тяжелее)</m:t>
+                        <m:t>сторон которой тяжелее)</m:t>
                       </m:r>
                     </m:oMath>
                   </m:oMathPara>
@@ -40009,7 +40211,7 @@
           <p:cNvPr id="5" name="TextBox 4">
             <a:extLst>
               <a:ext uri="{FF2B5EF4-FFF2-40B4-BE49-F238E27FC236}">
-                <a16:creationId xmlns:a16="http://schemas.microsoft.com/office/drawing/2014/main" id="{A5DBC421-A8F1-4B80-A453-62B59842F0B1}"/>
+                <a16:creationId xmlns:a16="http://schemas.microsoft.com/office/drawing/2014/main" xmlns="" id="{A5DBC421-A8F1-4B80-A453-62B59842F0B1}"/>
               </a:ext>
             </a:extLst>
           </p:cNvPr>
@@ -40137,8 +40339,8 @@
           </a:p>
         </p:txBody>
       </p:sp>
-      <mc:AlternateContent xmlns:mc="http://schemas.openxmlformats.org/markup-compatibility/2006">
-        <mc:Choice xmlns:a14="http://schemas.microsoft.com/office/drawing/2010/main" Requires="a14">
+      <mc:AlternateContent xmlns:mc="http://schemas.openxmlformats.org/markup-compatibility/2006" xmlns:a14="http://schemas.microsoft.com/office/drawing/2010/main">
+        <mc:Choice Requires="a14">
           <p:sp>
             <p:nvSpPr>
               <p:cNvPr id="3" name="Объект 2"/>
@@ -40543,7 +40745,7 @@
             </p:txBody>
           </p:sp>
         </mc:Choice>
-        <mc:Fallback>
+        <mc:Fallback xmlns="">
           <p:sp>
             <p:nvSpPr>
               <p:cNvPr id="3" name="Объект 2"/>
